--- a/Lecture07-08_BinaryDepVars/Lecture7_BinaryDepVars_2022F.pptx
+++ b/Lecture07-08_BinaryDepVars/Lecture7_BinaryDepVars_2022F.pptx
@@ -269,7 +269,7 @@
           <a:p>
             <a:fld id="{EF911157-0FC2-4F06-8D61-FD647FE4E19D}" type="datetimeFigureOut">
               <a:rPr lang="en-US" smtClean="0"/>
-              <a:t>7/18/2022</a:t>
+              <a:t>7/20/2022</a:t>
             </a:fld>
             <a:endParaRPr lang="en-US"/>
           </a:p>
@@ -2884,8 +2884,25 @@
                 <a:effectLst/>
                 <a:latin typeface="Source Sans Pro" panose="020B0503030403020204" pitchFamily="34" charset="0"/>
               </a:rPr>
-              <a:t> in 2SLS.</a:t>
-            </a:r>
+              <a:t> in 2SLS. You’ll look at this a little </a:t>
+            </a:r>
+            <a:r>
+              <a:rPr lang="en-US" b="0" i="0">
+                <a:solidFill>
+                  <a:srgbClr val="222222"/>
+                </a:solidFill>
+                <a:effectLst/>
+                <a:latin typeface="Source Sans Pro" panose="020B0503030403020204" pitchFamily="34" charset="0"/>
+              </a:rPr>
+              <a:t>bit in the problem set. </a:t>
+            </a:r>
+            <a:endParaRPr lang="en-US" b="0" i="0" dirty="0">
+              <a:solidFill>
+                <a:srgbClr val="222222"/>
+              </a:solidFill>
+              <a:effectLst/>
+              <a:latin typeface="Source Sans Pro" panose="020B0503030403020204" pitchFamily="34" charset="0"/>
+            </a:endParaRPr>
           </a:p>
           <a:p>
             <a:endParaRPr lang="en-US" dirty="0"/>
@@ -5946,7 +5963,7 @@
             <a:fld id="{0972D05C-DCFB-4BB6-B49C-AC126BF3ED2C}" type="datetimeFigureOut">
               <a:rPr lang="en-US" smtClean="0"/>
               <a:pPr/>
-              <a:t>7/18/2022</a:t>
+              <a:t>7/20/2022</a:t>
             </a:fld>
             <a:endParaRPr lang="en-US"/>
           </a:p>
@@ -6176,7 +6193,7 @@
             <a:fld id="{0972D05C-DCFB-4BB6-B49C-AC126BF3ED2C}" type="datetimeFigureOut">
               <a:rPr lang="en-US" smtClean="0"/>
               <a:pPr/>
-              <a:t>7/18/2022</a:t>
+              <a:t>7/20/2022</a:t>
             </a:fld>
             <a:endParaRPr lang="en-US"/>
           </a:p>
@@ -6358,7 +6375,7 @@
             <a:fld id="{0972D05C-DCFB-4BB6-B49C-AC126BF3ED2C}" type="datetimeFigureOut">
               <a:rPr lang="en-US" smtClean="0"/>
               <a:pPr/>
-              <a:t>7/18/2022</a:t>
+              <a:t>7/20/2022</a:t>
             </a:fld>
             <a:endParaRPr lang="en-US"/>
           </a:p>
@@ -6530,7 +6547,7 @@
             <a:fld id="{0972D05C-DCFB-4BB6-B49C-AC126BF3ED2C}" type="datetimeFigureOut">
               <a:rPr lang="en-US" smtClean="0"/>
               <a:pPr/>
-              <a:t>7/18/2022</a:t>
+              <a:t>7/20/2022</a:t>
             </a:fld>
             <a:endParaRPr lang="en-US"/>
           </a:p>
@@ -6786,7 +6803,7 @@
             <a:fld id="{0972D05C-DCFB-4BB6-B49C-AC126BF3ED2C}" type="datetimeFigureOut">
               <a:rPr lang="en-US" smtClean="0"/>
               <a:pPr/>
-              <a:t>7/18/2022</a:t>
+              <a:t>7/20/2022</a:t>
             </a:fld>
             <a:endParaRPr lang="en-US"/>
           </a:p>
@@ -7114,7 +7131,7 @@
             <a:fld id="{0972D05C-DCFB-4BB6-B49C-AC126BF3ED2C}" type="datetimeFigureOut">
               <a:rPr lang="en-US" smtClean="0"/>
               <a:pPr/>
-              <a:t>7/18/2022</a:t>
+              <a:t>7/20/2022</a:t>
             </a:fld>
             <a:endParaRPr lang="en-US"/>
           </a:p>
@@ -7567,7 +7584,7 @@
             <a:fld id="{0972D05C-DCFB-4BB6-B49C-AC126BF3ED2C}" type="datetimeFigureOut">
               <a:rPr lang="en-US" smtClean="0"/>
               <a:pPr/>
-              <a:t>7/18/2022</a:t>
+              <a:t>7/20/2022</a:t>
             </a:fld>
             <a:endParaRPr lang="en-US"/>
           </a:p>
@@ -7687,7 +7704,7 @@
             <a:fld id="{0972D05C-DCFB-4BB6-B49C-AC126BF3ED2C}" type="datetimeFigureOut">
               <a:rPr lang="en-US" smtClean="0"/>
               <a:pPr/>
-              <a:t>7/18/2022</a:t>
+              <a:t>7/20/2022</a:t>
             </a:fld>
             <a:endParaRPr lang="en-US"/>
           </a:p>
@@ -7784,7 +7801,7 @@
             <a:fld id="{0972D05C-DCFB-4BB6-B49C-AC126BF3ED2C}" type="datetimeFigureOut">
               <a:rPr lang="en-US" smtClean="0"/>
               <a:pPr/>
-              <a:t>7/18/2022</a:t>
+              <a:t>7/20/2022</a:t>
             </a:fld>
             <a:endParaRPr lang="en-US"/>
           </a:p>
@@ -8073,7 +8090,7 @@
             <a:fld id="{0972D05C-DCFB-4BB6-B49C-AC126BF3ED2C}" type="datetimeFigureOut">
               <a:rPr lang="en-US" smtClean="0"/>
               <a:pPr/>
-              <a:t>7/18/2022</a:t>
+              <a:t>7/20/2022</a:t>
             </a:fld>
             <a:endParaRPr lang="en-US"/>
           </a:p>
@@ -8397,7 +8414,7 @@
             <a:fld id="{0972D05C-DCFB-4BB6-B49C-AC126BF3ED2C}" type="datetimeFigureOut">
               <a:rPr lang="en-US" smtClean="0"/>
               <a:pPr/>
-              <a:t>7/18/2022</a:t>
+              <a:t>7/20/2022</a:t>
             </a:fld>
             <a:endParaRPr lang="en-US"/>
           </a:p>
@@ -8652,7 +8669,7 @@
             <a:fld id="{0972D05C-DCFB-4BB6-B49C-AC126BF3ED2C}" type="datetimeFigureOut">
               <a:rPr lang="en-US" smtClean="0"/>
               <a:pPr/>
-              <a:t>7/18/2022</a:t>
+              <a:t>7/20/2022</a:t>
             </a:fld>
             <a:endParaRPr lang="en-US" dirty="0"/>
           </a:p>

--- a/Lecture07-08_BinaryDepVars/Lecture7_BinaryDepVars_2022F.pptx
+++ b/Lecture07-08_BinaryDepVars/Lecture7_BinaryDepVars_2022F.pptx
@@ -5,7 +5,7 @@
     <p:sldMasterId id="2147483738" r:id="rId1"/>
   </p:sldMasterIdLst>
   <p:notesMasterIdLst>
-    <p:notesMasterId r:id="rId64"/>
+    <p:notesMasterId r:id="rId65"/>
   </p:notesMasterIdLst>
   <p:sldIdLst>
     <p:sldId id="256" r:id="rId2"/>
@@ -54,7 +54,7 @@
     <p:sldId id="570" r:id="rId45"/>
     <p:sldId id="522" r:id="rId46"/>
     <p:sldId id="581" r:id="rId47"/>
-    <p:sldId id="582" r:id="rId48"/>
+    <p:sldId id="587" r:id="rId48"/>
     <p:sldId id="583" r:id="rId49"/>
     <p:sldId id="584" r:id="rId50"/>
     <p:sldId id="585" r:id="rId51"/>
@@ -69,7 +69,8 @@
     <p:sldId id="578" r:id="rId60"/>
     <p:sldId id="579" r:id="rId61"/>
     <p:sldId id="580" r:id="rId62"/>
-    <p:sldId id="586" r:id="rId63"/>
+    <p:sldId id="588" r:id="rId63"/>
+    <p:sldId id="586" r:id="rId64"/>
   </p:sldIdLst>
   <p:sldSz cx="12192000" cy="6858000"/>
   <p:notesSz cx="7010400" cy="9296400"/>
@@ -269,7 +270,7 @@
           <a:p>
             <a:fld id="{EF911157-0FC2-4F06-8D61-FD647FE4E19D}" type="datetimeFigureOut">
               <a:rPr lang="en-US" smtClean="0"/>
-              <a:t>7/20/2022</a:t>
+              <a:t>8/12/2022</a:t>
             </a:fld>
             <a:endParaRPr lang="en-US"/>
           </a:p>
@@ -589,7 +590,10 @@
               <a:buFont typeface="Arial" panose="020B0604020202020204" pitchFamily="34" charset="0"/>
               <a:buNone/>
             </a:pPr>
-            <a:endParaRPr lang="en-US" dirty="0"/>
+            <a:r>
+              <a:rPr lang="en-US" dirty="0"/>
+              <a:t>This will take two lectures (and/or, be a catch-up day). </a:t>
+            </a:r>
           </a:p>
         </p:txBody>
       </p:sp>
@@ -856,7 +860,7 @@
           <a:p>
             <a:r>
               <a:rPr lang="en-US" dirty="0"/>
-              <a:t>Clarify differences in pp versus %</a:t>
+              <a:t>Clarify differences in pp versus %. Homework late grades are a good example. </a:t>
             </a:r>
           </a:p>
         </p:txBody>
@@ -3944,7 +3948,21 @@
           <a:p>
             <a:r>
               <a:rPr lang="en-US" dirty="0"/>
-              <a:t>Truncated Poisson allows us to fit only positive counts</a:t>
+              <a:t>Examples of different processes: have to decide first time whether to go, based on location, lack of relationship, uncertainty about cost, etc. After I go once, number of visits is more related to actual medical needs (and easier due to physician relationship, automatic appointments, etc.) </a:t>
+            </a:r>
+          </a:p>
+          <a:p>
+            <a:r>
+              <a:rPr lang="en-US" dirty="0"/>
+              <a:t>Note: stage 1 is a logit, stage 2 is a truncated </a:t>
+            </a:r>
+            <a:r>
+              <a:rPr lang="en-US" dirty="0" err="1"/>
+              <a:t>poisson</a:t>
+            </a:r>
+            <a:r>
+              <a:rPr lang="en-US" dirty="0"/>
+              <a:t> (one that doesn’t allow 0s)</a:t>
             </a:r>
           </a:p>
         </p:txBody>
@@ -3975,7 +3993,7 @@
     </p:spTree>
     <p:extLst>
       <p:ext uri="{BB962C8B-B14F-4D97-AF65-F5344CB8AC3E}">
-        <p14:creationId xmlns:p14="http://schemas.microsoft.com/office/powerpoint/2010/main" val="928665219"/>
+        <p14:creationId xmlns:p14="http://schemas.microsoft.com/office/powerpoint/2010/main" val="4124909734"/>
       </p:ext>
     </p:extLst>
   </p:cSld>
@@ -5400,7 +5418,13 @@
           <a:p>
             <a:r>
               <a:rPr lang="en-US" dirty="0"/>
-              <a:t>Focusing only on these three for today</a:t>
+              <a:t>A note on relative risk ratios: odds ratios are relative and hence depend on baseline levels (e.g., a 1.5 times increase from 1 is 1.5 but from 100 is 150). This plays a critical role in the economic significance of your results.</a:t>
+            </a:r>
+          </a:p>
+          <a:p>
+            <a:r>
+              <a:rPr lang="en-US" dirty="0"/>
+              <a:t>Evaluating a complicated model in econometric analysis becomes more and more about story-telling – the more complicated your model is, the more certain your assumptions are wrong. How useful is your model? </a:t>
             </a:r>
           </a:p>
         </p:txBody>
@@ -5423,6 +5447,93 @@
             <a:fld id="{4AF79E1B-2C51-4B9B-8EA4-26DE9E345AFF}" type="slidenum">
               <a:rPr lang="en-US" smtClean="0"/>
               <a:t>62</a:t>
+            </a:fld>
+            <a:endParaRPr lang="en-US"/>
+          </a:p>
+        </p:txBody>
+      </p:sp>
+    </p:spTree>
+    <p:extLst>
+      <p:ext uri="{BB962C8B-B14F-4D97-AF65-F5344CB8AC3E}">
+        <p14:creationId xmlns:p14="http://schemas.microsoft.com/office/powerpoint/2010/main" val="3210876395"/>
+      </p:ext>
+    </p:extLst>
+  </p:cSld>
+  <p:clrMapOvr>
+    <a:masterClrMapping/>
+  </p:clrMapOvr>
+</p:notes>
+</file>
+
+<file path=ppt/notesSlides/notesSlide59.xml><?xml version="1.0" encoding="utf-8"?>
+<p:notes xmlns:a="http://schemas.openxmlformats.org/drawingml/2006/main" xmlns:r="http://schemas.openxmlformats.org/officeDocument/2006/relationships" xmlns:p="http://schemas.openxmlformats.org/presentationml/2006/main">
+  <p:cSld>
+    <p:spTree>
+      <p:nvGrpSpPr>
+        <p:cNvPr id="1" name=""/>
+        <p:cNvGrpSpPr/>
+        <p:nvPr/>
+      </p:nvGrpSpPr>
+      <p:grpSpPr>
+        <a:xfrm>
+          <a:off x="0" y="0"/>
+          <a:ext cx="0" cy="0"/>
+          <a:chOff x="0" y="0"/>
+          <a:chExt cx="0" cy="0"/>
+        </a:xfrm>
+      </p:grpSpPr>
+      <p:sp>
+        <p:nvSpPr>
+          <p:cNvPr id="2" name="Slide Image Placeholder 1"/>
+          <p:cNvSpPr>
+            <a:spLocks noGrp="1" noRot="1" noChangeAspect="1"/>
+          </p:cNvSpPr>
+          <p:nvPr>
+            <p:ph type="sldImg"/>
+          </p:nvPr>
+        </p:nvSpPr>
+        <p:spPr/>
+      </p:sp>
+      <p:sp>
+        <p:nvSpPr>
+          <p:cNvPr id="3" name="Notes Placeholder 2"/>
+          <p:cNvSpPr>
+            <a:spLocks noGrp="1"/>
+          </p:cNvSpPr>
+          <p:nvPr>
+            <p:ph type="body" idx="1"/>
+          </p:nvPr>
+        </p:nvSpPr>
+        <p:spPr/>
+        <p:txBody>
+          <a:bodyPr/>
+          <a:lstStyle/>
+          <a:p>
+            <a:r>
+              <a:rPr lang="en-US" dirty="0"/>
+              <a:t>Focusing only on these three for today</a:t>
+            </a:r>
+          </a:p>
+        </p:txBody>
+      </p:sp>
+      <p:sp>
+        <p:nvSpPr>
+          <p:cNvPr id="4" name="Slide Number Placeholder 3"/>
+          <p:cNvSpPr>
+            <a:spLocks noGrp="1"/>
+          </p:cNvSpPr>
+          <p:nvPr>
+            <p:ph type="sldNum" sz="quarter" idx="5"/>
+          </p:nvPr>
+        </p:nvSpPr>
+        <p:spPr/>
+        <p:txBody>
+          <a:bodyPr/>
+          <a:lstStyle/>
+          <a:p>
+            <a:fld id="{4AF79E1B-2C51-4B9B-8EA4-26DE9E345AFF}" type="slidenum">
+              <a:rPr lang="en-US" smtClean="0"/>
+              <a:t>63</a:t>
             </a:fld>
             <a:endParaRPr lang="en-US"/>
           </a:p>
@@ -5963,7 +6074,7 @@
             <a:fld id="{0972D05C-DCFB-4BB6-B49C-AC126BF3ED2C}" type="datetimeFigureOut">
               <a:rPr lang="en-US" smtClean="0"/>
               <a:pPr/>
-              <a:t>7/20/2022</a:t>
+              <a:t>8/12/2022</a:t>
             </a:fld>
             <a:endParaRPr lang="en-US"/>
           </a:p>
@@ -6193,7 +6304,7 @@
             <a:fld id="{0972D05C-DCFB-4BB6-B49C-AC126BF3ED2C}" type="datetimeFigureOut">
               <a:rPr lang="en-US" smtClean="0"/>
               <a:pPr/>
-              <a:t>7/20/2022</a:t>
+              <a:t>8/12/2022</a:t>
             </a:fld>
             <a:endParaRPr lang="en-US"/>
           </a:p>
@@ -6375,7 +6486,7 @@
             <a:fld id="{0972D05C-DCFB-4BB6-B49C-AC126BF3ED2C}" type="datetimeFigureOut">
               <a:rPr lang="en-US" smtClean="0"/>
               <a:pPr/>
-              <a:t>7/20/2022</a:t>
+              <a:t>8/12/2022</a:t>
             </a:fld>
             <a:endParaRPr lang="en-US"/>
           </a:p>
@@ -6547,7 +6658,7 @@
             <a:fld id="{0972D05C-DCFB-4BB6-B49C-AC126BF3ED2C}" type="datetimeFigureOut">
               <a:rPr lang="en-US" smtClean="0"/>
               <a:pPr/>
-              <a:t>7/20/2022</a:t>
+              <a:t>8/12/2022</a:t>
             </a:fld>
             <a:endParaRPr lang="en-US"/>
           </a:p>
@@ -6803,7 +6914,7 @@
             <a:fld id="{0972D05C-DCFB-4BB6-B49C-AC126BF3ED2C}" type="datetimeFigureOut">
               <a:rPr lang="en-US" smtClean="0"/>
               <a:pPr/>
-              <a:t>7/20/2022</a:t>
+              <a:t>8/12/2022</a:t>
             </a:fld>
             <a:endParaRPr lang="en-US"/>
           </a:p>
@@ -7131,7 +7242,7 @@
             <a:fld id="{0972D05C-DCFB-4BB6-B49C-AC126BF3ED2C}" type="datetimeFigureOut">
               <a:rPr lang="en-US" smtClean="0"/>
               <a:pPr/>
-              <a:t>7/20/2022</a:t>
+              <a:t>8/12/2022</a:t>
             </a:fld>
             <a:endParaRPr lang="en-US"/>
           </a:p>
@@ -7584,7 +7695,7 @@
             <a:fld id="{0972D05C-DCFB-4BB6-B49C-AC126BF3ED2C}" type="datetimeFigureOut">
               <a:rPr lang="en-US" smtClean="0"/>
               <a:pPr/>
-              <a:t>7/20/2022</a:t>
+              <a:t>8/12/2022</a:t>
             </a:fld>
             <a:endParaRPr lang="en-US"/>
           </a:p>
@@ -7704,7 +7815,7 @@
             <a:fld id="{0972D05C-DCFB-4BB6-B49C-AC126BF3ED2C}" type="datetimeFigureOut">
               <a:rPr lang="en-US" smtClean="0"/>
               <a:pPr/>
-              <a:t>7/20/2022</a:t>
+              <a:t>8/12/2022</a:t>
             </a:fld>
             <a:endParaRPr lang="en-US"/>
           </a:p>
@@ -7801,7 +7912,7 @@
             <a:fld id="{0972D05C-DCFB-4BB6-B49C-AC126BF3ED2C}" type="datetimeFigureOut">
               <a:rPr lang="en-US" smtClean="0"/>
               <a:pPr/>
-              <a:t>7/20/2022</a:t>
+              <a:t>8/12/2022</a:t>
             </a:fld>
             <a:endParaRPr lang="en-US"/>
           </a:p>
@@ -8090,7 +8201,7 @@
             <a:fld id="{0972D05C-DCFB-4BB6-B49C-AC126BF3ED2C}" type="datetimeFigureOut">
               <a:rPr lang="en-US" smtClean="0"/>
               <a:pPr/>
-              <a:t>7/20/2022</a:t>
+              <a:t>8/12/2022</a:t>
             </a:fld>
             <a:endParaRPr lang="en-US"/>
           </a:p>
@@ -8414,7 +8525,7 @@
             <a:fld id="{0972D05C-DCFB-4BB6-B49C-AC126BF3ED2C}" type="datetimeFigureOut">
               <a:rPr lang="en-US" smtClean="0"/>
               <a:pPr/>
-              <a:t>7/20/2022</a:t>
+              <a:t>8/12/2022</a:t>
             </a:fld>
             <a:endParaRPr lang="en-US"/>
           </a:p>
@@ -8669,7 +8780,7 @@
             <a:fld id="{0972D05C-DCFB-4BB6-B49C-AC126BF3ED2C}" type="datetimeFigureOut">
               <a:rPr lang="en-US" smtClean="0"/>
               <a:pPr/>
-              <a:t>7/20/2022</a:t>
+              <a:t>8/12/2022</a:t>
             </a:fld>
             <a:endParaRPr lang="en-US" dirty="0"/>
           </a:p>
@@ -9311,8 +9422,8 @@
           </a:p>
         </p:txBody>
       </p:sp>
-      <mc:AlternateContent xmlns:mc="http://schemas.openxmlformats.org/markup-compatibility/2006" xmlns:a14="http://schemas.microsoft.com/office/drawing/2010/main">
-        <mc:Choice Requires="a14">
+      <mc:AlternateContent xmlns:mc="http://schemas.openxmlformats.org/markup-compatibility/2006">
+        <mc:Choice xmlns:a14="http://schemas.microsoft.com/office/drawing/2010/main" Requires="a14">
           <p:sp>
             <p:nvSpPr>
               <p:cNvPr id="3" name="Content Placeholder 2"/>
@@ -9362,7 +9473,7 @@
               <a:p>
                 <a:pPr lvl="1"/>
                 <a:r>
-                  <a:rPr lang="en-US" sz="2200" dirty="0">
+                  <a:rPr lang="en-US" sz="2400" dirty="0">
                     <a:cs typeface="Times New Roman" panose="02020603050405020304" pitchFamily="18" charset="0"/>
                   </a:rPr>
                   <a:t>We have conditions (e.g., </a:t>
@@ -9370,7 +9481,7 @@
                 <a14:m>
                   <m:oMath xmlns:m="http://schemas.openxmlformats.org/officeDocument/2006/math">
                     <m:r>
-                      <a:rPr lang="en-US" sz="2200" b="0" i="1" smtClean="0">
+                      <a:rPr lang="en-US" sz="2400" b="0" i="1" smtClean="0">
                         <a:latin typeface="Cambria Math" panose="02040503050406030204" pitchFamily="18" charset="0"/>
                         <a:cs typeface="Times New Roman" panose="02020603050405020304" pitchFamily="18" charset="0"/>
                       </a:rPr>
@@ -9379,7 +9490,7 @@
                     <m:d>
                       <m:dPr>
                         <m:ctrlPr>
-                          <a:rPr lang="en-US" sz="2200" b="0" i="1" smtClean="0">
+                          <a:rPr lang="en-US" sz="2400" b="0" i="1" smtClean="0">
                             <a:latin typeface="Cambria Math" panose="02040503050406030204" pitchFamily="18" charset="0"/>
                             <a:cs typeface="Times New Roman" panose="02020603050405020304" pitchFamily="18" charset="0"/>
                           </a:rPr>
@@ -9387,21 +9498,21 @@
                       </m:dPr>
                       <m:e>
                         <m:r>
-                          <a:rPr lang="en-US" sz="2200" b="0" i="1" smtClean="0">
+                          <a:rPr lang="en-US" sz="2400" b="0" i="1" smtClean="0">
                             <a:latin typeface="Cambria Math" panose="02040503050406030204" pitchFamily="18" charset="0"/>
                             <a:cs typeface="Times New Roman" panose="02020603050405020304" pitchFamily="18" charset="0"/>
                           </a:rPr>
                           <m:t>𝑋</m:t>
                         </m:r>
                         <m:r>
-                          <a:rPr lang="en-US" sz="2200" b="0" i="1" smtClean="0">
+                          <a:rPr lang="en-US" sz="2400" b="0" i="1" smtClean="0">
                             <a:latin typeface="Cambria Math" panose="02040503050406030204" pitchFamily="18" charset="0"/>
                             <a:cs typeface="Times New Roman" panose="02020603050405020304" pitchFamily="18" charset="0"/>
                           </a:rPr>
                           <m:t>, </m:t>
                         </m:r>
                         <m:r>
-                          <a:rPr lang="en-US" sz="2200" b="0" i="1" smtClean="0">
+                          <a:rPr lang="en-US" sz="2400" b="0" i="1" smtClean="0">
                             <a:latin typeface="Cambria Math" panose="02040503050406030204" pitchFamily="18" charset="0"/>
                             <a:cs typeface="Times New Roman" panose="02020603050405020304" pitchFamily="18" charset="0"/>
                           </a:rPr>
@@ -9410,7 +9521,7 @@
                       </m:e>
                     </m:d>
                     <m:r>
-                      <a:rPr lang="en-US" sz="2200" b="0" i="1" smtClean="0">
+                      <a:rPr lang="en-US" sz="2400" b="0" i="1" smtClean="0">
                         <a:latin typeface="Cambria Math" panose="02040503050406030204" pitchFamily="18" charset="0"/>
                         <a:cs typeface="Times New Roman" panose="02020603050405020304" pitchFamily="18" charset="0"/>
                       </a:rPr>
@@ -9419,7 +9530,7 @@
                   </m:oMath>
                 </a14:m>
                 <a:r>
-                  <a:rPr lang="en-US" sz="2200" dirty="0">
+                  <a:rPr lang="en-US" sz="2400" dirty="0">
                     <a:cs typeface="Times New Roman" panose="02020603050405020304" pitchFamily="18" charset="0"/>
                   </a:rPr>
                   <a:t>) that give us formulas for our parameters of interest</a:t>
@@ -9447,7 +9558,7 @@
               <a:p>
                 <a:pPr lvl="1"/>
                 <a:r>
-                  <a:rPr lang="en-US" sz="2200" dirty="0">
+                  <a:rPr lang="en-US" sz="2400" dirty="0">
                     <a:cs typeface="Times New Roman" panose="02020603050405020304" pitchFamily="18" charset="0"/>
                   </a:rPr>
                   <a:t>Main idea: Given a model, you can calculate the probability of a given observation occurring (likelihood)</a:t>
@@ -9456,13 +9567,13 @@
               <a:p>
                 <a:pPr lvl="1"/>
                 <a:r>
-                  <a:rPr lang="en-US" sz="2200" dirty="0">
+                  <a:rPr lang="en-US" sz="2400" dirty="0">
                     <a:cs typeface="Times New Roman" panose="02020603050405020304" pitchFamily="18" charset="0"/>
                   </a:rPr>
                   <a:t>You can pick the model that makes your data </a:t>
                 </a:r>
                 <a:r>
-                  <a:rPr lang="en-US" sz="2200" b="1" i="1" dirty="0">
+                  <a:rPr lang="en-US" sz="2400" b="1" i="1" dirty="0">
                     <a:solidFill>
                       <a:schemeClr val="accent2">
                         <a:lumMod val="75000"/>
@@ -9473,7 +9584,7 @@
                   <a:t>as likely as possible</a:t>
                 </a:r>
                 <a:r>
-                  <a:rPr lang="en-US" sz="2200" dirty="0">
+                  <a:rPr lang="en-US" sz="2400" dirty="0">
                     <a:cs typeface="Times New Roman" panose="02020603050405020304" pitchFamily="18" charset="0"/>
                   </a:rPr>
                   <a:t>. </a:t>
@@ -9481,19 +9592,19 @@
               </a:p>
               <a:p>
                 <a:r>
-                  <a:rPr lang="en-US" sz="2600" dirty="0">
+                  <a:rPr lang="en-US" sz="2400" dirty="0">
                     <a:cs typeface="Times New Roman" panose="02020603050405020304" pitchFamily="18" charset="0"/>
                   </a:rPr>
                   <a:t>Estimation of MLE requires specifying a </a:t>
                 </a:r>
                 <a:r>
-                  <a:rPr lang="en-US" sz="2600" b="1" dirty="0">
+                  <a:rPr lang="en-US" sz="2400" b="1" dirty="0">
                     <a:cs typeface="Times New Roman" panose="02020603050405020304" pitchFamily="18" charset="0"/>
                   </a:rPr>
                   <a:t>likelihood function </a:t>
                 </a:r>
                 <a:r>
-                  <a:rPr lang="en-US" sz="2600" dirty="0">
+                  <a:rPr lang="en-US" sz="2400" dirty="0">
                     <a:cs typeface="Times New Roman" panose="02020603050405020304" pitchFamily="18" charset="0"/>
                   </a:rPr>
                   <a:t>based on the DGP you think is involved</a:t>
@@ -9528,7 +9639,7 @@
             </p:txBody>
           </p:sp>
         </mc:Choice>
-        <mc:Fallback xmlns="">
+        <mc:Fallback>
           <p:sp>
             <p:nvSpPr>
               <p:cNvPr id="3" name="Content Placeholder 2"/>
@@ -9547,7 +9658,7 @@
               <a:blipFill>
                 <a:blip r:embed="rId3"/>
                 <a:stretch>
-                  <a:fillRect l="-583" t="-1305" r="-1102"/>
+                  <a:fillRect l="-454" t="-1305" r="-1102"/>
                 </a:stretch>
               </a:blipFill>
             </p:spPr>
@@ -10184,8 +10295,8 @@
           </p:sp>
         </mc:Fallback>
       </mc:AlternateContent>
-      <mc:AlternateContent xmlns:mc="http://schemas.openxmlformats.org/markup-compatibility/2006" xmlns:a14="http://schemas.microsoft.com/office/drawing/2010/main">
-        <mc:Choice Requires="a14">
+      <mc:AlternateContent xmlns:mc="http://schemas.openxmlformats.org/markup-compatibility/2006">
+        <mc:Choice xmlns:a14="http://schemas.microsoft.com/office/drawing/2010/main" Requires="a14">
           <p:sp>
             <p:nvSpPr>
               <p:cNvPr id="3" name="Content Placeholder 2"/>
@@ -10436,7 +10547,7 @@
               <a:p>
                 <a:pPr lvl="1"/>
                 <a:r>
-                  <a:rPr lang="en-US" sz="2200" dirty="0">
+                  <a:rPr lang="en-US" sz="2400" dirty="0">
                     <a:cs typeface="Times New Roman" panose="02020603050405020304" pitchFamily="18" charset="0"/>
                   </a:rPr>
                   <a:t>Before, </a:t>
@@ -10446,7 +10557,7 @@
                     <m:sSub>
                       <m:sSubPr>
                         <m:ctrlPr>
-                          <a:rPr lang="en-US" sz="2200" b="0" i="1" smtClean="0">
+                          <a:rPr lang="en-US" sz="2400" b="0" i="1" smtClean="0">
                             <a:latin typeface="Cambria Math" panose="02040503050406030204" pitchFamily="18" charset="0"/>
                             <a:cs typeface="Times New Roman" panose="02020603050405020304" pitchFamily="18" charset="0"/>
                           </a:rPr>
@@ -10454,7 +10565,7 @@
                       </m:sSubPr>
                       <m:e>
                         <m:r>
-                          <a:rPr lang="en-US" sz="2200" b="0" i="1" smtClean="0">
+                          <a:rPr lang="en-US" sz="2400" b="0" i="1" smtClean="0">
                             <a:latin typeface="Cambria Math" panose="02040503050406030204" pitchFamily="18" charset="0"/>
                             <a:cs typeface="Times New Roman" panose="02020603050405020304" pitchFamily="18" charset="0"/>
                           </a:rPr>
@@ -10463,7 +10574,7 @@
                       </m:e>
                       <m:sub>
                         <m:r>
-                          <a:rPr lang="en-US" sz="2200" b="0" i="1" smtClean="0">
+                          <a:rPr lang="en-US" sz="2400" b="0" i="1" smtClean="0">
                             <a:latin typeface="Cambria Math" panose="02040503050406030204" pitchFamily="18" charset="0"/>
                             <a:cs typeface="Times New Roman" panose="02020603050405020304" pitchFamily="18" charset="0"/>
                           </a:rPr>
@@ -10474,7 +10585,7 @@
                   </m:oMath>
                 </a14:m>
                 <a:r>
-                  <a:rPr lang="en-US" sz="2200" dirty="0">
+                  <a:rPr lang="en-US" sz="2400" dirty="0">
                     <a:cs typeface="Times New Roman" panose="02020603050405020304" pitchFamily="18" charset="0"/>
                   </a:rPr>
                   <a:t> measures change in </a:t>
@@ -10482,7 +10593,7 @@
                 <a14:m>
                   <m:oMath xmlns:m="http://schemas.openxmlformats.org/officeDocument/2006/math">
                     <m:r>
-                      <a:rPr lang="en-US" sz="2200" b="0" i="1" smtClean="0">
+                      <a:rPr lang="en-US" sz="2400" b="0" i="1" smtClean="0">
                         <a:latin typeface="Cambria Math" panose="02040503050406030204" pitchFamily="18" charset="0"/>
                         <a:cs typeface="Times New Roman" panose="02020603050405020304" pitchFamily="18" charset="0"/>
                       </a:rPr>
@@ -10491,7 +10602,7 @@
                   </m:oMath>
                 </a14:m>
                 <a:r>
-                  <a:rPr lang="en-US" sz="2200" dirty="0">
+                  <a:rPr lang="en-US" sz="2400" dirty="0">
                     <a:cs typeface="Times New Roman" panose="02020603050405020304" pitchFamily="18" charset="0"/>
                   </a:rPr>
                   <a:t> when </a:t>
@@ -10499,7 +10610,7 @@
                 <a14:m>
                   <m:oMath xmlns:m="http://schemas.openxmlformats.org/officeDocument/2006/math">
                     <m:r>
-                      <a:rPr lang="en-US" sz="2200" b="0" i="1" smtClean="0">
+                      <a:rPr lang="en-US" sz="2400" b="0" i="1" smtClean="0">
                         <a:latin typeface="Cambria Math" panose="02040503050406030204" pitchFamily="18" charset="0"/>
                         <a:cs typeface="Times New Roman" panose="02020603050405020304" pitchFamily="18" charset="0"/>
                       </a:rPr>
@@ -10508,7 +10619,7 @@
                   </m:oMath>
                 </a14:m>
                 <a:r>
-                  <a:rPr lang="en-US" sz="2200" dirty="0">
+                  <a:rPr lang="en-US" sz="2400" dirty="0">
                     <a:cs typeface="Times New Roman" panose="02020603050405020304" pitchFamily="18" charset="0"/>
                   </a:rPr>
                   <a:t> changes by 1</a:t>
@@ -10517,7 +10628,7 @@
               <a:p>
                 <a:pPr lvl="1"/>
                 <a:r>
-                  <a:rPr lang="en-US" sz="2200" dirty="0">
+                  <a:rPr lang="en-US" sz="2400" dirty="0">
                     <a:cs typeface="Times New Roman" panose="02020603050405020304" pitchFamily="18" charset="0"/>
                   </a:rPr>
                   <a:t>Now, </a:t>
@@ -10527,7 +10638,7 @@
                     <m:sSub>
                       <m:sSubPr>
                         <m:ctrlPr>
-                          <a:rPr lang="en-US" sz="2200" b="0" i="1" smtClean="0">
+                          <a:rPr lang="en-US" sz="2400" b="0" i="1" smtClean="0">
                             <a:latin typeface="Cambria Math" panose="02040503050406030204" pitchFamily="18" charset="0"/>
                             <a:cs typeface="Times New Roman" panose="02020603050405020304" pitchFamily="18" charset="0"/>
                           </a:rPr>
@@ -10535,7 +10646,7 @@
                       </m:sSubPr>
                       <m:e>
                         <m:r>
-                          <a:rPr lang="en-US" sz="2200" b="0" i="1" smtClean="0">
+                          <a:rPr lang="en-US" sz="2400" b="0" i="1" smtClean="0">
                             <a:latin typeface="Cambria Math" panose="02040503050406030204" pitchFamily="18" charset="0"/>
                             <a:cs typeface="Times New Roman" panose="02020603050405020304" pitchFamily="18" charset="0"/>
                           </a:rPr>
@@ -10544,7 +10655,7 @@
                       </m:e>
                       <m:sub>
                         <m:r>
-                          <a:rPr lang="en-US" sz="2200" b="0" i="1" smtClean="0">
+                          <a:rPr lang="en-US" sz="2400" b="0" i="1" smtClean="0">
                             <a:latin typeface="Cambria Math" panose="02040503050406030204" pitchFamily="18" charset="0"/>
                             <a:cs typeface="Times New Roman" panose="02020603050405020304" pitchFamily="18" charset="0"/>
                           </a:rPr>
@@ -10555,7 +10666,7 @@
                   </m:oMath>
                 </a14:m>
                 <a:r>
-                  <a:rPr lang="en-US" sz="2200" dirty="0">
+                  <a:rPr lang="en-US" sz="2400" dirty="0">
                     <a:cs typeface="Times New Roman" panose="02020603050405020304" pitchFamily="18" charset="0"/>
                   </a:rPr>
                   <a:t> measures the change in </a:t>
@@ -10566,28 +10677,28 @@
                       <m:rPr>
                         <m:sty m:val="p"/>
                       </m:rPr>
-                      <a:rPr lang="en-US" sz="2200" b="0" i="0" smtClean="0">
+                      <a:rPr lang="en-US" sz="2400" b="0" i="0" smtClean="0">
                         <a:latin typeface="Cambria Math" panose="02040503050406030204" pitchFamily="18" charset="0"/>
                         <a:cs typeface="Times New Roman" panose="02020603050405020304" pitchFamily="18" charset="0"/>
                       </a:rPr>
                       <m:t>Pr</m:t>
                     </m:r>
                     <m:r>
-                      <a:rPr lang="en-US" sz="2200" b="0" i="1" smtClean="0">
+                      <a:rPr lang="en-US" sz="2400" b="0" i="1" smtClean="0">
                         <a:latin typeface="Cambria Math" panose="02040503050406030204" pitchFamily="18" charset="0"/>
                         <a:cs typeface="Times New Roman" panose="02020603050405020304" pitchFamily="18" charset="0"/>
                       </a:rPr>
                       <m:t>⁡(</m:t>
                     </m:r>
                     <m:r>
-                      <a:rPr lang="en-US" sz="2200" b="0" i="1" smtClean="0">
+                      <a:rPr lang="en-US" sz="2400" b="0" i="1" smtClean="0">
                         <a:latin typeface="Cambria Math" panose="02040503050406030204" pitchFamily="18" charset="0"/>
                         <a:cs typeface="Times New Roman" panose="02020603050405020304" pitchFamily="18" charset="0"/>
                       </a:rPr>
                       <m:t>𝑌</m:t>
                     </m:r>
                     <m:r>
-                      <a:rPr lang="en-US" sz="2200" b="0" i="1" smtClean="0">
+                      <a:rPr lang="en-US" sz="2400" b="0" i="1" smtClean="0">
                         <a:latin typeface="Cambria Math" panose="02040503050406030204" pitchFamily="18" charset="0"/>
                         <a:cs typeface="Times New Roman" panose="02020603050405020304" pitchFamily="18" charset="0"/>
                       </a:rPr>
@@ -10596,7 +10707,7 @@
                   </m:oMath>
                 </a14:m>
                 <a:r>
-                  <a:rPr lang="en-US" sz="2200" dirty="0">
+                  <a:rPr lang="en-US" sz="2400" dirty="0">
                     <a:cs typeface="Times New Roman" panose="02020603050405020304" pitchFamily="18" charset="0"/>
                   </a:rPr>
                   <a:t> when </a:t>
@@ -10604,7 +10715,7 @@
                 <a14:m>
                   <m:oMath xmlns:m="http://schemas.openxmlformats.org/officeDocument/2006/math">
                     <m:r>
-                      <a:rPr lang="en-US" sz="2200" b="0" i="1" smtClean="0">
+                      <a:rPr lang="en-US" sz="2400" b="0" i="1" smtClean="0">
                         <a:latin typeface="Cambria Math" panose="02040503050406030204" pitchFamily="18" charset="0"/>
                         <a:cs typeface="Times New Roman" panose="02020603050405020304" pitchFamily="18" charset="0"/>
                       </a:rPr>
@@ -10613,7 +10724,7 @@
                   </m:oMath>
                 </a14:m>
                 <a:r>
-                  <a:rPr lang="en-US" sz="2200" dirty="0">
+                  <a:rPr lang="en-US" sz="2400" dirty="0">
                     <a:cs typeface="Times New Roman" panose="02020603050405020304" pitchFamily="18" charset="0"/>
                   </a:rPr>
                   <a:t> changes by 1</a:t>
@@ -10622,42 +10733,42 @@
               <a:p>
                 <a:pPr lvl="1"/>
                 <a:r>
-                  <a:rPr lang="en-US" sz="2200" dirty="0">
+                  <a:rPr lang="en-US" sz="2400" dirty="0">
                     <a:cs typeface="Times New Roman" panose="02020603050405020304" pitchFamily="18" charset="0"/>
                   </a:rPr>
                   <a:t>Measured in </a:t>
                 </a:r>
                 <a:r>
-                  <a:rPr lang="en-US" sz="2200" b="1" dirty="0">
+                  <a:rPr lang="en-US" sz="2400" b="1" dirty="0">
                     <a:cs typeface="Times New Roman" panose="02020603050405020304" pitchFamily="18" charset="0"/>
                   </a:rPr>
                   <a:t>percentage points</a:t>
                 </a:r>
                 <a:r>
-                  <a:rPr lang="en-US" sz="2200" dirty="0">
+                  <a:rPr lang="en-US" sz="2400" dirty="0">
                     <a:cs typeface="Times New Roman" panose="02020603050405020304" pitchFamily="18" charset="0"/>
                   </a:rPr>
                   <a:t>, not </a:t>
                 </a:r>
                 <a:r>
-                  <a:rPr lang="en-US" sz="2200" b="1" dirty="0">
+                  <a:rPr lang="en-US" sz="2400" b="1" dirty="0">
                     <a:cs typeface="Times New Roman" panose="02020603050405020304" pitchFamily="18" charset="0"/>
                   </a:rPr>
                   <a:t>percent</a:t>
                 </a:r>
-                <a:endParaRPr lang="en-US" sz="2200" dirty="0">
-                  <a:cs typeface="Times New Roman" panose="02020603050405020304" pitchFamily="18" charset="0"/>
-                </a:endParaRPr>
-              </a:p>
-              <a:p>
                 <a:endParaRPr lang="en-US" sz="2400" dirty="0">
                   <a:cs typeface="Times New Roman" panose="02020603050405020304" pitchFamily="18" charset="0"/>
                 </a:endParaRPr>
               </a:p>
+              <a:p>
+                <a:endParaRPr lang="en-US" sz="2400" dirty="0">
+                  <a:cs typeface="Times New Roman" panose="02020603050405020304" pitchFamily="18" charset="0"/>
+                </a:endParaRPr>
+              </a:p>
             </p:txBody>
           </p:sp>
         </mc:Choice>
-        <mc:Fallback xmlns="">
+        <mc:Fallback>
           <p:sp>
             <p:nvSpPr>
               <p:cNvPr id="3" name="Content Placeholder 2"/>
@@ -10807,8 +10918,8 @@
           </a:p>
         </p:txBody>
       </p:sp>
-      <mc:AlternateContent xmlns:mc="http://schemas.openxmlformats.org/markup-compatibility/2006" xmlns:a14="http://schemas.microsoft.com/office/drawing/2010/main">
-        <mc:Choice Requires="a14">
+      <mc:AlternateContent xmlns:mc="http://schemas.openxmlformats.org/markup-compatibility/2006">
+        <mc:Choice xmlns:a14="http://schemas.microsoft.com/office/drawing/2010/main" Requires="a14">
           <p:sp>
             <p:nvSpPr>
               <p:cNvPr id="3" name="Content Placeholder 2"/>
@@ -10904,19 +11015,19 @@
               <a:p>
                 <a:pPr lvl="1"/>
                 <a:r>
-                  <a:rPr lang="en-US" sz="2200" dirty="0">
+                  <a:rPr lang="en-US" sz="2400" dirty="0">
                     <a:cs typeface="Times New Roman" panose="02020603050405020304" pitchFamily="18" charset="0"/>
                   </a:rPr>
                   <a:t> Predictions are generally </a:t>
                 </a:r>
                 <a:r>
-                  <a:rPr lang="en-US" sz="2200" i="1" dirty="0">
+                  <a:rPr lang="en-US" sz="2400" i="1" dirty="0">
                     <a:cs typeface="Times New Roman" panose="02020603050405020304" pitchFamily="18" charset="0"/>
                   </a:rPr>
                   <a:t>way </a:t>
                 </a:r>
                 <a:r>
-                  <a:rPr lang="en-US" sz="2200" dirty="0">
+                  <a:rPr lang="en-US" sz="2400" dirty="0">
                     <a:cs typeface="Times New Roman" panose="02020603050405020304" pitchFamily="18" charset="0"/>
                   </a:rPr>
                   <a:t>off (in fact, how do you do predictions?)</a:t>
@@ -10925,13 +11036,13 @@
               <a:p>
                 <a:pPr lvl="1"/>
                 <a:r>
-                  <a:rPr lang="en-US" sz="2200" dirty="0">
+                  <a:rPr lang="en-US" sz="2400" dirty="0">
                     <a:cs typeface="Times New Roman" panose="02020603050405020304" pitchFamily="18" charset="0"/>
                   </a:rPr>
                   <a:t> What’s more, predictions can be outside of the actual </a:t>
                 </a:r>
                 <a:r>
-                  <a:rPr lang="en-US" sz="2200" b="1" dirty="0">
+                  <a:rPr lang="en-US" sz="2400" b="1" dirty="0">
                     <a:cs typeface="Times New Roman" panose="02020603050405020304" pitchFamily="18" charset="0"/>
                   </a:rPr>
                   <a:t>unit interval</a:t>
@@ -10940,13 +11051,13 @@
               <a:p>
                 <a:pPr lvl="1"/>
                 <a:r>
-                  <a:rPr lang="en-US" sz="2200" dirty="0">
+                  <a:rPr lang="en-US" sz="2400" dirty="0">
                     <a:cs typeface="Times New Roman" panose="02020603050405020304" pitchFamily="18" charset="0"/>
                   </a:rPr>
                   <a:t> A disguised disadvantage: we assume that the marginal effect here is </a:t>
                 </a:r>
                 <a:r>
-                  <a:rPr lang="en-US" sz="2200" u="sng" dirty="0">
+                  <a:rPr lang="en-US" sz="2400" u="sng" dirty="0">
                     <a:cs typeface="Times New Roman" panose="02020603050405020304" pitchFamily="18" charset="0"/>
                   </a:rPr>
                   <a:t>constant</a:t>
@@ -10955,7 +11066,7 @@
             </p:txBody>
           </p:sp>
         </mc:Choice>
-        <mc:Fallback xmlns="">
+        <mc:Fallback>
           <p:sp>
             <p:nvSpPr>
               <p:cNvPr id="3" name="Content Placeholder 2"/>
@@ -11105,8 +11216,8 @@
           </a:p>
         </p:txBody>
       </p:sp>
-      <mc:AlternateContent xmlns:mc="http://schemas.openxmlformats.org/markup-compatibility/2006" xmlns:a14="http://schemas.microsoft.com/office/drawing/2010/main">
-        <mc:Choice Requires="a14">
+      <mc:AlternateContent xmlns:mc="http://schemas.openxmlformats.org/markup-compatibility/2006">
+        <mc:Choice xmlns:a14="http://schemas.microsoft.com/office/drawing/2010/main" Requires="a14">
           <p:sp>
             <p:nvSpPr>
               <p:cNvPr id="3" name="Content Placeholder 2"/>
@@ -11202,19 +11313,19 @@
               <a:p>
                 <a:pPr lvl="1"/>
                 <a:r>
-                  <a:rPr lang="en-US" sz="2200" dirty="0">
+                  <a:rPr lang="en-US" sz="2400" dirty="0">
                     <a:cs typeface="Times New Roman" panose="02020603050405020304" pitchFamily="18" charset="0"/>
                   </a:rPr>
                   <a:t> Predictions are generally </a:t>
                 </a:r>
                 <a:r>
-                  <a:rPr lang="en-US" sz="2200" i="1" dirty="0">
+                  <a:rPr lang="en-US" sz="2400" i="1" dirty="0">
                     <a:cs typeface="Times New Roman" panose="02020603050405020304" pitchFamily="18" charset="0"/>
                   </a:rPr>
                   <a:t>way </a:t>
                 </a:r>
                 <a:r>
-                  <a:rPr lang="en-US" sz="2200" dirty="0">
+                  <a:rPr lang="en-US" sz="2400" dirty="0">
                     <a:cs typeface="Times New Roman" panose="02020603050405020304" pitchFamily="18" charset="0"/>
                   </a:rPr>
                   <a:t>off (in fact, how do you do predictions?)</a:t>
@@ -11223,13 +11334,13 @@
               <a:p>
                 <a:pPr lvl="1"/>
                 <a:r>
-                  <a:rPr lang="en-US" sz="2200" dirty="0">
+                  <a:rPr lang="en-US" sz="2400" dirty="0">
                     <a:cs typeface="Times New Roman" panose="02020603050405020304" pitchFamily="18" charset="0"/>
                   </a:rPr>
                   <a:t> What’s more, predictions can be outside of the actual </a:t>
                 </a:r>
                 <a:r>
-                  <a:rPr lang="en-US" sz="2200" b="1" dirty="0">
+                  <a:rPr lang="en-US" sz="2400" b="1" dirty="0">
                     <a:cs typeface="Times New Roman" panose="02020603050405020304" pitchFamily="18" charset="0"/>
                   </a:rPr>
                   <a:t>unit interval</a:t>
@@ -11238,20 +11349,17 @@
               <a:p>
                 <a:pPr lvl="1"/>
                 <a:r>
-                  <a:rPr lang="en-US" sz="2200" dirty="0">
+                  <a:rPr lang="en-US" sz="2400" dirty="0">
                     <a:cs typeface="Times New Roman" panose="02020603050405020304" pitchFamily="18" charset="0"/>
                   </a:rPr>
                   <a:t> A disguised disadvantage: we assume that the marginal effect here is </a:t>
                 </a:r>
                 <a:r>
-                  <a:rPr lang="en-US" sz="2200" u="sng" dirty="0">
+                  <a:rPr lang="en-US" sz="2400" u="sng" dirty="0">
                     <a:cs typeface="Times New Roman" panose="02020603050405020304" pitchFamily="18" charset="0"/>
                   </a:rPr>
                   <a:t>constant</a:t>
                 </a:r>
-                <a:endParaRPr lang="en-US" sz="2400" u="sng" dirty="0">
-                  <a:cs typeface="Times New Roman" panose="02020603050405020304" pitchFamily="18" charset="0"/>
-                </a:endParaRPr>
               </a:p>
               <a:p>
                 <a:r>
@@ -11340,7 +11448,7 @@
               <a:p>
                 <a:pPr lvl="1"/>
                 <a:r>
-                  <a:rPr lang="en-US" sz="2200" dirty="0">
+                  <a:rPr lang="en-US" sz="2400" dirty="0">
                     <a:cs typeface="Times New Roman" panose="02020603050405020304" pitchFamily="18" charset="0"/>
                   </a:rPr>
                   <a:t>If you use an LPM, you have to use robust standard errors</a:t>
@@ -11349,7 +11457,7 @@
             </p:txBody>
           </p:sp>
         </mc:Choice>
-        <mc:Fallback xmlns="">
+        <mc:Fallback>
           <p:sp>
             <p:nvSpPr>
               <p:cNvPr id="3" name="Content Placeholder 2"/>
@@ -12828,7 +12936,7 @@
                 <a:latin typeface="Times New Roman"/>
                 <a:cs typeface="Times New Roman"/>
               </a:rPr>
-              <a:t>First, it only identifies the LATE under heterogeneous treatment effects, and that may or may not be a policy relevant variable.</a:t>
+              <a:t>First, it only identifies the LATE, which may or may not be policy relevant</a:t>
             </a:r>
             <a:endParaRPr lang="en-US" sz="2400" dirty="0">
               <a:solidFill>
@@ -12985,8 +13093,8 @@
           </a:p>
         </p:txBody>
       </p:sp>
-      <mc:AlternateContent xmlns:mc="http://schemas.openxmlformats.org/markup-compatibility/2006" xmlns:a14="http://schemas.microsoft.com/office/drawing/2010/main">
-        <mc:Choice Requires="a14">
+      <mc:AlternateContent xmlns:mc="http://schemas.openxmlformats.org/markup-compatibility/2006">
+        <mc:Choice xmlns:a14="http://schemas.microsoft.com/office/drawing/2010/main" Requires="a14">
           <p:sp>
             <p:nvSpPr>
               <p:cNvPr id="3" name="Content Placeholder 2"/>
@@ -13533,13 +13641,13 @@
               <a:p>
                 <a:pPr lvl="1"/>
                 <a:r>
-                  <a:rPr lang="en-US" sz="2200" dirty="0">
+                  <a:rPr lang="en-US" sz="2400" dirty="0">
                     <a:cs typeface="Times New Roman" panose="02020603050405020304" pitchFamily="18" charset="0"/>
                   </a:rPr>
                   <a:t>This is called a </a:t>
                 </a:r>
                 <a:r>
-                  <a:rPr lang="en-US" sz="2200" b="1" dirty="0">
+                  <a:rPr lang="en-US" sz="2400" b="1" dirty="0">
                     <a:cs typeface="Times New Roman" panose="02020603050405020304" pitchFamily="18" charset="0"/>
                   </a:rPr>
                   <a:t>latent variable interpretation</a:t>
@@ -13548,7 +13656,7 @@
               <a:p>
                 <a:pPr lvl="1"/>
                 <a:r>
-                  <a:rPr lang="en-US" sz="2200" dirty="0">
+                  <a:rPr lang="en-US" sz="2400" dirty="0">
                     <a:cs typeface="Times New Roman" panose="02020603050405020304" pitchFamily="18" charset="0"/>
                   </a:rPr>
                   <a:t>Then </a:t>
@@ -13556,7 +13664,7 @@
                 <a14:m>
                   <m:oMath xmlns:m="http://schemas.openxmlformats.org/officeDocument/2006/math">
                     <m:r>
-                      <a:rPr lang="en-US" sz="2200" b="0" i="1" smtClean="0">
+                      <a:rPr lang="en-US" sz="2400" b="0" i="1" smtClean="0">
                         <a:latin typeface="Cambria Math" panose="02040503050406030204" pitchFamily="18" charset="0"/>
                         <a:cs typeface="Times New Roman" panose="02020603050405020304" pitchFamily="18" charset="0"/>
                       </a:rPr>
@@ -13565,7 +13673,7 @@
                     <m:d>
                       <m:dPr>
                         <m:ctrlPr>
-                          <a:rPr lang="en-US" sz="2200" b="0" i="1" smtClean="0">
+                          <a:rPr lang="en-US" sz="2400" b="0" i="1" smtClean="0">
                             <a:latin typeface="Cambria Math" panose="02040503050406030204" pitchFamily="18" charset="0"/>
                             <a:cs typeface="Times New Roman" panose="02020603050405020304" pitchFamily="18" charset="0"/>
                           </a:rPr>
@@ -13573,7 +13681,7 @@
                       </m:dPr>
                       <m:e>
                         <m:r>
-                          <a:rPr lang="en-US" sz="2200" b="0" i="1" smtClean="0">
+                          <a:rPr lang="en-US" sz="2400" b="0" i="1" smtClean="0">
                             <a:latin typeface="Cambria Math" panose="02040503050406030204" pitchFamily="18" charset="0"/>
                             <a:cs typeface="Times New Roman" panose="02020603050405020304" pitchFamily="18" charset="0"/>
                           </a:rPr>
@@ -13582,7 +13690,7 @@
                       </m:e>
                       <m:e>
                         <m:r>
-                          <a:rPr lang="en-US" sz="2200" b="0" i="1" smtClean="0">
+                          <a:rPr lang="en-US" sz="2400" b="0" i="1" smtClean="0">
                             <a:latin typeface="Cambria Math" panose="02040503050406030204" pitchFamily="18" charset="0"/>
                             <a:cs typeface="Times New Roman" panose="02020603050405020304" pitchFamily="18" charset="0"/>
                           </a:rPr>
@@ -13591,21 +13699,21 @@
                       </m:e>
                     </m:d>
                     <m:r>
-                      <a:rPr lang="en-US" sz="2200" b="0" i="1" smtClean="0">
+                      <a:rPr lang="en-US" sz="2400" b="0" i="1" smtClean="0">
                         <a:latin typeface="Cambria Math" panose="02040503050406030204" pitchFamily="18" charset="0"/>
                         <a:cs typeface="Times New Roman" panose="02020603050405020304" pitchFamily="18" charset="0"/>
                       </a:rPr>
                       <m:t>=</m:t>
                     </m:r>
                     <m:r>
-                      <a:rPr lang="en-US" sz="2200" b="0" i="1" smtClean="0">
+                      <a:rPr lang="en-US" sz="2400" b="0" i="1" smtClean="0">
                         <a:latin typeface="Cambria Math" panose="02040503050406030204" pitchFamily="18" charset="0"/>
                         <a:cs typeface="Times New Roman" panose="02020603050405020304" pitchFamily="18" charset="0"/>
                       </a:rPr>
                       <m:t>𝐹</m:t>
                     </m:r>
                     <m:r>
-                      <a:rPr lang="en-US" sz="2200" b="0" i="1" smtClean="0">
+                      <a:rPr lang="en-US" sz="2400" b="0" i="1" smtClean="0">
                         <a:latin typeface="Cambria Math" panose="02040503050406030204" pitchFamily="18" charset="0"/>
                         <a:cs typeface="Times New Roman" panose="02020603050405020304" pitchFamily="18" charset="0"/>
                       </a:rPr>
@@ -13614,7 +13722,7 @@
                     <m:sSup>
                       <m:sSupPr>
                         <m:ctrlPr>
-                          <a:rPr lang="en-US" sz="2200" b="0" i="1" smtClean="0">
+                          <a:rPr lang="en-US" sz="2400" b="0" i="1" smtClean="0">
                             <a:latin typeface="Cambria Math" panose="02040503050406030204" pitchFamily="18" charset="0"/>
                             <a:cs typeface="Times New Roman" panose="02020603050405020304" pitchFamily="18" charset="0"/>
                           </a:rPr>
@@ -13622,7 +13730,7 @@
                       </m:sSupPr>
                       <m:e>
                         <m:r>
-                          <a:rPr lang="en-US" sz="2200" b="0" i="1" smtClean="0">
+                          <a:rPr lang="en-US" sz="2400" b="0" i="1" smtClean="0">
                             <a:latin typeface="Cambria Math" panose="02040503050406030204" pitchFamily="18" charset="0"/>
                             <a:cs typeface="Times New Roman" panose="02020603050405020304" pitchFamily="18" charset="0"/>
                           </a:rPr>
@@ -13631,7 +13739,7 @@
                       </m:e>
                       <m:sup>
                         <m:r>
-                          <a:rPr lang="en-US" sz="2200" b="0" i="1" smtClean="0">
+                          <a:rPr lang="en-US" sz="2400" b="0" i="1" smtClean="0">
                             <a:latin typeface="Cambria Math" panose="02040503050406030204" pitchFamily="18" charset="0"/>
                             <a:cs typeface="Times New Roman" panose="02020603050405020304" pitchFamily="18" charset="0"/>
                           </a:rPr>
@@ -13640,7 +13748,7 @@
                       </m:sup>
                     </m:sSup>
                     <m:r>
-                      <a:rPr lang="en-US" sz="2200" b="0" i="1" smtClean="0">
+                      <a:rPr lang="en-US" sz="2400" b="0" i="1" smtClean="0">
                         <a:latin typeface="Cambria Math" panose="02040503050406030204" pitchFamily="18" charset="0"/>
                         <a:cs typeface="Times New Roman" panose="02020603050405020304" pitchFamily="18" charset="0"/>
                       </a:rPr>
@@ -13649,7 +13757,7 @@
                   </m:oMath>
                 </a14:m>
                 <a:r>
-                  <a:rPr lang="en-US" sz="2200" dirty="0">
+                  <a:rPr lang="en-US" sz="2400" dirty="0">
                     <a:cs typeface="Times New Roman" panose="02020603050405020304" pitchFamily="18" charset="0"/>
                   </a:rPr>
                   <a:t> (what would </a:t>
@@ -13657,14 +13765,14 @@
                 <a14:m>
                   <m:oMath xmlns:m="http://schemas.openxmlformats.org/officeDocument/2006/math">
                     <m:r>
-                      <a:rPr lang="en-US" sz="2200" b="0" i="1" smtClean="0">
+                      <a:rPr lang="en-US" sz="2400" b="0" i="1" smtClean="0">
                         <a:latin typeface="Cambria Math" panose="02040503050406030204" pitchFamily="18" charset="0"/>
                         <a:cs typeface="Times New Roman" panose="02020603050405020304" pitchFamily="18" charset="0"/>
                       </a:rPr>
                       <m:t>𝐹</m:t>
                     </m:r>
                     <m:r>
-                      <a:rPr lang="en-US" sz="2200" b="0" i="0" smtClean="0">
+                      <a:rPr lang="en-US" sz="2400" b="0" i="0" smtClean="0">
                         <a:latin typeface="Cambria Math" panose="02040503050406030204" pitchFamily="18" charset="0"/>
                         <a:cs typeface="Times New Roman" panose="02020603050405020304" pitchFamily="18" charset="0"/>
                       </a:rPr>
@@ -13674,14 +13782,14 @@
                       <m:rPr>
                         <m:sty m:val="p"/>
                       </m:rPr>
-                      <a:rPr lang="en-US" sz="2200" b="0" i="0" smtClean="0">
+                      <a:rPr lang="en-US" sz="2400" b="0" i="0" smtClean="0">
                         <a:latin typeface="Cambria Math" panose="02040503050406030204" pitchFamily="18" charset="0"/>
                         <a:cs typeface="Times New Roman" panose="02020603050405020304" pitchFamily="18" charset="0"/>
                       </a:rPr>
                       <m:t>be</m:t>
                     </m:r>
                     <m:r>
-                      <a:rPr lang="en-US" sz="2200" b="0" i="0" smtClean="0">
+                      <a:rPr lang="en-US" sz="2400" b="0" i="0" smtClean="0">
                         <a:latin typeface="Cambria Math" panose="02040503050406030204" pitchFamily="18" charset="0"/>
                         <a:cs typeface="Times New Roman" panose="02020603050405020304" pitchFamily="18" charset="0"/>
                       </a:rPr>
@@ -13690,7 +13798,7 @@
                   </m:oMath>
                 </a14:m>
                 <a:r>
-                  <a:rPr lang="en-US" sz="2200" dirty="0">
+                  <a:rPr lang="en-US" sz="2400" dirty="0">
                     <a:cs typeface="Times New Roman" panose="02020603050405020304" pitchFamily="18" charset="0"/>
                   </a:rPr>
                   <a:t>)</a:t>
@@ -13699,7 +13807,7 @@
             </p:txBody>
           </p:sp>
         </mc:Choice>
-        <mc:Fallback xmlns="">
+        <mc:Fallback>
           <p:sp>
             <p:nvSpPr>
               <p:cNvPr id="3" name="Content Placeholder 2"/>
@@ -13718,7 +13826,7 @@
               <a:blipFill>
                 <a:blip r:embed="rId3"/>
                 <a:stretch>
-                  <a:fillRect l="-916" t="-1305"/>
+                  <a:fillRect l="-916" t="-1305" r="-549"/>
                 </a:stretch>
               </a:blipFill>
             </p:spPr>
@@ -13799,8 +13907,8 @@
           </a:p>
         </p:txBody>
       </p:sp>
-      <mc:AlternateContent xmlns:mc="http://schemas.openxmlformats.org/markup-compatibility/2006" xmlns:a14="http://schemas.microsoft.com/office/drawing/2010/main">
-        <mc:Choice Requires="a14">
+      <mc:AlternateContent xmlns:mc="http://schemas.openxmlformats.org/markup-compatibility/2006">
+        <mc:Choice xmlns:a14="http://schemas.microsoft.com/office/drawing/2010/main" Requires="a14">
           <p:sp>
             <p:nvSpPr>
               <p:cNvPr id="3" name="Content Placeholder 2"/>
@@ -14347,13 +14455,13 @@
               <a:p>
                 <a:pPr lvl="1"/>
                 <a:r>
-                  <a:rPr lang="en-US" sz="2200" dirty="0">
+                  <a:rPr lang="en-US" sz="2400" dirty="0">
                     <a:cs typeface="Times New Roman" panose="02020603050405020304" pitchFamily="18" charset="0"/>
                   </a:rPr>
                   <a:t>This is called a </a:t>
                 </a:r>
                 <a:r>
-                  <a:rPr lang="en-US" sz="2200" b="1" dirty="0">
+                  <a:rPr lang="en-US" sz="2400" b="1" dirty="0">
                     <a:cs typeface="Times New Roman" panose="02020603050405020304" pitchFamily="18" charset="0"/>
                   </a:rPr>
                   <a:t>latent variable interpretation</a:t>
@@ -14362,7 +14470,7 @@
               <a:p>
                 <a:pPr lvl="1"/>
                 <a:r>
-                  <a:rPr lang="en-US" sz="2200" dirty="0">
+                  <a:rPr lang="en-US" sz="2400" dirty="0">
                     <a:cs typeface="Times New Roman" panose="02020603050405020304" pitchFamily="18" charset="0"/>
                   </a:rPr>
                   <a:t>Then </a:t>
@@ -14370,7 +14478,7 @@
                 <a14:m>
                   <m:oMath xmlns:m="http://schemas.openxmlformats.org/officeDocument/2006/math">
                     <m:r>
-                      <a:rPr lang="en-US" sz="2200" b="0" i="1" smtClean="0">
+                      <a:rPr lang="en-US" sz="2400" b="0" i="1" smtClean="0">
                         <a:latin typeface="Cambria Math" panose="02040503050406030204" pitchFamily="18" charset="0"/>
                         <a:cs typeface="Times New Roman" panose="02020603050405020304" pitchFamily="18" charset="0"/>
                       </a:rPr>
@@ -14379,7 +14487,7 @@
                     <m:d>
                       <m:dPr>
                         <m:ctrlPr>
-                          <a:rPr lang="en-US" sz="2200" b="0" i="1" smtClean="0">
+                          <a:rPr lang="en-US" sz="2400" b="0" i="1" smtClean="0">
                             <a:latin typeface="Cambria Math" panose="02040503050406030204" pitchFamily="18" charset="0"/>
                             <a:cs typeface="Times New Roman" panose="02020603050405020304" pitchFamily="18" charset="0"/>
                           </a:rPr>
@@ -14387,7 +14495,7 @@
                       </m:dPr>
                       <m:e>
                         <m:r>
-                          <a:rPr lang="en-US" sz="2200" b="0" i="1" smtClean="0">
+                          <a:rPr lang="en-US" sz="2400" b="0" i="1" smtClean="0">
                             <a:latin typeface="Cambria Math" panose="02040503050406030204" pitchFamily="18" charset="0"/>
                             <a:cs typeface="Times New Roman" panose="02020603050405020304" pitchFamily="18" charset="0"/>
                           </a:rPr>
@@ -14396,7 +14504,7 @@
                       </m:e>
                       <m:e>
                         <m:r>
-                          <a:rPr lang="en-US" sz="2200" b="0" i="1" smtClean="0">
+                          <a:rPr lang="en-US" sz="2400" b="0" i="1" smtClean="0">
                             <a:latin typeface="Cambria Math" panose="02040503050406030204" pitchFamily="18" charset="0"/>
                             <a:cs typeface="Times New Roman" panose="02020603050405020304" pitchFamily="18" charset="0"/>
                           </a:rPr>
@@ -14405,21 +14513,21 @@
                       </m:e>
                     </m:d>
                     <m:r>
-                      <a:rPr lang="en-US" sz="2200" b="0" i="1" smtClean="0">
+                      <a:rPr lang="en-US" sz="2400" b="0" i="1" smtClean="0">
                         <a:latin typeface="Cambria Math" panose="02040503050406030204" pitchFamily="18" charset="0"/>
                         <a:cs typeface="Times New Roman" panose="02020603050405020304" pitchFamily="18" charset="0"/>
                       </a:rPr>
                       <m:t>=</m:t>
                     </m:r>
                     <m:r>
-                      <a:rPr lang="en-US" sz="2200" b="0" i="1" smtClean="0">
+                      <a:rPr lang="en-US" sz="2400" b="0" i="1" smtClean="0">
                         <a:latin typeface="Cambria Math" panose="02040503050406030204" pitchFamily="18" charset="0"/>
                         <a:cs typeface="Times New Roman" panose="02020603050405020304" pitchFamily="18" charset="0"/>
                       </a:rPr>
                       <m:t>𝐹</m:t>
                     </m:r>
                     <m:r>
-                      <a:rPr lang="en-US" sz="2200" b="0" i="1" smtClean="0">
+                      <a:rPr lang="en-US" sz="2400" b="0" i="1" smtClean="0">
                         <a:latin typeface="Cambria Math" panose="02040503050406030204" pitchFamily="18" charset="0"/>
                         <a:cs typeface="Times New Roman" panose="02020603050405020304" pitchFamily="18" charset="0"/>
                       </a:rPr>
@@ -14428,7 +14536,7 @@
                     <m:sSup>
                       <m:sSupPr>
                         <m:ctrlPr>
-                          <a:rPr lang="en-US" sz="2200" b="0" i="1" smtClean="0">
+                          <a:rPr lang="en-US" sz="2400" b="0" i="1" smtClean="0">
                             <a:latin typeface="Cambria Math" panose="02040503050406030204" pitchFamily="18" charset="0"/>
                             <a:cs typeface="Times New Roman" panose="02020603050405020304" pitchFamily="18" charset="0"/>
                           </a:rPr>
@@ -14436,7 +14544,7 @@
                       </m:sSupPr>
                       <m:e>
                         <m:r>
-                          <a:rPr lang="en-US" sz="2200" b="0" i="1" smtClean="0">
+                          <a:rPr lang="en-US" sz="2400" b="0" i="1" smtClean="0">
                             <a:latin typeface="Cambria Math" panose="02040503050406030204" pitchFamily="18" charset="0"/>
                             <a:cs typeface="Times New Roman" panose="02020603050405020304" pitchFamily="18" charset="0"/>
                           </a:rPr>
@@ -14445,7 +14553,7 @@
                       </m:e>
                       <m:sup>
                         <m:r>
-                          <a:rPr lang="en-US" sz="2200" b="0" i="1" smtClean="0">
+                          <a:rPr lang="en-US" sz="2400" b="0" i="1" smtClean="0">
                             <a:latin typeface="Cambria Math" panose="02040503050406030204" pitchFamily="18" charset="0"/>
                             <a:cs typeface="Times New Roman" panose="02020603050405020304" pitchFamily="18" charset="0"/>
                           </a:rPr>
@@ -14454,7 +14562,7 @@
                       </m:sup>
                     </m:sSup>
                     <m:r>
-                      <a:rPr lang="en-US" sz="2200" b="0" i="1" smtClean="0">
+                      <a:rPr lang="en-US" sz="2400" b="0" i="1" smtClean="0">
                         <a:latin typeface="Cambria Math" panose="02040503050406030204" pitchFamily="18" charset="0"/>
                         <a:cs typeface="Times New Roman" panose="02020603050405020304" pitchFamily="18" charset="0"/>
                       </a:rPr>
@@ -14463,7 +14571,7 @@
                   </m:oMath>
                 </a14:m>
                 <a:r>
-                  <a:rPr lang="en-US" sz="2200" dirty="0">
+                  <a:rPr lang="en-US" sz="2400" dirty="0">
                     <a:cs typeface="Times New Roman" panose="02020603050405020304" pitchFamily="18" charset="0"/>
                   </a:rPr>
                   <a:t> (what would </a:t>
@@ -14471,14 +14579,14 @@
                 <a14:m>
                   <m:oMath xmlns:m="http://schemas.openxmlformats.org/officeDocument/2006/math">
                     <m:r>
-                      <a:rPr lang="en-US" sz="2200" b="0" i="1" smtClean="0">
+                      <a:rPr lang="en-US" sz="2400" b="0" i="1" smtClean="0">
                         <a:latin typeface="Cambria Math" panose="02040503050406030204" pitchFamily="18" charset="0"/>
                         <a:cs typeface="Times New Roman" panose="02020603050405020304" pitchFamily="18" charset="0"/>
                       </a:rPr>
                       <m:t>𝐹</m:t>
                     </m:r>
                     <m:r>
-                      <a:rPr lang="en-US" sz="2200" b="0" i="0" smtClean="0">
+                      <a:rPr lang="en-US" sz="2400" b="0" i="0" smtClean="0">
                         <a:latin typeface="Cambria Math" panose="02040503050406030204" pitchFamily="18" charset="0"/>
                         <a:cs typeface="Times New Roman" panose="02020603050405020304" pitchFamily="18" charset="0"/>
                       </a:rPr>
@@ -14488,14 +14596,14 @@
                       <m:rPr>
                         <m:sty m:val="p"/>
                       </m:rPr>
-                      <a:rPr lang="en-US" sz="2200" b="0" i="0" smtClean="0">
+                      <a:rPr lang="en-US" sz="2400" b="0" i="0" smtClean="0">
                         <a:latin typeface="Cambria Math" panose="02040503050406030204" pitchFamily="18" charset="0"/>
                         <a:cs typeface="Times New Roman" panose="02020603050405020304" pitchFamily="18" charset="0"/>
                       </a:rPr>
                       <m:t>be</m:t>
                     </m:r>
                     <m:r>
-                      <a:rPr lang="en-US" sz="2200" b="0" i="0" smtClean="0">
+                      <a:rPr lang="en-US" sz="2400" b="0" i="0" smtClean="0">
                         <a:latin typeface="Cambria Math" panose="02040503050406030204" pitchFamily="18" charset="0"/>
                         <a:cs typeface="Times New Roman" panose="02020603050405020304" pitchFamily="18" charset="0"/>
                       </a:rPr>
@@ -14504,7 +14612,7 @@
                   </m:oMath>
                 </a14:m>
                 <a:r>
-                  <a:rPr lang="en-US" sz="2200" dirty="0">
+                  <a:rPr lang="en-US" sz="2400" dirty="0">
                     <a:cs typeface="Times New Roman" panose="02020603050405020304" pitchFamily="18" charset="0"/>
                   </a:rPr>
                   <a:t>)</a:t>
@@ -14533,13 +14641,13 @@
               <a:p>
                 <a:pPr lvl="1"/>
                 <a:r>
-                  <a:rPr lang="en-US" sz="2200" dirty="0">
+                  <a:rPr lang="en-US" sz="2400" dirty="0">
                     <a:cs typeface="Times New Roman" panose="02020603050405020304" pitchFamily="18" charset="0"/>
                   </a:rPr>
                   <a:t>It’s just a matter of selecting the appropriate</a:t>
                 </a:r>
                 <a:r>
-                  <a:rPr lang="en-US" sz="2200" dirty="0">
+                  <a:rPr lang="en-US" sz="2400" dirty="0">
                     <a:solidFill>
                       <a:schemeClr val="accent3">
                         <a:lumMod val="75000"/>
@@ -14550,7 +14658,7 @@
                   <a:t> </a:t>
                 </a:r>
                 <a:r>
-                  <a:rPr lang="en-US" sz="2200" b="1" dirty="0">
+                  <a:rPr lang="en-US" sz="2400" b="1" dirty="0">
                     <a:solidFill>
                       <a:schemeClr val="accent3">
                         <a:lumMod val="75000"/>
@@ -14560,7 +14668,7 @@
                   </a:rPr>
                   <a:t>link function</a:t>
                 </a:r>
-                <a:endParaRPr lang="en-US" sz="2200" dirty="0">
+                <a:endParaRPr lang="en-US" sz="2400" dirty="0">
                   <a:solidFill>
                     <a:schemeClr val="accent3">
                       <a:lumMod val="75000"/>
@@ -14572,7 +14680,7 @@
             </p:txBody>
           </p:sp>
         </mc:Choice>
-        <mc:Fallback xmlns="">
+        <mc:Fallback>
           <p:sp>
             <p:nvSpPr>
               <p:cNvPr id="3" name="Content Placeholder 2"/>
@@ -14591,7 +14699,7 @@
               <a:blipFill>
                 <a:blip r:embed="rId3"/>
                 <a:stretch>
-                  <a:fillRect l="-916" t="-1305" r="-122"/>
+                  <a:fillRect l="-916" t="-1305" r="-549"/>
                 </a:stretch>
               </a:blipFill>
             </p:spPr>
@@ -15520,8 +15628,8 @@
           </a:p>
         </p:txBody>
       </p:sp>
-      <mc:AlternateContent xmlns:mc="http://schemas.openxmlformats.org/markup-compatibility/2006" xmlns:a14="http://schemas.microsoft.com/office/drawing/2010/main">
-        <mc:Choice Requires="a14">
+      <mc:AlternateContent xmlns:mc="http://schemas.openxmlformats.org/markup-compatibility/2006">
+        <mc:Choice xmlns:a14="http://schemas.microsoft.com/office/drawing/2010/main" Requires="a14">
           <p:sp>
             <p:nvSpPr>
               <p:cNvPr id="3" name="Content Placeholder 2"/>
@@ -15906,7 +16014,7 @@
               <a:p>
                 <a:pPr lvl="1"/>
                 <a:r>
-                  <a:rPr lang="en-US" sz="2200" dirty="0">
+                  <a:rPr lang="en-US" sz="2400" dirty="0">
                     <a:cs typeface="Times New Roman" panose="02020603050405020304" pitchFamily="18" charset="0"/>
                   </a:rPr>
                   <a:t>Now, </a:t>
@@ -15914,7 +16022,7 @@
                 <a14:m>
                   <m:oMath xmlns:m="http://schemas.openxmlformats.org/officeDocument/2006/math">
                     <m:r>
-                      <a:rPr lang="en-US" sz="2200" b="0" i="1" smtClean="0">
+                      <a:rPr lang="en-US" sz="2400" b="0" i="1" smtClean="0">
                         <a:latin typeface="Cambria Math" panose="02040503050406030204" pitchFamily="18" charset="0"/>
                         <a:cs typeface="Times New Roman" panose="02020603050405020304" pitchFamily="18" charset="0"/>
                       </a:rPr>
@@ -15923,7 +16031,7 @@
                     <m:d>
                       <m:dPr>
                         <m:ctrlPr>
-                          <a:rPr lang="en-US" sz="2200" b="0" i="1" smtClean="0">
+                          <a:rPr lang="en-US" sz="2400" b="0" i="1" smtClean="0">
                             <a:latin typeface="Cambria Math" panose="02040503050406030204" pitchFamily="18" charset="0"/>
                             <a:cs typeface="Times New Roman" panose="02020603050405020304" pitchFamily="18" charset="0"/>
                           </a:rPr>
@@ -15933,7 +16041,7 @@
                         <m:sSub>
                           <m:sSubPr>
                             <m:ctrlPr>
-                              <a:rPr lang="en-US" sz="2200" b="0" i="1" smtClean="0">
+                              <a:rPr lang="en-US" sz="2400" b="0" i="1" smtClean="0">
                                 <a:latin typeface="Cambria Math" panose="02040503050406030204" pitchFamily="18" charset="0"/>
                                 <a:cs typeface="Times New Roman" panose="02020603050405020304" pitchFamily="18" charset="0"/>
                               </a:rPr>
@@ -15941,7 +16049,7 @@
                           </m:sSubPr>
                           <m:e>
                             <m:r>
-                              <a:rPr lang="en-US" sz="2200" b="0" i="1" smtClean="0">
+                              <a:rPr lang="en-US" sz="2400" b="0" i="1" smtClean="0">
                                 <a:latin typeface="Cambria Math" panose="02040503050406030204" pitchFamily="18" charset="0"/>
                                 <a:cs typeface="Times New Roman" panose="02020603050405020304" pitchFamily="18" charset="0"/>
                               </a:rPr>
@@ -15950,7 +16058,7 @@
                           </m:e>
                           <m:sub>
                             <m:r>
-                              <a:rPr lang="en-US" sz="2200" b="0" i="1" smtClean="0">
+                              <a:rPr lang="en-US" sz="2400" b="0" i="1" smtClean="0">
                                 <a:latin typeface="Cambria Math" panose="02040503050406030204" pitchFamily="18" charset="0"/>
                                 <a:cs typeface="Times New Roman" panose="02020603050405020304" pitchFamily="18" charset="0"/>
                               </a:rPr>
@@ -15963,7 +16071,7 @@
                   </m:oMath>
                 </a14:m>
                 <a:r>
-                  <a:rPr lang="en-US" sz="2200" dirty="0">
+                  <a:rPr lang="en-US" sz="2400" dirty="0">
                     <a:cs typeface="Times New Roman" panose="02020603050405020304" pitchFamily="18" charset="0"/>
                   </a:rPr>
                   <a:t> is what affects </a:t>
@@ -15971,7 +16079,7 @@
                 <a14:m>
                   <m:oMath xmlns:m="http://schemas.openxmlformats.org/officeDocument/2006/math">
                     <m:r>
-                      <a:rPr lang="en-US" sz="2200" b="0" i="1" smtClean="0">
+                      <a:rPr lang="en-US" sz="2400" b="0" i="1" smtClean="0">
                         <a:latin typeface="Cambria Math" panose="02040503050406030204" pitchFamily="18" charset="0"/>
                         <a:cs typeface="Times New Roman" panose="02020603050405020304" pitchFamily="18" charset="0"/>
                       </a:rPr>
@@ -15980,7 +16088,7 @@
                   </m:oMath>
                 </a14:m>
                 <a:r>
-                  <a:rPr lang="en-US" sz="2200" dirty="0">
+                  <a:rPr lang="en-US" sz="2400" dirty="0">
                     <a:cs typeface="Times New Roman" panose="02020603050405020304" pitchFamily="18" charset="0"/>
                   </a:rPr>
                   <a:t> </a:t>
@@ -15989,7 +16097,7 @@
             </p:txBody>
           </p:sp>
         </mc:Choice>
-        <mc:Fallback xmlns="">
+        <mc:Fallback>
           <p:sp>
             <p:nvSpPr>
               <p:cNvPr id="3" name="Content Placeholder 2"/>
@@ -16103,8 +16211,8 @@
           </a:p>
         </p:txBody>
       </p:sp>
-      <mc:AlternateContent xmlns:mc="http://schemas.openxmlformats.org/markup-compatibility/2006" xmlns:a14="http://schemas.microsoft.com/office/drawing/2010/main">
-        <mc:Choice Requires="a14">
+      <mc:AlternateContent xmlns:mc="http://schemas.openxmlformats.org/markup-compatibility/2006">
+        <mc:Choice xmlns:a14="http://schemas.microsoft.com/office/drawing/2010/main" Requires="a14">
           <p:sp>
             <p:nvSpPr>
               <p:cNvPr id="3" name="Content Placeholder 2"/>
@@ -16180,7 +16288,7 @@
               <a:p>
                 <a:pPr lvl="1"/>
                 <a:r>
-                  <a:rPr lang="en-US" sz="2200" dirty="0">
+                  <a:rPr lang="en-US" sz="2400" dirty="0">
                     <a:cs typeface="Times New Roman" panose="02020603050405020304" pitchFamily="18" charset="0"/>
                   </a:rPr>
                   <a:t>Recall that </a:t>
@@ -16190,7 +16298,7 @@
                     <m:sSub>
                       <m:sSubPr>
                         <m:ctrlPr>
-                          <a:rPr lang="en-US" sz="2200" b="0" i="1" smtClean="0">
+                          <a:rPr lang="en-US" sz="2400" b="0" i="1" smtClean="0">
                             <a:latin typeface="Cambria Math" panose="02040503050406030204" pitchFamily="18" charset="0"/>
                             <a:cs typeface="Times New Roman" panose="02020603050405020304" pitchFamily="18" charset="0"/>
                           </a:rPr>
@@ -16198,7 +16306,7 @@
                       </m:sSubPr>
                       <m:e>
                         <m:r>
-                          <a:rPr lang="en-US" sz="2200" b="0" i="1" smtClean="0">
+                          <a:rPr lang="en-US" sz="2400" b="0" i="1" smtClean="0">
                             <a:latin typeface="Cambria Math" panose="02040503050406030204" pitchFamily="18" charset="0"/>
                             <a:cs typeface="Times New Roman" panose="02020603050405020304" pitchFamily="18" charset="0"/>
                           </a:rPr>
@@ -16207,7 +16315,7 @@
                       </m:e>
                       <m:sub>
                         <m:r>
-                          <a:rPr lang="en-US" sz="2200" b="0" i="1" smtClean="0">
+                          <a:rPr lang="en-US" sz="2400" b="0" i="1" smtClean="0">
                             <a:latin typeface="Cambria Math" panose="02040503050406030204" pitchFamily="18" charset="0"/>
                             <a:cs typeface="Times New Roman" panose="02020603050405020304" pitchFamily="18" charset="0"/>
                           </a:rPr>
@@ -16218,7 +16326,7 @@
                   </m:oMath>
                 </a14:m>
                 <a:r>
-                  <a:rPr lang="en-US" sz="2200" dirty="0">
+                  <a:rPr lang="en-US" sz="2400" dirty="0">
                     <a:cs typeface="Times New Roman" panose="02020603050405020304" pitchFamily="18" charset="0"/>
                   </a:rPr>
                   <a:t> tells you how </a:t>
@@ -16226,7 +16334,7 @@
                 <a14:m>
                   <m:oMath xmlns:m="http://schemas.openxmlformats.org/officeDocument/2006/math">
                     <m:r>
-                      <a:rPr lang="en-US" sz="2200" b="0" i="1" smtClean="0">
+                      <a:rPr lang="en-US" sz="2400" b="0" i="1" smtClean="0">
                         <a:latin typeface="Cambria Math" panose="02040503050406030204" pitchFamily="18" charset="0"/>
                         <a:cs typeface="Times New Roman" panose="02020603050405020304" pitchFamily="18" charset="0"/>
                       </a:rPr>
@@ -16235,7 +16343,7 @@
                   </m:oMath>
                 </a14:m>
                 <a:r>
-                  <a:rPr lang="en-US" sz="2200" dirty="0">
+                  <a:rPr lang="en-US" sz="2400" dirty="0">
                     <a:cs typeface="Times New Roman" panose="02020603050405020304" pitchFamily="18" charset="0"/>
                   </a:rPr>
                   <a:t> affects </a:t>
@@ -16243,7 +16351,7 @@
                 <a14:m>
                   <m:oMath xmlns:m="http://schemas.openxmlformats.org/officeDocument/2006/math">
                     <m:r>
-                      <a:rPr lang="en-US" sz="2200" b="0" i="1" smtClean="0">
+                      <a:rPr lang="en-US" sz="2400" b="0" i="1" smtClean="0">
                         <a:latin typeface="Cambria Math" panose="02040503050406030204" pitchFamily="18" charset="0"/>
                         <a:cs typeface="Times New Roman" panose="02020603050405020304" pitchFamily="18" charset="0"/>
                       </a:rPr>
@@ -16252,7 +16360,7 @@
                   </m:oMath>
                 </a14:m>
                 <a:r>
-                  <a:rPr lang="en-US" sz="2200" dirty="0">
+                  <a:rPr lang="en-US" sz="2400" dirty="0">
                     <a:cs typeface="Times New Roman" panose="02020603050405020304" pitchFamily="18" charset="0"/>
                   </a:rPr>
                   <a:t>, not how </a:t>
@@ -16260,7 +16368,7 @@
                 <a14:m>
                   <m:oMath xmlns:m="http://schemas.openxmlformats.org/officeDocument/2006/math">
                     <m:r>
-                      <a:rPr lang="en-US" sz="2200" b="0" i="1" smtClean="0">
+                      <a:rPr lang="en-US" sz="2400" b="0" i="1" smtClean="0">
                         <a:latin typeface="Cambria Math" panose="02040503050406030204" pitchFamily="18" charset="0"/>
                         <a:cs typeface="Times New Roman" panose="02020603050405020304" pitchFamily="18" charset="0"/>
                       </a:rPr>
@@ -16269,7 +16377,7 @@
                   </m:oMath>
                 </a14:m>
                 <a:r>
-                  <a:rPr lang="en-US" sz="2200" dirty="0">
+                  <a:rPr lang="en-US" sz="2400" dirty="0">
                     <a:cs typeface="Times New Roman" panose="02020603050405020304" pitchFamily="18" charset="0"/>
                   </a:rPr>
                   <a:t> affects </a:t>
@@ -16277,7 +16385,7 @@
                 <a14:m>
                   <m:oMath xmlns:m="http://schemas.openxmlformats.org/officeDocument/2006/math">
                     <m:r>
-                      <a:rPr lang="en-US" sz="2200" b="0" i="1" smtClean="0">
+                      <a:rPr lang="en-US" sz="2400" b="0" i="1" smtClean="0">
                         <a:latin typeface="Cambria Math" panose="02040503050406030204" pitchFamily="18" charset="0"/>
                         <a:cs typeface="Times New Roman" panose="02020603050405020304" pitchFamily="18" charset="0"/>
                       </a:rPr>
@@ -16285,14 +16393,14 @@
                     </m:r>
                   </m:oMath>
                 </a14:m>
-                <a:endParaRPr lang="en-US" sz="2200" dirty="0">
+                <a:endParaRPr lang="en-US" sz="2400" dirty="0">
                   <a:cs typeface="Times New Roman" panose="02020603050405020304" pitchFamily="18" charset="0"/>
                 </a:endParaRPr>
               </a:p>
               <a:p>
                 <a:pPr lvl="1"/>
                 <a:r>
-                  <a:rPr lang="en-US" sz="2200" dirty="0">
+                  <a:rPr lang="en-US" sz="2400" dirty="0">
                     <a:cs typeface="Times New Roman" panose="02020603050405020304" pitchFamily="18" charset="0"/>
                   </a:rPr>
                   <a:t>We have to consider </a:t>
@@ -16300,14 +16408,14 @@
                 <a14:m>
                   <m:oMath xmlns:m="http://schemas.openxmlformats.org/officeDocument/2006/math">
                     <m:r>
-                      <a:rPr lang="en-US" sz="2200" b="0" i="1" smtClean="0">
+                      <a:rPr lang="en-US" sz="2400" b="0" i="1" smtClean="0">
                         <a:latin typeface="Cambria Math" panose="02040503050406030204" pitchFamily="18" charset="0"/>
                         <a:cs typeface="Times New Roman" panose="02020603050405020304" pitchFamily="18" charset="0"/>
                       </a:rPr>
                       <m:t>𝐹</m:t>
                     </m:r>
                     <m:r>
-                      <a:rPr lang="en-US" sz="2200" b="0" i="1" smtClean="0">
+                      <a:rPr lang="en-US" sz="2400" b="0" i="1" smtClean="0">
                         <a:latin typeface="Cambria Math" panose="02040503050406030204" pitchFamily="18" charset="0"/>
                         <a:cs typeface="Times New Roman" panose="02020603050405020304" pitchFamily="18" charset="0"/>
                       </a:rPr>
@@ -16315,7 +16423,7 @@
                     </m:r>
                   </m:oMath>
                 </a14:m>
-                <a:endParaRPr lang="en-US" sz="2200" dirty="0">
+                <a:endParaRPr lang="en-US" sz="2400" dirty="0">
                   <a:cs typeface="Times New Roman" panose="02020603050405020304" pitchFamily="18" charset="0"/>
                 </a:endParaRPr>
               </a:p>
@@ -16378,7 +16486,7 @@
             </p:txBody>
           </p:sp>
         </mc:Choice>
-        <mc:Fallback xmlns="">
+        <mc:Fallback>
           <p:sp>
             <p:nvSpPr>
               <p:cNvPr id="3" name="Content Placeholder 2"/>
@@ -16539,8 +16647,8 @@
           </a:p>
         </p:txBody>
       </p:sp>
-      <mc:AlternateContent xmlns:mc="http://schemas.openxmlformats.org/markup-compatibility/2006" xmlns:a14="http://schemas.microsoft.com/office/drawing/2010/main">
-        <mc:Choice Requires="a14">
+      <mc:AlternateContent xmlns:mc="http://schemas.openxmlformats.org/markup-compatibility/2006">
+        <mc:Choice xmlns:a14="http://schemas.microsoft.com/office/drawing/2010/main" Requires="a14">
           <p:sp>
             <p:nvSpPr>
               <p:cNvPr id="3" name="Content Placeholder 2"/>
@@ -16559,7 +16667,7 @@
             </p:spPr>
             <p:txBody>
               <a:bodyPr>
-                <a:normAutofit/>
+                <a:noAutofit/>
               </a:bodyPr>
               <a:lstStyle/>
               <a:p>
@@ -16616,7 +16724,7 @@
               <a:p>
                 <a:pPr lvl="1"/>
                 <a:r>
-                  <a:rPr lang="en-US" sz="2200" dirty="0">
+                  <a:rPr lang="en-US" sz="2400" dirty="0">
                     <a:cs typeface="Times New Roman" panose="02020603050405020304" pitchFamily="18" charset="0"/>
                   </a:rPr>
                   <a:t>Recall that </a:t>
@@ -16626,7 +16734,7 @@
                     <m:sSub>
                       <m:sSubPr>
                         <m:ctrlPr>
-                          <a:rPr lang="en-US" sz="2200" b="0" i="1" smtClean="0">
+                          <a:rPr lang="en-US" sz="2400" b="0" i="1" smtClean="0">
                             <a:latin typeface="Cambria Math" panose="02040503050406030204" pitchFamily="18" charset="0"/>
                             <a:cs typeface="Times New Roman" panose="02020603050405020304" pitchFamily="18" charset="0"/>
                           </a:rPr>
@@ -16634,7 +16742,7 @@
                       </m:sSubPr>
                       <m:e>
                         <m:r>
-                          <a:rPr lang="en-US" sz="2200" b="0" i="1" smtClean="0">
+                          <a:rPr lang="en-US" sz="2400" b="0" i="1" smtClean="0">
                             <a:latin typeface="Cambria Math" panose="02040503050406030204" pitchFamily="18" charset="0"/>
                             <a:cs typeface="Times New Roman" panose="02020603050405020304" pitchFamily="18" charset="0"/>
                           </a:rPr>
@@ -16643,7 +16751,7 @@
                       </m:e>
                       <m:sub>
                         <m:r>
-                          <a:rPr lang="en-US" sz="2200" b="0" i="1" smtClean="0">
+                          <a:rPr lang="en-US" sz="2400" b="0" i="1" smtClean="0">
                             <a:latin typeface="Cambria Math" panose="02040503050406030204" pitchFamily="18" charset="0"/>
                             <a:cs typeface="Times New Roman" panose="02020603050405020304" pitchFamily="18" charset="0"/>
                           </a:rPr>
@@ -16654,7 +16762,7 @@
                   </m:oMath>
                 </a14:m>
                 <a:r>
-                  <a:rPr lang="en-US" sz="2200" dirty="0">
+                  <a:rPr lang="en-US" sz="2400" dirty="0">
                     <a:cs typeface="Times New Roman" panose="02020603050405020304" pitchFamily="18" charset="0"/>
                   </a:rPr>
                   <a:t> tells you how </a:t>
@@ -16662,7 +16770,7 @@
                 <a14:m>
                   <m:oMath xmlns:m="http://schemas.openxmlformats.org/officeDocument/2006/math">
                     <m:r>
-                      <a:rPr lang="en-US" sz="2200" b="0" i="1" smtClean="0">
+                      <a:rPr lang="en-US" sz="2400" b="0" i="1" smtClean="0">
                         <a:latin typeface="Cambria Math" panose="02040503050406030204" pitchFamily="18" charset="0"/>
                         <a:cs typeface="Times New Roman" panose="02020603050405020304" pitchFamily="18" charset="0"/>
                       </a:rPr>
@@ -16671,7 +16779,7 @@
                   </m:oMath>
                 </a14:m>
                 <a:r>
-                  <a:rPr lang="en-US" sz="2200" dirty="0">
+                  <a:rPr lang="en-US" sz="2400" dirty="0">
                     <a:cs typeface="Times New Roman" panose="02020603050405020304" pitchFamily="18" charset="0"/>
                   </a:rPr>
                   <a:t> affects </a:t>
@@ -16679,7 +16787,7 @@
                 <a14:m>
                   <m:oMath xmlns:m="http://schemas.openxmlformats.org/officeDocument/2006/math">
                     <m:r>
-                      <a:rPr lang="en-US" sz="2200" b="0" i="1" smtClean="0">
+                      <a:rPr lang="en-US" sz="2400" b="0" i="1" smtClean="0">
                         <a:latin typeface="Cambria Math" panose="02040503050406030204" pitchFamily="18" charset="0"/>
                         <a:cs typeface="Times New Roman" panose="02020603050405020304" pitchFamily="18" charset="0"/>
                       </a:rPr>
@@ -16688,7 +16796,7 @@
                   </m:oMath>
                 </a14:m>
                 <a:r>
-                  <a:rPr lang="en-US" sz="2200" dirty="0">
+                  <a:rPr lang="en-US" sz="2400" dirty="0">
                     <a:cs typeface="Times New Roman" panose="02020603050405020304" pitchFamily="18" charset="0"/>
                   </a:rPr>
                   <a:t>, not how </a:t>
@@ -16696,7 +16804,7 @@
                 <a14:m>
                   <m:oMath xmlns:m="http://schemas.openxmlformats.org/officeDocument/2006/math">
                     <m:r>
-                      <a:rPr lang="en-US" sz="2200" b="0" i="1" smtClean="0">
+                      <a:rPr lang="en-US" sz="2400" b="0" i="1" smtClean="0">
                         <a:latin typeface="Cambria Math" panose="02040503050406030204" pitchFamily="18" charset="0"/>
                         <a:cs typeface="Times New Roman" panose="02020603050405020304" pitchFamily="18" charset="0"/>
                       </a:rPr>
@@ -16705,7 +16813,7 @@
                   </m:oMath>
                 </a14:m>
                 <a:r>
-                  <a:rPr lang="en-US" sz="2200" dirty="0">
+                  <a:rPr lang="en-US" sz="2400" dirty="0">
                     <a:cs typeface="Times New Roman" panose="02020603050405020304" pitchFamily="18" charset="0"/>
                   </a:rPr>
                   <a:t> affects </a:t>
@@ -16713,7 +16821,7 @@
                 <a14:m>
                   <m:oMath xmlns:m="http://schemas.openxmlformats.org/officeDocument/2006/math">
                     <m:r>
-                      <a:rPr lang="en-US" sz="2200" b="0" i="1" smtClean="0">
+                      <a:rPr lang="en-US" sz="2400" b="0" i="1" smtClean="0">
                         <a:latin typeface="Cambria Math" panose="02040503050406030204" pitchFamily="18" charset="0"/>
                         <a:cs typeface="Times New Roman" panose="02020603050405020304" pitchFamily="18" charset="0"/>
                       </a:rPr>
@@ -16721,14 +16829,14 @@
                     </m:r>
                   </m:oMath>
                 </a14:m>
-                <a:endParaRPr lang="en-US" sz="2200" dirty="0">
+                <a:endParaRPr lang="en-US" sz="2400" dirty="0">
                   <a:cs typeface="Times New Roman" panose="02020603050405020304" pitchFamily="18" charset="0"/>
                 </a:endParaRPr>
               </a:p>
               <a:p>
                 <a:pPr lvl="1"/>
                 <a:r>
-                  <a:rPr lang="en-US" sz="2200" dirty="0">
+                  <a:rPr lang="en-US" sz="2400" dirty="0">
                     <a:cs typeface="Times New Roman" panose="02020603050405020304" pitchFamily="18" charset="0"/>
                   </a:rPr>
                   <a:t>We have to consider </a:t>
@@ -16736,14 +16844,14 @@
                 <a14:m>
                   <m:oMath xmlns:m="http://schemas.openxmlformats.org/officeDocument/2006/math">
                     <m:r>
-                      <a:rPr lang="en-US" sz="2200" b="0" i="1" smtClean="0">
+                      <a:rPr lang="en-US" sz="2400" b="0" i="1" smtClean="0">
                         <a:latin typeface="Cambria Math" panose="02040503050406030204" pitchFamily="18" charset="0"/>
                         <a:cs typeface="Times New Roman" panose="02020603050405020304" pitchFamily="18" charset="0"/>
                       </a:rPr>
                       <m:t>𝐹</m:t>
                     </m:r>
                     <m:r>
-                      <a:rPr lang="en-US" sz="2200" b="0" i="1" smtClean="0">
+                      <a:rPr lang="en-US" sz="2400" b="0" i="1" smtClean="0">
                         <a:latin typeface="Cambria Math" panose="02040503050406030204" pitchFamily="18" charset="0"/>
                         <a:cs typeface="Times New Roman" panose="02020603050405020304" pitchFamily="18" charset="0"/>
                       </a:rPr>
@@ -16751,7 +16859,7 @@
                     </m:r>
                   </m:oMath>
                 </a14:m>
-                <a:endParaRPr lang="en-US" sz="2200" dirty="0">
+                <a:endParaRPr lang="en-US" sz="2400" dirty="0">
                   <a:cs typeface="Times New Roman" panose="02020603050405020304" pitchFamily="18" charset="0"/>
                 </a:endParaRPr>
               </a:p>
@@ -16817,25 +16925,25 @@
               <a:p>
                 <a:pPr lvl="1"/>
                 <a:r>
-                  <a:rPr lang="en-US" sz="2200" dirty="0">
+                  <a:rPr lang="en-US" sz="2400" dirty="0">
                     <a:cs typeface="Times New Roman" panose="02020603050405020304" pitchFamily="18" charset="0"/>
                   </a:rPr>
                   <a:t>LPMs are better in small samples than logit/</a:t>
                 </a:r>
                 <a:r>
-                  <a:rPr lang="en-US" sz="2200" dirty="0" err="1">
+                  <a:rPr lang="en-US" sz="2400" dirty="0" err="1">
                     <a:cs typeface="Times New Roman" panose="02020603050405020304" pitchFamily="18" charset="0"/>
                   </a:rPr>
                   <a:t>probit</a:t>
                 </a:r>
                 <a:r>
-                  <a:rPr lang="en-US" sz="2200" dirty="0">
+                  <a:rPr lang="en-US" sz="2400" dirty="0">
                     <a:cs typeface="Times New Roman" panose="02020603050405020304" pitchFamily="18" charset="0"/>
                   </a:rPr>
                   <a:t>, which generally use </a:t>
                 </a:r>
                 <a:r>
-                  <a:rPr lang="en-US" sz="2200" b="1" dirty="0">
+                  <a:rPr lang="en-US" sz="2400" b="1" dirty="0">
                     <a:cs typeface="Times New Roman" panose="02020603050405020304" pitchFamily="18" charset="0"/>
                   </a:rPr>
                   <a:t>Maximum Likelihood Estimation (MLE) </a:t>
@@ -16844,7 +16952,7 @@
               <a:p>
                 <a:pPr lvl="1"/>
                 <a:r>
-                  <a:rPr lang="en-US" sz="2200" dirty="0">
+                  <a:rPr lang="en-US" sz="2400" dirty="0">
                     <a:cs typeface="Times New Roman" panose="02020603050405020304" pitchFamily="18" charset="0"/>
                   </a:rPr>
                   <a:t>You only care about slope for predicted values far from boundaries</a:t>
@@ -16853,7 +16961,7 @@
               <a:p>
                 <a:pPr lvl="1"/>
                 <a:r>
-                  <a:rPr lang="en-US" sz="2200" dirty="0">
+                  <a:rPr lang="en-US" sz="2400" dirty="0">
                     <a:cs typeface="Times New Roman" panose="02020603050405020304" pitchFamily="18" charset="0"/>
                   </a:rPr>
                   <a:t>There are limited values on RHS (less variation </a:t>
@@ -16861,7 +16969,7 @@
                 <a14:m>
                   <m:oMath xmlns:m="http://schemas.openxmlformats.org/officeDocument/2006/math">
                     <m:r>
-                      <a:rPr lang="en-US" sz="2200" b="0" i="1" smtClean="0">
+                      <a:rPr lang="en-US" sz="2400" b="0" i="1" smtClean="0">
                         <a:latin typeface="Cambria Math" panose="02040503050406030204" pitchFamily="18" charset="0"/>
                         <a:cs typeface="Times New Roman" panose="02020603050405020304" pitchFamily="18" charset="0"/>
                       </a:rPr>
@@ -16870,7 +16978,7 @@
                   </m:oMath>
                 </a14:m>
                 <a:r>
-                  <a:rPr lang="en-US" sz="2200" dirty="0">
+                  <a:rPr lang="en-US" sz="2400" dirty="0">
                     <a:cs typeface="Times New Roman" panose="02020603050405020304" pitchFamily="18" charset="0"/>
                   </a:rPr>
                   <a:t> fewer prediction issues)</a:t>
@@ -16879,7 +16987,7 @@
               <a:p>
                 <a:pPr lvl="1"/>
                 <a:r>
-                  <a:rPr lang="en-US" sz="2200" b="1" dirty="0">
+                  <a:rPr lang="en-US" sz="2400" b="1" dirty="0">
                     <a:cs typeface="Times New Roman" panose="02020603050405020304" pitchFamily="18" charset="0"/>
                   </a:rPr>
                   <a:t>Remember LPM performs poorly if </a:t>
@@ -16890,7 +16998,7 @@
                       <m:accPr>
                         <m:chr m:val="̅"/>
                         <m:ctrlPr>
-                          <a:rPr lang="en-US" sz="2200" b="1" i="1" smtClean="0">
+                          <a:rPr lang="en-US" sz="2400" b="1" i="1" smtClean="0">
                             <a:latin typeface="Cambria Math" panose="02040503050406030204" pitchFamily="18" charset="0"/>
                             <a:cs typeface="Times New Roman" panose="02020603050405020304" pitchFamily="18" charset="0"/>
                           </a:rPr>
@@ -16898,7 +17006,7 @@
                       </m:accPr>
                       <m:e>
                         <m:r>
-                          <a:rPr lang="en-US" sz="2200" b="0" i="1" smtClean="0">
+                          <a:rPr lang="en-US" sz="2400" b="0" i="1" smtClean="0">
                             <a:latin typeface="Cambria Math" panose="02040503050406030204" pitchFamily="18" charset="0"/>
                             <a:cs typeface="Times New Roman" panose="02020603050405020304" pitchFamily="18" charset="0"/>
                           </a:rPr>
@@ -16909,7 +17017,7 @@
                   </m:oMath>
                 </a14:m>
                 <a:r>
-                  <a:rPr lang="en-US" sz="2200" b="1" dirty="0">
+                  <a:rPr lang="en-US" sz="2400" b="1" dirty="0">
                     <a:cs typeface="Times New Roman" panose="02020603050405020304" pitchFamily="18" charset="0"/>
                   </a:rPr>
                   <a:t> is close to 0 or 1!</a:t>
@@ -16923,7 +17031,7 @@
             </p:txBody>
           </p:sp>
         </mc:Choice>
-        <mc:Fallback xmlns="">
+        <mc:Fallback>
           <p:sp>
             <p:nvSpPr>
               <p:cNvPr id="3" name="Content Placeholder 2"/>
@@ -16942,7 +17050,7 @@
               <a:blipFill>
                 <a:blip r:embed="rId3"/>
                 <a:stretch>
-                  <a:fillRect l="-441" t="-1305"/>
+                  <a:fillRect l="-441" t="-1305" b="-10083"/>
                 </a:stretch>
               </a:blipFill>
             </p:spPr>
@@ -17084,8 +17192,8 @@
           </a:p>
         </p:txBody>
       </p:sp>
-      <mc:AlternateContent xmlns:mc="http://schemas.openxmlformats.org/markup-compatibility/2006" xmlns:a14="http://schemas.microsoft.com/office/drawing/2010/main">
-        <mc:Choice Requires="a14">
+      <mc:AlternateContent xmlns:mc="http://schemas.openxmlformats.org/markup-compatibility/2006">
+        <mc:Choice xmlns:a14="http://schemas.microsoft.com/office/drawing/2010/main" Requires="a14">
           <p:sp>
             <p:nvSpPr>
               <p:cNvPr id="3" name="Content Placeholder 2"/>
@@ -17152,25 +17260,25 @@
               <a:p>
                 <a:pPr lvl="1"/>
                 <a:r>
-                  <a:rPr lang="en-US" sz="2200" dirty="0">
+                  <a:rPr lang="en-US" sz="2400" dirty="0">
                     <a:cs typeface="Times New Roman" panose="02020603050405020304" pitchFamily="18" charset="0"/>
                   </a:rPr>
                   <a:t>This is no longer possible with logit/</a:t>
                 </a:r>
                 <a:r>
-                  <a:rPr lang="en-US" sz="2200" dirty="0" err="1">
+                  <a:rPr lang="en-US" sz="2400" dirty="0" err="1">
                     <a:cs typeface="Times New Roman" panose="02020603050405020304" pitchFamily="18" charset="0"/>
                   </a:rPr>
                   <a:t>probit</a:t>
                 </a:r>
                 <a:r>
-                  <a:rPr lang="en-US" sz="2200" dirty="0">
+                  <a:rPr lang="en-US" sz="2400" dirty="0">
                     <a:cs typeface="Times New Roman" panose="02020603050405020304" pitchFamily="18" charset="0"/>
                   </a:rPr>
                   <a:t> since marginal effects are now </a:t>
                 </a:r>
                 <a:r>
-                  <a:rPr lang="en-US" sz="2200" b="1" dirty="0">
+                  <a:rPr lang="en-US" sz="2400" b="1" dirty="0">
                     <a:cs typeface="Times New Roman" panose="02020603050405020304" pitchFamily="18" charset="0"/>
                   </a:rPr>
                   <a:t>value-dependent</a:t>
@@ -17179,7 +17287,7 @@
               <a:p>
                 <a:pPr lvl="1"/>
                 <a:r>
-                  <a:rPr lang="en-US" sz="2200" dirty="0">
+                  <a:rPr lang="en-US" sz="2400" dirty="0">
                     <a:cs typeface="Times New Roman" panose="02020603050405020304" pitchFamily="18" charset="0"/>
                   </a:rPr>
                   <a:t>But we can still make these statements for a certain set of X’s (or value of index)</a:t>
@@ -17486,7 +17594,7 @@
             </p:txBody>
           </p:sp>
         </mc:Choice>
-        <mc:Fallback xmlns="">
+        <mc:Fallback>
           <p:sp>
             <p:nvSpPr>
               <p:cNvPr id="3" name="Content Placeholder 2"/>
@@ -17647,8 +17755,8 @@
           </a:p>
         </p:txBody>
       </p:sp>
-      <mc:AlternateContent xmlns:mc="http://schemas.openxmlformats.org/markup-compatibility/2006" xmlns:a14="http://schemas.microsoft.com/office/drawing/2010/main">
-        <mc:Choice Requires="a14">
+      <mc:AlternateContent xmlns:mc="http://schemas.openxmlformats.org/markup-compatibility/2006">
+        <mc:Choice xmlns:a14="http://schemas.microsoft.com/office/drawing/2010/main" Requires="a14">
           <p:sp>
             <p:nvSpPr>
               <p:cNvPr id="3" name="Content Placeholder 2"/>
@@ -17715,25 +17823,25 @@
               <a:p>
                 <a:pPr lvl="1"/>
                 <a:r>
-                  <a:rPr lang="en-US" sz="2200" dirty="0">
+                  <a:rPr lang="en-US" sz="2400" dirty="0">
                     <a:cs typeface="Times New Roman" panose="02020603050405020304" pitchFamily="18" charset="0"/>
                   </a:rPr>
                   <a:t>This is no longer possible with logit/</a:t>
                 </a:r>
                 <a:r>
-                  <a:rPr lang="en-US" sz="2200" dirty="0" err="1">
+                  <a:rPr lang="en-US" sz="2400" dirty="0" err="1">
                     <a:cs typeface="Times New Roman" panose="02020603050405020304" pitchFamily="18" charset="0"/>
                   </a:rPr>
                   <a:t>probit</a:t>
                 </a:r>
                 <a:r>
-                  <a:rPr lang="en-US" sz="2200" dirty="0">
+                  <a:rPr lang="en-US" sz="2400" dirty="0">
                     <a:cs typeface="Times New Roman" panose="02020603050405020304" pitchFamily="18" charset="0"/>
                   </a:rPr>
                   <a:t> since marginal effects are now </a:t>
                 </a:r>
                 <a:r>
-                  <a:rPr lang="en-US" sz="2200" b="1" dirty="0">
+                  <a:rPr lang="en-US" sz="2400" b="1" dirty="0">
                     <a:cs typeface="Times New Roman" panose="02020603050405020304" pitchFamily="18" charset="0"/>
                   </a:rPr>
                   <a:t>value-dependent</a:t>
@@ -17742,7 +17850,7 @@
               <a:p>
                 <a:pPr lvl="1"/>
                 <a:r>
-                  <a:rPr lang="en-US" sz="2200" dirty="0">
+                  <a:rPr lang="en-US" sz="2400" dirty="0">
                     <a:cs typeface="Times New Roman" panose="02020603050405020304" pitchFamily="18" charset="0"/>
                   </a:rPr>
                   <a:t>But we can still make these statements for a certain set of X’s (or value of index)</a:t>
@@ -18531,7 +18639,7 @@
             </p:txBody>
           </p:sp>
         </mc:Choice>
-        <mc:Fallback xmlns="">
+        <mc:Fallback>
           <p:sp>
             <p:nvSpPr>
               <p:cNvPr id="3" name="Content Placeholder 2"/>
@@ -19040,7 +19148,7 @@
           <a:p>
             <a:pPr lvl="1"/>
             <a:r>
-              <a:rPr lang="en-US" sz="2200" dirty="0">
+              <a:rPr lang="en-US" sz="2400" dirty="0">
                 <a:cs typeface="Times New Roman" panose="02020603050405020304" pitchFamily="18" charset="0"/>
               </a:rPr>
               <a:t>Calculate each observation's marginal effect based on its index</a:t>
@@ -19066,7 +19174,7 @@
           <a:p>
             <a:pPr lvl="1"/>
             <a:r>
-              <a:rPr lang="en-US" sz="2200" dirty="0">
+              <a:rPr lang="en-US" sz="2400" dirty="0">
                 <a:cs typeface="Times New Roman" panose="02020603050405020304" pitchFamily="18" charset="0"/>
               </a:rPr>
               <a:t>Pick a set of RHS variables you're interested in for some reason</a:t>
@@ -19075,7 +19183,7 @@
           <a:p>
             <a:pPr lvl="1"/>
             <a:r>
-              <a:rPr lang="en-US" sz="2200" dirty="0">
+              <a:rPr lang="en-US" sz="2400" dirty="0">
                 <a:cs typeface="Times New Roman" panose="02020603050405020304" pitchFamily="18" charset="0"/>
               </a:rPr>
               <a:t>Calculate the marginal effect for them</a:t>
@@ -19101,7 +19209,7 @@
           <a:p>
             <a:pPr lvl="1"/>
             <a:r>
-              <a:rPr lang="en-US" sz="2200" dirty="0">
+              <a:rPr lang="en-US" sz="2400" dirty="0">
                 <a:cs typeface="Times New Roman" panose="02020603050405020304" pitchFamily="18" charset="0"/>
               </a:rPr>
               <a:t>Calculate each individual observation's marginal effect, then average them</a:t>
@@ -19127,7 +19235,7 @@
           <a:p>
             <a:pPr lvl="1"/>
             <a:r>
-              <a:rPr lang="en-US" sz="2200" dirty="0">
+              <a:rPr lang="en-US" sz="2400" dirty="0">
                 <a:cs typeface="Times New Roman" panose="02020603050405020304" pitchFamily="18" charset="0"/>
               </a:rPr>
               <a:t>Calculate the average of each RHS variable</a:t>
@@ -19136,7 +19244,7 @@
           <a:p>
             <a:pPr lvl="1"/>
             <a:r>
-              <a:rPr lang="en-US" sz="2200" dirty="0">
+              <a:rPr lang="en-US" sz="2400" dirty="0">
                 <a:cs typeface="Times New Roman" panose="02020603050405020304" pitchFamily="18" charset="0"/>
               </a:rPr>
               <a:t>Get the marginal effect for a hypothetical observation at that index</a:t>
@@ -19782,8 +19890,8 @@
           </a:p>
         </p:txBody>
       </p:sp>
-      <mc:AlternateContent xmlns:mc="http://schemas.openxmlformats.org/markup-compatibility/2006" xmlns:a14="http://schemas.microsoft.com/office/drawing/2010/main">
-        <mc:Choice Requires="a14">
+      <mc:AlternateContent xmlns:mc="http://schemas.openxmlformats.org/markup-compatibility/2006">
+        <mc:Choice xmlns:a14="http://schemas.microsoft.com/office/drawing/2010/main" Requires="a14">
           <p:sp>
             <p:nvSpPr>
               <p:cNvPr id="3" name="Content Placeholder 2"/>
@@ -19999,7 +20107,7 @@
               <a:p>
                 <a:pPr lvl="1"/>
                 <a:r>
-                  <a:rPr lang="en-US" sz="2200" dirty="0">
+                  <a:rPr lang="en-US" sz="2400" dirty="0">
                     <a:cs typeface="Times New Roman" panose="02020603050405020304" pitchFamily="18" charset="0"/>
                   </a:rPr>
                   <a:t>This leaves back door open!</a:t>
@@ -20007,14 +20115,14 @@
               </a:p>
               <a:p>
                 <a:pPr lvl="1"/>
-                <a:endParaRPr lang="en-US" sz="2200" dirty="0">
+                <a:endParaRPr lang="en-US" sz="2400" dirty="0">
                   <a:cs typeface="Times New Roman" panose="02020603050405020304" pitchFamily="18" charset="0"/>
                 </a:endParaRPr>
               </a:p>
             </p:txBody>
           </p:sp>
         </mc:Choice>
-        <mc:Fallback xmlns="">
+        <mc:Fallback>
           <p:sp>
             <p:nvSpPr>
               <p:cNvPr id="3" name="Content Placeholder 2"/>
@@ -20636,7 +20744,7 @@
               <a:buNone/>
             </a:pPr>
             <a:r>
-              <a:rPr lang="en-US" sz="2800" b="1" dirty="0">
+              <a:rPr lang="en-US" sz="3200" b="1" dirty="0">
                 <a:solidFill>
                   <a:schemeClr val="accent2">
                     <a:lumMod val="75000"/>
@@ -20664,13 +20772,13 @@
           <a:p>
             <a:pPr lvl="1"/>
             <a:r>
-              <a:rPr lang="en-US" sz="2200" dirty="0">
+              <a:rPr lang="en-US" sz="2400" dirty="0">
                 <a:cs typeface="Times New Roman" panose="02020603050405020304" pitchFamily="18" charset="0"/>
               </a:rPr>
               <a:t>We use </a:t>
             </a:r>
             <a:r>
-              <a:rPr lang="en-US" sz="2200" b="1" dirty="0">
+              <a:rPr lang="en-US" sz="2400" b="1" dirty="0">
                 <a:solidFill>
                   <a:schemeClr val="accent2">
                     <a:lumMod val="75000"/>
@@ -20681,14 +20789,11 @@
               <a:t>Poisson regression </a:t>
             </a:r>
             <a:r>
-              <a:rPr lang="en-US" sz="2200" dirty="0">
+              <a:rPr lang="en-US" sz="2400" dirty="0">
                 <a:cs typeface="Times New Roman" panose="02020603050405020304" pitchFamily="18" charset="0"/>
               </a:rPr>
               <a:t>to handle this</a:t>
             </a:r>
-            <a:endParaRPr lang="en-US" sz="1800" dirty="0">
-              <a:cs typeface="Times New Roman" panose="02020603050405020304" pitchFamily="18" charset="0"/>
-            </a:endParaRPr>
           </a:p>
         </p:txBody>
       </p:sp>
@@ -22184,8 +22289,8 @@
           </a:p>
         </p:txBody>
       </p:sp>
-      <mc:AlternateContent xmlns:mc="http://schemas.openxmlformats.org/markup-compatibility/2006" xmlns:a14="http://schemas.microsoft.com/office/drawing/2010/main">
-        <mc:Choice Requires="a14">
+      <mc:AlternateContent xmlns:mc="http://schemas.openxmlformats.org/markup-compatibility/2006">
+        <mc:Choice xmlns:a14="http://schemas.microsoft.com/office/drawing/2010/main" Requires="a14">
           <p:sp>
             <p:nvSpPr>
               <p:cNvPr id="3" name="Content Placeholder 2"/>
@@ -22405,7 +22510,7 @@
                       <m:func>
                         <m:funcPr>
                           <m:ctrlPr>
-                            <a:rPr lang="en-US" sz="2200" b="0" i="1" smtClean="0">
+                            <a:rPr lang="en-US" sz="2400" b="0" i="1" smtClean="0">
                               <a:latin typeface="Cambria Math" panose="02040503050406030204" pitchFamily="18" charset="0"/>
                               <a:cs typeface="Times New Roman" panose="02020603050405020304" pitchFamily="18" charset="0"/>
                             </a:rPr>
@@ -22416,7 +22521,7 @@
                             <m:rPr>
                               <m:sty m:val="p"/>
                             </m:rPr>
-                            <a:rPr lang="en-US" sz="2200" b="0" i="0" smtClean="0">
+                            <a:rPr lang="en-US" sz="2400" b="0" i="0" smtClean="0">
                               <a:latin typeface="Cambria Math" panose="02040503050406030204" pitchFamily="18" charset="0"/>
                               <a:cs typeface="Times New Roman" panose="02020603050405020304" pitchFamily="18" charset="0"/>
                             </a:rPr>
@@ -22427,7 +22532,7 @@
                           <m:d>
                             <m:dPr>
                               <m:ctrlPr>
-                                <a:rPr lang="en-US" sz="2200" b="0" i="1" smtClean="0">
+                                <a:rPr lang="en-US" sz="2400" b="0" i="1" smtClean="0">
                                   <a:latin typeface="Cambria Math" panose="02040503050406030204" pitchFamily="18" charset="0"/>
                                   <a:cs typeface="Times New Roman" panose="02020603050405020304" pitchFamily="18" charset="0"/>
                                 </a:rPr>
@@ -22435,7 +22540,7 @@
                             </m:dPr>
                             <m:e>
                               <m:r>
-                                <a:rPr lang="en-US" sz="2200" b="0" i="1" smtClean="0">
+                                <a:rPr lang="en-US" sz="2400" b="0" i="1" smtClean="0">
                                   <a:latin typeface="Cambria Math" panose="02040503050406030204" pitchFamily="18" charset="0"/>
                                   <a:cs typeface="Times New Roman" panose="02020603050405020304" pitchFamily="18" charset="0"/>
                                 </a:rPr>
@@ -22446,7 +22551,7 @@
                         </m:e>
                       </m:func>
                       <m:r>
-                        <a:rPr lang="en-US" sz="2200" b="0" i="1" smtClean="0">
+                        <a:rPr lang="en-US" sz="2400" b="0" i="1" smtClean="0">
                           <a:latin typeface="Cambria Math" panose="02040503050406030204" pitchFamily="18" charset="0"/>
                           <a:cs typeface="Times New Roman" panose="02020603050405020304" pitchFamily="18" charset="0"/>
                         </a:rPr>
@@ -22455,7 +22560,7 @@
                       <m:f>
                         <m:fPr>
                           <m:ctrlPr>
-                            <a:rPr lang="en-US" sz="2200" b="0" i="1" smtClean="0">
+                            <a:rPr lang="en-US" sz="2400" b="0" i="1" smtClean="0">
                               <a:latin typeface="Cambria Math" panose="02040503050406030204" pitchFamily="18" charset="0"/>
                               <a:cs typeface="Times New Roman" panose="02020603050405020304" pitchFamily="18" charset="0"/>
                             </a:rPr>
@@ -22465,7 +22570,7 @@
                           <m:sSub>
                             <m:sSubPr>
                               <m:ctrlPr>
-                                <a:rPr lang="en-US" sz="2200" i="1">
+                                <a:rPr lang="en-US" sz="2400" i="1">
                                   <a:latin typeface="Cambria Math" panose="02040503050406030204" pitchFamily="18" charset="0"/>
                                   <a:cs typeface="Times New Roman" panose="02020603050405020304" pitchFamily="18" charset="0"/>
                                 </a:rPr>
@@ -22473,7 +22578,7 @@
                             </m:sSubPr>
                             <m:e>
                               <m:r>
-                                <a:rPr lang="en-US" sz="2200" i="1">
+                                <a:rPr lang="en-US" sz="2400" i="1">
                                   <a:latin typeface="Cambria Math" panose="02040503050406030204" pitchFamily="18" charset="0"/>
                                   <a:cs typeface="Times New Roman" panose="02020603050405020304" pitchFamily="18" charset="0"/>
                                 </a:rPr>
@@ -22486,7 +22591,7 @@
                                   <m:begChr m:val="{"/>
                                   <m:endChr m:val="}"/>
                                   <m:ctrlPr>
-                                    <a:rPr lang="en-US" sz="2200" i="1">
+                                    <a:rPr lang="en-US" sz="2400" i="1">
                                       <a:latin typeface="Cambria Math" panose="02040503050406030204" pitchFamily="18" charset="0"/>
                                       <a:cs typeface="Times New Roman" panose="02020603050405020304" pitchFamily="18" charset="0"/>
                                     </a:rPr>
@@ -22494,14 +22599,14 @@
                                 </m:dPr>
                                 <m:e>
                                   <m:r>
-                                    <a:rPr lang="en-US" sz="2200" i="1">
+                                    <a:rPr lang="en-US" sz="2400" i="1">
                                       <a:latin typeface="Cambria Math" panose="02040503050406030204" pitchFamily="18" charset="0"/>
                                       <a:cs typeface="Times New Roman" panose="02020603050405020304" pitchFamily="18" charset="0"/>
                                     </a:rPr>
                                     <m:t>𝑋</m:t>
                                   </m:r>
                                   <m:r>
-                                    <a:rPr lang="en-US" sz="2200" i="1">
+                                    <a:rPr lang="en-US" sz="2400" i="1">
                                       <a:latin typeface="Cambria Math" panose="02040503050406030204" pitchFamily="18" charset="0"/>
                                       <a:cs typeface="Times New Roman" panose="02020603050405020304" pitchFamily="18" charset="0"/>
                                     </a:rPr>
@@ -22512,7 +22617,7 @@
                             </m:sub>
                           </m:sSub>
                           <m:r>
-                            <a:rPr lang="en-US" sz="2200" i="1">
+                            <a:rPr lang="en-US" sz="2400" i="1">
                               <a:latin typeface="Cambria Math" panose="02040503050406030204" pitchFamily="18" charset="0"/>
                               <a:cs typeface="Times New Roman" panose="02020603050405020304" pitchFamily="18" charset="0"/>
                             </a:rPr>
@@ -22521,7 +22626,7 @@
                           <m:sSub>
                             <m:sSubPr>
                               <m:ctrlPr>
-                                <a:rPr lang="en-US" sz="2200" i="1">
+                                <a:rPr lang="en-US" sz="2400" i="1">
                                   <a:latin typeface="Cambria Math" panose="02040503050406030204" pitchFamily="18" charset="0"/>
                                   <a:cs typeface="Times New Roman" panose="02020603050405020304" pitchFamily="18" charset="0"/>
                                 </a:rPr>
@@ -22529,7 +22634,7 @@
                             </m:sSubPr>
                             <m:e>
                               <m:r>
-                                <a:rPr lang="en-US" sz="2200" i="1">
+                                <a:rPr lang="en-US" sz="2400" i="1">
                                   <a:latin typeface="Cambria Math" panose="02040503050406030204" pitchFamily="18" charset="0"/>
                                   <a:cs typeface="Times New Roman" panose="02020603050405020304" pitchFamily="18" charset="0"/>
                                 </a:rPr>
@@ -22538,7 +22643,7 @@
                             </m:e>
                             <m:sub>
                               <m:r>
-                                <a:rPr lang="en-US" sz="2200" i="1">
+                                <a:rPr lang="en-US" sz="2400" i="1">
                                   <a:latin typeface="Cambria Math" panose="02040503050406030204" pitchFamily="18" charset="0"/>
                                   <a:cs typeface="Times New Roman" panose="02020603050405020304" pitchFamily="18" charset="0"/>
                                 </a:rPr>
@@ -22551,7 +22656,7 @@
                           <m:sSub>
                             <m:sSubPr>
                               <m:ctrlPr>
-                                <a:rPr lang="en-US" sz="2200" b="0" i="1" smtClean="0">
+                                <a:rPr lang="en-US" sz="2400" b="0" i="1" smtClean="0">
                                   <a:latin typeface="Cambria Math" panose="02040503050406030204" pitchFamily="18" charset="0"/>
                                   <a:cs typeface="Times New Roman" panose="02020603050405020304" pitchFamily="18" charset="0"/>
                                 </a:rPr>
@@ -22559,7 +22664,7 @@
                             </m:sSubPr>
                             <m:e>
                               <m:r>
-                                <a:rPr lang="en-US" sz="2200" b="0" i="1" smtClean="0">
+                                <a:rPr lang="en-US" sz="2400" b="0" i="1" smtClean="0">
                                   <a:latin typeface="Cambria Math" panose="02040503050406030204" pitchFamily="18" charset="0"/>
                                   <a:cs typeface="Times New Roman" panose="02020603050405020304" pitchFamily="18" charset="0"/>
                                 </a:rPr>
@@ -22568,7 +22673,7 @@
                             </m:e>
                             <m:sub>
                               <m:r>
-                                <a:rPr lang="en-US" sz="2200" b="0" i="1" smtClean="0">
+                                <a:rPr lang="en-US" sz="2400" b="0" i="1" smtClean="0">
                                   <a:latin typeface="Cambria Math" panose="02040503050406030204" pitchFamily="18" charset="0"/>
                                   <a:cs typeface="Times New Roman" panose="02020603050405020304" pitchFamily="18" charset="0"/>
                                 </a:rPr>
@@ -22581,7 +22686,7 @@
                     </m:oMath>
                   </m:oMathPara>
                 </a14:m>
-                <a:endParaRPr lang="en-US" sz="2200" b="0" dirty="0">
+                <a:endParaRPr lang="en-US" sz="2400" b="0" dirty="0">
                   <a:cs typeface="Times New Roman" panose="02020603050405020304" pitchFamily="18" charset="0"/>
                 </a:endParaRPr>
               </a:p>
@@ -22628,7 +22733,7 @@
               <a:p>
                 <a:pPr lvl="1"/>
                 <a:r>
-                  <a:rPr lang="en-US" sz="2200" dirty="0">
+                  <a:rPr lang="en-US" sz="2400" dirty="0">
                     <a:cs typeface="Times New Roman" panose="02020603050405020304" pitchFamily="18" charset="0"/>
                   </a:rPr>
                   <a:t>If </a:t>
@@ -22638,7 +22743,7 @@
                     <m:func>
                       <m:funcPr>
                         <m:ctrlPr>
-                          <a:rPr lang="en-US" sz="2200" b="0" i="1" smtClean="0">
+                          <a:rPr lang="en-US" sz="2400" b="0" i="1" smtClean="0">
                             <a:latin typeface="Cambria Math" panose="02040503050406030204" pitchFamily="18" charset="0"/>
                             <a:cs typeface="Times New Roman" panose="02020603050405020304" pitchFamily="18" charset="0"/>
                           </a:rPr>
@@ -22649,7 +22754,7 @@
                           <m:rPr>
                             <m:sty m:val="p"/>
                           </m:rPr>
-                          <a:rPr lang="en-US" sz="2200" b="0" i="0" smtClean="0">
+                          <a:rPr lang="en-US" sz="2400" b="0" i="0" smtClean="0">
                             <a:latin typeface="Cambria Math" panose="02040503050406030204" pitchFamily="18" charset="0"/>
                             <a:cs typeface="Times New Roman" panose="02020603050405020304" pitchFamily="18" charset="0"/>
                           </a:rPr>
@@ -22660,7 +22765,7 @@
                         <m:d>
                           <m:dPr>
                             <m:ctrlPr>
-                              <a:rPr lang="en-US" sz="2200" b="0" i="1" smtClean="0">
+                              <a:rPr lang="en-US" sz="2400" b="0" i="1" smtClean="0">
                                 <a:latin typeface="Cambria Math" panose="02040503050406030204" pitchFamily="18" charset="0"/>
                                 <a:cs typeface="Times New Roman" panose="02020603050405020304" pitchFamily="18" charset="0"/>
                               </a:rPr>
@@ -22668,7 +22773,7 @@
                           </m:dPr>
                           <m:e>
                             <m:r>
-                              <a:rPr lang="en-US" sz="2200" b="0" i="1" smtClean="0">
+                              <a:rPr lang="en-US" sz="2400" b="0" i="1" smtClean="0">
                                 <a:latin typeface="Cambria Math" panose="02040503050406030204" pitchFamily="18" charset="0"/>
                                 <a:cs typeface="Times New Roman" panose="02020603050405020304" pitchFamily="18" charset="0"/>
                               </a:rPr>
@@ -22677,7 +22782,7 @@
                           </m:e>
                         </m:d>
                         <m:r>
-                          <a:rPr lang="en-US" sz="2200" b="0" i="1" smtClean="0">
+                          <a:rPr lang="en-US" sz="2400" b="0" i="1" smtClean="0">
                             <a:latin typeface="Cambria Math" panose="02040503050406030204" pitchFamily="18" charset="0"/>
                             <a:cs typeface="Times New Roman" panose="02020603050405020304" pitchFamily="18" charset="0"/>
                           </a:rPr>
@@ -22688,7 +22793,7 @@
                   </m:oMath>
                 </a14:m>
                 <a:r>
-                  <a:rPr lang="en-US" sz="2200" dirty="0">
+                  <a:rPr lang="en-US" sz="2400" dirty="0">
                     <a:cs typeface="Times New Roman" panose="02020603050405020304" pitchFamily="18" charset="0"/>
                   </a:rPr>
                   <a:t>, then </a:t>
@@ -22696,7 +22801,7 @@
                 <a14:m>
                   <m:oMath xmlns:m="http://schemas.openxmlformats.org/officeDocument/2006/math">
                     <m:r>
-                      <a:rPr lang="en-US" sz="2200" b="0" i="1" smtClean="0">
+                      <a:rPr lang="en-US" sz="2400" b="0" i="1" smtClean="0">
                         <a:latin typeface="Cambria Math" panose="02040503050406030204" pitchFamily="18" charset="0"/>
                         <a:cs typeface="Times New Roman" panose="02020603050405020304" pitchFamily="18" charset="0"/>
                       </a:rPr>
@@ -22705,19 +22810,19 @@
                   </m:oMath>
                 </a14:m>
                 <a:r>
-                  <a:rPr lang="en-US" sz="2200" dirty="0">
+                  <a:rPr lang="en-US" sz="2400" dirty="0">
                     <a:cs typeface="Times New Roman" panose="02020603050405020304" pitchFamily="18" charset="0"/>
                   </a:rPr>
                   <a:t> is </a:t>
                 </a:r>
                 <a:r>
-                  <a:rPr lang="en-US" sz="2200" i="1" dirty="0">
+                  <a:rPr lang="en-US" sz="2400" i="1" dirty="0">
                     <a:cs typeface="Times New Roman" panose="02020603050405020304" pitchFamily="18" charset="0"/>
                   </a:rPr>
                   <a:t>less likely </a:t>
                 </a:r>
                 <a:r>
-                  <a:rPr lang="en-US" sz="2200" dirty="0">
+                  <a:rPr lang="en-US" sz="2400" dirty="0">
                     <a:cs typeface="Times New Roman" panose="02020603050405020304" pitchFamily="18" charset="0"/>
                   </a:rPr>
                   <a:t>to happen when </a:t>
@@ -22725,7 +22830,7 @@
                 <a14:m>
                   <m:oMath xmlns:m="http://schemas.openxmlformats.org/officeDocument/2006/math">
                     <m:r>
-                      <a:rPr lang="en-US" sz="2200" b="0" i="1" smtClean="0">
+                      <a:rPr lang="en-US" sz="2400" b="0" i="1" smtClean="0">
                         <a:latin typeface="Cambria Math" panose="02040503050406030204" pitchFamily="18" charset="0"/>
                         <a:cs typeface="Times New Roman" panose="02020603050405020304" pitchFamily="18" charset="0"/>
                       </a:rPr>
@@ -22734,7 +22839,7 @@
                   </m:oMath>
                 </a14:m>
                 <a:r>
-                  <a:rPr lang="en-US" sz="2200" dirty="0">
+                  <a:rPr lang="en-US" sz="2400" dirty="0">
                     <a:cs typeface="Times New Roman" panose="02020603050405020304" pitchFamily="18" charset="0"/>
                   </a:rPr>
                   <a:t> increases</a:t>
@@ -22743,7 +22848,7 @@
               <a:p>
                 <a:pPr lvl="1"/>
                 <a:r>
-                  <a:rPr lang="en-US" sz="2200" dirty="0">
+                  <a:rPr lang="en-US" sz="2400" dirty="0">
                     <a:cs typeface="Times New Roman" panose="02020603050405020304" pitchFamily="18" charset="0"/>
                   </a:rPr>
                   <a:t>If </a:t>
@@ -22753,7 +22858,7 @@
                     <m:func>
                       <m:funcPr>
                         <m:ctrlPr>
-                          <a:rPr lang="en-US" sz="2200" b="0" i="1" smtClean="0">
+                          <a:rPr lang="en-US" sz="2400" b="0" i="1" smtClean="0">
                             <a:latin typeface="Cambria Math" panose="02040503050406030204" pitchFamily="18" charset="0"/>
                             <a:cs typeface="Times New Roman" panose="02020603050405020304" pitchFamily="18" charset="0"/>
                           </a:rPr>
@@ -22764,7 +22869,7 @@
                           <m:rPr>
                             <m:sty m:val="p"/>
                           </m:rPr>
-                          <a:rPr lang="en-US" sz="2200" b="0" i="0" smtClean="0">
+                          <a:rPr lang="en-US" sz="2400" b="0" i="0" smtClean="0">
                             <a:latin typeface="Cambria Math" panose="02040503050406030204" pitchFamily="18" charset="0"/>
                             <a:cs typeface="Times New Roman" panose="02020603050405020304" pitchFamily="18" charset="0"/>
                           </a:rPr>
@@ -22775,7 +22880,7 @@
                         <m:d>
                           <m:dPr>
                             <m:ctrlPr>
-                              <a:rPr lang="en-US" sz="2200" b="0" i="1" smtClean="0">
+                              <a:rPr lang="en-US" sz="2400" b="0" i="1" smtClean="0">
                                 <a:latin typeface="Cambria Math" panose="02040503050406030204" pitchFamily="18" charset="0"/>
                                 <a:cs typeface="Times New Roman" panose="02020603050405020304" pitchFamily="18" charset="0"/>
                               </a:rPr>
@@ -22783,7 +22888,7 @@
                           </m:dPr>
                           <m:e>
                             <m:r>
-                              <a:rPr lang="en-US" sz="2200" b="0" i="1" smtClean="0">
+                              <a:rPr lang="en-US" sz="2400" b="0" i="1" smtClean="0">
                                 <a:latin typeface="Cambria Math" panose="02040503050406030204" pitchFamily="18" charset="0"/>
                                 <a:cs typeface="Times New Roman" panose="02020603050405020304" pitchFamily="18" charset="0"/>
                               </a:rPr>
@@ -22794,7 +22899,7 @@
                       </m:e>
                     </m:func>
                     <m:r>
-                      <a:rPr lang="en-US" sz="2200" b="0" i="1" smtClean="0">
+                      <a:rPr lang="en-US" sz="2400" b="0" i="1" smtClean="0">
                         <a:latin typeface="Cambria Math" panose="02040503050406030204" pitchFamily="18" charset="0"/>
                         <a:cs typeface="Times New Roman" panose="02020603050405020304" pitchFamily="18" charset="0"/>
                       </a:rPr>
@@ -22803,7 +22908,7 @@
                   </m:oMath>
                 </a14:m>
                 <a:r>
-                  <a:rPr lang="en-US" sz="2200" dirty="0">
+                  <a:rPr lang="en-US" sz="2400" dirty="0">
                     <a:cs typeface="Times New Roman" panose="02020603050405020304" pitchFamily="18" charset="0"/>
                   </a:rPr>
                   <a:t> &gt; 1, then </a:t>
@@ -22811,7 +22916,7 @@
                 <a14:m>
                   <m:oMath xmlns:m="http://schemas.openxmlformats.org/officeDocument/2006/math">
                     <m:r>
-                      <a:rPr lang="en-US" sz="2200" b="0" i="1" smtClean="0">
+                      <a:rPr lang="en-US" sz="2400" b="0" i="1" smtClean="0">
                         <a:latin typeface="Cambria Math" panose="02040503050406030204" pitchFamily="18" charset="0"/>
                         <a:cs typeface="Times New Roman" panose="02020603050405020304" pitchFamily="18" charset="0"/>
                       </a:rPr>
@@ -22820,19 +22925,19 @@
                   </m:oMath>
                 </a14:m>
                 <a:r>
-                  <a:rPr lang="en-US" sz="2200" dirty="0">
+                  <a:rPr lang="en-US" sz="2400" dirty="0">
                     <a:cs typeface="Times New Roman" panose="02020603050405020304" pitchFamily="18" charset="0"/>
                   </a:rPr>
                   <a:t> is </a:t>
                 </a:r>
                 <a:r>
-                  <a:rPr lang="en-US" sz="2200" i="1" dirty="0">
+                  <a:rPr lang="en-US" sz="2400" i="1" dirty="0">
                     <a:cs typeface="Times New Roman" panose="02020603050405020304" pitchFamily="18" charset="0"/>
                   </a:rPr>
                   <a:t>more likely </a:t>
                 </a:r>
                 <a:r>
-                  <a:rPr lang="en-US" sz="2200" dirty="0">
+                  <a:rPr lang="en-US" sz="2400" dirty="0">
                     <a:cs typeface="Times New Roman" panose="02020603050405020304" pitchFamily="18" charset="0"/>
                   </a:rPr>
                   <a:t>to happen when </a:t>
@@ -22840,7 +22945,7 @@
                 <a14:m>
                   <m:oMath xmlns:m="http://schemas.openxmlformats.org/officeDocument/2006/math">
                     <m:r>
-                      <a:rPr lang="en-US" sz="2200" i="1" dirty="0" smtClean="0">
+                      <a:rPr lang="en-US" sz="2400" i="1" dirty="0" smtClean="0">
                         <a:latin typeface="Cambria Math" panose="02040503050406030204" pitchFamily="18" charset="0"/>
                         <a:cs typeface="Times New Roman" panose="02020603050405020304" pitchFamily="18" charset="0"/>
                       </a:rPr>
@@ -22849,7 +22954,7 @@
                   </m:oMath>
                 </a14:m>
                 <a:r>
-                  <a:rPr lang="en-US" sz="2200" dirty="0">
+                  <a:rPr lang="en-US" sz="2400" dirty="0">
                     <a:cs typeface="Times New Roman" panose="02020603050405020304" pitchFamily="18" charset="0"/>
                   </a:rPr>
                   <a:t> increases</a:t>
@@ -22880,7 +22985,7 @@
             </p:txBody>
           </p:sp>
         </mc:Choice>
-        <mc:Fallback xmlns="">
+        <mc:Fallback>
           <p:sp>
             <p:nvSpPr>
               <p:cNvPr id="3" name="Content Placeholder 2"/>
@@ -23030,8 +23135,8 @@
           </a:p>
         </p:txBody>
       </p:sp>
-      <mc:AlternateContent xmlns:mc="http://schemas.openxmlformats.org/markup-compatibility/2006" xmlns:a14="http://schemas.microsoft.com/office/drawing/2010/main">
-        <mc:Choice Requires="a14">
+      <mc:AlternateContent xmlns:mc="http://schemas.openxmlformats.org/markup-compatibility/2006">
+        <mc:Choice xmlns:a14="http://schemas.microsoft.com/office/drawing/2010/main" Requires="a14">
           <p:sp>
             <p:nvSpPr>
               <p:cNvPr id="3" name="Content Placeholder 2"/>
@@ -23249,19 +23354,19 @@
               <a:p>
                 <a:pPr lvl="1"/>
                 <a:r>
-                  <a:rPr lang="en-US" sz="2200" dirty="0">
+                  <a:rPr lang="en-US" sz="2400" dirty="0">
                     <a:cs typeface="Times New Roman" panose="02020603050405020304" pitchFamily="18" charset="0"/>
                   </a:rPr>
                   <a:t>This doesn’t affect bias, but does lead to </a:t>
                 </a:r>
                 <a:r>
-                  <a:rPr lang="en-US" sz="2200" b="1" dirty="0">
+                  <a:rPr lang="en-US" sz="2400" b="1" dirty="0">
                     <a:cs typeface="Times New Roman" panose="02020603050405020304" pitchFamily="18" charset="0"/>
                   </a:rPr>
                   <a:t>imprecision </a:t>
                 </a:r>
                 <a:r>
-                  <a:rPr lang="en-US" sz="2200" dirty="0">
+                  <a:rPr lang="en-US" sz="2400" dirty="0">
                     <a:cs typeface="Times New Roman" panose="02020603050405020304" pitchFamily="18" charset="0"/>
                   </a:rPr>
                   <a:t>in your estimates</a:t>
@@ -23275,7 +23380,7 @@
             </p:txBody>
           </p:sp>
         </mc:Choice>
-        <mc:Fallback xmlns="">
+        <mc:Fallback>
           <p:sp>
             <p:nvSpPr>
               <p:cNvPr id="3" name="Content Placeholder 2"/>
@@ -23378,8 +23483,8 @@
           </a:p>
         </p:txBody>
       </p:sp>
-      <mc:AlternateContent xmlns:mc="http://schemas.openxmlformats.org/markup-compatibility/2006" xmlns:a14="http://schemas.microsoft.com/office/drawing/2010/main">
-        <mc:Choice Requires="a14">
+      <mc:AlternateContent xmlns:mc="http://schemas.openxmlformats.org/markup-compatibility/2006">
+        <mc:Choice xmlns:a14="http://schemas.microsoft.com/office/drawing/2010/main" Requires="a14">
           <p:sp>
             <p:nvSpPr>
               <p:cNvPr id="3" name="Content Placeholder 2"/>
@@ -23597,19 +23702,19 @@
               <a:p>
                 <a:pPr lvl="1"/>
                 <a:r>
-                  <a:rPr lang="en-US" sz="2200" dirty="0">
+                  <a:rPr lang="en-US" sz="2400" dirty="0">
                     <a:cs typeface="Times New Roman" panose="02020603050405020304" pitchFamily="18" charset="0"/>
                   </a:rPr>
                   <a:t>This doesn’t affect bias, but does lead to </a:t>
                 </a:r>
                 <a:r>
-                  <a:rPr lang="en-US" sz="2200" b="1" dirty="0">
+                  <a:rPr lang="en-US" sz="2400" b="1" dirty="0">
                     <a:cs typeface="Times New Roman" panose="02020603050405020304" pitchFamily="18" charset="0"/>
                   </a:rPr>
                   <a:t>imprecision </a:t>
                 </a:r>
                 <a:r>
-                  <a:rPr lang="en-US" sz="2200" dirty="0">
+                  <a:rPr lang="en-US" sz="2400" dirty="0">
                     <a:cs typeface="Times New Roman" panose="02020603050405020304" pitchFamily="18" charset="0"/>
                   </a:rPr>
                   <a:t>in your estimates</a:t>
@@ -23618,7 +23723,7 @@
               <a:p>
                 <a:pPr lvl="1"/>
                 <a:r>
-                  <a:rPr lang="en-US" sz="2200" dirty="0">
+                  <a:rPr lang="en-US" sz="2400" dirty="0">
                     <a:cs typeface="Times New Roman" panose="02020603050405020304" pitchFamily="18" charset="0"/>
                   </a:rPr>
                   <a:t>Good news: you can test for this in data! </a:t>
@@ -23627,10 +23732,10 @@
               <a:p>
                 <a:pPr lvl="1"/>
                 <a:r>
-                  <a:rPr lang="en-US" sz="2200" dirty="0">
-                    <a:cs typeface="Times New Roman" panose="02020603050405020304" pitchFamily="18" charset="0"/>
-                  </a:rPr>
-                  <a:t>There are also ways to adjust your likelihood function with a new variance term</a:t>
+                  <a:rPr lang="en-US" sz="2400" dirty="0">
+                    <a:cs typeface="Times New Roman" panose="02020603050405020304" pitchFamily="18" charset="0"/>
+                  </a:rPr>
+                  <a:t>Can also adjust your likelihood function with a new variance term</a:t>
                 </a:r>
               </a:p>
               <a:p>
@@ -23656,7 +23761,7 @@
               <a:p>
                 <a:pPr lvl="1"/>
                 <a:r>
-                  <a:rPr lang="en-US" sz="2200" dirty="0">
+                  <a:rPr lang="en-US" sz="2400" dirty="0">
                     <a:cs typeface="Times New Roman" panose="02020603050405020304" pitchFamily="18" charset="0"/>
                   </a:rPr>
                   <a:t>Just changes link function slightly, can accommodate over/under dispersion</a:t>
@@ -23670,7 +23775,7 @@
             </p:txBody>
           </p:sp>
         </mc:Choice>
-        <mc:Fallback xmlns="">
+        <mc:Fallback>
           <p:sp>
             <p:nvSpPr>
               <p:cNvPr id="3" name="Content Placeholder 2"/>
@@ -23940,7 +24045,7 @@
           <a:p>
             <a:pPr lvl="1"/>
             <a:r>
-              <a:rPr lang="en-US" sz="2000" dirty="0">
+              <a:rPr lang="en-US" sz="2400" dirty="0">
                 <a:cs typeface="Times New Roman" panose="02020603050405020304" pitchFamily="18" charset="0"/>
               </a:rPr>
               <a:t>Especially true in HCP: people don’t go to doctor, don’t fill scrips, etc. </a:t>
@@ -23949,66 +24054,22 @@
           <a:p>
             <a:pPr lvl="1"/>
             <a:r>
-              <a:rPr lang="en-US" sz="2000" dirty="0">
+              <a:rPr lang="en-US" sz="2400" dirty="0">
                 <a:cs typeface="Times New Roman" panose="02020603050405020304" pitchFamily="18" charset="0"/>
               </a:rPr>
               <a:t>What drives the excess? </a:t>
             </a:r>
             <a:r>
-              <a:rPr lang="en-US" sz="2000" b="1" dirty="0">
+              <a:rPr lang="en-US" sz="2400" b="1" dirty="0">
                 <a:cs typeface="Times New Roman" panose="02020603050405020304" pitchFamily="18" charset="0"/>
               </a:rPr>
               <a:t>Different model processes </a:t>
             </a:r>
             <a:r>
-              <a:rPr lang="en-US" sz="2000" dirty="0">
+              <a:rPr lang="en-US" sz="2400" dirty="0">
                 <a:cs typeface="Times New Roman" panose="02020603050405020304" pitchFamily="18" charset="0"/>
               </a:rPr>
               <a:t>for 0/positive visits</a:t>
-            </a:r>
-          </a:p>
-          <a:p>
-            <a:r>
-              <a:rPr lang="en-US" sz="2200" dirty="0">
-                <a:cs typeface="Times New Roman" panose="02020603050405020304" pitchFamily="18" charset="0"/>
-              </a:rPr>
-              <a:t>One way to model these separately is to use a </a:t>
-            </a:r>
-            <a:r>
-              <a:rPr lang="en-US" sz="2200" b="1" dirty="0">
-                <a:cs typeface="Times New Roman" panose="02020603050405020304" pitchFamily="18" charset="0"/>
-              </a:rPr>
-              <a:t>hurdle model</a:t>
-            </a:r>
-            <a:r>
-              <a:rPr lang="en-US" sz="2200" dirty="0">
-                <a:cs typeface="Times New Roman" panose="02020603050405020304" pitchFamily="18" charset="0"/>
-              </a:rPr>
-              <a:t>, which has 2 steps: </a:t>
-            </a:r>
-          </a:p>
-          <a:p>
-            <a:pPr marL="617220" lvl="1" indent="-342900">
-              <a:buFont typeface="+mj-lt"/>
-              <a:buAutoNum type="arabicPeriod"/>
-            </a:pPr>
-            <a:r>
-              <a:rPr lang="en-US" sz="1800" dirty="0">
-                <a:cs typeface="Times New Roman" panose="02020603050405020304" pitchFamily="18" charset="0"/>
-              </a:rPr>
-              <a:t>Step 1: decision about whether number of visits will be positive or 0. </a:t>
-            </a:r>
-          </a:p>
-          <a:p>
-            <a:pPr marL="617220" lvl="1" indent="-342900">
-              <a:buFont typeface="+mj-lt"/>
-              <a:buAutoNum type="arabicPeriod"/>
-            </a:pPr>
-            <a:r>
-              <a:rPr lang="en-US" sz="1800" dirty="0">
-                <a:cs typeface="Times New Roman" panose="02020603050405020304" pitchFamily="18" charset="0"/>
-              </a:rPr>
-              <a:t>Step 2: if number of visits is positive (if the hurdle is crossed), how many visits will take place?</a:t>
             </a:r>
           </a:p>
           <a:p>
@@ -24115,7 +24176,7 @@
           <a:p>
             <a:pPr lvl="1"/>
             <a:r>
-              <a:rPr lang="en-US" sz="2000" dirty="0">
+              <a:rPr lang="en-US" sz="2400" dirty="0">
                 <a:cs typeface="Times New Roman" panose="02020603050405020304" pitchFamily="18" charset="0"/>
               </a:rPr>
               <a:t>Especially true in HCP: people don’t go to doctor, don’t fill scrips, etc. </a:t>
@@ -24124,19 +24185,19 @@
           <a:p>
             <a:pPr lvl="1"/>
             <a:r>
-              <a:rPr lang="en-US" sz="2000" dirty="0">
+              <a:rPr lang="en-US" sz="2400" dirty="0">
                 <a:cs typeface="Times New Roman" panose="02020603050405020304" pitchFamily="18" charset="0"/>
               </a:rPr>
               <a:t>What drives the excess? </a:t>
             </a:r>
             <a:r>
-              <a:rPr lang="en-US" sz="2000" b="1" dirty="0">
+              <a:rPr lang="en-US" sz="2400" b="1" dirty="0">
                 <a:cs typeface="Times New Roman" panose="02020603050405020304" pitchFamily="18" charset="0"/>
               </a:rPr>
               <a:t>Different model processes </a:t>
             </a:r>
             <a:r>
-              <a:rPr lang="en-US" sz="2000" dirty="0">
+              <a:rPr lang="en-US" sz="2400" dirty="0">
                 <a:cs typeface="Times New Roman" panose="02020603050405020304" pitchFamily="18" charset="0"/>
               </a:rPr>
               <a:t>for 0/positive visits</a:t>
@@ -24144,19 +24205,19 @@
           </a:p>
           <a:p>
             <a:r>
-              <a:rPr lang="en-US" sz="2200" dirty="0">
+              <a:rPr lang="en-US" sz="2400" dirty="0">
                 <a:cs typeface="Times New Roman" panose="02020603050405020304" pitchFamily="18" charset="0"/>
               </a:rPr>
-              <a:t>One way to model these separately is to use a </a:t>
-            </a:r>
-            <a:r>
-              <a:rPr lang="en-US" sz="2200" b="1" dirty="0">
+              <a:t>Can model these separately with a </a:t>
+            </a:r>
+            <a:r>
+              <a:rPr lang="en-US" sz="2400" b="1" dirty="0">
                 <a:cs typeface="Times New Roman" panose="02020603050405020304" pitchFamily="18" charset="0"/>
               </a:rPr>
               <a:t>hurdle model</a:t>
             </a:r>
             <a:r>
-              <a:rPr lang="en-US" sz="2200" dirty="0">
+              <a:rPr lang="en-US" sz="2400" dirty="0">
                 <a:cs typeface="Times New Roman" panose="02020603050405020304" pitchFamily="18" charset="0"/>
               </a:rPr>
               <a:t>, which has 2 steps: </a:t>
@@ -24168,20 +24229,11 @@
               <a:buAutoNum type="arabicPeriod"/>
             </a:pPr>
             <a:r>
-              <a:rPr lang="en-US" sz="1800" dirty="0">
+              <a:rPr lang="en-US" sz="2400" dirty="0">
                 <a:cs typeface="Times New Roman" panose="02020603050405020304" pitchFamily="18" charset="0"/>
               </a:rPr>
-              <a:t>Step 1: decision about whether number of visits will be positive or 0. </a:t>
-            </a:r>
-            <a:r>
-              <a:rPr lang="en-US" sz="1800" b="1" dirty="0">
-                <a:cs typeface="Times New Roman" panose="02020603050405020304" pitchFamily="18" charset="0"/>
-              </a:rPr>
-              <a:t>(logit)</a:t>
-            </a:r>
-            <a:endParaRPr lang="en-US" sz="1800" dirty="0">
-              <a:cs typeface="Times New Roman" panose="02020603050405020304" pitchFamily="18" charset="0"/>
-            </a:endParaRPr>
+              <a:t>Decision about whether number of visits will be positive or 0. </a:t>
+            </a:r>
           </a:p>
           <a:p>
             <a:pPr marL="617220" lvl="1" indent="-342900">
@@ -24189,20 +24241,11 @@
               <a:buAutoNum type="arabicPeriod"/>
             </a:pPr>
             <a:r>
-              <a:rPr lang="en-US" sz="1800" dirty="0">
+              <a:rPr lang="en-US" sz="2400" dirty="0">
                 <a:cs typeface="Times New Roman" panose="02020603050405020304" pitchFamily="18" charset="0"/>
               </a:rPr>
-              <a:t>Step 2: if number of visits is positive, how many visits will take place? </a:t>
-            </a:r>
-            <a:r>
-              <a:rPr lang="en-US" sz="1800" b="1" dirty="0">
-                <a:cs typeface="Times New Roman" panose="02020603050405020304" pitchFamily="18" charset="0"/>
-              </a:rPr>
-              <a:t>(truncated Poisson)</a:t>
-            </a:r>
-            <a:endParaRPr lang="en-US" sz="1800" dirty="0">
-              <a:cs typeface="Times New Roman" panose="02020603050405020304" pitchFamily="18" charset="0"/>
-            </a:endParaRPr>
+              <a:t>If number of visits &gt;0 (if hurdle is crossed), how many visits take place?</a:t>
+            </a:r>
           </a:p>
           <a:p>
             <a:endParaRPr lang="en-US" sz="2400" dirty="0">
@@ -24214,7 +24257,7 @@
     </p:spTree>
     <p:extLst>
       <p:ext uri="{BB962C8B-B14F-4D97-AF65-F5344CB8AC3E}">
-        <p14:creationId xmlns:p14="http://schemas.microsoft.com/office/powerpoint/2010/main" val="3626813775"/>
+        <p14:creationId xmlns:p14="http://schemas.microsoft.com/office/powerpoint/2010/main" val="113244226"/>
       </p:ext>
     </p:extLst>
   </p:cSld>
@@ -24276,8 +24319,8 @@
           </a:p>
         </p:txBody>
       </p:sp>
-      <mc:AlternateContent xmlns:mc="http://schemas.openxmlformats.org/markup-compatibility/2006" xmlns:a14="http://schemas.microsoft.com/office/drawing/2010/main">
-        <mc:Choice Requires="a14">
+      <mc:AlternateContent xmlns:mc="http://schemas.openxmlformats.org/markup-compatibility/2006">
+        <mc:Choice xmlns:a14="http://schemas.microsoft.com/office/drawing/2010/main" Requires="a14">
           <p:sp>
             <p:nvSpPr>
               <p:cNvPr id="3" name="Content Placeholder 2"/>
@@ -24314,25 +24357,25 @@
               <a:p>
                 <a:pPr lvl="1"/>
                 <a:r>
-                  <a:rPr lang="en-US" sz="2200" dirty="0">
+                  <a:rPr lang="en-US" sz="2400" dirty="0">
                     <a:cs typeface="Times New Roman" panose="02020603050405020304" pitchFamily="18" charset="0"/>
                   </a:rPr>
                   <a:t>E.g., logit or </a:t>
                 </a:r>
                 <a:r>
-                  <a:rPr lang="en-US" sz="2200" dirty="0" err="1">
+                  <a:rPr lang="en-US" sz="2400" dirty="0" err="1">
                     <a:cs typeface="Times New Roman" panose="02020603050405020304" pitchFamily="18" charset="0"/>
                   </a:rPr>
                   <a:t>probit</a:t>
                 </a:r>
                 <a:r>
-                  <a:rPr lang="en-US" sz="2200" dirty="0">
+                  <a:rPr lang="en-US" sz="2400" dirty="0">
                     <a:cs typeface="Times New Roman" panose="02020603050405020304" pitchFamily="18" charset="0"/>
                   </a:rPr>
                   <a:t>, where outcome is </a:t>
                 </a:r>
                 <a:r>
-                  <a:rPr lang="en-US" sz="2200" b="1" dirty="0">
+                  <a:rPr lang="en-US" sz="2400" b="1" dirty="0">
                     <a:cs typeface="Times New Roman" panose="02020603050405020304" pitchFamily="18" charset="0"/>
                   </a:rPr>
                   <a:t>1</a:t>
@@ -24340,21 +24383,21 @@
                 <a14:m>
                   <m:oMath xmlns:m="http://schemas.openxmlformats.org/officeDocument/2006/math">
                     <m:r>
-                      <a:rPr lang="en-CA" sz="2200" b="0" i="1" smtClean="0">
+                      <a:rPr lang="en-CA" sz="2400" b="0" i="1" smtClean="0">
                         <a:latin typeface="Cambria Math" panose="02040503050406030204" pitchFamily="18" charset="0"/>
                         <a:cs typeface="Times New Roman" panose="02020603050405020304" pitchFamily="18" charset="0"/>
                       </a:rPr>
                       <m:t>{</m:t>
                     </m:r>
                     <m:r>
-                      <a:rPr lang="en-CA" sz="2200" b="0" i="1" smtClean="0">
+                      <a:rPr lang="en-CA" sz="2400" b="0" i="1" smtClean="0">
                         <a:latin typeface="Cambria Math" panose="02040503050406030204" pitchFamily="18" charset="0"/>
                         <a:cs typeface="Times New Roman" panose="02020603050405020304" pitchFamily="18" charset="0"/>
                       </a:rPr>
                       <m:t>𝑣𝑖𝑠𝑖𝑡𝑠</m:t>
                     </m:r>
                     <m:r>
-                      <a:rPr lang="en-CA" sz="2200" b="0" i="1" smtClean="0">
+                      <a:rPr lang="en-CA" sz="2400" b="0" i="1" smtClean="0">
                         <a:latin typeface="Cambria Math" panose="02040503050406030204" pitchFamily="18" charset="0"/>
                         <a:cs typeface="Times New Roman" panose="02020603050405020304" pitchFamily="18" charset="0"/>
                       </a:rPr>
@@ -24362,7 +24405,7 @@
                     </m:r>
                   </m:oMath>
                 </a14:m>
-                <a:endParaRPr lang="en-US" sz="2200" dirty="0">
+                <a:endParaRPr lang="en-US" sz="2400" dirty="0">
                   <a:cs typeface="Times New Roman" panose="02020603050405020304" pitchFamily="18" charset="0"/>
                 </a:endParaRPr>
               </a:p>
@@ -24379,7 +24422,7 @@
                       <m:func>
                         <m:funcPr>
                           <m:ctrlPr>
-                            <a:rPr lang="en-CA" sz="2200" b="0" i="1" smtClean="0">
+                            <a:rPr lang="en-CA" sz="2400" b="0" i="1" smtClean="0">
                               <a:latin typeface="Cambria Math" panose="02040503050406030204" pitchFamily="18" charset="0"/>
                               <a:cs typeface="Times New Roman" panose="02020603050405020304" pitchFamily="18" charset="0"/>
                             </a:rPr>
@@ -24390,7 +24433,7 @@
                             <m:rPr>
                               <m:sty m:val="p"/>
                             </m:rPr>
-                            <a:rPr lang="en-CA" sz="2200" b="0" i="0" smtClean="0">
+                            <a:rPr lang="en-CA" sz="2400" b="0" i="0" smtClean="0">
                               <a:latin typeface="Cambria Math" panose="02040503050406030204" pitchFamily="18" charset="0"/>
                               <a:cs typeface="Times New Roman" panose="02020603050405020304" pitchFamily="18" charset="0"/>
                             </a:rPr>
@@ -24401,7 +24444,7 @@
                           <m:d>
                             <m:dPr>
                               <m:ctrlPr>
-                                <a:rPr lang="en-CA" sz="2200" b="0" i="1" smtClean="0">
+                                <a:rPr lang="en-CA" sz="2400" b="0" i="1" smtClean="0">
                                   <a:latin typeface="Cambria Math" panose="02040503050406030204" pitchFamily="18" charset="0"/>
                                   <a:cs typeface="Times New Roman" panose="02020603050405020304" pitchFamily="18" charset="0"/>
                                 </a:rPr>
@@ -24411,7 +24454,7 @@
                               <m:sSub>
                                 <m:sSubPr>
                                   <m:ctrlPr>
-                                    <a:rPr lang="en-CA" sz="2200" b="0" i="1" smtClean="0">
+                                    <a:rPr lang="en-CA" sz="2400" b="0" i="1" smtClean="0">
                                       <a:latin typeface="Cambria Math" panose="02040503050406030204" pitchFamily="18" charset="0"/>
                                       <a:cs typeface="Times New Roman" panose="02020603050405020304" pitchFamily="18" charset="0"/>
                                     </a:rPr>
@@ -24419,7 +24462,7 @@
                                 </m:sSubPr>
                                 <m:e>
                                   <m:r>
-                                    <a:rPr lang="en-CA" sz="2200" b="0" i="1" smtClean="0">
+                                    <a:rPr lang="en-CA" sz="2400" b="0" i="1" smtClean="0">
                                       <a:latin typeface="Cambria Math" panose="02040503050406030204" pitchFamily="18" charset="0"/>
                                       <a:cs typeface="Times New Roman" panose="02020603050405020304" pitchFamily="18" charset="0"/>
                                     </a:rPr>
@@ -24428,7 +24471,7 @@
                                 </m:e>
                                 <m:sub>
                                   <m:r>
-                                    <a:rPr lang="en-CA" sz="2200" b="0" i="1" smtClean="0">
+                                    <a:rPr lang="en-CA" sz="2400" b="0" i="1" smtClean="0">
                                       <a:latin typeface="Cambria Math" panose="02040503050406030204" pitchFamily="18" charset="0"/>
                                       <a:cs typeface="Times New Roman" panose="02020603050405020304" pitchFamily="18" charset="0"/>
                                     </a:rPr>
@@ -24437,7 +24480,7 @@
                                 </m:sub>
                               </m:sSub>
                               <m:r>
-                                <a:rPr lang="en-CA" sz="2200" b="0" i="1" smtClean="0">
+                                <a:rPr lang="en-CA" sz="2400" b="0" i="1" smtClean="0">
                                   <a:latin typeface="Cambria Math" panose="02040503050406030204" pitchFamily="18" charset="0"/>
                                   <a:cs typeface="Times New Roman" panose="02020603050405020304" pitchFamily="18" charset="0"/>
                                 </a:rPr>
@@ -24448,7 +24491,7 @@
                               <m:sSub>
                                 <m:sSubPr>
                                   <m:ctrlPr>
-                                    <a:rPr lang="en-CA" sz="2200" b="0" i="1" smtClean="0">
+                                    <a:rPr lang="en-CA" sz="2400" b="0" i="1" smtClean="0">
                                       <a:latin typeface="Cambria Math" panose="02040503050406030204" pitchFamily="18" charset="0"/>
                                       <a:cs typeface="Times New Roman" panose="02020603050405020304" pitchFamily="18" charset="0"/>
                                     </a:rPr>
@@ -24456,7 +24499,7 @@
                                 </m:sSubPr>
                                 <m:e>
                                   <m:r>
-                                    <a:rPr lang="en-CA" sz="2200" b="0" i="1" smtClean="0">
+                                    <a:rPr lang="en-CA" sz="2400" b="0" i="1" smtClean="0">
                                       <a:latin typeface="Cambria Math" panose="02040503050406030204" pitchFamily="18" charset="0"/>
                                       <a:cs typeface="Times New Roman" panose="02020603050405020304" pitchFamily="18" charset="0"/>
                                     </a:rPr>
@@ -24465,7 +24508,7 @@
                                 </m:e>
                                 <m:sub>
                                   <m:r>
-                                    <a:rPr lang="en-CA" sz="2200" b="0" i="1" smtClean="0">
+                                    <a:rPr lang="en-CA" sz="2400" b="0" i="1" smtClean="0">
                                       <a:latin typeface="Cambria Math" panose="02040503050406030204" pitchFamily="18" charset="0"/>
                                       <a:cs typeface="Times New Roman" panose="02020603050405020304" pitchFamily="18" charset="0"/>
                                     </a:rPr>
@@ -24478,7 +24521,7 @@
                         </m:e>
                       </m:func>
                       <m:r>
-                        <a:rPr lang="en-CA" sz="2200" b="0" i="1" smtClean="0">
+                        <a:rPr lang="en-CA" sz="2400" b="0" i="1" smtClean="0">
                           <a:latin typeface="Cambria Math" panose="02040503050406030204" pitchFamily="18" charset="0"/>
                           <a:cs typeface="Times New Roman" panose="02020603050405020304" pitchFamily="18" charset="0"/>
                         </a:rPr>
@@ -24487,7 +24530,7 @@
                       <m:f>
                         <m:fPr>
                           <m:ctrlPr>
-                            <a:rPr lang="en-CA" sz="2200" b="0" i="1" smtClean="0">
+                            <a:rPr lang="en-CA" sz="2400" b="0" i="1" smtClean="0">
                               <a:latin typeface="Cambria Math" panose="02040503050406030204" pitchFamily="18" charset="0"/>
                               <a:cs typeface="Times New Roman" panose="02020603050405020304" pitchFamily="18" charset="0"/>
                             </a:rPr>
@@ -24497,7 +24540,7 @@
                           <m:func>
                             <m:funcPr>
                               <m:ctrlPr>
-                                <a:rPr lang="en-CA" sz="2200" b="0" i="1" smtClean="0">
+                                <a:rPr lang="en-CA" sz="2400" b="0" i="1" smtClean="0">
                                   <a:latin typeface="Cambria Math" panose="02040503050406030204" pitchFamily="18" charset="0"/>
                                   <a:cs typeface="Times New Roman" panose="02020603050405020304" pitchFamily="18" charset="0"/>
                                 </a:rPr>
@@ -24508,7 +24551,7 @@
                                 <m:rPr>
                                   <m:sty m:val="p"/>
                                 </m:rPr>
-                                <a:rPr lang="en-CA" sz="2200" b="0" i="0" smtClean="0">
+                                <a:rPr lang="en-CA" sz="2400" b="0" i="0" smtClean="0">
                                   <a:latin typeface="Cambria Math" panose="02040503050406030204" pitchFamily="18" charset="0"/>
                                   <a:cs typeface="Times New Roman" panose="02020603050405020304" pitchFamily="18" charset="0"/>
                                 </a:rPr>
@@ -24519,7 +24562,7 @@
                               <m:d>
                                 <m:dPr>
                                   <m:ctrlPr>
-                                    <a:rPr lang="en-CA" sz="2200" b="0" i="1" smtClean="0">
+                                    <a:rPr lang="en-CA" sz="2400" b="0" i="1" smtClean="0">
                                       <a:latin typeface="Cambria Math" panose="02040503050406030204" pitchFamily="18" charset="0"/>
                                       <a:cs typeface="Times New Roman" panose="02020603050405020304" pitchFamily="18" charset="0"/>
                                     </a:rPr>
@@ -24529,7 +24572,7 @@
                                   <m:sSub>
                                     <m:sSubPr>
                                       <m:ctrlPr>
-                                        <a:rPr lang="en-CA" sz="2200" b="0" i="1" smtClean="0">
+                                        <a:rPr lang="en-CA" sz="2400" b="0" i="1" smtClean="0">
                                           <a:latin typeface="Cambria Math" panose="02040503050406030204" pitchFamily="18" charset="0"/>
                                           <a:cs typeface="Times New Roman" panose="02020603050405020304" pitchFamily="18" charset="0"/>
                                         </a:rPr>
@@ -24537,7 +24580,7 @@
                                     </m:sSubPr>
                                     <m:e>
                                       <m:r>
-                                        <a:rPr lang="en-CA" sz="2200" b="0" i="1" smtClean="0">
+                                        <a:rPr lang="en-CA" sz="2400" b="0" i="1" smtClean="0">
                                           <a:latin typeface="Cambria Math" panose="02040503050406030204" pitchFamily="18" charset="0"/>
                                           <a:cs typeface="Times New Roman" panose="02020603050405020304" pitchFamily="18" charset="0"/>
                                         </a:rPr>
@@ -24546,7 +24589,7 @@
                                     </m:e>
                                     <m:sub>
                                       <m:r>
-                                        <a:rPr lang="en-CA" sz="2200" b="0" i="1" smtClean="0">
+                                        <a:rPr lang="en-CA" sz="2400" b="0" i="1" smtClean="0">
                                           <a:latin typeface="Cambria Math" panose="02040503050406030204" pitchFamily="18" charset="0"/>
                                           <a:cs typeface="Times New Roman" panose="02020603050405020304" pitchFamily="18" charset="0"/>
                                         </a:rPr>
@@ -24558,7 +24601,7 @@
                                     <m:accPr>
                                       <m:chr m:val="̂"/>
                                       <m:ctrlPr>
-                                        <a:rPr lang="en-CA" sz="2200" b="0" i="1" smtClean="0">
+                                        <a:rPr lang="en-CA" sz="2400" b="0" i="1" smtClean="0">
                                           <a:latin typeface="Cambria Math" panose="02040503050406030204" pitchFamily="18" charset="0"/>
                                           <a:cs typeface="Times New Roman" panose="02020603050405020304" pitchFamily="18" charset="0"/>
                                         </a:rPr>
@@ -24566,7 +24609,7 @@
                                     </m:accPr>
                                     <m:e>
                                       <m:r>
-                                        <a:rPr lang="en-CA" sz="2200" b="0" i="1" smtClean="0">
+                                        <a:rPr lang="en-CA" sz="2400" b="0" i="1" smtClean="0">
                                           <a:latin typeface="Cambria Math" panose="02040503050406030204" pitchFamily="18" charset="0"/>
                                           <a:cs typeface="Times New Roman" panose="02020603050405020304" pitchFamily="18" charset="0"/>
                                         </a:rPr>
@@ -24581,7 +24624,7 @@
                         </m:num>
                         <m:den>
                           <m:r>
-                            <a:rPr lang="en-CA" sz="2200" b="0" i="1" smtClean="0">
+                            <a:rPr lang="en-CA" sz="2400" b="0" i="1" smtClean="0">
                               <a:latin typeface="Cambria Math" panose="02040503050406030204" pitchFamily="18" charset="0"/>
                               <a:cs typeface="Times New Roman" panose="02020603050405020304" pitchFamily="18" charset="0"/>
                             </a:rPr>
@@ -24590,7 +24633,7 @@
                           <m:func>
                             <m:funcPr>
                               <m:ctrlPr>
-                                <a:rPr lang="en-CA" sz="2200" b="0" i="1" smtClean="0">
+                                <a:rPr lang="en-CA" sz="2400" b="0" i="1" smtClean="0">
                                   <a:latin typeface="Cambria Math" panose="02040503050406030204" pitchFamily="18" charset="0"/>
                                   <a:cs typeface="Times New Roman" panose="02020603050405020304" pitchFamily="18" charset="0"/>
                                 </a:rPr>
@@ -24601,7 +24644,7 @@
                                 <m:rPr>
                                   <m:sty m:val="p"/>
                                 </m:rPr>
-                                <a:rPr lang="en-CA" sz="2200" b="0" i="0" smtClean="0">
+                                <a:rPr lang="en-CA" sz="2400" b="0" i="0" smtClean="0">
                                   <a:latin typeface="Cambria Math" panose="02040503050406030204" pitchFamily="18" charset="0"/>
                                   <a:cs typeface="Times New Roman" panose="02020603050405020304" pitchFamily="18" charset="0"/>
                                 </a:rPr>
@@ -24612,7 +24655,7 @@
                               <m:d>
                                 <m:dPr>
                                   <m:ctrlPr>
-                                    <a:rPr lang="en-CA" sz="2200" b="0" i="1" smtClean="0">
+                                    <a:rPr lang="en-CA" sz="2400" b="0" i="1" smtClean="0">
                                       <a:latin typeface="Cambria Math" panose="02040503050406030204" pitchFamily="18" charset="0"/>
                                       <a:cs typeface="Times New Roman" panose="02020603050405020304" pitchFamily="18" charset="0"/>
                                     </a:rPr>
@@ -24622,7 +24665,7 @@
                                   <m:sSub>
                                     <m:sSubPr>
                                       <m:ctrlPr>
-                                        <a:rPr lang="en-CA" sz="2200" b="0" i="1" smtClean="0">
+                                        <a:rPr lang="en-CA" sz="2400" b="0" i="1" smtClean="0">
                                           <a:latin typeface="Cambria Math" panose="02040503050406030204" pitchFamily="18" charset="0"/>
                                           <a:cs typeface="Times New Roman" panose="02020603050405020304" pitchFamily="18" charset="0"/>
                                         </a:rPr>
@@ -24630,7 +24673,7 @@
                                     </m:sSubPr>
                                     <m:e>
                                       <m:r>
-                                        <a:rPr lang="en-CA" sz="2200" b="0" i="1" smtClean="0">
+                                        <a:rPr lang="en-CA" sz="2400" b="0" i="1" smtClean="0">
                                           <a:latin typeface="Cambria Math" panose="02040503050406030204" pitchFamily="18" charset="0"/>
                                           <a:cs typeface="Times New Roman" panose="02020603050405020304" pitchFamily="18" charset="0"/>
                                         </a:rPr>
@@ -24639,7 +24682,7 @@
                                     </m:e>
                                     <m:sub>
                                       <m:r>
-                                        <a:rPr lang="en-CA" sz="2200" b="0" i="1" smtClean="0">
+                                        <a:rPr lang="en-CA" sz="2400" b="0" i="1" smtClean="0">
                                           <a:latin typeface="Cambria Math" panose="02040503050406030204" pitchFamily="18" charset="0"/>
                                           <a:cs typeface="Times New Roman" panose="02020603050405020304" pitchFamily="18" charset="0"/>
                                         </a:rPr>
@@ -24651,7 +24694,7 @@
                                     <m:accPr>
                                       <m:chr m:val="̂"/>
                                       <m:ctrlPr>
-                                        <a:rPr lang="en-CA" sz="2200" b="0" i="1" smtClean="0">
+                                        <a:rPr lang="en-CA" sz="2400" b="0" i="1" smtClean="0">
                                           <a:latin typeface="Cambria Math" panose="02040503050406030204" pitchFamily="18" charset="0"/>
                                           <a:cs typeface="Times New Roman" panose="02020603050405020304" pitchFamily="18" charset="0"/>
                                         </a:rPr>
@@ -24659,7 +24702,7 @@
                                     </m:accPr>
                                     <m:e>
                                       <m:r>
-                                        <a:rPr lang="en-CA" sz="2200" b="0" i="1" smtClean="0">
+                                        <a:rPr lang="en-CA" sz="2400" b="0" i="1" smtClean="0">
                                           <a:latin typeface="Cambria Math" panose="02040503050406030204" pitchFamily="18" charset="0"/>
                                           <a:cs typeface="Times New Roman" panose="02020603050405020304" pitchFamily="18" charset="0"/>
                                         </a:rPr>
@@ -24674,7 +24717,7 @@
                         </m:den>
                       </m:f>
                       <m:r>
-                        <a:rPr lang="en-CA" sz="2200" b="0" i="1" smtClean="0">
+                        <a:rPr lang="en-CA" sz="2400" b="0" i="1" smtClean="0">
                           <a:latin typeface="Cambria Math" panose="02040503050406030204" pitchFamily="18" charset="0"/>
                           <a:cs typeface="Times New Roman" panose="02020603050405020304" pitchFamily="18" charset="0"/>
                         </a:rPr>
@@ -24684,7 +24727,7 @@
                         <m:accPr>
                           <m:chr m:val="̂"/>
                           <m:ctrlPr>
-                            <a:rPr lang="en-CA" sz="2200" b="0" i="1" smtClean="0">
+                            <a:rPr lang="en-CA" sz="2400" b="0" i="1" smtClean="0">
                               <a:latin typeface="Cambria Math" panose="02040503050406030204" pitchFamily="18" charset="0"/>
                               <a:cs typeface="Times New Roman" panose="02020603050405020304" pitchFamily="18" charset="0"/>
                             </a:rPr>
@@ -24694,7 +24737,7 @@
                           <m:sSub>
                             <m:sSubPr>
                               <m:ctrlPr>
-                                <a:rPr lang="en-CA" sz="2200" b="0" i="1" smtClean="0">
+                                <a:rPr lang="en-CA" sz="2400" b="0" i="1" smtClean="0">
                                   <a:latin typeface="Cambria Math" panose="02040503050406030204" pitchFamily="18" charset="0"/>
                                   <a:cs typeface="Times New Roman" panose="02020603050405020304" pitchFamily="18" charset="0"/>
                                 </a:rPr>
@@ -24702,7 +24745,7 @@
                             </m:sSubPr>
                             <m:e>
                               <m:r>
-                                <a:rPr lang="en-CA" sz="2200" b="0" i="1" smtClean="0">
+                                <a:rPr lang="en-CA" sz="2400" b="0" i="1" smtClean="0">
                                   <a:latin typeface="Cambria Math" panose="02040503050406030204" pitchFamily="18" charset="0"/>
                                   <a:cs typeface="Times New Roman" panose="02020603050405020304" pitchFamily="18" charset="0"/>
                                 </a:rPr>
@@ -24711,7 +24754,7 @@
                             </m:e>
                             <m:sub>
                               <m:r>
-                                <a:rPr lang="en-CA" sz="2200" b="0" i="1" smtClean="0">
+                                <a:rPr lang="en-CA" sz="2400" b="0" i="1" smtClean="0">
                                   <a:latin typeface="Cambria Math" panose="02040503050406030204" pitchFamily="18" charset="0"/>
                                   <a:cs typeface="Times New Roman" panose="02020603050405020304" pitchFamily="18" charset="0"/>
                                 </a:rPr>
@@ -24724,7 +24767,7 @@
                     </m:oMath>
                   </m:oMathPara>
                 </a14:m>
-                <a:endParaRPr lang="en-US" sz="2200" dirty="0">
+                <a:endParaRPr lang="en-US" sz="2400" dirty="0">
                   <a:cs typeface="Times New Roman" panose="02020603050405020304" pitchFamily="18" charset="0"/>
                 </a:endParaRPr>
               </a:p>
@@ -24785,7 +24828,7 @@
               <a:p>
                 <a:pPr lvl="1"/>
                 <a:r>
-                  <a:rPr lang="en-US" sz="2200" dirty="0">
+                  <a:rPr lang="en-US" sz="2400" dirty="0">
                     <a:cs typeface="Times New Roman" panose="02020603050405020304" pitchFamily="18" charset="0"/>
                   </a:rPr>
                   <a:t>E.g., a zero-truncated Poisson model</a:t>
@@ -24804,7 +24847,7 @@
                       <m:func>
                         <m:funcPr>
                           <m:ctrlPr>
-                            <a:rPr lang="en-CA" sz="2200" b="0" i="1" smtClean="0">
+                            <a:rPr lang="en-CA" sz="2400" b="0" i="1" smtClean="0">
                               <a:latin typeface="Cambria Math" panose="02040503050406030204" pitchFamily="18" charset="0"/>
                               <a:cs typeface="Times New Roman" panose="02020603050405020304" pitchFamily="18" charset="0"/>
                             </a:rPr>
@@ -24815,7 +24858,7 @@
                             <m:rPr>
                               <m:sty m:val="p"/>
                             </m:rPr>
-                            <a:rPr lang="en-CA" sz="2200" b="0" i="0" smtClean="0">
+                            <a:rPr lang="en-CA" sz="2400" b="0" i="0" smtClean="0">
                               <a:latin typeface="Cambria Math" panose="02040503050406030204" pitchFamily="18" charset="0"/>
                               <a:cs typeface="Times New Roman" panose="02020603050405020304" pitchFamily="18" charset="0"/>
                             </a:rPr>
@@ -24826,7 +24869,7 @@
                           <m:d>
                             <m:dPr>
                               <m:ctrlPr>
-                                <a:rPr lang="en-CA" sz="2200" b="0" i="1" smtClean="0">
+                                <a:rPr lang="en-CA" sz="2400" b="0" i="1" smtClean="0">
                                   <a:latin typeface="Cambria Math" panose="02040503050406030204" pitchFamily="18" charset="0"/>
                                   <a:cs typeface="Times New Roman" panose="02020603050405020304" pitchFamily="18" charset="0"/>
                                 </a:rPr>
@@ -24836,7 +24879,7 @@
                               <m:sSub>
                                 <m:sSubPr>
                                   <m:ctrlPr>
-                                    <a:rPr lang="en-CA" sz="2200" b="0" i="1" smtClean="0">
+                                    <a:rPr lang="en-CA" sz="2400" b="0" i="1" smtClean="0">
                                       <a:latin typeface="Cambria Math" panose="02040503050406030204" pitchFamily="18" charset="0"/>
                                       <a:cs typeface="Times New Roman" panose="02020603050405020304" pitchFamily="18" charset="0"/>
                                     </a:rPr>
@@ -24844,7 +24887,7 @@
                                 </m:sSubPr>
                                 <m:e>
                                   <m:r>
-                                    <a:rPr lang="en-CA" sz="2200" b="0" i="1" smtClean="0">
+                                    <a:rPr lang="en-CA" sz="2400" b="0" i="1" smtClean="0">
                                       <a:latin typeface="Cambria Math" panose="02040503050406030204" pitchFamily="18" charset="0"/>
                                       <a:cs typeface="Times New Roman" panose="02020603050405020304" pitchFamily="18" charset="0"/>
                                     </a:rPr>
@@ -24853,7 +24896,7 @@
                                 </m:e>
                                 <m:sub>
                                   <m:r>
-                                    <a:rPr lang="en-CA" sz="2200" b="0" i="1" smtClean="0">
+                                    <a:rPr lang="en-CA" sz="2400" b="0" i="1" smtClean="0">
                                       <a:latin typeface="Cambria Math" panose="02040503050406030204" pitchFamily="18" charset="0"/>
                                       <a:cs typeface="Times New Roman" panose="02020603050405020304" pitchFamily="18" charset="0"/>
                                     </a:rPr>
@@ -24862,14 +24905,14 @@
                                 </m:sub>
                               </m:sSub>
                               <m:r>
-                                <a:rPr lang="en-CA" sz="2200" b="0" i="1" smtClean="0">
+                                <a:rPr lang="en-CA" sz="2400" b="0" i="1" smtClean="0">
                                   <a:latin typeface="Cambria Math" panose="02040503050406030204" pitchFamily="18" charset="0"/>
                                   <a:cs typeface="Times New Roman" panose="02020603050405020304" pitchFamily="18" charset="0"/>
                                 </a:rPr>
                                 <m:t>=</m:t>
                               </m:r>
                               <m:r>
-                                <a:rPr lang="en-CA" sz="2200" b="0" i="1" smtClean="0">
+                                <a:rPr lang="en-CA" sz="2400" b="0" i="1" smtClean="0">
                                   <a:latin typeface="Cambria Math" panose="02040503050406030204" pitchFamily="18" charset="0"/>
                                   <a:cs typeface="Times New Roman" panose="02020603050405020304" pitchFamily="18" charset="0"/>
                                 </a:rPr>
@@ -24880,7 +24923,7 @@
                               <m:sSub>
                                 <m:sSubPr>
                                   <m:ctrlPr>
-                                    <a:rPr lang="en-CA" sz="2200" b="0" i="1" smtClean="0">
+                                    <a:rPr lang="en-CA" sz="2400" b="0" i="1" smtClean="0">
                                       <a:latin typeface="Cambria Math" panose="02040503050406030204" pitchFamily="18" charset="0"/>
                                       <a:cs typeface="Times New Roman" panose="02020603050405020304" pitchFamily="18" charset="0"/>
                                     </a:rPr>
@@ -24888,7 +24931,7 @@
                                 </m:sSubPr>
                                 <m:e>
                                   <m:r>
-                                    <a:rPr lang="en-CA" sz="2200" b="0" i="1" smtClean="0">
+                                    <a:rPr lang="en-CA" sz="2400" b="0" i="1" smtClean="0">
                                       <a:latin typeface="Cambria Math" panose="02040503050406030204" pitchFamily="18" charset="0"/>
                                       <a:cs typeface="Times New Roman" panose="02020603050405020304" pitchFamily="18" charset="0"/>
                                     </a:rPr>
@@ -24897,7 +24940,7 @@
                                 </m:e>
                                 <m:sub>
                                   <m:r>
-                                    <a:rPr lang="en-CA" sz="2200" b="0" i="1" smtClean="0">
+                                    <a:rPr lang="en-CA" sz="2400" b="0" i="1" smtClean="0">
                                       <a:latin typeface="Cambria Math" panose="02040503050406030204" pitchFamily="18" charset="0"/>
                                       <a:cs typeface="Times New Roman" panose="02020603050405020304" pitchFamily="18" charset="0"/>
                                     </a:rPr>
@@ -24906,14 +24949,14 @@
                                 </m:sub>
                               </m:sSub>
                               <m:r>
-                                <a:rPr lang="en-CA" sz="2200" b="0" i="1" smtClean="0">
+                                <a:rPr lang="en-CA" sz="2400" b="0" i="1" smtClean="0">
                                   <a:latin typeface="Cambria Math" panose="02040503050406030204" pitchFamily="18" charset="0"/>
                                   <a:cs typeface="Times New Roman" panose="02020603050405020304" pitchFamily="18" charset="0"/>
                                 </a:rPr>
                                 <m:t>&gt;0,</m:t>
                               </m:r>
                               <m:r>
-                                <a:rPr lang="en-CA" sz="2200" b="0" i="1" smtClean="0">
+                                <a:rPr lang="en-CA" sz="2400" b="0" i="1" smtClean="0">
                                   <a:latin typeface="Cambria Math" panose="02040503050406030204" pitchFamily="18" charset="0"/>
                                   <a:cs typeface="Times New Roman" panose="02020603050405020304" pitchFamily="18" charset="0"/>
                                 </a:rPr>
@@ -24924,7 +24967,7 @@
                         </m:e>
                       </m:func>
                       <m:r>
-                        <a:rPr lang="en-CA" sz="2200" b="0" i="1" smtClean="0">
+                        <a:rPr lang="en-CA" sz="2400" b="0" i="1" smtClean="0">
                           <a:latin typeface="Cambria Math" panose="02040503050406030204" pitchFamily="18" charset="0"/>
                           <a:cs typeface="Times New Roman" panose="02020603050405020304" pitchFamily="18" charset="0"/>
                         </a:rPr>
@@ -24933,7 +24976,7 @@
                       <m:f>
                         <m:fPr>
                           <m:ctrlPr>
-                            <a:rPr lang="en-CA" sz="2200" b="0" i="1" smtClean="0">
+                            <a:rPr lang="en-CA" sz="2400" b="0" i="1" smtClean="0">
                               <a:latin typeface="Cambria Math" panose="02040503050406030204" pitchFamily="18" charset="0"/>
                               <a:cs typeface="Times New Roman" panose="02020603050405020304" pitchFamily="18" charset="0"/>
                             </a:rPr>
@@ -24943,7 +24986,7 @@
                           <m:func>
                             <m:funcPr>
                               <m:ctrlPr>
-                                <a:rPr lang="en-CA" sz="2200" b="0" i="1" smtClean="0">
+                                <a:rPr lang="en-CA" sz="2400" b="0" i="1" smtClean="0">
                                   <a:latin typeface="Cambria Math" panose="02040503050406030204" pitchFamily="18" charset="0"/>
                                   <a:cs typeface="Times New Roman" panose="02020603050405020304" pitchFamily="18" charset="0"/>
                                 </a:rPr>
@@ -24954,7 +24997,7 @@
                                 <m:rPr>
                                   <m:sty m:val="p"/>
                                 </m:rPr>
-                                <a:rPr lang="en-CA" sz="2200" b="0" i="0" smtClean="0">
+                                <a:rPr lang="en-CA" sz="2400" b="0" i="0" smtClean="0">
                                   <a:latin typeface="Cambria Math" panose="02040503050406030204" pitchFamily="18" charset="0"/>
                                   <a:cs typeface="Times New Roman" panose="02020603050405020304" pitchFamily="18" charset="0"/>
                                 </a:rPr>
@@ -24965,7 +25008,7 @@
                               <m:d>
                                 <m:dPr>
                                   <m:ctrlPr>
-                                    <a:rPr lang="en-CA" sz="2200" b="0" i="1" smtClean="0">
+                                    <a:rPr lang="en-CA" sz="2400" b="0" i="1" smtClean="0">
                                       <a:latin typeface="Cambria Math" panose="02040503050406030204" pitchFamily="18" charset="0"/>
                                       <a:cs typeface="Times New Roman" panose="02020603050405020304" pitchFamily="18" charset="0"/>
                                     </a:rPr>
@@ -24975,7 +25018,7 @@
                                   <m:sSub>
                                     <m:sSubPr>
                                       <m:ctrlPr>
-                                        <a:rPr lang="en-CA" sz="2200" b="0" i="1" smtClean="0">
+                                        <a:rPr lang="en-CA" sz="2400" b="0" i="1" smtClean="0">
                                           <a:latin typeface="Cambria Math" panose="02040503050406030204" pitchFamily="18" charset="0"/>
                                           <a:cs typeface="Times New Roman" panose="02020603050405020304" pitchFamily="18" charset="0"/>
                                         </a:rPr>
@@ -24983,7 +25026,7 @@
                                     </m:sSubPr>
                                     <m:e>
                                       <m:r>
-                                        <a:rPr lang="en-CA" sz="2200" b="0" i="1" smtClean="0">
+                                        <a:rPr lang="en-CA" sz="2400" b="0" i="1" smtClean="0">
                                           <a:latin typeface="Cambria Math" panose="02040503050406030204" pitchFamily="18" charset="0"/>
                                           <a:cs typeface="Times New Roman" panose="02020603050405020304" pitchFamily="18" charset="0"/>
                                         </a:rPr>
@@ -24992,7 +25035,7 @@
                                     </m:e>
                                     <m:sub>
                                       <m:r>
-                                        <a:rPr lang="en-CA" sz="2200" b="0" i="1" smtClean="0">
+                                        <a:rPr lang="en-CA" sz="2400" b="0" i="1" smtClean="0">
                                           <a:latin typeface="Cambria Math" panose="02040503050406030204" pitchFamily="18" charset="0"/>
                                           <a:cs typeface="Times New Roman" panose="02020603050405020304" pitchFamily="18" charset="0"/>
                                         </a:rPr>
@@ -25001,28 +25044,28 @@
                                     </m:sub>
                                   </m:sSub>
                                   <m:r>
-                                    <a:rPr lang="en-CA" sz="2200" b="0" i="1" smtClean="0">
+                                    <a:rPr lang="en-CA" sz="2400" b="0" i="1" smtClean="0">
                                       <a:latin typeface="Cambria Math" panose="02040503050406030204" pitchFamily="18" charset="0"/>
                                       <a:cs typeface="Times New Roman" panose="02020603050405020304" pitchFamily="18" charset="0"/>
                                     </a:rPr>
                                     <m:t>=</m:t>
                                   </m:r>
                                   <m:r>
-                                    <a:rPr lang="en-CA" sz="2200" b="0" i="1" smtClean="0">
+                                    <a:rPr lang="en-CA" sz="2400" b="0" i="1" smtClean="0">
                                       <a:latin typeface="Cambria Math" panose="02040503050406030204" pitchFamily="18" charset="0"/>
                                       <a:cs typeface="Times New Roman" panose="02020603050405020304" pitchFamily="18" charset="0"/>
                                     </a:rPr>
                                     <m:t>𝑗</m:t>
                                   </m:r>
                                   <m:r>
-                                    <a:rPr lang="en-CA" sz="2200" b="0" i="1" smtClean="0">
+                                    <a:rPr lang="en-CA" sz="2400" b="0" i="1" smtClean="0">
                                       <a:latin typeface="Cambria Math" panose="02040503050406030204" pitchFamily="18" charset="0"/>
                                       <a:cs typeface="Times New Roman" panose="02020603050405020304" pitchFamily="18" charset="0"/>
                                     </a:rPr>
                                     <m:t>|</m:t>
                                   </m:r>
                                   <m:r>
-                                    <a:rPr lang="en-CA" sz="2200" b="0" i="1" smtClean="0">
+                                    <a:rPr lang="en-CA" sz="2400" b="0" i="1" smtClean="0">
                                       <a:latin typeface="Cambria Math" panose="02040503050406030204" pitchFamily="18" charset="0"/>
                                       <a:cs typeface="Times New Roman" panose="02020603050405020304" pitchFamily="18" charset="0"/>
                                     </a:rPr>
@@ -25037,7 +25080,7 @@
                           <m:func>
                             <m:funcPr>
                               <m:ctrlPr>
-                                <a:rPr lang="en-CA" sz="2200" b="0" i="1" smtClean="0">
+                                <a:rPr lang="en-CA" sz="2400" b="0" i="1" smtClean="0">
                                   <a:latin typeface="Cambria Math" panose="02040503050406030204" pitchFamily="18" charset="0"/>
                                   <a:cs typeface="Times New Roman" panose="02020603050405020304" pitchFamily="18" charset="0"/>
                                 </a:rPr>
@@ -25048,7 +25091,7 @@
                                 <m:rPr>
                                   <m:sty m:val="p"/>
                                 </m:rPr>
-                                <a:rPr lang="en-CA" sz="2200" b="0" i="0" smtClean="0">
+                                <a:rPr lang="en-CA" sz="2400" b="0" i="0" smtClean="0">
                                   <a:latin typeface="Cambria Math" panose="02040503050406030204" pitchFamily="18" charset="0"/>
                                   <a:cs typeface="Times New Roman" panose="02020603050405020304" pitchFamily="18" charset="0"/>
                                 </a:rPr>
@@ -25059,7 +25102,7 @@
                               <m:d>
                                 <m:dPr>
                                   <m:ctrlPr>
-                                    <a:rPr lang="en-CA" sz="2200" b="0" i="1" smtClean="0">
+                                    <a:rPr lang="en-CA" sz="2400" b="0" i="1" smtClean="0">
                                       <a:latin typeface="Cambria Math" panose="02040503050406030204" pitchFamily="18" charset="0"/>
                                       <a:cs typeface="Times New Roman" panose="02020603050405020304" pitchFamily="18" charset="0"/>
                                     </a:rPr>
@@ -25069,7 +25112,7 @@
                                   <m:sSub>
                                     <m:sSubPr>
                                       <m:ctrlPr>
-                                        <a:rPr lang="en-CA" sz="2200" b="0" i="1" smtClean="0">
+                                        <a:rPr lang="en-CA" sz="2400" b="0" i="1" smtClean="0">
                                           <a:latin typeface="Cambria Math" panose="02040503050406030204" pitchFamily="18" charset="0"/>
                                           <a:cs typeface="Times New Roman" panose="02020603050405020304" pitchFamily="18" charset="0"/>
                                         </a:rPr>
@@ -25077,7 +25120,7 @@
                                     </m:sSubPr>
                                     <m:e>
                                       <m:r>
-                                        <a:rPr lang="en-CA" sz="2200" b="0" i="1" smtClean="0">
+                                        <a:rPr lang="en-CA" sz="2400" b="0" i="1" smtClean="0">
                                           <a:latin typeface="Cambria Math" panose="02040503050406030204" pitchFamily="18" charset="0"/>
                                           <a:cs typeface="Times New Roman" panose="02020603050405020304" pitchFamily="18" charset="0"/>
                                         </a:rPr>
@@ -25086,7 +25129,7 @@
                                     </m:e>
                                     <m:sub>
                                       <m:r>
-                                        <a:rPr lang="en-CA" sz="2200" b="0" i="1" smtClean="0">
+                                        <a:rPr lang="en-CA" sz="2400" b="0" i="1" smtClean="0">
                                           <a:latin typeface="Cambria Math" panose="02040503050406030204" pitchFamily="18" charset="0"/>
                                           <a:cs typeface="Times New Roman" panose="02020603050405020304" pitchFamily="18" charset="0"/>
                                         </a:rPr>
@@ -25095,7 +25138,7 @@
                                     </m:sub>
                                   </m:sSub>
                                   <m:r>
-                                    <a:rPr lang="en-CA" sz="2200" b="0" i="1" smtClean="0">
+                                    <a:rPr lang="en-CA" sz="2400" b="0" i="1" smtClean="0">
                                       <a:latin typeface="Cambria Math" panose="02040503050406030204" pitchFamily="18" charset="0"/>
                                       <a:cs typeface="Times New Roman" panose="02020603050405020304" pitchFamily="18" charset="0"/>
                                     </a:rPr>
@@ -25104,7 +25147,7 @@
                                 </m:e>
                                 <m:e>
                                   <m:r>
-                                    <a:rPr lang="en-CA" sz="2200" b="0" i="1" smtClean="0">
+                                    <a:rPr lang="en-CA" sz="2400" b="0" i="1" smtClean="0">
                                       <a:latin typeface="Cambria Math" panose="02040503050406030204" pitchFamily="18" charset="0"/>
                                       <a:cs typeface="Times New Roman" panose="02020603050405020304" pitchFamily="18" charset="0"/>
                                     </a:rPr>
@@ -25117,7 +25160,7 @@
                         </m:den>
                       </m:f>
                       <m:r>
-                        <a:rPr lang="en-CA" sz="2200" b="0" i="1" smtClean="0">
+                        <a:rPr lang="en-CA" sz="2400" b="0" i="1" smtClean="0">
                           <a:latin typeface="Cambria Math" panose="02040503050406030204" pitchFamily="18" charset="0"/>
                           <a:cs typeface="Times New Roman" panose="02020603050405020304" pitchFamily="18" charset="0"/>
                         </a:rPr>
@@ -25126,7 +25169,7 @@
                       <m:f>
                         <m:fPr>
                           <m:ctrlPr>
-                            <a:rPr lang="en-CA" sz="2200" b="0" i="1" smtClean="0">
+                            <a:rPr lang="en-CA" sz="2400" b="0" i="1" smtClean="0">
                               <a:latin typeface="Cambria Math" panose="02040503050406030204" pitchFamily="18" charset="0"/>
                               <a:cs typeface="Times New Roman" panose="02020603050405020304" pitchFamily="18" charset="0"/>
                             </a:rPr>
@@ -25136,7 +25179,7 @@
                           <m:sSup>
                             <m:sSupPr>
                               <m:ctrlPr>
-                                <a:rPr lang="en-CA" sz="2200" b="0" i="1" smtClean="0">
+                                <a:rPr lang="en-CA" sz="2400" b="0" i="1" smtClean="0">
                                   <a:latin typeface="Cambria Math" panose="02040503050406030204" pitchFamily="18" charset="0"/>
                                   <a:cs typeface="Times New Roman" panose="02020603050405020304" pitchFamily="18" charset="0"/>
                                 </a:rPr>
@@ -25146,7 +25189,7 @@
                               <m:func>
                                 <m:funcPr>
                                   <m:ctrlPr>
-                                    <a:rPr lang="en-CA" sz="2200" b="0" i="1" smtClean="0">
+                                    <a:rPr lang="en-CA" sz="2400" b="0" i="1" smtClean="0">
                                       <a:latin typeface="Cambria Math" panose="02040503050406030204" pitchFamily="18" charset="0"/>
                                       <a:cs typeface="Times New Roman" panose="02020603050405020304" pitchFamily="18" charset="0"/>
                                     </a:rPr>
@@ -25157,7 +25200,7 @@
                                     <m:rPr>
                                       <m:sty m:val="p"/>
                                     </m:rPr>
-                                    <a:rPr lang="en-CA" sz="2200" b="0" i="0" smtClean="0">
+                                    <a:rPr lang="en-CA" sz="2400" b="0" i="0" smtClean="0">
                                       <a:latin typeface="Cambria Math" panose="02040503050406030204" pitchFamily="18" charset="0"/>
                                       <a:cs typeface="Times New Roman" panose="02020603050405020304" pitchFamily="18" charset="0"/>
                                     </a:rPr>
@@ -25168,7 +25211,7 @@
                                   <m:d>
                                     <m:dPr>
                                       <m:ctrlPr>
-                                        <a:rPr lang="en-CA" sz="2200" b="0" i="1" smtClean="0">
+                                        <a:rPr lang="en-CA" sz="2400" b="0" i="1" smtClean="0">
                                           <a:latin typeface="Cambria Math" panose="02040503050406030204" pitchFamily="18" charset="0"/>
                                           <a:cs typeface="Times New Roman" panose="02020603050405020304" pitchFamily="18" charset="0"/>
                                         </a:rPr>
@@ -25176,14 +25219,14 @@
                                     </m:dPr>
                                     <m:e>
                                       <m:r>
-                                        <a:rPr lang="en-CA" sz="2200" b="0" i="1" smtClean="0">
+                                        <a:rPr lang="en-CA" sz="2400" b="0" i="1" smtClean="0">
                                           <a:latin typeface="Cambria Math" panose="02040503050406030204" pitchFamily="18" charset="0"/>
                                           <a:cs typeface="Times New Roman" panose="02020603050405020304" pitchFamily="18" charset="0"/>
                                         </a:rPr>
                                         <m:t>𝑋</m:t>
                                       </m:r>
                                       <m:r>
-                                        <a:rPr lang="en-CA" sz="2200" b="0" i="1" smtClean="0">
+                                        <a:rPr lang="en-CA" sz="2400" b="0" i="1" smtClean="0">
                                           <a:latin typeface="Cambria Math" panose="02040503050406030204" pitchFamily="18" charset="0"/>
                                           <a:cs typeface="Times New Roman" panose="02020603050405020304" pitchFamily="18" charset="0"/>
                                         </a:rPr>
@@ -25196,7 +25239,7 @@
                             </m:e>
                             <m:sup>
                               <m:r>
-                                <a:rPr lang="en-CA" sz="2200" b="0" i="1" smtClean="0">
+                                <a:rPr lang="en-CA" sz="2400" b="0" i="1" smtClean="0">
                                   <a:latin typeface="Cambria Math" panose="02040503050406030204" pitchFamily="18" charset="0"/>
                                   <a:cs typeface="Times New Roman" panose="02020603050405020304" pitchFamily="18" charset="0"/>
                                 </a:rPr>
@@ -25207,7 +25250,7 @@
                           <m:sSup>
                             <m:sSupPr>
                               <m:ctrlPr>
-                                <a:rPr lang="en-CA" sz="2200" b="0" i="1" smtClean="0">
+                                <a:rPr lang="en-CA" sz="2400" b="0" i="1" smtClean="0">
                                   <a:latin typeface="Cambria Math" panose="02040503050406030204" pitchFamily="18" charset="0"/>
                                   <a:cs typeface="Times New Roman" panose="02020603050405020304" pitchFamily="18" charset="0"/>
                                 </a:rPr>
@@ -25215,7 +25258,7 @@
                             </m:sSupPr>
                             <m:e>
                               <m:r>
-                                <a:rPr lang="en-CA" sz="2200" b="0" i="1" smtClean="0">
+                                <a:rPr lang="en-CA" sz="2400" b="0" i="1" smtClean="0">
                                   <a:latin typeface="Cambria Math" panose="02040503050406030204" pitchFamily="18" charset="0"/>
                                   <a:cs typeface="Times New Roman" panose="02020603050405020304" pitchFamily="18" charset="0"/>
                                 </a:rPr>
@@ -25224,21 +25267,21 @@
                             </m:e>
                             <m:sup>
                               <m:r>
-                                <a:rPr lang="en-CA" sz="2200" b="0" i="1" smtClean="0">
+                                <a:rPr lang="en-CA" sz="2400" b="0" i="1" smtClean="0">
                                   <a:latin typeface="Cambria Math" panose="02040503050406030204" pitchFamily="18" charset="0"/>
                                   <a:cs typeface="Times New Roman" panose="02020603050405020304" pitchFamily="18" charset="0"/>
                                 </a:rPr>
                                 <m:t>−</m:t>
                               </m:r>
                               <m:r>
-                                <a:rPr lang="en-CA" sz="2200" b="0" i="1" smtClean="0">
+                                <a:rPr lang="en-CA" sz="2400" b="0" i="1" smtClean="0">
                                   <a:latin typeface="Cambria Math" panose="02040503050406030204" pitchFamily="18" charset="0"/>
                                   <a:cs typeface="Times New Roman" panose="02020603050405020304" pitchFamily="18" charset="0"/>
                                 </a:rPr>
                                 <m:t>𝑋</m:t>
                               </m:r>
                               <m:r>
-                                <a:rPr lang="en-CA" sz="2200" b="0" i="1" smtClean="0">
+                                <a:rPr lang="en-CA" sz="2400" b="0" i="1" smtClean="0">
                                   <a:latin typeface="Cambria Math" panose="02040503050406030204" pitchFamily="18" charset="0"/>
                                   <a:cs typeface="Times New Roman" panose="02020603050405020304" pitchFamily="18" charset="0"/>
                                 </a:rPr>
@@ -25249,14 +25292,14 @@
                         </m:num>
                         <m:den>
                           <m:r>
-                            <a:rPr lang="en-CA" sz="2200" b="0" i="1" smtClean="0">
+                            <a:rPr lang="en-CA" sz="2400" b="0" i="1" smtClean="0">
                               <a:latin typeface="Cambria Math" panose="02040503050406030204" pitchFamily="18" charset="0"/>
                               <a:cs typeface="Times New Roman" panose="02020603050405020304" pitchFamily="18" charset="0"/>
                             </a:rPr>
                             <m:t>𝑗</m:t>
                           </m:r>
                           <m:r>
-                            <a:rPr lang="en-CA" sz="2200" b="0" i="1" smtClean="0">
+                            <a:rPr lang="en-CA" sz="2400" b="0" i="1" smtClean="0">
                               <a:latin typeface="Cambria Math" panose="02040503050406030204" pitchFamily="18" charset="0"/>
                               <a:cs typeface="Times New Roman" panose="02020603050405020304" pitchFamily="18" charset="0"/>
                             </a:rPr>
@@ -25265,7 +25308,7 @@
                           <m:d>
                             <m:dPr>
                               <m:ctrlPr>
-                                <a:rPr lang="en-CA" sz="2200" b="1" i="1" smtClean="0">
+                                <a:rPr lang="en-CA" sz="2400" b="1" i="1" smtClean="0">
                                   <a:latin typeface="Cambria Math" panose="02040503050406030204" pitchFamily="18" charset="0"/>
                                   <a:cs typeface="Times New Roman" panose="02020603050405020304" pitchFamily="18" charset="0"/>
                                 </a:rPr>
@@ -25273,14 +25316,14 @@
                             </m:dPr>
                             <m:e>
                               <m:r>
-                                <a:rPr lang="en-CA" sz="2200" b="1" i="1" smtClean="0">
+                                <a:rPr lang="en-CA" sz="2400" b="1" i="1" smtClean="0">
                                   <a:latin typeface="Cambria Math" panose="02040503050406030204" pitchFamily="18" charset="0"/>
                                   <a:cs typeface="Times New Roman" panose="02020603050405020304" pitchFamily="18" charset="0"/>
                                 </a:rPr>
                                 <m:t>𝟏</m:t>
                               </m:r>
                               <m:r>
-                                <a:rPr lang="en-CA" sz="2200" b="1" i="1" smtClean="0">
+                                <a:rPr lang="en-CA" sz="2400" b="1" i="1" smtClean="0">
                                   <a:latin typeface="Cambria Math" panose="02040503050406030204" pitchFamily="18" charset="0"/>
                                   <a:cs typeface="Times New Roman" panose="02020603050405020304" pitchFamily="18" charset="0"/>
                                 </a:rPr>
@@ -25289,7 +25332,7 @@
                               <m:sSup>
                                 <m:sSupPr>
                                   <m:ctrlPr>
-                                    <a:rPr lang="en-CA" sz="2200" b="1" i="1" smtClean="0">
+                                    <a:rPr lang="en-CA" sz="2400" b="1" i="1" smtClean="0">
                                       <a:latin typeface="Cambria Math" panose="02040503050406030204" pitchFamily="18" charset="0"/>
                                       <a:cs typeface="Times New Roman" panose="02020603050405020304" pitchFamily="18" charset="0"/>
                                     </a:rPr>
@@ -25297,7 +25340,7 @@
                                 </m:sSupPr>
                                 <m:e>
                                   <m:r>
-                                    <a:rPr lang="en-CA" sz="2200" b="1" i="1" smtClean="0">
+                                    <a:rPr lang="en-CA" sz="2400" b="1" i="1" smtClean="0">
                                       <a:latin typeface="Cambria Math" panose="02040503050406030204" pitchFamily="18" charset="0"/>
                                       <a:cs typeface="Times New Roman" panose="02020603050405020304" pitchFamily="18" charset="0"/>
                                     </a:rPr>
@@ -25306,21 +25349,21 @@
                                 </m:e>
                                 <m:sup>
                                   <m:r>
-                                    <a:rPr lang="en-CA" sz="2200" b="1" i="1" smtClean="0">
+                                    <a:rPr lang="en-CA" sz="2400" b="1" i="1" smtClean="0">
                                       <a:latin typeface="Cambria Math" panose="02040503050406030204" pitchFamily="18" charset="0"/>
                                       <a:cs typeface="Times New Roman" panose="02020603050405020304" pitchFamily="18" charset="0"/>
                                     </a:rPr>
                                     <m:t>−</m:t>
                                   </m:r>
                                   <m:r>
-                                    <a:rPr lang="en-CA" sz="2200" b="1" i="1" smtClean="0">
+                                    <a:rPr lang="en-CA" sz="2400" b="1" i="1" smtClean="0">
                                       <a:latin typeface="Cambria Math" panose="02040503050406030204" pitchFamily="18" charset="0"/>
                                       <a:cs typeface="Times New Roman" panose="02020603050405020304" pitchFamily="18" charset="0"/>
                                     </a:rPr>
                                     <m:t>𝑿</m:t>
                                   </m:r>
                                   <m:r>
-                                    <a:rPr lang="en-CA" sz="2200" b="1" i="1" smtClean="0">
+                                    <a:rPr lang="en-CA" sz="2400" b="1" i="1" smtClean="0">
                                       <a:latin typeface="Cambria Math" panose="02040503050406030204" pitchFamily="18" charset="0"/>
                                       <a:cs typeface="Times New Roman" panose="02020603050405020304" pitchFamily="18" charset="0"/>
                                     </a:rPr>
@@ -25335,7 +25378,7 @@
                     </m:oMath>
                   </m:oMathPara>
                 </a14:m>
-                <a:endParaRPr lang="en-US" sz="2200" dirty="0">
+                <a:endParaRPr lang="en-US" sz="2400" dirty="0">
                   <a:cs typeface="Times New Roman" panose="02020603050405020304" pitchFamily="18" charset="0"/>
                 </a:endParaRPr>
               </a:p>
@@ -25399,7 +25442,7 @@
             </p:txBody>
           </p:sp>
         </mc:Choice>
-        <mc:Fallback xmlns="">
+        <mc:Fallback>
           <p:sp>
             <p:nvSpPr>
               <p:cNvPr id="3" name="Content Placeholder 2"/>
@@ -25427,7 +25470,7 @@
               <a:lstStyle/>
               <a:p>
                 <a:r>
-                  <a:rPr lang="en-CA">
+                  <a:rPr lang="en-US">
                     <a:noFill/>
                   </a:rPr>
                   <a:t> </a:t>
@@ -25572,16 +25615,16 @@
           <a:lstStyle/>
           <a:p>
             <a:r>
-              <a:rPr lang="en-US" sz="2200" dirty="0">
+              <a:rPr lang="en-US" sz="2400" dirty="0">
                 <a:cs typeface="Times New Roman" panose="02020603050405020304" pitchFamily="18" charset="0"/>
               </a:rPr>
-              <a:t>Hurdle models are great if there really are two processes happening in your data</a:t>
+              <a:t>Hurdle models are great if there really are two processes in your data</a:t>
             </a:r>
           </a:p>
           <a:p>
             <a:pPr lvl="1"/>
             <a:r>
-              <a:rPr lang="en-US" sz="2000" dirty="0">
+              <a:rPr lang="en-US" sz="2400" dirty="0">
                 <a:cs typeface="Times New Roman" panose="02020603050405020304" pitchFamily="18" charset="0"/>
               </a:rPr>
               <a:t>If the decisions driving one DGP are different from another</a:t>
@@ -25590,7 +25633,7 @@
           <a:p>
             <a:pPr lvl="1"/>
             <a:r>
-              <a:rPr lang="en-US" sz="2000" dirty="0">
+              <a:rPr lang="en-US" sz="2400" dirty="0">
                 <a:cs typeface="Times New Roman" panose="02020603050405020304" pitchFamily="18" charset="0"/>
               </a:rPr>
               <a:t>Applications to behavioral econ galore!</a:t>
@@ -25598,7 +25641,7 @@
           </a:p>
           <a:p>
             <a:r>
-              <a:rPr lang="en-US" sz="2200" dirty="0">
+              <a:rPr lang="en-US" sz="2400" dirty="0">
                 <a:cs typeface="Times New Roman" panose="02020603050405020304" pitchFamily="18" charset="0"/>
               </a:rPr>
               <a:t>But hurdle models can’t help you if your problem isn’t a separate DGP: </a:t>
@@ -25607,16 +25650,16 @@
           <a:p>
             <a:pPr lvl="1"/>
             <a:r>
-              <a:rPr lang="en-US" sz="2000" dirty="0">
+              <a:rPr lang="en-US" sz="2400" dirty="0">
                 <a:cs typeface="Times New Roman" panose="02020603050405020304" pitchFamily="18" charset="0"/>
               </a:rPr>
-              <a:t>Sample could be selected (we don’t observe data for some people for some reason)</a:t>
+              <a:t>Selection (we don’t observe data for some people for some reason)</a:t>
             </a:r>
           </a:p>
           <a:p>
             <a:pPr lvl="1"/>
             <a:r>
-              <a:rPr lang="en-US" sz="2000" dirty="0">
+              <a:rPr lang="en-US" sz="2400" dirty="0">
                 <a:cs typeface="Times New Roman" panose="02020603050405020304" pitchFamily="18" charset="0"/>
               </a:rPr>
               <a:t>Data are censored/error in measurement</a:t>
@@ -25625,7 +25668,7 @@
           <a:p>
             <a:pPr lvl="1"/>
             <a:r>
-              <a:rPr lang="en-US" sz="2000" dirty="0">
+              <a:rPr lang="en-US" sz="2400" dirty="0">
                 <a:cs typeface="Times New Roman" panose="02020603050405020304" pitchFamily="18" charset="0"/>
               </a:rPr>
               <a:t>Any reason the 0s in your data aren’t actually 0s</a:t>
@@ -25633,169 +25676,169 @@
           </a:p>
           <a:p>
             <a:r>
-              <a:rPr lang="en-US" sz="2200" dirty="0">
+              <a:rPr lang="en-US" sz="2400" dirty="0">
                 <a:cs typeface="Times New Roman" panose="02020603050405020304" pitchFamily="18" charset="0"/>
               </a:rPr>
               <a:t>In these cases, a two-part model will be </a:t>
             </a:r>
             <a:r>
-              <a:rPr lang="en-US" sz="2200" b="1" dirty="0">
+              <a:rPr lang="en-US" sz="2400" b="1" dirty="0">
                 <a:cs typeface="Times New Roman" panose="02020603050405020304" pitchFamily="18" charset="0"/>
               </a:rPr>
               <a:t>biased</a:t>
             </a:r>
-            <a:endParaRPr lang="en-US" sz="2200" dirty="0">
+            <a:endParaRPr lang="en-US" sz="2400" dirty="0">
               <a:cs typeface="Times New Roman" panose="02020603050405020304" pitchFamily="18" charset="0"/>
             </a:endParaRPr>
           </a:p>
           <a:p>
             <a:r>
-              <a:rPr lang="en-US" sz="2200" dirty="0">
+              <a:rPr lang="en-US" sz="2400" dirty="0">
                 <a:cs typeface="Times New Roman" panose="02020603050405020304" pitchFamily="18" charset="0"/>
               </a:rPr>
               <a:t>These issues are addressed another way: </a:t>
             </a:r>
             <a:r>
-              <a:rPr lang="en-US" sz="2000" spc="-9" dirty="0">
+              <a:rPr lang="en-US" sz="2400" spc="-9" dirty="0">
                 <a:latin typeface="Times New Roman"/>
                 <a:cs typeface="Times New Roman"/>
               </a:rPr>
               <a:t>a</a:t>
             </a:r>
             <a:r>
-              <a:rPr lang="en-US" sz="2000" spc="-4" dirty="0">
+              <a:rPr lang="en-US" sz="2400" spc="-4" dirty="0">
                 <a:latin typeface="Times New Roman"/>
                 <a:cs typeface="Times New Roman"/>
               </a:rPr>
               <a:t> t</a:t>
             </a:r>
             <a:r>
-              <a:rPr lang="en-US" sz="2000" spc="-18" dirty="0">
+              <a:rPr lang="en-US" sz="2400" spc="-18" dirty="0">
                 <a:latin typeface="Times New Roman"/>
                 <a:cs typeface="Times New Roman"/>
               </a:rPr>
               <a:t>ec</a:t>
             </a:r>
             <a:r>
-              <a:rPr lang="en-US" sz="2000" spc="18" dirty="0">
+              <a:rPr lang="en-US" sz="2400" spc="18" dirty="0">
                 <a:latin typeface="Times New Roman"/>
                 <a:cs typeface="Times New Roman"/>
               </a:rPr>
               <a:t>h</a:t>
             </a:r>
             <a:r>
-              <a:rPr lang="en-US" sz="2000" dirty="0">
+              <a:rPr lang="en-US" sz="2400" dirty="0">
                 <a:latin typeface="Times New Roman"/>
                 <a:cs typeface="Times New Roman"/>
               </a:rPr>
               <a:t>n</a:t>
             </a:r>
             <a:r>
-              <a:rPr lang="en-US" sz="2000" spc="-4" dirty="0">
+              <a:rPr lang="en-US" sz="2400" spc="-4" dirty="0">
                 <a:latin typeface="Times New Roman"/>
                 <a:cs typeface="Times New Roman"/>
               </a:rPr>
               <a:t>i</a:t>
             </a:r>
             <a:r>
-              <a:rPr lang="en-US" sz="2000" dirty="0">
+              <a:rPr lang="en-US" sz="2400" dirty="0">
                 <a:latin typeface="Times New Roman"/>
                 <a:cs typeface="Times New Roman"/>
               </a:rPr>
               <a:t>qu</a:t>
             </a:r>
             <a:r>
-              <a:rPr lang="en-US" sz="2000" spc="-9" dirty="0">
+              <a:rPr lang="en-US" sz="2400" spc="-9" dirty="0">
                 <a:latin typeface="Times New Roman"/>
                 <a:cs typeface="Times New Roman"/>
               </a:rPr>
               <a:t>e</a:t>
             </a:r>
             <a:r>
-              <a:rPr lang="en-US" sz="2000" spc="-40" dirty="0">
+              <a:rPr lang="en-US" sz="2400" spc="-40" dirty="0">
                 <a:latin typeface="Times New Roman"/>
                 <a:cs typeface="Times New Roman"/>
               </a:rPr>
               <a:t> </a:t>
             </a:r>
             <a:r>
-              <a:rPr lang="en-US" sz="2000" dirty="0">
+              <a:rPr lang="en-US" sz="2400" dirty="0">
                 <a:latin typeface="Times New Roman"/>
                 <a:cs typeface="Times New Roman"/>
               </a:rPr>
               <a:t>c</a:t>
             </a:r>
             <a:r>
-              <a:rPr lang="en-US" sz="2000" spc="-18" dirty="0">
+              <a:rPr lang="en-US" sz="2400" spc="-18" dirty="0">
                 <a:latin typeface="Times New Roman"/>
                 <a:cs typeface="Times New Roman"/>
               </a:rPr>
               <a:t>a</a:t>
             </a:r>
             <a:r>
-              <a:rPr lang="en-US" sz="2000" spc="-22" dirty="0">
+              <a:rPr lang="en-US" sz="2400" spc="-22" dirty="0">
                 <a:latin typeface="Times New Roman"/>
                 <a:cs typeface="Times New Roman"/>
               </a:rPr>
               <a:t>l</a:t>
             </a:r>
             <a:r>
-              <a:rPr lang="en-US" sz="2000" spc="-4" dirty="0">
+              <a:rPr lang="en-US" sz="2400" spc="-4" dirty="0">
                 <a:latin typeface="Times New Roman"/>
                 <a:cs typeface="Times New Roman"/>
               </a:rPr>
               <a:t>l</a:t>
             </a:r>
             <a:r>
-              <a:rPr lang="en-US" sz="2000" spc="-18" dirty="0">
+              <a:rPr lang="en-US" sz="2400" spc="-18" dirty="0">
                 <a:latin typeface="Times New Roman"/>
                 <a:cs typeface="Times New Roman"/>
               </a:rPr>
               <a:t>e</a:t>
             </a:r>
             <a:r>
-              <a:rPr lang="en-US" sz="2000" dirty="0">
+              <a:rPr lang="en-US" sz="2400" dirty="0">
                 <a:latin typeface="Times New Roman"/>
                 <a:cs typeface="Times New Roman"/>
               </a:rPr>
               <a:t>d </a:t>
             </a:r>
             <a:r>
-              <a:rPr lang="en-US" sz="2000" spc="93" dirty="0" err="1">
+              <a:rPr lang="en-US" sz="2400" spc="93" dirty="0" err="1">
                 <a:latin typeface="Times New Roman"/>
                 <a:cs typeface="Times New Roman"/>
               </a:rPr>
               <a:t>H</a:t>
             </a:r>
             <a:r>
-              <a:rPr lang="en-US" sz="2000" spc="-18" dirty="0" err="1">
+              <a:rPr lang="en-US" sz="2400" spc="-18" dirty="0" err="1">
                 <a:latin typeface="Times New Roman"/>
                 <a:cs typeface="Times New Roman"/>
               </a:rPr>
               <a:t>ec</a:t>
             </a:r>
             <a:r>
-              <a:rPr lang="en-US" sz="2000" spc="101" dirty="0" err="1">
+              <a:rPr lang="en-US" sz="2400" spc="101" dirty="0" err="1">
                 <a:latin typeface="Times New Roman"/>
                 <a:cs typeface="Times New Roman"/>
               </a:rPr>
               <a:t>k</a:t>
             </a:r>
             <a:r>
-              <a:rPr lang="en-US" sz="2000" spc="-4" dirty="0" err="1">
+              <a:rPr lang="en-US" sz="2400" spc="-4" dirty="0" err="1">
                 <a:latin typeface="Times New Roman"/>
                 <a:cs typeface="Times New Roman"/>
               </a:rPr>
               <a:t>i</a:t>
             </a:r>
             <a:r>
-              <a:rPr lang="en-US" sz="2000" spc="93" dirty="0" err="1">
+              <a:rPr lang="en-US" sz="2400" spc="93" dirty="0" err="1">
                 <a:latin typeface="Times New Roman"/>
                 <a:cs typeface="Times New Roman"/>
               </a:rPr>
               <a:t>t</a:t>
             </a:r>
-            <a:endParaRPr lang="en-US" sz="2000" dirty="0">
+            <a:endParaRPr lang="en-US" sz="2400" dirty="0">
               <a:cs typeface="Times New Roman" panose="02020603050405020304" pitchFamily="18" charset="0"/>
             </a:endParaRPr>
           </a:p>
@@ -26102,8 +26145,8 @@
           </a:p>
         </p:txBody>
       </p:sp>
-      <mc:AlternateContent xmlns:mc="http://schemas.openxmlformats.org/markup-compatibility/2006" xmlns:a14="http://schemas.microsoft.com/office/drawing/2010/main">
-        <mc:Choice Requires="a14">
+      <mc:AlternateContent xmlns:mc="http://schemas.openxmlformats.org/markup-compatibility/2006">
+        <mc:Choice xmlns:a14="http://schemas.microsoft.com/office/drawing/2010/main" Requires="a14">
           <p:sp>
             <p:nvSpPr>
               <p:cNvPr id="3" name="Content Placeholder 2"/>
@@ -26127,19 +26170,19 @@
               <a:lstStyle/>
               <a:p>
                 <a:r>
-                  <a:rPr lang="en-US" sz="2200" dirty="0">
+                  <a:rPr lang="en-US" sz="2400" dirty="0">
                     <a:cs typeface="Times New Roman" panose="02020603050405020304" pitchFamily="18" charset="0"/>
                   </a:rPr>
                   <a:t>Like hurdle models, </a:t>
                 </a:r>
                 <a:r>
-                  <a:rPr lang="en-US" sz="2200" dirty="0" err="1">
+                  <a:rPr lang="en-US" sz="2400" dirty="0" err="1">
                     <a:cs typeface="Times New Roman" panose="02020603050405020304" pitchFamily="18" charset="0"/>
                   </a:rPr>
                   <a:t>Heckit</a:t>
                 </a:r>
                 <a:r>
-                  <a:rPr lang="en-US" sz="2200" dirty="0">
+                  <a:rPr lang="en-US" sz="2400" dirty="0">
                     <a:cs typeface="Times New Roman" panose="02020603050405020304" pitchFamily="18" charset="0"/>
                   </a:rPr>
                   <a:t> models specify two equations: </a:t>
@@ -26151,19 +26194,19 @@
                   <a:buAutoNum type="arabicPeriod"/>
                 </a:pPr>
                 <a:r>
-                  <a:rPr lang="en-US" sz="2200" dirty="0">
+                  <a:rPr lang="en-US" sz="2400" dirty="0">
                     <a:cs typeface="Times New Roman" panose="02020603050405020304" pitchFamily="18" charset="0"/>
                   </a:rPr>
                   <a:t>Probability of an </a:t>
                 </a:r>
                 <a:r>
-                  <a:rPr lang="en-US" sz="2200" b="1" dirty="0">
+                  <a:rPr lang="en-US" sz="2400" b="1" dirty="0">
                     <a:cs typeface="Times New Roman" panose="02020603050405020304" pitchFamily="18" charset="0"/>
                   </a:rPr>
                   <a:t>observed </a:t>
                 </a:r>
                 <a:r>
-                  <a:rPr lang="en-US" sz="2200" dirty="0">
+                  <a:rPr lang="en-US" sz="2400" dirty="0">
                     <a:cs typeface="Times New Roman" panose="02020603050405020304" pitchFamily="18" charset="0"/>
                   </a:rPr>
                   <a:t>outcome </a:t>
@@ -26174,42 +26217,42 @@
                       <m:rPr>
                         <m:sty m:val="p"/>
                       </m:rPr>
-                      <a:rPr lang="en-CA" sz="2200" b="0" i="0" smtClean="0">
+                      <a:rPr lang="en-CA" sz="2400" b="0" i="0" smtClean="0">
                         <a:latin typeface="Cambria Math" panose="02040503050406030204" pitchFamily="18" charset="0"/>
                         <a:cs typeface="Times New Roman" panose="02020603050405020304" pitchFamily="18" charset="0"/>
                       </a:rPr>
                       <m:t>Pr</m:t>
                     </m:r>
                     <m:r>
-                      <a:rPr lang="en-CA" sz="2200" b="0" i="1" smtClean="0">
+                      <a:rPr lang="en-CA" sz="2400" b="0" i="1" smtClean="0">
                         <a:latin typeface="Cambria Math" panose="02040503050406030204" pitchFamily="18" charset="0"/>
                         <a:cs typeface="Times New Roman" panose="02020603050405020304" pitchFamily="18" charset="0"/>
                       </a:rPr>
                       <m:t>⁡(</m:t>
                     </m:r>
                     <m:r>
-                      <a:rPr lang="en-CA" sz="2200" b="0" i="1" smtClean="0">
+                      <a:rPr lang="en-CA" sz="2400" b="0" i="1" smtClean="0">
                         <a:latin typeface="Cambria Math" panose="02040503050406030204" pitchFamily="18" charset="0"/>
                         <a:cs typeface="Times New Roman" panose="02020603050405020304" pitchFamily="18" charset="0"/>
                       </a:rPr>
                       <m:t>𝑦</m:t>
                     </m:r>
                     <m:r>
-                      <a:rPr lang="en-CA" sz="2200" b="0" i="1" smtClean="0">
+                      <a:rPr lang="en-CA" sz="2400" b="0" i="1" smtClean="0">
                         <a:latin typeface="Cambria Math" panose="02040503050406030204" pitchFamily="18" charset="0"/>
                         <a:cs typeface="Times New Roman" panose="02020603050405020304" pitchFamily="18" charset="0"/>
                       </a:rPr>
                       <m:t> </m:t>
                     </m:r>
                     <m:r>
-                      <a:rPr lang="en-CA" sz="2200" b="0" i="1" smtClean="0">
+                      <a:rPr lang="en-CA" sz="2400" b="0" i="1" smtClean="0">
                         <a:latin typeface="Cambria Math" panose="02040503050406030204" pitchFamily="18" charset="0"/>
                         <a:cs typeface="Times New Roman" panose="02020603050405020304" pitchFamily="18" charset="0"/>
                       </a:rPr>
                       <m:t>𝑜𝑏𝑠𝑒𝑟𝑣𝑒𝑑</m:t>
                     </m:r>
                     <m:r>
-                      <a:rPr lang="en-CA" sz="2200" b="0" i="1" smtClean="0">
+                      <a:rPr lang="en-CA" sz="2400" b="0" i="1" smtClean="0">
                         <a:latin typeface="Cambria Math" panose="02040503050406030204" pitchFamily="18" charset="0"/>
                         <a:cs typeface="Times New Roman" panose="02020603050405020304" pitchFamily="18" charset="0"/>
                       </a:rPr>
@@ -26218,7 +26261,7 @@
                   </m:oMath>
                 </a14:m>
                 <a:r>
-                  <a:rPr lang="en-US" sz="2200" dirty="0">
+                  <a:rPr lang="en-US" sz="2400" dirty="0">
                     <a:cs typeface="Times New Roman" panose="02020603050405020304" pitchFamily="18" charset="0"/>
                   </a:rPr>
                   <a:t> (note: not probability that </a:t>
@@ -26228,7 +26271,7 @@
                     <m:sSub>
                       <m:sSubPr>
                         <m:ctrlPr>
-                          <a:rPr lang="en-CA" sz="2200" b="0" i="1" smtClean="0">
+                          <a:rPr lang="en-CA" sz="2400" b="0" i="1" smtClean="0">
                             <a:latin typeface="Cambria Math" panose="02040503050406030204" pitchFamily="18" charset="0"/>
                             <a:cs typeface="Times New Roman" panose="02020603050405020304" pitchFamily="18" charset="0"/>
                           </a:rPr>
@@ -26236,7 +26279,7 @@
                       </m:sSubPr>
                       <m:e>
                         <m:r>
-                          <a:rPr lang="en-CA" sz="2200" b="0" i="1" smtClean="0">
+                          <a:rPr lang="en-CA" sz="2400" b="0" i="1" smtClean="0">
                             <a:latin typeface="Cambria Math" panose="02040503050406030204" pitchFamily="18" charset="0"/>
                             <a:cs typeface="Times New Roman" panose="02020603050405020304" pitchFamily="18" charset="0"/>
                           </a:rPr>
@@ -26245,7 +26288,7 @@
                       </m:e>
                       <m:sub>
                         <m:r>
-                          <a:rPr lang="en-CA" sz="2200" b="0" i="1" smtClean="0">
+                          <a:rPr lang="en-CA" sz="2400" b="0" i="1" smtClean="0">
                             <a:latin typeface="Cambria Math" panose="02040503050406030204" pitchFamily="18" charset="0"/>
                             <a:cs typeface="Times New Roman" panose="02020603050405020304" pitchFamily="18" charset="0"/>
                           </a:rPr>
@@ -26254,7 +26297,7 @@
                       </m:sub>
                     </m:sSub>
                     <m:r>
-                      <a:rPr lang="en-CA" sz="2200" b="0" i="1" smtClean="0">
+                      <a:rPr lang="en-CA" sz="2400" b="0" i="1" smtClean="0">
                         <a:latin typeface="Cambria Math" panose="02040503050406030204" pitchFamily="18" charset="0"/>
                         <a:cs typeface="Times New Roman" panose="02020603050405020304" pitchFamily="18" charset="0"/>
                       </a:rPr>
@@ -26263,7 +26306,7 @@
                   </m:oMath>
                 </a14:m>
                 <a:r>
-                  <a:rPr lang="en-US" sz="2200" dirty="0">
+                  <a:rPr lang="en-US" sz="2400" dirty="0">
                     <a:cs typeface="Times New Roman" panose="02020603050405020304" pitchFamily="18" charset="0"/>
                   </a:rPr>
                   <a:t>)</a:t>
@@ -26275,7 +26318,7 @@
                   <a:buAutoNum type="arabicPeriod"/>
                 </a:pPr>
                 <a:r>
-                  <a:rPr lang="en-US" sz="2200" dirty="0">
+                  <a:rPr lang="en-US" sz="2400" dirty="0">
                     <a:cs typeface="Times New Roman" panose="02020603050405020304" pitchFamily="18" charset="0"/>
                   </a:rPr>
                   <a:t>Main regression, matching the moment </a:t>
@@ -26283,70 +26326,70 @@
                 <a14:m>
                   <m:oMath xmlns:m="http://schemas.openxmlformats.org/officeDocument/2006/math">
                     <m:r>
-                      <a:rPr lang="en-CA" sz="2200" b="0" i="1" smtClean="0">
+                      <a:rPr lang="en-CA" sz="2400" b="0" i="1" smtClean="0">
                         <a:latin typeface="Cambria Math" panose="02040503050406030204" pitchFamily="18" charset="0"/>
                         <a:cs typeface="Times New Roman" panose="02020603050405020304" pitchFamily="18" charset="0"/>
                       </a:rPr>
                       <m:t>𝔼</m:t>
                     </m:r>
                     <m:r>
-                      <a:rPr lang="en-CA" sz="2200" b="0" i="1" smtClean="0">
+                      <a:rPr lang="en-CA" sz="2400" b="0" i="1" smtClean="0">
                         <a:latin typeface="Cambria Math" panose="02040503050406030204" pitchFamily="18" charset="0"/>
                         <a:cs typeface="Times New Roman" panose="02020603050405020304" pitchFamily="18" charset="0"/>
                       </a:rPr>
                       <m:t>(</m:t>
                     </m:r>
                     <m:r>
-                      <a:rPr lang="en-CA" sz="2200" b="0" i="1" smtClean="0">
+                      <a:rPr lang="en-CA" sz="2400" b="0" i="1" smtClean="0">
                         <a:latin typeface="Cambria Math" panose="02040503050406030204" pitchFamily="18" charset="0"/>
                         <a:cs typeface="Times New Roman" panose="02020603050405020304" pitchFamily="18" charset="0"/>
                       </a:rPr>
                       <m:t>𝑦</m:t>
                     </m:r>
                     <m:r>
-                      <a:rPr lang="en-CA" sz="2200" b="0" i="1" smtClean="0">
+                      <a:rPr lang="en-CA" sz="2400" b="0" i="1" smtClean="0">
                         <a:latin typeface="Cambria Math" panose="02040503050406030204" pitchFamily="18" charset="0"/>
                         <a:cs typeface="Times New Roman" panose="02020603050405020304" pitchFamily="18" charset="0"/>
                       </a:rPr>
                       <m:t>|</m:t>
                     </m:r>
                     <m:r>
-                      <a:rPr lang="en-CA" sz="2200" b="0" i="1" smtClean="0">
+                      <a:rPr lang="en-CA" sz="2400" b="0" i="1" smtClean="0">
                         <a:latin typeface="Cambria Math" panose="02040503050406030204" pitchFamily="18" charset="0"/>
                         <a:cs typeface="Times New Roman" panose="02020603050405020304" pitchFamily="18" charset="0"/>
                       </a:rPr>
                       <m:t>𝑥</m:t>
                     </m:r>
                     <m:r>
-                      <a:rPr lang="en-CA" sz="2200" b="0" i="1" smtClean="0">
+                      <a:rPr lang="en-CA" sz="2400" b="0" i="1" smtClean="0">
                         <a:latin typeface="Cambria Math" panose="02040503050406030204" pitchFamily="18" charset="0"/>
                         <a:cs typeface="Times New Roman" panose="02020603050405020304" pitchFamily="18" charset="0"/>
                       </a:rPr>
                       <m:t>,</m:t>
                     </m:r>
                     <m:r>
-                      <a:rPr lang="en-CA" sz="2200" b="0" i="1" smtClean="0">
+                      <a:rPr lang="en-CA" sz="2400" b="0" i="1" smtClean="0">
                         <a:latin typeface="Cambria Math" panose="02040503050406030204" pitchFamily="18" charset="0"/>
                         <a:cs typeface="Times New Roman" panose="02020603050405020304" pitchFamily="18" charset="0"/>
                       </a:rPr>
                       <m:t>𝑦</m:t>
                     </m:r>
                     <m:r>
-                      <a:rPr lang="en-CA" sz="2200" b="0" i="1" smtClean="0">
+                      <a:rPr lang="en-CA" sz="2400" b="0" i="1" smtClean="0">
                         <a:latin typeface="Cambria Math" panose="02040503050406030204" pitchFamily="18" charset="0"/>
                         <a:cs typeface="Times New Roman" panose="02020603050405020304" pitchFamily="18" charset="0"/>
                       </a:rPr>
                       <m:t> </m:t>
                     </m:r>
                     <m:r>
-                      <a:rPr lang="en-CA" sz="2200" b="0" i="1" smtClean="0">
+                      <a:rPr lang="en-CA" sz="2400" b="0" i="1" smtClean="0">
                         <a:latin typeface="Cambria Math" panose="02040503050406030204" pitchFamily="18" charset="0"/>
                         <a:cs typeface="Times New Roman" panose="02020603050405020304" pitchFamily="18" charset="0"/>
                       </a:rPr>
                       <m:t>𝑜𝑏𝑠𝑒𝑟𝑣𝑒𝑑</m:t>
                     </m:r>
                     <m:r>
-                      <a:rPr lang="en-CA" sz="2200" b="0" i="1" smtClean="0">
+                      <a:rPr lang="en-CA" sz="2400" b="0" i="1" smtClean="0">
                         <a:latin typeface="Cambria Math" panose="02040503050406030204" pitchFamily="18" charset="0"/>
                         <a:cs typeface="Times New Roman" panose="02020603050405020304" pitchFamily="18" charset="0"/>
                       </a:rPr>
@@ -26354,13 +26397,13 @@
                     </m:r>
                   </m:oMath>
                 </a14:m>
-                <a:endParaRPr lang="en-US" sz="2200" dirty="0">
+                <a:endParaRPr lang="en-US" sz="2400" dirty="0">
                   <a:cs typeface="Times New Roman" panose="02020603050405020304" pitchFamily="18" charset="0"/>
                 </a:endParaRPr>
               </a:p>
               <a:p>
                 <a:r>
-                  <a:rPr lang="en-US" sz="2200" dirty="0">
+                  <a:rPr lang="en-US" sz="2400" dirty="0">
                     <a:cs typeface="Times New Roman" panose="02020603050405020304" pitchFamily="18" charset="0"/>
                   </a:rPr>
                   <a:t>Examples: </a:t>
@@ -26369,7 +26412,7 @@
               <a:p>
                 <a:pPr lvl="1"/>
                 <a:r>
-                  <a:rPr lang="en-US" sz="2200" dirty="0">
+                  <a:rPr lang="en-US" sz="2400" dirty="0">
                     <a:cs typeface="Times New Roman" panose="02020603050405020304" pitchFamily="18" charset="0"/>
                   </a:rPr>
                   <a:t>Are 0-visit people not going to a doctor, or do they not have access?</a:t>
@@ -26378,10 +26421,10 @@
               <a:p>
                 <a:pPr lvl="1"/>
                 <a:r>
-                  <a:rPr lang="en-US" sz="2200" dirty="0">
-                    <a:cs typeface="Times New Roman" panose="02020603050405020304" pitchFamily="18" charset="0"/>
-                  </a:rPr>
-                  <a:t>Smoking: do the people with 0 cigarettes consumed lie? Are they price responsive? </a:t>
+                  <a:rPr lang="en-US" sz="2400" dirty="0">
+                    <a:cs typeface="Times New Roman" panose="02020603050405020304" pitchFamily="18" charset="0"/>
+                  </a:rPr>
+                  <a:t>Smoking: are the 0s lies? Are non-smokers just price responsive? </a:t>
                 </a:r>
               </a:p>
               <a:p>
@@ -26401,19 +26444,19 @@
               <a:p>
                 <a:pPr lvl="1"/>
                 <a:r>
-                  <a:rPr lang="en-US" sz="2200" dirty="0">
+                  <a:rPr lang="en-US" sz="2400" dirty="0">
                     <a:cs typeface="Times New Roman" panose="02020603050405020304" pitchFamily="18" charset="0"/>
                   </a:rPr>
                   <a:t>This requires you to be very confident in your DAG </a:t>
                 </a:r>
                 <a:r>
-                  <a:rPr lang="en-US" sz="2200" i="1" dirty="0">
+                  <a:rPr lang="en-US" sz="2400" i="1" dirty="0">
                     <a:cs typeface="Times New Roman" panose="02020603050405020304" pitchFamily="18" charset="0"/>
                   </a:rPr>
                   <a:t>and </a:t>
                 </a:r>
                 <a:r>
-                  <a:rPr lang="en-US" sz="2200" dirty="0">
+                  <a:rPr lang="en-US" sz="2400" dirty="0">
                     <a:cs typeface="Times New Roman" panose="02020603050405020304" pitchFamily="18" charset="0"/>
                   </a:rPr>
                   <a:t>your data</a:t>
@@ -26422,16 +26465,16 @@
               <a:p>
                 <a:pPr lvl="1"/>
                 <a:r>
-                  <a:rPr lang="en-US" sz="2200" dirty="0">
-                    <a:cs typeface="Times New Roman" panose="02020603050405020304" pitchFamily="18" charset="0"/>
-                  </a:rPr>
-                  <a:t>Generally, if you have the data to predict selection, your selection isn’t a problem</a:t>
+                  <a:rPr lang="en-US" sz="2400" dirty="0">
+                    <a:cs typeface="Times New Roman" panose="02020603050405020304" pitchFamily="18" charset="0"/>
+                  </a:rPr>
+                  <a:t>Generally, if you have the data to predict selection, selection isn’t a problem</a:t>
                 </a:r>
               </a:p>
             </p:txBody>
           </p:sp>
         </mc:Choice>
-        <mc:Fallback xmlns="">
+        <mc:Fallback>
           <p:sp>
             <p:nvSpPr>
               <p:cNvPr id="3" name="Content Placeholder 2"/>
@@ -26450,7 +26493,7 @@
               <a:blipFill>
                 <a:blip r:embed="rId3"/>
                 <a:stretch>
-                  <a:fillRect l="-427" t="-1068" r="-977"/>
+                  <a:fillRect l="-427" t="-1305"/>
                 </a:stretch>
               </a:blipFill>
             </p:spPr>
@@ -26459,7 +26502,7 @@
               <a:lstStyle/>
               <a:p>
                 <a:r>
-                  <a:rPr lang="en-CA">
+                  <a:rPr lang="en-US">
                     <a:noFill/>
                   </a:rPr>
                   <a:t> </a:t>
@@ -26678,16 +26721,16 @@
           <a:p>
             <a:pPr lvl="1"/>
             <a:r>
-              <a:rPr lang="en-US" sz="2200" dirty="0">
+              <a:rPr lang="en-US" sz="2400" dirty="0">
                 <a:cs typeface="Times New Roman" panose="02020603050405020304" pitchFamily="18" charset="0"/>
               </a:rPr>
-              <a:t>E.g., type of insurance coverage, treatment (surgery, medication, etc.), or specialty</a:t>
+              <a:t>E.g., type of insurance coverage, treatment (surgery, medication, etc.)</a:t>
             </a:r>
           </a:p>
           <a:p>
             <a:pPr lvl="1"/>
             <a:r>
-              <a:rPr lang="en-US" sz="2200" dirty="0">
+              <a:rPr lang="en-US" sz="2400" dirty="0">
                 <a:cs typeface="Times New Roman" panose="02020603050405020304" pitchFamily="18" charset="0"/>
               </a:rPr>
               <a:t>This is actually more similar to logit than you think! </a:t>
@@ -26760,8 +26803,8 @@
           </a:p>
         </p:txBody>
       </p:sp>
-      <mc:AlternateContent xmlns:mc="http://schemas.openxmlformats.org/markup-compatibility/2006" xmlns:a14="http://schemas.microsoft.com/office/drawing/2010/main">
-        <mc:Choice Requires="a14">
+      <mc:AlternateContent xmlns:mc="http://schemas.openxmlformats.org/markup-compatibility/2006">
+        <mc:Choice xmlns:a14="http://schemas.microsoft.com/office/drawing/2010/main" Requires="a14">
           <p:sp>
             <p:nvSpPr>
               <p:cNvPr id="3" name="Content Placeholder 2"/>
@@ -26780,7 +26823,7 @@
             </p:spPr>
             <p:txBody>
               <a:bodyPr>
-                <a:normAutofit/>
+                <a:noAutofit/>
               </a:bodyPr>
               <a:lstStyle/>
               <a:p>
@@ -26818,16 +26861,16 @@
               <a:p>
                 <a:pPr lvl="1"/>
                 <a:r>
-                  <a:rPr lang="en-US" sz="2200" dirty="0">
-                    <a:cs typeface="Times New Roman" panose="02020603050405020304" pitchFamily="18" charset="0"/>
-                  </a:rPr>
-                  <a:t>E.g., type of insurance coverage, treatment (surgery, medication, etc.), or specialty</a:t>
+                  <a:rPr lang="en-US" sz="2400" dirty="0">
+                    <a:cs typeface="Times New Roman" panose="02020603050405020304" pitchFamily="18" charset="0"/>
+                  </a:rPr>
+                  <a:t>E.g., type of insurance coverage, treatment (surgery, medication, etc.)</a:t>
                 </a:r>
               </a:p>
               <a:p>
                 <a:pPr lvl="1"/>
                 <a:r>
-                  <a:rPr lang="en-US" sz="2200" dirty="0">
+                  <a:rPr lang="en-US" sz="2400" dirty="0">
                     <a:cs typeface="Times New Roman" panose="02020603050405020304" pitchFamily="18" charset="0"/>
                   </a:rPr>
                   <a:t>This is actually more similar to logit than you think!</a:t>
@@ -26844,7 +26887,7 @@
               <a:p>
                 <a:pPr lvl="1"/>
                 <a:r>
-                  <a:rPr lang="en-US" sz="2200" dirty="0">
+                  <a:rPr lang="en-US" sz="2400" dirty="0">
                     <a:cs typeface="Times New Roman" panose="02020603050405020304" pitchFamily="18" charset="0"/>
                   </a:rPr>
                   <a:t>Open-heart valve replacement surgery </a:t>
@@ -26853,7 +26896,7 @@
               <a:p>
                 <a:pPr lvl="1"/>
                 <a:r>
-                  <a:rPr lang="en-US" sz="2200" dirty="0">
+                  <a:rPr lang="en-US" sz="2400" dirty="0">
                     <a:cs typeface="Times New Roman" panose="02020603050405020304" pitchFamily="18" charset="0"/>
                   </a:rPr>
                   <a:t>Transcatheter valve replacement surgery</a:t>
@@ -26862,7 +26905,7 @@
               <a:p>
                 <a:pPr lvl="1"/>
                 <a:r>
-                  <a:rPr lang="en-US" sz="2200" dirty="0">
+                  <a:rPr lang="en-US" sz="2400" dirty="0">
                     <a:cs typeface="Times New Roman" panose="02020603050405020304" pitchFamily="18" charset="0"/>
                   </a:rPr>
                   <a:t>Simple observation</a:t>
@@ -26965,7 +27008,7 @@
               <a:p>
                 <a:pPr lvl="1"/>
                 <a:r>
-                  <a:rPr lang="en-US" sz="2200" dirty="0">
+                  <a:rPr lang="en-US" sz="2400" dirty="0">
                     <a:cs typeface="Times New Roman" panose="02020603050405020304" pitchFamily="18" charset="0"/>
                   </a:rPr>
                   <a:t>Patient age</a:t>
@@ -26974,7 +27017,7 @@
               <a:p>
                 <a:pPr lvl="1"/>
                 <a:r>
-                  <a:rPr lang="en-US" sz="2200" dirty="0">
+                  <a:rPr lang="en-US" sz="2400" dirty="0">
                     <a:cs typeface="Times New Roman" panose="02020603050405020304" pitchFamily="18" charset="0"/>
                   </a:rPr>
                   <a:t>Risk factors</a:t>
@@ -26983,7 +27026,7 @@
               <a:p>
                 <a:pPr lvl="1"/>
                 <a:r>
-                  <a:rPr lang="en-US" sz="2200" dirty="0">
+                  <a:rPr lang="en-US" sz="2400" dirty="0">
                     <a:cs typeface="Times New Roman" panose="02020603050405020304" pitchFamily="18" charset="0"/>
                   </a:rPr>
                   <a:t>Symptoms</a:t>
@@ -26992,7 +27035,7 @@
               <a:p>
                 <a:pPr lvl="1"/>
                 <a:r>
-                  <a:rPr lang="en-US" sz="2200" dirty="0">
+                  <a:rPr lang="en-US" sz="2400" dirty="0">
                     <a:cs typeface="Times New Roman" panose="02020603050405020304" pitchFamily="18" charset="0"/>
                   </a:rPr>
                   <a:t>Physician characteristics</a:t>
@@ -27001,7 +27044,7 @@
             </p:txBody>
           </p:sp>
         </mc:Choice>
-        <mc:Fallback xmlns="">
+        <mc:Fallback>
           <p:sp>
             <p:nvSpPr>
               <p:cNvPr id="3" name="Content Placeholder 2"/>
@@ -27020,7 +27063,7 @@
               <a:blipFill>
                 <a:blip r:embed="rId3"/>
                 <a:stretch>
-                  <a:fillRect l="-427" t="-1305"/>
+                  <a:fillRect l="-427" t="-1305" b="-3440"/>
                 </a:stretch>
               </a:blipFill>
             </p:spPr>
@@ -27029,7 +27072,7 @@
               <a:lstStyle/>
               <a:p>
                 <a:r>
-                  <a:rPr lang="en-CA">
+                  <a:rPr lang="en-US">
                     <a:noFill/>
                   </a:rPr>
                   <a:t> </a:t>
@@ -27101,8 +27144,8 @@
           </a:p>
         </p:txBody>
       </p:sp>
-      <mc:AlternateContent xmlns:mc="http://schemas.openxmlformats.org/markup-compatibility/2006" xmlns:a14="http://schemas.microsoft.com/office/drawing/2010/main">
-        <mc:Choice Requires="a14">
+      <mc:AlternateContent xmlns:mc="http://schemas.openxmlformats.org/markup-compatibility/2006">
+        <mc:Choice xmlns:a14="http://schemas.microsoft.com/office/drawing/2010/main" Requires="a14">
           <p:sp>
             <p:nvSpPr>
               <p:cNvPr id="3" name="Content Placeholder 2"/>
@@ -27135,13 +27178,13 @@
               <a:p>
                 <a:pPr lvl="1"/>
                 <a:r>
-                  <a:rPr lang="en-US" sz="2000" dirty="0">
+                  <a:rPr lang="en-US" sz="2400" dirty="0">
                     <a:cs typeface="Times New Roman" panose="02020603050405020304" pitchFamily="18" charset="0"/>
                   </a:rPr>
                   <a:t>The outcome variable is </a:t>
                 </a:r>
                 <a:r>
-                  <a:rPr lang="en-US" sz="2000" b="1" dirty="0">
+                  <a:rPr lang="en-US" sz="2400" b="1" dirty="0">
                     <a:cs typeface="Times New Roman" panose="02020603050405020304" pitchFamily="18" charset="0"/>
                   </a:rPr>
                   <a:t>unordered</a:t>
@@ -27149,7 +27192,7 @@
               </a:p>
               <a:p>
                 <a:r>
-                  <a:rPr lang="en-US" sz="2200" dirty="0">
+                  <a:rPr lang="en-US" sz="2400" dirty="0">
                     <a:cs typeface="Times New Roman" panose="02020603050405020304" pitchFamily="18" charset="0"/>
                   </a:rPr>
                   <a:t>Now, we have </a:t>
@@ -27157,14 +27200,14 @@
                 <a14:m>
                   <m:oMath xmlns:m="http://schemas.openxmlformats.org/officeDocument/2006/math">
                     <m:r>
-                      <a:rPr lang="en-US" sz="2000" b="0" i="1" smtClean="0">
+                      <a:rPr lang="en-US" sz="2400" b="0" i="1" smtClean="0">
                         <a:latin typeface="Cambria Math" panose="02040503050406030204" pitchFamily="18" charset="0"/>
                         <a:cs typeface="Times New Roman" panose="02020603050405020304" pitchFamily="18" charset="0"/>
                       </a:rPr>
                       <m:t>𝑖</m:t>
                     </m:r>
                     <m:r>
-                      <a:rPr lang="en-US" sz="2000" b="0" i="1" smtClean="0">
+                      <a:rPr lang="en-US" sz="2400" b="0" i="1" smtClean="0">
                         <a:latin typeface="Cambria Math" panose="02040503050406030204" pitchFamily="18" charset="0"/>
                         <a:cs typeface="Times New Roman" panose="02020603050405020304" pitchFamily="18" charset="0"/>
                       </a:rPr>
@@ -27174,14 +27217,14 @@
                       <m:rPr>
                         <m:lit/>
                       </m:rPr>
-                      <a:rPr lang="en-US" sz="2000" b="0" i="1" smtClean="0">
+                      <a:rPr lang="en-US" sz="2400" b="0" i="1" smtClean="0">
                         <a:latin typeface="Cambria Math" panose="02040503050406030204" pitchFamily="18" charset="0"/>
                         <a:cs typeface="Times New Roman" panose="02020603050405020304" pitchFamily="18" charset="0"/>
                       </a:rPr>
                       <m:t>}</m:t>
                     </m:r>
                     <m:r>
-                      <a:rPr lang="en-US" sz="2000" b="0" i="0" smtClean="0">
+                      <a:rPr lang="en-US" sz="2400" b="0" i="0" smtClean="0">
                         <a:latin typeface="Cambria Math" panose="02040503050406030204" pitchFamily="18" charset="0"/>
                         <a:cs typeface="Times New Roman" panose="02020603050405020304" pitchFamily="18" charset="0"/>
                       </a:rPr>
@@ -27191,7 +27234,7 @@
                       <m:rPr>
                         <m:sty m:val="p"/>
                       </m:rPr>
-                      <a:rPr lang="en-US" sz="2000" b="0" i="0" smtClean="0">
+                      <a:rPr lang="en-US" sz="2400" b="0" i="0" smtClean="0">
                         <a:latin typeface="Cambria Math" panose="02040503050406030204" pitchFamily="18" charset="0"/>
                         <a:cs typeface="Times New Roman" panose="02020603050405020304" pitchFamily="18" charset="0"/>
                       </a:rPr>
@@ -27199,7 +27242,7 @@
                     </m:r>
                   </m:oMath>
                 </a14:m>
-                <a:endParaRPr lang="en-US" sz="2000" b="0" i="1" dirty="0">
+                <a:endParaRPr lang="en-US" sz="2400" b="0" i="1" dirty="0">
                   <a:latin typeface="Cambria Math" panose="02040503050406030204" pitchFamily="18" charset="0"/>
                   <a:cs typeface="Times New Roman" panose="02020603050405020304" pitchFamily="18" charset="0"/>
                 </a:endParaRPr>
@@ -27209,7 +27252,7 @@
                 <a14:m>
                   <m:oMath xmlns:m="http://schemas.openxmlformats.org/officeDocument/2006/math">
                     <m:r>
-                      <a:rPr lang="en-US" sz="2200" b="0" i="1" smtClean="0">
+                      <a:rPr lang="en-US" sz="2400" b="0" i="1" smtClean="0">
                         <a:latin typeface="Cambria Math" panose="02040503050406030204" pitchFamily="18" charset="0"/>
                         <a:cs typeface="Times New Roman" panose="02020603050405020304" pitchFamily="18" charset="0"/>
                       </a:rPr>
@@ -27218,7 +27261,7 @@
                   </m:oMath>
                 </a14:m>
                 <a:r>
-                  <a:rPr lang="en-US" sz="2200" b="0" dirty="0">
+                  <a:rPr lang="en-US" sz="2400" b="0" dirty="0">
                     <a:cs typeface="Times New Roman" panose="02020603050405020304" pitchFamily="18" charset="0"/>
                   </a:rPr>
                   <a:t>watch and wait</a:t>
@@ -27229,7 +27272,7 @@
                 <a14:m>
                   <m:oMath xmlns:m="http://schemas.openxmlformats.org/officeDocument/2006/math">
                     <m:r>
-                      <a:rPr lang="en-US" sz="2200" b="0" i="1" smtClean="0">
+                      <a:rPr lang="en-US" sz="2400" b="0" i="1" smtClean="0">
                         <a:latin typeface="Cambria Math" panose="02040503050406030204" pitchFamily="18" charset="0"/>
                         <a:cs typeface="Times New Roman" panose="02020603050405020304" pitchFamily="18" charset="0"/>
                       </a:rPr>
@@ -27238,7 +27281,7 @@
                   </m:oMath>
                 </a14:m>
                 <a:r>
-                  <a:rPr lang="en-US" sz="2200" b="0" dirty="0">
+                  <a:rPr lang="en-US" sz="2400" b="0" dirty="0">
                     <a:cs typeface="Times New Roman" panose="02020603050405020304" pitchFamily="18" charset="0"/>
                   </a:rPr>
                   <a:t> open-heart surgery</a:t>
@@ -27249,7 +27292,7 @@
                 <a14:m>
                   <m:oMath xmlns:m="http://schemas.openxmlformats.org/officeDocument/2006/math">
                     <m:r>
-                      <a:rPr lang="en-US" sz="2200" b="0" i="1" smtClean="0">
+                      <a:rPr lang="en-US" sz="2400" b="0" i="1" smtClean="0">
                         <a:latin typeface="Cambria Math" panose="02040503050406030204" pitchFamily="18" charset="0"/>
                         <a:cs typeface="Times New Roman" panose="02020603050405020304" pitchFamily="18" charset="0"/>
                       </a:rPr>
@@ -27258,7 +27301,7 @@
                   </m:oMath>
                 </a14:m>
                 <a:r>
-                  <a:rPr lang="en-US" sz="2200" dirty="0">
+                  <a:rPr lang="en-US" sz="2400" dirty="0">
                     <a:cs typeface="Times New Roman" panose="02020603050405020304" pitchFamily="18" charset="0"/>
                   </a:rPr>
                   <a:t>transcatheter surgery</a:t>
@@ -27266,7 +27309,7 @@
               </a:p>
               <a:p>
                 <a:r>
-                  <a:rPr lang="en-US" sz="2200" dirty="0">
+                  <a:rPr lang="en-US" sz="2400" dirty="0">
                     <a:cs typeface="Times New Roman" panose="02020603050405020304" pitchFamily="18" charset="0"/>
                   </a:rPr>
                   <a:t>How can we use retrospective data to assess choices? </a:t>
@@ -27275,7 +27318,7 @@
             </p:txBody>
           </p:sp>
         </mc:Choice>
-        <mc:Fallback xmlns="">
+        <mc:Fallback>
           <p:sp>
             <p:nvSpPr>
               <p:cNvPr id="3" name="Content Placeholder 2"/>
@@ -27303,7 +27346,7 @@
               <a:lstStyle/>
               <a:p>
                 <a:r>
-                  <a:rPr lang="en-CA">
+                  <a:rPr lang="en-US">
                     <a:noFill/>
                   </a:rPr>
                   <a:t> </a:t>
@@ -27375,8 +27418,8 @@
           </a:p>
         </p:txBody>
       </p:sp>
-      <mc:AlternateContent xmlns:mc="http://schemas.openxmlformats.org/markup-compatibility/2006" xmlns:a14="http://schemas.microsoft.com/office/drawing/2010/main">
-        <mc:Choice Requires="a14">
+      <mc:AlternateContent xmlns:mc="http://schemas.openxmlformats.org/markup-compatibility/2006">
+        <mc:Choice xmlns:a14="http://schemas.microsoft.com/office/drawing/2010/main" Requires="a14">
           <p:sp>
             <p:nvSpPr>
               <p:cNvPr id="3" name="Content Placeholder 2"/>
@@ -27409,13 +27452,13 @@
               <a:p>
                 <a:pPr lvl="1"/>
                 <a:r>
-                  <a:rPr lang="en-US" sz="2000" dirty="0">
+                  <a:rPr lang="en-US" sz="2400" dirty="0">
                     <a:cs typeface="Times New Roman" panose="02020603050405020304" pitchFamily="18" charset="0"/>
                   </a:rPr>
                   <a:t>The outcome variable is </a:t>
                 </a:r>
                 <a:r>
-                  <a:rPr lang="en-US" sz="2000" b="1" dirty="0">
+                  <a:rPr lang="en-US" sz="2400" b="1" dirty="0">
                     <a:cs typeface="Times New Roman" panose="02020603050405020304" pitchFamily="18" charset="0"/>
                   </a:rPr>
                   <a:t>unordered</a:t>
@@ -27423,7 +27466,7 @@
               </a:p>
               <a:p>
                 <a:r>
-                  <a:rPr lang="en-US" sz="2800" dirty="0">
+                  <a:rPr lang="en-US" sz="2400" dirty="0">
                     <a:cs typeface="Times New Roman" panose="02020603050405020304" pitchFamily="18" charset="0"/>
                   </a:rPr>
                   <a:t>Now, we have </a:t>
@@ -27483,7 +27526,7 @@
                 <a14:m>
                   <m:oMath xmlns:m="http://schemas.openxmlformats.org/officeDocument/2006/math">
                     <m:r>
-                      <a:rPr lang="en-US" sz="2000" b="0" i="1" smtClean="0">
+                      <a:rPr lang="en-US" sz="2400" b="0" i="1" smtClean="0">
                         <a:latin typeface="Cambria Math" panose="02040503050406030204" pitchFamily="18" charset="0"/>
                         <a:cs typeface="Times New Roman" panose="02020603050405020304" pitchFamily="18" charset="0"/>
                       </a:rPr>
@@ -27492,7 +27535,7 @@
                   </m:oMath>
                 </a14:m>
                 <a:r>
-                  <a:rPr lang="en-US" sz="2000" b="0" dirty="0">
+                  <a:rPr lang="en-US" sz="2400" b="0" dirty="0">
                     <a:cs typeface="Times New Roman" panose="02020603050405020304" pitchFamily="18" charset="0"/>
                   </a:rPr>
                   <a:t>watch and wait</a:t>
@@ -27503,7 +27546,7 @@
                 <a14:m>
                   <m:oMath xmlns:m="http://schemas.openxmlformats.org/officeDocument/2006/math">
                     <m:r>
-                      <a:rPr lang="en-US" sz="2000" b="0" i="1" smtClean="0">
+                      <a:rPr lang="en-US" sz="2400" b="0" i="1" smtClean="0">
                         <a:latin typeface="Cambria Math" panose="02040503050406030204" pitchFamily="18" charset="0"/>
                         <a:cs typeface="Times New Roman" panose="02020603050405020304" pitchFamily="18" charset="0"/>
                       </a:rPr>
@@ -27512,7 +27555,7 @@
                   </m:oMath>
                 </a14:m>
                 <a:r>
-                  <a:rPr lang="en-US" sz="2000" b="0" dirty="0">
+                  <a:rPr lang="en-US" sz="2400" b="0" dirty="0">
                     <a:cs typeface="Times New Roman" panose="02020603050405020304" pitchFamily="18" charset="0"/>
                   </a:rPr>
                   <a:t> open-heart surgery</a:t>
@@ -27523,7 +27566,7 @@
                 <a14:m>
                   <m:oMath xmlns:m="http://schemas.openxmlformats.org/officeDocument/2006/math">
                     <m:r>
-                      <a:rPr lang="en-US" sz="2000" b="0" i="1" smtClean="0">
+                      <a:rPr lang="en-US" sz="2400" b="0" i="1" smtClean="0">
                         <a:latin typeface="Cambria Math" panose="02040503050406030204" pitchFamily="18" charset="0"/>
                         <a:cs typeface="Times New Roman" panose="02020603050405020304" pitchFamily="18" charset="0"/>
                       </a:rPr>
@@ -27532,7 +27575,7 @@
                   </m:oMath>
                 </a14:m>
                 <a:r>
-                  <a:rPr lang="en-US" sz="2000" dirty="0">
+                  <a:rPr lang="en-US" sz="2400" dirty="0">
                     <a:cs typeface="Times New Roman" panose="02020603050405020304" pitchFamily="18" charset="0"/>
                   </a:rPr>
                   <a:t>transcatheter surgery</a:t>
@@ -27540,7 +27583,7 @@
               </a:p>
               <a:p>
                 <a:r>
-                  <a:rPr lang="en-US" sz="2200" dirty="0">
+                  <a:rPr lang="en-US" sz="2400" dirty="0">
                     <a:cs typeface="Times New Roman" panose="02020603050405020304" pitchFamily="18" charset="0"/>
                   </a:rPr>
                   <a:t>How can we use retrospective data to assess choices? </a:t>
@@ -27549,19 +27592,19 @@
               <a:p>
                 <a:pPr lvl="1"/>
                 <a:r>
-                  <a:rPr lang="en-US" sz="2000" dirty="0">
+                  <a:rPr lang="en-US" sz="2400" dirty="0">
                     <a:cs typeface="Times New Roman" panose="02020603050405020304" pitchFamily="18" charset="0"/>
                   </a:rPr>
                   <a:t>Assume that </a:t>
                 </a:r>
                 <a:r>
-                  <a:rPr lang="en-US" sz="2000" b="1" dirty="0">
+                  <a:rPr lang="en-US" sz="2400" b="1" dirty="0">
                     <a:cs typeface="Times New Roman" panose="02020603050405020304" pitchFamily="18" charset="0"/>
                   </a:rPr>
                   <a:t>observed choices </a:t>
                 </a:r>
                 <a:r>
-                  <a:rPr lang="en-US" sz="2000" dirty="0">
+                  <a:rPr lang="en-US" sz="2400" dirty="0">
                     <a:cs typeface="Times New Roman" panose="02020603050405020304" pitchFamily="18" charset="0"/>
                   </a:rPr>
                   <a:t>are utility-maximizing</a:t>
@@ -27570,7 +27613,7 @@
               <a:p>
                 <a:pPr lvl="1"/>
                 <a:r>
-                  <a:rPr lang="en-US" sz="2000" dirty="0">
+                  <a:rPr lang="en-US" sz="2400" dirty="0">
                     <a:cs typeface="Times New Roman" panose="02020603050405020304" pitchFamily="18" charset="0"/>
                   </a:rPr>
                   <a:t>That is, if </a:t>
@@ -27580,7 +27623,7 @@
                     <m:sSub>
                       <m:sSubPr>
                         <m:ctrlPr>
-                          <a:rPr lang="en-US" sz="2000" b="0" i="1" smtClean="0">
+                          <a:rPr lang="en-US" sz="2400" b="0" i="1" smtClean="0">
                             <a:latin typeface="Cambria Math" panose="02040503050406030204" pitchFamily="18" charset="0"/>
                             <a:cs typeface="Times New Roman" panose="02020603050405020304" pitchFamily="18" charset="0"/>
                           </a:rPr>
@@ -27588,7 +27631,7 @@
                       </m:sSubPr>
                       <m:e>
                         <m:r>
-                          <a:rPr lang="en-US" sz="2000" b="0" i="1" smtClean="0">
+                          <a:rPr lang="en-US" sz="2400" b="0" i="1" smtClean="0">
                             <a:latin typeface="Cambria Math" panose="02040503050406030204" pitchFamily="18" charset="0"/>
                             <a:cs typeface="Times New Roman" panose="02020603050405020304" pitchFamily="18" charset="0"/>
                           </a:rPr>
@@ -27597,7 +27640,7 @@
                       </m:e>
                       <m:sub>
                         <m:r>
-                          <a:rPr lang="en-US" sz="2000" b="0" i="1" smtClean="0">
+                          <a:rPr lang="en-US" sz="2400" b="0" i="1" smtClean="0">
                             <a:latin typeface="Cambria Math" panose="02040503050406030204" pitchFamily="18" charset="0"/>
                             <a:cs typeface="Times New Roman" panose="02020603050405020304" pitchFamily="18" charset="0"/>
                           </a:rPr>
@@ -27606,7 +27649,7 @@
                       </m:sub>
                     </m:sSub>
                     <m:r>
-                      <a:rPr lang="en-US" sz="2000" b="0" i="1" smtClean="0">
+                      <a:rPr lang="en-US" sz="2400" b="0" i="1" smtClean="0">
                         <a:latin typeface="Cambria Math" panose="02040503050406030204" pitchFamily="18" charset="0"/>
                         <a:cs typeface="Times New Roman" panose="02020603050405020304" pitchFamily="18" charset="0"/>
                       </a:rPr>
@@ -27615,7 +27658,7 @@
                   </m:oMath>
                 </a14:m>
                 <a:r>
-                  <a:rPr lang="en-US" sz="2000" dirty="0">
+                  <a:rPr lang="en-US" sz="2400" dirty="0">
                     <a:cs typeface="Times New Roman" panose="02020603050405020304" pitchFamily="18" charset="0"/>
                   </a:rPr>
                   <a:t>, then we assume </a:t>
@@ -27625,7 +27668,7 @@
                     <m:sSub>
                       <m:sSubPr>
                         <m:ctrlPr>
-                          <a:rPr lang="en-US" sz="2000" b="0" i="1" smtClean="0">
+                          <a:rPr lang="en-US" sz="2400" b="0" i="1" smtClean="0">
                             <a:latin typeface="Cambria Math" panose="02040503050406030204" pitchFamily="18" charset="0"/>
                             <a:cs typeface="Times New Roman" panose="02020603050405020304" pitchFamily="18" charset="0"/>
                           </a:rPr>
@@ -27633,7 +27676,7 @@
                       </m:sSubPr>
                       <m:e>
                         <m:r>
-                          <a:rPr lang="en-US" sz="2000" b="0" i="1" smtClean="0">
+                          <a:rPr lang="en-US" sz="2400" b="0" i="1" smtClean="0">
                             <a:latin typeface="Cambria Math" panose="02040503050406030204" pitchFamily="18" charset="0"/>
                             <a:cs typeface="Times New Roman" panose="02020603050405020304" pitchFamily="18" charset="0"/>
                           </a:rPr>
@@ -27642,7 +27685,7 @@
                       </m:e>
                       <m:sub>
                         <m:r>
-                          <a:rPr lang="en-US" sz="2000" b="0" i="1" smtClean="0">
+                          <a:rPr lang="en-US" sz="2400" b="0" i="1" smtClean="0">
                             <a:latin typeface="Cambria Math" panose="02040503050406030204" pitchFamily="18" charset="0"/>
                             <a:cs typeface="Times New Roman" panose="02020603050405020304" pitchFamily="18" charset="0"/>
                           </a:rPr>
@@ -27653,7 +27696,7 @@
                     <m:d>
                       <m:dPr>
                         <m:ctrlPr>
-                          <a:rPr lang="en-US" sz="2000" b="0" i="1" smtClean="0">
+                          <a:rPr lang="en-US" sz="2400" b="0" i="1" smtClean="0">
                             <a:latin typeface="Cambria Math" panose="02040503050406030204" pitchFamily="18" charset="0"/>
                             <a:cs typeface="Times New Roman" panose="02020603050405020304" pitchFamily="18" charset="0"/>
                           </a:rPr>
@@ -27661,7 +27704,7 @@
                       </m:dPr>
                       <m:e>
                         <m:r>
-                          <a:rPr lang="en-US" sz="2000" b="0" i="1" smtClean="0">
+                          <a:rPr lang="en-US" sz="2400" b="0" i="1" smtClean="0">
                             <a:latin typeface="Cambria Math" panose="02040503050406030204" pitchFamily="18" charset="0"/>
                             <a:cs typeface="Times New Roman" panose="02020603050405020304" pitchFamily="18" charset="0"/>
                           </a:rPr>
@@ -27670,7 +27713,7 @@
                       </m:e>
                     </m:d>
                     <m:r>
-                      <a:rPr lang="en-US" sz="2000" b="0" i="1" smtClean="0">
+                      <a:rPr lang="en-US" sz="2400" b="0" i="1" smtClean="0">
                         <a:latin typeface="Cambria Math" panose="02040503050406030204" pitchFamily="18" charset="0"/>
                         <a:cs typeface="Times New Roman" panose="02020603050405020304" pitchFamily="18" charset="0"/>
                       </a:rPr>
@@ -27679,7 +27722,7 @@
                     <m:sSub>
                       <m:sSubPr>
                         <m:ctrlPr>
-                          <a:rPr lang="en-US" sz="2000" b="0" i="1" smtClean="0">
+                          <a:rPr lang="en-US" sz="2400" b="0" i="1" smtClean="0">
                             <a:latin typeface="Cambria Math" panose="02040503050406030204" pitchFamily="18" charset="0"/>
                             <a:cs typeface="Times New Roman" panose="02020603050405020304" pitchFamily="18" charset="0"/>
                           </a:rPr>
@@ -27687,7 +27730,7 @@
                       </m:sSubPr>
                       <m:e>
                         <m:r>
-                          <a:rPr lang="en-US" sz="2000" b="0" i="1" smtClean="0">
+                          <a:rPr lang="en-US" sz="2400" b="0" i="1" smtClean="0">
                             <a:latin typeface="Cambria Math" panose="02040503050406030204" pitchFamily="18" charset="0"/>
                             <a:cs typeface="Times New Roman" panose="02020603050405020304" pitchFamily="18" charset="0"/>
                           </a:rPr>
@@ -27696,7 +27739,7 @@
                       </m:e>
                       <m:sub>
                         <m:r>
-                          <a:rPr lang="en-US" sz="2000" b="0" i="1" smtClean="0">
+                          <a:rPr lang="en-US" sz="2400" b="0" i="1" smtClean="0">
                             <a:latin typeface="Cambria Math" panose="02040503050406030204" pitchFamily="18" charset="0"/>
                             <a:cs typeface="Times New Roman" panose="02020603050405020304" pitchFamily="18" charset="0"/>
                           </a:rPr>
@@ -27707,7 +27750,7 @@
                     <m:d>
                       <m:dPr>
                         <m:ctrlPr>
-                          <a:rPr lang="en-US" sz="2000" b="0" i="1" smtClean="0">
+                          <a:rPr lang="en-US" sz="2400" b="0" i="1" smtClean="0">
                             <a:latin typeface="Cambria Math" panose="02040503050406030204" pitchFamily="18" charset="0"/>
                             <a:cs typeface="Times New Roman" panose="02020603050405020304" pitchFamily="18" charset="0"/>
                           </a:rPr>
@@ -27715,7 +27758,7 @@
                       </m:dPr>
                       <m:e>
                         <m:r>
-                          <a:rPr lang="en-US" sz="2000" b="0" i="1" smtClean="0">
+                          <a:rPr lang="en-US" sz="2400" b="0" i="1" smtClean="0">
                             <a:latin typeface="Cambria Math" panose="02040503050406030204" pitchFamily="18" charset="0"/>
                             <a:cs typeface="Times New Roman" panose="02020603050405020304" pitchFamily="18" charset="0"/>
                           </a:rPr>
@@ -27726,7 +27769,7 @@
                   </m:oMath>
                 </a14:m>
                 <a:r>
-                  <a:rPr lang="en-US" sz="2000" dirty="0">
+                  <a:rPr lang="en-US" sz="2400" dirty="0">
                     <a:cs typeface="Times New Roman" panose="02020603050405020304" pitchFamily="18" charset="0"/>
                   </a:rPr>
                   <a:t> and </a:t>
@@ -27736,7 +27779,7 @@
                     <m:sSub>
                       <m:sSubPr>
                         <m:ctrlPr>
-                          <a:rPr lang="en-US" sz="2000" b="0" i="1" smtClean="0">
+                          <a:rPr lang="en-US" sz="2400" b="0" i="1" smtClean="0">
                             <a:latin typeface="Cambria Math" panose="02040503050406030204" pitchFamily="18" charset="0"/>
                             <a:cs typeface="Times New Roman" panose="02020603050405020304" pitchFamily="18" charset="0"/>
                           </a:rPr>
@@ -27744,7 +27787,7 @@
                       </m:sSubPr>
                       <m:e>
                         <m:r>
-                          <a:rPr lang="en-US" sz="2000" b="0" i="1" smtClean="0">
+                          <a:rPr lang="en-US" sz="2400" b="0" i="1" smtClean="0">
                             <a:latin typeface="Cambria Math" panose="02040503050406030204" pitchFamily="18" charset="0"/>
                             <a:cs typeface="Times New Roman" panose="02020603050405020304" pitchFamily="18" charset="0"/>
                           </a:rPr>
@@ -27753,7 +27796,7 @@
                       </m:e>
                       <m:sub>
                         <m:r>
-                          <a:rPr lang="en-US" sz="2000" b="0" i="1" smtClean="0">
+                          <a:rPr lang="en-US" sz="2400" b="0" i="1" smtClean="0">
                             <a:latin typeface="Cambria Math" panose="02040503050406030204" pitchFamily="18" charset="0"/>
                             <a:cs typeface="Times New Roman" panose="02020603050405020304" pitchFamily="18" charset="0"/>
                           </a:rPr>
@@ -27764,7 +27807,7 @@
                     <m:d>
                       <m:dPr>
                         <m:ctrlPr>
-                          <a:rPr lang="en-US" sz="2000" b="0" i="1" smtClean="0">
+                          <a:rPr lang="en-US" sz="2400" b="0" i="1" smtClean="0">
                             <a:latin typeface="Cambria Math" panose="02040503050406030204" pitchFamily="18" charset="0"/>
                             <a:cs typeface="Times New Roman" panose="02020603050405020304" pitchFamily="18" charset="0"/>
                           </a:rPr>
@@ -27772,7 +27815,7 @@
                       </m:dPr>
                       <m:e>
                         <m:r>
-                          <a:rPr lang="en-US" sz="2000" b="0" i="1" smtClean="0">
+                          <a:rPr lang="en-US" sz="2400" b="0" i="1" smtClean="0">
                             <a:latin typeface="Cambria Math" panose="02040503050406030204" pitchFamily="18" charset="0"/>
                             <a:cs typeface="Times New Roman" panose="02020603050405020304" pitchFamily="18" charset="0"/>
                           </a:rPr>
@@ -27781,7 +27824,7 @@
                       </m:e>
                     </m:d>
                     <m:r>
-                      <a:rPr lang="en-US" sz="2000" b="0" i="1" smtClean="0">
+                      <a:rPr lang="en-US" sz="2400" b="0" i="1" smtClean="0">
                         <a:latin typeface="Cambria Math" panose="02040503050406030204" pitchFamily="18" charset="0"/>
                         <a:cs typeface="Times New Roman" panose="02020603050405020304" pitchFamily="18" charset="0"/>
                       </a:rPr>
@@ -27790,7 +27833,7 @@
                     <m:sSub>
                       <m:sSubPr>
                         <m:ctrlPr>
-                          <a:rPr lang="en-US" sz="2000" b="0" i="1" smtClean="0">
+                          <a:rPr lang="en-US" sz="2400" b="0" i="1" smtClean="0">
                             <a:latin typeface="Cambria Math" panose="02040503050406030204" pitchFamily="18" charset="0"/>
                             <a:cs typeface="Times New Roman" panose="02020603050405020304" pitchFamily="18" charset="0"/>
                           </a:rPr>
@@ -27798,7 +27841,7 @@
                       </m:sSubPr>
                       <m:e>
                         <m:r>
-                          <a:rPr lang="en-US" sz="2000" b="0" i="1" smtClean="0">
+                          <a:rPr lang="en-US" sz="2400" b="0" i="1" smtClean="0">
                             <a:latin typeface="Cambria Math" panose="02040503050406030204" pitchFamily="18" charset="0"/>
                             <a:cs typeface="Times New Roman" panose="02020603050405020304" pitchFamily="18" charset="0"/>
                           </a:rPr>
@@ -27807,7 +27850,7 @@
                       </m:e>
                       <m:sub>
                         <m:r>
-                          <a:rPr lang="en-US" sz="2000" b="0" i="1" smtClean="0">
+                          <a:rPr lang="en-US" sz="2400" b="0" i="1" smtClean="0">
                             <a:latin typeface="Cambria Math" panose="02040503050406030204" pitchFamily="18" charset="0"/>
                             <a:cs typeface="Times New Roman" panose="02020603050405020304" pitchFamily="18" charset="0"/>
                           </a:rPr>
@@ -27816,7 +27859,7 @@
                       </m:sub>
                     </m:sSub>
                     <m:r>
-                      <a:rPr lang="en-US" sz="2000" b="0" i="1" smtClean="0">
+                      <a:rPr lang="en-US" sz="2400" b="0" i="1" smtClean="0">
                         <a:latin typeface="Cambria Math" panose="02040503050406030204" pitchFamily="18" charset="0"/>
                         <a:cs typeface="Times New Roman" panose="02020603050405020304" pitchFamily="18" charset="0"/>
                       </a:rPr>
@@ -27825,7 +27868,7 @@
                   </m:oMath>
                 </a14:m>
                 <a:r>
-                  <a:rPr lang="en-US" sz="2000" dirty="0">
+                  <a:rPr lang="en-US" sz="2400" dirty="0">
                     <a:cs typeface="Times New Roman" panose="02020603050405020304" pitchFamily="18" charset="0"/>
                   </a:rPr>
                   <a:t> </a:t>
@@ -27834,7 +27877,7 @@
               <a:p>
                 <a:pPr lvl="1"/>
                 <a:r>
-                  <a:rPr lang="en-US" sz="2000" dirty="0">
+                  <a:rPr lang="en-US" sz="2400" dirty="0">
                     <a:cs typeface="Times New Roman" panose="02020603050405020304" pitchFamily="18" charset="0"/>
                   </a:rPr>
                   <a:t>We want a model that links </a:t>
@@ -27844,7 +27887,7 @@
                     <m:sSub>
                       <m:sSubPr>
                         <m:ctrlPr>
-                          <a:rPr lang="en-US" sz="2000" b="0" i="1" smtClean="0">
+                          <a:rPr lang="en-US" sz="2400" b="0" i="1" smtClean="0">
                             <a:latin typeface="Cambria Math" panose="02040503050406030204" pitchFamily="18" charset="0"/>
                             <a:cs typeface="Times New Roman" panose="02020603050405020304" pitchFamily="18" charset="0"/>
                           </a:rPr>
@@ -27852,7 +27895,7 @@
                       </m:sSubPr>
                       <m:e>
                         <m:r>
-                          <a:rPr lang="en-US" sz="2000" b="0" i="1" smtClean="0">
+                          <a:rPr lang="en-US" sz="2400" b="0" i="1" smtClean="0">
                             <a:latin typeface="Cambria Math" panose="02040503050406030204" pitchFamily="18" charset="0"/>
                             <a:cs typeface="Times New Roman" panose="02020603050405020304" pitchFamily="18" charset="0"/>
                           </a:rPr>
@@ -27861,7 +27904,7 @@
                       </m:e>
                       <m:sub>
                         <m:r>
-                          <a:rPr lang="en-US" sz="2000" b="0" i="1" smtClean="0">
+                          <a:rPr lang="en-US" sz="2400" b="0" i="1" smtClean="0">
                             <a:latin typeface="Cambria Math" panose="02040503050406030204" pitchFamily="18" charset="0"/>
                             <a:cs typeface="Times New Roman" panose="02020603050405020304" pitchFamily="18" charset="0"/>
                           </a:rPr>
@@ -27870,7 +27913,7 @@
                       </m:sub>
                     </m:sSub>
                     <m:r>
-                      <a:rPr lang="en-US" sz="2000" b="0" i="1" smtClean="0">
+                      <a:rPr lang="en-US" sz="2400" b="0" i="1" smtClean="0">
                         <a:latin typeface="Cambria Math" panose="02040503050406030204" pitchFamily="18" charset="0"/>
                         <a:cs typeface="Times New Roman" panose="02020603050405020304" pitchFamily="18" charset="0"/>
                       </a:rPr>
@@ -27879,7 +27922,7 @@
                     <m:sSub>
                       <m:sSubPr>
                         <m:ctrlPr>
-                          <a:rPr lang="en-US" sz="2000" b="0" i="1" smtClean="0">
+                          <a:rPr lang="en-US" sz="2400" b="0" i="1" smtClean="0">
                             <a:latin typeface="Cambria Math" panose="02040503050406030204" pitchFamily="18" charset="0"/>
                             <a:cs typeface="Times New Roman" panose="02020603050405020304" pitchFamily="18" charset="0"/>
                           </a:rPr>
@@ -27887,7 +27930,7 @@
                       </m:sSubPr>
                       <m:e>
                         <m:r>
-                          <a:rPr lang="en-US" sz="2000" b="0" i="1" smtClean="0">
+                          <a:rPr lang="en-US" sz="2400" b="0" i="1" smtClean="0">
                             <a:latin typeface="Cambria Math" panose="02040503050406030204" pitchFamily="18" charset="0"/>
                             <a:cs typeface="Times New Roman" panose="02020603050405020304" pitchFamily="18" charset="0"/>
                           </a:rPr>
@@ -27896,7 +27939,7 @@
                       </m:e>
                       <m:sub>
                         <m:r>
-                          <a:rPr lang="en-US" sz="2000" b="0" i="1" smtClean="0">
+                          <a:rPr lang="en-US" sz="2400" b="0" i="1" smtClean="0">
                             <a:latin typeface="Cambria Math" panose="02040503050406030204" pitchFamily="18" charset="0"/>
                             <a:cs typeface="Times New Roman" panose="02020603050405020304" pitchFamily="18" charset="0"/>
                           </a:rPr>
@@ -27905,7 +27948,7 @@
                       </m:sub>
                     </m:sSub>
                     <m:r>
-                      <a:rPr lang="en-US" sz="2000" b="0" i="1" smtClean="0">
+                      <a:rPr lang="en-US" sz="2400" b="0" i="1" smtClean="0">
                         <a:latin typeface="Cambria Math" panose="02040503050406030204" pitchFamily="18" charset="0"/>
                         <a:cs typeface="Times New Roman" panose="02020603050405020304" pitchFamily="18" charset="0"/>
                       </a:rPr>
@@ -27914,7 +27957,7 @@
                     <m:sSub>
                       <m:sSubPr>
                         <m:ctrlPr>
-                          <a:rPr lang="en-US" sz="2000" b="0" i="1" smtClean="0">
+                          <a:rPr lang="en-US" sz="2400" b="0" i="1" smtClean="0">
                             <a:latin typeface="Cambria Math" panose="02040503050406030204" pitchFamily="18" charset="0"/>
                             <a:cs typeface="Times New Roman" panose="02020603050405020304" pitchFamily="18" charset="0"/>
                           </a:rPr>
@@ -27922,7 +27965,7 @@
                       </m:sSubPr>
                       <m:e>
                         <m:r>
-                          <a:rPr lang="en-US" sz="2000" b="0" i="1" smtClean="0">
+                          <a:rPr lang="en-US" sz="2400" b="0" i="1" smtClean="0">
                             <a:latin typeface="Cambria Math" panose="02040503050406030204" pitchFamily="18" charset="0"/>
                             <a:cs typeface="Times New Roman" panose="02020603050405020304" pitchFamily="18" charset="0"/>
                           </a:rPr>
@@ -27931,7 +27974,7 @@
                       </m:e>
                       <m:sub>
                         <m:r>
-                          <a:rPr lang="en-US" sz="2000" b="0" i="1" smtClean="0">
+                          <a:rPr lang="en-US" sz="2400" b="0" i="1" smtClean="0">
                             <a:latin typeface="Cambria Math" panose="02040503050406030204" pitchFamily="18" charset="0"/>
                             <a:cs typeface="Times New Roman" panose="02020603050405020304" pitchFamily="18" charset="0"/>
                           </a:rPr>
@@ -27940,7 +27983,7 @@
                       </m:sub>
                     </m:sSub>
                     <m:r>
-                      <a:rPr lang="en-US" sz="2000" b="0" i="1" smtClean="0">
+                      <a:rPr lang="en-US" sz="2400" b="0" i="1" smtClean="0">
                         <a:latin typeface="Cambria Math" panose="02040503050406030204" pitchFamily="18" charset="0"/>
                         <a:cs typeface="Times New Roman" panose="02020603050405020304" pitchFamily="18" charset="0"/>
                       </a:rPr>
@@ -27949,7 +27992,7 @@
                     <m:sSub>
                       <m:sSubPr>
                         <m:ctrlPr>
-                          <a:rPr lang="en-US" sz="2000" b="0" i="1" smtClean="0">
+                          <a:rPr lang="en-US" sz="2400" b="0" i="1" smtClean="0">
                             <a:latin typeface="Cambria Math" panose="02040503050406030204" pitchFamily="18" charset="0"/>
                             <a:cs typeface="Times New Roman" panose="02020603050405020304" pitchFamily="18" charset="0"/>
                           </a:rPr>
@@ -27957,7 +28000,7 @@
                       </m:sSubPr>
                       <m:e>
                         <m:r>
-                          <a:rPr lang="en-US" sz="2000" b="0" i="1" smtClean="0">
+                          <a:rPr lang="en-US" sz="2400" b="0" i="1" smtClean="0">
                             <a:latin typeface="Cambria Math" panose="02040503050406030204" pitchFamily="18" charset="0"/>
                             <a:cs typeface="Times New Roman" panose="02020603050405020304" pitchFamily="18" charset="0"/>
                           </a:rPr>
@@ -27966,7 +28009,7 @@
                       </m:e>
                       <m:sub>
                         <m:r>
-                          <a:rPr lang="en-US" sz="2000" b="0" i="1" smtClean="0">
+                          <a:rPr lang="en-US" sz="2400" b="0" i="1" smtClean="0">
                             <a:latin typeface="Cambria Math" panose="02040503050406030204" pitchFamily="18" charset="0"/>
                             <a:cs typeface="Times New Roman" panose="02020603050405020304" pitchFamily="18" charset="0"/>
                           </a:rPr>
@@ -27975,7 +28018,7 @@
                       </m:sub>
                     </m:sSub>
                     <m:r>
-                      <a:rPr lang="en-US" sz="2000" b="0" i="1" smtClean="0">
+                      <a:rPr lang="en-US" sz="2400" b="0" i="1" smtClean="0">
                         <a:latin typeface="Cambria Math" panose="02040503050406030204" pitchFamily="18" charset="0"/>
                         <a:cs typeface="Times New Roman" panose="02020603050405020304" pitchFamily="18" charset="0"/>
                       </a:rPr>
@@ -27984,7 +28027,7 @@
                   </m:oMath>
                 </a14:m>
                 <a:r>
-                  <a:rPr lang="en-US" sz="2000" dirty="0">
+                  <a:rPr lang="en-US" sz="2400" dirty="0">
                     <a:cs typeface="Times New Roman" panose="02020603050405020304" pitchFamily="18" charset="0"/>
                   </a:rPr>
                   <a:t> to </a:t>
@@ -27994,7 +28037,7 @@
                     <m:sSub>
                       <m:sSubPr>
                         <m:ctrlPr>
-                          <a:rPr lang="en-US" sz="2000" b="0" i="1" smtClean="0">
+                          <a:rPr lang="en-US" sz="2400" b="0" i="1" smtClean="0">
                             <a:latin typeface="Cambria Math" panose="02040503050406030204" pitchFamily="18" charset="0"/>
                             <a:cs typeface="Times New Roman" panose="02020603050405020304" pitchFamily="18" charset="0"/>
                           </a:rPr>
@@ -28002,7 +28045,7 @@
                       </m:sSubPr>
                       <m:e>
                         <m:r>
-                          <a:rPr lang="en-US" sz="2000" b="0" i="1" smtClean="0">
+                          <a:rPr lang="en-US" sz="2400" b="0" i="1" smtClean="0">
                             <a:latin typeface="Cambria Math" panose="02040503050406030204" pitchFamily="18" charset="0"/>
                             <a:cs typeface="Times New Roman" panose="02020603050405020304" pitchFamily="18" charset="0"/>
                           </a:rPr>
@@ -28011,7 +28054,7 @@
                       </m:e>
                       <m:sub>
                         <m:r>
-                          <a:rPr lang="en-US" sz="2000" b="0" i="1" smtClean="0">
+                          <a:rPr lang="en-US" sz="2400" b="0" i="1" smtClean="0">
                             <a:latin typeface="Cambria Math" panose="02040503050406030204" pitchFamily="18" charset="0"/>
                             <a:cs typeface="Times New Roman" panose="02020603050405020304" pitchFamily="18" charset="0"/>
                           </a:rPr>
@@ -28021,14 +28064,14 @@
                     </m:sSub>
                   </m:oMath>
                 </a14:m>
-                <a:endParaRPr lang="en-US" sz="2000" dirty="0">
+                <a:endParaRPr lang="en-US" sz="2400" dirty="0">
                   <a:cs typeface="Times New Roman" panose="02020603050405020304" pitchFamily="18" charset="0"/>
                 </a:endParaRPr>
               </a:p>
               <a:p>
                 <a:pPr lvl="1"/>
                 <a:r>
-                  <a:rPr lang="en-US" sz="2000" dirty="0">
+                  <a:rPr lang="en-US" sz="2400" dirty="0">
                     <a:cs typeface="Times New Roman" panose="02020603050405020304" pitchFamily="18" charset="0"/>
                   </a:rPr>
                   <a:t>Look familiar?</a:t>
@@ -28037,7 +28080,7 @@
             </p:txBody>
           </p:sp>
         </mc:Choice>
-        <mc:Fallback xmlns="">
+        <mc:Fallback>
           <p:sp>
             <p:nvSpPr>
               <p:cNvPr id="3" name="Content Placeholder 2"/>
@@ -28056,7 +28099,7 @@
               <a:blipFill>
                 <a:blip r:embed="rId3"/>
                 <a:stretch>
-                  <a:fillRect l="-733" t="-1305"/>
+                  <a:fillRect l="-427" t="-1305"/>
                 </a:stretch>
               </a:blipFill>
             </p:spPr>
@@ -28065,7 +28108,7 @@
               <a:lstStyle/>
               <a:p>
                 <a:r>
-                  <a:rPr lang="en-CA">
+                  <a:rPr lang="en-US">
                     <a:noFill/>
                   </a:rPr>
                   <a:t> </a:t>
@@ -28137,8 +28180,8 @@
           </a:p>
         </p:txBody>
       </p:sp>
-      <mc:AlternateContent xmlns:mc="http://schemas.openxmlformats.org/markup-compatibility/2006" xmlns:a14="http://schemas.microsoft.com/office/drawing/2010/main">
-        <mc:Choice Requires="a14">
+      <mc:AlternateContent xmlns:mc="http://schemas.openxmlformats.org/markup-compatibility/2006">
+        <mc:Choice xmlns:a14="http://schemas.microsoft.com/office/drawing/2010/main" Requires="a14">
           <p:sp>
             <p:nvSpPr>
               <p:cNvPr id="3" name="Content Placeholder 2"/>
@@ -28180,7 +28223,7 @@
               <a:p>
                 <a:pPr lvl="1"/>
                 <a:r>
-                  <a:rPr lang="en-US" sz="1800" dirty="0">
+                  <a:rPr lang="en-US" sz="2400" dirty="0">
                     <a:cs typeface="Times New Roman" panose="02020603050405020304" pitchFamily="18" charset="0"/>
                   </a:rPr>
                   <a:t>That is, we compare </a:t>
@@ -28188,14 +28231,14 @@
                 <a14:m>
                   <m:oMath xmlns:m="http://schemas.openxmlformats.org/officeDocument/2006/math">
                     <m:r>
-                      <a:rPr lang="en-US" sz="1800" b="0" i="1" smtClean="0">
+                      <a:rPr lang="en-US" sz="2400" b="0" i="1" smtClean="0">
                         <a:latin typeface="Cambria Math" panose="02040503050406030204" pitchFamily="18" charset="0"/>
                         <a:cs typeface="Times New Roman" panose="02020603050405020304" pitchFamily="18" charset="0"/>
                       </a:rPr>
                       <m:t>𝑢</m:t>
                     </m:r>
                     <m:r>
-                      <a:rPr lang="en-US" sz="1800" b="0" i="1" smtClean="0">
+                      <a:rPr lang="en-US" sz="2400" b="0" i="1" smtClean="0">
                         <a:latin typeface="Cambria Math" panose="02040503050406030204" pitchFamily="18" charset="0"/>
                         <a:cs typeface="Times New Roman" panose="02020603050405020304" pitchFamily="18" charset="0"/>
                       </a:rPr>
@@ -28204,7 +28247,7 @@
                     <m:sSub>
                       <m:sSubPr>
                         <m:ctrlPr>
-                          <a:rPr lang="en-US" sz="1800" b="0" i="1" smtClean="0">
+                          <a:rPr lang="en-US" sz="2400" b="0" i="1" smtClean="0">
                             <a:latin typeface="Cambria Math" panose="02040503050406030204" pitchFamily="18" charset="0"/>
                             <a:cs typeface="Times New Roman" panose="02020603050405020304" pitchFamily="18" charset="0"/>
                           </a:rPr>
@@ -28212,7 +28255,7 @@
                       </m:sSubPr>
                       <m:e>
                         <m:r>
-                          <a:rPr lang="en-US" sz="1800" b="0" i="1" smtClean="0">
+                          <a:rPr lang="en-US" sz="2400" b="0" i="1" smtClean="0">
                             <a:latin typeface="Cambria Math" panose="02040503050406030204" pitchFamily="18" charset="0"/>
                             <a:cs typeface="Times New Roman" panose="02020603050405020304" pitchFamily="18" charset="0"/>
                           </a:rPr>
@@ -28221,7 +28264,7 @@
                       </m:e>
                       <m:sub>
                         <m:r>
-                          <a:rPr lang="en-US" sz="1800" b="0" i="1" smtClean="0">
+                          <a:rPr lang="en-US" sz="2400" b="0" i="1" smtClean="0">
                             <a:latin typeface="Cambria Math" panose="02040503050406030204" pitchFamily="18" charset="0"/>
                             <a:cs typeface="Times New Roman" panose="02020603050405020304" pitchFamily="18" charset="0"/>
                           </a:rPr>
@@ -28230,7 +28273,7 @@
                       </m:sub>
                     </m:sSub>
                     <m:r>
-                      <a:rPr lang="en-US" sz="1800" b="0" i="1" smtClean="0">
+                      <a:rPr lang="en-US" sz="2400" b="0" i="1" smtClean="0">
                         <a:latin typeface="Cambria Math" panose="02040503050406030204" pitchFamily="18" charset="0"/>
                         <a:cs typeface="Times New Roman" panose="02020603050405020304" pitchFamily="18" charset="0"/>
                       </a:rPr>
@@ -28239,7 +28282,7 @@
                   </m:oMath>
                 </a14:m>
                 <a:r>
-                  <a:rPr lang="en-US" sz="1800" dirty="0">
+                  <a:rPr lang="en-US" sz="2400" dirty="0">
                     <a:cs typeface="Times New Roman" panose="02020603050405020304" pitchFamily="18" charset="0"/>
                   </a:rPr>
                   <a:t> and </a:t>
@@ -28247,14 +28290,14 @@
                 <a14:m>
                   <m:oMath xmlns:m="http://schemas.openxmlformats.org/officeDocument/2006/math">
                     <m:r>
-                      <a:rPr lang="en-US" sz="1800" b="0" i="1" smtClean="0">
+                      <a:rPr lang="en-US" sz="2400" b="0" i="1" smtClean="0">
                         <a:latin typeface="Cambria Math" panose="02040503050406030204" pitchFamily="18" charset="0"/>
                         <a:cs typeface="Times New Roman" panose="02020603050405020304" pitchFamily="18" charset="0"/>
                       </a:rPr>
                       <m:t>𝑢</m:t>
                     </m:r>
                     <m:r>
-                      <a:rPr lang="en-US" sz="1800" b="0" i="1" smtClean="0">
+                      <a:rPr lang="en-US" sz="2400" b="0" i="1" smtClean="0">
                         <a:latin typeface="Cambria Math" panose="02040503050406030204" pitchFamily="18" charset="0"/>
                         <a:cs typeface="Times New Roman" panose="02020603050405020304" pitchFamily="18" charset="0"/>
                       </a:rPr>
@@ -28263,7 +28306,7 @@
                     <m:sSub>
                       <m:sSubPr>
                         <m:ctrlPr>
-                          <a:rPr lang="en-US" sz="1800" b="0" i="1" smtClean="0">
+                          <a:rPr lang="en-US" sz="2400" b="0" i="1" smtClean="0">
                             <a:latin typeface="Cambria Math" panose="02040503050406030204" pitchFamily="18" charset="0"/>
                             <a:cs typeface="Times New Roman" panose="02020603050405020304" pitchFamily="18" charset="0"/>
                           </a:rPr>
@@ -28271,7 +28314,7 @@
                       </m:sSubPr>
                       <m:e>
                         <m:r>
-                          <a:rPr lang="en-US" sz="1800" b="0" i="1" smtClean="0">
+                          <a:rPr lang="en-US" sz="2400" b="0" i="1" smtClean="0">
                             <a:latin typeface="Cambria Math" panose="02040503050406030204" pitchFamily="18" charset="0"/>
                             <a:cs typeface="Times New Roman" panose="02020603050405020304" pitchFamily="18" charset="0"/>
                           </a:rPr>
@@ -28280,7 +28323,7 @@
                       </m:e>
                       <m:sub>
                         <m:r>
-                          <a:rPr lang="en-US" sz="1800" b="0" i="1" smtClean="0">
+                          <a:rPr lang="en-US" sz="2400" b="0" i="1" smtClean="0">
                             <a:latin typeface="Cambria Math" panose="02040503050406030204" pitchFamily="18" charset="0"/>
                             <a:cs typeface="Times New Roman" panose="02020603050405020304" pitchFamily="18" charset="0"/>
                           </a:rPr>
@@ -28289,7 +28332,7 @@
                       </m:sub>
                     </m:sSub>
                     <m:r>
-                      <a:rPr lang="en-US" sz="1800" b="0" i="1" smtClean="0">
+                      <a:rPr lang="en-US" sz="2400" b="0" i="1" smtClean="0">
                         <a:latin typeface="Cambria Math" panose="02040503050406030204" pitchFamily="18" charset="0"/>
                         <a:cs typeface="Times New Roman" panose="02020603050405020304" pitchFamily="18" charset="0"/>
                       </a:rPr>
@@ -28298,7 +28341,7 @@
                   </m:oMath>
                 </a14:m>
                 <a:r>
-                  <a:rPr lang="en-US" sz="1800" dirty="0">
+                  <a:rPr lang="en-US" sz="2400" dirty="0">
                     <a:cs typeface="Times New Roman" panose="02020603050405020304" pitchFamily="18" charset="0"/>
                   </a:rPr>
                   <a:t> to </a:t>
@@ -28306,7 +28349,7 @@
                 <a14:m>
                   <m:oMath xmlns:m="http://schemas.openxmlformats.org/officeDocument/2006/math">
                     <m:r>
-                      <a:rPr lang="en-US" sz="1800" b="0" i="1" smtClean="0">
+                      <a:rPr lang="en-US" sz="2400" b="0" i="1" smtClean="0">
                         <a:latin typeface="Cambria Math" panose="02040503050406030204" pitchFamily="18" charset="0"/>
                         <a:cs typeface="Times New Roman" panose="02020603050405020304" pitchFamily="18" charset="0"/>
                       </a:rPr>
@@ -28315,7 +28358,7 @@
                     <m:d>
                       <m:dPr>
                         <m:ctrlPr>
-                          <a:rPr lang="en-US" sz="1800" b="0" i="1" smtClean="0">
+                          <a:rPr lang="en-US" sz="2400" b="0" i="1" smtClean="0">
                             <a:latin typeface="Cambria Math" panose="02040503050406030204" pitchFamily="18" charset="0"/>
                             <a:cs typeface="Times New Roman" panose="02020603050405020304" pitchFamily="18" charset="0"/>
                           </a:rPr>
@@ -28325,7 +28368,7 @@
                         <m:sSub>
                           <m:sSubPr>
                             <m:ctrlPr>
-                              <a:rPr lang="en-US" sz="1800" b="0" i="1" smtClean="0">
+                              <a:rPr lang="en-US" sz="2400" b="0" i="1" smtClean="0">
                                 <a:latin typeface="Cambria Math" panose="02040503050406030204" pitchFamily="18" charset="0"/>
                                 <a:cs typeface="Times New Roman" panose="02020603050405020304" pitchFamily="18" charset="0"/>
                               </a:rPr>
@@ -28333,7 +28376,7 @@
                           </m:sSubPr>
                           <m:e>
                             <m:r>
-                              <a:rPr lang="en-US" sz="1800" b="0" i="1" smtClean="0">
+                              <a:rPr lang="en-US" sz="2400" b="0" i="1" smtClean="0">
                                 <a:latin typeface="Cambria Math" panose="02040503050406030204" pitchFamily="18" charset="0"/>
                                 <a:cs typeface="Times New Roman" panose="02020603050405020304" pitchFamily="18" charset="0"/>
                               </a:rPr>
@@ -28342,7 +28385,7 @@
                           </m:e>
                           <m:sub>
                             <m:r>
-                              <a:rPr lang="en-US" sz="1800" b="0" i="1" smtClean="0">
+                              <a:rPr lang="en-US" sz="2400" b="0" i="1" smtClean="0">
                                 <a:latin typeface="Cambria Math" panose="02040503050406030204" pitchFamily="18" charset="0"/>
                                 <a:cs typeface="Times New Roman" panose="02020603050405020304" pitchFamily="18" charset="0"/>
                               </a:rPr>
@@ -28354,14 +28397,14 @@
                     </m:d>
                   </m:oMath>
                 </a14:m>
-                <a:endParaRPr lang="en-US" sz="1800" dirty="0">
+                <a:endParaRPr lang="en-US" sz="2400" dirty="0">
                   <a:cs typeface="Times New Roman" panose="02020603050405020304" pitchFamily="18" charset="0"/>
                 </a:endParaRPr>
               </a:p>
               <a:p>
                 <a:pPr lvl="1"/>
                 <a:r>
-                  <a:rPr lang="en-US" sz="1800" dirty="0">
+                  <a:rPr lang="en-US" sz="2400" dirty="0">
                     <a:cs typeface="Times New Roman" panose="02020603050405020304" pitchFamily="18" charset="0"/>
                   </a:rPr>
                   <a:t>Why do we need to do this? </a:t>
@@ -28369,7 +28412,7 @@
               </a:p>
               <a:p>
                 <a:r>
-                  <a:rPr lang="en-US" sz="2000" dirty="0">
+                  <a:rPr lang="en-US" sz="2400" dirty="0">
                     <a:cs typeface="Times New Roman" panose="02020603050405020304" pitchFamily="18" charset="0"/>
                   </a:rPr>
                   <a:t>Then, we model </a:t>
@@ -28379,7 +28422,7 @@
                     <m:sSub>
                       <m:sSubPr>
                         <m:ctrlPr>
-                          <a:rPr lang="en-US" sz="2000" b="0" i="1" smtClean="0">
+                          <a:rPr lang="en-US" sz="2400" b="0" i="1" smtClean="0">
                             <a:latin typeface="Cambria Math" panose="02040503050406030204" pitchFamily="18" charset="0"/>
                             <a:cs typeface="Times New Roman" panose="02020603050405020304" pitchFamily="18" charset="0"/>
                           </a:rPr>
@@ -28387,7 +28430,7 @@
                       </m:sSubPr>
                       <m:e>
                         <m:r>
-                          <a:rPr lang="en-US" sz="2000" b="0" i="1" smtClean="0">
+                          <a:rPr lang="en-US" sz="2400" b="0" i="1" smtClean="0">
                             <a:latin typeface="Cambria Math" panose="02040503050406030204" pitchFamily="18" charset="0"/>
                             <a:cs typeface="Times New Roman" panose="02020603050405020304" pitchFamily="18" charset="0"/>
                           </a:rPr>
@@ -28396,7 +28439,7 @@
                       </m:e>
                       <m:sub>
                         <m:r>
-                          <a:rPr lang="en-US" sz="2000" b="0" i="1" smtClean="0">
+                          <a:rPr lang="en-US" sz="2400" b="0" i="1" smtClean="0">
                             <a:latin typeface="Cambria Math" panose="02040503050406030204" pitchFamily="18" charset="0"/>
                             <a:cs typeface="Times New Roman" panose="02020603050405020304" pitchFamily="18" charset="0"/>
                           </a:rPr>
@@ -28405,7 +28448,7 @@
                       </m:sub>
                     </m:sSub>
                     <m:r>
-                      <a:rPr lang="en-US" sz="2000" b="0" i="0" smtClean="0">
+                      <a:rPr lang="en-US" sz="2400" b="0" i="0" smtClean="0">
                         <a:latin typeface="Cambria Math" panose="02040503050406030204" pitchFamily="18" charset="0"/>
                         <a:cs typeface="Times New Roman" panose="02020603050405020304" pitchFamily="18" charset="0"/>
                       </a:rPr>
@@ -28414,7 +28457,7 @@
                   </m:oMath>
                 </a14:m>
                 <a:r>
-                  <a:rPr lang="en-US" sz="2000" dirty="0">
+                  <a:rPr lang="en-US" sz="2400" dirty="0">
                     <a:cs typeface="Times New Roman" panose="02020603050405020304" pitchFamily="18" charset="0"/>
                   </a:rPr>
                   <a:t>the utility of choice </a:t>
@@ -28422,7 +28465,7 @@
                 <a14:m>
                   <m:oMath xmlns:m="http://schemas.openxmlformats.org/officeDocument/2006/math">
                     <m:r>
-                      <a:rPr lang="en-US" sz="2000" b="0" i="1" smtClean="0">
+                      <a:rPr lang="en-US" sz="2400" b="0" i="1" smtClean="0">
                         <a:latin typeface="Cambria Math" panose="02040503050406030204" pitchFamily="18" charset="0"/>
                         <a:cs typeface="Times New Roman" panose="02020603050405020304" pitchFamily="18" charset="0"/>
                       </a:rPr>
@@ -28431,7 +28474,7 @@
                   </m:oMath>
                 </a14:m>
                 <a:r>
-                  <a:rPr lang="en-US" sz="2000" dirty="0">
+                  <a:rPr lang="en-US" sz="2400" dirty="0">
                     <a:cs typeface="Times New Roman" panose="02020603050405020304" pitchFamily="18" charset="0"/>
                   </a:rPr>
                   <a:t> compared to choice </a:t>
@@ -28439,7 +28482,7 @@
                 <a14:m>
                   <m:oMath xmlns:m="http://schemas.openxmlformats.org/officeDocument/2006/math">
                     <m:r>
-                      <a:rPr lang="en-US" sz="2000" b="0" i="1" smtClean="0">
+                      <a:rPr lang="en-US" sz="2400" b="0" i="1" smtClean="0">
                         <a:latin typeface="Cambria Math" panose="02040503050406030204" pitchFamily="18" charset="0"/>
                         <a:cs typeface="Times New Roman" panose="02020603050405020304" pitchFamily="18" charset="0"/>
                       </a:rPr>
@@ -28448,7 +28491,7 @@
                   </m:oMath>
                 </a14:m>
                 <a:r>
-                  <a:rPr lang="en-US" sz="2000" dirty="0">
+                  <a:rPr lang="en-US" sz="2400" dirty="0">
                     <a:cs typeface="Times New Roman" panose="02020603050405020304" pitchFamily="18" charset="0"/>
                   </a:rPr>
                   <a:t> as: </a:t>
@@ -28467,7 +28510,7 @@
                       <m:sSub>
                         <m:sSubPr>
                           <m:ctrlPr>
-                            <a:rPr lang="en-US" sz="2000" b="0" i="1" smtClean="0">
+                            <a:rPr lang="en-US" sz="2400" b="0" i="1" smtClean="0">
                               <a:latin typeface="Cambria Math" panose="02040503050406030204" pitchFamily="18" charset="0"/>
                               <a:cs typeface="Times New Roman" panose="02020603050405020304" pitchFamily="18" charset="0"/>
                             </a:rPr>
@@ -28475,7 +28518,7 @@
                         </m:sSubPr>
                         <m:e>
                           <m:r>
-                            <a:rPr lang="en-US" sz="2000" b="0" i="1" smtClean="0">
+                            <a:rPr lang="en-US" sz="2400" b="0" i="1" smtClean="0">
                               <a:latin typeface="Cambria Math" panose="02040503050406030204" pitchFamily="18" charset="0"/>
                               <a:cs typeface="Times New Roman" panose="02020603050405020304" pitchFamily="18" charset="0"/>
                             </a:rPr>
@@ -28484,7 +28527,7 @@
                         </m:e>
                         <m:sub>
                           <m:r>
-                            <a:rPr lang="en-US" sz="2000" b="0" i="1" smtClean="0">
+                            <a:rPr lang="en-US" sz="2400" b="0" i="1" smtClean="0">
                               <a:latin typeface="Cambria Math" panose="02040503050406030204" pitchFamily="18" charset="0"/>
                               <a:cs typeface="Times New Roman" panose="02020603050405020304" pitchFamily="18" charset="0"/>
                             </a:rPr>
@@ -28493,7 +28536,7 @@
                         </m:sub>
                       </m:sSub>
                       <m:r>
-                        <a:rPr lang="en-US" sz="2000" b="0" i="1" smtClean="0">
+                        <a:rPr lang="en-US" sz="2400" b="0" i="1" smtClean="0">
                           <a:latin typeface="Cambria Math" panose="02040503050406030204" pitchFamily="18" charset="0"/>
                           <a:cs typeface="Times New Roman" panose="02020603050405020304" pitchFamily="18" charset="0"/>
                         </a:rPr>
@@ -28502,7 +28545,7 @@
                       <m:sSub>
                         <m:sSubPr>
                           <m:ctrlPr>
-                            <a:rPr lang="en-US" sz="2000" b="0" i="1" smtClean="0">
+                            <a:rPr lang="en-US" sz="2400" b="0" i="1" smtClean="0">
                               <a:latin typeface="Cambria Math" panose="02040503050406030204" pitchFamily="18" charset="0"/>
                               <a:cs typeface="Times New Roman" panose="02020603050405020304" pitchFamily="18" charset="0"/>
                             </a:rPr>
@@ -28510,7 +28553,7 @@
                         </m:sSubPr>
                         <m:e>
                           <m:r>
-                            <a:rPr lang="en-US" sz="2000" b="0" i="1" smtClean="0">
+                            <a:rPr lang="en-US" sz="2400" b="0" i="1" smtClean="0">
                               <a:latin typeface="Cambria Math" panose="02040503050406030204" pitchFamily="18" charset="0"/>
                               <a:cs typeface="Times New Roman" panose="02020603050405020304" pitchFamily="18" charset="0"/>
                             </a:rPr>
@@ -28519,7 +28562,7 @@
                         </m:e>
                         <m:sub>
                           <m:r>
-                            <a:rPr lang="en-US" sz="2000" b="0" i="1" smtClean="0">
+                            <a:rPr lang="en-US" sz="2400" b="0" i="1" smtClean="0">
                               <a:latin typeface="Cambria Math" panose="02040503050406030204" pitchFamily="18" charset="0"/>
                               <a:cs typeface="Times New Roman" panose="02020603050405020304" pitchFamily="18" charset="0"/>
                             </a:rPr>
@@ -28528,7 +28571,7 @@
                         </m:sub>
                       </m:sSub>
                       <m:r>
-                        <a:rPr lang="en-US" sz="2000" b="0" i="1" smtClean="0">
+                        <a:rPr lang="en-US" sz="2400" b="0" i="1" smtClean="0">
                           <a:latin typeface="Cambria Math" panose="02040503050406030204" pitchFamily="18" charset="0"/>
                           <a:cs typeface="Times New Roman" panose="02020603050405020304" pitchFamily="18" charset="0"/>
                         </a:rPr>
@@ -28537,7 +28580,7 @@
                       <m:sSub>
                         <m:sSubPr>
                           <m:ctrlPr>
-                            <a:rPr lang="en-US" sz="2000" b="0" i="1" smtClean="0">
+                            <a:rPr lang="en-US" sz="2400" b="0" i="1" smtClean="0">
                               <a:latin typeface="Cambria Math" panose="02040503050406030204" pitchFamily="18" charset="0"/>
                               <a:cs typeface="Times New Roman" panose="02020603050405020304" pitchFamily="18" charset="0"/>
                             </a:rPr>
@@ -28545,7 +28588,7 @@
                         </m:sSubPr>
                         <m:e>
                           <m:r>
-                            <a:rPr lang="en-US" sz="2000" b="0" i="1" smtClean="0">
+                            <a:rPr lang="en-US" sz="2400" b="0" i="1" smtClean="0">
                               <a:latin typeface="Cambria Math" panose="02040503050406030204" pitchFamily="18" charset="0"/>
                               <a:cs typeface="Times New Roman" panose="02020603050405020304" pitchFamily="18" charset="0"/>
                             </a:rPr>
@@ -28554,14 +28597,14 @@
                         </m:e>
                         <m:sub>
                           <m:r>
-                            <a:rPr lang="en-US" sz="2000" b="0" i="1" smtClean="0">
+                            <a:rPr lang="en-US" sz="2400" b="0" i="1" smtClean="0">
                               <a:latin typeface="Cambria Math" panose="02040503050406030204" pitchFamily="18" charset="0"/>
                               <a:cs typeface="Times New Roman" panose="02020603050405020304" pitchFamily="18" charset="0"/>
                             </a:rPr>
                             <m:t>𝑗</m:t>
                           </m:r>
                           <m:r>
-                            <a:rPr lang="en-US" sz="2000" b="0" i="1" smtClean="0">
+                            <a:rPr lang="en-US" sz="2400" b="0" i="1" smtClean="0">
                               <a:latin typeface="Cambria Math" panose="02040503050406030204" pitchFamily="18" charset="0"/>
                               <a:cs typeface="Times New Roman" panose="02020603050405020304" pitchFamily="18" charset="0"/>
                             </a:rPr>
@@ -28572,7 +28615,7 @@
                       <m:sSub>
                         <m:sSubPr>
                           <m:ctrlPr>
-                            <a:rPr lang="en-US" sz="2000" b="0" i="1" smtClean="0">
+                            <a:rPr lang="en-US" sz="2400" b="0" i="1" smtClean="0">
                               <a:latin typeface="Cambria Math" panose="02040503050406030204" pitchFamily="18" charset="0"/>
                               <a:cs typeface="Times New Roman" panose="02020603050405020304" pitchFamily="18" charset="0"/>
                             </a:rPr>
@@ -28580,7 +28623,7 @@
                         </m:sSubPr>
                         <m:e>
                           <m:r>
-                            <a:rPr lang="en-US" sz="2000" b="0" i="1" smtClean="0">
+                            <a:rPr lang="en-US" sz="2400" b="0" i="1" smtClean="0">
                               <a:latin typeface="Cambria Math" panose="02040503050406030204" pitchFamily="18" charset="0"/>
                               <a:cs typeface="Times New Roman" panose="02020603050405020304" pitchFamily="18" charset="0"/>
                             </a:rPr>
@@ -28589,14 +28632,14 @@
                         </m:e>
                         <m:sub>
                           <m:r>
-                            <a:rPr lang="en-US" sz="2000" b="0" i="1" smtClean="0">
+                            <a:rPr lang="en-US" sz="2400" b="0" i="1" smtClean="0">
                               <a:latin typeface="Cambria Math" panose="02040503050406030204" pitchFamily="18" charset="0"/>
                               <a:cs typeface="Times New Roman" panose="02020603050405020304" pitchFamily="18" charset="0"/>
                             </a:rPr>
                             <m:t>1</m:t>
                           </m:r>
                           <m:r>
-                            <a:rPr lang="en-US" sz="2000" b="0" i="1" smtClean="0">
+                            <a:rPr lang="en-US" sz="2400" b="0" i="1" smtClean="0">
                               <a:latin typeface="Cambria Math" panose="02040503050406030204" pitchFamily="18" charset="0"/>
                               <a:cs typeface="Times New Roman" panose="02020603050405020304" pitchFamily="18" charset="0"/>
                             </a:rPr>
@@ -28605,7 +28648,7 @@
                         </m:sub>
                       </m:sSub>
                       <m:r>
-                        <a:rPr lang="en-US" sz="2000" b="0" i="1" smtClean="0">
+                        <a:rPr lang="en-US" sz="2400" b="0" i="1" smtClean="0">
                           <a:latin typeface="Cambria Math" panose="02040503050406030204" pitchFamily="18" charset="0"/>
                           <a:cs typeface="Times New Roman" panose="02020603050405020304" pitchFamily="18" charset="0"/>
                         </a:rPr>
@@ -28614,7 +28657,7 @@
                       <m:sSub>
                         <m:sSubPr>
                           <m:ctrlPr>
-                            <a:rPr lang="en-US" sz="2000" b="0" i="1" smtClean="0">
+                            <a:rPr lang="en-US" sz="2400" b="0" i="1" smtClean="0">
                               <a:latin typeface="Cambria Math" panose="02040503050406030204" pitchFamily="18" charset="0"/>
                               <a:cs typeface="Times New Roman" panose="02020603050405020304" pitchFamily="18" charset="0"/>
                             </a:rPr>
@@ -28622,7 +28665,7 @@
                         </m:sSubPr>
                         <m:e>
                           <m:r>
-                            <a:rPr lang="en-US" sz="2000" b="0" i="1" smtClean="0">
+                            <a:rPr lang="en-US" sz="2400" b="0" i="1" smtClean="0">
                               <a:latin typeface="Cambria Math" panose="02040503050406030204" pitchFamily="18" charset="0"/>
                               <a:cs typeface="Times New Roman" panose="02020603050405020304" pitchFamily="18" charset="0"/>
                             </a:rPr>
@@ -28631,14 +28674,14 @@
                         </m:e>
                         <m:sub>
                           <m:r>
-                            <a:rPr lang="en-US" sz="2000" b="0" i="1" smtClean="0">
+                            <a:rPr lang="en-US" sz="2400" b="0" i="1" smtClean="0">
                               <a:latin typeface="Cambria Math" panose="02040503050406030204" pitchFamily="18" charset="0"/>
                               <a:cs typeface="Times New Roman" panose="02020603050405020304" pitchFamily="18" charset="0"/>
                             </a:rPr>
                             <m:t>𝑗</m:t>
                           </m:r>
                           <m:r>
-                            <a:rPr lang="en-US" sz="2000" b="0" i="1" smtClean="0">
+                            <a:rPr lang="en-US" sz="2400" b="0" i="1" smtClean="0">
                               <a:latin typeface="Cambria Math" panose="02040503050406030204" pitchFamily="18" charset="0"/>
                               <a:cs typeface="Times New Roman" panose="02020603050405020304" pitchFamily="18" charset="0"/>
                             </a:rPr>
@@ -28649,7 +28692,7 @@
                       <m:sSub>
                         <m:sSubPr>
                           <m:ctrlPr>
-                            <a:rPr lang="en-US" sz="2000" b="0" i="1" smtClean="0">
+                            <a:rPr lang="en-US" sz="2400" b="0" i="1" smtClean="0">
                               <a:latin typeface="Cambria Math" panose="02040503050406030204" pitchFamily="18" charset="0"/>
                               <a:cs typeface="Times New Roman" panose="02020603050405020304" pitchFamily="18" charset="0"/>
                             </a:rPr>
@@ -28657,7 +28700,7 @@
                         </m:sSubPr>
                         <m:e>
                           <m:r>
-                            <a:rPr lang="en-US" sz="2000" b="0" i="1" smtClean="0">
+                            <a:rPr lang="en-US" sz="2400" b="0" i="1" smtClean="0">
                               <a:latin typeface="Cambria Math" panose="02040503050406030204" pitchFamily="18" charset="0"/>
                               <a:cs typeface="Times New Roman" panose="02020603050405020304" pitchFamily="18" charset="0"/>
                             </a:rPr>
@@ -28666,14 +28709,14 @@
                         </m:e>
                         <m:sub>
                           <m:r>
-                            <a:rPr lang="en-US" sz="2000" b="0" i="1" smtClean="0">
+                            <a:rPr lang="en-US" sz="2400" b="0" i="1" smtClean="0">
                               <a:latin typeface="Cambria Math" panose="02040503050406030204" pitchFamily="18" charset="0"/>
                               <a:cs typeface="Times New Roman" panose="02020603050405020304" pitchFamily="18" charset="0"/>
                             </a:rPr>
                             <m:t>2</m:t>
                           </m:r>
                           <m:r>
-                            <a:rPr lang="en-US" sz="2000" b="0" i="1" smtClean="0">
+                            <a:rPr lang="en-US" sz="2400" b="0" i="1" smtClean="0">
                               <a:latin typeface="Cambria Math" panose="02040503050406030204" pitchFamily="18" charset="0"/>
                               <a:cs typeface="Times New Roman" panose="02020603050405020304" pitchFamily="18" charset="0"/>
                             </a:rPr>
@@ -28682,7 +28725,7 @@
                         </m:sub>
                       </m:sSub>
                       <m:r>
-                        <a:rPr lang="en-US" sz="2000" b="0" i="1" smtClean="0">
+                        <a:rPr lang="en-US" sz="2400" b="0" i="1" smtClean="0">
                           <a:latin typeface="Cambria Math" panose="02040503050406030204" pitchFamily="18" charset="0"/>
                           <a:cs typeface="Times New Roman" panose="02020603050405020304" pitchFamily="18" charset="0"/>
                         </a:rPr>
@@ -28691,7 +28734,7 @@
                       <m:sSub>
                         <m:sSubPr>
                           <m:ctrlPr>
-                            <a:rPr lang="en-US" sz="2000" b="0" i="1" smtClean="0">
+                            <a:rPr lang="en-US" sz="2400" b="0" i="1" smtClean="0">
                               <a:latin typeface="Cambria Math" panose="02040503050406030204" pitchFamily="18" charset="0"/>
                               <a:cs typeface="Times New Roman" panose="02020603050405020304" pitchFamily="18" charset="0"/>
                             </a:rPr>
@@ -28699,7 +28742,7 @@
                         </m:sSubPr>
                         <m:e>
                           <m:r>
-                            <a:rPr lang="en-US" sz="2000" b="0" i="1" smtClean="0">
+                            <a:rPr lang="en-US" sz="2400" b="0" i="1" smtClean="0">
                               <a:latin typeface="Cambria Math" panose="02040503050406030204" pitchFamily="18" charset="0"/>
                               <a:cs typeface="Times New Roman" panose="02020603050405020304" pitchFamily="18" charset="0"/>
                             </a:rPr>
@@ -28708,7 +28751,7 @@
                         </m:e>
                         <m:sub>
                           <m:r>
-                            <a:rPr lang="en-US" sz="2000" b="0" i="1" smtClean="0">
+                            <a:rPr lang="en-US" sz="2400" b="0" i="1" smtClean="0">
                               <a:latin typeface="Cambria Math" panose="02040503050406030204" pitchFamily="18" charset="0"/>
                               <a:cs typeface="Times New Roman" panose="02020603050405020304" pitchFamily="18" charset="0"/>
                             </a:rPr>
@@ -28719,7 +28762,7 @@
                       <m:sSub>
                         <m:sSubPr>
                           <m:ctrlPr>
-                            <a:rPr lang="en-US" sz="2000" b="0" i="1" smtClean="0">
+                            <a:rPr lang="en-US" sz="2400" b="0" i="1" smtClean="0">
                               <a:latin typeface="Cambria Math" panose="02040503050406030204" pitchFamily="18" charset="0"/>
                               <a:cs typeface="Times New Roman" panose="02020603050405020304" pitchFamily="18" charset="0"/>
                             </a:rPr>
@@ -28727,7 +28770,7 @@
                         </m:sSubPr>
                         <m:e>
                           <m:r>
-                            <a:rPr lang="en-US" sz="2000" b="0" i="1" smtClean="0">
+                            <a:rPr lang="en-US" sz="2400" b="0" i="1" smtClean="0">
                               <a:latin typeface="Cambria Math" panose="02040503050406030204" pitchFamily="18" charset="0"/>
                               <a:cs typeface="Times New Roman" panose="02020603050405020304" pitchFamily="18" charset="0"/>
                             </a:rPr>
@@ -28736,7 +28779,7 @@
                         </m:e>
                         <m:sub>
                           <m:r>
-                            <a:rPr lang="en-US" sz="2000" b="0" i="1" smtClean="0">
+                            <a:rPr lang="en-US" sz="2400" b="0" i="1" smtClean="0">
                               <a:latin typeface="Cambria Math" panose="02040503050406030204" pitchFamily="18" charset="0"/>
                               <a:cs typeface="Times New Roman" panose="02020603050405020304" pitchFamily="18" charset="0"/>
                             </a:rPr>
@@ -28745,7 +28788,7 @@
                         </m:sub>
                       </m:sSub>
                       <m:r>
-                        <a:rPr lang="en-US" sz="2000" b="0" i="1" smtClean="0">
+                        <a:rPr lang="en-US" sz="2400" b="0" i="1" smtClean="0">
                           <a:latin typeface="Cambria Math" panose="02040503050406030204" pitchFamily="18" charset="0"/>
                           <a:cs typeface="Times New Roman" panose="02020603050405020304" pitchFamily="18" charset="0"/>
                         </a:rPr>
@@ -28754,7 +28797,7 @@
                       <m:sSub>
                         <m:sSubPr>
                           <m:ctrlPr>
-                            <a:rPr lang="en-US" sz="2000" b="0" i="1" smtClean="0">
+                            <a:rPr lang="en-US" sz="2400" b="0" i="1" smtClean="0">
                               <a:latin typeface="Cambria Math" panose="02040503050406030204" pitchFamily="18" charset="0"/>
                               <a:cs typeface="Times New Roman" panose="02020603050405020304" pitchFamily="18" charset="0"/>
                             </a:rPr>
@@ -28762,7 +28805,7 @@
                         </m:sSubPr>
                         <m:e>
                           <m:r>
-                            <a:rPr lang="en-US" sz="2000" b="0" i="1" smtClean="0">
+                            <a:rPr lang="en-US" sz="2400" b="0" i="1" smtClean="0">
                               <a:latin typeface="Cambria Math" panose="02040503050406030204" pitchFamily="18" charset="0"/>
                               <a:cs typeface="Times New Roman" panose="02020603050405020304" pitchFamily="18" charset="0"/>
                             </a:rPr>
@@ -28771,7 +28814,7 @@
                         </m:e>
                         <m:sub>
                           <m:r>
-                            <a:rPr lang="en-US" sz="2000" b="0" i="1" smtClean="0">
+                            <a:rPr lang="en-US" sz="2400" b="0" i="1" smtClean="0">
                               <a:latin typeface="Cambria Math" panose="02040503050406030204" pitchFamily="18" charset="0"/>
                               <a:cs typeface="Times New Roman" panose="02020603050405020304" pitchFamily="18" charset="0"/>
                             </a:rPr>
@@ -28782,27 +28825,27 @@
                     </m:oMath>
                   </m:oMathPara>
                 </a14:m>
-                <a:endParaRPr lang="en-US" sz="2000" dirty="0">
+                <a:endParaRPr lang="en-US" sz="2400" dirty="0">
                   <a:cs typeface="Times New Roman" panose="02020603050405020304" pitchFamily="18" charset="0"/>
                 </a:endParaRPr>
               </a:p>
               <a:p>
                 <a:r>
-                  <a:rPr lang="en-US" sz="2000" dirty="0">
+                  <a:rPr lang="en-US" sz="2400" dirty="0">
                     <a:cs typeface="Times New Roman" panose="02020603050405020304" pitchFamily="18" charset="0"/>
                   </a:rPr>
                   <a:t>Do you see the logit forming here? How do we get to binary choice (logit)? </a:t>
                 </a:r>
               </a:p>
               <a:p>
-                <a:endParaRPr lang="en-US" sz="2000" dirty="0">
+                <a:endParaRPr lang="en-US" sz="2400" dirty="0">
                   <a:cs typeface="Times New Roman" panose="02020603050405020304" pitchFamily="18" charset="0"/>
                 </a:endParaRPr>
               </a:p>
             </p:txBody>
           </p:sp>
         </mc:Choice>
-        <mc:Fallback xmlns="">
+        <mc:Fallback>
           <p:sp>
             <p:nvSpPr>
               <p:cNvPr id="3" name="Content Placeholder 2"/>
@@ -28830,7 +28873,7 @@
               <a:lstStyle/>
               <a:p>
                 <a:r>
-                  <a:rPr lang="en-CA">
+                  <a:rPr lang="en-US">
                     <a:noFill/>
                   </a:rPr>
                   <a:t> </a:t>
@@ -28902,8 +28945,8 @@
           </a:p>
         </p:txBody>
       </p:sp>
-      <mc:AlternateContent xmlns:mc="http://schemas.openxmlformats.org/markup-compatibility/2006" xmlns:a14="http://schemas.microsoft.com/office/drawing/2010/main">
-        <mc:Choice Requires="a14">
+      <mc:AlternateContent xmlns:mc="http://schemas.openxmlformats.org/markup-compatibility/2006">
+        <mc:Choice xmlns:a14="http://schemas.microsoft.com/office/drawing/2010/main" Requires="a14">
           <p:sp>
             <p:nvSpPr>
               <p:cNvPr id="3" name="Content Placeholder 2"/>
@@ -28945,7 +28988,7 @@
               <a:p>
                 <a:pPr lvl="1"/>
                 <a:r>
-                  <a:rPr lang="en-US" sz="1800" dirty="0">
+                  <a:rPr lang="en-US" sz="2400" dirty="0">
                     <a:cs typeface="Times New Roman" panose="02020603050405020304" pitchFamily="18" charset="0"/>
                   </a:rPr>
                   <a:t>That is, we compare </a:t>
@@ -28953,14 +28996,14 @@
                 <a14:m>
                   <m:oMath xmlns:m="http://schemas.openxmlformats.org/officeDocument/2006/math">
                     <m:r>
-                      <a:rPr lang="en-US" sz="1800" b="0" i="1" smtClean="0">
+                      <a:rPr lang="en-US" sz="2400" b="0" i="1" smtClean="0">
                         <a:latin typeface="Cambria Math" panose="02040503050406030204" pitchFamily="18" charset="0"/>
                         <a:cs typeface="Times New Roman" panose="02020603050405020304" pitchFamily="18" charset="0"/>
                       </a:rPr>
                       <m:t>𝑢</m:t>
                     </m:r>
                     <m:r>
-                      <a:rPr lang="en-US" sz="1800" b="0" i="1" smtClean="0">
+                      <a:rPr lang="en-US" sz="2400" b="0" i="1" smtClean="0">
                         <a:latin typeface="Cambria Math" panose="02040503050406030204" pitchFamily="18" charset="0"/>
                         <a:cs typeface="Times New Roman" panose="02020603050405020304" pitchFamily="18" charset="0"/>
                       </a:rPr>
@@ -28969,7 +29012,7 @@
                     <m:sSub>
                       <m:sSubPr>
                         <m:ctrlPr>
-                          <a:rPr lang="en-US" sz="1800" b="0" i="1" smtClean="0">
+                          <a:rPr lang="en-US" sz="2400" b="0" i="1" smtClean="0">
                             <a:latin typeface="Cambria Math" panose="02040503050406030204" pitchFamily="18" charset="0"/>
                             <a:cs typeface="Times New Roman" panose="02020603050405020304" pitchFamily="18" charset="0"/>
                           </a:rPr>
@@ -28977,7 +29020,7 @@
                       </m:sSubPr>
                       <m:e>
                         <m:r>
-                          <a:rPr lang="en-US" sz="1800" b="0" i="1" smtClean="0">
+                          <a:rPr lang="en-US" sz="2400" b="0" i="1" smtClean="0">
                             <a:latin typeface="Cambria Math" panose="02040503050406030204" pitchFamily="18" charset="0"/>
                             <a:cs typeface="Times New Roman" panose="02020603050405020304" pitchFamily="18" charset="0"/>
                           </a:rPr>
@@ -28986,7 +29029,7 @@
                       </m:e>
                       <m:sub>
                         <m:r>
-                          <a:rPr lang="en-US" sz="1800" b="0" i="1" smtClean="0">
+                          <a:rPr lang="en-US" sz="2400" b="0" i="1" smtClean="0">
                             <a:latin typeface="Cambria Math" panose="02040503050406030204" pitchFamily="18" charset="0"/>
                             <a:cs typeface="Times New Roman" panose="02020603050405020304" pitchFamily="18" charset="0"/>
                           </a:rPr>
@@ -28995,7 +29038,7 @@
                       </m:sub>
                     </m:sSub>
                     <m:r>
-                      <a:rPr lang="en-US" sz="1800" b="0" i="1" smtClean="0">
+                      <a:rPr lang="en-US" sz="2400" b="0" i="1" smtClean="0">
                         <a:latin typeface="Cambria Math" panose="02040503050406030204" pitchFamily="18" charset="0"/>
                         <a:cs typeface="Times New Roman" panose="02020603050405020304" pitchFamily="18" charset="0"/>
                       </a:rPr>
@@ -29004,7 +29047,7 @@
                   </m:oMath>
                 </a14:m>
                 <a:r>
-                  <a:rPr lang="en-US" sz="1800" dirty="0">
+                  <a:rPr lang="en-US" sz="2400" dirty="0">
                     <a:cs typeface="Times New Roman" panose="02020603050405020304" pitchFamily="18" charset="0"/>
                   </a:rPr>
                   <a:t> and </a:t>
@@ -29012,14 +29055,14 @@
                 <a14:m>
                   <m:oMath xmlns:m="http://schemas.openxmlformats.org/officeDocument/2006/math">
                     <m:r>
-                      <a:rPr lang="en-US" sz="1800" b="0" i="1" smtClean="0">
+                      <a:rPr lang="en-US" sz="2400" b="0" i="1" smtClean="0">
                         <a:latin typeface="Cambria Math" panose="02040503050406030204" pitchFamily="18" charset="0"/>
                         <a:cs typeface="Times New Roman" panose="02020603050405020304" pitchFamily="18" charset="0"/>
                       </a:rPr>
                       <m:t>𝑢</m:t>
                     </m:r>
                     <m:r>
-                      <a:rPr lang="en-US" sz="1800" b="0" i="1" smtClean="0">
+                      <a:rPr lang="en-US" sz="2400" b="0" i="1" smtClean="0">
                         <a:latin typeface="Cambria Math" panose="02040503050406030204" pitchFamily="18" charset="0"/>
                         <a:cs typeface="Times New Roman" panose="02020603050405020304" pitchFamily="18" charset="0"/>
                       </a:rPr>
@@ -29028,7 +29071,7 @@
                     <m:sSub>
                       <m:sSubPr>
                         <m:ctrlPr>
-                          <a:rPr lang="en-US" sz="1800" b="0" i="1" smtClean="0">
+                          <a:rPr lang="en-US" sz="2400" b="0" i="1" smtClean="0">
                             <a:latin typeface="Cambria Math" panose="02040503050406030204" pitchFamily="18" charset="0"/>
                             <a:cs typeface="Times New Roman" panose="02020603050405020304" pitchFamily="18" charset="0"/>
                           </a:rPr>
@@ -29036,7 +29079,7 @@
                       </m:sSubPr>
                       <m:e>
                         <m:r>
-                          <a:rPr lang="en-US" sz="1800" b="0" i="1" smtClean="0">
+                          <a:rPr lang="en-US" sz="2400" b="0" i="1" smtClean="0">
                             <a:latin typeface="Cambria Math" panose="02040503050406030204" pitchFamily="18" charset="0"/>
                             <a:cs typeface="Times New Roman" panose="02020603050405020304" pitchFamily="18" charset="0"/>
                           </a:rPr>
@@ -29045,7 +29088,7 @@
                       </m:e>
                       <m:sub>
                         <m:r>
-                          <a:rPr lang="en-US" sz="1800" b="0" i="1" smtClean="0">
+                          <a:rPr lang="en-US" sz="2400" b="0" i="1" smtClean="0">
                             <a:latin typeface="Cambria Math" panose="02040503050406030204" pitchFamily="18" charset="0"/>
                             <a:cs typeface="Times New Roman" panose="02020603050405020304" pitchFamily="18" charset="0"/>
                           </a:rPr>
@@ -29054,7 +29097,7 @@
                       </m:sub>
                     </m:sSub>
                     <m:r>
-                      <a:rPr lang="en-US" sz="1800" b="0" i="1" smtClean="0">
+                      <a:rPr lang="en-US" sz="2400" b="0" i="1" smtClean="0">
                         <a:latin typeface="Cambria Math" panose="02040503050406030204" pitchFamily="18" charset="0"/>
                         <a:cs typeface="Times New Roman" panose="02020603050405020304" pitchFamily="18" charset="0"/>
                       </a:rPr>
@@ -29063,7 +29106,7 @@
                   </m:oMath>
                 </a14:m>
                 <a:r>
-                  <a:rPr lang="en-US" sz="1800" dirty="0">
+                  <a:rPr lang="en-US" sz="2400" dirty="0">
                     <a:cs typeface="Times New Roman" panose="02020603050405020304" pitchFamily="18" charset="0"/>
                   </a:rPr>
                   <a:t> to </a:t>
@@ -29071,7 +29114,7 @@
                 <a14:m>
                   <m:oMath xmlns:m="http://schemas.openxmlformats.org/officeDocument/2006/math">
                     <m:r>
-                      <a:rPr lang="en-US" sz="1800" b="0" i="1" smtClean="0">
+                      <a:rPr lang="en-US" sz="2400" b="0" i="1" smtClean="0">
                         <a:latin typeface="Cambria Math" panose="02040503050406030204" pitchFamily="18" charset="0"/>
                         <a:cs typeface="Times New Roman" panose="02020603050405020304" pitchFamily="18" charset="0"/>
                       </a:rPr>
@@ -29080,7 +29123,7 @@
                     <m:d>
                       <m:dPr>
                         <m:ctrlPr>
-                          <a:rPr lang="en-US" sz="1800" b="0" i="1" smtClean="0">
+                          <a:rPr lang="en-US" sz="2400" b="0" i="1" smtClean="0">
                             <a:latin typeface="Cambria Math" panose="02040503050406030204" pitchFamily="18" charset="0"/>
                             <a:cs typeface="Times New Roman" panose="02020603050405020304" pitchFamily="18" charset="0"/>
                           </a:rPr>
@@ -29090,7 +29133,7 @@
                         <m:sSub>
                           <m:sSubPr>
                             <m:ctrlPr>
-                              <a:rPr lang="en-US" sz="1800" b="0" i="1" smtClean="0">
+                              <a:rPr lang="en-US" sz="2400" b="0" i="1" smtClean="0">
                                 <a:latin typeface="Cambria Math" panose="02040503050406030204" pitchFamily="18" charset="0"/>
                                 <a:cs typeface="Times New Roman" panose="02020603050405020304" pitchFamily="18" charset="0"/>
                               </a:rPr>
@@ -29098,7 +29141,7 @@
                           </m:sSubPr>
                           <m:e>
                             <m:r>
-                              <a:rPr lang="en-US" sz="1800" b="0" i="1" smtClean="0">
+                              <a:rPr lang="en-US" sz="2400" b="0" i="1" smtClean="0">
                                 <a:latin typeface="Cambria Math" panose="02040503050406030204" pitchFamily="18" charset="0"/>
                                 <a:cs typeface="Times New Roman" panose="02020603050405020304" pitchFamily="18" charset="0"/>
                               </a:rPr>
@@ -29107,7 +29150,7 @@
                           </m:e>
                           <m:sub>
                             <m:r>
-                              <a:rPr lang="en-US" sz="1800" b="0" i="1" smtClean="0">
+                              <a:rPr lang="en-US" sz="2400" b="0" i="1" smtClean="0">
                                 <a:latin typeface="Cambria Math" panose="02040503050406030204" pitchFamily="18" charset="0"/>
                                 <a:cs typeface="Times New Roman" panose="02020603050405020304" pitchFamily="18" charset="0"/>
                               </a:rPr>
@@ -29119,14 +29162,14 @@
                     </m:d>
                   </m:oMath>
                 </a14:m>
-                <a:endParaRPr lang="en-US" sz="1800" dirty="0">
+                <a:endParaRPr lang="en-US" sz="2400" dirty="0">
                   <a:cs typeface="Times New Roman" panose="02020603050405020304" pitchFamily="18" charset="0"/>
                 </a:endParaRPr>
               </a:p>
               <a:p>
                 <a:pPr lvl="1"/>
                 <a:r>
-                  <a:rPr lang="en-US" sz="1800" dirty="0">
+                  <a:rPr lang="en-US" sz="2400" dirty="0">
                     <a:cs typeface="Times New Roman" panose="02020603050405020304" pitchFamily="18" charset="0"/>
                   </a:rPr>
                   <a:t>Why do we need to do this? </a:t>
@@ -29134,7 +29177,7 @@
               </a:p>
               <a:p>
                 <a:r>
-                  <a:rPr lang="en-US" sz="2000" dirty="0">
+                  <a:rPr lang="en-US" sz="2400" dirty="0">
                     <a:cs typeface="Times New Roman" panose="02020603050405020304" pitchFamily="18" charset="0"/>
                   </a:rPr>
                   <a:t>Then, we model </a:t>
@@ -29144,7 +29187,7 @@
                     <m:sSub>
                       <m:sSubPr>
                         <m:ctrlPr>
-                          <a:rPr lang="en-US" sz="2000" b="0" i="1" smtClean="0">
+                          <a:rPr lang="en-US" sz="2400" b="0" i="1" smtClean="0">
                             <a:latin typeface="Cambria Math" panose="02040503050406030204" pitchFamily="18" charset="0"/>
                             <a:cs typeface="Times New Roman" panose="02020603050405020304" pitchFamily="18" charset="0"/>
                           </a:rPr>
@@ -29152,7 +29195,7 @@
                       </m:sSubPr>
                       <m:e>
                         <m:r>
-                          <a:rPr lang="en-US" sz="2000" b="0" i="1" smtClean="0">
+                          <a:rPr lang="en-US" sz="2400" b="0" i="1" smtClean="0">
                             <a:latin typeface="Cambria Math" panose="02040503050406030204" pitchFamily="18" charset="0"/>
                             <a:cs typeface="Times New Roman" panose="02020603050405020304" pitchFamily="18" charset="0"/>
                           </a:rPr>
@@ -29161,7 +29204,7 @@
                       </m:e>
                       <m:sub>
                         <m:r>
-                          <a:rPr lang="en-US" sz="2000" b="0" i="1" smtClean="0">
+                          <a:rPr lang="en-US" sz="2400" b="0" i="1" smtClean="0">
                             <a:latin typeface="Cambria Math" panose="02040503050406030204" pitchFamily="18" charset="0"/>
                             <a:cs typeface="Times New Roman" panose="02020603050405020304" pitchFamily="18" charset="0"/>
                           </a:rPr>
@@ -29170,7 +29213,7 @@
                       </m:sub>
                     </m:sSub>
                     <m:r>
-                      <a:rPr lang="en-US" sz="2000" b="0" i="0" smtClean="0">
+                      <a:rPr lang="en-US" sz="2400" b="0" i="0" smtClean="0">
                         <a:latin typeface="Cambria Math" panose="02040503050406030204" pitchFamily="18" charset="0"/>
                         <a:cs typeface="Times New Roman" panose="02020603050405020304" pitchFamily="18" charset="0"/>
                       </a:rPr>
@@ -29179,7 +29222,7 @@
                   </m:oMath>
                 </a14:m>
                 <a:r>
-                  <a:rPr lang="en-US" sz="2000" dirty="0">
+                  <a:rPr lang="en-US" sz="2400" dirty="0">
                     <a:cs typeface="Times New Roman" panose="02020603050405020304" pitchFamily="18" charset="0"/>
                   </a:rPr>
                   <a:t>the utility of choice </a:t>
@@ -29187,7 +29230,7 @@
                 <a14:m>
                   <m:oMath xmlns:m="http://schemas.openxmlformats.org/officeDocument/2006/math">
                     <m:r>
-                      <a:rPr lang="en-US" sz="2000" b="0" i="1" smtClean="0">
+                      <a:rPr lang="en-US" sz="2400" b="0" i="1" smtClean="0">
                         <a:latin typeface="Cambria Math" panose="02040503050406030204" pitchFamily="18" charset="0"/>
                         <a:cs typeface="Times New Roman" panose="02020603050405020304" pitchFamily="18" charset="0"/>
                       </a:rPr>
@@ -29196,7 +29239,7 @@
                   </m:oMath>
                 </a14:m>
                 <a:r>
-                  <a:rPr lang="en-US" sz="2000" dirty="0">
+                  <a:rPr lang="en-US" sz="2400" dirty="0">
                     <a:cs typeface="Times New Roman" panose="02020603050405020304" pitchFamily="18" charset="0"/>
                   </a:rPr>
                   <a:t> compared to choice </a:t>
@@ -29204,7 +29247,7 @@
                 <a14:m>
                   <m:oMath xmlns:m="http://schemas.openxmlformats.org/officeDocument/2006/math">
                     <m:r>
-                      <a:rPr lang="en-US" sz="2000" b="0" i="1" smtClean="0">
+                      <a:rPr lang="en-US" sz="2400" b="0" i="1" smtClean="0">
                         <a:latin typeface="Cambria Math" panose="02040503050406030204" pitchFamily="18" charset="0"/>
                         <a:cs typeface="Times New Roman" panose="02020603050405020304" pitchFamily="18" charset="0"/>
                       </a:rPr>
@@ -29213,7 +29256,7 @@
                   </m:oMath>
                 </a14:m>
                 <a:r>
-                  <a:rPr lang="en-US" sz="2000" dirty="0">
+                  <a:rPr lang="en-US" sz="2400" dirty="0">
                     <a:cs typeface="Times New Roman" panose="02020603050405020304" pitchFamily="18" charset="0"/>
                   </a:rPr>
                   <a:t> as: </a:t>
@@ -29232,7 +29275,7 @@
                       <m:sSub>
                         <m:sSubPr>
                           <m:ctrlPr>
-                            <a:rPr lang="en-US" sz="2000" b="0" i="1" smtClean="0">
+                            <a:rPr lang="en-US" sz="2400" b="0" i="1" smtClean="0">
                               <a:latin typeface="Cambria Math" panose="02040503050406030204" pitchFamily="18" charset="0"/>
                               <a:cs typeface="Times New Roman" panose="02020603050405020304" pitchFamily="18" charset="0"/>
                             </a:rPr>
@@ -29240,7 +29283,7 @@
                         </m:sSubPr>
                         <m:e>
                           <m:r>
-                            <a:rPr lang="en-US" sz="2000" b="0" i="1" smtClean="0">
+                            <a:rPr lang="en-US" sz="2400" b="0" i="1" smtClean="0">
                               <a:latin typeface="Cambria Math" panose="02040503050406030204" pitchFamily="18" charset="0"/>
                               <a:cs typeface="Times New Roman" panose="02020603050405020304" pitchFamily="18" charset="0"/>
                             </a:rPr>
@@ -29249,7 +29292,7 @@
                         </m:e>
                         <m:sub>
                           <m:r>
-                            <a:rPr lang="en-US" sz="2000" b="0" i="1" smtClean="0">
+                            <a:rPr lang="en-US" sz="2400" b="0" i="1" smtClean="0">
                               <a:latin typeface="Cambria Math" panose="02040503050406030204" pitchFamily="18" charset="0"/>
                               <a:cs typeface="Times New Roman" panose="02020603050405020304" pitchFamily="18" charset="0"/>
                             </a:rPr>
@@ -29258,7 +29301,7 @@
                         </m:sub>
                       </m:sSub>
                       <m:r>
-                        <a:rPr lang="en-US" sz="2000" b="0" i="1" smtClean="0">
+                        <a:rPr lang="en-US" sz="2400" b="0" i="1" smtClean="0">
                           <a:latin typeface="Cambria Math" panose="02040503050406030204" pitchFamily="18" charset="0"/>
                           <a:cs typeface="Times New Roman" panose="02020603050405020304" pitchFamily="18" charset="0"/>
                         </a:rPr>
@@ -29267,7 +29310,7 @@
                       <m:sSub>
                         <m:sSubPr>
                           <m:ctrlPr>
-                            <a:rPr lang="en-US" sz="2000" b="0" i="1" smtClean="0">
+                            <a:rPr lang="en-US" sz="2400" b="0" i="1" smtClean="0">
                               <a:latin typeface="Cambria Math" panose="02040503050406030204" pitchFamily="18" charset="0"/>
                               <a:cs typeface="Times New Roman" panose="02020603050405020304" pitchFamily="18" charset="0"/>
                             </a:rPr>
@@ -29275,7 +29318,7 @@
                         </m:sSubPr>
                         <m:e>
                           <m:r>
-                            <a:rPr lang="en-US" sz="2000" b="0" i="1" smtClean="0">
+                            <a:rPr lang="en-US" sz="2400" b="0" i="1" smtClean="0">
                               <a:latin typeface="Cambria Math" panose="02040503050406030204" pitchFamily="18" charset="0"/>
                               <a:cs typeface="Times New Roman" panose="02020603050405020304" pitchFamily="18" charset="0"/>
                             </a:rPr>
@@ -29284,7 +29327,7 @@
                         </m:e>
                         <m:sub>
                           <m:r>
-                            <a:rPr lang="en-US" sz="2000" b="0" i="1" smtClean="0">
+                            <a:rPr lang="en-US" sz="2400" b="0" i="1" smtClean="0">
                               <a:latin typeface="Cambria Math" panose="02040503050406030204" pitchFamily="18" charset="0"/>
                               <a:cs typeface="Times New Roman" panose="02020603050405020304" pitchFamily="18" charset="0"/>
                             </a:rPr>
@@ -29293,7 +29336,7 @@
                         </m:sub>
                       </m:sSub>
                       <m:r>
-                        <a:rPr lang="en-US" sz="2000" b="0" i="1" smtClean="0">
+                        <a:rPr lang="en-US" sz="2400" b="0" i="1" smtClean="0">
                           <a:latin typeface="Cambria Math" panose="02040503050406030204" pitchFamily="18" charset="0"/>
                           <a:cs typeface="Times New Roman" panose="02020603050405020304" pitchFamily="18" charset="0"/>
                         </a:rPr>
@@ -29302,7 +29345,7 @@
                       <m:sSub>
                         <m:sSubPr>
                           <m:ctrlPr>
-                            <a:rPr lang="en-US" sz="2000" b="0" i="1" smtClean="0">
+                            <a:rPr lang="en-US" sz="2400" b="0" i="1" smtClean="0">
                               <a:latin typeface="Cambria Math" panose="02040503050406030204" pitchFamily="18" charset="0"/>
                               <a:cs typeface="Times New Roman" panose="02020603050405020304" pitchFamily="18" charset="0"/>
                             </a:rPr>
@@ -29310,7 +29353,7 @@
                         </m:sSubPr>
                         <m:e>
                           <m:r>
-                            <a:rPr lang="en-US" sz="2000" b="0" i="1" smtClean="0">
+                            <a:rPr lang="en-US" sz="2400" b="0" i="1" smtClean="0">
                               <a:latin typeface="Cambria Math" panose="02040503050406030204" pitchFamily="18" charset="0"/>
                               <a:cs typeface="Times New Roman" panose="02020603050405020304" pitchFamily="18" charset="0"/>
                             </a:rPr>
@@ -29319,14 +29362,14 @@
                         </m:e>
                         <m:sub>
                           <m:r>
-                            <a:rPr lang="en-US" sz="2000" b="0" i="1" smtClean="0">
+                            <a:rPr lang="en-US" sz="2400" b="0" i="1" smtClean="0">
                               <a:latin typeface="Cambria Math" panose="02040503050406030204" pitchFamily="18" charset="0"/>
                               <a:cs typeface="Times New Roman" panose="02020603050405020304" pitchFamily="18" charset="0"/>
                             </a:rPr>
                             <m:t>𝑗</m:t>
                           </m:r>
                           <m:r>
-                            <a:rPr lang="en-US" sz="2000" b="0" i="1" smtClean="0">
+                            <a:rPr lang="en-US" sz="2400" b="0" i="1" smtClean="0">
                               <a:latin typeface="Cambria Math" panose="02040503050406030204" pitchFamily="18" charset="0"/>
                               <a:cs typeface="Times New Roman" panose="02020603050405020304" pitchFamily="18" charset="0"/>
                             </a:rPr>
@@ -29337,7 +29380,7 @@
                       <m:sSub>
                         <m:sSubPr>
                           <m:ctrlPr>
-                            <a:rPr lang="en-US" sz="2000" b="0" i="1" smtClean="0">
+                            <a:rPr lang="en-US" sz="2400" b="0" i="1" smtClean="0">
                               <a:latin typeface="Cambria Math" panose="02040503050406030204" pitchFamily="18" charset="0"/>
                               <a:cs typeface="Times New Roman" panose="02020603050405020304" pitchFamily="18" charset="0"/>
                             </a:rPr>
@@ -29345,7 +29388,7 @@
                         </m:sSubPr>
                         <m:e>
                           <m:r>
-                            <a:rPr lang="en-US" sz="2000" b="0" i="1" smtClean="0">
+                            <a:rPr lang="en-US" sz="2400" b="0" i="1" smtClean="0">
                               <a:latin typeface="Cambria Math" panose="02040503050406030204" pitchFamily="18" charset="0"/>
                               <a:cs typeface="Times New Roman" panose="02020603050405020304" pitchFamily="18" charset="0"/>
                             </a:rPr>
@@ -29354,14 +29397,14 @@
                         </m:e>
                         <m:sub>
                           <m:r>
-                            <a:rPr lang="en-US" sz="2000" b="0" i="1" smtClean="0">
+                            <a:rPr lang="en-US" sz="2400" b="0" i="1" smtClean="0">
                               <a:latin typeface="Cambria Math" panose="02040503050406030204" pitchFamily="18" charset="0"/>
                               <a:cs typeface="Times New Roman" panose="02020603050405020304" pitchFamily="18" charset="0"/>
                             </a:rPr>
                             <m:t>1</m:t>
                           </m:r>
                           <m:r>
-                            <a:rPr lang="en-US" sz="2000" b="0" i="1" smtClean="0">
+                            <a:rPr lang="en-US" sz="2400" b="0" i="1" smtClean="0">
                               <a:latin typeface="Cambria Math" panose="02040503050406030204" pitchFamily="18" charset="0"/>
                               <a:cs typeface="Times New Roman" panose="02020603050405020304" pitchFamily="18" charset="0"/>
                             </a:rPr>
@@ -29370,7 +29413,7 @@
                         </m:sub>
                       </m:sSub>
                       <m:r>
-                        <a:rPr lang="en-US" sz="2000" b="0" i="1" smtClean="0">
+                        <a:rPr lang="en-US" sz="2400" b="0" i="1" smtClean="0">
                           <a:latin typeface="Cambria Math" panose="02040503050406030204" pitchFamily="18" charset="0"/>
                           <a:cs typeface="Times New Roman" panose="02020603050405020304" pitchFamily="18" charset="0"/>
                         </a:rPr>
@@ -29379,7 +29422,7 @@
                       <m:sSub>
                         <m:sSubPr>
                           <m:ctrlPr>
-                            <a:rPr lang="en-US" sz="2000" b="0" i="1" smtClean="0">
+                            <a:rPr lang="en-US" sz="2400" b="0" i="1" smtClean="0">
                               <a:latin typeface="Cambria Math" panose="02040503050406030204" pitchFamily="18" charset="0"/>
                               <a:cs typeface="Times New Roman" panose="02020603050405020304" pitchFamily="18" charset="0"/>
                             </a:rPr>
@@ -29387,7 +29430,7 @@
                         </m:sSubPr>
                         <m:e>
                           <m:r>
-                            <a:rPr lang="en-US" sz="2000" b="0" i="1" smtClean="0">
+                            <a:rPr lang="en-US" sz="2400" b="0" i="1" smtClean="0">
                               <a:latin typeface="Cambria Math" panose="02040503050406030204" pitchFamily="18" charset="0"/>
                               <a:cs typeface="Times New Roman" panose="02020603050405020304" pitchFamily="18" charset="0"/>
                             </a:rPr>
@@ -29396,14 +29439,14 @@
                         </m:e>
                         <m:sub>
                           <m:r>
-                            <a:rPr lang="en-US" sz="2000" b="0" i="1" smtClean="0">
+                            <a:rPr lang="en-US" sz="2400" b="0" i="1" smtClean="0">
                               <a:latin typeface="Cambria Math" panose="02040503050406030204" pitchFamily="18" charset="0"/>
                               <a:cs typeface="Times New Roman" panose="02020603050405020304" pitchFamily="18" charset="0"/>
                             </a:rPr>
                             <m:t>𝑗</m:t>
                           </m:r>
                           <m:r>
-                            <a:rPr lang="en-US" sz="2000" b="0" i="1" smtClean="0">
+                            <a:rPr lang="en-US" sz="2400" b="0" i="1" smtClean="0">
                               <a:latin typeface="Cambria Math" panose="02040503050406030204" pitchFamily="18" charset="0"/>
                               <a:cs typeface="Times New Roman" panose="02020603050405020304" pitchFamily="18" charset="0"/>
                             </a:rPr>
@@ -29414,7 +29457,7 @@
                       <m:sSub>
                         <m:sSubPr>
                           <m:ctrlPr>
-                            <a:rPr lang="en-US" sz="2000" b="0" i="1" smtClean="0">
+                            <a:rPr lang="en-US" sz="2400" b="0" i="1" smtClean="0">
                               <a:latin typeface="Cambria Math" panose="02040503050406030204" pitchFamily="18" charset="0"/>
                               <a:cs typeface="Times New Roman" panose="02020603050405020304" pitchFamily="18" charset="0"/>
                             </a:rPr>
@@ -29422,7 +29465,7 @@
                         </m:sSubPr>
                         <m:e>
                           <m:r>
-                            <a:rPr lang="en-US" sz="2000" b="0" i="1" smtClean="0">
+                            <a:rPr lang="en-US" sz="2400" b="0" i="1" smtClean="0">
                               <a:latin typeface="Cambria Math" panose="02040503050406030204" pitchFamily="18" charset="0"/>
                               <a:cs typeface="Times New Roman" panose="02020603050405020304" pitchFamily="18" charset="0"/>
                             </a:rPr>
@@ -29431,14 +29474,14 @@
                         </m:e>
                         <m:sub>
                           <m:r>
-                            <a:rPr lang="en-US" sz="2000" b="0" i="1" smtClean="0">
+                            <a:rPr lang="en-US" sz="2400" b="0" i="1" smtClean="0">
                               <a:latin typeface="Cambria Math" panose="02040503050406030204" pitchFamily="18" charset="0"/>
                               <a:cs typeface="Times New Roman" panose="02020603050405020304" pitchFamily="18" charset="0"/>
                             </a:rPr>
                             <m:t>2</m:t>
                           </m:r>
                           <m:r>
-                            <a:rPr lang="en-US" sz="2000" b="0" i="1" smtClean="0">
+                            <a:rPr lang="en-US" sz="2400" b="0" i="1" smtClean="0">
                               <a:latin typeface="Cambria Math" panose="02040503050406030204" pitchFamily="18" charset="0"/>
                               <a:cs typeface="Times New Roman" panose="02020603050405020304" pitchFamily="18" charset="0"/>
                             </a:rPr>
@@ -29447,7 +29490,7 @@
                         </m:sub>
                       </m:sSub>
                       <m:r>
-                        <a:rPr lang="en-US" sz="2000" b="0" i="1" smtClean="0">
+                        <a:rPr lang="en-US" sz="2400" b="0" i="1" smtClean="0">
                           <a:latin typeface="Cambria Math" panose="02040503050406030204" pitchFamily="18" charset="0"/>
                           <a:cs typeface="Times New Roman" panose="02020603050405020304" pitchFamily="18" charset="0"/>
                         </a:rPr>
@@ -29456,7 +29499,7 @@
                       <m:sSub>
                         <m:sSubPr>
                           <m:ctrlPr>
-                            <a:rPr lang="en-US" sz="2000" b="0" i="1" smtClean="0">
+                            <a:rPr lang="en-US" sz="2400" b="0" i="1" smtClean="0">
                               <a:latin typeface="Cambria Math" panose="02040503050406030204" pitchFamily="18" charset="0"/>
                               <a:cs typeface="Times New Roman" panose="02020603050405020304" pitchFamily="18" charset="0"/>
                             </a:rPr>
@@ -29464,7 +29507,7 @@
                         </m:sSubPr>
                         <m:e>
                           <m:r>
-                            <a:rPr lang="en-US" sz="2000" b="0" i="1" smtClean="0">
+                            <a:rPr lang="en-US" sz="2400" b="0" i="1" smtClean="0">
                               <a:latin typeface="Cambria Math" panose="02040503050406030204" pitchFamily="18" charset="0"/>
                               <a:cs typeface="Times New Roman" panose="02020603050405020304" pitchFamily="18" charset="0"/>
                             </a:rPr>
@@ -29473,7 +29516,7 @@
                         </m:e>
                         <m:sub>
                           <m:r>
-                            <a:rPr lang="en-US" sz="2000" b="0" i="1" smtClean="0">
+                            <a:rPr lang="en-US" sz="2400" b="0" i="1" smtClean="0">
                               <a:latin typeface="Cambria Math" panose="02040503050406030204" pitchFamily="18" charset="0"/>
                               <a:cs typeface="Times New Roman" panose="02020603050405020304" pitchFamily="18" charset="0"/>
                             </a:rPr>
@@ -29484,7 +29527,7 @@
                       <m:sSub>
                         <m:sSubPr>
                           <m:ctrlPr>
-                            <a:rPr lang="en-US" sz="2000" b="0" i="1" smtClean="0">
+                            <a:rPr lang="en-US" sz="2400" b="0" i="1" smtClean="0">
                               <a:latin typeface="Cambria Math" panose="02040503050406030204" pitchFamily="18" charset="0"/>
                               <a:cs typeface="Times New Roman" panose="02020603050405020304" pitchFamily="18" charset="0"/>
                             </a:rPr>
@@ -29492,7 +29535,7 @@
                         </m:sSubPr>
                         <m:e>
                           <m:r>
-                            <a:rPr lang="en-US" sz="2000" b="0" i="1" smtClean="0">
+                            <a:rPr lang="en-US" sz="2400" b="0" i="1" smtClean="0">
                               <a:latin typeface="Cambria Math" panose="02040503050406030204" pitchFamily="18" charset="0"/>
                               <a:cs typeface="Times New Roman" panose="02020603050405020304" pitchFamily="18" charset="0"/>
                             </a:rPr>
@@ -29501,7 +29544,7 @@
                         </m:e>
                         <m:sub>
                           <m:r>
-                            <a:rPr lang="en-US" sz="2000" b="0" i="1" smtClean="0">
+                            <a:rPr lang="en-US" sz="2400" b="0" i="1" smtClean="0">
                               <a:latin typeface="Cambria Math" panose="02040503050406030204" pitchFamily="18" charset="0"/>
                               <a:cs typeface="Times New Roman" panose="02020603050405020304" pitchFamily="18" charset="0"/>
                             </a:rPr>
@@ -29510,7 +29553,7 @@
                         </m:sub>
                       </m:sSub>
                       <m:r>
-                        <a:rPr lang="en-US" sz="2000" b="0" i="1" smtClean="0">
+                        <a:rPr lang="en-US" sz="2400" b="0" i="1" smtClean="0">
                           <a:latin typeface="Cambria Math" panose="02040503050406030204" pitchFamily="18" charset="0"/>
                           <a:cs typeface="Times New Roman" panose="02020603050405020304" pitchFamily="18" charset="0"/>
                         </a:rPr>
@@ -29519,7 +29562,7 @@
                       <m:sSub>
                         <m:sSubPr>
                           <m:ctrlPr>
-                            <a:rPr lang="en-US" sz="2000" b="0" i="1" smtClean="0">
+                            <a:rPr lang="en-US" sz="2400" b="0" i="1" smtClean="0">
                               <a:latin typeface="Cambria Math" panose="02040503050406030204" pitchFamily="18" charset="0"/>
                               <a:cs typeface="Times New Roman" panose="02020603050405020304" pitchFamily="18" charset="0"/>
                             </a:rPr>
@@ -29527,7 +29570,7 @@
                         </m:sSubPr>
                         <m:e>
                           <m:r>
-                            <a:rPr lang="en-US" sz="2000" b="0" i="1" smtClean="0">
+                            <a:rPr lang="en-US" sz="2400" b="0" i="1" smtClean="0">
                               <a:latin typeface="Cambria Math" panose="02040503050406030204" pitchFamily="18" charset="0"/>
                               <a:cs typeface="Times New Roman" panose="02020603050405020304" pitchFamily="18" charset="0"/>
                             </a:rPr>
@@ -29536,7 +29579,7 @@
                         </m:e>
                         <m:sub>
                           <m:r>
-                            <a:rPr lang="en-US" sz="2000" b="0" i="1" smtClean="0">
+                            <a:rPr lang="en-US" sz="2400" b="0" i="1" smtClean="0">
                               <a:latin typeface="Cambria Math" panose="02040503050406030204" pitchFamily="18" charset="0"/>
                               <a:cs typeface="Times New Roman" panose="02020603050405020304" pitchFamily="18" charset="0"/>
                             </a:rPr>
@@ -29547,13 +29590,13 @@
                     </m:oMath>
                   </m:oMathPara>
                 </a14:m>
-                <a:endParaRPr lang="en-US" sz="2000" dirty="0">
+                <a:endParaRPr lang="en-US" sz="2400" dirty="0">
                   <a:cs typeface="Times New Roman" panose="02020603050405020304" pitchFamily="18" charset="0"/>
                 </a:endParaRPr>
               </a:p>
               <a:p>
                 <a:r>
-                  <a:rPr lang="en-US" sz="2000" dirty="0">
+                  <a:rPr lang="en-US" sz="2400" dirty="0">
                     <a:cs typeface="Times New Roman" panose="02020603050405020304" pitchFamily="18" charset="0"/>
                   </a:rPr>
                   <a:t>Do you see the logit forming here? How do we get to binary choice (logit)? </a:t>
@@ -29562,7 +29605,7 @@
               <a:p>
                 <a:pPr lvl="1"/>
                 <a:r>
-                  <a:rPr lang="en-US" sz="1800" dirty="0">
+                  <a:rPr lang="en-US" sz="2400" dirty="0">
                     <a:cs typeface="Times New Roman" panose="02020603050405020304" pitchFamily="18" charset="0"/>
                   </a:rPr>
                   <a:t>In reality, we are estimating </a:t>
@@ -29570,14 +29613,14 @@
                 <a14:m>
                   <m:oMath xmlns:m="http://schemas.openxmlformats.org/officeDocument/2006/math">
                     <m:r>
-                      <a:rPr lang="en-US" sz="1800" b="0" i="1" smtClean="0">
+                      <a:rPr lang="en-US" sz="2400" b="0" i="1" smtClean="0">
                         <a:latin typeface="Cambria Math" panose="02040503050406030204" pitchFamily="18" charset="0"/>
                         <a:cs typeface="Times New Roman" panose="02020603050405020304" pitchFamily="18" charset="0"/>
                       </a:rPr>
                       <m:t>𝐽</m:t>
                     </m:r>
                     <m:r>
-                      <a:rPr lang="en-US" sz="1800" b="0" i="1" smtClean="0">
+                      <a:rPr lang="en-US" sz="2400" b="0" i="1" smtClean="0">
                         <a:latin typeface="Cambria Math" panose="02040503050406030204" pitchFamily="18" charset="0"/>
                         <a:cs typeface="Times New Roman" panose="02020603050405020304" pitchFamily="18" charset="0"/>
                       </a:rPr>
@@ -29586,7 +29629,7 @@
                   </m:oMath>
                 </a14:m>
                 <a:r>
-                  <a:rPr lang="en-US" sz="1800" dirty="0">
+                  <a:rPr lang="en-US" sz="2400" dirty="0">
                     <a:cs typeface="Times New Roman" panose="02020603050405020304" pitchFamily="18" charset="0"/>
                   </a:rPr>
                   <a:t> logits!</a:t>
@@ -29595,7 +29638,7 @@
               <a:p>
                 <a:pPr lvl="1"/>
                 <a:r>
-                  <a:rPr lang="en-US" sz="1800" dirty="0">
+                  <a:rPr lang="en-US" sz="2400" dirty="0">
                     <a:cs typeface="Times New Roman" panose="02020603050405020304" pitchFamily="18" charset="0"/>
                   </a:rPr>
                   <a:t>What does </a:t>
@@ -29605,7 +29648,7 @@
                     <m:sSub>
                       <m:sSubPr>
                         <m:ctrlPr>
-                          <a:rPr lang="en-US" sz="1800" b="0" i="1" smtClean="0">
+                          <a:rPr lang="en-US" sz="2400" b="0" i="1" smtClean="0">
                             <a:latin typeface="Cambria Math" panose="02040503050406030204" pitchFamily="18" charset="0"/>
                             <a:cs typeface="Times New Roman" panose="02020603050405020304" pitchFamily="18" charset="0"/>
                           </a:rPr>
@@ -29613,7 +29656,7 @@
                       </m:sSubPr>
                       <m:e>
                         <m:r>
-                          <a:rPr lang="en-US" sz="1800" b="0" i="1" smtClean="0">
+                          <a:rPr lang="en-US" sz="2400" b="0" i="1" smtClean="0">
                             <a:latin typeface="Cambria Math" panose="02040503050406030204" pitchFamily="18" charset="0"/>
                             <a:cs typeface="Times New Roman" panose="02020603050405020304" pitchFamily="18" charset="0"/>
                           </a:rPr>
@@ -29622,7 +29665,7 @@
                       </m:e>
                       <m:sub>
                         <m:r>
-                          <a:rPr lang="en-US" sz="1800" b="0" i="1" smtClean="0">
+                          <a:rPr lang="en-US" sz="2400" b="0" i="1" smtClean="0">
                             <a:latin typeface="Cambria Math" panose="02040503050406030204" pitchFamily="18" charset="0"/>
                             <a:cs typeface="Times New Roman" panose="02020603050405020304" pitchFamily="18" charset="0"/>
                           </a:rPr>
@@ -29633,21 +29676,21 @@
                   </m:oMath>
                 </a14:m>
                 <a:r>
-                  <a:rPr lang="en-US" sz="1800" dirty="0">
+                  <a:rPr lang="en-US" sz="2400" dirty="0">
                     <a:cs typeface="Times New Roman" panose="02020603050405020304" pitchFamily="18" charset="0"/>
                   </a:rPr>
                   <a:t> represent? </a:t>
                 </a:r>
               </a:p>
               <a:p>
-                <a:endParaRPr lang="en-US" sz="2000" dirty="0">
+                <a:endParaRPr lang="en-US" sz="2400" dirty="0">
                   <a:cs typeface="Times New Roman" panose="02020603050405020304" pitchFamily="18" charset="0"/>
                 </a:endParaRPr>
               </a:p>
             </p:txBody>
           </p:sp>
         </mc:Choice>
-        <mc:Fallback xmlns="">
+        <mc:Fallback>
           <p:sp>
             <p:nvSpPr>
               <p:cNvPr id="3" name="Content Placeholder 2"/>
@@ -29675,7 +29718,7 @@
               <a:lstStyle/>
               <a:p>
                 <a:r>
-                  <a:rPr lang="en-CA">
+                  <a:rPr lang="en-US">
                     <a:noFill/>
                   </a:rPr>
                   <a:t> </a:t>
@@ -29747,8 +29790,8 @@
           </a:p>
         </p:txBody>
       </p:sp>
-      <mc:AlternateContent xmlns:mc="http://schemas.openxmlformats.org/markup-compatibility/2006" xmlns:a14="http://schemas.microsoft.com/office/drawing/2010/main">
-        <mc:Choice Requires="a14">
+      <mc:AlternateContent xmlns:mc="http://schemas.openxmlformats.org/markup-compatibility/2006">
+        <mc:Choice xmlns:a14="http://schemas.microsoft.com/office/drawing/2010/main" Requires="a14">
           <p:sp>
             <p:nvSpPr>
               <p:cNvPr id="3" name="Content Placeholder 2"/>
@@ -29767,7 +29810,7 @@
             </p:spPr>
             <p:txBody>
               <a:bodyPr>
-                <a:normAutofit/>
+                <a:noAutofit/>
               </a:bodyPr>
               <a:lstStyle/>
               <a:p>
@@ -29790,7 +29833,7 @@
               <a:p>
                 <a:pPr lvl="1"/>
                 <a:r>
-                  <a:rPr lang="en-US" sz="1800" dirty="0">
+                  <a:rPr lang="en-US" sz="2400" dirty="0">
                     <a:cs typeface="Times New Roman" panose="02020603050405020304" pitchFamily="18" charset="0"/>
                   </a:rPr>
                   <a:t>That is, we compare </a:t>
@@ -29798,14 +29841,14 @@
                 <a14:m>
                   <m:oMath xmlns:m="http://schemas.openxmlformats.org/officeDocument/2006/math">
                     <m:r>
-                      <a:rPr lang="en-US" sz="1800" b="0" i="1" smtClean="0">
+                      <a:rPr lang="en-US" sz="2400" b="0" i="1" smtClean="0">
                         <a:latin typeface="Cambria Math" panose="02040503050406030204" pitchFamily="18" charset="0"/>
                         <a:cs typeface="Times New Roman" panose="02020603050405020304" pitchFamily="18" charset="0"/>
                       </a:rPr>
                       <m:t>𝑢</m:t>
                     </m:r>
                     <m:r>
-                      <a:rPr lang="en-US" sz="1800" b="0" i="1" smtClean="0">
+                      <a:rPr lang="en-US" sz="2400" b="0" i="1" smtClean="0">
                         <a:latin typeface="Cambria Math" panose="02040503050406030204" pitchFamily="18" charset="0"/>
                         <a:cs typeface="Times New Roman" panose="02020603050405020304" pitchFamily="18" charset="0"/>
                       </a:rPr>
@@ -29814,7 +29857,7 @@
                     <m:sSub>
                       <m:sSubPr>
                         <m:ctrlPr>
-                          <a:rPr lang="en-US" sz="1800" b="0" i="1" smtClean="0">
+                          <a:rPr lang="en-US" sz="2400" b="0" i="1" smtClean="0">
                             <a:latin typeface="Cambria Math" panose="02040503050406030204" pitchFamily="18" charset="0"/>
                             <a:cs typeface="Times New Roman" panose="02020603050405020304" pitchFamily="18" charset="0"/>
                           </a:rPr>
@@ -29822,7 +29865,7 @@
                       </m:sSubPr>
                       <m:e>
                         <m:r>
-                          <a:rPr lang="en-US" sz="1800" b="0" i="1" smtClean="0">
+                          <a:rPr lang="en-US" sz="2400" b="0" i="1" smtClean="0">
                             <a:latin typeface="Cambria Math" panose="02040503050406030204" pitchFamily="18" charset="0"/>
                             <a:cs typeface="Times New Roman" panose="02020603050405020304" pitchFamily="18" charset="0"/>
                           </a:rPr>
@@ -29831,7 +29874,7 @@
                       </m:e>
                       <m:sub>
                         <m:r>
-                          <a:rPr lang="en-US" sz="1800" b="0" i="1" smtClean="0">
+                          <a:rPr lang="en-US" sz="2400" b="0" i="1" smtClean="0">
                             <a:latin typeface="Cambria Math" panose="02040503050406030204" pitchFamily="18" charset="0"/>
                             <a:cs typeface="Times New Roman" panose="02020603050405020304" pitchFamily="18" charset="0"/>
                           </a:rPr>
@@ -29840,7 +29883,7 @@
                       </m:sub>
                     </m:sSub>
                     <m:r>
-                      <a:rPr lang="en-US" sz="1800" b="0" i="1" smtClean="0">
+                      <a:rPr lang="en-US" sz="2400" b="0" i="1" smtClean="0">
                         <a:latin typeface="Cambria Math" panose="02040503050406030204" pitchFamily="18" charset="0"/>
                         <a:cs typeface="Times New Roman" panose="02020603050405020304" pitchFamily="18" charset="0"/>
                       </a:rPr>
@@ -29849,7 +29892,7 @@
                   </m:oMath>
                 </a14:m>
                 <a:r>
-                  <a:rPr lang="en-US" sz="1800" dirty="0">
+                  <a:rPr lang="en-US" sz="2400" dirty="0">
                     <a:cs typeface="Times New Roman" panose="02020603050405020304" pitchFamily="18" charset="0"/>
                   </a:rPr>
                   <a:t> and </a:t>
@@ -29857,14 +29900,14 @@
                 <a14:m>
                   <m:oMath xmlns:m="http://schemas.openxmlformats.org/officeDocument/2006/math">
                     <m:r>
-                      <a:rPr lang="en-US" sz="1800" b="0" i="1" smtClean="0">
+                      <a:rPr lang="en-US" sz="2400" b="0" i="1" smtClean="0">
                         <a:latin typeface="Cambria Math" panose="02040503050406030204" pitchFamily="18" charset="0"/>
                         <a:cs typeface="Times New Roman" panose="02020603050405020304" pitchFamily="18" charset="0"/>
                       </a:rPr>
                       <m:t>𝑢</m:t>
                     </m:r>
                     <m:r>
-                      <a:rPr lang="en-US" sz="1800" b="0" i="1" smtClean="0">
+                      <a:rPr lang="en-US" sz="2400" b="0" i="1" smtClean="0">
                         <a:latin typeface="Cambria Math" panose="02040503050406030204" pitchFamily="18" charset="0"/>
                         <a:cs typeface="Times New Roman" panose="02020603050405020304" pitchFamily="18" charset="0"/>
                       </a:rPr>
@@ -29873,7 +29916,7 @@
                     <m:sSub>
                       <m:sSubPr>
                         <m:ctrlPr>
-                          <a:rPr lang="en-US" sz="1800" b="0" i="1" smtClean="0">
+                          <a:rPr lang="en-US" sz="2400" b="0" i="1" smtClean="0">
                             <a:latin typeface="Cambria Math" panose="02040503050406030204" pitchFamily="18" charset="0"/>
                             <a:cs typeface="Times New Roman" panose="02020603050405020304" pitchFamily="18" charset="0"/>
                           </a:rPr>
@@ -29881,7 +29924,7 @@
                       </m:sSubPr>
                       <m:e>
                         <m:r>
-                          <a:rPr lang="en-US" sz="1800" b="0" i="1" smtClean="0">
+                          <a:rPr lang="en-US" sz="2400" b="0" i="1" smtClean="0">
                             <a:latin typeface="Cambria Math" panose="02040503050406030204" pitchFamily="18" charset="0"/>
                             <a:cs typeface="Times New Roman" panose="02020603050405020304" pitchFamily="18" charset="0"/>
                           </a:rPr>
@@ -29890,7 +29933,7 @@
                       </m:e>
                       <m:sub>
                         <m:r>
-                          <a:rPr lang="en-US" sz="1800" b="0" i="1" smtClean="0">
+                          <a:rPr lang="en-US" sz="2400" b="0" i="1" smtClean="0">
                             <a:latin typeface="Cambria Math" panose="02040503050406030204" pitchFamily="18" charset="0"/>
                             <a:cs typeface="Times New Roman" panose="02020603050405020304" pitchFamily="18" charset="0"/>
                           </a:rPr>
@@ -29899,7 +29942,7 @@
                       </m:sub>
                     </m:sSub>
                     <m:r>
-                      <a:rPr lang="en-US" sz="1800" b="0" i="1" smtClean="0">
+                      <a:rPr lang="en-US" sz="2400" b="0" i="1" smtClean="0">
                         <a:latin typeface="Cambria Math" panose="02040503050406030204" pitchFamily="18" charset="0"/>
                         <a:cs typeface="Times New Roman" panose="02020603050405020304" pitchFamily="18" charset="0"/>
                       </a:rPr>
@@ -29908,7 +29951,7 @@
                   </m:oMath>
                 </a14:m>
                 <a:r>
-                  <a:rPr lang="en-US" sz="1800" dirty="0">
+                  <a:rPr lang="en-US" sz="2400" dirty="0">
                     <a:cs typeface="Times New Roman" panose="02020603050405020304" pitchFamily="18" charset="0"/>
                   </a:rPr>
                   <a:t> to </a:t>
@@ -29916,7 +29959,7 @@
                 <a14:m>
                   <m:oMath xmlns:m="http://schemas.openxmlformats.org/officeDocument/2006/math">
                     <m:r>
-                      <a:rPr lang="en-US" sz="1800" b="0" i="1" smtClean="0">
+                      <a:rPr lang="en-US" sz="2400" b="0" i="1" smtClean="0">
                         <a:latin typeface="Cambria Math" panose="02040503050406030204" pitchFamily="18" charset="0"/>
                         <a:cs typeface="Times New Roman" panose="02020603050405020304" pitchFamily="18" charset="0"/>
                       </a:rPr>
@@ -29925,7 +29968,7 @@
                     <m:d>
                       <m:dPr>
                         <m:ctrlPr>
-                          <a:rPr lang="en-US" sz="1800" b="0" i="1" smtClean="0">
+                          <a:rPr lang="en-US" sz="2400" b="0" i="1" smtClean="0">
                             <a:latin typeface="Cambria Math" panose="02040503050406030204" pitchFamily="18" charset="0"/>
                             <a:cs typeface="Times New Roman" panose="02020603050405020304" pitchFamily="18" charset="0"/>
                           </a:rPr>
@@ -29935,7 +29978,7 @@
                         <m:sSub>
                           <m:sSubPr>
                             <m:ctrlPr>
-                              <a:rPr lang="en-US" sz="1800" b="0" i="1" smtClean="0">
+                              <a:rPr lang="en-US" sz="2400" b="0" i="1" smtClean="0">
                                 <a:latin typeface="Cambria Math" panose="02040503050406030204" pitchFamily="18" charset="0"/>
                                 <a:cs typeface="Times New Roman" panose="02020603050405020304" pitchFamily="18" charset="0"/>
                               </a:rPr>
@@ -29943,7 +29986,7 @@
                           </m:sSubPr>
                           <m:e>
                             <m:r>
-                              <a:rPr lang="en-US" sz="1800" b="0" i="1" smtClean="0">
+                              <a:rPr lang="en-US" sz="2400" b="0" i="1" smtClean="0">
                                 <a:latin typeface="Cambria Math" panose="02040503050406030204" pitchFamily="18" charset="0"/>
                                 <a:cs typeface="Times New Roman" panose="02020603050405020304" pitchFamily="18" charset="0"/>
                               </a:rPr>
@@ -29952,7 +29995,7 @@
                           </m:e>
                           <m:sub>
                             <m:r>
-                              <a:rPr lang="en-US" sz="1800" b="0" i="1" smtClean="0">
+                              <a:rPr lang="en-US" sz="2400" b="0" i="1" smtClean="0">
                                 <a:latin typeface="Cambria Math" panose="02040503050406030204" pitchFamily="18" charset="0"/>
                                 <a:cs typeface="Times New Roman" panose="02020603050405020304" pitchFamily="18" charset="0"/>
                               </a:rPr>
@@ -29964,22 +30007,16 @@
                     </m:d>
                   </m:oMath>
                 </a14:m>
-                <a:endParaRPr lang="en-US" sz="1800" dirty="0">
-                  <a:cs typeface="Times New Roman" panose="02020603050405020304" pitchFamily="18" charset="0"/>
-                </a:endParaRPr>
-              </a:p>
-              <a:p>
-                <a:pPr lvl="1"/>
-                <a:r>
-                  <a:rPr lang="en-US" sz="1800" dirty="0">
-                    <a:cs typeface="Times New Roman" panose="02020603050405020304" pitchFamily="18" charset="0"/>
-                  </a:rPr>
-                  <a:t>Why do we need to do this? </a:t>
-                </a:r>
-              </a:p>
-              <a:p>
-                <a:r>
-                  <a:rPr lang="en-US" sz="2000" dirty="0">
+                <a:r>
+                  <a:rPr lang="en-US" sz="2400" dirty="0">
+                    <a:cs typeface="Times New Roman" panose="02020603050405020304" pitchFamily="18" charset="0"/>
+                  </a:rPr>
+                  <a:t> </a:t>
+                </a:r>
+              </a:p>
+              <a:p>
+                <a:r>
+                  <a:rPr lang="en-US" sz="2400" dirty="0">
                     <a:cs typeface="Times New Roman" panose="02020603050405020304" pitchFamily="18" charset="0"/>
                   </a:rPr>
                   <a:t>Then, we model </a:t>
@@ -29989,7 +30026,7 @@
                     <m:sSub>
                       <m:sSubPr>
                         <m:ctrlPr>
-                          <a:rPr lang="en-US" sz="2000" b="0" i="1" smtClean="0">
+                          <a:rPr lang="en-US" sz="2400" b="0" i="1" smtClean="0">
                             <a:latin typeface="Cambria Math" panose="02040503050406030204" pitchFamily="18" charset="0"/>
                             <a:cs typeface="Times New Roman" panose="02020603050405020304" pitchFamily="18" charset="0"/>
                           </a:rPr>
@@ -29997,7 +30034,7 @@
                       </m:sSubPr>
                       <m:e>
                         <m:r>
-                          <a:rPr lang="en-US" sz="2000" b="0" i="1" smtClean="0">
+                          <a:rPr lang="en-US" sz="2400" b="0" i="1" smtClean="0">
                             <a:latin typeface="Cambria Math" panose="02040503050406030204" pitchFamily="18" charset="0"/>
                             <a:cs typeface="Times New Roman" panose="02020603050405020304" pitchFamily="18" charset="0"/>
                           </a:rPr>
@@ -30006,7 +30043,7 @@
                       </m:e>
                       <m:sub>
                         <m:r>
-                          <a:rPr lang="en-US" sz="2000" b="0" i="1" smtClean="0">
+                          <a:rPr lang="en-US" sz="2400" b="0" i="1" smtClean="0">
                             <a:latin typeface="Cambria Math" panose="02040503050406030204" pitchFamily="18" charset="0"/>
                             <a:cs typeface="Times New Roman" panose="02020603050405020304" pitchFamily="18" charset="0"/>
                           </a:rPr>
@@ -30015,7 +30052,7 @@
                       </m:sub>
                     </m:sSub>
                     <m:r>
-                      <a:rPr lang="en-US" sz="2000" b="0" i="0" smtClean="0">
+                      <a:rPr lang="en-US" sz="2400" b="0" i="0" smtClean="0">
                         <a:latin typeface="Cambria Math" panose="02040503050406030204" pitchFamily="18" charset="0"/>
                         <a:cs typeface="Times New Roman" panose="02020603050405020304" pitchFamily="18" charset="0"/>
                       </a:rPr>
@@ -30024,7 +30061,7 @@
                   </m:oMath>
                 </a14:m>
                 <a:r>
-                  <a:rPr lang="en-US" sz="2000" dirty="0">
+                  <a:rPr lang="en-US" sz="2400" dirty="0">
                     <a:cs typeface="Times New Roman" panose="02020603050405020304" pitchFamily="18" charset="0"/>
                   </a:rPr>
                   <a:t>the utility of choice </a:t>
@@ -30032,7 +30069,7 @@
                 <a14:m>
                   <m:oMath xmlns:m="http://schemas.openxmlformats.org/officeDocument/2006/math">
                     <m:r>
-                      <a:rPr lang="en-US" sz="2000" b="0" i="1" smtClean="0">
+                      <a:rPr lang="en-US" sz="2400" b="0" i="1" smtClean="0">
                         <a:latin typeface="Cambria Math" panose="02040503050406030204" pitchFamily="18" charset="0"/>
                         <a:cs typeface="Times New Roman" panose="02020603050405020304" pitchFamily="18" charset="0"/>
                       </a:rPr>
@@ -30041,7 +30078,7 @@
                   </m:oMath>
                 </a14:m>
                 <a:r>
-                  <a:rPr lang="en-US" sz="2000" dirty="0">
+                  <a:rPr lang="en-US" sz="2400" dirty="0">
                     <a:cs typeface="Times New Roman" panose="02020603050405020304" pitchFamily="18" charset="0"/>
                   </a:rPr>
                   <a:t> compared to choice </a:t>
@@ -30049,7 +30086,7 @@
                 <a14:m>
                   <m:oMath xmlns:m="http://schemas.openxmlformats.org/officeDocument/2006/math">
                     <m:r>
-                      <a:rPr lang="en-US" sz="2000" b="0" i="1" smtClean="0">
+                      <a:rPr lang="en-US" sz="2400" b="0" i="1" smtClean="0">
                         <a:latin typeface="Cambria Math" panose="02040503050406030204" pitchFamily="18" charset="0"/>
                         <a:cs typeface="Times New Roman" panose="02020603050405020304" pitchFamily="18" charset="0"/>
                       </a:rPr>
@@ -30058,7 +30095,7 @@
                   </m:oMath>
                 </a14:m>
                 <a:r>
-                  <a:rPr lang="en-US" sz="2000" dirty="0">
+                  <a:rPr lang="en-US" sz="2400" dirty="0">
                     <a:cs typeface="Times New Roman" panose="02020603050405020304" pitchFamily="18" charset="0"/>
                   </a:rPr>
                   <a:t> as: </a:t>
@@ -30077,7 +30114,7 @@
                       <m:sSub>
                         <m:sSubPr>
                           <m:ctrlPr>
-                            <a:rPr lang="en-US" sz="2000" b="0" i="1" smtClean="0">
+                            <a:rPr lang="en-US" sz="2400" b="0" i="1" smtClean="0">
                               <a:latin typeface="Cambria Math" panose="02040503050406030204" pitchFamily="18" charset="0"/>
                               <a:cs typeface="Times New Roman" panose="02020603050405020304" pitchFamily="18" charset="0"/>
                             </a:rPr>
@@ -30085,7 +30122,7 @@
                         </m:sSubPr>
                         <m:e>
                           <m:r>
-                            <a:rPr lang="en-US" sz="2000" b="0" i="1" smtClean="0">
+                            <a:rPr lang="en-US" sz="2400" b="0" i="1" smtClean="0">
                               <a:latin typeface="Cambria Math" panose="02040503050406030204" pitchFamily="18" charset="0"/>
                               <a:cs typeface="Times New Roman" panose="02020603050405020304" pitchFamily="18" charset="0"/>
                             </a:rPr>
@@ -30094,7 +30131,7 @@
                         </m:e>
                         <m:sub>
                           <m:r>
-                            <a:rPr lang="en-US" sz="2000" b="0" i="1" smtClean="0">
+                            <a:rPr lang="en-US" sz="2400" b="0" i="1" smtClean="0">
                               <a:latin typeface="Cambria Math" panose="02040503050406030204" pitchFamily="18" charset="0"/>
                               <a:cs typeface="Times New Roman" panose="02020603050405020304" pitchFamily="18" charset="0"/>
                             </a:rPr>
@@ -30103,7 +30140,7 @@
                         </m:sub>
                       </m:sSub>
                       <m:r>
-                        <a:rPr lang="en-US" sz="2000" b="0" i="1" smtClean="0">
+                        <a:rPr lang="en-US" sz="2400" b="0" i="1" smtClean="0">
                           <a:latin typeface="Cambria Math" panose="02040503050406030204" pitchFamily="18" charset="0"/>
                           <a:cs typeface="Times New Roman" panose="02020603050405020304" pitchFamily="18" charset="0"/>
                         </a:rPr>
@@ -30112,7 +30149,7 @@
                       <m:sSub>
                         <m:sSubPr>
                           <m:ctrlPr>
-                            <a:rPr lang="en-US" sz="2000" b="0" i="1" smtClean="0">
+                            <a:rPr lang="en-US" sz="2400" b="0" i="1" smtClean="0">
                               <a:latin typeface="Cambria Math" panose="02040503050406030204" pitchFamily="18" charset="0"/>
                               <a:cs typeface="Times New Roman" panose="02020603050405020304" pitchFamily="18" charset="0"/>
                             </a:rPr>
@@ -30120,7 +30157,7 @@
                         </m:sSubPr>
                         <m:e>
                           <m:r>
-                            <a:rPr lang="en-US" sz="2000" b="0" i="1" smtClean="0">
+                            <a:rPr lang="en-US" sz="2400" b="0" i="1" smtClean="0">
                               <a:latin typeface="Cambria Math" panose="02040503050406030204" pitchFamily="18" charset="0"/>
                               <a:cs typeface="Times New Roman" panose="02020603050405020304" pitchFamily="18" charset="0"/>
                             </a:rPr>
@@ -30129,7 +30166,7 @@
                         </m:e>
                         <m:sub>
                           <m:r>
-                            <a:rPr lang="en-US" sz="2000" b="0" i="1" smtClean="0">
+                            <a:rPr lang="en-US" sz="2400" b="0" i="1" smtClean="0">
                               <a:latin typeface="Cambria Math" panose="02040503050406030204" pitchFamily="18" charset="0"/>
                               <a:cs typeface="Times New Roman" panose="02020603050405020304" pitchFamily="18" charset="0"/>
                             </a:rPr>
@@ -30138,7 +30175,7 @@
                         </m:sub>
                       </m:sSub>
                       <m:r>
-                        <a:rPr lang="en-US" sz="2000" b="0" i="1" smtClean="0">
+                        <a:rPr lang="en-US" sz="2400" b="0" i="1" smtClean="0">
                           <a:latin typeface="Cambria Math" panose="02040503050406030204" pitchFamily="18" charset="0"/>
                           <a:cs typeface="Times New Roman" panose="02020603050405020304" pitchFamily="18" charset="0"/>
                         </a:rPr>
@@ -30147,7 +30184,7 @@
                       <m:sSub>
                         <m:sSubPr>
                           <m:ctrlPr>
-                            <a:rPr lang="en-US" sz="2000" b="0" i="1" smtClean="0">
+                            <a:rPr lang="en-US" sz="2400" b="0" i="1" smtClean="0">
                               <a:latin typeface="Cambria Math" panose="02040503050406030204" pitchFamily="18" charset="0"/>
                               <a:cs typeface="Times New Roman" panose="02020603050405020304" pitchFamily="18" charset="0"/>
                             </a:rPr>
@@ -30155,7 +30192,7 @@
                         </m:sSubPr>
                         <m:e>
                           <m:r>
-                            <a:rPr lang="en-US" sz="2000" b="0" i="1" smtClean="0">
+                            <a:rPr lang="en-US" sz="2400" b="0" i="1" smtClean="0">
                               <a:latin typeface="Cambria Math" panose="02040503050406030204" pitchFamily="18" charset="0"/>
                               <a:cs typeface="Times New Roman" panose="02020603050405020304" pitchFamily="18" charset="0"/>
                             </a:rPr>
@@ -30164,14 +30201,14 @@
                         </m:e>
                         <m:sub>
                           <m:r>
-                            <a:rPr lang="en-US" sz="2000" b="0" i="1" smtClean="0">
+                            <a:rPr lang="en-US" sz="2400" b="0" i="1" smtClean="0">
                               <a:latin typeface="Cambria Math" panose="02040503050406030204" pitchFamily="18" charset="0"/>
                               <a:cs typeface="Times New Roman" panose="02020603050405020304" pitchFamily="18" charset="0"/>
                             </a:rPr>
                             <m:t>𝑗</m:t>
                           </m:r>
                           <m:r>
-                            <a:rPr lang="en-US" sz="2000" b="0" i="1" smtClean="0">
+                            <a:rPr lang="en-US" sz="2400" b="0" i="1" smtClean="0">
                               <a:latin typeface="Cambria Math" panose="02040503050406030204" pitchFamily="18" charset="0"/>
                               <a:cs typeface="Times New Roman" panose="02020603050405020304" pitchFamily="18" charset="0"/>
                             </a:rPr>
@@ -30182,7 +30219,7 @@
                       <m:sSub>
                         <m:sSubPr>
                           <m:ctrlPr>
-                            <a:rPr lang="en-US" sz="2000" b="0" i="1" smtClean="0">
+                            <a:rPr lang="en-US" sz="2400" b="0" i="1" smtClean="0">
                               <a:latin typeface="Cambria Math" panose="02040503050406030204" pitchFamily="18" charset="0"/>
                               <a:cs typeface="Times New Roman" panose="02020603050405020304" pitchFamily="18" charset="0"/>
                             </a:rPr>
@@ -30190,7 +30227,7 @@
                         </m:sSubPr>
                         <m:e>
                           <m:r>
-                            <a:rPr lang="en-US" sz="2000" b="0" i="1" smtClean="0">
+                            <a:rPr lang="en-US" sz="2400" b="0" i="1" smtClean="0">
                               <a:latin typeface="Cambria Math" panose="02040503050406030204" pitchFamily="18" charset="0"/>
                               <a:cs typeface="Times New Roman" panose="02020603050405020304" pitchFamily="18" charset="0"/>
                             </a:rPr>
@@ -30199,14 +30236,14 @@
                         </m:e>
                         <m:sub>
                           <m:r>
-                            <a:rPr lang="en-US" sz="2000" b="0" i="1" smtClean="0">
+                            <a:rPr lang="en-US" sz="2400" b="0" i="1" smtClean="0">
                               <a:latin typeface="Cambria Math" panose="02040503050406030204" pitchFamily="18" charset="0"/>
                               <a:cs typeface="Times New Roman" panose="02020603050405020304" pitchFamily="18" charset="0"/>
                             </a:rPr>
                             <m:t>1</m:t>
                           </m:r>
                           <m:r>
-                            <a:rPr lang="en-US" sz="2000" b="0" i="1" smtClean="0">
+                            <a:rPr lang="en-US" sz="2400" b="0" i="1" smtClean="0">
                               <a:latin typeface="Cambria Math" panose="02040503050406030204" pitchFamily="18" charset="0"/>
                               <a:cs typeface="Times New Roman" panose="02020603050405020304" pitchFamily="18" charset="0"/>
                             </a:rPr>
@@ -30215,7 +30252,7 @@
                         </m:sub>
                       </m:sSub>
                       <m:r>
-                        <a:rPr lang="en-US" sz="2000" b="0" i="1" smtClean="0">
+                        <a:rPr lang="en-US" sz="2400" b="0" i="1" smtClean="0">
                           <a:latin typeface="Cambria Math" panose="02040503050406030204" pitchFamily="18" charset="0"/>
                           <a:cs typeface="Times New Roman" panose="02020603050405020304" pitchFamily="18" charset="0"/>
                         </a:rPr>
@@ -30224,7 +30261,7 @@
                       <m:sSub>
                         <m:sSubPr>
                           <m:ctrlPr>
-                            <a:rPr lang="en-US" sz="2000" b="0" i="1" smtClean="0">
+                            <a:rPr lang="en-US" sz="2400" b="0" i="1" smtClean="0">
                               <a:latin typeface="Cambria Math" panose="02040503050406030204" pitchFamily="18" charset="0"/>
                               <a:cs typeface="Times New Roman" panose="02020603050405020304" pitchFamily="18" charset="0"/>
                             </a:rPr>
@@ -30232,7 +30269,7 @@
                         </m:sSubPr>
                         <m:e>
                           <m:r>
-                            <a:rPr lang="en-US" sz="2000" b="0" i="1" smtClean="0">
+                            <a:rPr lang="en-US" sz="2400" b="0" i="1" smtClean="0">
                               <a:latin typeface="Cambria Math" panose="02040503050406030204" pitchFamily="18" charset="0"/>
                               <a:cs typeface="Times New Roman" panose="02020603050405020304" pitchFamily="18" charset="0"/>
                             </a:rPr>
@@ -30241,14 +30278,14 @@
                         </m:e>
                         <m:sub>
                           <m:r>
-                            <a:rPr lang="en-US" sz="2000" b="0" i="1" smtClean="0">
+                            <a:rPr lang="en-US" sz="2400" b="0" i="1" smtClean="0">
                               <a:latin typeface="Cambria Math" panose="02040503050406030204" pitchFamily="18" charset="0"/>
                               <a:cs typeface="Times New Roman" panose="02020603050405020304" pitchFamily="18" charset="0"/>
                             </a:rPr>
                             <m:t>𝑗</m:t>
                           </m:r>
                           <m:r>
-                            <a:rPr lang="en-US" sz="2000" b="0" i="1" smtClean="0">
+                            <a:rPr lang="en-US" sz="2400" b="0" i="1" smtClean="0">
                               <a:latin typeface="Cambria Math" panose="02040503050406030204" pitchFamily="18" charset="0"/>
                               <a:cs typeface="Times New Roman" panose="02020603050405020304" pitchFamily="18" charset="0"/>
                             </a:rPr>
@@ -30259,7 +30296,7 @@
                       <m:sSub>
                         <m:sSubPr>
                           <m:ctrlPr>
-                            <a:rPr lang="en-US" sz="2000" b="0" i="1" smtClean="0">
+                            <a:rPr lang="en-US" sz="2400" b="0" i="1" smtClean="0">
                               <a:latin typeface="Cambria Math" panose="02040503050406030204" pitchFamily="18" charset="0"/>
                               <a:cs typeface="Times New Roman" panose="02020603050405020304" pitchFamily="18" charset="0"/>
                             </a:rPr>
@@ -30267,7 +30304,7 @@
                         </m:sSubPr>
                         <m:e>
                           <m:r>
-                            <a:rPr lang="en-US" sz="2000" b="0" i="1" smtClean="0">
+                            <a:rPr lang="en-US" sz="2400" b="0" i="1" smtClean="0">
                               <a:latin typeface="Cambria Math" panose="02040503050406030204" pitchFamily="18" charset="0"/>
                               <a:cs typeface="Times New Roman" panose="02020603050405020304" pitchFamily="18" charset="0"/>
                             </a:rPr>
@@ -30276,14 +30313,14 @@
                         </m:e>
                         <m:sub>
                           <m:r>
-                            <a:rPr lang="en-US" sz="2000" b="0" i="1" smtClean="0">
+                            <a:rPr lang="en-US" sz="2400" b="0" i="1" smtClean="0">
                               <a:latin typeface="Cambria Math" panose="02040503050406030204" pitchFamily="18" charset="0"/>
                               <a:cs typeface="Times New Roman" panose="02020603050405020304" pitchFamily="18" charset="0"/>
                             </a:rPr>
                             <m:t>2</m:t>
                           </m:r>
                           <m:r>
-                            <a:rPr lang="en-US" sz="2000" b="0" i="1" smtClean="0">
+                            <a:rPr lang="en-US" sz="2400" b="0" i="1" smtClean="0">
                               <a:latin typeface="Cambria Math" panose="02040503050406030204" pitchFamily="18" charset="0"/>
                               <a:cs typeface="Times New Roman" panose="02020603050405020304" pitchFamily="18" charset="0"/>
                             </a:rPr>
@@ -30292,7 +30329,7 @@
                         </m:sub>
                       </m:sSub>
                       <m:r>
-                        <a:rPr lang="en-US" sz="2000" b="0" i="1" smtClean="0">
+                        <a:rPr lang="en-US" sz="2400" b="0" i="1" smtClean="0">
                           <a:latin typeface="Cambria Math" panose="02040503050406030204" pitchFamily="18" charset="0"/>
                           <a:cs typeface="Times New Roman" panose="02020603050405020304" pitchFamily="18" charset="0"/>
                         </a:rPr>
@@ -30301,7 +30338,7 @@
                       <m:sSub>
                         <m:sSubPr>
                           <m:ctrlPr>
-                            <a:rPr lang="en-US" sz="2000" b="0" i="1" smtClean="0">
+                            <a:rPr lang="en-US" sz="2400" b="0" i="1" smtClean="0">
                               <a:latin typeface="Cambria Math" panose="02040503050406030204" pitchFamily="18" charset="0"/>
                               <a:cs typeface="Times New Roman" panose="02020603050405020304" pitchFamily="18" charset="0"/>
                             </a:rPr>
@@ -30309,7 +30346,7 @@
                         </m:sSubPr>
                         <m:e>
                           <m:r>
-                            <a:rPr lang="en-US" sz="2000" b="0" i="1" smtClean="0">
+                            <a:rPr lang="en-US" sz="2400" b="0" i="1" smtClean="0">
                               <a:latin typeface="Cambria Math" panose="02040503050406030204" pitchFamily="18" charset="0"/>
                               <a:cs typeface="Times New Roman" panose="02020603050405020304" pitchFamily="18" charset="0"/>
                             </a:rPr>
@@ -30318,7 +30355,7 @@
                         </m:e>
                         <m:sub>
                           <m:r>
-                            <a:rPr lang="en-US" sz="2000" b="0" i="1" smtClean="0">
+                            <a:rPr lang="en-US" sz="2400" b="0" i="1" smtClean="0">
                               <a:latin typeface="Cambria Math" panose="02040503050406030204" pitchFamily="18" charset="0"/>
                               <a:cs typeface="Times New Roman" panose="02020603050405020304" pitchFamily="18" charset="0"/>
                             </a:rPr>
@@ -30329,7 +30366,7 @@
                       <m:sSub>
                         <m:sSubPr>
                           <m:ctrlPr>
-                            <a:rPr lang="en-US" sz="2000" b="0" i="1" smtClean="0">
+                            <a:rPr lang="en-US" sz="2400" b="0" i="1" smtClean="0">
                               <a:latin typeface="Cambria Math" panose="02040503050406030204" pitchFamily="18" charset="0"/>
                               <a:cs typeface="Times New Roman" panose="02020603050405020304" pitchFamily="18" charset="0"/>
                             </a:rPr>
@@ -30337,7 +30374,7 @@
                         </m:sSubPr>
                         <m:e>
                           <m:r>
-                            <a:rPr lang="en-US" sz="2000" b="0" i="1" smtClean="0">
+                            <a:rPr lang="en-US" sz="2400" b="0" i="1" smtClean="0">
                               <a:latin typeface="Cambria Math" panose="02040503050406030204" pitchFamily="18" charset="0"/>
                               <a:cs typeface="Times New Roman" panose="02020603050405020304" pitchFamily="18" charset="0"/>
                             </a:rPr>
@@ -30346,7 +30383,7 @@
                         </m:e>
                         <m:sub>
                           <m:r>
-                            <a:rPr lang="en-US" sz="2000" b="0" i="1" smtClean="0">
+                            <a:rPr lang="en-US" sz="2400" b="0" i="1" smtClean="0">
                               <a:latin typeface="Cambria Math" panose="02040503050406030204" pitchFamily="18" charset="0"/>
                               <a:cs typeface="Times New Roman" panose="02020603050405020304" pitchFamily="18" charset="0"/>
                             </a:rPr>
@@ -30355,7 +30392,7 @@
                         </m:sub>
                       </m:sSub>
                       <m:r>
-                        <a:rPr lang="en-US" sz="2000" b="0" i="1" smtClean="0">
+                        <a:rPr lang="en-US" sz="2400" b="0" i="1" smtClean="0">
                           <a:latin typeface="Cambria Math" panose="02040503050406030204" pitchFamily="18" charset="0"/>
                           <a:cs typeface="Times New Roman" panose="02020603050405020304" pitchFamily="18" charset="0"/>
                         </a:rPr>
@@ -30364,7 +30401,7 @@
                       <m:sSub>
                         <m:sSubPr>
                           <m:ctrlPr>
-                            <a:rPr lang="en-US" sz="2000" b="0" i="1" smtClean="0">
+                            <a:rPr lang="en-US" sz="2400" b="0" i="1" smtClean="0">
                               <a:latin typeface="Cambria Math" panose="02040503050406030204" pitchFamily="18" charset="0"/>
                               <a:cs typeface="Times New Roman" panose="02020603050405020304" pitchFamily="18" charset="0"/>
                             </a:rPr>
@@ -30372,7 +30409,7 @@
                         </m:sSubPr>
                         <m:e>
                           <m:r>
-                            <a:rPr lang="en-US" sz="2000" b="0" i="1" smtClean="0">
+                            <a:rPr lang="en-US" sz="2400" b="0" i="1" smtClean="0">
                               <a:latin typeface="Cambria Math" panose="02040503050406030204" pitchFamily="18" charset="0"/>
                               <a:cs typeface="Times New Roman" panose="02020603050405020304" pitchFamily="18" charset="0"/>
                             </a:rPr>
@@ -30381,7 +30418,7 @@
                         </m:e>
                         <m:sub>
                           <m:r>
-                            <a:rPr lang="en-US" sz="2000" b="0" i="1" smtClean="0">
+                            <a:rPr lang="en-US" sz="2400" b="0" i="1" smtClean="0">
                               <a:latin typeface="Cambria Math" panose="02040503050406030204" pitchFamily="18" charset="0"/>
                               <a:cs typeface="Times New Roman" panose="02020603050405020304" pitchFamily="18" charset="0"/>
                             </a:rPr>
@@ -30392,13 +30429,13 @@
                     </m:oMath>
                   </m:oMathPara>
                 </a14:m>
-                <a:endParaRPr lang="en-US" sz="2000" dirty="0">
+                <a:endParaRPr lang="en-US" sz="2400" dirty="0">
                   <a:cs typeface="Times New Roman" panose="02020603050405020304" pitchFamily="18" charset="0"/>
                 </a:endParaRPr>
               </a:p>
               <a:p>
                 <a:r>
-                  <a:rPr lang="en-US" sz="2000" dirty="0">
+                  <a:rPr lang="en-US" sz="2400" dirty="0">
                     <a:cs typeface="Times New Roman" panose="02020603050405020304" pitchFamily="18" charset="0"/>
                   </a:rPr>
                   <a:t>Do you see the logit forming here? How do we get to binary choice (logit)? </a:t>
@@ -30407,7 +30444,7 @@
               <a:p>
                 <a:pPr lvl="1"/>
                 <a:r>
-                  <a:rPr lang="en-US" sz="1800" dirty="0">
+                  <a:rPr lang="en-US" sz="2400" dirty="0">
                     <a:cs typeface="Times New Roman" panose="02020603050405020304" pitchFamily="18" charset="0"/>
                   </a:rPr>
                   <a:t>In reality, we are estimating </a:t>
@@ -30415,14 +30452,14 @@
                 <a14:m>
                   <m:oMath xmlns:m="http://schemas.openxmlformats.org/officeDocument/2006/math">
                     <m:r>
-                      <a:rPr lang="en-US" sz="1800" b="0" i="1" smtClean="0">
+                      <a:rPr lang="en-US" sz="2400" b="0" i="1" smtClean="0">
                         <a:latin typeface="Cambria Math" panose="02040503050406030204" pitchFamily="18" charset="0"/>
                         <a:cs typeface="Times New Roman" panose="02020603050405020304" pitchFamily="18" charset="0"/>
                       </a:rPr>
                       <m:t>𝐽</m:t>
                     </m:r>
                     <m:r>
-                      <a:rPr lang="en-US" sz="1800" b="0" i="1" smtClean="0">
+                      <a:rPr lang="en-US" sz="2400" b="0" i="1" smtClean="0">
                         <a:latin typeface="Cambria Math" panose="02040503050406030204" pitchFamily="18" charset="0"/>
                         <a:cs typeface="Times New Roman" panose="02020603050405020304" pitchFamily="18" charset="0"/>
                       </a:rPr>
@@ -30431,26 +30468,25 @@
                   </m:oMath>
                 </a14:m>
                 <a:r>
-                  <a:rPr lang="en-US" sz="1800" dirty="0">
+                  <a:rPr lang="en-US" sz="2400" dirty="0">
                     <a:cs typeface="Times New Roman" panose="02020603050405020304" pitchFamily="18" charset="0"/>
                   </a:rPr>
                   <a:t> logits!</a:t>
                 </a:r>
               </a:p>
               <a:p>
-                <a:pPr lvl="1"/>
-                <a:r>
-                  <a:rPr lang="en-US" sz="1800" dirty="0">
-                    <a:cs typeface="Times New Roman" panose="02020603050405020304" pitchFamily="18" charset="0"/>
-                  </a:rPr>
-                  <a:t>What does </a:t>
+                <a:r>
+                  <a:rPr lang="en-US" sz="2400" dirty="0">
+                    <a:cs typeface="Times New Roman" panose="02020603050405020304" pitchFamily="18" charset="0"/>
+                  </a:rPr>
+                  <a:t>Under the logit assumptions (about </a:t>
                 </a:r>
                 <a14:m>
                   <m:oMath xmlns:m="http://schemas.openxmlformats.org/officeDocument/2006/math">
                     <m:sSub>
                       <m:sSubPr>
                         <m:ctrlPr>
-                          <a:rPr lang="en-US" sz="1800" b="0" i="1" smtClean="0">
+                          <a:rPr lang="en-US" sz="2400" b="0" i="1" smtClean="0">
                             <a:latin typeface="Cambria Math" panose="02040503050406030204" pitchFamily="18" charset="0"/>
                             <a:cs typeface="Times New Roman" panose="02020603050405020304" pitchFamily="18" charset="0"/>
                           </a:rPr>
@@ -30458,53 +30494,7 @@
                       </m:sSubPr>
                       <m:e>
                         <m:r>
-                          <a:rPr lang="en-US" sz="1800" b="0" i="1" smtClean="0">
-                            <a:latin typeface="Cambria Math" panose="02040503050406030204" pitchFamily="18" charset="0"/>
-                            <a:cs typeface="Times New Roman" panose="02020603050405020304" pitchFamily="18" charset="0"/>
-                          </a:rPr>
-                          <m:t>𝛼</m:t>
-                        </m:r>
-                      </m:e>
-                      <m:sub>
-                        <m:r>
-                          <a:rPr lang="en-US" sz="1800" b="0" i="1" smtClean="0">
-                            <a:latin typeface="Cambria Math" panose="02040503050406030204" pitchFamily="18" charset="0"/>
-                            <a:cs typeface="Times New Roman" panose="02020603050405020304" pitchFamily="18" charset="0"/>
-                          </a:rPr>
-                          <m:t>𝑗</m:t>
-                        </m:r>
-                      </m:sub>
-                    </m:sSub>
-                  </m:oMath>
-                </a14:m>
-                <a:r>
-                  <a:rPr lang="en-US" sz="1800" dirty="0">
-                    <a:cs typeface="Times New Roman" panose="02020603050405020304" pitchFamily="18" charset="0"/>
-                  </a:rPr>
-                  <a:t> represent? </a:t>
-                </a:r>
-              </a:p>
-              <a:p>
-                <a:r>
-                  <a:rPr lang="en-US" sz="2000" dirty="0">
-                    <a:cs typeface="Times New Roman" panose="02020603050405020304" pitchFamily="18" charset="0"/>
-                  </a:rPr>
-                  <a:t>Under the logit assumptions (about </a:t>
-                </a:r>
-                <a14:m>
-                  <m:oMath xmlns:m="http://schemas.openxmlformats.org/officeDocument/2006/math">
-                    <m:sSub>
-                      <m:sSubPr>
-                        <m:ctrlPr>
-                          <a:rPr lang="en-US" sz="2000" b="0" i="1" smtClean="0">
-                            <a:latin typeface="Cambria Math" panose="02040503050406030204" pitchFamily="18" charset="0"/>
-                            <a:cs typeface="Times New Roman" panose="02020603050405020304" pitchFamily="18" charset="0"/>
-                          </a:rPr>
-                        </m:ctrlPr>
-                      </m:sSubPr>
-                      <m:e>
-                        <m:r>
-                          <a:rPr lang="en-US" sz="2000" b="0" i="1" smtClean="0">
+                          <a:rPr lang="en-US" sz="2400" b="0" i="1" smtClean="0">
                             <a:latin typeface="Cambria Math" panose="02040503050406030204" pitchFamily="18" charset="0"/>
                             <a:cs typeface="Times New Roman" panose="02020603050405020304" pitchFamily="18" charset="0"/>
                           </a:rPr>
@@ -30513,7 +30503,7 @@
                       </m:e>
                       <m:sub>
                         <m:r>
-                          <a:rPr lang="en-US" sz="2000" b="0" i="1" smtClean="0">
+                          <a:rPr lang="en-US" sz="2400" b="0" i="1" smtClean="0">
                             <a:latin typeface="Cambria Math" panose="02040503050406030204" pitchFamily="18" charset="0"/>
                             <a:cs typeface="Times New Roman" panose="02020603050405020304" pitchFamily="18" charset="0"/>
                           </a:rPr>
@@ -30524,18 +30514,18 @@
                   </m:oMath>
                 </a14:m>
                 <a:r>
-                  <a:rPr lang="en-US" sz="2000" dirty="0">
-                    <a:cs typeface="Times New Roman" panose="02020603050405020304" pitchFamily="18" charset="0"/>
-                  </a:rPr>
-                  <a:t>), we can construct </a:t>
-                </a:r>
-                <a:r>
-                  <a:rPr lang="en-US" sz="2000" b="1" dirty="0">
+                  <a:rPr lang="en-US" sz="2400" dirty="0">
+                    <a:cs typeface="Times New Roman" panose="02020603050405020304" pitchFamily="18" charset="0"/>
+                  </a:rPr>
+                  <a:t>), we construct </a:t>
+                </a:r>
+                <a:r>
+                  <a:rPr lang="en-US" sz="2400" b="1" dirty="0">
                     <a:cs typeface="Times New Roman" panose="02020603050405020304" pitchFamily="18" charset="0"/>
                   </a:rPr>
                   <a:t>choice probabilities:</a:t>
                 </a:r>
-                <a:endParaRPr lang="en-US" sz="2000" dirty="0">
+                <a:endParaRPr lang="en-US" sz="2400" dirty="0">
                   <a:cs typeface="Times New Roman" panose="02020603050405020304" pitchFamily="18" charset="0"/>
                 </a:endParaRPr>
               </a:p>
@@ -30552,7 +30542,7 @@
                       <m:func>
                         <m:funcPr>
                           <m:ctrlPr>
-                            <a:rPr lang="en-US" sz="2000" b="0" i="1" smtClean="0">
+                            <a:rPr lang="en-US" sz="2400" b="0" i="1" smtClean="0">
                               <a:latin typeface="Cambria Math" panose="02040503050406030204" pitchFamily="18" charset="0"/>
                               <a:cs typeface="Times New Roman" panose="02020603050405020304" pitchFamily="18" charset="0"/>
                             </a:rPr>
@@ -30563,7 +30553,7 @@
                             <m:rPr>
                               <m:sty m:val="p"/>
                             </m:rPr>
-                            <a:rPr lang="en-US" sz="2000" b="0" i="0" smtClean="0">
+                            <a:rPr lang="en-US" sz="2400" b="0" i="0" smtClean="0">
                               <a:latin typeface="Cambria Math" panose="02040503050406030204" pitchFamily="18" charset="0"/>
                               <a:cs typeface="Times New Roman" panose="02020603050405020304" pitchFamily="18" charset="0"/>
                             </a:rPr>
@@ -30574,7 +30564,7 @@
                           <m:d>
                             <m:dPr>
                               <m:ctrlPr>
-                                <a:rPr lang="en-US" sz="2000" b="0" i="1" smtClean="0">
+                                <a:rPr lang="en-US" sz="2400" b="0" i="1" smtClean="0">
                                   <a:latin typeface="Cambria Math" panose="02040503050406030204" pitchFamily="18" charset="0"/>
                                   <a:cs typeface="Times New Roman" panose="02020603050405020304" pitchFamily="18" charset="0"/>
                                 </a:rPr>
@@ -30584,7 +30574,7 @@
                               <m:sSub>
                                 <m:sSubPr>
                                   <m:ctrlPr>
-                                    <a:rPr lang="en-US" sz="2000" b="0" i="1" smtClean="0">
+                                    <a:rPr lang="en-US" sz="2400" b="0" i="1" smtClean="0">
                                       <a:latin typeface="Cambria Math" panose="02040503050406030204" pitchFamily="18" charset="0"/>
                                       <a:cs typeface="Times New Roman" panose="02020603050405020304" pitchFamily="18" charset="0"/>
                                     </a:rPr>
@@ -30592,7 +30582,7 @@
                                 </m:sSubPr>
                                 <m:e>
                                   <m:r>
-                                    <a:rPr lang="en-US" sz="2000" b="0" i="1" smtClean="0">
+                                    <a:rPr lang="en-US" sz="2400" b="0" i="1" smtClean="0">
                                       <a:latin typeface="Cambria Math" panose="02040503050406030204" pitchFamily="18" charset="0"/>
                                       <a:cs typeface="Times New Roman" panose="02020603050405020304" pitchFamily="18" charset="0"/>
                                     </a:rPr>
@@ -30601,7 +30591,7 @@
                                 </m:e>
                                 <m:sub>
                                   <m:r>
-                                    <a:rPr lang="en-US" sz="2000" b="0" i="1" smtClean="0">
+                                    <a:rPr lang="en-US" sz="2400" b="0" i="1" smtClean="0">
                                       <a:latin typeface="Cambria Math" panose="02040503050406030204" pitchFamily="18" charset="0"/>
                                       <a:cs typeface="Times New Roman" panose="02020603050405020304" pitchFamily="18" charset="0"/>
                                     </a:rPr>
@@ -30610,14 +30600,14 @@
                                 </m:sub>
                               </m:sSub>
                               <m:r>
-                                <a:rPr lang="en-US" sz="2000" b="0" i="1" smtClean="0">
+                                <a:rPr lang="en-US" sz="2400" b="0" i="1" smtClean="0">
                                   <a:latin typeface="Cambria Math" panose="02040503050406030204" pitchFamily="18" charset="0"/>
                                   <a:cs typeface="Times New Roman" panose="02020603050405020304" pitchFamily="18" charset="0"/>
                                 </a:rPr>
                                 <m:t>=</m:t>
                               </m:r>
                               <m:r>
-                                <a:rPr lang="en-US" sz="2000" b="0" i="1" smtClean="0">
+                                <a:rPr lang="en-US" sz="2400" b="0" i="1" smtClean="0">
                                   <a:latin typeface="Cambria Math" panose="02040503050406030204" pitchFamily="18" charset="0"/>
                                   <a:cs typeface="Times New Roman" panose="02020603050405020304" pitchFamily="18" charset="0"/>
                                 </a:rPr>
@@ -30628,7 +30618,7 @@
                         </m:e>
                       </m:func>
                       <m:r>
-                        <a:rPr lang="en-US" sz="2000" b="0" i="1" smtClean="0">
+                        <a:rPr lang="en-US" sz="2400" b="0" i="1" smtClean="0">
                           <a:latin typeface="Cambria Math" panose="02040503050406030204" pitchFamily="18" charset="0"/>
                           <a:cs typeface="Times New Roman" panose="02020603050405020304" pitchFamily="18" charset="0"/>
                         </a:rPr>
@@ -30637,7 +30627,7 @@
                       <m:f>
                         <m:fPr>
                           <m:ctrlPr>
-                            <a:rPr lang="en-US" sz="2000" b="0" i="1" smtClean="0">
+                            <a:rPr lang="en-US" sz="2400" b="0" i="1" smtClean="0">
                               <a:latin typeface="Cambria Math" panose="02040503050406030204" pitchFamily="18" charset="0"/>
                               <a:cs typeface="Times New Roman" panose="02020603050405020304" pitchFamily="18" charset="0"/>
                             </a:rPr>
@@ -30647,7 +30637,7 @@
                           <m:func>
                             <m:funcPr>
                               <m:ctrlPr>
-                                <a:rPr lang="en-US" sz="2000" b="0" i="1" smtClean="0">
+                                <a:rPr lang="en-US" sz="2400" b="0" i="1" smtClean="0">
                                   <a:latin typeface="Cambria Math" panose="02040503050406030204" pitchFamily="18" charset="0"/>
                                   <a:cs typeface="Times New Roman" panose="02020603050405020304" pitchFamily="18" charset="0"/>
                                 </a:rPr>
@@ -30658,7 +30648,7 @@
                                 <m:rPr>
                                   <m:sty m:val="p"/>
                                 </m:rPr>
-                                <a:rPr lang="en-US" sz="2000" b="0" i="0" smtClean="0">
+                                <a:rPr lang="en-US" sz="2400" b="0" i="0" smtClean="0">
                                   <a:latin typeface="Cambria Math" panose="02040503050406030204" pitchFamily="18" charset="0"/>
                                   <a:cs typeface="Times New Roman" panose="02020603050405020304" pitchFamily="18" charset="0"/>
                                 </a:rPr>
@@ -30669,7 +30659,7 @@
                               <m:d>
                                 <m:dPr>
                                   <m:ctrlPr>
-                                    <a:rPr lang="en-US" sz="2000" b="0" i="1" smtClean="0">
+                                    <a:rPr lang="en-US" sz="2400" b="0" i="1" smtClean="0">
                                       <a:latin typeface="Cambria Math" panose="02040503050406030204" pitchFamily="18" charset="0"/>
                                       <a:cs typeface="Times New Roman" panose="02020603050405020304" pitchFamily="18" charset="0"/>
                                     </a:rPr>
@@ -30679,7 +30669,7 @@
                                   <m:sSub>
                                     <m:sSubPr>
                                       <m:ctrlPr>
-                                        <a:rPr lang="en-US" sz="2000" b="0" i="1" smtClean="0">
+                                        <a:rPr lang="en-US" sz="2400" b="0" i="1" smtClean="0">
                                           <a:latin typeface="Cambria Math" panose="02040503050406030204" pitchFamily="18" charset="0"/>
                                           <a:cs typeface="Times New Roman" panose="02020603050405020304" pitchFamily="18" charset="0"/>
                                         </a:rPr>
@@ -30687,7 +30677,7 @@
                                     </m:sSubPr>
                                     <m:e>
                                       <m:r>
-                                        <a:rPr lang="en-US" sz="2000" b="0" i="1" smtClean="0">
+                                        <a:rPr lang="en-US" sz="2400" b="0" i="1" smtClean="0">
                                           <a:latin typeface="Cambria Math" panose="02040503050406030204" pitchFamily="18" charset="0"/>
                                           <a:cs typeface="Times New Roman" panose="02020603050405020304" pitchFamily="18" charset="0"/>
                                         </a:rPr>
@@ -30696,7 +30686,7 @@
                                     </m:e>
                                     <m:sub>
                                       <m:r>
-                                        <a:rPr lang="en-US" sz="2000" b="0" i="1" smtClean="0">
+                                        <a:rPr lang="en-US" sz="2400" b="0" i="1" smtClean="0">
                                           <a:latin typeface="Cambria Math" panose="02040503050406030204" pitchFamily="18" charset="0"/>
                                           <a:cs typeface="Times New Roman" panose="02020603050405020304" pitchFamily="18" charset="0"/>
                                         </a:rPr>
@@ -30707,7 +30697,7 @@
                                   <m:sSub>
                                     <m:sSubPr>
                                       <m:ctrlPr>
-                                        <a:rPr lang="en-US" sz="2000" b="0" i="1" smtClean="0">
+                                        <a:rPr lang="en-US" sz="2400" b="0" i="1" smtClean="0">
                                           <a:latin typeface="Cambria Math" panose="02040503050406030204" pitchFamily="18" charset="0"/>
                                           <a:cs typeface="Times New Roman" panose="02020603050405020304" pitchFamily="18" charset="0"/>
                                         </a:rPr>
@@ -30715,7 +30705,7 @@
                                     </m:sSubPr>
                                     <m:e>
                                       <m:r>
-                                        <a:rPr lang="en-US" sz="2000" b="0" i="1" smtClean="0">
+                                        <a:rPr lang="en-US" sz="2400" b="0" i="1" smtClean="0">
                                           <a:latin typeface="Cambria Math" panose="02040503050406030204" pitchFamily="18" charset="0"/>
                                           <a:cs typeface="Times New Roman" panose="02020603050405020304" pitchFamily="18" charset="0"/>
                                         </a:rPr>
@@ -30724,7 +30714,7 @@
                                     </m:e>
                                     <m:sub>
                                       <m:r>
-                                        <a:rPr lang="en-US" sz="2000" b="0" i="1" smtClean="0">
+                                        <a:rPr lang="en-US" sz="2400" b="0" i="1" smtClean="0">
                                           <a:latin typeface="Cambria Math" panose="02040503050406030204" pitchFamily="18" charset="0"/>
                                           <a:cs typeface="Times New Roman" panose="02020603050405020304" pitchFamily="18" charset="0"/>
                                         </a:rPr>
@@ -30739,7 +30729,7 @@
                         </m:num>
                         <m:den>
                           <m:r>
-                            <a:rPr lang="en-US" sz="2000" b="0" i="1" smtClean="0">
+                            <a:rPr lang="en-US" sz="2400" b="0" i="1" smtClean="0">
                               <a:latin typeface="Cambria Math" panose="02040503050406030204" pitchFamily="18" charset="0"/>
                               <a:cs typeface="Times New Roman" panose="02020603050405020304" pitchFamily="18" charset="0"/>
                             </a:rPr>
@@ -30750,7 +30740,7 @@
                               <m:chr m:val="∑"/>
                               <m:supHide m:val="on"/>
                               <m:ctrlPr>
-                                <a:rPr lang="en-US" sz="2000" b="0" i="1" smtClean="0">
+                                <a:rPr lang="en-US" sz="2400" b="0" i="1" smtClean="0">
                                   <a:latin typeface="Cambria Math" panose="02040503050406030204" pitchFamily="18" charset="0"/>
                                   <a:cs typeface="Times New Roman" panose="02020603050405020304" pitchFamily="18" charset="0"/>
                                 </a:rPr>
@@ -30762,7 +30752,7 @@
                                   <m:begChr m:val="{"/>
                                   <m:endChr m:val="}"/>
                                   <m:ctrlPr>
-                                    <a:rPr lang="en-US" sz="2000" b="0" i="1" smtClean="0">
+                                    <a:rPr lang="en-US" sz="2400" b="0" i="1" smtClean="0">
                                       <a:latin typeface="Cambria Math" panose="02040503050406030204" pitchFamily="18" charset="0"/>
                                       <a:cs typeface="Times New Roman" panose="02020603050405020304" pitchFamily="18" charset="0"/>
                                     </a:rPr>
@@ -30770,21 +30760,21 @@
                                 </m:dPr>
                                 <m:e>
                                   <m:r>
-                                    <a:rPr lang="en-US" sz="2000" b="0" i="1" smtClean="0">
+                                    <a:rPr lang="en-US" sz="2400" b="0" i="1" smtClean="0">
                                       <a:latin typeface="Cambria Math" panose="02040503050406030204" pitchFamily="18" charset="0"/>
                                       <a:cs typeface="Times New Roman" panose="02020603050405020304" pitchFamily="18" charset="0"/>
                                     </a:rPr>
                                     <m:t>𝑠</m:t>
                                   </m:r>
                                   <m:r>
-                                    <a:rPr lang="en-US" sz="2000" b="0" i="1" smtClean="0">
+                                    <a:rPr lang="en-US" sz="2400" b="0" i="1" smtClean="0">
                                       <a:latin typeface="Cambria Math" panose="02040503050406030204" pitchFamily="18" charset="0"/>
                                       <a:cs typeface="Times New Roman" panose="02020603050405020304" pitchFamily="18" charset="0"/>
                                     </a:rPr>
                                     <m:t>=</m:t>
                                   </m:r>
                                   <m:r>
-                                    <a:rPr lang="en-US" sz="2000" b="0" i="1" smtClean="0">
+                                    <a:rPr lang="en-US" sz="2400" b="0" i="1" smtClean="0">
                                       <a:latin typeface="Cambria Math" panose="02040503050406030204" pitchFamily="18" charset="0"/>
                                       <a:cs typeface="Times New Roman" panose="02020603050405020304" pitchFamily="18" charset="0"/>
                                     </a:rPr>
@@ -30798,7 +30788,7 @@
                               <m:func>
                                 <m:funcPr>
                                   <m:ctrlPr>
-                                    <a:rPr lang="en-US" sz="2000" b="0" i="1" smtClean="0">
+                                    <a:rPr lang="en-US" sz="2400" b="0" i="1" smtClean="0">
                                       <a:latin typeface="Cambria Math" panose="02040503050406030204" pitchFamily="18" charset="0"/>
                                       <a:cs typeface="Times New Roman" panose="02020603050405020304" pitchFamily="18" charset="0"/>
                                     </a:rPr>
@@ -30809,7 +30799,7 @@
                                     <m:rPr>
                                       <m:sty m:val="p"/>
                                     </m:rPr>
-                                    <a:rPr lang="en-US" sz="2000" b="0" i="0" smtClean="0">
+                                    <a:rPr lang="en-US" sz="2400" b="0" i="0" smtClean="0">
                                       <a:latin typeface="Cambria Math" panose="02040503050406030204" pitchFamily="18" charset="0"/>
                                       <a:cs typeface="Times New Roman" panose="02020603050405020304" pitchFamily="18" charset="0"/>
                                     </a:rPr>
@@ -30820,7 +30810,7 @@
                                   <m:d>
                                     <m:dPr>
                                       <m:ctrlPr>
-                                        <a:rPr lang="en-US" sz="2000" b="0" i="1" smtClean="0">
+                                        <a:rPr lang="en-US" sz="2400" b="0" i="1" smtClean="0">
                                           <a:latin typeface="Cambria Math" panose="02040503050406030204" pitchFamily="18" charset="0"/>
                                           <a:cs typeface="Times New Roman" panose="02020603050405020304" pitchFamily="18" charset="0"/>
                                         </a:rPr>
@@ -30830,7 +30820,7 @@
                                       <m:sSub>
                                         <m:sSubPr>
                                           <m:ctrlPr>
-                                            <a:rPr lang="en-US" sz="2000" b="0" i="1" smtClean="0">
+                                            <a:rPr lang="en-US" sz="2400" b="0" i="1" smtClean="0">
                                               <a:latin typeface="Cambria Math" panose="02040503050406030204" pitchFamily="18" charset="0"/>
                                               <a:cs typeface="Times New Roman" panose="02020603050405020304" pitchFamily="18" charset="0"/>
                                             </a:rPr>
@@ -30838,7 +30828,7 @@
                                         </m:sSubPr>
                                         <m:e>
                                           <m:r>
-                                            <a:rPr lang="en-US" sz="2000" b="0" i="1" smtClean="0">
+                                            <a:rPr lang="en-US" sz="2400" b="0" i="1" smtClean="0">
                                               <a:latin typeface="Cambria Math" panose="02040503050406030204" pitchFamily="18" charset="0"/>
                                               <a:cs typeface="Times New Roman" panose="02020603050405020304" pitchFamily="18" charset="0"/>
                                             </a:rPr>
@@ -30847,7 +30837,7 @@
                                         </m:e>
                                         <m:sub>
                                           <m:r>
-                                            <a:rPr lang="en-US" sz="2000" b="0" i="1" smtClean="0">
+                                            <a:rPr lang="en-US" sz="2400" b="0" i="1" smtClean="0">
                                               <a:latin typeface="Cambria Math" panose="02040503050406030204" pitchFamily="18" charset="0"/>
                                               <a:cs typeface="Times New Roman" panose="02020603050405020304" pitchFamily="18" charset="0"/>
                                             </a:rPr>
@@ -30858,7 +30848,7 @@
                                       <m:sSub>
                                         <m:sSubPr>
                                           <m:ctrlPr>
-                                            <a:rPr lang="en-US" sz="2000" b="0" i="1" smtClean="0">
+                                            <a:rPr lang="en-US" sz="2400" b="0" i="1" smtClean="0">
                                               <a:latin typeface="Cambria Math" panose="02040503050406030204" pitchFamily="18" charset="0"/>
                                               <a:cs typeface="Times New Roman" panose="02020603050405020304" pitchFamily="18" charset="0"/>
                                             </a:rPr>
@@ -30866,7 +30856,7 @@
                                         </m:sSubPr>
                                         <m:e>
                                           <m:r>
-                                            <a:rPr lang="en-US" sz="2000" b="0" i="1" smtClean="0">
+                                            <a:rPr lang="en-US" sz="2400" b="0" i="1" smtClean="0">
                                               <a:latin typeface="Cambria Math" panose="02040503050406030204" pitchFamily="18" charset="0"/>
                                               <a:cs typeface="Times New Roman" panose="02020603050405020304" pitchFamily="18" charset="0"/>
                                             </a:rPr>
@@ -30875,7 +30865,7 @@
                                         </m:e>
                                         <m:sub>
                                           <m:r>
-                                            <a:rPr lang="en-US" sz="2000" b="0" i="1" smtClean="0">
+                                            <a:rPr lang="en-US" sz="2400" b="0" i="1" smtClean="0">
                                               <a:latin typeface="Cambria Math" panose="02040503050406030204" pitchFamily="18" charset="0"/>
                                               <a:cs typeface="Times New Roman" panose="02020603050405020304" pitchFamily="18" charset="0"/>
                                             </a:rPr>
@@ -30894,14 +30884,14 @@
                     </m:oMath>
                   </m:oMathPara>
                 </a14:m>
-                <a:endParaRPr lang="en-US" sz="2000" dirty="0">
+                <a:endParaRPr lang="en-US" sz="2400" dirty="0">
                   <a:cs typeface="Times New Roman" panose="02020603050405020304" pitchFamily="18" charset="0"/>
                 </a:endParaRPr>
               </a:p>
             </p:txBody>
           </p:sp>
         </mc:Choice>
-        <mc:Fallback xmlns="">
+        <mc:Fallback>
           <p:sp>
             <p:nvSpPr>
               <p:cNvPr id="3" name="Content Placeholder 2"/>
@@ -30929,7 +30919,7 @@
               <a:lstStyle/>
               <a:p>
                 <a:r>
-                  <a:rPr lang="en-CA">
+                  <a:rPr lang="en-US">
                     <a:noFill/>
                   </a:rPr>
                   <a:t> </a:t>
@@ -31015,8 +31005,8 @@
           </a:p>
         </p:txBody>
       </p:sp>
-      <mc:AlternateContent xmlns:mc="http://schemas.openxmlformats.org/markup-compatibility/2006" xmlns:a14="http://schemas.microsoft.com/office/drawing/2010/main">
-        <mc:Choice Requires="a14">
+      <mc:AlternateContent xmlns:mc="http://schemas.openxmlformats.org/markup-compatibility/2006">
+        <mc:Choice xmlns:a14="http://schemas.microsoft.com/office/drawing/2010/main" Requires="a14">
           <p:sp>
             <p:nvSpPr>
               <p:cNvPr id="3" name="Content Placeholder 2"/>
@@ -31058,7 +31048,7 @@
               <a:p>
                 <a:pPr lvl="1"/>
                 <a:r>
-                  <a:rPr lang="en-US" sz="1800" dirty="0">
+                  <a:rPr lang="en-US" sz="2400" dirty="0">
                     <a:cs typeface="Times New Roman" panose="02020603050405020304" pitchFamily="18" charset="0"/>
                   </a:rPr>
                   <a:t>Just a different assumption about </a:t>
@@ -31068,7 +31058,7 @@
                     <m:sSub>
                       <m:sSubPr>
                         <m:ctrlPr>
-                          <a:rPr lang="en-US" sz="1800" b="0" i="1" smtClean="0">
+                          <a:rPr lang="en-US" sz="2400" b="0" i="1" smtClean="0">
                             <a:latin typeface="Cambria Math" panose="02040503050406030204" pitchFamily="18" charset="0"/>
                             <a:cs typeface="Times New Roman" panose="02020603050405020304" pitchFamily="18" charset="0"/>
                           </a:rPr>
@@ -31076,7 +31066,7 @@
                       </m:sSubPr>
                       <m:e>
                         <m:r>
-                          <a:rPr lang="en-US" sz="1800" b="0" i="1" smtClean="0">
+                          <a:rPr lang="en-US" sz="2400" b="0" i="1" smtClean="0">
                             <a:latin typeface="Cambria Math" panose="02040503050406030204" pitchFamily="18" charset="0"/>
                             <a:cs typeface="Times New Roman" panose="02020603050405020304" pitchFamily="18" charset="0"/>
                           </a:rPr>
@@ -31085,7 +31075,7 @@
                       </m:e>
                       <m:sub>
                         <m:r>
-                          <a:rPr lang="en-US" sz="1800" b="0" i="1" smtClean="0">
+                          <a:rPr lang="en-US" sz="2400" b="0" i="1" smtClean="0">
                             <a:latin typeface="Cambria Math" panose="02040503050406030204" pitchFamily="18" charset="0"/>
                             <a:cs typeface="Times New Roman" panose="02020603050405020304" pitchFamily="18" charset="0"/>
                           </a:rPr>
@@ -31095,13 +31085,13 @@
                     </m:sSub>
                   </m:oMath>
                 </a14:m>
-                <a:endParaRPr lang="en-US" sz="1800" dirty="0">
+                <a:endParaRPr lang="en-US" sz="2400" dirty="0">
                   <a:cs typeface="Times New Roman" panose="02020603050405020304" pitchFamily="18" charset="0"/>
                 </a:endParaRPr>
               </a:p>
               <a:p>
                 <a:r>
-                  <a:rPr lang="en-US" sz="2000" dirty="0">
+                  <a:rPr lang="en-US" sz="2400" dirty="0">
                     <a:cs typeface="Times New Roman" panose="02020603050405020304" pitchFamily="18" charset="0"/>
                   </a:rPr>
                   <a:t>Some pros and cons: </a:t>
@@ -31110,7 +31100,7 @@
               <a:p>
                 <a:pPr lvl="1"/>
                 <a:r>
-                  <a:rPr lang="en-US" sz="1800" dirty="0">
+                  <a:rPr lang="en-US" sz="2400" dirty="0">
                     <a:cs typeface="Times New Roman" panose="02020603050405020304" pitchFamily="18" charset="0"/>
                   </a:rPr>
                   <a:t>Logit works well when </a:t>
@@ -31118,7 +31108,7 @@
                 <a14:m>
                   <m:oMath xmlns:m="http://schemas.openxmlformats.org/officeDocument/2006/math">
                     <m:r>
-                      <a:rPr lang="en-US" sz="1800" b="0" i="1" smtClean="0">
+                      <a:rPr lang="en-US" sz="2400" b="0" i="1" smtClean="0">
                         <a:latin typeface="Cambria Math" panose="02040503050406030204" pitchFamily="18" charset="0"/>
                         <a:cs typeface="Times New Roman" panose="02020603050405020304" pitchFamily="18" charset="0"/>
                       </a:rPr>
@@ -31127,7 +31117,7 @@
                   </m:oMath>
                 </a14:m>
                 <a:r>
-                  <a:rPr lang="en-US" sz="1800" dirty="0">
+                  <a:rPr lang="en-US" sz="2400" dirty="0">
                     <a:cs typeface="Times New Roman" panose="02020603050405020304" pitchFamily="18" charset="0"/>
                   </a:rPr>
                   <a:t> is large (think 5 or more)</a:t>
@@ -31136,7 +31126,7 @@
               <a:p>
                 <a:pPr lvl="1"/>
                 <a:r>
-                  <a:rPr lang="en-US" sz="1800" dirty="0">
+                  <a:rPr lang="en-US" sz="2400" dirty="0">
                     <a:cs typeface="Times New Roman" panose="02020603050405020304" pitchFamily="18" charset="0"/>
                   </a:rPr>
                   <a:t>However, logit assumes </a:t>
@@ -31144,7 +31134,7 @@
                 <a14:m>
                   <m:oMath xmlns:m="http://schemas.openxmlformats.org/officeDocument/2006/math">
                     <m:r>
-                      <a:rPr lang="en-US" sz="1800" b="0" i="1" smtClean="0">
+                      <a:rPr lang="en-US" sz="2400" b="0" i="1" smtClean="0">
                         <a:latin typeface="Cambria Math" panose="02040503050406030204" pitchFamily="18" charset="0"/>
                         <a:cs typeface="Times New Roman" panose="02020603050405020304" pitchFamily="18" charset="0"/>
                       </a:rPr>
@@ -31153,7 +31143,7 @@
                     <m:d>
                       <m:dPr>
                         <m:ctrlPr>
-                          <a:rPr lang="en-US" sz="1800" b="0" i="1" smtClean="0">
+                          <a:rPr lang="en-US" sz="2400" b="0" i="1" smtClean="0">
                             <a:latin typeface="Cambria Math" panose="02040503050406030204" pitchFamily="18" charset="0"/>
                             <a:cs typeface="Times New Roman" panose="02020603050405020304" pitchFamily="18" charset="0"/>
                           </a:rPr>
@@ -31163,7 +31153,7 @@
                         <m:sSub>
                           <m:sSubPr>
                             <m:ctrlPr>
-                              <a:rPr lang="en-US" sz="1800" b="0" i="1" smtClean="0">
+                              <a:rPr lang="en-US" sz="2400" b="0" i="1" smtClean="0">
                                 <a:latin typeface="Cambria Math" panose="02040503050406030204" pitchFamily="18" charset="0"/>
                                 <a:cs typeface="Times New Roman" panose="02020603050405020304" pitchFamily="18" charset="0"/>
                               </a:rPr>
@@ -31171,7 +31161,7 @@
                           </m:sSubPr>
                           <m:e>
                             <m:r>
-                              <a:rPr lang="en-US" sz="1800" b="0" i="1" smtClean="0">
+                              <a:rPr lang="en-US" sz="2400" b="0" i="1" smtClean="0">
                                 <a:latin typeface="Cambria Math" panose="02040503050406030204" pitchFamily="18" charset="0"/>
                                 <a:cs typeface="Times New Roman" panose="02020603050405020304" pitchFamily="18" charset="0"/>
                               </a:rPr>
@@ -31180,14 +31170,14 @@
                           </m:e>
                           <m:sub>
                             <m:r>
-                              <a:rPr lang="en-US" sz="1800" b="0" i="1" smtClean="0">
+                              <a:rPr lang="en-US" sz="2400" b="0" i="1" smtClean="0">
                                 <a:latin typeface="Cambria Math" panose="02040503050406030204" pitchFamily="18" charset="0"/>
                                 <a:cs typeface="Times New Roman" panose="02020603050405020304" pitchFamily="18" charset="0"/>
                               </a:rPr>
                               <m:t>𝑗</m:t>
                             </m:r>
                             <m:r>
-                              <a:rPr lang="en-US" sz="1800" b="0" i="1" smtClean="0">
+                              <a:rPr lang="en-US" sz="2400" b="0" i="1" smtClean="0">
                                 <a:latin typeface="Cambria Math" panose="02040503050406030204" pitchFamily="18" charset="0"/>
                                 <a:cs typeface="Times New Roman" panose="02020603050405020304" pitchFamily="18" charset="0"/>
                               </a:rPr>
@@ -31196,7 +31186,7 @@
                           </m:sub>
                         </m:sSub>
                         <m:r>
-                          <a:rPr lang="en-US" sz="1800" b="0" i="1" smtClean="0">
+                          <a:rPr lang="en-US" sz="2400" b="0" i="1" smtClean="0">
                             <a:latin typeface="Cambria Math" panose="02040503050406030204" pitchFamily="18" charset="0"/>
                             <a:cs typeface="Times New Roman" panose="02020603050405020304" pitchFamily="18" charset="0"/>
                           </a:rPr>
@@ -31205,7 +31195,7 @@
                         <m:sSub>
                           <m:sSubPr>
                             <m:ctrlPr>
-                              <a:rPr lang="en-US" sz="1800" b="0" i="1" smtClean="0">
+                              <a:rPr lang="en-US" sz="2400" b="0" i="1" smtClean="0">
                                 <a:latin typeface="Cambria Math" panose="02040503050406030204" pitchFamily="18" charset="0"/>
                                 <a:cs typeface="Times New Roman" panose="02020603050405020304" pitchFamily="18" charset="0"/>
                               </a:rPr>
@@ -31213,7 +31203,7 @@
                           </m:sSubPr>
                           <m:e>
                             <m:r>
-                              <a:rPr lang="en-US" sz="1800" b="0" i="1" smtClean="0">
+                              <a:rPr lang="en-US" sz="2400" b="0" i="1" smtClean="0">
                                 <a:latin typeface="Cambria Math" panose="02040503050406030204" pitchFamily="18" charset="0"/>
                                 <a:cs typeface="Times New Roman" panose="02020603050405020304" pitchFamily="18" charset="0"/>
                               </a:rPr>
@@ -31222,14 +31212,14 @@
                           </m:e>
                           <m:sub>
                             <m:r>
-                              <a:rPr lang="en-US" sz="1800" b="0" i="1" smtClean="0">
+                              <a:rPr lang="en-US" sz="2400" b="0" i="1" smtClean="0">
                                 <a:latin typeface="Cambria Math" panose="02040503050406030204" pitchFamily="18" charset="0"/>
                                 <a:cs typeface="Times New Roman" panose="02020603050405020304" pitchFamily="18" charset="0"/>
                               </a:rPr>
                               <m:t>𝑗</m:t>
                             </m:r>
                             <m:r>
-                              <a:rPr lang="en-US" sz="1800" b="0" i="1" smtClean="0">
+                              <a:rPr lang="en-US" sz="2400" b="0" i="1" smtClean="0">
                                 <a:latin typeface="Cambria Math" panose="02040503050406030204" pitchFamily="18" charset="0"/>
                                 <a:cs typeface="Times New Roman" panose="02020603050405020304" pitchFamily="18" charset="0"/>
                               </a:rPr>
@@ -31240,7 +31230,7 @@
                       </m:e>
                     </m:d>
                     <m:r>
-                      <a:rPr lang="en-US" sz="1800" b="0" i="1" smtClean="0">
+                      <a:rPr lang="en-US" sz="2400" b="0" i="1" smtClean="0">
                         <a:latin typeface="Cambria Math" panose="02040503050406030204" pitchFamily="18" charset="0"/>
                         <a:cs typeface="Times New Roman" panose="02020603050405020304" pitchFamily="18" charset="0"/>
                       </a:rPr>
@@ -31249,19 +31239,19 @@
                   </m:oMath>
                 </a14:m>
                 <a:r>
-                  <a:rPr lang="en-US" sz="1800" dirty="0">
+                  <a:rPr lang="en-US" sz="2400" dirty="0">
                     <a:cs typeface="Times New Roman" panose="02020603050405020304" pitchFamily="18" charset="0"/>
                   </a:rPr>
                   <a:t>, while </a:t>
                 </a:r>
                 <a:r>
-                  <a:rPr lang="en-US" sz="1800" dirty="0" err="1">
+                  <a:rPr lang="en-US" sz="2400" dirty="0" err="1">
                     <a:cs typeface="Times New Roman" panose="02020603050405020304" pitchFamily="18" charset="0"/>
                   </a:rPr>
                   <a:t>probit</a:t>
                 </a:r>
                 <a:r>
-                  <a:rPr lang="en-US" sz="1800" dirty="0">
+                  <a:rPr lang="en-US" sz="2400" dirty="0">
                     <a:cs typeface="Times New Roman" panose="02020603050405020304" pitchFamily="18" charset="0"/>
                   </a:rPr>
                   <a:t> can handle arbitrary correlations. </a:t>
@@ -31269,13 +31259,13 @@
               </a:p>
               <a:p>
                 <a:r>
-                  <a:rPr lang="en-US" sz="2000" dirty="0">
+                  <a:rPr lang="en-US" sz="2400" dirty="0">
                     <a:cs typeface="Times New Roman" panose="02020603050405020304" pitchFamily="18" charset="0"/>
                   </a:rPr>
                   <a:t>This implies choice probabilities satisfy </a:t>
                 </a:r>
                 <a:r>
-                  <a:rPr lang="en-US" sz="2000" b="1" dirty="0">
+                  <a:rPr lang="en-US" sz="2400" b="1" dirty="0">
                     <a:cs typeface="Times New Roman" panose="02020603050405020304" pitchFamily="18" charset="0"/>
                   </a:rPr>
                   <a:t>independence of irrelevant alternatives (IIA)</a:t>
@@ -31284,31 +31274,31 @@
               <a:p>
                 <a:pPr lvl="1"/>
                 <a:r>
-                  <a:rPr lang="en-US" sz="1800" dirty="0">
-                    <a:cs typeface="Times New Roman" panose="02020603050405020304" pitchFamily="18" charset="0"/>
-                  </a:rPr>
-                  <a:t>That is, the odds of choosing </a:t>
-                </a:r>
-                <a:r>
-                  <a:rPr lang="en-US" sz="1800" i="1" dirty="0">
+                  <a:rPr lang="en-US" sz="2400" dirty="0">
+                    <a:cs typeface="Times New Roman" panose="02020603050405020304" pitchFamily="18" charset="0"/>
+                  </a:rPr>
+                  <a:t>The odds of choosing </a:t>
+                </a:r>
+                <a:r>
+                  <a:rPr lang="en-US" sz="2400" i="1" dirty="0">
                     <a:cs typeface="Times New Roman" panose="02020603050405020304" pitchFamily="18" charset="0"/>
                   </a:rPr>
                   <a:t>A</a:t>
                 </a:r>
                 <a:r>
-                  <a:rPr lang="en-US" sz="1800" dirty="0">
+                  <a:rPr lang="en-US" sz="2400" dirty="0">
                     <a:cs typeface="Times New Roman" panose="02020603050405020304" pitchFamily="18" charset="0"/>
                   </a:rPr>
                   <a:t> over </a:t>
                 </a:r>
                 <a:r>
-                  <a:rPr lang="en-US" sz="1800" i="1" dirty="0">
+                  <a:rPr lang="en-US" sz="2400" i="1" dirty="0">
                     <a:cs typeface="Times New Roman" panose="02020603050405020304" pitchFamily="18" charset="0"/>
                   </a:rPr>
                   <a:t>B</a:t>
                 </a:r>
                 <a:r>
-                  <a:rPr lang="en-US" sz="1800" dirty="0">
+                  <a:rPr lang="en-US" sz="2400" dirty="0">
                     <a:cs typeface="Times New Roman" panose="02020603050405020304" pitchFamily="18" charset="0"/>
                   </a:rPr>
                   <a:t> must not depend on whether </a:t>
@@ -31316,7 +31306,7 @@
                 <a14:m>
                   <m:oMath xmlns:m="http://schemas.openxmlformats.org/officeDocument/2006/math">
                     <m:r>
-                      <a:rPr lang="en-US" sz="1800" b="0" i="1" smtClean="0">
+                      <a:rPr lang="en-US" sz="2400" b="0" i="1" smtClean="0">
                         <a:latin typeface="Cambria Math" panose="02040503050406030204" pitchFamily="18" charset="0"/>
                         <a:cs typeface="Times New Roman" panose="02020603050405020304" pitchFamily="18" charset="0"/>
                       </a:rPr>
@@ -31325,7 +31315,7 @@
                   </m:oMath>
                 </a14:m>
                 <a:r>
-                  <a:rPr lang="en-US" sz="1800" dirty="0">
+                  <a:rPr lang="en-US" sz="2400" dirty="0">
                     <a:cs typeface="Times New Roman" panose="02020603050405020304" pitchFamily="18" charset="0"/>
                   </a:rPr>
                   <a:t> is an option</a:t>
@@ -31334,21 +31324,21 @@
               <a:p>
                 <a:pPr lvl="1"/>
                 <a:r>
-                  <a:rPr lang="en-US" sz="1800" dirty="0">
+                  <a:rPr lang="en-US" sz="2400" dirty="0">
                     <a:cs typeface="Times New Roman" panose="02020603050405020304" pitchFamily="18" charset="0"/>
                   </a:rPr>
                   <a:t>This makes sense in some settings but not in others</a:t>
                 </a:r>
               </a:p>
               <a:p>
-                <a:endParaRPr lang="en-US" sz="2000" dirty="0">
+                <a:endParaRPr lang="en-US" sz="2400" dirty="0">
                   <a:cs typeface="Times New Roman" panose="02020603050405020304" pitchFamily="18" charset="0"/>
                 </a:endParaRPr>
               </a:p>
             </p:txBody>
           </p:sp>
         </mc:Choice>
-        <mc:Fallback xmlns="">
+        <mc:Fallback>
           <p:sp>
             <p:nvSpPr>
               <p:cNvPr id="3" name="Content Placeholder 2"/>
@@ -31376,7 +31366,7 @@
               <a:lstStyle/>
               <a:p>
                 <a:r>
-                  <a:rPr lang="en-CA">
+                  <a:rPr lang="en-US">
                     <a:noFill/>
                   </a:rPr>
                   <a:t> </a:t>
@@ -31692,8 +31682,8 @@
           </a:p>
         </p:txBody>
       </p:sp>
-      <mc:AlternateContent xmlns:mc="http://schemas.openxmlformats.org/markup-compatibility/2006" xmlns:a14="http://schemas.microsoft.com/office/drawing/2010/main">
-        <mc:Choice Requires="a14">
+      <mc:AlternateContent xmlns:mc="http://schemas.openxmlformats.org/markup-compatibility/2006">
+        <mc:Choice xmlns:a14="http://schemas.microsoft.com/office/drawing/2010/main" Requires="a14">
           <p:sp>
             <p:nvSpPr>
               <p:cNvPr id="3" name="Content Placeholder 2"/>
@@ -31717,7 +31707,7 @@
               <a:lstStyle/>
               <a:p>
                 <a:r>
-                  <a:rPr lang="en-US" sz="2000" dirty="0">
+                  <a:rPr lang="en-US" sz="2400" dirty="0">
                     <a:cs typeface="Times New Roman" panose="02020603050405020304" pitchFamily="18" charset="0"/>
                   </a:rPr>
                   <a:t>Again, this is estimated by maximum likelihood, where the likelihood function follows the form: </a:t>
@@ -31734,14 +31724,14 @@
                     </m:oMathParaPr>
                     <m:oMath xmlns:m="http://schemas.openxmlformats.org/officeDocument/2006/math">
                       <m:r>
-                        <a:rPr lang="en-US" sz="2000" b="0" i="1" smtClean="0">
+                        <a:rPr lang="en-US" sz="2400" b="0" i="1" smtClean="0">
                           <a:latin typeface="Cambria Math" panose="02040503050406030204" pitchFamily="18" charset="0"/>
                           <a:cs typeface="Times New Roman" panose="02020603050405020304" pitchFamily="18" charset="0"/>
                         </a:rPr>
                         <m:t>𝐿𝐿</m:t>
                       </m:r>
                       <m:r>
-                        <a:rPr lang="en-US" sz="2000" b="0" i="1" smtClean="0">
+                        <a:rPr lang="en-US" sz="2400" b="0" i="1" smtClean="0">
                           <a:latin typeface="Cambria Math" panose="02040503050406030204" pitchFamily="18" charset="0"/>
                           <a:cs typeface="Times New Roman" panose="02020603050405020304" pitchFamily="18" charset="0"/>
                         </a:rPr>
@@ -31752,7 +31742,7 @@
                           <m:chr m:val="∑"/>
                           <m:supHide m:val="on"/>
                           <m:ctrlPr>
-                            <a:rPr lang="en-US" sz="2000" b="0" i="1" smtClean="0">
+                            <a:rPr lang="en-US" sz="2400" b="0" i="1" smtClean="0">
                               <a:latin typeface="Cambria Math" panose="02040503050406030204" pitchFamily="18" charset="0"/>
                               <a:cs typeface="Times New Roman" panose="02020603050405020304" pitchFamily="18" charset="0"/>
                             </a:rPr>
@@ -31760,21 +31750,21 @@
                         </m:naryPr>
                         <m:sub>
                           <m:r>
-                            <a:rPr lang="en-US" sz="2000" b="0" i="1" smtClean="0">
+                            <a:rPr lang="en-US" sz="2400" b="0" i="1" smtClean="0">
                               <a:latin typeface="Cambria Math" panose="02040503050406030204" pitchFamily="18" charset="0"/>
                               <a:cs typeface="Times New Roman" panose="02020603050405020304" pitchFamily="18" charset="0"/>
                             </a:rPr>
                             <m:t>𝑗</m:t>
                           </m:r>
                           <m:r>
-                            <a:rPr lang="en-US" sz="2000" b="0" i="1" smtClean="0">
+                            <a:rPr lang="en-US" sz="2400" b="0" i="1" smtClean="0">
                               <a:latin typeface="Cambria Math" panose="02040503050406030204" pitchFamily="18" charset="0"/>
                               <a:cs typeface="Times New Roman" panose="02020603050405020304" pitchFamily="18" charset="0"/>
                             </a:rPr>
                             <m:t>∈</m:t>
                           </m:r>
                           <m:r>
-                            <a:rPr lang="en-US" sz="2000" b="0" i="1" smtClean="0">
+                            <a:rPr lang="en-US" sz="2400" b="0" i="1" smtClean="0">
                               <a:latin typeface="Cambria Math" panose="02040503050406030204" pitchFamily="18" charset="0"/>
                               <a:cs typeface="Times New Roman" panose="02020603050405020304" pitchFamily="18" charset="0"/>
                             </a:rPr>
@@ -31788,7 +31778,7 @@
                               <m:chr m:val="∑"/>
                               <m:supHide m:val="on"/>
                               <m:ctrlPr>
-                                <a:rPr lang="en-US" sz="2000" b="0" i="1" smtClean="0">
+                                <a:rPr lang="en-US" sz="2400" b="0" i="1" smtClean="0">
                                   <a:latin typeface="Cambria Math" panose="02040503050406030204" pitchFamily="18" charset="0"/>
                                   <a:cs typeface="Times New Roman" panose="02020603050405020304" pitchFamily="18" charset="0"/>
                                 </a:rPr>
@@ -31796,7 +31786,7 @@
                             </m:naryPr>
                             <m:sub>
                               <m:r>
-                                <a:rPr lang="en-US" sz="2000" b="0" i="1" smtClean="0">
+                                <a:rPr lang="en-US" sz="2400" b="0" i="1" smtClean="0">
                                   <a:latin typeface="Cambria Math" panose="02040503050406030204" pitchFamily="18" charset="0"/>
                                   <a:cs typeface="Times New Roman" panose="02020603050405020304" pitchFamily="18" charset="0"/>
                                 </a:rPr>
@@ -31808,7 +31798,7 @@
                               <m:sSub>
                                 <m:sSubPr>
                                   <m:ctrlPr>
-                                    <a:rPr lang="en-US" sz="2000" b="0" i="1" smtClean="0">
+                                    <a:rPr lang="en-US" sz="2400" b="0" i="1" smtClean="0">
                                       <a:latin typeface="Cambria Math" panose="02040503050406030204" pitchFamily="18" charset="0"/>
                                       <a:cs typeface="Times New Roman" panose="02020603050405020304" pitchFamily="18" charset="0"/>
                                     </a:rPr>
@@ -31816,7 +31806,7 @@
                                 </m:sSubPr>
                                 <m:e>
                                   <m:r>
-                                    <a:rPr lang="en-US" sz="2000" b="0" i="1" smtClean="0">
+                                    <a:rPr lang="en-US" sz="2400" b="0" i="1" smtClean="0">
                                       <a:latin typeface="Cambria Math" panose="02040503050406030204" pitchFamily="18" charset="0"/>
                                       <a:cs typeface="Times New Roman" panose="02020603050405020304" pitchFamily="18" charset="0"/>
                                     </a:rPr>
@@ -31825,7 +31815,7 @@
                                 </m:e>
                                 <m:sub>
                                   <m:r>
-                                    <a:rPr lang="en-US" sz="2000" b="0" i="1" smtClean="0">
+                                    <a:rPr lang="en-US" sz="2400" b="0" i="1" smtClean="0">
                                       <a:latin typeface="Cambria Math" panose="02040503050406030204" pitchFamily="18" charset="0"/>
                                       <a:cs typeface="Times New Roman" panose="02020603050405020304" pitchFamily="18" charset="0"/>
                                     </a:rPr>
@@ -31834,7 +31824,7 @@
                                 </m:sub>
                               </m:sSub>
                               <m:r>
-                                <a:rPr lang="en-US" sz="2000" b="0" i="1" smtClean="0">
+                                <a:rPr lang="en-US" sz="2400" b="0" i="1" smtClean="0">
                                   <a:latin typeface="Cambria Math" panose="02040503050406030204" pitchFamily="18" charset="0"/>
                                   <a:cs typeface="Times New Roman" panose="02020603050405020304" pitchFamily="18" charset="0"/>
                                 </a:rPr>
@@ -31844,7 +31834,7 @@
                                 <m:rPr>
                                   <m:sty m:val="p"/>
                                 </m:rPr>
-                                <a:rPr lang="en-US" sz="2000" b="0" i="1" smtClean="0">
+                                <a:rPr lang="en-US" sz="2400" b="0" i="1" smtClean="0">
                                   <a:latin typeface="Cambria Math" panose="02040503050406030204" pitchFamily="18" charset="0"/>
                                   <a:cs typeface="Times New Roman" panose="02020603050405020304" pitchFamily="18" charset="0"/>
                                 </a:rPr>
@@ -31853,7 +31843,7 @@
                               <m:d>
                                 <m:dPr>
                                   <m:ctrlPr>
-                                    <a:rPr lang="en-US" sz="2000" b="0" i="1" smtClean="0">
+                                    <a:rPr lang="en-US" sz="2400" b="0" i="1" smtClean="0">
                                       <a:latin typeface="Cambria Math" panose="02040503050406030204" pitchFamily="18" charset="0"/>
                                       <a:cs typeface="Times New Roman" panose="02020603050405020304" pitchFamily="18" charset="0"/>
                                     </a:rPr>
@@ -31863,7 +31853,7 @@
                                   <m:sSub>
                                     <m:sSubPr>
                                       <m:ctrlPr>
-                                        <a:rPr lang="en-US" sz="2000" b="0" i="1" smtClean="0">
+                                        <a:rPr lang="en-US" sz="2400" b="0" i="1" smtClean="0">
                                           <a:latin typeface="Cambria Math" panose="02040503050406030204" pitchFamily="18" charset="0"/>
                                           <a:cs typeface="Times New Roman" panose="02020603050405020304" pitchFamily="18" charset="0"/>
                                         </a:rPr>
@@ -31871,7 +31861,7 @@
                                     </m:sSubPr>
                                     <m:e>
                                       <m:r>
-                                        <a:rPr lang="en-US" sz="2000" b="0" i="1" smtClean="0">
+                                        <a:rPr lang="en-US" sz="2400" b="0" i="1" smtClean="0">
                                           <a:latin typeface="Cambria Math" panose="02040503050406030204" pitchFamily="18" charset="0"/>
                                           <a:cs typeface="Times New Roman" panose="02020603050405020304" pitchFamily="18" charset="0"/>
                                         </a:rPr>
@@ -31880,7 +31870,7 @@
                                     </m:e>
                                     <m:sub>
                                       <m:r>
-                                        <a:rPr lang="en-US" sz="2000" b="0" i="1" smtClean="0">
+                                        <a:rPr lang="en-US" sz="2400" b="0" i="1" smtClean="0">
                                           <a:latin typeface="Cambria Math" panose="02040503050406030204" pitchFamily="18" charset="0"/>
                                           <a:cs typeface="Times New Roman" panose="02020603050405020304" pitchFamily="18" charset="0"/>
                                         </a:rPr>
@@ -31891,7 +31881,7 @@
                                 </m:e>
                               </m:d>
                               <m:r>
-                                <a:rPr lang="en-US" sz="2000" b="0" i="1" smtClean="0">
+                                <a:rPr lang="en-US" sz="2400" b="0" i="1" smtClean="0">
                                   <a:latin typeface="Cambria Math" panose="02040503050406030204" pitchFamily="18" charset="0"/>
                                   <a:cs typeface="Times New Roman" panose="02020603050405020304" pitchFamily="18" charset="0"/>
                                 </a:rPr>
@@ -31904,13 +31894,13 @@
                     </m:oMath>
                   </m:oMathPara>
                 </a14:m>
-                <a:endParaRPr lang="en-US" sz="2000" dirty="0">
+                <a:endParaRPr lang="en-US" sz="2400" dirty="0">
                   <a:cs typeface="Times New Roman" panose="02020603050405020304" pitchFamily="18" charset="0"/>
                 </a:endParaRPr>
               </a:p>
               <a:p>
                 <a:r>
-                  <a:rPr lang="en-US" sz="2000" dirty="0">
+                  <a:rPr lang="en-US" sz="2400" dirty="0">
                     <a:cs typeface="Times New Roman" panose="02020603050405020304" pitchFamily="18" charset="0"/>
                   </a:rPr>
                   <a:t>We then choose </a:t>
@@ -31921,7 +31911,7 @@
                       <m:accPr>
                         <m:chr m:val="⃗"/>
                         <m:ctrlPr>
-                          <a:rPr lang="en-US" sz="2000" b="0" i="1" smtClean="0">
+                          <a:rPr lang="en-US" sz="2400" b="0" i="1" smtClean="0">
                             <a:latin typeface="Cambria Math" panose="02040503050406030204" pitchFamily="18" charset="0"/>
                             <a:cs typeface="Times New Roman" panose="02020603050405020304" pitchFamily="18" charset="0"/>
                           </a:rPr>
@@ -31929,7 +31919,7 @@
                       </m:accPr>
                       <m:e>
                         <m:r>
-                          <a:rPr lang="en-US" sz="2000" b="0" i="1" smtClean="0">
+                          <a:rPr lang="en-US" sz="2400" b="0" i="1" smtClean="0">
                             <a:latin typeface="Cambria Math" panose="02040503050406030204" pitchFamily="18" charset="0"/>
                             <a:cs typeface="Times New Roman" panose="02020603050405020304" pitchFamily="18" charset="0"/>
                           </a:rPr>
@@ -31940,7 +31930,7 @@
                   </m:oMath>
                 </a14:m>
                 <a:r>
-                  <a:rPr lang="en-US" sz="2000" dirty="0">
+                  <a:rPr lang="en-US" sz="2400" dirty="0">
                     <a:cs typeface="Times New Roman" panose="02020603050405020304" pitchFamily="18" charset="0"/>
                   </a:rPr>
                   <a:t> to maximize </a:t>
@@ -31948,7 +31938,7 @@
                 <a14:m>
                   <m:oMath xmlns:m="http://schemas.openxmlformats.org/officeDocument/2006/math">
                     <m:r>
-                      <a:rPr lang="en-US" sz="2000" b="0" i="1" smtClean="0">
+                      <a:rPr lang="en-US" sz="2400" b="0" i="1" smtClean="0">
                         <a:latin typeface="Cambria Math" panose="02040503050406030204" pitchFamily="18" charset="0"/>
                         <a:cs typeface="Times New Roman" panose="02020603050405020304" pitchFamily="18" charset="0"/>
                       </a:rPr>
@@ -31957,7 +31947,7 @@
                   </m:oMath>
                 </a14:m>
                 <a:r>
-                  <a:rPr lang="en-US" sz="2000" dirty="0">
+                  <a:rPr lang="en-US" sz="2400" dirty="0">
                     <a:cs typeface="Times New Roman" panose="02020603050405020304" pitchFamily="18" charset="0"/>
                   </a:rPr>
                   <a:t> (or, in practice, </a:t>
@@ -31968,7 +31958,7 @@
                       <m:rPr>
                         <m:sty m:val="p"/>
                       </m:rPr>
-                      <a:rPr lang="en-US" sz="2000" b="0" i="1" smtClean="0">
+                      <a:rPr lang="en-US" sz="2400" b="0" i="1" smtClean="0">
                         <a:latin typeface="Cambria Math" panose="02040503050406030204" pitchFamily="18" charset="0"/>
                         <a:cs typeface="Times New Roman" panose="02020603050405020304" pitchFamily="18" charset="0"/>
                       </a:rPr>
@@ -31977,7 +31967,7 @@
                     <m:d>
                       <m:dPr>
                         <m:ctrlPr>
-                          <a:rPr lang="en-US" sz="2000" b="0" i="1" smtClean="0">
+                          <a:rPr lang="en-US" sz="2400" b="0" i="1" smtClean="0">
                             <a:latin typeface="Cambria Math" panose="02040503050406030204" pitchFamily="18" charset="0"/>
                             <a:cs typeface="Times New Roman" panose="02020603050405020304" pitchFamily="18" charset="0"/>
                           </a:rPr>
@@ -31985,7 +31975,7 @@
                       </m:dPr>
                       <m:e>
                         <m:r>
-                          <a:rPr lang="en-US" sz="2000" b="0" i="1" smtClean="0">
+                          <a:rPr lang="en-US" sz="2400" b="0" i="1" smtClean="0">
                             <a:latin typeface="Cambria Math" panose="02040503050406030204" pitchFamily="18" charset="0"/>
                             <a:cs typeface="Times New Roman" panose="02020603050405020304" pitchFamily="18" charset="0"/>
                           </a:rPr>
@@ -31996,7 +31986,7 @@
                   </m:oMath>
                 </a14:m>
                 <a:r>
-                  <a:rPr lang="en-US" sz="2000" dirty="0">
+                  <a:rPr lang="en-US" sz="2400" dirty="0">
                     <a:cs typeface="Times New Roman" panose="02020603050405020304" pitchFamily="18" charset="0"/>
                   </a:rPr>
                   <a:t>)</a:t>
@@ -32005,7 +31995,7 @@
               <a:p>
                 <a:pPr lvl="1"/>
                 <a:r>
-                  <a:rPr lang="en-US" sz="1800" dirty="0">
+                  <a:rPr lang="en-US" sz="2400" dirty="0">
                     <a:cs typeface="Times New Roman" panose="02020603050405020304" pitchFamily="18" charset="0"/>
                   </a:rPr>
                   <a:t>Where are the </a:t>
@@ -32013,7 +32003,7 @@
                 <a14:m>
                   <m:oMath xmlns:m="http://schemas.openxmlformats.org/officeDocument/2006/math">
                     <m:r>
-                      <a:rPr lang="en-US" sz="1800" b="0" i="1" smtClean="0">
+                      <a:rPr lang="en-US" sz="2400" b="0" i="1" smtClean="0">
                         <a:latin typeface="Cambria Math" panose="02040503050406030204" pitchFamily="18" charset="0"/>
                         <a:cs typeface="Times New Roman" panose="02020603050405020304" pitchFamily="18" charset="0"/>
                       </a:rPr>
@@ -32022,21 +32012,21 @@
                   </m:oMath>
                 </a14:m>
                 <a:r>
-                  <a:rPr lang="en-US" sz="1800" dirty="0">
+                  <a:rPr lang="en-US" sz="2400" dirty="0">
                     <a:cs typeface="Times New Roman" panose="02020603050405020304" pitchFamily="18" charset="0"/>
                   </a:rPr>
                   <a:t>s here? </a:t>
                 </a:r>
               </a:p>
               <a:p>
-                <a:endParaRPr lang="en-US" sz="2000" dirty="0">
+                <a:endParaRPr lang="en-US" sz="2400" dirty="0">
                   <a:cs typeface="Times New Roman" panose="02020603050405020304" pitchFamily="18" charset="0"/>
                 </a:endParaRPr>
               </a:p>
             </p:txBody>
           </p:sp>
         </mc:Choice>
-        <mc:Fallback xmlns="">
+        <mc:Fallback>
           <p:sp>
             <p:nvSpPr>
               <p:cNvPr id="3" name="Content Placeholder 2"/>
@@ -32055,7 +32045,7 @@
               <a:blipFill>
                 <a:blip r:embed="rId3"/>
                 <a:stretch>
-                  <a:fillRect l="-244" t="-830"/>
+                  <a:fillRect l="-427" t="-1305"/>
                 </a:stretch>
               </a:blipFill>
             </p:spPr>
@@ -32064,7 +32054,7 @@
               <a:lstStyle/>
               <a:p>
                 <a:r>
-                  <a:rPr lang="en-CA">
+                  <a:rPr lang="en-US">
                     <a:noFill/>
                   </a:rPr>
                   <a:t> </a:t>
@@ -32183,8 +32173,8 @@
           </a:p>
         </p:txBody>
       </p:sp>
-      <mc:AlternateContent xmlns:mc="http://schemas.openxmlformats.org/markup-compatibility/2006" xmlns:a14="http://schemas.microsoft.com/office/drawing/2010/main">
-        <mc:Choice Requires="a14">
+      <mc:AlternateContent xmlns:mc="http://schemas.openxmlformats.org/markup-compatibility/2006">
+        <mc:Choice xmlns:a14="http://schemas.microsoft.com/office/drawing/2010/main" Requires="a14">
           <p:sp>
             <p:nvSpPr>
               <p:cNvPr id="3" name="Content Placeholder 2"/>
@@ -32203,12 +32193,12 @@
             </p:spPr>
             <p:txBody>
               <a:bodyPr>
-                <a:normAutofit/>
+                <a:noAutofit/>
               </a:bodyPr>
               <a:lstStyle/>
               <a:p>
                 <a:r>
-                  <a:rPr lang="en-US" sz="2200" dirty="0">
+                  <a:rPr lang="en-US" sz="2400" dirty="0">
                     <a:cs typeface="Times New Roman" panose="02020603050405020304" pitchFamily="18" charset="0"/>
                   </a:rPr>
                   <a:t>Estimating gives us coefficients on each of the </a:t>
@@ -32216,14 +32206,14 @@
                 <a14:m>
                   <m:oMath xmlns:m="http://schemas.openxmlformats.org/officeDocument/2006/math">
                     <m:r>
-                      <a:rPr lang="en-US" sz="2200" b="0" i="1" smtClean="0">
+                      <a:rPr lang="en-US" sz="2400" b="0" i="1" smtClean="0">
                         <a:latin typeface="Cambria Math" panose="02040503050406030204" pitchFamily="18" charset="0"/>
                         <a:cs typeface="Times New Roman" panose="02020603050405020304" pitchFamily="18" charset="0"/>
                       </a:rPr>
                       <m:t>𝐽</m:t>
                     </m:r>
                     <m:r>
-                      <a:rPr lang="en-US" sz="2200" b="0" i="1" smtClean="0">
+                      <a:rPr lang="en-US" sz="2400" b="0" i="1" smtClean="0">
                         <a:latin typeface="Cambria Math" panose="02040503050406030204" pitchFamily="18" charset="0"/>
                         <a:cs typeface="Times New Roman" panose="02020603050405020304" pitchFamily="18" charset="0"/>
                       </a:rPr>
@@ -32232,7 +32222,7 @@
                   </m:oMath>
                 </a14:m>
                 <a:r>
-                  <a:rPr lang="en-US" sz="2200" dirty="0">
+                  <a:rPr lang="en-US" sz="2400" dirty="0">
                     <a:cs typeface="Times New Roman" panose="02020603050405020304" pitchFamily="18" charset="0"/>
                   </a:rPr>
                   <a:t> logistic regressions</a:t>
@@ -32241,25 +32231,25 @@
               <a:p>
                 <a:pPr lvl="1"/>
                 <a:r>
-                  <a:rPr lang="en-US" sz="2200" dirty="0">
+                  <a:rPr lang="en-US" sz="2400" dirty="0">
                     <a:cs typeface="Times New Roman" panose="02020603050405020304" pitchFamily="18" charset="0"/>
                   </a:rPr>
                   <a:t>Just as in logit, we can </a:t>
                 </a:r>
                 <a:r>
-                  <a:rPr lang="en-US" sz="2200" b="1" dirty="0">
+                  <a:rPr lang="en-US" sz="2400" b="1" dirty="0">
                     <a:cs typeface="Times New Roman" panose="02020603050405020304" pitchFamily="18" charset="0"/>
                   </a:rPr>
                   <a:t>exponentiate </a:t>
                 </a:r>
                 <a:r>
-                  <a:rPr lang="en-US" sz="2200" dirty="0">
+                  <a:rPr lang="en-US" sz="2400" dirty="0">
                     <a:cs typeface="Times New Roman" panose="02020603050405020304" pitchFamily="18" charset="0"/>
                   </a:rPr>
                   <a:t>coefficients to get </a:t>
                 </a:r>
                 <a:r>
-                  <a:rPr lang="en-US" sz="2200" b="1" dirty="0">
+                  <a:rPr lang="en-US" sz="2400" b="1" dirty="0">
                     <a:cs typeface="Times New Roman" panose="02020603050405020304" pitchFamily="18" charset="0"/>
                   </a:rPr>
                   <a:t>odds ratios</a:t>
@@ -32268,19 +32258,19 @@
               <a:p>
                 <a:pPr lvl="1"/>
                 <a:r>
-                  <a:rPr lang="en-US" sz="2200" dirty="0">
+                  <a:rPr lang="en-US" sz="2400" dirty="0">
                     <a:cs typeface="Times New Roman" panose="02020603050405020304" pitchFamily="18" charset="0"/>
                   </a:rPr>
                   <a:t>We can also compute </a:t>
                 </a:r>
                 <a:r>
-                  <a:rPr lang="en-US" sz="2200" b="1" dirty="0">
+                  <a:rPr lang="en-US" sz="2400" b="1" dirty="0">
                     <a:cs typeface="Times New Roman" panose="02020603050405020304" pitchFamily="18" charset="0"/>
                   </a:rPr>
                   <a:t>marginal effects</a:t>
                 </a:r>
                 <a:r>
-                  <a:rPr lang="en-US" sz="2200" dirty="0">
+                  <a:rPr lang="en-US" sz="2400" dirty="0">
                     <a:cs typeface="Times New Roman" panose="02020603050405020304" pitchFamily="18" charset="0"/>
                   </a:rPr>
                   <a:t> and predicted probabilities</a:t>
@@ -32300,7 +32290,7 @@
                   <a:buAutoNum type="arabicPeriod"/>
                 </a:pPr>
                 <a:r>
-                  <a:rPr lang="en-US" sz="2200" dirty="0">
+                  <a:rPr lang="en-US" sz="2400" dirty="0">
                     <a:cs typeface="Times New Roman" panose="02020603050405020304" pitchFamily="18" charset="0"/>
                   </a:rPr>
                   <a:t>Relative log-odds: the main coefficients (don’t use)</a:t>
@@ -32312,7 +32302,7 @@
                   <a:buAutoNum type="arabicPeriod"/>
                 </a:pPr>
                 <a:r>
-                  <a:rPr lang="en-US" sz="2200" dirty="0">
+                  <a:rPr lang="en-US" sz="2400" dirty="0">
                     <a:cs typeface="Times New Roman" panose="02020603050405020304" pitchFamily="18" charset="0"/>
                   </a:rPr>
                   <a:t>Relative risk ratios: exponentiated coefficients (multiplicative effect)</a:t>
@@ -32324,80 +32314,16 @@
                   <a:buAutoNum type="arabicPeriod"/>
                 </a:pPr>
                 <a:r>
-                  <a:rPr lang="en-US" sz="2200" dirty="0">
+                  <a:rPr lang="en-US" sz="2400" dirty="0">
                     <a:cs typeface="Times New Roman" panose="02020603050405020304" pitchFamily="18" charset="0"/>
                   </a:rPr>
                   <a:t>Marginal effects: similar to logit marginal effects</a:t>
-                </a:r>
-              </a:p>
-              <a:p>
-                <a:r>
-                  <a:rPr lang="en-US" sz="2200" dirty="0">
-                    <a:cs typeface="Times New Roman" panose="02020603050405020304" pitchFamily="18" charset="0"/>
-                  </a:rPr>
-                  <a:t>We can also </a:t>
-                </a:r>
-                <a:r>
-                  <a:rPr lang="en-US" sz="2200" b="1" dirty="0">
-                    <a:cs typeface="Times New Roman" panose="02020603050405020304" pitchFamily="18" charset="0"/>
-                  </a:rPr>
-                  <a:t>check the accuracy </a:t>
-                </a:r>
-                <a:r>
-                  <a:rPr lang="en-US" sz="2200" dirty="0">
-                    <a:cs typeface="Times New Roman" panose="02020603050405020304" pitchFamily="18" charset="0"/>
-                  </a:rPr>
-                  <a:t>of our predictions</a:t>
-                </a:r>
-              </a:p>
-              <a:p>
-                <a:pPr lvl="1"/>
-                <a:r>
-                  <a:rPr lang="en-US" sz="2000" dirty="0">
-                    <a:cs typeface="Times New Roman" panose="02020603050405020304" pitchFamily="18" charset="0"/>
-                  </a:rPr>
-                  <a:t>This helps us evaluate the performance of our model</a:t>
-                </a:r>
-              </a:p>
-              <a:p>
-                <a:pPr lvl="1"/>
-                <a:r>
-                  <a:rPr lang="en-US" sz="2000" dirty="0">
-                    <a:cs typeface="Times New Roman" panose="02020603050405020304" pitchFamily="18" charset="0"/>
-                  </a:rPr>
-                  <a:t>Note: since there are multiple regressions and choices, the overall accuracy matters </a:t>
-                </a:r>
-              </a:p>
-              <a:p>
-                <a:pPr marL="274320" lvl="1" indent="0">
-                  <a:buNone/>
-                </a:pPr>
-                <a:r>
-                  <a:rPr lang="en-US" sz="2000" i="1" dirty="0">
-                    <a:cs typeface="Times New Roman" panose="02020603050405020304" pitchFamily="18" charset="0"/>
-                  </a:rPr>
-                  <a:t>as well as </a:t>
-                </a:r>
-                <a:r>
-                  <a:rPr lang="en-US" sz="2000" dirty="0">
-                    <a:cs typeface="Times New Roman" panose="02020603050405020304" pitchFamily="18" charset="0"/>
-                  </a:rPr>
-                  <a:t>the ways in which the model mis-predicts</a:t>
-                </a:r>
-              </a:p>
-              <a:p>
-                <a:pPr lvl="1"/>
-                <a:r>
-                  <a:rPr lang="en-US" sz="2000" dirty="0">
-                    <a:cs typeface="Times New Roman" panose="02020603050405020304" pitchFamily="18" charset="0"/>
-                  </a:rPr>
-                  <a:t>Data visualization is key!</a:t>
                 </a:r>
               </a:p>
             </p:txBody>
           </p:sp>
         </mc:Choice>
-        <mc:Fallback xmlns="">
+        <mc:Fallback>
           <p:sp>
             <p:nvSpPr>
               <p:cNvPr id="3" name="Content Placeholder 2"/>
@@ -32416,7 +32342,7 @@
               <a:blipFill>
                 <a:blip r:embed="rId3"/>
                 <a:stretch>
-                  <a:fillRect l="-427" t="-1068"/>
+                  <a:fillRect l="-427" t="-1305"/>
                 </a:stretch>
               </a:blipFill>
             </p:spPr>
@@ -32425,7 +32351,312 @@
               <a:lstStyle/>
               <a:p>
                 <a:r>
-                  <a:rPr lang="en-CA">
+                  <a:rPr lang="en-US">
+                    <a:noFill/>
+                  </a:rPr>
+                  <a:t> </a:t>
+                </a:r>
+              </a:p>
+            </p:txBody>
+          </p:sp>
+        </mc:Fallback>
+      </mc:AlternateContent>
+    </p:spTree>
+    <p:extLst>
+      <p:ext uri="{BB962C8B-B14F-4D97-AF65-F5344CB8AC3E}">
+        <p14:creationId xmlns:p14="http://schemas.microsoft.com/office/powerpoint/2010/main" val="673892260"/>
+      </p:ext>
+    </p:extLst>
+  </p:cSld>
+  <p:clrMapOvr>
+    <a:masterClrMapping/>
+  </p:clrMapOvr>
+</p:sld>
+</file>
+
+<file path=ppt/slides/slide62.xml><?xml version="1.0" encoding="utf-8"?>
+<p:sld xmlns:a="http://schemas.openxmlformats.org/drawingml/2006/main" xmlns:r="http://schemas.openxmlformats.org/officeDocument/2006/relationships" xmlns:p="http://schemas.openxmlformats.org/presentationml/2006/main">
+  <p:cSld>
+    <p:spTree>
+      <p:nvGrpSpPr>
+        <p:cNvPr id="1" name=""/>
+        <p:cNvGrpSpPr/>
+        <p:nvPr/>
+      </p:nvGrpSpPr>
+      <p:grpSpPr>
+        <a:xfrm>
+          <a:off x="0" y="0"/>
+          <a:ext cx="0" cy="0"/>
+          <a:chOff x="0" y="0"/>
+          <a:chExt cx="0" cy="0"/>
+        </a:xfrm>
+      </p:grpSpPr>
+      <p:sp>
+        <p:nvSpPr>
+          <p:cNvPr id="2" name="Title 1"/>
+          <p:cNvSpPr>
+            <a:spLocks noGrp="1"/>
+          </p:cNvSpPr>
+          <p:nvPr>
+            <p:ph type="title"/>
+          </p:nvPr>
+        </p:nvSpPr>
+        <p:spPr>
+          <a:xfrm>
+            <a:off x="609600" y="337391"/>
+            <a:ext cx="10439400" cy="624840"/>
+          </a:xfrm>
+        </p:spPr>
+        <p:txBody>
+          <a:bodyPr>
+            <a:noAutofit/>
+          </a:bodyPr>
+          <a:lstStyle/>
+          <a:p>
+            <a:r>
+              <a:rPr lang="en-US" sz="3600" dirty="0">
+                <a:latin typeface="Times New Roman" panose="02020603050405020304" pitchFamily="18" charset="0"/>
+                <a:cs typeface="Times New Roman" panose="02020603050405020304" pitchFamily="18" charset="0"/>
+              </a:rPr>
+              <a:t>Multinomial Logit: Interpretation</a:t>
+            </a:r>
+          </a:p>
+        </p:txBody>
+      </p:sp>
+      <mc:AlternateContent xmlns:mc="http://schemas.openxmlformats.org/markup-compatibility/2006">
+        <mc:Choice xmlns:a14="http://schemas.microsoft.com/office/drawing/2010/main" Requires="a14">
+          <p:sp>
+            <p:nvSpPr>
+              <p:cNvPr id="3" name="Content Placeholder 2"/>
+              <p:cNvSpPr>
+                <a:spLocks noGrp="1"/>
+              </p:cNvSpPr>
+              <p:nvPr>
+                <p:ph idx="1"/>
+              </p:nvPr>
+            </p:nvSpPr>
+            <p:spPr>
+              <a:xfrm>
+                <a:off x="914400" y="1066801"/>
+                <a:ext cx="9984829" cy="5141388"/>
+              </a:xfrm>
+            </p:spPr>
+            <p:txBody>
+              <a:bodyPr>
+                <a:noAutofit/>
+              </a:bodyPr>
+              <a:lstStyle/>
+              <a:p>
+                <a:r>
+                  <a:rPr lang="en-US" sz="2400" dirty="0">
+                    <a:cs typeface="Times New Roman" panose="02020603050405020304" pitchFamily="18" charset="0"/>
+                  </a:rPr>
+                  <a:t>Estimating gives us coefficients on each of the </a:t>
+                </a:r>
+                <a14:m>
+                  <m:oMath xmlns:m="http://schemas.openxmlformats.org/officeDocument/2006/math">
+                    <m:r>
+                      <a:rPr lang="en-US" sz="2400" b="0" i="1" smtClean="0">
+                        <a:latin typeface="Cambria Math" panose="02040503050406030204" pitchFamily="18" charset="0"/>
+                        <a:cs typeface="Times New Roman" panose="02020603050405020304" pitchFamily="18" charset="0"/>
+                      </a:rPr>
+                      <m:t>𝐽</m:t>
+                    </m:r>
+                    <m:r>
+                      <a:rPr lang="en-US" sz="2400" b="0" i="1" smtClean="0">
+                        <a:latin typeface="Cambria Math" panose="02040503050406030204" pitchFamily="18" charset="0"/>
+                        <a:cs typeface="Times New Roman" panose="02020603050405020304" pitchFamily="18" charset="0"/>
+                      </a:rPr>
+                      <m:t>−1</m:t>
+                    </m:r>
+                  </m:oMath>
+                </a14:m>
+                <a:r>
+                  <a:rPr lang="en-US" sz="2400" dirty="0">
+                    <a:cs typeface="Times New Roman" panose="02020603050405020304" pitchFamily="18" charset="0"/>
+                  </a:rPr>
+                  <a:t> logistic regressions</a:t>
+                </a:r>
+              </a:p>
+              <a:p>
+                <a:pPr lvl="1"/>
+                <a:r>
+                  <a:rPr lang="en-US" sz="2400" dirty="0">
+                    <a:cs typeface="Times New Roman" panose="02020603050405020304" pitchFamily="18" charset="0"/>
+                  </a:rPr>
+                  <a:t>Just as in logit, we can </a:t>
+                </a:r>
+                <a:r>
+                  <a:rPr lang="en-US" sz="2400" b="1" dirty="0">
+                    <a:cs typeface="Times New Roman" panose="02020603050405020304" pitchFamily="18" charset="0"/>
+                  </a:rPr>
+                  <a:t>exponentiate </a:t>
+                </a:r>
+                <a:r>
+                  <a:rPr lang="en-US" sz="2400" dirty="0">
+                    <a:cs typeface="Times New Roman" panose="02020603050405020304" pitchFamily="18" charset="0"/>
+                  </a:rPr>
+                  <a:t>coefficients to get </a:t>
+                </a:r>
+                <a:r>
+                  <a:rPr lang="en-US" sz="2400" b="1" dirty="0">
+                    <a:cs typeface="Times New Roman" panose="02020603050405020304" pitchFamily="18" charset="0"/>
+                  </a:rPr>
+                  <a:t>odds ratios</a:t>
+                </a:r>
+              </a:p>
+              <a:p>
+                <a:pPr lvl="1"/>
+                <a:r>
+                  <a:rPr lang="en-US" sz="2400" dirty="0">
+                    <a:cs typeface="Times New Roman" panose="02020603050405020304" pitchFamily="18" charset="0"/>
+                  </a:rPr>
+                  <a:t>We can also compute </a:t>
+                </a:r>
+                <a:r>
+                  <a:rPr lang="en-US" sz="2400" b="1" dirty="0">
+                    <a:cs typeface="Times New Roman" panose="02020603050405020304" pitchFamily="18" charset="0"/>
+                  </a:rPr>
+                  <a:t>marginal effects</a:t>
+                </a:r>
+                <a:r>
+                  <a:rPr lang="en-US" sz="2400" dirty="0">
+                    <a:cs typeface="Times New Roman" panose="02020603050405020304" pitchFamily="18" charset="0"/>
+                  </a:rPr>
+                  <a:t> and predicted probabilities</a:t>
+                </a:r>
+              </a:p>
+              <a:p>
+                <a:r>
+                  <a:rPr lang="en-US" sz="2400" dirty="0">
+                    <a:cs typeface="Times New Roman" panose="02020603050405020304" pitchFamily="18" charset="0"/>
+                  </a:rPr>
+                  <a:t>Some options for interpretation: </a:t>
+                </a:r>
+              </a:p>
+              <a:p>
+                <a:pPr marL="731520" lvl="1" indent="-457200">
+                  <a:buFont typeface="+mj-lt"/>
+                  <a:buAutoNum type="arabicPeriod"/>
+                </a:pPr>
+                <a:r>
+                  <a:rPr lang="en-US" sz="2400" dirty="0">
+                    <a:cs typeface="Times New Roman" panose="02020603050405020304" pitchFamily="18" charset="0"/>
+                  </a:rPr>
+                  <a:t>Relative log-odds: the main coefficients (don’t use)</a:t>
+                </a:r>
+              </a:p>
+              <a:p>
+                <a:pPr marL="731520" lvl="1" indent="-457200">
+                  <a:buFont typeface="+mj-lt"/>
+                  <a:buAutoNum type="arabicPeriod"/>
+                </a:pPr>
+                <a:r>
+                  <a:rPr lang="en-US" sz="2400" dirty="0">
+                    <a:cs typeface="Times New Roman" panose="02020603050405020304" pitchFamily="18" charset="0"/>
+                  </a:rPr>
+                  <a:t>Relative risk ratios: exponentiated coefficients (multiplicative effect)</a:t>
+                </a:r>
+              </a:p>
+              <a:p>
+                <a:pPr marL="731520" lvl="1" indent="-457200">
+                  <a:buFont typeface="+mj-lt"/>
+                  <a:buAutoNum type="arabicPeriod"/>
+                </a:pPr>
+                <a:r>
+                  <a:rPr lang="en-US" sz="2400" dirty="0">
+                    <a:cs typeface="Times New Roman" panose="02020603050405020304" pitchFamily="18" charset="0"/>
+                  </a:rPr>
+                  <a:t>Marginal effects: similar to logit marginal effects</a:t>
+                </a:r>
+              </a:p>
+              <a:p>
+                <a:r>
+                  <a:rPr lang="en-US" sz="2400" dirty="0">
+                    <a:cs typeface="Times New Roman" panose="02020603050405020304" pitchFamily="18" charset="0"/>
+                  </a:rPr>
+                  <a:t>We can also </a:t>
+                </a:r>
+                <a:r>
+                  <a:rPr lang="en-US" sz="2400" b="1" dirty="0">
+                    <a:cs typeface="Times New Roman" panose="02020603050405020304" pitchFamily="18" charset="0"/>
+                  </a:rPr>
+                  <a:t>check the accuracy </a:t>
+                </a:r>
+                <a:r>
+                  <a:rPr lang="en-US" sz="2400" dirty="0">
+                    <a:cs typeface="Times New Roman" panose="02020603050405020304" pitchFamily="18" charset="0"/>
+                  </a:rPr>
+                  <a:t>of our predictions (model performance) </a:t>
+                </a:r>
+              </a:p>
+              <a:p>
+                <a:pPr lvl="1"/>
+                <a:r>
+                  <a:rPr lang="en-US" sz="2400" dirty="0">
+                    <a:cs typeface="Times New Roman" panose="02020603050405020304" pitchFamily="18" charset="0"/>
+                  </a:rPr>
+                  <a:t>Note: since there are multiple regressions, overall accuracy matters </a:t>
+                </a:r>
+              </a:p>
+              <a:p>
+                <a:pPr marL="274320" lvl="1" indent="0">
+                  <a:buNone/>
+                </a:pPr>
+                <a:r>
+                  <a:rPr lang="en-US" sz="2400" i="1" dirty="0">
+                    <a:cs typeface="Times New Roman" panose="02020603050405020304" pitchFamily="18" charset="0"/>
+                  </a:rPr>
+                  <a:t>as well as any </a:t>
+                </a:r>
+                <a:r>
+                  <a:rPr lang="en-US" sz="2400" dirty="0">
+                    <a:cs typeface="Times New Roman" panose="02020603050405020304" pitchFamily="18" charset="0"/>
+                  </a:rPr>
+                  <a:t>ways in which the model mis-predicts</a:t>
+                </a:r>
+              </a:p>
+              <a:p>
+                <a:pPr lvl="1"/>
+                <a:r>
+                  <a:rPr lang="en-US" sz="2400" dirty="0">
+                    <a:cs typeface="Times New Roman" panose="02020603050405020304" pitchFamily="18" charset="0"/>
+                  </a:rPr>
+                  <a:t>Data visualization is key!</a:t>
+                </a:r>
+              </a:p>
+            </p:txBody>
+          </p:sp>
+        </mc:Choice>
+        <mc:Fallback>
+          <p:sp>
+            <p:nvSpPr>
+              <p:cNvPr id="3" name="Content Placeholder 2"/>
+              <p:cNvSpPr>
+                <a:spLocks noGrp="1" noRot="1" noChangeAspect="1" noMove="1" noResize="1" noEditPoints="1" noAdjustHandles="1" noChangeArrowheads="1" noChangeShapeType="1" noTextEdit="1"/>
+              </p:cNvSpPr>
+              <p:nvPr>
+                <p:ph idx="1"/>
+              </p:nvPr>
+            </p:nvSpPr>
+            <p:spPr>
+              <a:xfrm>
+                <a:off x="914400" y="1066801"/>
+                <a:ext cx="9984829" cy="5141388"/>
+              </a:xfrm>
+              <a:blipFill>
+                <a:blip r:embed="rId3"/>
+                <a:stretch>
+                  <a:fillRect l="-427" t="-1305"/>
+                </a:stretch>
+              </a:blipFill>
+            </p:spPr>
+            <p:txBody>
+              <a:bodyPr/>
+              <a:lstStyle/>
+              <a:p>
+                <a:r>
+                  <a:rPr lang="en-US">
                     <a:noFill/>
                   </a:rPr>
                   <a:t> </a:t>
@@ -32485,7 +32716,7 @@
     </p:spTree>
     <p:extLst>
       <p:ext uri="{BB962C8B-B14F-4D97-AF65-F5344CB8AC3E}">
-        <p14:creationId xmlns:p14="http://schemas.microsoft.com/office/powerpoint/2010/main" val="673892260"/>
+        <p14:creationId xmlns:p14="http://schemas.microsoft.com/office/powerpoint/2010/main" val="773707490"/>
       </p:ext>
     </p:extLst>
   </p:cSld>
@@ -32495,7 +32726,7 @@
 </p:sld>
 </file>
 
-<file path=ppt/slides/slide62.xml><?xml version="1.0" encoding="utf-8"?>
+<file path=ppt/slides/slide63.xml><?xml version="1.0" encoding="utf-8"?>
 <p:sld xmlns:a="http://schemas.openxmlformats.org/drawingml/2006/main" xmlns:r="http://schemas.openxmlformats.org/officeDocument/2006/relationships" xmlns:p="http://schemas.openxmlformats.org/presentationml/2006/main">
   <p:cSld>
     <p:spTree>
@@ -32729,8 +32960,8 @@
           </a:p>
         </p:txBody>
       </p:sp>
-      <mc:AlternateContent xmlns:mc="http://schemas.openxmlformats.org/markup-compatibility/2006" xmlns:a14="http://schemas.microsoft.com/office/drawing/2010/main">
-        <mc:Choice Requires="a14">
+      <mc:AlternateContent xmlns:mc="http://schemas.openxmlformats.org/markup-compatibility/2006">
+        <mc:Choice xmlns:a14="http://schemas.microsoft.com/office/drawing/2010/main" Requires="a14">
           <p:sp>
             <p:nvSpPr>
               <p:cNvPr id="3" name="Content Placeholder 2"/>
@@ -32754,13 +32985,13 @@
               <a:lstStyle/>
               <a:p>
                 <a:r>
-                  <a:rPr lang="en-US" sz="2600" b="1" dirty="0">
+                  <a:rPr lang="en-US" sz="2400" b="1" dirty="0">
                     <a:cs typeface="Times New Roman" panose="02020603050405020304" pitchFamily="18" charset="0"/>
                   </a:rPr>
                   <a:t>Binary</a:t>
                 </a:r>
                 <a:r>
-                  <a:rPr lang="en-US" sz="2600" dirty="0">
+                  <a:rPr lang="en-US" sz="2400" dirty="0">
                     <a:cs typeface="Times New Roman" panose="02020603050405020304" pitchFamily="18" charset="0"/>
                   </a:rPr>
                   <a:t>: Whether or not someone receives a treatment</a:t>
@@ -32811,7 +33042,7 @@
               <a:p>
                 <a:pPr lvl="1"/>
                 <a:r>
-                  <a:rPr lang="en-US" sz="2200" dirty="0">
+                  <a:rPr lang="en-US" sz="2400" dirty="0">
                     <a:cs typeface="Times New Roman" panose="02020603050405020304" pitchFamily="18" charset="0"/>
                   </a:rPr>
                   <a:t>Can be natural (no negative income) or imposed (top-coded spending)</a:t>
@@ -32828,14 +33059,14 @@
                     </m:oMathParaPr>
                     <m:oMath xmlns:m="http://schemas.openxmlformats.org/officeDocument/2006/math">
                       <m:r>
-                        <a:rPr lang="en-US" sz="2200" b="0" i="1" smtClean="0">
+                        <a:rPr lang="en-US" sz="2400" b="0" i="1" smtClean="0">
                           <a:latin typeface="Cambria Math" panose="02040503050406030204" pitchFamily="18" charset="0"/>
                           <a:cs typeface="Times New Roman" panose="02020603050405020304" pitchFamily="18" charset="0"/>
                         </a:rPr>
                         <m:t>𝑌</m:t>
                       </m:r>
                       <m:r>
-                        <a:rPr lang="en-US" sz="2200" b="0" i="1" smtClean="0">
+                        <a:rPr lang="en-US" sz="2400" b="0" i="1" smtClean="0">
                           <a:latin typeface="Cambria Math" panose="02040503050406030204" pitchFamily="18" charset="0"/>
                           <a:cs typeface="Times New Roman" panose="02020603050405020304" pitchFamily="18" charset="0"/>
                         </a:rPr>
@@ -32846,7 +33077,7 @@
                           <m:begChr m:val="{"/>
                           <m:endChr m:val=""/>
                           <m:ctrlPr>
-                            <a:rPr lang="en-US" sz="2200" b="0" i="1" smtClean="0">
+                            <a:rPr lang="en-US" sz="2400" b="0" i="1" smtClean="0">
                               <a:latin typeface="Cambria Math" panose="02040503050406030204" pitchFamily="18" charset="0"/>
                               <a:cs typeface="Times New Roman" panose="02020603050405020304" pitchFamily="18" charset="0"/>
                             </a:rPr>
@@ -32856,7 +33087,7 @@
                           <m:eqArr>
                             <m:eqArrPr>
                               <m:ctrlPr>
-                                <a:rPr lang="en-US" sz="2200" b="0" i="1" smtClean="0">
+                                <a:rPr lang="en-US" sz="2400" b="0" i="1" smtClean="0">
                                   <a:latin typeface="Cambria Math" panose="02040503050406030204" pitchFamily="18" charset="0"/>
                                   <a:cs typeface="Times New Roman" panose="02020603050405020304" pitchFamily="18" charset="0"/>
                                 </a:rPr>
@@ -32866,7 +33097,7 @@
                               <m:sSub>
                                 <m:sSubPr>
                                   <m:ctrlPr>
-                                    <a:rPr lang="en-US" sz="2200" b="0" i="1" smtClean="0">
+                                    <a:rPr lang="en-US" sz="2400" b="0" i="1" smtClean="0">
                                       <a:latin typeface="Cambria Math" panose="02040503050406030204" pitchFamily="18" charset="0"/>
                                       <a:cs typeface="Times New Roman" panose="02020603050405020304" pitchFamily="18" charset="0"/>
                                     </a:rPr>
@@ -32874,7 +33105,7 @@
                                 </m:sSubPr>
                                 <m:e>
                                   <m:r>
-                                    <a:rPr lang="en-US" sz="2200" b="0" i="1" smtClean="0">
+                                    <a:rPr lang="en-US" sz="2400" b="0" i="1" smtClean="0">
                                       <a:latin typeface="Cambria Math" panose="02040503050406030204" pitchFamily="18" charset="0"/>
                                       <a:cs typeface="Times New Roman" panose="02020603050405020304" pitchFamily="18" charset="0"/>
                                     </a:rPr>
@@ -32883,14 +33114,14 @@
                                 </m:e>
                                 <m:sub>
                                   <m:r>
-                                    <a:rPr lang="en-US" sz="2200" b="0" i="1" smtClean="0">
+                                    <a:rPr lang="en-US" sz="2400" b="0" i="1" smtClean="0">
                                       <a:latin typeface="Cambria Math" panose="02040503050406030204" pitchFamily="18" charset="0"/>
                                       <a:cs typeface="Times New Roman" panose="02020603050405020304" pitchFamily="18" charset="0"/>
                                     </a:rPr>
                                     <m:t>𝑖</m:t>
                                   </m:r>
                                   <m:r>
-                                    <a:rPr lang="en-US" sz="2200" b="0" i="1" smtClean="0">
+                                    <a:rPr lang="en-US" sz="2400" b="0" i="1" smtClean="0">
                                       <a:latin typeface="Cambria Math" panose="02040503050406030204" pitchFamily="18" charset="0"/>
                                       <a:cs typeface="Times New Roman" panose="02020603050405020304" pitchFamily="18" charset="0"/>
                                     </a:rPr>
@@ -32899,14 +33130,14 @@
                                 </m:sub>
                               </m:sSub>
                               <m:r>
-                                <a:rPr lang="en-US" sz="2200" b="0" i="1" smtClean="0">
+                                <a:rPr lang="en-US" sz="2400" b="0" i="1" smtClean="0">
                                   <a:latin typeface="Cambria Math" panose="02040503050406030204" pitchFamily="18" charset="0"/>
                                   <a:cs typeface="Times New Roman" panose="02020603050405020304" pitchFamily="18" charset="0"/>
                                 </a:rPr>
                                 <m:t>𝑖𝑓</m:t>
                               </m:r>
                               <m:r>
-                                <a:rPr lang="en-US" sz="2200" b="0" i="1" smtClean="0">
+                                <a:rPr lang="en-US" sz="2400" b="0" i="1" smtClean="0">
                                   <a:latin typeface="Cambria Math" panose="02040503050406030204" pitchFamily="18" charset="0"/>
                                   <a:cs typeface="Times New Roman" panose="02020603050405020304" pitchFamily="18" charset="0"/>
                                 </a:rPr>
@@ -32915,7 +33146,7 @@
                               <m:sSub>
                                 <m:sSubPr>
                                   <m:ctrlPr>
-                                    <a:rPr lang="en-US" sz="2200" b="0" i="1" smtClean="0">
+                                    <a:rPr lang="en-US" sz="2400" b="0" i="1" smtClean="0">
                                       <a:latin typeface="Cambria Math" panose="02040503050406030204" pitchFamily="18" charset="0"/>
                                       <a:cs typeface="Times New Roman" panose="02020603050405020304" pitchFamily="18" charset="0"/>
                                     </a:rPr>
@@ -32923,7 +33154,7 @@
                                 </m:sSubPr>
                                 <m:e>
                                   <m:r>
-                                    <a:rPr lang="en-US" sz="2200" b="0" i="1" smtClean="0">
+                                    <a:rPr lang="en-US" sz="2400" b="0" i="1" smtClean="0">
                                       <a:latin typeface="Cambria Math" panose="02040503050406030204" pitchFamily="18" charset="0"/>
                                       <a:cs typeface="Times New Roman" panose="02020603050405020304" pitchFamily="18" charset="0"/>
                                     </a:rPr>
@@ -32932,7 +33163,7 @@
                                 </m:e>
                                 <m:sub>
                                   <m:r>
-                                    <a:rPr lang="en-US" sz="2200" b="0" i="1" smtClean="0">
+                                    <a:rPr lang="en-US" sz="2400" b="0" i="1" smtClean="0">
                                       <a:latin typeface="Cambria Math" panose="02040503050406030204" pitchFamily="18" charset="0"/>
                                       <a:cs typeface="Times New Roman" panose="02020603050405020304" pitchFamily="18" charset="0"/>
                                     </a:rPr>
@@ -32941,7 +33172,7 @@
                                 </m:sub>
                               </m:sSub>
                               <m:r>
-                                <a:rPr lang="en-US" sz="2200" b="0" i="1" smtClean="0">
+                                <a:rPr lang="en-US" sz="2400" b="0" i="1" smtClean="0">
                                   <a:latin typeface="Cambria Math" panose="02040503050406030204" pitchFamily="18" charset="0"/>
                                   <a:cs typeface="Times New Roman" panose="02020603050405020304" pitchFamily="18" charset="0"/>
                                 </a:rPr>
@@ -32950,21 +33181,21 @@
                             </m:e>
                             <m:e>
                               <m:r>
-                                <a:rPr lang="en-US" sz="2200" b="0" i="1" smtClean="0">
+                                <a:rPr lang="en-US" sz="2400" b="0" i="1" smtClean="0">
                                   <a:latin typeface="Cambria Math" panose="02040503050406030204" pitchFamily="18" charset="0"/>
                                   <a:cs typeface="Times New Roman" panose="02020603050405020304" pitchFamily="18" charset="0"/>
                                 </a:rPr>
                                 <m:t>0 </m:t>
                               </m:r>
                               <m:r>
-                                <a:rPr lang="en-US" sz="2200" b="0" i="1" smtClean="0">
+                                <a:rPr lang="en-US" sz="2400" b="0" i="1" smtClean="0">
                                   <a:latin typeface="Cambria Math" panose="02040503050406030204" pitchFamily="18" charset="0"/>
                                   <a:cs typeface="Times New Roman" panose="02020603050405020304" pitchFamily="18" charset="0"/>
                                 </a:rPr>
                                 <m:t>𝑖𝑓</m:t>
                               </m:r>
                               <m:r>
-                                <a:rPr lang="en-US" sz="2200" b="0" i="1" smtClean="0">
+                                <a:rPr lang="en-US" sz="2400" b="0" i="1" smtClean="0">
                                   <a:latin typeface="Cambria Math" panose="02040503050406030204" pitchFamily="18" charset="0"/>
                                   <a:cs typeface="Times New Roman" panose="02020603050405020304" pitchFamily="18" charset="0"/>
                                 </a:rPr>
@@ -32973,7 +33204,7 @@
                               <m:sSub>
                                 <m:sSubPr>
                                   <m:ctrlPr>
-                                    <a:rPr lang="en-US" sz="2200" b="0" i="1" smtClean="0">
+                                    <a:rPr lang="en-US" sz="2400" b="0" i="1" smtClean="0">
                                       <a:latin typeface="Cambria Math" panose="02040503050406030204" pitchFamily="18" charset="0"/>
                                       <a:cs typeface="Times New Roman" panose="02020603050405020304" pitchFamily="18" charset="0"/>
                                     </a:rPr>
@@ -32981,7 +33212,7 @@
                                 </m:sSubPr>
                                 <m:e>
                                   <m:r>
-                                    <a:rPr lang="en-US" sz="2200" b="0" i="1" smtClean="0">
+                                    <a:rPr lang="en-US" sz="2400" b="0" i="1" smtClean="0">
                                       <a:latin typeface="Cambria Math" panose="02040503050406030204" pitchFamily="18" charset="0"/>
                                       <a:cs typeface="Times New Roman" panose="02020603050405020304" pitchFamily="18" charset="0"/>
                                     </a:rPr>
@@ -32990,7 +33221,7 @@
                                 </m:e>
                                 <m:sub>
                                   <m:r>
-                                    <a:rPr lang="en-US" sz="2200" b="0" i="1" smtClean="0">
+                                    <a:rPr lang="en-US" sz="2400" b="0" i="1" smtClean="0">
                                       <a:latin typeface="Cambria Math" panose="02040503050406030204" pitchFamily="18" charset="0"/>
                                       <a:cs typeface="Times New Roman" panose="02020603050405020304" pitchFamily="18" charset="0"/>
                                     </a:rPr>
@@ -32999,7 +33230,7 @@
                                 </m:sub>
                               </m:sSub>
                               <m:r>
-                                <a:rPr lang="en-US" sz="2200" b="0" i="1" smtClean="0">
+                                <a:rPr lang="en-US" sz="2400" b="0" i="1" smtClean="0">
                                   <a:latin typeface="Cambria Math" panose="02040503050406030204" pitchFamily="18" charset="0"/>
                                   <a:cs typeface="Times New Roman" panose="02020603050405020304" pitchFamily="18" charset="0"/>
                                 </a:rPr>
@@ -33012,19 +33243,19 @@
                     </m:oMath>
                   </m:oMathPara>
                 </a14:m>
-                <a:endParaRPr lang="en-US" sz="2200" dirty="0">
+                <a:endParaRPr lang="en-US" sz="2400" dirty="0">
                   <a:cs typeface="Times New Roman" panose="02020603050405020304" pitchFamily="18" charset="0"/>
                 </a:endParaRPr>
               </a:p>
               <a:p>
-                <a:endParaRPr lang="en-US" sz="2200" dirty="0">
+                <a:endParaRPr lang="en-US" sz="2400" dirty="0">
                   <a:cs typeface="Times New Roman" panose="02020603050405020304" pitchFamily="18" charset="0"/>
                 </a:endParaRPr>
               </a:p>
             </p:txBody>
           </p:sp>
         </mc:Choice>
-        <mc:Fallback xmlns="">
+        <mc:Fallback>
           <p:sp>
             <p:nvSpPr>
               <p:cNvPr id="3" name="Content Placeholder 2"/>
@@ -33043,7 +33274,7 @@
               <a:blipFill>
                 <a:blip r:embed="rId3"/>
                 <a:stretch>
-                  <a:fillRect l="-583" t="-1423"/>
+                  <a:fillRect l="-454" t="-1305"/>
                 </a:stretch>
               </a:blipFill>
             </p:spPr>

--- a/Lecture07-08_BinaryDepVars/Lecture7_BinaryDepVars_2022F.pptx
+++ b/Lecture07-08_BinaryDepVars/Lecture7_BinaryDepVars_2022F.pptx
@@ -5,7 +5,7 @@
     <p:sldMasterId id="2147483738" r:id="rId1"/>
   </p:sldMasterIdLst>
   <p:notesMasterIdLst>
-    <p:notesMasterId r:id="rId65"/>
+    <p:notesMasterId r:id="rId69"/>
   </p:notesMasterIdLst>
   <p:sldIdLst>
     <p:sldId id="256" r:id="rId2"/>
@@ -25,52 +25,56 @@
     <p:sldId id="544" r:id="rId16"/>
     <p:sldId id="525" r:id="rId17"/>
     <p:sldId id="546" r:id="rId18"/>
-    <p:sldId id="547" r:id="rId19"/>
-    <p:sldId id="548" r:id="rId20"/>
-    <p:sldId id="549" r:id="rId21"/>
-    <p:sldId id="550" r:id="rId22"/>
-    <p:sldId id="524" r:id="rId23"/>
-    <p:sldId id="552" r:id="rId24"/>
-    <p:sldId id="553" r:id="rId25"/>
-    <p:sldId id="551" r:id="rId26"/>
-    <p:sldId id="526" r:id="rId27"/>
-    <p:sldId id="555" r:id="rId28"/>
-    <p:sldId id="554" r:id="rId29"/>
-    <p:sldId id="556" r:id="rId30"/>
-    <p:sldId id="557" r:id="rId31"/>
-    <p:sldId id="527" r:id="rId32"/>
-    <p:sldId id="559" r:id="rId33"/>
-    <p:sldId id="558" r:id="rId34"/>
-    <p:sldId id="560" r:id="rId35"/>
-    <p:sldId id="521" r:id="rId36"/>
-    <p:sldId id="529" r:id="rId37"/>
-    <p:sldId id="561" r:id="rId38"/>
-    <p:sldId id="562" r:id="rId39"/>
-    <p:sldId id="564" r:id="rId40"/>
-    <p:sldId id="565" r:id="rId41"/>
-    <p:sldId id="569" r:id="rId42"/>
-    <p:sldId id="566" r:id="rId43"/>
-    <p:sldId id="567" r:id="rId44"/>
-    <p:sldId id="570" r:id="rId45"/>
-    <p:sldId id="522" r:id="rId46"/>
-    <p:sldId id="581" r:id="rId47"/>
-    <p:sldId id="587" r:id="rId48"/>
-    <p:sldId id="583" r:id="rId49"/>
-    <p:sldId id="584" r:id="rId50"/>
-    <p:sldId id="585" r:id="rId51"/>
-    <p:sldId id="528" r:id="rId52"/>
-    <p:sldId id="571" r:id="rId53"/>
-    <p:sldId id="572" r:id="rId54"/>
-    <p:sldId id="573" r:id="rId55"/>
-    <p:sldId id="574" r:id="rId56"/>
-    <p:sldId id="575" r:id="rId57"/>
-    <p:sldId id="576" r:id="rId58"/>
-    <p:sldId id="577" r:id="rId59"/>
-    <p:sldId id="578" r:id="rId60"/>
-    <p:sldId id="579" r:id="rId61"/>
-    <p:sldId id="580" r:id="rId62"/>
-    <p:sldId id="588" r:id="rId63"/>
-    <p:sldId id="586" r:id="rId64"/>
+    <p:sldId id="589" r:id="rId19"/>
+    <p:sldId id="590" r:id="rId20"/>
+    <p:sldId id="591" r:id="rId21"/>
+    <p:sldId id="592" r:id="rId22"/>
+    <p:sldId id="547" r:id="rId23"/>
+    <p:sldId id="548" r:id="rId24"/>
+    <p:sldId id="549" r:id="rId25"/>
+    <p:sldId id="550" r:id="rId26"/>
+    <p:sldId id="524" r:id="rId27"/>
+    <p:sldId id="552" r:id="rId28"/>
+    <p:sldId id="553" r:id="rId29"/>
+    <p:sldId id="551" r:id="rId30"/>
+    <p:sldId id="526" r:id="rId31"/>
+    <p:sldId id="555" r:id="rId32"/>
+    <p:sldId id="554" r:id="rId33"/>
+    <p:sldId id="556" r:id="rId34"/>
+    <p:sldId id="557" r:id="rId35"/>
+    <p:sldId id="527" r:id="rId36"/>
+    <p:sldId id="559" r:id="rId37"/>
+    <p:sldId id="558" r:id="rId38"/>
+    <p:sldId id="560" r:id="rId39"/>
+    <p:sldId id="521" r:id="rId40"/>
+    <p:sldId id="529" r:id="rId41"/>
+    <p:sldId id="561" r:id="rId42"/>
+    <p:sldId id="562" r:id="rId43"/>
+    <p:sldId id="564" r:id="rId44"/>
+    <p:sldId id="565" r:id="rId45"/>
+    <p:sldId id="569" r:id="rId46"/>
+    <p:sldId id="566" r:id="rId47"/>
+    <p:sldId id="567" r:id="rId48"/>
+    <p:sldId id="570" r:id="rId49"/>
+    <p:sldId id="522" r:id="rId50"/>
+    <p:sldId id="581" r:id="rId51"/>
+    <p:sldId id="587" r:id="rId52"/>
+    <p:sldId id="583" r:id="rId53"/>
+    <p:sldId id="584" r:id="rId54"/>
+    <p:sldId id="585" r:id="rId55"/>
+    <p:sldId id="528" r:id="rId56"/>
+    <p:sldId id="571" r:id="rId57"/>
+    <p:sldId id="572" r:id="rId58"/>
+    <p:sldId id="573" r:id="rId59"/>
+    <p:sldId id="574" r:id="rId60"/>
+    <p:sldId id="575" r:id="rId61"/>
+    <p:sldId id="576" r:id="rId62"/>
+    <p:sldId id="577" r:id="rId63"/>
+    <p:sldId id="578" r:id="rId64"/>
+    <p:sldId id="579" r:id="rId65"/>
+    <p:sldId id="580" r:id="rId66"/>
+    <p:sldId id="588" r:id="rId67"/>
+    <p:sldId id="586" r:id="rId68"/>
   </p:sldIdLst>
   <p:sldSz cx="12192000" cy="6858000"/>
   <p:notesSz cx="7010400" cy="9296400"/>
@@ -270,7 +274,7 @@
           <a:p>
             <a:fld id="{EF911157-0FC2-4F06-8D61-FD647FE4E19D}" type="datetimeFigureOut">
               <a:rPr lang="en-US" smtClean="0"/>
-              <a:t>8/12/2022</a:t>
+              <a:t>10/12/2022</a:t>
             </a:fld>
             <a:endParaRPr lang="en-US"/>
           </a:p>
@@ -1287,7 +1291,10 @@
           <a:bodyPr/>
           <a:lstStyle/>
           <a:p>
-            <a:endParaRPr lang="en-US" dirty="0"/>
+            <a:r>
+              <a:rPr lang="en-US" dirty="0"/>
+              <a:t>Suppose that this is the true underlying DGP – probability of outcome needs to be between 0 and 1, will almost surely be continuous (note: how many straight lines fit the criteria that y(0)=0,y(1)=1, linear, and increasing? Only 1!</a:t>
+            </a:r>
           </a:p>
         </p:txBody>
       </p:sp>
@@ -1317,7 +1324,7 @@
     </p:spTree>
     <p:extLst>
       <p:ext uri="{BB962C8B-B14F-4D97-AF65-F5344CB8AC3E}">
-        <p14:creationId xmlns:p14="http://schemas.microsoft.com/office/powerpoint/2010/main" val="125320388"/>
+        <p14:creationId xmlns:p14="http://schemas.microsoft.com/office/powerpoint/2010/main" val="1241265574"/>
       </p:ext>
     </p:extLst>
   </p:cSld>
@@ -1371,7 +1378,10 @@
           <a:bodyPr/>
           <a:lstStyle/>
           <a:p>
-            <a:endParaRPr lang="en-US" dirty="0"/>
+            <a:r>
+              <a:rPr lang="en-US" dirty="0"/>
+              <a:t>This is what a linear probability model tries to do (hence, the problems). Note that this also shows the benefits (are we that far off?)</a:t>
+            </a:r>
           </a:p>
         </p:txBody>
       </p:sp>
@@ -1401,7 +1411,7 @@
     </p:spTree>
     <p:extLst>
       <p:ext uri="{BB962C8B-B14F-4D97-AF65-F5344CB8AC3E}">
-        <p14:creationId xmlns:p14="http://schemas.microsoft.com/office/powerpoint/2010/main" val="3938021874"/>
+        <p14:creationId xmlns:p14="http://schemas.microsoft.com/office/powerpoint/2010/main" val="3493422258"/>
       </p:ext>
     </p:extLst>
   </p:cSld>
@@ -1457,7 +1467,7 @@
           <a:p>
             <a:r>
               <a:rPr lang="en-US" dirty="0"/>
-              <a:t>Here, F() is a piecewise function where F(D*)=1 if D*&gt;c, 0 otherwise</a:t>
+              <a:t>So what if we transform probabilities? Meh, still funky, but we’re getting closer! </a:t>
             </a:r>
           </a:p>
         </p:txBody>
@@ -1488,7 +1498,7 @@
     </p:spTree>
     <p:extLst>
       <p:ext uri="{BB962C8B-B14F-4D97-AF65-F5344CB8AC3E}">
-        <p14:creationId xmlns:p14="http://schemas.microsoft.com/office/powerpoint/2010/main" val="1852544472"/>
+        <p14:creationId xmlns:p14="http://schemas.microsoft.com/office/powerpoint/2010/main" val="4074671966"/>
       </p:ext>
     </p:extLst>
   </p:cSld>
@@ -1632,7 +1642,10 @@
           <a:bodyPr/>
           <a:lstStyle/>
           <a:p>
-            <a:endParaRPr lang="en-US" dirty="0"/>
+            <a:r>
+              <a:rPr lang="en-US" dirty="0"/>
+              <a:t>Hey, now we’re getting somewhere! The trick was to transform the data in a specific way so that a (then) linear regression works. </a:t>
+            </a:r>
           </a:p>
         </p:txBody>
       </p:sp>
@@ -1662,7 +1675,7 @@
     </p:spTree>
     <p:extLst>
       <p:ext uri="{BB962C8B-B14F-4D97-AF65-F5344CB8AC3E}">
-        <p14:creationId xmlns:p14="http://schemas.microsoft.com/office/powerpoint/2010/main" val="382475667"/>
+        <p14:creationId xmlns:p14="http://schemas.microsoft.com/office/powerpoint/2010/main" val="374580238"/>
       </p:ext>
     </p:extLst>
   </p:cSld>
@@ -1746,7 +1759,7 @@
     </p:spTree>
     <p:extLst>
       <p:ext uri="{BB962C8B-B14F-4D97-AF65-F5344CB8AC3E}">
-        <p14:creationId xmlns:p14="http://schemas.microsoft.com/office/powerpoint/2010/main" val="285855126"/>
+        <p14:creationId xmlns:p14="http://schemas.microsoft.com/office/powerpoint/2010/main" val="125320388"/>
       </p:ext>
     </p:extLst>
   </p:cSld>
@@ -1830,7 +1843,7 @@
     </p:spTree>
     <p:extLst>
       <p:ext uri="{BB962C8B-B14F-4D97-AF65-F5344CB8AC3E}">
-        <p14:creationId xmlns:p14="http://schemas.microsoft.com/office/powerpoint/2010/main" val="2535863126"/>
+        <p14:creationId xmlns:p14="http://schemas.microsoft.com/office/powerpoint/2010/main" val="3938021874"/>
       </p:ext>
     </p:extLst>
   </p:cSld>
@@ -1886,31 +1899,7 @@
           <a:p>
             <a:r>
               <a:rPr lang="en-US" dirty="0"/>
-              <a:t>Where phi is the normal </a:t>
-            </a:r>
-            <a:r>
-              <a:rPr lang="en-US" dirty="0" err="1"/>
-              <a:t>cdf</a:t>
-            </a:r>
-            <a:r>
-              <a:rPr lang="en-US" dirty="0"/>
-              <a:t> for the standard normal (probability that </a:t>
-            </a:r>
-            <a:r>
-              <a:rPr lang="en-US" dirty="0" err="1"/>
-              <a:t>i</a:t>
-            </a:r>
-            <a:r>
-              <a:rPr lang="en-US" dirty="0"/>
-              <a:t> is &lt;= </a:t>
-            </a:r>
-            <a:r>
-              <a:rPr lang="en-US" dirty="0" err="1"/>
-              <a:t>i</a:t>
-            </a:r>
-            <a:r>
-              <a:rPr lang="en-US" dirty="0"/>
-              <a:t>)</a:t>
+              <a:t>Here, F() is a piecewise function where F(D*)=1 if D*&gt;c, 0 otherwise</a:t>
             </a:r>
           </a:p>
         </p:txBody>
@@ -1941,7 +1930,7 @@
     </p:spTree>
     <p:extLst>
       <p:ext uri="{BB962C8B-B14F-4D97-AF65-F5344CB8AC3E}">
-        <p14:creationId xmlns:p14="http://schemas.microsoft.com/office/powerpoint/2010/main" val="3319997769"/>
+        <p14:creationId xmlns:p14="http://schemas.microsoft.com/office/powerpoint/2010/main" val="1852544472"/>
       </p:ext>
     </p:extLst>
   </p:cSld>
@@ -2025,7 +2014,7 @@
     </p:spTree>
     <p:extLst>
       <p:ext uri="{BB962C8B-B14F-4D97-AF65-F5344CB8AC3E}">
-        <p14:creationId xmlns:p14="http://schemas.microsoft.com/office/powerpoint/2010/main" val="2544021057"/>
+        <p14:creationId xmlns:p14="http://schemas.microsoft.com/office/powerpoint/2010/main" val="382475667"/>
       </p:ext>
     </p:extLst>
   </p:cSld>
@@ -2109,7 +2098,7 @@
     </p:spTree>
     <p:extLst>
       <p:ext uri="{BB962C8B-B14F-4D97-AF65-F5344CB8AC3E}">
-        <p14:creationId xmlns:p14="http://schemas.microsoft.com/office/powerpoint/2010/main" val="1461889382"/>
+        <p14:creationId xmlns:p14="http://schemas.microsoft.com/office/powerpoint/2010/main" val="285855126"/>
       </p:ext>
     </p:extLst>
   </p:cSld>
@@ -2193,7 +2182,7 @@
     </p:spTree>
     <p:extLst>
       <p:ext uri="{BB962C8B-B14F-4D97-AF65-F5344CB8AC3E}">
-        <p14:creationId xmlns:p14="http://schemas.microsoft.com/office/powerpoint/2010/main" val="1246714965"/>
+        <p14:creationId xmlns:p14="http://schemas.microsoft.com/office/powerpoint/2010/main" val="2535863126"/>
       </p:ext>
     </p:extLst>
   </p:cSld>
@@ -2249,7 +2238,31 @@
           <a:p>
             <a:r>
               <a:rPr lang="en-US" dirty="0"/>
-              <a:t>Given this link function, what is the partial derivative?</a:t>
+              <a:t>Where phi is the normal </a:t>
+            </a:r>
+            <a:r>
+              <a:rPr lang="en-US" dirty="0" err="1"/>
+              <a:t>cdf</a:t>
+            </a:r>
+            <a:r>
+              <a:rPr lang="en-US" dirty="0"/>
+              <a:t> for the standard normal (probability that </a:t>
+            </a:r>
+            <a:r>
+              <a:rPr lang="en-US" dirty="0" err="1"/>
+              <a:t>i</a:t>
+            </a:r>
+            <a:r>
+              <a:rPr lang="en-US" dirty="0"/>
+              <a:t> is &lt;= </a:t>
+            </a:r>
+            <a:r>
+              <a:rPr lang="en-US" dirty="0" err="1"/>
+              <a:t>i</a:t>
+            </a:r>
+            <a:r>
+              <a:rPr lang="en-US" dirty="0"/>
+              <a:t>)</a:t>
             </a:r>
           </a:p>
         </p:txBody>
@@ -2280,7 +2293,7 @@
     </p:spTree>
     <p:extLst>
       <p:ext uri="{BB962C8B-B14F-4D97-AF65-F5344CB8AC3E}">
-        <p14:creationId xmlns:p14="http://schemas.microsoft.com/office/powerpoint/2010/main" val="3651696345"/>
+        <p14:creationId xmlns:p14="http://schemas.microsoft.com/office/powerpoint/2010/main" val="3319997769"/>
       </p:ext>
     </p:extLst>
   </p:cSld>
@@ -2364,7 +2377,7 @@
     </p:spTree>
     <p:extLst>
       <p:ext uri="{BB962C8B-B14F-4D97-AF65-F5344CB8AC3E}">
-        <p14:creationId xmlns:p14="http://schemas.microsoft.com/office/powerpoint/2010/main" val="4162976736"/>
+        <p14:creationId xmlns:p14="http://schemas.microsoft.com/office/powerpoint/2010/main" val="2544021057"/>
       </p:ext>
     </p:extLst>
   </p:cSld>
@@ -2418,16 +2431,7 @@
           <a:bodyPr/>
           <a:lstStyle/>
           <a:p>
-            <a:r>
-              <a:rPr lang="en-US" dirty="0"/>
-              <a:t>Note: MEM is easier to calculate and interpret, but AME is considered to be more appropriate (it takes into account how variables are correlated, and doesn’t produce an ME for something that doesn’t exist – like someone with 2.3 kids, for example). </a:t>
-            </a:r>
-          </a:p>
-          <a:p>
-            <a:r>
-              <a:rPr lang="en-US" dirty="0"/>
-              <a:t>When using R, keep track of ME for BMI or smoker for each model. </a:t>
-            </a:r>
+            <a:endParaRPr lang="en-US" dirty="0"/>
           </a:p>
         </p:txBody>
       </p:sp>
@@ -2457,7 +2461,7 @@
     </p:spTree>
     <p:extLst>
       <p:ext uri="{BB962C8B-B14F-4D97-AF65-F5344CB8AC3E}">
-        <p14:creationId xmlns:p14="http://schemas.microsoft.com/office/powerpoint/2010/main" val="2711315661"/>
+        <p14:creationId xmlns:p14="http://schemas.microsoft.com/office/powerpoint/2010/main" val="1461889382"/>
       </p:ext>
     </p:extLst>
   </p:cSld>
@@ -2601,10 +2605,7 @@
           <a:bodyPr/>
           <a:lstStyle/>
           <a:p>
-            <a:r>
-              <a:rPr lang="en-US" dirty="0"/>
-              <a:t>Can’t use the F test because the test statistic no longer has an F distribution under the null hypothesis because of the link function</a:t>
-            </a:r>
+            <a:endParaRPr lang="en-US" dirty="0"/>
           </a:p>
         </p:txBody>
       </p:sp>
@@ -2634,7 +2635,7 @@
     </p:spTree>
     <p:extLst>
       <p:ext uri="{BB962C8B-B14F-4D97-AF65-F5344CB8AC3E}">
-        <p14:creationId xmlns:p14="http://schemas.microsoft.com/office/powerpoint/2010/main" val="2225174747"/>
+        <p14:creationId xmlns:p14="http://schemas.microsoft.com/office/powerpoint/2010/main" val="1246714965"/>
       </p:ext>
     </p:extLst>
   </p:cSld>
@@ -2690,7 +2691,7 @@
           <a:p>
             <a:r>
               <a:rPr lang="en-US" dirty="0"/>
-              <a:t>Can’t use the F test because the test statistic no longer has an F distribution under the null hypothesis because of the link function</a:t>
+              <a:t>Given this link function, what is the partial derivative?</a:t>
             </a:r>
           </a:p>
         </p:txBody>
@@ -2721,7 +2722,7 @@
     </p:spTree>
     <p:extLst>
       <p:ext uri="{BB962C8B-B14F-4D97-AF65-F5344CB8AC3E}">
-        <p14:creationId xmlns:p14="http://schemas.microsoft.com/office/powerpoint/2010/main" val="91821653"/>
+        <p14:creationId xmlns:p14="http://schemas.microsoft.com/office/powerpoint/2010/main" val="3651696345"/>
       </p:ext>
     </p:extLst>
   </p:cSld>
@@ -2805,7 +2806,7 @@
     </p:spTree>
     <p:extLst>
       <p:ext uri="{BB962C8B-B14F-4D97-AF65-F5344CB8AC3E}">
-        <p14:creationId xmlns:p14="http://schemas.microsoft.com/office/powerpoint/2010/main" val="494354255"/>
+        <p14:creationId xmlns:p14="http://schemas.microsoft.com/office/powerpoint/2010/main" val="4162976736"/>
       </p:ext>
     </p:extLst>
   </p:cSld>
@@ -2859,57 +2860,16 @@
           <a:bodyPr/>
           <a:lstStyle/>
           <a:p>
-            <a:pPr algn="l" fontAlgn="base"/>
-            <a:r>
-              <a:rPr lang="en-US" b="0" i="0" dirty="0">
-                <a:solidFill>
-                  <a:srgbClr val="222222"/>
-                </a:solidFill>
-                <a:effectLst/>
-                <a:latin typeface="Source Sans Pro" panose="020B0503030403020204" pitchFamily="34" charset="0"/>
-              </a:rPr>
-              <a:t>(1) Estimate the first stage using nonlinear regression (logit) and get predicted values. (2) Instead of sticking predicted values into the second stage, use them </a:t>
-            </a:r>
-            <a:r>
-              <a:rPr lang="en-US" b="0" i="1" dirty="0">
-                <a:solidFill>
-                  <a:srgbClr val="222222"/>
-                </a:solidFill>
-                <a:effectLst/>
-                <a:latin typeface="Source Sans Pro" panose="020B0503030403020204" pitchFamily="34" charset="0"/>
-              </a:rPr>
-              <a:t>in place of the instrument</a:t>
-            </a:r>
-            <a:r>
-              <a:rPr lang="en-US" b="0" i="0" dirty="0">
-                <a:solidFill>
-                  <a:srgbClr val="222222"/>
-                </a:solidFill>
-                <a:effectLst/>
-                <a:latin typeface="Source Sans Pro" panose="020B0503030403020204" pitchFamily="34" charset="0"/>
-              </a:rPr>
-              <a:t> in 2SLS. You’ll look at this a little </a:t>
-            </a:r>
-            <a:r>
-              <a:rPr lang="en-US" b="0" i="0">
-                <a:solidFill>
-                  <a:srgbClr val="222222"/>
-                </a:solidFill>
-                <a:effectLst/>
-                <a:latin typeface="Source Sans Pro" panose="020B0503030403020204" pitchFamily="34" charset="0"/>
-              </a:rPr>
-              <a:t>bit in the problem set. </a:t>
-            </a:r>
-            <a:endParaRPr lang="en-US" b="0" i="0" dirty="0">
-              <a:solidFill>
-                <a:srgbClr val="222222"/>
-              </a:solidFill>
-              <a:effectLst/>
-              <a:latin typeface="Source Sans Pro" panose="020B0503030403020204" pitchFamily="34" charset="0"/>
-            </a:endParaRPr>
-          </a:p>
-          <a:p>
-            <a:endParaRPr lang="en-US" dirty="0"/>
+            <a:r>
+              <a:rPr lang="en-US" dirty="0"/>
+              <a:t>Note: MEM is easier to calculate and interpret, but AME is considered to be more appropriate (it takes into account how variables are correlated, and doesn’t produce an ME for something that doesn’t exist – like someone with 2.3 kids, for example). </a:t>
+            </a:r>
+          </a:p>
+          <a:p>
+            <a:r>
+              <a:rPr lang="en-US" dirty="0"/>
+              <a:t>When using R, keep track of ME for BMI or smoker for each model. </a:t>
+            </a:r>
           </a:p>
         </p:txBody>
       </p:sp>
@@ -2939,7 +2899,7 @@
     </p:spTree>
     <p:extLst>
       <p:ext uri="{BB962C8B-B14F-4D97-AF65-F5344CB8AC3E}">
-        <p14:creationId xmlns:p14="http://schemas.microsoft.com/office/powerpoint/2010/main" val="2226157949"/>
+        <p14:creationId xmlns:p14="http://schemas.microsoft.com/office/powerpoint/2010/main" val="2711315661"/>
       </p:ext>
     </p:extLst>
   </p:cSld>
@@ -2993,7 +2953,10 @@
           <a:bodyPr/>
           <a:lstStyle/>
           <a:p>
-            <a:endParaRPr lang="en-US" dirty="0"/>
+            <a:r>
+              <a:rPr lang="en-US" dirty="0"/>
+              <a:t>Can’t use the F test because the test statistic no longer has an F distribution under the null hypothesis because of the link function</a:t>
+            </a:r>
           </a:p>
         </p:txBody>
       </p:sp>
@@ -3014,7 +2977,7 @@
           <a:p>
             <a:fld id="{4AF79E1B-2C51-4B9B-8EA4-26DE9E345AFF}" type="slidenum">
               <a:rPr lang="en-US" smtClean="0"/>
-              <a:t>36</a:t>
+              <a:t>35</a:t>
             </a:fld>
             <a:endParaRPr lang="en-US"/>
           </a:p>
@@ -3023,7 +2986,7 @@
     </p:spTree>
     <p:extLst>
       <p:ext uri="{BB962C8B-B14F-4D97-AF65-F5344CB8AC3E}">
-        <p14:creationId xmlns:p14="http://schemas.microsoft.com/office/powerpoint/2010/main" val="545048510"/>
+        <p14:creationId xmlns:p14="http://schemas.microsoft.com/office/powerpoint/2010/main" val="2225174747"/>
       </p:ext>
     </p:extLst>
   </p:cSld>
@@ -3077,7 +3040,10 @@
           <a:bodyPr/>
           <a:lstStyle/>
           <a:p>
-            <a:endParaRPr lang="en-US" dirty="0"/>
+            <a:r>
+              <a:rPr lang="en-US" dirty="0"/>
+              <a:t>Can’t use the F test because the test statistic no longer has an F distribution under the null hypothesis because of the link function</a:t>
+            </a:r>
           </a:p>
         </p:txBody>
       </p:sp>
@@ -3098,7 +3064,7 @@
           <a:p>
             <a:fld id="{4AF79E1B-2C51-4B9B-8EA4-26DE9E345AFF}" type="slidenum">
               <a:rPr lang="en-US" smtClean="0"/>
-              <a:t>37</a:t>
+              <a:t>36</a:t>
             </a:fld>
             <a:endParaRPr lang="en-US"/>
           </a:p>
@@ -3107,7 +3073,7 @@
     </p:spTree>
     <p:extLst>
       <p:ext uri="{BB962C8B-B14F-4D97-AF65-F5344CB8AC3E}">
-        <p14:creationId xmlns:p14="http://schemas.microsoft.com/office/powerpoint/2010/main" val="972664289"/>
+        <p14:creationId xmlns:p14="http://schemas.microsoft.com/office/powerpoint/2010/main" val="91821653"/>
       </p:ext>
     </p:extLst>
   </p:cSld>
@@ -3161,10 +3127,7 @@
           <a:bodyPr/>
           <a:lstStyle/>
           <a:p>
-            <a:r>
-              <a:rPr lang="en-US" dirty="0"/>
-              <a:t>Main feature: low counts, far from normal. Hurdle Poisson takes into account the fact that we may not see people with 0 job changes in our data. We’ll get to that. </a:t>
-            </a:r>
+            <a:endParaRPr lang="en-US" dirty="0"/>
           </a:p>
         </p:txBody>
       </p:sp>
@@ -3185,7 +3148,7 @@
           <a:p>
             <a:fld id="{4AF79E1B-2C51-4B9B-8EA4-26DE9E345AFF}" type="slidenum">
               <a:rPr lang="en-US" smtClean="0"/>
-              <a:t>38</a:t>
+              <a:t>37</a:t>
             </a:fld>
             <a:endParaRPr lang="en-US"/>
           </a:p>
@@ -3194,7 +3157,7 @@
     </p:spTree>
     <p:extLst>
       <p:ext uri="{BB962C8B-B14F-4D97-AF65-F5344CB8AC3E}">
-        <p14:creationId xmlns:p14="http://schemas.microsoft.com/office/powerpoint/2010/main" val="3869110920"/>
+        <p14:creationId xmlns:p14="http://schemas.microsoft.com/office/powerpoint/2010/main" val="494354255"/>
       </p:ext>
     </p:extLst>
   </p:cSld>
@@ -3248,10 +3211,57 @@
           <a:bodyPr/>
           <a:lstStyle/>
           <a:p>
-            <a:r>
-              <a:rPr lang="en-US" dirty="0"/>
-              <a:t>Draw Poisson distribution over data in class</a:t>
-            </a:r>
+            <a:pPr algn="l" fontAlgn="base"/>
+            <a:r>
+              <a:rPr lang="en-US" b="0" i="0" dirty="0">
+                <a:solidFill>
+                  <a:srgbClr val="222222"/>
+                </a:solidFill>
+                <a:effectLst/>
+                <a:latin typeface="Source Sans Pro" panose="020B0503030403020204" pitchFamily="34" charset="0"/>
+              </a:rPr>
+              <a:t>(1) Estimate the first stage using nonlinear regression (logit) and get predicted values. (2) Instead of sticking predicted values into the second stage, use them </a:t>
+            </a:r>
+            <a:r>
+              <a:rPr lang="en-US" b="0" i="1" dirty="0">
+                <a:solidFill>
+                  <a:srgbClr val="222222"/>
+                </a:solidFill>
+                <a:effectLst/>
+                <a:latin typeface="Source Sans Pro" panose="020B0503030403020204" pitchFamily="34" charset="0"/>
+              </a:rPr>
+              <a:t>in place of the instrument</a:t>
+            </a:r>
+            <a:r>
+              <a:rPr lang="en-US" b="0" i="0" dirty="0">
+                <a:solidFill>
+                  <a:srgbClr val="222222"/>
+                </a:solidFill>
+                <a:effectLst/>
+                <a:latin typeface="Source Sans Pro" panose="020B0503030403020204" pitchFamily="34" charset="0"/>
+              </a:rPr>
+              <a:t> in 2SLS. You’ll look at this a little </a:t>
+            </a:r>
+            <a:r>
+              <a:rPr lang="en-US" b="0" i="0">
+                <a:solidFill>
+                  <a:srgbClr val="222222"/>
+                </a:solidFill>
+                <a:effectLst/>
+                <a:latin typeface="Source Sans Pro" panose="020B0503030403020204" pitchFamily="34" charset="0"/>
+              </a:rPr>
+              <a:t>bit in the problem set. </a:t>
+            </a:r>
+            <a:endParaRPr lang="en-US" b="0" i="0" dirty="0">
+              <a:solidFill>
+                <a:srgbClr val="222222"/>
+              </a:solidFill>
+              <a:effectLst/>
+              <a:latin typeface="Source Sans Pro" panose="020B0503030403020204" pitchFamily="34" charset="0"/>
+            </a:endParaRPr>
+          </a:p>
+          <a:p>
+            <a:endParaRPr lang="en-US" dirty="0"/>
           </a:p>
         </p:txBody>
       </p:sp>
@@ -3272,7 +3282,7 @@
           <a:p>
             <a:fld id="{4AF79E1B-2C51-4B9B-8EA4-26DE9E345AFF}" type="slidenum">
               <a:rPr lang="en-US" smtClean="0"/>
-              <a:t>39</a:t>
+              <a:t>38</a:t>
             </a:fld>
             <a:endParaRPr lang="en-US"/>
           </a:p>
@@ -3281,7 +3291,7 @@
     </p:spTree>
     <p:extLst>
       <p:ext uri="{BB962C8B-B14F-4D97-AF65-F5344CB8AC3E}">
-        <p14:creationId xmlns:p14="http://schemas.microsoft.com/office/powerpoint/2010/main" val="1239895827"/>
+        <p14:creationId xmlns:p14="http://schemas.microsoft.com/office/powerpoint/2010/main" val="2226157949"/>
       </p:ext>
     </p:extLst>
   </p:cSld>
@@ -3365,7 +3375,7 @@
     </p:spTree>
     <p:extLst>
       <p:ext uri="{BB962C8B-B14F-4D97-AF65-F5344CB8AC3E}">
-        <p14:creationId xmlns:p14="http://schemas.microsoft.com/office/powerpoint/2010/main" val="1480680144"/>
+        <p14:creationId xmlns:p14="http://schemas.microsoft.com/office/powerpoint/2010/main" val="545048510"/>
       </p:ext>
     </p:extLst>
   </p:cSld>
@@ -3449,7 +3459,7 @@
     </p:spTree>
     <p:extLst>
       <p:ext uri="{BB962C8B-B14F-4D97-AF65-F5344CB8AC3E}">
-        <p14:creationId xmlns:p14="http://schemas.microsoft.com/office/powerpoint/2010/main" val="3577250992"/>
+        <p14:creationId xmlns:p14="http://schemas.microsoft.com/office/powerpoint/2010/main" val="972664289"/>
       </p:ext>
     </p:extLst>
   </p:cSld>
@@ -3592,7 +3602,7 @@
           <a:p>
             <a:r>
               <a:rPr lang="en-US" dirty="0"/>
-              <a:t>Here it really is percent increase, not percentage points! Recall lambda is expected counts. Rate ratio is X times more/less likely than count.</a:t>
+              <a:t>Main feature: low counts, far from normal. Hurdle Poisson takes into account the fact that we may not see people with 0 job changes in our data. We’ll get to that. </a:t>
             </a:r>
           </a:p>
         </p:txBody>
@@ -3623,7 +3633,7 @@
     </p:spTree>
     <p:extLst>
       <p:ext uri="{BB962C8B-B14F-4D97-AF65-F5344CB8AC3E}">
-        <p14:creationId xmlns:p14="http://schemas.microsoft.com/office/powerpoint/2010/main" val="1650706806"/>
+        <p14:creationId xmlns:p14="http://schemas.microsoft.com/office/powerpoint/2010/main" val="3869110920"/>
       </p:ext>
     </p:extLst>
   </p:cSld>
@@ -3679,15 +3689,7 @@
           <a:p>
             <a:r>
               <a:rPr lang="en-US" dirty="0"/>
-              <a:t>Overdispersion is likely since we know e(x) is small – otherwise, why would be doing </a:t>
-            </a:r>
-            <a:r>
-              <a:rPr lang="en-US" dirty="0" err="1"/>
-              <a:t>poisson</a:t>
-            </a:r>
-            <a:r>
-              <a:rPr lang="en-US" dirty="0"/>
-              <a:t> in the first place?</a:t>
+              <a:t>Draw Poisson distribution over data in class</a:t>
             </a:r>
           </a:p>
         </p:txBody>
@@ -3718,7 +3720,7 @@
     </p:spTree>
     <p:extLst>
       <p:ext uri="{BB962C8B-B14F-4D97-AF65-F5344CB8AC3E}">
-        <p14:creationId xmlns:p14="http://schemas.microsoft.com/office/powerpoint/2010/main" val="2270022071"/>
+        <p14:creationId xmlns:p14="http://schemas.microsoft.com/office/powerpoint/2010/main" val="1239895827"/>
       </p:ext>
     </p:extLst>
   </p:cSld>
@@ -3772,10 +3774,7 @@
           <a:bodyPr/>
           <a:lstStyle/>
           <a:p>
-            <a:r>
-              <a:rPr lang="en-US" dirty="0"/>
-              <a:t>Negative binomial adds an additional variance parameter. Doesn’t really matter unless you are doing a complicated model and need to reduce parameters. </a:t>
-            </a:r>
+            <a:endParaRPr lang="en-US" dirty="0"/>
           </a:p>
         </p:txBody>
       </p:sp>
@@ -3805,7 +3804,7 @@
     </p:spTree>
     <p:extLst>
       <p:ext uri="{BB962C8B-B14F-4D97-AF65-F5344CB8AC3E}">
-        <p14:creationId xmlns:p14="http://schemas.microsoft.com/office/powerpoint/2010/main" val="1181662564"/>
+        <p14:creationId xmlns:p14="http://schemas.microsoft.com/office/powerpoint/2010/main" val="1480680144"/>
       </p:ext>
     </p:extLst>
   </p:cSld>
@@ -3859,10 +3858,7 @@
           <a:bodyPr/>
           <a:lstStyle/>
           <a:p>
-            <a:r>
-              <a:rPr lang="en-US" dirty="0"/>
-              <a:t>Examples of different processes: have to decide first time whether to go, based on location, lack of relationship, uncertainty about cost, etc. After I go once, number of visits is more related to actual medical needs (and easier due to physician relationship, automatic appointments, etc.) </a:t>
-            </a:r>
+            <a:endParaRPr lang="en-US" dirty="0"/>
           </a:p>
         </p:txBody>
       </p:sp>
@@ -3883,7 +3879,7 @@
           <a:p>
             <a:fld id="{4AF79E1B-2C51-4B9B-8EA4-26DE9E345AFF}" type="slidenum">
               <a:rPr lang="en-US" smtClean="0"/>
-              <a:t>46</a:t>
+              <a:t>45</a:t>
             </a:fld>
             <a:endParaRPr lang="en-US"/>
           </a:p>
@@ -3892,7 +3888,7 @@
     </p:spTree>
     <p:extLst>
       <p:ext uri="{BB962C8B-B14F-4D97-AF65-F5344CB8AC3E}">
-        <p14:creationId xmlns:p14="http://schemas.microsoft.com/office/powerpoint/2010/main" val="2894799766"/>
+        <p14:creationId xmlns:p14="http://schemas.microsoft.com/office/powerpoint/2010/main" val="3577250992"/>
       </p:ext>
     </p:extLst>
   </p:cSld>
@@ -3948,21 +3944,7 @@
           <a:p>
             <a:r>
               <a:rPr lang="en-US" dirty="0"/>
-              <a:t>Examples of different processes: have to decide first time whether to go, based on location, lack of relationship, uncertainty about cost, etc. After I go once, number of visits is more related to actual medical needs (and easier due to physician relationship, automatic appointments, etc.) </a:t>
-            </a:r>
-          </a:p>
-          <a:p>
-            <a:r>
-              <a:rPr lang="en-US" dirty="0"/>
-              <a:t>Note: stage 1 is a logit, stage 2 is a truncated </a:t>
-            </a:r>
-            <a:r>
-              <a:rPr lang="en-US" dirty="0" err="1"/>
-              <a:t>poisson</a:t>
-            </a:r>
-            <a:r>
-              <a:rPr lang="en-US" dirty="0"/>
-              <a:t> (one that doesn’t allow 0s)</a:t>
+              <a:t>Here it really is percent increase, not percentage points! Recall lambda is expected counts. Rate ratio is X times more/less likely than count.</a:t>
             </a:r>
           </a:p>
         </p:txBody>
@@ -3984,7 +3966,7 @@
           <a:p>
             <a:fld id="{4AF79E1B-2C51-4B9B-8EA4-26DE9E345AFF}" type="slidenum">
               <a:rPr lang="en-US" smtClean="0"/>
-              <a:t>47</a:t>
+              <a:t>46</a:t>
             </a:fld>
             <a:endParaRPr lang="en-US"/>
           </a:p>
@@ -3993,7 +3975,7 @@
     </p:spTree>
     <p:extLst>
       <p:ext uri="{BB962C8B-B14F-4D97-AF65-F5344CB8AC3E}">
-        <p14:creationId xmlns:p14="http://schemas.microsoft.com/office/powerpoint/2010/main" val="4124909734"/>
+        <p14:creationId xmlns:p14="http://schemas.microsoft.com/office/powerpoint/2010/main" val="1650706806"/>
       </p:ext>
     </p:extLst>
   </p:cSld>
@@ -4049,15 +4031,15 @@
           <a:p>
             <a:r>
               <a:rPr lang="en-US" dirty="0"/>
-              <a:t>Notice that W and X have different variables and coefficients—not restricted to be the same. Equation for Poisson is same as pdf, except for bolded part which is 1-f(0) (rescales distribution). Pi is linked to hurdle based on data—hurdle package pins down exact number of 0s at those observed in data (so </a:t>
+              <a:t>Overdispersion is likely since we know e(x) is small – otherwise, why would be doing </a:t>
             </a:r>
             <a:r>
               <a:rPr lang="en-US" dirty="0" err="1"/>
-              <a:t>pi_overbar</a:t>
+              <a:t>poisson</a:t>
             </a:r>
             <a:r>
               <a:rPr lang="en-US" dirty="0"/>
-              <a:t> is a “moment” that matches the data</a:t>
+              <a:t> in the first place?</a:t>
             </a:r>
           </a:p>
         </p:txBody>
@@ -4079,7 +4061,7 @@
           <a:p>
             <a:fld id="{4AF79E1B-2C51-4B9B-8EA4-26DE9E345AFF}" type="slidenum">
               <a:rPr lang="en-US" smtClean="0"/>
-              <a:t>48</a:t>
+              <a:t>47</a:t>
             </a:fld>
             <a:endParaRPr lang="en-US"/>
           </a:p>
@@ -4088,7 +4070,7 @@
     </p:spTree>
     <p:extLst>
       <p:ext uri="{BB962C8B-B14F-4D97-AF65-F5344CB8AC3E}">
-        <p14:creationId xmlns:p14="http://schemas.microsoft.com/office/powerpoint/2010/main" val="1315261229"/>
+        <p14:creationId xmlns:p14="http://schemas.microsoft.com/office/powerpoint/2010/main" val="2270022071"/>
       </p:ext>
     </p:extLst>
   </p:cSld>
@@ -4144,31 +4126,7 @@
           <a:p>
             <a:r>
               <a:rPr lang="en-US" dirty="0"/>
-              <a:t>E.g., differences in planned versus realized choice, insurance plan choice </a:t>
-            </a:r>
-            <a:r>
-              <a:rPr lang="en-US" dirty="0" err="1"/>
-              <a:t>verus</a:t>
-            </a:r>
-            <a:r>
-              <a:rPr lang="en-US" dirty="0"/>
-              <a:t> follow-up years, etc. </a:t>
-            </a:r>
-            <a:r>
-              <a:rPr lang="en-US" dirty="0" err="1"/>
-              <a:t>Heckit</a:t>
-            </a:r>
-            <a:r>
-              <a:rPr lang="en-US" dirty="0"/>
-              <a:t> is named after James Heckman. I’ll give a brief overview of </a:t>
-            </a:r>
-            <a:r>
-              <a:rPr lang="en-US" dirty="0" err="1"/>
-              <a:t>Heckit</a:t>
-            </a:r>
-            <a:r>
-              <a:rPr lang="en-US" dirty="0"/>
-              <a:t> but not its implementation—basically if you’re working with crummy data, you’re already losing a big chunk of the battle so best not to focus on this too much. </a:t>
+              <a:t>Negative binomial adds an additional variance parameter. Doesn’t really matter unless you are doing a complicated model and need to reduce parameters. </a:t>
             </a:r>
           </a:p>
         </p:txBody>
@@ -4190,7 +4148,7 @@
           <a:p>
             <a:fld id="{4AF79E1B-2C51-4B9B-8EA4-26DE9E345AFF}" type="slidenum">
               <a:rPr lang="en-US" smtClean="0"/>
-              <a:t>49</a:t>
+              <a:t>48</a:t>
             </a:fld>
             <a:endParaRPr lang="en-US"/>
           </a:p>
@@ -4199,7 +4157,7 @@
     </p:spTree>
     <p:extLst>
       <p:ext uri="{BB962C8B-B14F-4D97-AF65-F5344CB8AC3E}">
-        <p14:creationId xmlns:p14="http://schemas.microsoft.com/office/powerpoint/2010/main" val="4282464261"/>
+        <p14:creationId xmlns:p14="http://schemas.microsoft.com/office/powerpoint/2010/main" val="1181662564"/>
       </p:ext>
     </p:extLst>
   </p:cSld>
@@ -4255,41 +4213,8 @@
           <a:p>
             <a:r>
               <a:rPr lang="en-US" dirty="0"/>
-              <a:t>The main difference between </a:t>
-            </a:r>
-            <a:r>
-              <a:rPr lang="en-US" dirty="0" err="1"/>
-              <a:t>heckit</a:t>
-            </a:r>
-            <a:r>
-              <a:rPr lang="en-US" dirty="0"/>
-              <a:t> and hurdle is that hurdle deals with 0s in the </a:t>
-            </a:r>
-            <a:r>
-              <a:rPr lang="en-US" i="1" dirty="0"/>
-              <a:t>actual </a:t>
-            </a:r>
-            <a:r>
-              <a:rPr lang="en-US" i="0" dirty="0"/>
-              <a:t>outcome, while </a:t>
-            </a:r>
-            <a:r>
-              <a:rPr lang="en-US" i="0" dirty="0" err="1"/>
-              <a:t>heckit</a:t>
-            </a:r>
-            <a:r>
-              <a:rPr lang="en-US" i="0" dirty="0"/>
-              <a:t> deals with </a:t>
-            </a:r>
-            <a:r>
-              <a:rPr lang="en-US" i="1" dirty="0"/>
-              <a:t>potential outcomes </a:t>
-            </a:r>
-            <a:r>
-              <a:rPr lang="en-US" i="0" dirty="0"/>
-              <a:t>(e.g., the potential outcome is latent, so we stick a 0). So in the PCP example, the potential number of visits for some people isn’t observed because they don’t have access – that’s a selection problem (not someone who chose not to go to a doctor they had access to, that’s an actual outcome). The problem is that you have to specify a model predicting who didn’t have access—stronger identification issues. </a:t>
-            </a:r>
-            <a:endParaRPr lang="en-US" dirty="0"/>
+              <a:t>Examples of different processes: have to decide first time whether to go, based on location, lack of relationship, uncertainty about cost, etc. After I go once, number of visits is more related to actual medical needs (and easier due to physician relationship, automatic appointments, etc.) </a:t>
+            </a:r>
           </a:p>
         </p:txBody>
       </p:sp>
@@ -4319,7 +4244,7 @@
     </p:spTree>
     <p:extLst>
       <p:ext uri="{BB962C8B-B14F-4D97-AF65-F5344CB8AC3E}">
-        <p14:creationId xmlns:p14="http://schemas.microsoft.com/office/powerpoint/2010/main" val="859886200"/>
+        <p14:creationId xmlns:p14="http://schemas.microsoft.com/office/powerpoint/2010/main" val="2894799766"/>
       </p:ext>
     </p:extLst>
   </p:cSld>
@@ -4375,7 +4300,21 @@
           <a:p>
             <a:r>
               <a:rPr lang="en-US" dirty="0"/>
-              <a:t>Choice of specialty: choosing to be a surgeon vs. in IM or PCP. We can think about logit as a binary choice – did the patient choose treatment or not? Now we’re extending that, in data speak, to N choices instead of 2. </a:t>
+              <a:t>Examples of different processes: have to decide first time whether to go, based on location, lack of relationship, uncertainty about cost, etc. After I go once, number of visits is more related to actual medical needs (and easier due to physician relationship, automatic appointments, etc.) </a:t>
+            </a:r>
+          </a:p>
+          <a:p>
+            <a:r>
+              <a:rPr lang="en-US" dirty="0"/>
+              <a:t>Note: stage 1 is a logit, stage 2 is a truncated </a:t>
+            </a:r>
+            <a:r>
+              <a:rPr lang="en-US" dirty="0" err="1"/>
+              <a:t>poisson</a:t>
+            </a:r>
+            <a:r>
+              <a:rPr lang="en-US" dirty="0"/>
+              <a:t> (one that doesn’t allow 0s)</a:t>
             </a:r>
           </a:p>
         </p:txBody>
@@ -4397,7 +4336,7 @@
           <a:p>
             <a:fld id="{4AF79E1B-2C51-4B9B-8EA4-26DE9E345AFF}" type="slidenum">
               <a:rPr lang="en-US" smtClean="0"/>
-              <a:t>52</a:t>
+              <a:t>51</a:t>
             </a:fld>
             <a:endParaRPr lang="en-US"/>
           </a:p>
@@ -4406,7 +4345,7 @@
     </p:spTree>
     <p:extLst>
       <p:ext uri="{BB962C8B-B14F-4D97-AF65-F5344CB8AC3E}">
-        <p14:creationId xmlns:p14="http://schemas.microsoft.com/office/powerpoint/2010/main" val="2599774640"/>
+        <p14:creationId xmlns:p14="http://schemas.microsoft.com/office/powerpoint/2010/main" val="4124909734"/>
       </p:ext>
     </p:extLst>
   </p:cSld>
@@ -4462,7 +4401,15 @@
           <a:p>
             <a:r>
               <a:rPr lang="en-US" dirty="0"/>
-              <a:t>In this example, pretend that these are the only 3 possible choices. </a:t>
+              <a:t>Notice that W and X have different variables and coefficients—not restricted to be the same. Equation for Poisson is same as pdf, except for bolded part which is 1-f(0) (rescales distribution). Pi is linked to hurdle based on data—hurdle package pins down exact number of 0s at those observed in data (so </a:t>
+            </a:r>
+            <a:r>
+              <a:rPr lang="en-US" dirty="0" err="1"/>
+              <a:t>pi_overbar</a:t>
+            </a:r>
+            <a:r>
+              <a:rPr lang="en-US" dirty="0"/>
+              <a:t> is a “moment” that matches the data</a:t>
             </a:r>
           </a:p>
         </p:txBody>
@@ -4484,7 +4431,7 @@
           <a:p>
             <a:fld id="{4AF79E1B-2C51-4B9B-8EA4-26DE9E345AFF}" type="slidenum">
               <a:rPr lang="en-US" smtClean="0"/>
-              <a:t>53</a:t>
+              <a:t>52</a:t>
             </a:fld>
             <a:endParaRPr lang="en-US"/>
           </a:p>
@@ -4493,7 +4440,7 @@
     </p:spTree>
     <p:extLst>
       <p:ext uri="{BB962C8B-B14F-4D97-AF65-F5344CB8AC3E}">
-        <p14:creationId xmlns:p14="http://schemas.microsoft.com/office/powerpoint/2010/main" val="2580910511"/>
+        <p14:creationId xmlns:p14="http://schemas.microsoft.com/office/powerpoint/2010/main" val="1315261229"/>
       </p:ext>
     </p:extLst>
   </p:cSld>
@@ -4636,7 +4583,31 @@
           <a:p>
             <a:r>
               <a:rPr lang="en-US" dirty="0"/>
-              <a:t>How would order surgical choices? If these were RHS variables could just have a lot of dummies but we want one single regression evaluating choice across all alternatives on LHS. </a:t>
+              <a:t>E.g., differences in planned versus realized choice, insurance plan choice </a:t>
+            </a:r>
+            <a:r>
+              <a:rPr lang="en-US" dirty="0" err="1"/>
+              <a:t>verus</a:t>
+            </a:r>
+            <a:r>
+              <a:rPr lang="en-US" dirty="0"/>
+              <a:t> follow-up years, etc. </a:t>
+            </a:r>
+            <a:r>
+              <a:rPr lang="en-US" dirty="0" err="1"/>
+              <a:t>Heckit</a:t>
+            </a:r>
+            <a:r>
+              <a:rPr lang="en-US" dirty="0"/>
+              <a:t> is named after James Heckman. I’ll give a brief overview of </a:t>
+            </a:r>
+            <a:r>
+              <a:rPr lang="en-US" dirty="0" err="1"/>
+              <a:t>Heckit</a:t>
+            </a:r>
+            <a:r>
+              <a:rPr lang="en-US" dirty="0"/>
+              <a:t> but not its implementation—basically if you’re working with crummy data, you’re already losing a big chunk of the battle so best not to focus on this too much. </a:t>
             </a:r>
           </a:p>
         </p:txBody>
@@ -4658,7 +4629,7 @@
           <a:p>
             <a:fld id="{4AF79E1B-2C51-4B9B-8EA4-26DE9E345AFF}" type="slidenum">
               <a:rPr lang="en-US" smtClean="0"/>
-              <a:t>54</a:t>
+              <a:t>53</a:t>
             </a:fld>
             <a:endParaRPr lang="en-US"/>
           </a:p>
@@ -4667,7 +4638,7 @@
     </p:spTree>
     <p:extLst>
       <p:ext uri="{BB962C8B-B14F-4D97-AF65-F5344CB8AC3E}">
-        <p14:creationId xmlns:p14="http://schemas.microsoft.com/office/powerpoint/2010/main" val="1850049098"/>
+        <p14:creationId xmlns:p14="http://schemas.microsoft.com/office/powerpoint/2010/main" val="4282464261"/>
       </p:ext>
     </p:extLst>
   </p:cSld>
@@ -4723,8 +4694,41 @@
           <a:p>
             <a:r>
               <a:rPr lang="en-US" dirty="0"/>
-              <a:t>We assume a “latent utility-maximizing framework”. Now we have a new link function (utility)! The difference here is that it’s not a known distribution, but rather we are interested in the characteristics of that link function. </a:t>
-            </a:r>
+              <a:t>The main difference between </a:t>
+            </a:r>
+            <a:r>
+              <a:rPr lang="en-US" dirty="0" err="1"/>
+              <a:t>heckit</a:t>
+            </a:r>
+            <a:r>
+              <a:rPr lang="en-US" dirty="0"/>
+              <a:t> and hurdle is that hurdle deals with 0s in the </a:t>
+            </a:r>
+            <a:r>
+              <a:rPr lang="en-US" i="1" dirty="0"/>
+              <a:t>actual </a:t>
+            </a:r>
+            <a:r>
+              <a:rPr lang="en-US" i="0" dirty="0"/>
+              <a:t>outcome, while </a:t>
+            </a:r>
+            <a:r>
+              <a:rPr lang="en-US" i="0" dirty="0" err="1"/>
+              <a:t>heckit</a:t>
+            </a:r>
+            <a:r>
+              <a:rPr lang="en-US" i="0" dirty="0"/>
+              <a:t> deals with </a:t>
+            </a:r>
+            <a:r>
+              <a:rPr lang="en-US" i="1" dirty="0"/>
+              <a:t>potential outcomes </a:t>
+            </a:r>
+            <a:r>
+              <a:rPr lang="en-US" i="0" dirty="0"/>
+              <a:t>(e.g., the potential outcome is latent, so we stick a 0). So in the PCP example, the potential number of visits for some people isn’t observed because they don’t have access – that’s a selection problem (not someone who chose not to go to a doctor they had access to, that’s an actual outcome). The problem is that you have to specify a model predicting who didn’t have access—stronger identification issues. </a:t>
+            </a:r>
+            <a:endParaRPr lang="en-US" dirty="0"/>
           </a:p>
         </p:txBody>
       </p:sp>
@@ -4745,7 +4749,7 @@
           <a:p>
             <a:fld id="{4AF79E1B-2C51-4B9B-8EA4-26DE9E345AFF}" type="slidenum">
               <a:rPr lang="en-US" smtClean="0"/>
-              <a:t>55</a:t>
+              <a:t>54</a:t>
             </a:fld>
             <a:endParaRPr lang="en-US"/>
           </a:p>
@@ -4754,7 +4758,7 @@
     </p:spTree>
     <p:extLst>
       <p:ext uri="{BB962C8B-B14F-4D97-AF65-F5344CB8AC3E}">
-        <p14:creationId xmlns:p14="http://schemas.microsoft.com/office/powerpoint/2010/main" val="840871712"/>
+        <p14:creationId xmlns:p14="http://schemas.microsoft.com/office/powerpoint/2010/main" val="859886200"/>
       </p:ext>
     </p:extLst>
   </p:cSld>
@@ -4810,31 +4814,7 @@
           <a:p>
             <a:r>
               <a:rPr lang="en-US" dirty="0"/>
-              <a:t>We need a benchmark because utility is an ordinal concept – it only has meaning as a comparison across states. (40 utils doesn’t get me anywhere). What does it mean if </a:t>
-            </a:r>
-            <a:r>
-              <a:rPr lang="en-US" dirty="0" err="1"/>
-              <a:t>y_ji</a:t>
-            </a:r>
-            <a:r>
-              <a:rPr lang="en-US" dirty="0"/>
-              <a:t> &gt; 0 </a:t>
-            </a:r>
-            <a:r>
-              <a:rPr lang="en-US" dirty="0" err="1"/>
-              <a:t>verus</a:t>
-            </a:r>
-            <a:r>
-              <a:rPr lang="en-US" dirty="0"/>
-              <a:t> </a:t>
-            </a:r>
-            <a:r>
-              <a:rPr lang="en-US" dirty="0" err="1"/>
-              <a:t>y_ji</a:t>
-            </a:r>
-            <a:r>
-              <a:rPr lang="en-US" dirty="0"/>
-              <a:t> &lt; 0?</a:t>
+              <a:t>Choice of specialty: choosing to be a surgeon vs. in IM or PCP. We can think about logit as a binary choice – did the patient choose treatment or not? Now we’re extending that, in data speak, to N choices instead of 2. </a:t>
             </a:r>
           </a:p>
         </p:txBody>
@@ -4865,7 +4845,7 @@
     </p:spTree>
     <p:extLst>
       <p:ext uri="{BB962C8B-B14F-4D97-AF65-F5344CB8AC3E}">
-        <p14:creationId xmlns:p14="http://schemas.microsoft.com/office/powerpoint/2010/main" val="1201948557"/>
+        <p14:creationId xmlns:p14="http://schemas.microsoft.com/office/powerpoint/2010/main" val="2599774640"/>
       </p:ext>
     </p:extLst>
   </p:cSld>
@@ -4920,20 +4900,8 @@
           <a:lstStyle/>
           <a:p>
             <a:r>
-              <a:rPr lang="en-US" dirty="0" err="1"/>
-              <a:t>alpha_j</a:t>
-            </a:r>
-            <a:r>
               <a:rPr lang="en-US" dirty="0"/>
-              <a:t> represents level differences in utility across options. Note that the notation </a:t>
-            </a:r>
-            <a:r>
-              <a:rPr lang="en-US" dirty="0" err="1"/>
-              <a:t>x_ji</a:t>
-            </a:r>
-            <a:r>
-              <a:rPr lang="en-US" dirty="0"/>
-              <a:t> helps convey that demographics can vary across choices or individuals (kind of an abuse of notation). Generally, your covariates will not vary in both dimensions at once. </a:t>
+              <a:t>In this example, pretend that these are the only 3 possible choices. </a:t>
             </a:r>
           </a:p>
         </p:txBody>
@@ -4964,7 +4932,7 @@
     </p:spTree>
     <p:extLst>
       <p:ext uri="{BB962C8B-B14F-4D97-AF65-F5344CB8AC3E}">
-        <p14:creationId xmlns:p14="http://schemas.microsoft.com/office/powerpoint/2010/main" val="1953989449"/>
+        <p14:creationId xmlns:p14="http://schemas.microsoft.com/office/powerpoint/2010/main" val="2580910511"/>
       </p:ext>
     </p:extLst>
   </p:cSld>
@@ -5020,23 +4988,7 @@
           <a:p>
             <a:r>
               <a:rPr lang="en-US" dirty="0"/>
-              <a:t>We assume that </a:t>
-            </a:r>
-            <a:r>
-              <a:rPr lang="en-US" dirty="0" err="1"/>
-              <a:t>varepsilon</a:t>
-            </a:r>
-            <a:r>
-              <a:rPr lang="en-US" dirty="0"/>
-              <a:t> is T1EV. The choice probabilities show the relative value of the individual characteristics (weighted by beta) across all choices. Why exponentiated? Because of the logit formula (log(p/1-p)). Why is there a 1 in the denominator? Because we have J-1 regressions comparing the alternatives to the benchmark, and then one (</a:t>
-            </a:r>
-            <a:r>
-              <a:rPr lang="en-US" dirty="0" err="1"/>
-              <a:t>unestimated</a:t>
-            </a:r>
-            <a:r>
-              <a:rPr lang="en-US" dirty="0"/>
-              <a:t>) regression comparing the benchmark to itself .</a:t>
+              <a:t>How would order surgical choices? If these were RHS variables could just have a lot of dummies but we want one single regression evaluating choice across all alternatives on LHS. </a:t>
             </a:r>
           </a:p>
         </p:txBody>
@@ -5067,7 +5019,7 @@
     </p:spTree>
     <p:extLst>
       <p:ext uri="{BB962C8B-B14F-4D97-AF65-F5344CB8AC3E}">
-        <p14:creationId xmlns:p14="http://schemas.microsoft.com/office/powerpoint/2010/main" val="1945733080"/>
+        <p14:creationId xmlns:p14="http://schemas.microsoft.com/office/powerpoint/2010/main" val="1850049098"/>
       </p:ext>
     </p:extLst>
   </p:cSld>
@@ -5123,21 +5075,7 @@
           <a:p>
             <a:r>
               <a:rPr lang="en-US" dirty="0"/>
-              <a:t>If you have a small choice set and care about the correlations in choice, </a:t>
-            </a:r>
-            <a:r>
-              <a:rPr lang="en-US" dirty="0" err="1"/>
-              <a:t>probit</a:t>
-            </a:r>
-            <a:r>
-              <a:rPr lang="en-US" dirty="0"/>
-              <a:t> may work better. </a:t>
-            </a:r>
-          </a:p>
-          <a:p>
-            <a:r>
-              <a:rPr lang="en-US" dirty="0"/>
-              <a:t>Example of IIA: if you have car or bus and then add a bike lane, maybe you should pull equally from both (go from 50% and 50% to 40%, 40%, and 20%). But if you have a car and a red bus, and then add a blue bus, you wouldn’t expect this. </a:t>
+              <a:t>We assume a “latent utility-maximizing framework”. Now we have a new link function (utility)! The difference here is that it’s not a known distribution, but rather we are interested in the characteristics of that link function. </a:t>
             </a:r>
           </a:p>
         </p:txBody>
@@ -5168,7 +5106,7 @@
     </p:spTree>
     <p:extLst>
       <p:ext uri="{BB962C8B-B14F-4D97-AF65-F5344CB8AC3E}">
-        <p14:creationId xmlns:p14="http://schemas.microsoft.com/office/powerpoint/2010/main" val="226170578"/>
+        <p14:creationId xmlns:p14="http://schemas.microsoft.com/office/powerpoint/2010/main" val="840871712"/>
       </p:ext>
     </p:extLst>
   </p:cSld>
@@ -5224,21 +5162,31 @@
           <a:p>
             <a:r>
               <a:rPr lang="en-US" dirty="0"/>
-              <a:t>A simplistic version of the likelihood function. Delta is an indicator for which j I chose. </a:t>
+              <a:t>We need a benchmark because utility is an ordinal concept – it only has meaning as a comparison across states. (40 utils doesn’t get me anywhere). What does it mean if </a:t>
             </a:r>
             <a:r>
               <a:rPr lang="en-US" dirty="0" err="1"/>
-              <a:t>P_ji</a:t>
+              <a:t>y_ji</a:t>
             </a:r>
             <a:r>
               <a:rPr lang="en-US" dirty="0"/>
-              <a:t> is I’s choice probability of j – note that we had lots of exponentials, so we take the logs – this has the logit structure as it is the ratio of exponentials (doesn't quite all cancel out). </a:t>
-            </a:r>
-          </a:p>
-          <a:p>
+              <a:t> &gt; 0 </a:t>
+            </a:r>
+            <a:r>
+              <a:rPr lang="en-US" dirty="0" err="1"/>
+              <a:t>verus</a:t>
+            </a:r>
             <a:r>
               <a:rPr lang="en-US" dirty="0"/>
-              <a:t>Once the LL is specified, we choose the betas to maximize LL. Where are the betas here? Hidden inside of the P’s</a:t>
+              <a:t> </a:t>
+            </a:r>
+            <a:r>
+              <a:rPr lang="en-US" dirty="0" err="1"/>
+              <a:t>y_ji</a:t>
+            </a:r>
+            <a:r>
+              <a:rPr lang="en-US" dirty="0"/>
+              <a:t> &lt; 0?</a:t>
             </a:r>
           </a:p>
         </p:txBody>
@@ -5269,7 +5217,7 @@
     </p:spTree>
     <p:extLst>
       <p:ext uri="{BB962C8B-B14F-4D97-AF65-F5344CB8AC3E}">
-        <p14:creationId xmlns:p14="http://schemas.microsoft.com/office/powerpoint/2010/main" val="2448238538"/>
+        <p14:creationId xmlns:p14="http://schemas.microsoft.com/office/powerpoint/2010/main" val="1201948557"/>
       </p:ext>
     </p:extLst>
   </p:cSld>
@@ -5324,14 +5272,20 @@
           <a:lstStyle/>
           <a:p>
             <a:r>
+              <a:rPr lang="en-US" dirty="0" err="1"/>
+              <a:t>alpha_j</a:t>
+            </a:r>
+            <a:r>
               <a:rPr lang="en-US" dirty="0"/>
-              <a:t>A note on relative risk ratios: odds ratios are relative and hence depend on baseline levels (e.g., a 1.5 times increase from 1 is 1.5 but from 100 is 150). This plays a critical role in the economic significance of your results.</a:t>
-            </a:r>
-          </a:p>
-          <a:p>
+              <a:t> represents level differences in utility across options. Note that the notation </a:t>
+            </a:r>
+            <a:r>
+              <a:rPr lang="en-US" dirty="0" err="1"/>
+              <a:t>x_ji</a:t>
+            </a:r>
             <a:r>
               <a:rPr lang="en-US" dirty="0"/>
-              <a:t>Evaluating a complicated model in econometric analysis becomes more and more about story-telling – the more complicated your model is, the more certain your assumptions are wrong. How useful is your model? </a:t>
+              <a:t> helps convey that demographics can vary across choices or individuals (kind of an abuse of notation). Generally, your covariates will not vary in both dimensions at once. </a:t>
             </a:r>
           </a:p>
         </p:txBody>
@@ -5362,7 +5316,7 @@
     </p:spTree>
     <p:extLst>
       <p:ext uri="{BB962C8B-B14F-4D97-AF65-F5344CB8AC3E}">
-        <p14:creationId xmlns:p14="http://schemas.microsoft.com/office/powerpoint/2010/main" val="831144564"/>
+        <p14:creationId xmlns:p14="http://schemas.microsoft.com/office/powerpoint/2010/main" val="1953989449"/>
       </p:ext>
     </p:extLst>
   </p:cSld>
@@ -5418,13 +5372,23 @@
           <a:p>
             <a:r>
               <a:rPr lang="en-US" dirty="0"/>
-              <a:t>A note on relative risk ratios: odds ratios are relative and hence depend on baseline levels (e.g., a 1.5 times increase from 1 is 1.5 but from 100 is 150). This plays a critical role in the economic significance of your results.</a:t>
-            </a:r>
-          </a:p>
-          <a:p>
+              <a:t>We assume that </a:t>
+            </a:r>
+            <a:r>
+              <a:rPr lang="en-US" dirty="0" err="1"/>
+              <a:t>varepsilon</a:t>
+            </a:r>
             <a:r>
               <a:rPr lang="en-US" dirty="0"/>
-              <a:t>Evaluating a complicated model in econometric analysis becomes more and more about story-telling – the more complicated your model is, the more certain your assumptions are wrong. How useful is your model? </a:t>
+              <a:t> is T1EV. The choice probabilities show the relative value of the individual characteristics (weighted by beta) across all choices. Why exponentiated? Because of the logit formula (log(p/1-p)). Why is there a 1 in the denominator? Because we have J-1 regressions comparing the alternatives to the benchmark, and then one (</a:t>
+            </a:r>
+            <a:r>
+              <a:rPr lang="en-US" dirty="0" err="1"/>
+              <a:t>unestimated</a:t>
+            </a:r>
+            <a:r>
+              <a:rPr lang="en-US" dirty="0"/>
+              <a:t>) regression comparing the benchmark to itself .</a:t>
             </a:r>
           </a:p>
         </p:txBody>
@@ -5455,7 +5419,7 @@
     </p:spTree>
     <p:extLst>
       <p:ext uri="{BB962C8B-B14F-4D97-AF65-F5344CB8AC3E}">
-        <p14:creationId xmlns:p14="http://schemas.microsoft.com/office/powerpoint/2010/main" val="3210876395"/>
+        <p14:creationId xmlns:p14="http://schemas.microsoft.com/office/powerpoint/2010/main" val="1945733080"/>
       </p:ext>
     </p:extLst>
   </p:cSld>
@@ -5511,7 +5475,21 @@
           <a:p>
             <a:r>
               <a:rPr lang="en-US" dirty="0"/>
-              <a:t>Focusing only on these three for today</a:t>
+              <a:t>If you have a small choice set and care about the correlations in choice, </a:t>
+            </a:r>
+            <a:r>
+              <a:rPr lang="en-US" dirty="0" err="1"/>
+              <a:t>probit</a:t>
+            </a:r>
+            <a:r>
+              <a:rPr lang="en-US" dirty="0"/>
+              <a:t> may work better. </a:t>
+            </a:r>
+          </a:p>
+          <a:p>
+            <a:r>
+              <a:rPr lang="en-US" dirty="0"/>
+              <a:t>Example of IIA: if you have car or bus and then add a bike lane, maybe you should pull equally from both (go from 50% and 50% to 40%, 40%, and 20%). But if you have a car and a red bus, and then add a blue bus, you wouldn’t expect this. </a:t>
             </a:r>
           </a:p>
         </p:txBody>
@@ -5542,7 +5520,7 @@
     </p:spTree>
     <p:extLst>
       <p:ext uri="{BB962C8B-B14F-4D97-AF65-F5344CB8AC3E}">
-        <p14:creationId xmlns:p14="http://schemas.microsoft.com/office/powerpoint/2010/main" val="2083499418"/>
+        <p14:creationId xmlns:p14="http://schemas.microsoft.com/office/powerpoint/2010/main" val="226170578"/>
       </p:ext>
     </p:extLst>
   </p:cSld>
@@ -5630,6 +5608,380 @@
     <p:extLst>
       <p:ext uri="{BB962C8B-B14F-4D97-AF65-F5344CB8AC3E}">
         <p14:creationId xmlns:p14="http://schemas.microsoft.com/office/powerpoint/2010/main" val="3034532639"/>
+      </p:ext>
+    </p:extLst>
+  </p:cSld>
+  <p:clrMapOvr>
+    <a:masterClrMapping/>
+  </p:clrMapOvr>
+</p:notes>
+</file>
+
+<file path=ppt/notesSlides/notesSlide60.xml><?xml version="1.0" encoding="utf-8"?>
+<p:notes xmlns:a="http://schemas.openxmlformats.org/drawingml/2006/main" xmlns:r="http://schemas.openxmlformats.org/officeDocument/2006/relationships" xmlns:p="http://schemas.openxmlformats.org/presentationml/2006/main">
+  <p:cSld>
+    <p:spTree>
+      <p:nvGrpSpPr>
+        <p:cNvPr id="1" name=""/>
+        <p:cNvGrpSpPr/>
+        <p:nvPr/>
+      </p:nvGrpSpPr>
+      <p:grpSpPr>
+        <a:xfrm>
+          <a:off x="0" y="0"/>
+          <a:ext cx="0" cy="0"/>
+          <a:chOff x="0" y="0"/>
+          <a:chExt cx="0" cy="0"/>
+        </a:xfrm>
+      </p:grpSpPr>
+      <p:sp>
+        <p:nvSpPr>
+          <p:cNvPr id="2" name="Slide Image Placeholder 1"/>
+          <p:cNvSpPr>
+            <a:spLocks noGrp="1" noRot="1" noChangeAspect="1"/>
+          </p:cNvSpPr>
+          <p:nvPr>
+            <p:ph type="sldImg"/>
+          </p:nvPr>
+        </p:nvSpPr>
+        <p:spPr/>
+      </p:sp>
+      <p:sp>
+        <p:nvSpPr>
+          <p:cNvPr id="3" name="Notes Placeholder 2"/>
+          <p:cNvSpPr>
+            <a:spLocks noGrp="1"/>
+          </p:cNvSpPr>
+          <p:nvPr>
+            <p:ph type="body" idx="1"/>
+          </p:nvPr>
+        </p:nvSpPr>
+        <p:spPr/>
+        <p:txBody>
+          <a:bodyPr/>
+          <a:lstStyle/>
+          <a:p>
+            <a:r>
+              <a:rPr lang="en-US" dirty="0"/>
+              <a:t>A simplistic version of the likelihood function. Delta is an indicator for which j I chose. </a:t>
+            </a:r>
+            <a:r>
+              <a:rPr lang="en-US" dirty="0" err="1"/>
+              <a:t>P_ji</a:t>
+            </a:r>
+            <a:r>
+              <a:rPr lang="en-US" dirty="0"/>
+              <a:t> is I’s choice probability of j – note that we had lots of exponentials, so we take the logs – this has the logit structure as it is the ratio of exponentials (doesn't quite all cancel out). </a:t>
+            </a:r>
+          </a:p>
+          <a:p>
+            <a:r>
+              <a:rPr lang="en-US" dirty="0"/>
+              <a:t>Once the LL is specified, we choose the betas to maximize LL. Where are the betas here? Hidden inside of the P’s</a:t>
+            </a:r>
+          </a:p>
+        </p:txBody>
+      </p:sp>
+      <p:sp>
+        <p:nvSpPr>
+          <p:cNvPr id="4" name="Slide Number Placeholder 3"/>
+          <p:cNvSpPr>
+            <a:spLocks noGrp="1"/>
+          </p:cNvSpPr>
+          <p:nvPr>
+            <p:ph type="sldNum" sz="quarter" idx="5"/>
+          </p:nvPr>
+        </p:nvSpPr>
+        <p:spPr/>
+        <p:txBody>
+          <a:bodyPr/>
+          <a:lstStyle/>
+          <a:p>
+            <a:fld id="{4AF79E1B-2C51-4B9B-8EA4-26DE9E345AFF}" type="slidenum">
+              <a:rPr lang="en-US" smtClean="0"/>
+              <a:t>64</a:t>
+            </a:fld>
+            <a:endParaRPr lang="en-US"/>
+          </a:p>
+        </p:txBody>
+      </p:sp>
+    </p:spTree>
+    <p:extLst>
+      <p:ext uri="{BB962C8B-B14F-4D97-AF65-F5344CB8AC3E}">
+        <p14:creationId xmlns:p14="http://schemas.microsoft.com/office/powerpoint/2010/main" val="2448238538"/>
+      </p:ext>
+    </p:extLst>
+  </p:cSld>
+  <p:clrMapOvr>
+    <a:masterClrMapping/>
+  </p:clrMapOvr>
+</p:notes>
+</file>
+
+<file path=ppt/notesSlides/notesSlide61.xml><?xml version="1.0" encoding="utf-8"?>
+<p:notes xmlns:a="http://schemas.openxmlformats.org/drawingml/2006/main" xmlns:r="http://schemas.openxmlformats.org/officeDocument/2006/relationships" xmlns:p="http://schemas.openxmlformats.org/presentationml/2006/main">
+  <p:cSld>
+    <p:spTree>
+      <p:nvGrpSpPr>
+        <p:cNvPr id="1" name=""/>
+        <p:cNvGrpSpPr/>
+        <p:nvPr/>
+      </p:nvGrpSpPr>
+      <p:grpSpPr>
+        <a:xfrm>
+          <a:off x="0" y="0"/>
+          <a:ext cx="0" cy="0"/>
+          <a:chOff x="0" y="0"/>
+          <a:chExt cx="0" cy="0"/>
+        </a:xfrm>
+      </p:grpSpPr>
+      <p:sp>
+        <p:nvSpPr>
+          <p:cNvPr id="2" name="Slide Image Placeholder 1"/>
+          <p:cNvSpPr>
+            <a:spLocks noGrp="1" noRot="1" noChangeAspect="1"/>
+          </p:cNvSpPr>
+          <p:nvPr>
+            <p:ph type="sldImg"/>
+          </p:nvPr>
+        </p:nvSpPr>
+        <p:spPr/>
+      </p:sp>
+      <p:sp>
+        <p:nvSpPr>
+          <p:cNvPr id="3" name="Notes Placeholder 2"/>
+          <p:cNvSpPr>
+            <a:spLocks noGrp="1"/>
+          </p:cNvSpPr>
+          <p:nvPr>
+            <p:ph type="body" idx="1"/>
+          </p:nvPr>
+        </p:nvSpPr>
+        <p:spPr/>
+        <p:txBody>
+          <a:bodyPr/>
+          <a:lstStyle/>
+          <a:p>
+            <a:r>
+              <a:rPr lang="en-US" dirty="0"/>
+              <a:t>A note on relative risk ratios: odds ratios are relative and hence depend on baseline levels (e.g., a 1.5 times increase from 1 is 1.5 but from 100 is 150). This plays a critical role in the economic significance of your results.</a:t>
+            </a:r>
+          </a:p>
+          <a:p>
+            <a:r>
+              <a:rPr lang="en-US" dirty="0"/>
+              <a:t>Evaluating a complicated model in econometric analysis becomes more and more about story-telling – the more complicated your model is, the more certain your assumptions are wrong. How useful is your model? </a:t>
+            </a:r>
+          </a:p>
+        </p:txBody>
+      </p:sp>
+      <p:sp>
+        <p:nvSpPr>
+          <p:cNvPr id="4" name="Slide Number Placeholder 3"/>
+          <p:cNvSpPr>
+            <a:spLocks noGrp="1"/>
+          </p:cNvSpPr>
+          <p:nvPr>
+            <p:ph type="sldNum" sz="quarter" idx="5"/>
+          </p:nvPr>
+        </p:nvSpPr>
+        <p:spPr/>
+        <p:txBody>
+          <a:bodyPr/>
+          <a:lstStyle/>
+          <a:p>
+            <a:fld id="{4AF79E1B-2C51-4B9B-8EA4-26DE9E345AFF}" type="slidenum">
+              <a:rPr lang="en-US" smtClean="0"/>
+              <a:t>65</a:t>
+            </a:fld>
+            <a:endParaRPr lang="en-US"/>
+          </a:p>
+        </p:txBody>
+      </p:sp>
+    </p:spTree>
+    <p:extLst>
+      <p:ext uri="{BB962C8B-B14F-4D97-AF65-F5344CB8AC3E}">
+        <p14:creationId xmlns:p14="http://schemas.microsoft.com/office/powerpoint/2010/main" val="831144564"/>
+      </p:ext>
+    </p:extLst>
+  </p:cSld>
+  <p:clrMapOvr>
+    <a:masterClrMapping/>
+  </p:clrMapOvr>
+</p:notes>
+</file>
+
+<file path=ppt/notesSlides/notesSlide62.xml><?xml version="1.0" encoding="utf-8"?>
+<p:notes xmlns:a="http://schemas.openxmlformats.org/drawingml/2006/main" xmlns:r="http://schemas.openxmlformats.org/officeDocument/2006/relationships" xmlns:p="http://schemas.openxmlformats.org/presentationml/2006/main">
+  <p:cSld>
+    <p:spTree>
+      <p:nvGrpSpPr>
+        <p:cNvPr id="1" name=""/>
+        <p:cNvGrpSpPr/>
+        <p:nvPr/>
+      </p:nvGrpSpPr>
+      <p:grpSpPr>
+        <a:xfrm>
+          <a:off x="0" y="0"/>
+          <a:ext cx="0" cy="0"/>
+          <a:chOff x="0" y="0"/>
+          <a:chExt cx="0" cy="0"/>
+        </a:xfrm>
+      </p:grpSpPr>
+      <p:sp>
+        <p:nvSpPr>
+          <p:cNvPr id="2" name="Slide Image Placeholder 1"/>
+          <p:cNvSpPr>
+            <a:spLocks noGrp="1" noRot="1" noChangeAspect="1"/>
+          </p:cNvSpPr>
+          <p:nvPr>
+            <p:ph type="sldImg"/>
+          </p:nvPr>
+        </p:nvSpPr>
+        <p:spPr/>
+      </p:sp>
+      <p:sp>
+        <p:nvSpPr>
+          <p:cNvPr id="3" name="Notes Placeholder 2"/>
+          <p:cNvSpPr>
+            <a:spLocks noGrp="1"/>
+          </p:cNvSpPr>
+          <p:nvPr>
+            <p:ph type="body" idx="1"/>
+          </p:nvPr>
+        </p:nvSpPr>
+        <p:spPr/>
+        <p:txBody>
+          <a:bodyPr/>
+          <a:lstStyle/>
+          <a:p>
+            <a:r>
+              <a:rPr lang="en-US" dirty="0"/>
+              <a:t>A note on relative risk ratios: odds ratios are relative and hence depend on baseline levels (e.g., a 1.5 times increase from 1 is 1.5 but from 100 is 150). This plays a critical role in the economic significance of your results.</a:t>
+            </a:r>
+          </a:p>
+          <a:p>
+            <a:r>
+              <a:rPr lang="en-US" dirty="0"/>
+              <a:t>Evaluating a complicated model in econometric analysis becomes more and more about story-telling – the more complicated your model is, the more certain your assumptions are wrong. How useful is your model? </a:t>
+            </a:r>
+          </a:p>
+        </p:txBody>
+      </p:sp>
+      <p:sp>
+        <p:nvSpPr>
+          <p:cNvPr id="4" name="Slide Number Placeholder 3"/>
+          <p:cNvSpPr>
+            <a:spLocks noGrp="1"/>
+          </p:cNvSpPr>
+          <p:nvPr>
+            <p:ph type="sldNum" sz="quarter" idx="5"/>
+          </p:nvPr>
+        </p:nvSpPr>
+        <p:spPr/>
+        <p:txBody>
+          <a:bodyPr/>
+          <a:lstStyle/>
+          <a:p>
+            <a:fld id="{4AF79E1B-2C51-4B9B-8EA4-26DE9E345AFF}" type="slidenum">
+              <a:rPr lang="en-US" smtClean="0"/>
+              <a:t>66</a:t>
+            </a:fld>
+            <a:endParaRPr lang="en-US"/>
+          </a:p>
+        </p:txBody>
+      </p:sp>
+    </p:spTree>
+    <p:extLst>
+      <p:ext uri="{BB962C8B-B14F-4D97-AF65-F5344CB8AC3E}">
+        <p14:creationId xmlns:p14="http://schemas.microsoft.com/office/powerpoint/2010/main" val="3210876395"/>
+      </p:ext>
+    </p:extLst>
+  </p:cSld>
+  <p:clrMapOvr>
+    <a:masterClrMapping/>
+  </p:clrMapOvr>
+</p:notes>
+</file>
+
+<file path=ppt/notesSlides/notesSlide63.xml><?xml version="1.0" encoding="utf-8"?>
+<p:notes xmlns:a="http://schemas.openxmlformats.org/drawingml/2006/main" xmlns:r="http://schemas.openxmlformats.org/officeDocument/2006/relationships" xmlns:p="http://schemas.openxmlformats.org/presentationml/2006/main">
+  <p:cSld>
+    <p:spTree>
+      <p:nvGrpSpPr>
+        <p:cNvPr id="1" name=""/>
+        <p:cNvGrpSpPr/>
+        <p:nvPr/>
+      </p:nvGrpSpPr>
+      <p:grpSpPr>
+        <a:xfrm>
+          <a:off x="0" y="0"/>
+          <a:ext cx="0" cy="0"/>
+          <a:chOff x="0" y="0"/>
+          <a:chExt cx="0" cy="0"/>
+        </a:xfrm>
+      </p:grpSpPr>
+      <p:sp>
+        <p:nvSpPr>
+          <p:cNvPr id="2" name="Slide Image Placeholder 1"/>
+          <p:cNvSpPr>
+            <a:spLocks noGrp="1" noRot="1" noChangeAspect="1"/>
+          </p:cNvSpPr>
+          <p:nvPr>
+            <p:ph type="sldImg"/>
+          </p:nvPr>
+        </p:nvSpPr>
+        <p:spPr/>
+      </p:sp>
+      <p:sp>
+        <p:nvSpPr>
+          <p:cNvPr id="3" name="Notes Placeholder 2"/>
+          <p:cNvSpPr>
+            <a:spLocks noGrp="1"/>
+          </p:cNvSpPr>
+          <p:nvPr>
+            <p:ph type="body" idx="1"/>
+          </p:nvPr>
+        </p:nvSpPr>
+        <p:spPr/>
+        <p:txBody>
+          <a:bodyPr/>
+          <a:lstStyle/>
+          <a:p>
+            <a:r>
+              <a:rPr lang="en-US" dirty="0"/>
+              <a:t>Focusing only on these three for today</a:t>
+            </a:r>
+          </a:p>
+        </p:txBody>
+      </p:sp>
+      <p:sp>
+        <p:nvSpPr>
+          <p:cNvPr id="4" name="Slide Number Placeholder 3"/>
+          <p:cNvSpPr>
+            <a:spLocks noGrp="1"/>
+          </p:cNvSpPr>
+          <p:nvPr>
+            <p:ph type="sldNum" sz="quarter" idx="5"/>
+          </p:nvPr>
+        </p:nvSpPr>
+        <p:spPr/>
+        <p:txBody>
+          <a:bodyPr/>
+          <a:lstStyle/>
+          <a:p>
+            <a:fld id="{4AF79E1B-2C51-4B9B-8EA4-26DE9E345AFF}" type="slidenum">
+              <a:rPr lang="en-US" smtClean="0"/>
+              <a:t>67</a:t>
+            </a:fld>
+            <a:endParaRPr lang="en-US"/>
+          </a:p>
+        </p:txBody>
+      </p:sp>
+    </p:spTree>
+    <p:extLst>
+      <p:ext uri="{BB962C8B-B14F-4D97-AF65-F5344CB8AC3E}">
+        <p14:creationId xmlns:p14="http://schemas.microsoft.com/office/powerpoint/2010/main" val="2083499418"/>
       </p:ext>
     </p:extLst>
   </p:cSld>
@@ -6074,7 +6426,7 @@
             <a:fld id="{0972D05C-DCFB-4BB6-B49C-AC126BF3ED2C}" type="datetimeFigureOut">
               <a:rPr lang="en-US" smtClean="0"/>
               <a:pPr/>
-              <a:t>8/12/2022</a:t>
+              <a:t>10/12/2022</a:t>
             </a:fld>
             <a:endParaRPr lang="en-US"/>
           </a:p>
@@ -6304,7 +6656,7 @@
             <a:fld id="{0972D05C-DCFB-4BB6-B49C-AC126BF3ED2C}" type="datetimeFigureOut">
               <a:rPr lang="en-US" smtClean="0"/>
               <a:pPr/>
-              <a:t>8/12/2022</a:t>
+              <a:t>10/12/2022</a:t>
             </a:fld>
             <a:endParaRPr lang="en-US"/>
           </a:p>
@@ -6486,7 +6838,7 @@
             <a:fld id="{0972D05C-DCFB-4BB6-B49C-AC126BF3ED2C}" type="datetimeFigureOut">
               <a:rPr lang="en-US" smtClean="0"/>
               <a:pPr/>
-              <a:t>8/12/2022</a:t>
+              <a:t>10/12/2022</a:t>
             </a:fld>
             <a:endParaRPr lang="en-US"/>
           </a:p>
@@ -6658,7 +7010,7 @@
             <a:fld id="{0972D05C-DCFB-4BB6-B49C-AC126BF3ED2C}" type="datetimeFigureOut">
               <a:rPr lang="en-US" smtClean="0"/>
               <a:pPr/>
-              <a:t>8/12/2022</a:t>
+              <a:t>10/12/2022</a:t>
             </a:fld>
             <a:endParaRPr lang="en-US"/>
           </a:p>
@@ -6914,7 +7266,7 @@
             <a:fld id="{0972D05C-DCFB-4BB6-B49C-AC126BF3ED2C}" type="datetimeFigureOut">
               <a:rPr lang="en-US" smtClean="0"/>
               <a:pPr/>
-              <a:t>8/12/2022</a:t>
+              <a:t>10/12/2022</a:t>
             </a:fld>
             <a:endParaRPr lang="en-US"/>
           </a:p>
@@ -7242,7 +7594,7 @@
             <a:fld id="{0972D05C-DCFB-4BB6-B49C-AC126BF3ED2C}" type="datetimeFigureOut">
               <a:rPr lang="en-US" smtClean="0"/>
               <a:pPr/>
-              <a:t>8/12/2022</a:t>
+              <a:t>10/12/2022</a:t>
             </a:fld>
             <a:endParaRPr lang="en-US"/>
           </a:p>
@@ -7695,7 +8047,7 @@
             <a:fld id="{0972D05C-DCFB-4BB6-B49C-AC126BF3ED2C}" type="datetimeFigureOut">
               <a:rPr lang="en-US" smtClean="0"/>
               <a:pPr/>
-              <a:t>8/12/2022</a:t>
+              <a:t>10/12/2022</a:t>
             </a:fld>
             <a:endParaRPr lang="en-US"/>
           </a:p>
@@ -7815,7 +8167,7 @@
             <a:fld id="{0972D05C-DCFB-4BB6-B49C-AC126BF3ED2C}" type="datetimeFigureOut">
               <a:rPr lang="en-US" smtClean="0"/>
               <a:pPr/>
-              <a:t>8/12/2022</a:t>
+              <a:t>10/12/2022</a:t>
             </a:fld>
             <a:endParaRPr lang="en-US"/>
           </a:p>
@@ -7912,7 +8264,7 @@
             <a:fld id="{0972D05C-DCFB-4BB6-B49C-AC126BF3ED2C}" type="datetimeFigureOut">
               <a:rPr lang="en-US" smtClean="0"/>
               <a:pPr/>
-              <a:t>8/12/2022</a:t>
+              <a:t>10/12/2022</a:t>
             </a:fld>
             <a:endParaRPr lang="en-US"/>
           </a:p>
@@ -8201,7 +8553,7 @@
             <a:fld id="{0972D05C-DCFB-4BB6-B49C-AC126BF3ED2C}" type="datetimeFigureOut">
               <a:rPr lang="en-US" smtClean="0"/>
               <a:pPr/>
-              <a:t>8/12/2022</a:t>
+              <a:t>10/12/2022</a:t>
             </a:fld>
             <a:endParaRPr lang="en-US"/>
           </a:p>
@@ -8525,7 +8877,7 @@
             <a:fld id="{0972D05C-DCFB-4BB6-B49C-AC126BF3ED2C}" type="datetimeFigureOut">
               <a:rPr lang="en-US" smtClean="0"/>
               <a:pPr/>
-              <a:t>8/12/2022</a:t>
+              <a:t>10/12/2022</a:t>
             </a:fld>
             <a:endParaRPr lang="en-US"/>
           </a:p>
@@ -8780,7 +9132,7 @@
             <a:fld id="{0972D05C-DCFB-4BB6-B49C-AC126BF3ED2C}" type="datetimeFigureOut">
               <a:rPr lang="en-US" smtClean="0"/>
               <a:pPr/>
-              <a:t>8/12/2022</a:t>
+              <a:t>10/12/2022</a:t>
             </a:fld>
             <a:endParaRPr lang="en-US" dirty="0"/>
           </a:p>
@@ -9422,8 +9774,8 @@
           </a:p>
         </p:txBody>
       </p:sp>
-      <mc:AlternateContent xmlns:mc="http://schemas.openxmlformats.org/markup-compatibility/2006">
-        <mc:Choice xmlns:a14="http://schemas.microsoft.com/office/drawing/2010/main" Requires="a14">
+      <mc:AlternateContent xmlns:mc="http://schemas.openxmlformats.org/markup-compatibility/2006" xmlns:a14="http://schemas.microsoft.com/office/drawing/2010/main">
+        <mc:Choice Requires="a14">
           <p:sp>
             <p:nvSpPr>
               <p:cNvPr id="3" name="Content Placeholder 2"/>
@@ -9639,7 +9991,7 @@
             </p:txBody>
           </p:sp>
         </mc:Choice>
-        <mc:Fallback>
+        <mc:Fallback xmlns="">
           <p:sp>
             <p:nvSpPr>
               <p:cNvPr id="3" name="Content Placeholder 2"/>
@@ -10295,8 +10647,8 @@
           </p:sp>
         </mc:Fallback>
       </mc:AlternateContent>
-      <mc:AlternateContent xmlns:mc="http://schemas.openxmlformats.org/markup-compatibility/2006">
-        <mc:Choice xmlns:a14="http://schemas.microsoft.com/office/drawing/2010/main" Requires="a14">
+      <mc:AlternateContent xmlns:mc="http://schemas.openxmlformats.org/markup-compatibility/2006" xmlns:a14="http://schemas.microsoft.com/office/drawing/2010/main">
+        <mc:Choice Requires="a14">
           <p:sp>
             <p:nvSpPr>
               <p:cNvPr id="3" name="Content Placeholder 2"/>
@@ -10768,7 +11120,7 @@
             </p:txBody>
           </p:sp>
         </mc:Choice>
-        <mc:Fallback>
+        <mc:Fallback xmlns="">
           <p:sp>
             <p:nvSpPr>
               <p:cNvPr id="3" name="Content Placeholder 2"/>
@@ -10918,8 +11270,8 @@
           </a:p>
         </p:txBody>
       </p:sp>
-      <mc:AlternateContent xmlns:mc="http://schemas.openxmlformats.org/markup-compatibility/2006">
-        <mc:Choice xmlns:a14="http://schemas.microsoft.com/office/drawing/2010/main" Requires="a14">
+      <mc:AlternateContent xmlns:mc="http://schemas.openxmlformats.org/markup-compatibility/2006" xmlns:a14="http://schemas.microsoft.com/office/drawing/2010/main">
+        <mc:Choice Requires="a14">
           <p:sp>
             <p:nvSpPr>
               <p:cNvPr id="3" name="Content Placeholder 2"/>
@@ -11066,7 +11418,7 @@
             </p:txBody>
           </p:sp>
         </mc:Choice>
-        <mc:Fallback>
+        <mc:Fallback xmlns="">
           <p:sp>
             <p:nvSpPr>
               <p:cNvPr id="3" name="Content Placeholder 2"/>
@@ -11216,8 +11568,8 @@
           </a:p>
         </p:txBody>
       </p:sp>
-      <mc:AlternateContent xmlns:mc="http://schemas.openxmlformats.org/markup-compatibility/2006">
-        <mc:Choice xmlns:a14="http://schemas.microsoft.com/office/drawing/2010/main" Requires="a14">
+      <mc:AlternateContent xmlns:mc="http://schemas.openxmlformats.org/markup-compatibility/2006" xmlns:a14="http://schemas.microsoft.com/office/drawing/2010/main">
+        <mc:Choice Requires="a14">
           <p:sp>
             <p:nvSpPr>
               <p:cNvPr id="3" name="Content Placeholder 2"/>
@@ -11457,7 +11809,7 @@
             </p:txBody>
           </p:sp>
         </mc:Choice>
-        <mc:Fallback>
+        <mc:Fallback xmlns="">
           <p:sp>
             <p:nvSpPr>
               <p:cNvPr id="3" name="Content Placeholder 2"/>
@@ -11796,6 +12148,616 @@
 </file>
 
 <file path=ppt/slides/slide18.xml><?xml version="1.0" encoding="utf-8"?>
+<p:sld xmlns:a="http://schemas.openxmlformats.org/drawingml/2006/main" xmlns:r="http://schemas.openxmlformats.org/officeDocument/2006/relationships" xmlns:p="http://schemas.openxmlformats.org/presentationml/2006/main">
+  <p:cSld>
+    <p:spTree>
+      <p:nvGrpSpPr>
+        <p:cNvPr id="1" name=""/>
+        <p:cNvGrpSpPr/>
+        <p:nvPr/>
+      </p:nvGrpSpPr>
+      <p:grpSpPr>
+        <a:xfrm>
+          <a:off x="0" y="0"/>
+          <a:ext cx="0" cy="0"/>
+          <a:chOff x="0" y="0"/>
+          <a:chExt cx="0" cy="0"/>
+        </a:xfrm>
+      </p:grpSpPr>
+      <p:sp>
+        <p:nvSpPr>
+          <p:cNvPr id="2" name="Title 1"/>
+          <p:cNvSpPr>
+            <a:spLocks noGrp="1"/>
+          </p:cNvSpPr>
+          <p:nvPr>
+            <p:ph type="title"/>
+          </p:nvPr>
+        </p:nvSpPr>
+        <p:spPr>
+          <a:xfrm>
+            <a:off x="609600" y="337392"/>
+            <a:ext cx="10439400" cy="624840"/>
+          </a:xfrm>
+        </p:spPr>
+        <p:txBody>
+          <a:bodyPr>
+            <a:noAutofit/>
+          </a:bodyPr>
+          <a:lstStyle/>
+          <a:p>
+            <a:r>
+              <a:rPr lang="en-US" sz="3600" dirty="0">
+                <a:latin typeface="Times New Roman" panose="02020603050405020304" pitchFamily="18" charset="0"/>
+                <a:cs typeface="Times New Roman" panose="02020603050405020304" pitchFamily="18" charset="0"/>
+              </a:rPr>
+              <a:t>Estimating Probabilities: Linear Probability Models</a:t>
+            </a:r>
+          </a:p>
+        </p:txBody>
+      </p:sp>
+      <p:pic>
+        <p:nvPicPr>
+          <p:cNvPr id="5" name="Content Placeholder 4">
+            <a:extLst>
+              <a:ext uri="{FF2B5EF4-FFF2-40B4-BE49-F238E27FC236}">
+                <a16:creationId xmlns:a16="http://schemas.microsoft.com/office/drawing/2014/main" id="{180BC8A5-5C96-718F-57D2-B77896F883CB}"/>
+              </a:ext>
+            </a:extLst>
+          </p:cNvPr>
+          <p:cNvPicPr>
+            <a:picLocks noGrp="1" noChangeAspect="1"/>
+          </p:cNvPicPr>
+          <p:nvPr>
+            <p:ph idx="1"/>
+          </p:nvPr>
+        </p:nvPicPr>
+        <p:blipFill>
+          <a:blip r:embed="rId3"/>
+          <a:stretch>
+            <a:fillRect/>
+          </a:stretch>
+        </p:blipFill>
+        <p:spPr>
+          <a:xfrm>
+            <a:off x="199731" y="1371600"/>
+            <a:ext cx="10747021" cy="4267200"/>
+          </a:xfrm>
+        </p:spPr>
+      </p:pic>
+    </p:spTree>
+    <p:extLst>
+      <p:ext uri="{BB962C8B-B14F-4D97-AF65-F5344CB8AC3E}">
+        <p14:creationId xmlns:p14="http://schemas.microsoft.com/office/powerpoint/2010/main" val="761996886"/>
+      </p:ext>
+    </p:extLst>
+  </p:cSld>
+  <p:clrMapOvr>
+    <a:masterClrMapping/>
+  </p:clrMapOvr>
+</p:sld>
+</file>
+
+<file path=ppt/slides/slide19.xml><?xml version="1.0" encoding="utf-8"?>
+<p:sld xmlns:a="http://schemas.openxmlformats.org/drawingml/2006/main" xmlns:r="http://schemas.openxmlformats.org/officeDocument/2006/relationships" xmlns:p="http://schemas.openxmlformats.org/presentationml/2006/main">
+  <p:cSld>
+    <p:spTree>
+      <p:nvGrpSpPr>
+        <p:cNvPr id="1" name=""/>
+        <p:cNvGrpSpPr/>
+        <p:nvPr/>
+      </p:nvGrpSpPr>
+      <p:grpSpPr>
+        <a:xfrm>
+          <a:off x="0" y="0"/>
+          <a:ext cx="0" cy="0"/>
+          <a:chOff x="0" y="0"/>
+          <a:chExt cx="0" cy="0"/>
+        </a:xfrm>
+      </p:grpSpPr>
+      <p:sp>
+        <p:nvSpPr>
+          <p:cNvPr id="2" name="Title 1"/>
+          <p:cNvSpPr>
+            <a:spLocks noGrp="1"/>
+          </p:cNvSpPr>
+          <p:nvPr>
+            <p:ph type="title"/>
+          </p:nvPr>
+        </p:nvSpPr>
+        <p:spPr>
+          <a:xfrm>
+            <a:off x="609600" y="337392"/>
+            <a:ext cx="10439400" cy="624840"/>
+          </a:xfrm>
+        </p:spPr>
+        <p:txBody>
+          <a:bodyPr>
+            <a:noAutofit/>
+          </a:bodyPr>
+          <a:lstStyle/>
+          <a:p>
+            <a:r>
+              <a:rPr lang="en-US" sz="3600" dirty="0">
+                <a:latin typeface="Times New Roman" panose="02020603050405020304" pitchFamily="18" charset="0"/>
+                <a:cs typeface="Times New Roman" panose="02020603050405020304" pitchFamily="18" charset="0"/>
+              </a:rPr>
+              <a:t>Estimating Probabilities: Linear Probability Models</a:t>
+            </a:r>
+          </a:p>
+        </p:txBody>
+      </p:sp>
+      <p:pic>
+        <p:nvPicPr>
+          <p:cNvPr id="5" name="Content Placeholder 4">
+            <a:extLst>
+              <a:ext uri="{FF2B5EF4-FFF2-40B4-BE49-F238E27FC236}">
+                <a16:creationId xmlns:a16="http://schemas.microsoft.com/office/drawing/2014/main" id="{180BC8A5-5C96-718F-57D2-B77896F883CB}"/>
+              </a:ext>
+            </a:extLst>
+          </p:cNvPr>
+          <p:cNvPicPr>
+            <a:picLocks noGrp="1" noChangeAspect="1"/>
+          </p:cNvPicPr>
+          <p:nvPr>
+            <p:ph idx="1"/>
+          </p:nvPr>
+        </p:nvPicPr>
+        <p:blipFill>
+          <a:blip r:embed="rId3"/>
+          <a:stretch>
+            <a:fillRect/>
+          </a:stretch>
+        </p:blipFill>
+        <p:spPr>
+          <a:xfrm>
+            <a:off x="199731" y="1371600"/>
+            <a:ext cx="10747021" cy="4267200"/>
+          </a:xfrm>
+        </p:spPr>
+      </p:pic>
+      <p:pic>
+        <p:nvPicPr>
+          <p:cNvPr id="4" name="Picture 3">
+            <a:extLst>
+              <a:ext uri="{FF2B5EF4-FFF2-40B4-BE49-F238E27FC236}">
+                <a16:creationId xmlns:a16="http://schemas.microsoft.com/office/drawing/2014/main" id="{B4770FD9-848C-7252-BE1C-4E88CF5E068B}"/>
+              </a:ext>
+            </a:extLst>
+          </p:cNvPr>
+          <p:cNvPicPr>
+            <a:picLocks noChangeAspect="1"/>
+          </p:cNvPicPr>
+          <p:nvPr/>
+        </p:nvPicPr>
+        <p:blipFill>
+          <a:blip r:embed="rId4"/>
+          <a:stretch>
+            <a:fillRect/>
+          </a:stretch>
+        </p:blipFill>
+        <p:spPr>
+          <a:xfrm>
+            <a:off x="322144" y="1447800"/>
+            <a:ext cx="10726856" cy="4267200"/>
+          </a:xfrm>
+          <a:prstGeom prst="rect">
+            <a:avLst/>
+          </a:prstGeom>
+        </p:spPr>
+      </p:pic>
+    </p:spTree>
+    <p:extLst>
+      <p:ext uri="{BB962C8B-B14F-4D97-AF65-F5344CB8AC3E}">
+        <p14:creationId xmlns:p14="http://schemas.microsoft.com/office/powerpoint/2010/main" val="140850394"/>
+      </p:ext>
+    </p:extLst>
+  </p:cSld>
+  <p:clrMapOvr>
+    <a:masterClrMapping/>
+  </p:clrMapOvr>
+</p:sld>
+</file>
+
+<file path=ppt/slides/slide2.xml><?xml version="1.0" encoding="utf-8"?>
+<p:sld xmlns:a="http://schemas.openxmlformats.org/drawingml/2006/main" xmlns:r="http://schemas.openxmlformats.org/officeDocument/2006/relationships" xmlns:p="http://schemas.openxmlformats.org/presentationml/2006/main">
+  <p:cSld>
+    <p:spTree>
+      <p:nvGrpSpPr>
+        <p:cNvPr id="1" name=""/>
+        <p:cNvGrpSpPr/>
+        <p:nvPr/>
+      </p:nvGrpSpPr>
+      <p:grpSpPr>
+        <a:xfrm>
+          <a:off x="0" y="0"/>
+          <a:ext cx="0" cy="0"/>
+          <a:chOff x="0" y="0"/>
+          <a:chExt cx="0" cy="0"/>
+        </a:xfrm>
+      </p:grpSpPr>
+      <p:sp>
+        <p:nvSpPr>
+          <p:cNvPr id="3" name="Content Placeholder 2">
+            <a:extLst>
+              <a:ext uri="{FF2B5EF4-FFF2-40B4-BE49-F238E27FC236}">
+                <a16:creationId xmlns:a16="http://schemas.microsoft.com/office/drawing/2014/main" id="{8BFAC18E-4064-A1FE-C1EB-5D23F1DFAD23}"/>
+              </a:ext>
+            </a:extLst>
+          </p:cNvPr>
+          <p:cNvSpPr>
+            <a:spLocks noGrp="1"/>
+          </p:cNvSpPr>
+          <p:nvPr>
+            <p:ph idx="1"/>
+          </p:nvPr>
+        </p:nvSpPr>
+        <p:spPr>
+          <a:xfrm>
+            <a:off x="914400" y="1119952"/>
+            <a:ext cx="9984829" cy="5357048"/>
+          </a:xfrm>
+        </p:spPr>
+        <p:txBody>
+          <a:bodyPr vert="horz" lIns="91440" tIns="45720" rIns="91440" bIns="45720" rtlCol="0" anchor="t">
+            <a:normAutofit/>
+          </a:bodyPr>
+          <a:lstStyle/>
+          <a:p>
+            <a:r>
+              <a:rPr lang="en-US" sz="2400" dirty="0">
+                <a:latin typeface="Times New Roman"/>
+                <a:cs typeface="Times New Roman"/>
+              </a:rPr>
+              <a:t>A </a:t>
+            </a:r>
+            <a:r>
+              <a:rPr lang="en-US" sz="2400" b="1" dirty="0">
+                <a:latin typeface="Times New Roman"/>
+                <a:cs typeface="Times New Roman"/>
+              </a:rPr>
+              <a:t>front door approach </a:t>
+            </a:r>
+            <a:r>
+              <a:rPr lang="en-US" sz="2400" dirty="0">
+                <a:latin typeface="Times New Roman"/>
+                <a:cs typeface="Times New Roman"/>
+              </a:rPr>
+              <a:t>to handle selection on </a:t>
+            </a:r>
+            <a:r>
+              <a:rPr lang="en-US" sz="2400" dirty="0" err="1">
+                <a:latin typeface="Times New Roman"/>
+                <a:cs typeface="Times New Roman"/>
+              </a:rPr>
+              <a:t>unobservables</a:t>
+            </a:r>
+            <a:r>
+              <a:rPr lang="en-US" sz="2400" dirty="0">
+                <a:latin typeface="Times New Roman"/>
+                <a:cs typeface="Times New Roman"/>
+              </a:rPr>
+              <a:t>.</a:t>
+            </a:r>
+          </a:p>
+          <a:p>
+            <a:r>
+              <a:rPr lang="en-US" sz="2400" dirty="0">
+                <a:latin typeface="Times New Roman"/>
+                <a:cs typeface="Times New Roman"/>
+              </a:rPr>
+              <a:t>Mimicking an experiment with real-world randomization</a:t>
+            </a:r>
+          </a:p>
+          <a:p>
+            <a:r>
+              <a:rPr lang="en-US" sz="2400" dirty="0">
+                <a:latin typeface="Times New Roman"/>
+                <a:cs typeface="Times New Roman"/>
+              </a:rPr>
+              <a:t>Has some limitations: </a:t>
+            </a:r>
+          </a:p>
+          <a:p>
+            <a:pPr lvl="1"/>
+            <a:r>
+              <a:rPr lang="en-US" sz="2400" dirty="0">
+                <a:latin typeface="Times New Roman"/>
+                <a:cs typeface="Times New Roman"/>
+              </a:rPr>
+              <a:t>First, it only identifies the LATE, which may or may not be policy relevant</a:t>
+            </a:r>
+            <a:endParaRPr lang="en-US" sz="2400" dirty="0">
+              <a:solidFill>
+                <a:srgbClr val="000000"/>
+              </a:solidFill>
+              <a:latin typeface="Times New Roman"/>
+              <a:cs typeface="Times New Roman"/>
+            </a:endParaRPr>
+          </a:p>
+          <a:p>
+            <a:pPr lvl="1"/>
+            <a:r>
+              <a:rPr lang="en-US" sz="2400" dirty="0">
+                <a:latin typeface="Times New Roman"/>
+                <a:cs typeface="Times New Roman"/>
+              </a:rPr>
+              <a:t>IV has up to five (untestable) assumptions! </a:t>
+            </a:r>
+            <a:endParaRPr lang="en-US" sz="2400" dirty="0">
+              <a:solidFill>
+                <a:srgbClr val="262626"/>
+              </a:solidFill>
+              <a:cs typeface="Times New Roman"/>
+            </a:endParaRPr>
+          </a:p>
+          <a:p>
+            <a:pPr lvl="1">
+              <a:buFont typeface="Wingdings 2"/>
+              <a:buChar char=""/>
+            </a:pPr>
+            <a:endParaRPr lang="en-US" sz="2400" dirty="0">
+              <a:cs typeface="Times New Roman"/>
+            </a:endParaRPr>
+          </a:p>
+        </p:txBody>
+      </p:sp>
+      <p:sp>
+        <p:nvSpPr>
+          <p:cNvPr id="5" name="Title 1">
+            <a:extLst>
+              <a:ext uri="{FF2B5EF4-FFF2-40B4-BE49-F238E27FC236}">
+                <a16:creationId xmlns:a16="http://schemas.microsoft.com/office/drawing/2014/main" id="{EF3111ED-61A2-2123-0D2A-EFDD981A07C2}"/>
+              </a:ext>
+            </a:extLst>
+          </p:cNvPr>
+          <p:cNvSpPr txBox="1">
+            <a:spLocks/>
+          </p:cNvSpPr>
+          <p:nvPr/>
+        </p:nvSpPr>
+        <p:spPr>
+          <a:xfrm>
+            <a:off x="609600" y="337392"/>
+            <a:ext cx="10439400" cy="624840"/>
+          </a:xfrm>
+          <a:prstGeom prst="rect">
+            <a:avLst/>
+          </a:prstGeom>
+        </p:spPr>
+        <p:txBody>
+          <a:bodyPr vert="horz" lIns="91440" tIns="45720" rIns="91440" bIns="45720" rtlCol="0" anchor="b">
+            <a:noAutofit/>
+          </a:bodyPr>
+          <a:lstStyle>
+            <a:lvl1pPr algn="l" defTabSz="914400" rtl="0" eaLnBrk="1" latinLnBrk="0" hangingPunct="1">
+              <a:lnSpc>
+                <a:spcPct val="90000"/>
+              </a:lnSpc>
+              <a:spcBef>
+                <a:spcPct val="0"/>
+              </a:spcBef>
+              <a:buNone/>
+              <a:defRPr sz="4400" kern="1200" spc="-50" baseline="0">
+                <a:solidFill>
+                  <a:schemeClr val="tx1"/>
+                </a:solidFill>
+                <a:latin typeface="Times New Roman" panose="02020603050405020304" pitchFamily="18" charset="0"/>
+                <a:ea typeface="+mj-ea"/>
+                <a:cs typeface="+mj-cs"/>
+              </a:defRPr>
+            </a:lvl1pPr>
+          </a:lstStyle>
+          <a:p>
+            <a:r>
+              <a:rPr lang="en-US" sz="3600" dirty="0">
+                <a:latin typeface="Times New Roman"/>
+                <a:cs typeface="Times New Roman"/>
+              </a:rPr>
+              <a:t>Last Time: Instrumental Variables</a:t>
+            </a:r>
+            <a:endParaRPr lang="en-US" dirty="0"/>
+          </a:p>
+        </p:txBody>
+      </p:sp>
+    </p:spTree>
+    <p:extLst>
+      <p:ext uri="{BB962C8B-B14F-4D97-AF65-F5344CB8AC3E}">
+        <p14:creationId xmlns:p14="http://schemas.microsoft.com/office/powerpoint/2010/main" val="4228788629"/>
+      </p:ext>
+    </p:extLst>
+  </p:cSld>
+  <p:clrMapOvr>
+    <a:masterClrMapping/>
+  </p:clrMapOvr>
+</p:sld>
+</file>
+
+<file path=ppt/slides/slide20.xml><?xml version="1.0" encoding="utf-8"?>
+<p:sld xmlns:a="http://schemas.openxmlformats.org/drawingml/2006/main" xmlns:r="http://schemas.openxmlformats.org/officeDocument/2006/relationships" xmlns:p="http://schemas.openxmlformats.org/presentationml/2006/main">
+  <p:cSld>
+    <p:spTree>
+      <p:nvGrpSpPr>
+        <p:cNvPr id="1" name=""/>
+        <p:cNvGrpSpPr/>
+        <p:nvPr/>
+      </p:nvGrpSpPr>
+      <p:grpSpPr>
+        <a:xfrm>
+          <a:off x="0" y="0"/>
+          <a:ext cx="0" cy="0"/>
+          <a:chOff x="0" y="0"/>
+          <a:chExt cx="0" cy="0"/>
+        </a:xfrm>
+      </p:grpSpPr>
+      <p:sp>
+        <p:nvSpPr>
+          <p:cNvPr id="2" name="Title 1"/>
+          <p:cNvSpPr>
+            <a:spLocks noGrp="1"/>
+          </p:cNvSpPr>
+          <p:nvPr>
+            <p:ph type="title"/>
+          </p:nvPr>
+        </p:nvSpPr>
+        <p:spPr>
+          <a:xfrm>
+            <a:off x="609600" y="337392"/>
+            <a:ext cx="10439400" cy="624840"/>
+          </a:xfrm>
+        </p:spPr>
+        <p:txBody>
+          <a:bodyPr>
+            <a:noAutofit/>
+          </a:bodyPr>
+          <a:lstStyle/>
+          <a:p>
+            <a:r>
+              <a:rPr lang="en-US" sz="3600" dirty="0">
+                <a:latin typeface="Times New Roman" panose="02020603050405020304" pitchFamily="18" charset="0"/>
+                <a:cs typeface="Times New Roman" panose="02020603050405020304" pitchFamily="18" charset="0"/>
+              </a:rPr>
+              <a:t>Estimating Probabilities: Odds</a:t>
+            </a:r>
+          </a:p>
+        </p:txBody>
+      </p:sp>
+      <p:pic>
+        <p:nvPicPr>
+          <p:cNvPr id="6" name="Picture 5">
+            <a:extLst>
+              <a:ext uri="{FF2B5EF4-FFF2-40B4-BE49-F238E27FC236}">
+                <a16:creationId xmlns:a16="http://schemas.microsoft.com/office/drawing/2014/main" id="{21E7C558-BF76-3B25-160A-34080317BC74}"/>
+              </a:ext>
+            </a:extLst>
+          </p:cNvPr>
+          <p:cNvPicPr>
+            <a:picLocks noChangeAspect="1"/>
+          </p:cNvPicPr>
+          <p:nvPr/>
+        </p:nvPicPr>
+        <p:blipFill>
+          <a:blip r:embed="rId3"/>
+          <a:stretch>
+            <a:fillRect/>
+          </a:stretch>
+        </p:blipFill>
+        <p:spPr>
+          <a:xfrm>
+            <a:off x="685800" y="1202170"/>
+            <a:ext cx="10223630" cy="4208029"/>
+          </a:xfrm>
+          <a:prstGeom prst="rect">
+            <a:avLst/>
+          </a:prstGeom>
+        </p:spPr>
+      </p:pic>
+    </p:spTree>
+    <p:extLst>
+      <p:ext uri="{BB962C8B-B14F-4D97-AF65-F5344CB8AC3E}">
+        <p14:creationId xmlns:p14="http://schemas.microsoft.com/office/powerpoint/2010/main" val="2479680620"/>
+      </p:ext>
+    </p:extLst>
+  </p:cSld>
+  <p:clrMapOvr>
+    <a:masterClrMapping/>
+  </p:clrMapOvr>
+</p:sld>
+</file>
+
+<file path=ppt/slides/slide21.xml><?xml version="1.0" encoding="utf-8"?>
+<p:sld xmlns:a="http://schemas.openxmlformats.org/drawingml/2006/main" xmlns:r="http://schemas.openxmlformats.org/officeDocument/2006/relationships" xmlns:p="http://schemas.openxmlformats.org/presentationml/2006/main">
+  <p:cSld>
+    <p:spTree>
+      <p:nvGrpSpPr>
+        <p:cNvPr id="1" name=""/>
+        <p:cNvGrpSpPr/>
+        <p:nvPr/>
+      </p:nvGrpSpPr>
+      <p:grpSpPr>
+        <a:xfrm>
+          <a:off x="0" y="0"/>
+          <a:ext cx="0" cy="0"/>
+          <a:chOff x="0" y="0"/>
+          <a:chExt cx="0" cy="0"/>
+        </a:xfrm>
+      </p:grpSpPr>
+      <p:sp>
+        <p:nvSpPr>
+          <p:cNvPr id="2" name="Title 1"/>
+          <p:cNvSpPr>
+            <a:spLocks noGrp="1"/>
+          </p:cNvSpPr>
+          <p:nvPr>
+            <p:ph type="title"/>
+          </p:nvPr>
+        </p:nvSpPr>
+        <p:spPr>
+          <a:xfrm>
+            <a:off x="609600" y="337392"/>
+            <a:ext cx="10439400" cy="624840"/>
+          </a:xfrm>
+        </p:spPr>
+        <p:txBody>
+          <a:bodyPr>
+            <a:noAutofit/>
+          </a:bodyPr>
+          <a:lstStyle/>
+          <a:p>
+            <a:r>
+              <a:rPr lang="en-US" sz="3600" dirty="0">
+                <a:latin typeface="Times New Roman" panose="02020603050405020304" pitchFamily="18" charset="0"/>
+                <a:cs typeface="Times New Roman" panose="02020603050405020304" pitchFamily="18" charset="0"/>
+              </a:rPr>
+              <a:t>Estimating Probabilities: Log(Odds)</a:t>
+            </a:r>
+          </a:p>
+        </p:txBody>
+      </p:sp>
+      <p:pic>
+        <p:nvPicPr>
+          <p:cNvPr id="4" name="Picture 3">
+            <a:extLst>
+              <a:ext uri="{FF2B5EF4-FFF2-40B4-BE49-F238E27FC236}">
+                <a16:creationId xmlns:a16="http://schemas.microsoft.com/office/drawing/2014/main" id="{846C7293-360E-3624-0789-B5A891DD32A2}"/>
+              </a:ext>
+            </a:extLst>
+          </p:cNvPr>
+          <p:cNvPicPr>
+            <a:picLocks noChangeAspect="1"/>
+          </p:cNvPicPr>
+          <p:nvPr/>
+        </p:nvPicPr>
+        <p:blipFill>
+          <a:blip r:embed="rId3"/>
+          <a:stretch>
+            <a:fillRect/>
+          </a:stretch>
+        </p:blipFill>
+        <p:spPr>
+          <a:xfrm>
+            <a:off x="692347" y="1295400"/>
+            <a:ext cx="10228344" cy="4038600"/>
+          </a:xfrm>
+          <a:prstGeom prst="rect">
+            <a:avLst/>
+          </a:prstGeom>
+        </p:spPr>
+      </p:pic>
+    </p:spTree>
+    <p:extLst>
+      <p:ext uri="{BB962C8B-B14F-4D97-AF65-F5344CB8AC3E}">
+        <p14:creationId xmlns:p14="http://schemas.microsoft.com/office/powerpoint/2010/main" val="413823728"/>
+      </p:ext>
+    </p:extLst>
+  </p:cSld>
+  <p:clrMapOvr>
+    <a:masterClrMapping/>
+  </p:clrMapOvr>
+</p:sld>
+</file>
+
+<file path=ppt/slides/slide22.xml><?xml version="1.0" encoding="utf-8"?>
 <p:sld xmlns:a="http://schemas.openxmlformats.org/drawingml/2006/main" xmlns:r="http://schemas.openxmlformats.org/officeDocument/2006/relationships" xmlns:p="http://schemas.openxmlformats.org/presentationml/2006/main">
   <p:cSld>
     <p:spTree>
@@ -12222,7 +13184,7 @@
 </p:sld>
 </file>
 
-<file path=ppt/slides/slide19.xml><?xml version="1.0" encoding="utf-8"?>
+<file path=ppt/slides/slide23.xml><?xml version="1.0" encoding="utf-8"?>
 <p:sld xmlns:a="http://schemas.openxmlformats.org/drawingml/2006/main" xmlns:r="http://schemas.openxmlformats.org/officeDocument/2006/relationships" xmlns:p="http://schemas.openxmlformats.org/presentationml/2006/main">
   <p:cSld>
     <p:spTree>
@@ -12830,221 +13792,7 @@
 </p:sld>
 </file>
 
-<file path=ppt/slides/slide2.xml><?xml version="1.0" encoding="utf-8"?>
-<p:sld xmlns:a="http://schemas.openxmlformats.org/drawingml/2006/main" xmlns:r="http://schemas.openxmlformats.org/officeDocument/2006/relationships" xmlns:p="http://schemas.openxmlformats.org/presentationml/2006/main">
-  <p:cSld>
-    <p:spTree>
-      <p:nvGrpSpPr>
-        <p:cNvPr id="1" name=""/>
-        <p:cNvGrpSpPr/>
-        <p:nvPr/>
-      </p:nvGrpSpPr>
-      <p:grpSpPr>
-        <a:xfrm>
-          <a:off x="0" y="0"/>
-          <a:ext cx="0" cy="0"/>
-          <a:chOff x="0" y="0"/>
-          <a:chExt cx="0" cy="0"/>
-        </a:xfrm>
-      </p:grpSpPr>
-      <p:sp>
-        <p:nvSpPr>
-          <p:cNvPr id="3" name="Content Placeholder 2">
-            <a:extLst>
-              <a:ext uri="{FF2B5EF4-FFF2-40B4-BE49-F238E27FC236}">
-                <a16:creationId xmlns:a16="http://schemas.microsoft.com/office/drawing/2014/main" id="{8BFAC18E-4064-A1FE-C1EB-5D23F1DFAD23}"/>
-              </a:ext>
-            </a:extLst>
-          </p:cNvPr>
-          <p:cNvSpPr>
-            <a:spLocks noGrp="1"/>
-          </p:cNvSpPr>
-          <p:nvPr>
-            <p:ph idx="1"/>
-          </p:nvPr>
-        </p:nvSpPr>
-        <p:spPr>
-          <a:xfrm>
-            <a:off x="914400" y="1119952"/>
-            <a:ext cx="9984829" cy="5357048"/>
-          </a:xfrm>
-        </p:spPr>
-        <p:txBody>
-          <a:bodyPr vert="horz" lIns="91440" tIns="45720" rIns="91440" bIns="45720" rtlCol="0" anchor="t">
-            <a:normAutofit/>
-          </a:bodyPr>
-          <a:lstStyle/>
-          <a:p>
-            <a:r>
-              <a:rPr lang="en-US" sz="2400" dirty="0">
-                <a:latin typeface="Times New Roman"/>
-                <a:cs typeface="Times New Roman"/>
-              </a:rPr>
-              <a:t>A </a:t>
-            </a:r>
-            <a:r>
-              <a:rPr lang="en-US" sz="2400" b="1" dirty="0">
-                <a:latin typeface="Times New Roman"/>
-                <a:cs typeface="Times New Roman"/>
-              </a:rPr>
-              <a:t>front door approach </a:t>
-            </a:r>
-            <a:r>
-              <a:rPr lang="en-US" sz="2400" dirty="0">
-                <a:latin typeface="Times New Roman"/>
-                <a:cs typeface="Times New Roman"/>
-              </a:rPr>
-              <a:t>to handle selection on </a:t>
-            </a:r>
-            <a:r>
-              <a:rPr lang="en-US" sz="2400" dirty="0" err="1">
-                <a:latin typeface="Times New Roman"/>
-                <a:cs typeface="Times New Roman"/>
-              </a:rPr>
-              <a:t>unobservables</a:t>
-            </a:r>
-            <a:r>
-              <a:rPr lang="en-US" sz="2400" dirty="0">
-                <a:latin typeface="Times New Roman"/>
-                <a:cs typeface="Times New Roman"/>
-              </a:rPr>
-              <a:t>.</a:t>
-            </a:r>
-          </a:p>
-          <a:p>
-            <a:r>
-              <a:rPr lang="en-US" sz="2400" dirty="0">
-                <a:latin typeface="Times New Roman"/>
-                <a:cs typeface="Times New Roman"/>
-              </a:rPr>
-              <a:t>Mimicking an experiment with real-world randomization</a:t>
-            </a:r>
-          </a:p>
-          <a:p>
-            <a:r>
-              <a:rPr lang="en-US" sz="2400" dirty="0">
-                <a:latin typeface="Times New Roman"/>
-                <a:cs typeface="Times New Roman"/>
-              </a:rPr>
-              <a:t>Has some limitations: </a:t>
-            </a:r>
-          </a:p>
-          <a:p>
-            <a:pPr lvl="1"/>
-            <a:r>
-              <a:rPr lang="en-US" sz="2400" dirty="0">
-                <a:latin typeface="Times New Roman"/>
-                <a:cs typeface="Times New Roman"/>
-              </a:rPr>
-              <a:t>First, it only identifies the LATE, which may or may not be policy relevant</a:t>
-            </a:r>
-            <a:endParaRPr lang="en-US" sz="2400" dirty="0">
-              <a:solidFill>
-                <a:srgbClr val="000000"/>
-              </a:solidFill>
-              <a:latin typeface="Times New Roman"/>
-              <a:cs typeface="Times New Roman"/>
-            </a:endParaRPr>
-          </a:p>
-          <a:p>
-            <a:pPr lvl="1"/>
-            <a:r>
-              <a:rPr lang="en-US" sz="2400" dirty="0">
-                <a:latin typeface="Times New Roman"/>
-                <a:cs typeface="Times New Roman"/>
-              </a:rPr>
-              <a:t>IV has up to five (untestable) assumptions! </a:t>
-            </a:r>
-            <a:endParaRPr lang="en-US" sz="2400" dirty="0">
-              <a:solidFill>
-                <a:srgbClr val="262626"/>
-              </a:solidFill>
-              <a:cs typeface="Times New Roman"/>
-            </a:endParaRPr>
-          </a:p>
-          <a:p>
-            <a:pPr lvl="1">
-              <a:buFont typeface="Wingdings 2"/>
-              <a:buChar char=""/>
-            </a:pPr>
-            <a:endParaRPr lang="en-US" sz="2400" dirty="0">
-              <a:cs typeface="Times New Roman"/>
-            </a:endParaRPr>
-          </a:p>
-        </p:txBody>
-      </p:sp>
-      <p:sp>
-        <p:nvSpPr>
-          <p:cNvPr id="5" name="Title 1">
-            <a:extLst>
-              <a:ext uri="{FF2B5EF4-FFF2-40B4-BE49-F238E27FC236}">
-                <a16:creationId xmlns:a16="http://schemas.microsoft.com/office/drawing/2014/main" id="{EF3111ED-61A2-2123-0D2A-EFDD981A07C2}"/>
-              </a:ext>
-            </a:extLst>
-          </p:cNvPr>
-          <p:cNvSpPr txBox="1">
-            <a:spLocks/>
-          </p:cNvSpPr>
-          <p:nvPr/>
-        </p:nvSpPr>
-        <p:spPr>
-          <a:xfrm>
-            <a:off x="609600" y="337392"/>
-            <a:ext cx="10439400" cy="624840"/>
-          </a:xfrm>
-          <a:prstGeom prst="rect">
-            <a:avLst/>
-          </a:prstGeom>
-        </p:spPr>
-        <p:txBody>
-          <a:bodyPr vert="horz" lIns="91440" tIns="45720" rIns="91440" bIns="45720" rtlCol="0" anchor="b">
-            <a:noAutofit/>
-          </a:bodyPr>
-          <a:lstStyle>
-            <a:lvl1pPr algn="l" defTabSz="914400" rtl="0" eaLnBrk="1" latinLnBrk="0" hangingPunct="1">
-              <a:lnSpc>
-                <a:spcPct val="90000"/>
-              </a:lnSpc>
-              <a:spcBef>
-                <a:spcPct val="0"/>
-              </a:spcBef>
-              <a:buNone/>
-              <a:defRPr sz="4400" kern="1200" spc="-50" baseline="0">
-                <a:solidFill>
-                  <a:schemeClr val="tx1"/>
-                </a:solidFill>
-                <a:latin typeface="Times New Roman" panose="02020603050405020304" pitchFamily="18" charset="0"/>
-                <a:ea typeface="+mj-ea"/>
-                <a:cs typeface="+mj-cs"/>
-              </a:defRPr>
-            </a:lvl1pPr>
-          </a:lstStyle>
-          <a:p>
-            <a:r>
-              <a:rPr lang="en-US" sz="3600" dirty="0">
-                <a:latin typeface="Times New Roman"/>
-                <a:cs typeface="Times New Roman"/>
-              </a:rPr>
-              <a:t>Last Time: Instrumental Variables</a:t>
-            </a:r>
-            <a:endParaRPr lang="en-US" dirty="0"/>
-          </a:p>
-        </p:txBody>
-      </p:sp>
-    </p:spTree>
-    <p:extLst>
-      <p:ext uri="{BB962C8B-B14F-4D97-AF65-F5344CB8AC3E}">
-        <p14:creationId xmlns:p14="http://schemas.microsoft.com/office/powerpoint/2010/main" val="4228788629"/>
-      </p:ext>
-    </p:extLst>
-  </p:cSld>
-  <p:clrMapOvr>
-    <a:masterClrMapping/>
-  </p:clrMapOvr>
-</p:sld>
-</file>
-
-<file path=ppt/slides/slide20.xml><?xml version="1.0" encoding="utf-8"?>
+<file path=ppt/slides/slide24.xml><?xml version="1.0" encoding="utf-8"?>
 <p:sld xmlns:a="http://schemas.openxmlformats.org/drawingml/2006/main" xmlns:r="http://schemas.openxmlformats.org/officeDocument/2006/relationships" xmlns:p="http://schemas.openxmlformats.org/presentationml/2006/main">
   <p:cSld>
     <p:spTree>
@@ -13093,8 +13841,8 @@
           </a:p>
         </p:txBody>
       </p:sp>
-      <mc:AlternateContent xmlns:mc="http://schemas.openxmlformats.org/markup-compatibility/2006">
-        <mc:Choice xmlns:a14="http://schemas.microsoft.com/office/drawing/2010/main" Requires="a14">
+      <mc:AlternateContent xmlns:mc="http://schemas.openxmlformats.org/markup-compatibility/2006" xmlns:a14="http://schemas.microsoft.com/office/drawing/2010/main">
+        <mc:Choice Requires="a14">
           <p:sp>
             <p:nvSpPr>
               <p:cNvPr id="3" name="Content Placeholder 2"/>
@@ -13807,7 +14555,7 @@
             </p:txBody>
           </p:sp>
         </mc:Choice>
-        <mc:Fallback>
+        <mc:Fallback xmlns="">
           <p:sp>
             <p:nvSpPr>
               <p:cNvPr id="3" name="Content Placeholder 2"/>
@@ -13858,7 +14606,7 @@
 </p:sld>
 </file>
 
-<file path=ppt/slides/slide21.xml><?xml version="1.0" encoding="utf-8"?>
+<file path=ppt/slides/slide25.xml><?xml version="1.0" encoding="utf-8"?>
 <p:sld xmlns:a="http://schemas.openxmlformats.org/drawingml/2006/main" xmlns:r="http://schemas.openxmlformats.org/officeDocument/2006/relationships" xmlns:p="http://schemas.openxmlformats.org/presentationml/2006/main">
   <p:cSld>
     <p:spTree>
@@ -13907,8 +14655,8 @@
           </a:p>
         </p:txBody>
       </p:sp>
-      <mc:AlternateContent xmlns:mc="http://schemas.openxmlformats.org/markup-compatibility/2006">
-        <mc:Choice xmlns:a14="http://schemas.microsoft.com/office/drawing/2010/main" Requires="a14">
+      <mc:AlternateContent xmlns:mc="http://schemas.openxmlformats.org/markup-compatibility/2006" xmlns:a14="http://schemas.microsoft.com/office/drawing/2010/main">
+        <mc:Choice Requires="a14">
           <p:sp>
             <p:nvSpPr>
               <p:cNvPr id="3" name="Content Placeholder 2"/>
@@ -14680,7 +15428,7 @@
             </p:txBody>
           </p:sp>
         </mc:Choice>
-        <mc:Fallback>
+        <mc:Fallback xmlns="">
           <p:sp>
             <p:nvSpPr>
               <p:cNvPr id="3" name="Content Placeholder 2"/>
@@ -14731,7 +15479,7 @@
 </p:sld>
 </file>
 
-<file path=ppt/slides/slide22.xml><?xml version="1.0" encoding="utf-8"?>
+<file path=ppt/slides/slide26.xml><?xml version="1.0" encoding="utf-8"?>
 <p:sld xmlns:a="http://schemas.openxmlformats.org/drawingml/2006/main" xmlns:r="http://schemas.openxmlformats.org/officeDocument/2006/relationships" xmlns:p="http://schemas.openxmlformats.org/presentationml/2006/main">
   <p:cSld>
     <p:spTree>
@@ -14932,7 +15680,7 @@
 </p:sld>
 </file>
 
-<file path=ppt/slides/slide23.xml><?xml version="1.0" encoding="utf-8"?>
+<file path=ppt/slides/slide27.xml><?xml version="1.0" encoding="utf-8"?>
 <p:sld xmlns:a="http://schemas.openxmlformats.org/drawingml/2006/main" xmlns:r="http://schemas.openxmlformats.org/officeDocument/2006/relationships" xmlns:p="http://schemas.openxmlformats.org/presentationml/2006/main">
   <p:cSld>
     <p:spTree>
@@ -15133,7 +15881,7 @@
 </p:sld>
 </file>
 
-<file path=ppt/slides/slide24.xml><?xml version="1.0" encoding="utf-8"?>
+<file path=ppt/slides/slide28.xml><?xml version="1.0" encoding="utf-8"?>
 <p:sld xmlns:a="http://schemas.openxmlformats.org/drawingml/2006/main" xmlns:r="http://schemas.openxmlformats.org/officeDocument/2006/relationships" xmlns:p="http://schemas.openxmlformats.org/presentationml/2006/main">
   <p:cSld>
     <p:spTree>
@@ -15568,7 +16316,7 @@
 </p:sld>
 </file>
 
-<file path=ppt/slides/slide25.xml><?xml version="1.0" encoding="utf-8"?>
+<file path=ppt/slides/slide29.xml><?xml version="1.0" encoding="utf-8"?>
 <p:sld xmlns:a="http://schemas.openxmlformats.org/drawingml/2006/main" xmlns:r="http://schemas.openxmlformats.org/officeDocument/2006/relationships" xmlns:p="http://schemas.openxmlformats.org/presentationml/2006/main">
   <p:cSld>
     <p:spTree>
@@ -15628,8 +16376,8 @@
           </a:p>
         </p:txBody>
       </p:sp>
-      <mc:AlternateContent xmlns:mc="http://schemas.openxmlformats.org/markup-compatibility/2006">
-        <mc:Choice xmlns:a14="http://schemas.microsoft.com/office/drawing/2010/main" Requires="a14">
+      <mc:AlternateContent xmlns:mc="http://schemas.openxmlformats.org/markup-compatibility/2006" xmlns:a14="http://schemas.microsoft.com/office/drawing/2010/main">
+        <mc:Choice Requires="a14">
           <p:sp>
             <p:nvSpPr>
               <p:cNvPr id="3" name="Content Placeholder 2"/>
@@ -16097,7 +16845,7 @@
             </p:txBody>
           </p:sp>
         </mc:Choice>
-        <mc:Fallback>
+        <mc:Fallback xmlns="">
           <p:sp>
             <p:nvSpPr>
               <p:cNvPr id="3" name="Content Placeholder 2"/>
@@ -16148,7 +16896,375 @@
 </p:sld>
 </file>
 
-<file path=ppt/slides/slide26.xml><?xml version="1.0" encoding="utf-8"?>
+<file path=ppt/slides/slide3.xml><?xml version="1.0" encoding="utf-8"?>
+<p:sld xmlns:a="http://schemas.openxmlformats.org/drawingml/2006/main" xmlns:r="http://schemas.openxmlformats.org/officeDocument/2006/relationships" xmlns:p="http://schemas.openxmlformats.org/presentationml/2006/main">
+  <p:cSld>
+    <p:spTree>
+      <p:nvGrpSpPr>
+        <p:cNvPr id="1" name=""/>
+        <p:cNvGrpSpPr/>
+        <p:nvPr/>
+      </p:nvGrpSpPr>
+      <p:grpSpPr>
+        <a:xfrm>
+          <a:off x="0" y="0"/>
+          <a:ext cx="0" cy="0"/>
+          <a:chOff x="0" y="0"/>
+          <a:chExt cx="0" cy="0"/>
+        </a:xfrm>
+      </p:grpSpPr>
+      <mc:AlternateContent xmlns:mc="http://schemas.openxmlformats.org/markup-compatibility/2006" xmlns:a14="http://schemas.microsoft.com/office/drawing/2010/main">
+        <mc:Choice Requires="a14">
+          <p:sp>
+            <p:nvSpPr>
+              <p:cNvPr id="3" name="Content Placeholder 2">
+                <a:extLst>
+                  <a:ext uri="{FF2B5EF4-FFF2-40B4-BE49-F238E27FC236}">
+                    <a16:creationId xmlns:a16="http://schemas.microsoft.com/office/drawing/2014/main" id="{8BFAC18E-4064-A1FE-C1EB-5D23F1DFAD23}"/>
+                  </a:ext>
+                </a:extLst>
+              </p:cNvPr>
+              <p:cNvSpPr>
+                <a:spLocks noGrp="1"/>
+              </p:cNvSpPr>
+              <p:nvPr>
+                <p:ph idx="1"/>
+              </p:nvPr>
+            </p:nvSpPr>
+            <p:spPr>
+              <a:xfrm>
+                <a:off x="914400" y="1119952"/>
+                <a:ext cx="9984829" cy="5357048"/>
+              </a:xfrm>
+            </p:spPr>
+            <p:txBody>
+              <a:bodyPr vert="horz" lIns="91440" tIns="45720" rIns="91440" bIns="45720" rtlCol="0" anchor="t">
+                <a:normAutofit/>
+              </a:bodyPr>
+              <a:lstStyle/>
+              <a:p>
+                <a:r>
+                  <a:rPr lang="en-US" sz="2400" dirty="0">
+                    <a:latin typeface="Times New Roman"/>
+                    <a:cs typeface="Times New Roman"/>
+                  </a:rPr>
+                  <a:t>A </a:t>
+                </a:r>
+                <a:r>
+                  <a:rPr lang="en-US" sz="2400" b="1" dirty="0">
+                    <a:latin typeface="Times New Roman"/>
+                    <a:cs typeface="Times New Roman"/>
+                  </a:rPr>
+                  <a:t>front door approach </a:t>
+                </a:r>
+                <a:r>
+                  <a:rPr lang="en-US" sz="2400" dirty="0">
+                    <a:latin typeface="Times New Roman"/>
+                    <a:cs typeface="Times New Roman"/>
+                  </a:rPr>
+                  <a:t>to handle selection on </a:t>
+                </a:r>
+                <a:r>
+                  <a:rPr lang="en-US" sz="2400" dirty="0" err="1">
+                    <a:latin typeface="Times New Roman"/>
+                    <a:cs typeface="Times New Roman"/>
+                  </a:rPr>
+                  <a:t>unobservables</a:t>
+                </a:r>
+                <a:r>
+                  <a:rPr lang="en-US" sz="2400" dirty="0">
+                    <a:latin typeface="Times New Roman"/>
+                    <a:cs typeface="Times New Roman"/>
+                  </a:rPr>
+                  <a:t>.</a:t>
+                </a:r>
+              </a:p>
+              <a:p>
+                <a:r>
+                  <a:rPr lang="en-US" sz="2400" dirty="0">
+                    <a:latin typeface="Times New Roman"/>
+                    <a:cs typeface="Times New Roman"/>
+                  </a:rPr>
+                  <a:t>Mimicking an experiment with real-world randomization</a:t>
+                </a:r>
+              </a:p>
+              <a:p>
+                <a:r>
+                  <a:rPr lang="en-US" sz="2400" dirty="0">
+                    <a:latin typeface="Times New Roman"/>
+                    <a:cs typeface="Times New Roman"/>
+                  </a:rPr>
+                  <a:t>Has some limitations: </a:t>
+                </a:r>
+              </a:p>
+              <a:p>
+                <a:pPr lvl="1"/>
+                <a:r>
+                  <a:rPr lang="en-US" sz="2400" dirty="0">
+                    <a:latin typeface="Times New Roman"/>
+                    <a:cs typeface="Times New Roman"/>
+                  </a:rPr>
+                  <a:t>First, it only identifies the LATE under heterogeneous treatment effects, and that may or may not be a policy relevant variable.</a:t>
+                </a:r>
+                <a:endParaRPr lang="en-US" sz="2400" dirty="0">
+                  <a:solidFill>
+                    <a:srgbClr val="000000"/>
+                  </a:solidFill>
+                  <a:latin typeface="Times New Roman"/>
+                  <a:cs typeface="Times New Roman"/>
+                </a:endParaRPr>
+              </a:p>
+              <a:p>
+                <a:pPr lvl="1"/>
+                <a:r>
+                  <a:rPr lang="en-US" sz="2400" dirty="0">
+                    <a:latin typeface="Times New Roman"/>
+                    <a:cs typeface="Times New Roman"/>
+                  </a:rPr>
+                  <a:t>IV has up to five (untestable) assumptions! </a:t>
+                </a:r>
+              </a:p>
+              <a:p>
+                <a:pPr lvl="1"/>
+                <a:endParaRPr lang="en-US" sz="2400" dirty="0">
+                  <a:solidFill>
+                    <a:srgbClr val="262626"/>
+                  </a:solidFill>
+                  <a:latin typeface="Times New Roman"/>
+                  <a:cs typeface="Times New Roman"/>
+                </a:endParaRPr>
+              </a:p>
+              <a:p>
+                <a:pPr lvl="1"/>
+                <a:endParaRPr lang="en-US" sz="2400" dirty="0">
+                  <a:solidFill>
+                    <a:srgbClr val="262626"/>
+                  </a:solidFill>
+                  <a:latin typeface="Times New Roman"/>
+                  <a:cs typeface="Times New Roman"/>
+                </a:endParaRPr>
+              </a:p>
+              <a:p>
+                <a:r>
+                  <a:rPr lang="en-US" sz="2600" dirty="0">
+                    <a:solidFill>
+                      <a:srgbClr val="262626"/>
+                    </a:solidFill>
+                    <a:latin typeface="Times New Roman"/>
+                    <a:cs typeface="Times New Roman"/>
+                  </a:rPr>
+                  <a:t>What do you do when </a:t>
+                </a:r>
+                <a14:m>
+                  <m:oMath xmlns:m="http://schemas.openxmlformats.org/officeDocument/2006/math">
+                    <m:r>
+                      <a:rPr lang="en-US" sz="2600" b="0" i="1" smtClean="0">
+                        <a:solidFill>
+                          <a:srgbClr val="262626"/>
+                        </a:solidFill>
+                        <a:latin typeface="Cambria Math" panose="02040503050406030204" pitchFamily="18" charset="0"/>
+                        <a:cs typeface="Times New Roman"/>
+                      </a:rPr>
+                      <m:t>𝑌</m:t>
+                    </m:r>
+                  </m:oMath>
+                </a14:m>
+                <a:r>
+                  <a:rPr lang="en-US" sz="2600" dirty="0">
+                    <a:solidFill>
+                      <a:srgbClr val="262626"/>
+                    </a:solidFill>
+                    <a:cs typeface="Times New Roman"/>
+                  </a:rPr>
+                  <a:t> is not continuous? How does that change approaches?</a:t>
+                </a:r>
+              </a:p>
+              <a:p>
+                <a:pPr lvl="1">
+                  <a:buFont typeface="Wingdings 2"/>
+                  <a:buChar char=""/>
+                </a:pPr>
+                <a:endParaRPr lang="en-US" sz="2400" dirty="0">
+                  <a:cs typeface="Times New Roman"/>
+                </a:endParaRPr>
+              </a:p>
+            </p:txBody>
+          </p:sp>
+        </mc:Choice>
+        <mc:Fallback xmlns="">
+          <p:sp>
+            <p:nvSpPr>
+              <p:cNvPr id="3" name="Content Placeholder 2">
+                <a:extLst>
+                  <a:ext uri="{FF2B5EF4-FFF2-40B4-BE49-F238E27FC236}">
+                    <a16:creationId xmlns:a16="http://schemas.microsoft.com/office/drawing/2014/main" id="{8BFAC18E-4064-A1FE-C1EB-5D23F1DFAD23}"/>
+                  </a:ext>
+                </a:extLst>
+              </p:cNvPr>
+              <p:cNvSpPr>
+                <a:spLocks noGrp="1" noRot="1" noChangeAspect="1" noMove="1" noResize="1" noEditPoints="1" noAdjustHandles="1" noChangeArrowheads="1" noChangeShapeType="1" noTextEdit="1"/>
+              </p:cNvSpPr>
+              <p:nvPr>
+                <p:ph idx="1"/>
+              </p:nvPr>
+            </p:nvSpPr>
+            <p:spPr>
+              <a:xfrm>
+                <a:off x="914400" y="1119952"/>
+                <a:ext cx="9984829" cy="5357048"/>
+              </a:xfrm>
+              <a:blipFill>
+                <a:blip r:embed="rId3"/>
+                <a:stretch>
+                  <a:fillRect l="-549" t="-1251" r="-977"/>
+                </a:stretch>
+              </a:blipFill>
+            </p:spPr>
+            <p:txBody>
+              <a:bodyPr/>
+              <a:lstStyle/>
+              <a:p>
+                <a:r>
+                  <a:rPr lang="en-US">
+                    <a:noFill/>
+                  </a:rPr>
+                  <a:t> </a:t>
+                </a:r>
+              </a:p>
+            </p:txBody>
+          </p:sp>
+        </mc:Fallback>
+      </mc:AlternateContent>
+      <p:sp>
+        <p:nvSpPr>
+          <p:cNvPr id="5" name="Title 1">
+            <a:extLst>
+              <a:ext uri="{FF2B5EF4-FFF2-40B4-BE49-F238E27FC236}">
+                <a16:creationId xmlns:a16="http://schemas.microsoft.com/office/drawing/2014/main" id="{EF3111ED-61A2-2123-0D2A-EFDD981A07C2}"/>
+              </a:ext>
+            </a:extLst>
+          </p:cNvPr>
+          <p:cNvSpPr txBox="1">
+            <a:spLocks/>
+          </p:cNvSpPr>
+          <p:nvPr/>
+        </p:nvSpPr>
+        <p:spPr>
+          <a:xfrm>
+            <a:off x="609600" y="337392"/>
+            <a:ext cx="10439400" cy="624840"/>
+          </a:xfrm>
+          <a:prstGeom prst="rect">
+            <a:avLst/>
+          </a:prstGeom>
+        </p:spPr>
+        <p:txBody>
+          <a:bodyPr vert="horz" lIns="91440" tIns="45720" rIns="91440" bIns="45720" rtlCol="0" anchor="b">
+            <a:noAutofit/>
+          </a:bodyPr>
+          <a:lstStyle>
+            <a:lvl1pPr algn="l" defTabSz="914400" rtl="0" eaLnBrk="1" latinLnBrk="0" hangingPunct="1">
+              <a:lnSpc>
+                <a:spcPct val="90000"/>
+              </a:lnSpc>
+              <a:spcBef>
+                <a:spcPct val="0"/>
+              </a:spcBef>
+              <a:buNone/>
+              <a:defRPr sz="4400" kern="1200" spc="-50" baseline="0">
+                <a:solidFill>
+                  <a:schemeClr val="tx1"/>
+                </a:solidFill>
+                <a:latin typeface="Times New Roman" panose="02020603050405020304" pitchFamily="18" charset="0"/>
+                <a:ea typeface="+mj-ea"/>
+                <a:cs typeface="+mj-cs"/>
+              </a:defRPr>
+            </a:lvl1pPr>
+          </a:lstStyle>
+          <a:p>
+            <a:r>
+              <a:rPr lang="en-US" sz="3600" dirty="0">
+                <a:latin typeface="Times New Roman"/>
+                <a:cs typeface="Times New Roman"/>
+              </a:rPr>
+              <a:t>Last Time: Instrumental Variables</a:t>
+            </a:r>
+            <a:endParaRPr lang="en-US" dirty="0"/>
+          </a:p>
+        </p:txBody>
+      </p:sp>
+      <p:sp>
+        <p:nvSpPr>
+          <p:cNvPr id="4" name="Title 1">
+            <a:extLst>
+              <a:ext uri="{FF2B5EF4-FFF2-40B4-BE49-F238E27FC236}">
+                <a16:creationId xmlns:a16="http://schemas.microsoft.com/office/drawing/2014/main" id="{66D88018-A2D6-33DA-4F0F-340FD6CC732C}"/>
+              </a:ext>
+            </a:extLst>
+          </p:cNvPr>
+          <p:cNvSpPr txBox="1">
+            <a:spLocks/>
+          </p:cNvSpPr>
+          <p:nvPr/>
+        </p:nvSpPr>
+        <p:spPr>
+          <a:xfrm>
+            <a:off x="609600" y="3962400"/>
+            <a:ext cx="10439400" cy="624840"/>
+          </a:xfrm>
+          <a:prstGeom prst="rect">
+            <a:avLst/>
+          </a:prstGeom>
+        </p:spPr>
+        <p:txBody>
+          <a:bodyPr vert="horz" lIns="91440" tIns="45720" rIns="91440" bIns="45720" rtlCol="0" anchor="b">
+            <a:noAutofit/>
+          </a:bodyPr>
+          <a:lstStyle>
+            <a:lvl1pPr algn="l" defTabSz="914400" rtl="0" eaLnBrk="1" latinLnBrk="0" hangingPunct="1">
+              <a:lnSpc>
+                <a:spcPct val="90000"/>
+              </a:lnSpc>
+              <a:spcBef>
+                <a:spcPct val="0"/>
+              </a:spcBef>
+              <a:buNone/>
+              <a:defRPr sz="4400" kern="1200" spc="-50" baseline="0">
+                <a:solidFill>
+                  <a:schemeClr val="tx1"/>
+                </a:solidFill>
+                <a:latin typeface="Times New Roman" panose="02020603050405020304" pitchFamily="18" charset="0"/>
+                <a:ea typeface="+mj-ea"/>
+                <a:cs typeface="+mj-cs"/>
+              </a:defRPr>
+            </a:lvl1pPr>
+          </a:lstStyle>
+          <a:p>
+            <a:r>
+              <a:rPr lang="en-US" sz="3600" dirty="0">
+                <a:latin typeface="Times New Roman"/>
+                <a:cs typeface="Times New Roman"/>
+              </a:rPr>
+              <a:t>This Time: Limited Dependent Variables</a:t>
+            </a:r>
+            <a:endParaRPr lang="en-US" dirty="0"/>
+          </a:p>
+        </p:txBody>
+      </p:sp>
+    </p:spTree>
+    <p:extLst>
+      <p:ext uri="{BB962C8B-B14F-4D97-AF65-F5344CB8AC3E}">
+        <p14:creationId xmlns:p14="http://schemas.microsoft.com/office/powerpoint/2010/main" val="1286152431"/>
+      </p:ext>
+    </p:extLst>
+  </p:cSld>
+  <p:clrMapOvr>
+    <a:masterClrMapping/>
+  </p:clrMapOvr>
+</p:sld>
+</file>
+
+<file path=ppt/slides/slide30.xml><?xml version="1.0" encoding="utf-8"?>
 <p:sld xmlns:a="http://schemas.openxmlformats.org/drawingml/2006/main" xmlns:r="http://schemas.openxmlformats.org/officeDocument/2006/relationships" xmlns:p="http://schemas.openxmlformats.org/presentationml/2006/main">
   <p:cSld>
     <p:spTree>
@@ -16211,8 +17327,8 @@
           </a:p>
         </p:txBody>
       </p:sp>
-      <mc:AlternateContent xmlns:mc="http://schemas.openxmlformats.org/markup-compatibility/2006">
-        <mc:Choice xmlns:a14="http://schemas.microsoft.com/office/drawing/2010/main" Requires="a14">
+      <mc:AlternateContent xmlns:mc="http://schemas.openxmlformats.org/markup-compatibility/2006" xmlns:a14="http://schemas.microsoft.com/office/drawing/2010/main">
+        <mc:Choice Requires="a14">
           <p:sp>
             <p:nvSpPr>
               <p:cNvPr id="3" name="Content Placeholder 2"/>
@@ -16486,7 +17602,7 @@
             </p:txBody>
           </p:sp>
         </mc:Choice>
-        <mc:Fallback>
+        <mc:Fallback xmlns="">
           <p:sp>
             <p:nvSpPr>
               <p:cNvPr id="3" name="Content Placeholder 2"/>
@@ -16584,7 +17700,7 @@
 </p:sld>
 </file>
 
-<file path=ppt/slides/slide27.xml><?xml version="1.0" encoding="utf-8"?>
+<file path=ppt/slides/slide31.xml><?xml version="1.0" encoding="utf-8"?>
 <p:sld xmlns:a="http://schemas.openxmlformats.org/drawingml/2006/main" xmlns:r="http://schemas.openxmlformats.org/officeDocument/2006/relationships" xmlns:p="http://schemas.openxmlformats.org/presentationml/2006/main">
   <p:cSld>
     <p:spTree>
@@ -16647,8 +17763,8 @@
           </a:p>
         </p:txBody>
       </p:sp>
-      <mc:AlternateContent xmlns:mc="http://schemas.openxmlformats.org/markup-compatibility/2006">
-        <mc:Choice xmlns:a14="http://schemas.microsoft.com/office/drawing/2010/main" Requires="a14">
+      <mc:AlternateContent xmlns:mc="http://schemas.openxmlformats.org/markup-compatibility/2006" xmlns:a14="http://schemas.microsoft.com/office/drawing/2010/main">
+        <mc:Choice Requires="a14">
           <p:sp>
             <p:nvSpPr>
               <p:cNvPr id="3" name="Content Placeholder 2"/>
@@ -17031,7 +18147,7 @@
             </p:txBody>
           </p:sp>
         </mc:Choice>
-        <mc:Fallback>
+        <mc:Fallback xmlns="">
           <p:sp>
             <p:nvSpPr>
               <p:cNvPr id="3" name="Content Placeholder 2"/>
@@ -17129,7 +18245,7 @@
 </p:sld>
 </file>
 
-<file path=ppt/slides/slide28.xml><?xml version="1.0" encoding="utf-8"?>
+<file path=ppt/slides/slide32.xml><?xml version="1.0" encoding="utf-8"?>
 <p:sld xmlns:a="http://schemas.openxmlformats.org/drawingml/2006/main" xmlns:r="http://schemas.openxmlformats.org/officeDocument/2006/relationships" xmlns:p="http://schemas.openxmlformats.org/presentationml/2006/main">
   <p:cSld>
     <p:spTree>
@@ -17192,8 +18308,8 @@
           </a:p>
         </p:txBody>
       </p:sp>
-      <mc:AlternateContent xmlns:mc="http://schemas.openxmlformats.org/markup-compatibility/2006">
-        <mc:Choice xmlns:a14="http://schemas.microsoft.com/office/drawing/2010/main" Requires="a14">
+      <mc:AlternateContent xmlns:mc="http://schemas.openxmlformats.org/markup-compatibility/2006" xmlns:a14="http://schemas.microsoft.com/office/drawing/2010/main">
+        <mc:Choice Requires="a14">
           <p:sp>
             <p:nvSpPr>
               <p:cNvPr id="3" name="Content Placeholder 2"/>
@@ -17594,7 +18710,7 @@
             </p:txBody>
           </p:sp>
         </mc:Choice>
-        <mc:Fallback>
+        <mc:Fallback xmlns="">
           <p:sp>
             <p:nvSpPr>
               <p:cNvPr id="3" name="Content Placeholder 2"/>
@@ -17692,7 +18808,7 @@
 </p:sld>
 </file>
 
-<file path=ppt/slides/slide29.xml><?xml version="1.0" encoding="utf-8"?>
+<file path=ppt/slides/slide33.xml><?xml version="1.0" encoding="utf-8"?>
 <p:sld xmlns:a="http://schemas.openxmlformats.org/drawingml/2006/main" xmlns:r="http://schemas.openxmlformats.org/officeDocument/2006/relationships" xmlns:p="http://schemas.openxmlformats.org/presentationml/2006/main">
   <p:cSld>
     <p:spTree>
@@ -17755,8 +18871,8 @@
           </a:p>
         </p:txBody>
       </p:sp>
-      <mc:AlternateContent xmlns:mc="http://schemas.openxmlformats.org/markup-compatibility/2006">
-        <mc:Choice xmlns:a14="http://schemas.microsoft.com/office/drawing/2010/main" Requires="a14">
+      <mc:AlternateContent xmlns:mc="http://schemas.openxmlformats.org/markup-compatibility/2006" xmlns:a14="http://schemas.microsoft.com/office/drawing/2010/main">
+        <mc:Choice Requires="a14">
           <p:sp>
             <p:nvSpPr>
               <p:cNvPr id="3" name="Content Placeholder 2"/>
@@ -18639,7 +19755,7 @@
             </p:txBody>
           </p:sp>
         </mc:Choice>
-        <mc:Fallback>
+        <mc:Fallback xmlns="">
           <p:sp>
             <p:nvSpPr>
               <p:cNvPr id="3" name="Content Placeholder 2"/>
@@ -18690,375 +19806,7 @@
 </p:sld>
 </file>
 
-<file path=ppt/slides/slide3.xml><?xml version="1.0" encoding="utf-8"?>
-<p:sld xmlns:a="http://schemas.openxmlformats.org/drawingml/2006/main" xmlns:r="http://schemas.openxmlformats.org/officeDocument/2006/relationships" xmlns:p="http://schemas.openxmlformats.org/presentationml/2006/main">
-  <p:cSld>
-    <p:spTree>
-      <p:nvGrpSpPr>
-        <p:cNvPr id="1" name=""/>
-        <p:cNvGrpSpPr/>
-        <p:nvPr/>
-      </p:nvGrpSpPr>
-      <p:grpSpPr>
-        <a:xfrm>
-          <a:off x="0" y="0"/>
-          <a:ext cx="0" cy="0"/>
-          <a:chOff x="0" y="0"/>
-          <a:chExt cx="0" cy="0"/>
-        </a:xfrm>
-      </p:grpSpPr>
-      <mc:AlternateContent xmlns:mc="http://schemas.openxmlformats.org/markup-compatibility/2006" xmlns:a14="http://schemas.microsoft.com/office/drawing/2010/main">
-        <mc:Choice Requires="a14">
-          <p:sp>
-            <p:nvSpPr>
-              <p:cNvPr id="3" name="Content Placeholder 2">
-                <a:extLst>
-                  <a:ext uri="{FF2B5EF4-FFF2-40B4-BE49-F238E27FC236}">
-                    <a16:creationId xmlns:a16="http://schemas.microsoft.com/office/drawing/2014/main" id="{8BFAC18E-4064-A1FE-C1EB-5D23F1DFAD23}"/>
-                  </a:ext>
-                </a:extLst>
-              </p:cNvPr>
-              <p:cNvSpPr>
-                <a:spLocks noGrp="1"/>
-              </p:cNvSpPr>
-              <p:nvPr>
-                <p:ph idx="1"/>
-              </p:nvPr>
-            </p:nvSpPr>
-            <p:spPr>
-              <a:xfrm>
-                <a:off x="914400" y="1119952"/>
-                <a:ext cx="9984829" cy="5357048"/>
-              </a:xfrm>
-            </p:spPr>
-            <p:txBody>
-              <a:bodyPr vert="horz" lIns="91440" tIns="45720" rIns="91440" bIns="45720" rtlCol="0" anchor="t">
-                <a:normAutofit/>
-              </a:bodyPr>
-              <a:lstStyle/>
-              <a:p>
-                <a:r>
-                  <a:rPr lang="en-US" sz="2400" dirty="0">
-                    <a:latin typeface="Times New Roman"/>
-                    <a:cs typeface="Times New Roman"/>
-                  </a:rPr>
-                  <a:t>A </a:t>
-                </a:r>
-                <a:r>
-                  <a:rPr lang="en-US" sz="2400" b="1" dirty="0">
-                    <a:latin typeface="Times New Roman"/>
-                    <a:cs typeface="Times New Roman"/>
-                  </a:rPr>
-                  <a:t>front door approach </a:t>
-                </a:r>
-                <a:r>
-                  <a:rPr lang="en-US" sz="2400" dirty="0">
-                    <a:latin typeface="Times New Roman"/>
-                    <a:cs typeface="Times New Roman"/>
-                  </a:rPr>
-                  <a:t>to handle selection on </a:t>
-                </a:r>
-                <a:r>
-                  <a:rPr lang="en-US" sz="2400" dirty="0" err="1">
-                    <a:latin typeface="Times New Roman"/>
-                    <a:cs typeface="Times New Roman"/>
-                  </a:rPr>
-                  <a:t>unobservables</a:t>
-                </a:r>
-                <a:r>
-                  <a:rPr lang="en-US" sz="2400" dirty="0">
-                    <a:latin typeface="Times New Roman"/>
-                    <a:cs typeface="Times New Roman"/>
-                  </a:rPr>
-                  <a:t>.</a:t>
-                </a:r>
-              </a:p>
-              <a:p>
-                <a:r>
-                  <a:rPr lang="en-US" sz="2400" dirty="0">
-                    <a:latin typeface="Times New Roman"/>
-                    <a:cs typeface="Times New Roman"/>
-                  </a:rPr>
-                  <a:t>Mimicking an experiment with real-world randomization</a:t>
-                </a:r>
-              </a:p>
-              <a:p>
-                <a:r>
-                  <a:rPr lang="en-US" sz="2400" dirty="0">
-                    <a:latin typeface="Times New Roman"/>
-                    <a:cs typeface="Times New Roman"/>
-                  </a:rPr>
-                  <a:t>Has some limitations: </a:t>
-                </a:r>
-              </a:p>
-              <a:p>
-                <a:pPr lvl="1"/>
-                <a:r>
-                  <a:rPr lang="en-US" sz="2400" dirty="0">
-                    <a:latin typeface="Times New Roman"/>
-                    <a:cs typeface="Times New Roman"/>
-                  </a:rPr>
-                  <a:t>First, it only identifies the LATE under heterogeneous treatment effects, and that may or may not be a policy relevant variable.</a:t>
-                </a:r>
-                <a:endParaRPr lang="en-US" sz="2400" dirty="0">
-                  <a:solidFill>
-                    <a:srgbClr val="000000"/>
-                  </a:solidFill>
-                  <a:latin typeface="Times New Roman"/>
-                  <a:cs typeface="Times New Roman"/>
-                </a:endParaRPr>
-              </a:p>
-              <a:p>
-                <a:pPr lvl="1"/>
-                <a:r>
-                  <a:rPr lang="en-US" sz="2400" dirty="0">
-                    <a:latin typeface="Times New Roman"/>
-                    <a:cs typeface="Times New Roman"/>
-                  </a:rPr>
-                  <a:t>IV has up to five (untestable) assumptions! </a:t>
-                </a:r>
-              </a:p>
-              <a:p>
-                <a:pPr lvl="1"/>
-                <a:endParaRPr lang="en-US" sz="2400" dirty="0">
-                  <a:solidFill>
-                    <a:srgbClr val="262626"/>
-                  </a:solidFill>
-                  <a:latin typeface="Times New Roman"/>
-                  <a:cs typeface="Times New Roman"/>
-                </a:endParaRPr>
-              </a:p>
-              <a:p>
-                <a:pPr lvl="1"/>
-                <a:endParaRPr lang="en-US" sz="2400" dirty="0">
-                  <a:solidFill>
-                    <a:srgbClr val="262626"/>
-                  </a:solidFill>
-                  <a:latin typeface="Times New Roman"/>
-                  <a:cs typeface="Times New Roman"/>
-                </a:endParaRPr>
-              </a:p>
-              <a:p>
-                <a:r>
-                  <a:rPr lang="en-US" sz="2600" dirty="0">
-                    <a:solidFill>
-                      <a:srgbClr val="262626"/>
-                    </a:solidFill>
-                    <a:latin typeface="Times New Roman"/>
-                    <a:cs typeface="Times New Roman"/>
-                  </a:rPr>
-                  <a:t>What do you do when </a:t>
-                </a:r>
-                <a14:m>
-                  <m:oMath xmlns:m="http://schemas.openxmlformats.org/officeDocument/2006/math">
-                    <m:r>
-                      <a:rPr lang="en-US" sz="2600" b="0" i="1" smtClean="0">
-                        <a:solidFill>
-                          <a:srgbClr val="262626"/>
-                        </a:solidFill>
-                        <a:latin typeface="Cambria Math" panose="02040503050406030204" pitchFamily="18" charset="0"/>
-                        <a:cs typeface="Times New Roman"/>
-                      </a:rPr>
-                      <m:t>𝑌</m:t>
-                    </m:r>
-                  </m:oMath>
-                </a14:m>
-                <a:r>
-                  <a:rPr lang="en-US" sz="2600" dirty="0">
-                    <a:solidFill>
-                      <a:srgbClr val="262626"/>
-                    </a:solidFill>
-                    <a:cs typeface="Times New Roman"/>
-                  </a:rPr>
-                  <a:t> is not continuous? How does that change approaches?</a:t>
-                </a:r>
-              </a:p>
-              <a:p>
-                <a:pPr lvl="1">
-                  <a:buFont typeface="Wingdings 2"/>
-                  <a:buChar char=""/>
-                </a:pPr>
-                <a:endParaRPr lang="en-US" sz="2400" dirty="0">
-                  <a:cs typeface="Times New Roman"/>
-                </a:endParaRPr>
-              </a:p>
-            </p:txBody>
-          </p:sp>
-        </mc:Choice>
-        <mc:Fallback xmlns="">
-          <p:sp>
-            <p:nvSpPr>
-              <p:cNvPr id="3" name="Content Placeholder 2">
-                <a:extLst>
-                  <a:ext uri="{FF2B5EF4-FFF2-40B4-BE49-F238E27FC236}">
-                    <a16:creationId xmlns:a16="http://schemas.microsoft.com/office/drawing/2014/main" id="{8BFAC18E-4064-A1FE-C1EB-5D23F1DFAD23}"/>
-                  </a:ext>
-                </a:extLst>
-              </p:cNvPr>
-              <p:cNvSpPr>
-                <a:spLocks noGrp="1" noRot="1" noChangeAspect="1" noMove="1" noResize="1" noEditPoints="1" noAdjustHandles="1" noChangeArrowheads="1" noChangeShapeType="1" noTextEdit="1"/>
-              </p:cNvSpPr>
-              <p:nvPr>
-                <p:ph idx="1"/>
-              </p:nvPr>
-            </p:nvSpPr>
-            <p:spPr>
-              <a:xfrm>
-                <a:off x="914400" y="1119952"/>
-                <a:ext cx="9984829" cy="5357048"/>
-              </a:xfrm>
-              <a:blipFill>
-                <a:blip r:embed="rId3"/>
-                <a:stretch>
-                  <a:fillRect l="-549" t="-1251" r="-977"/>
-                </a:stretch>
-              </a:blipFill>
-            </p:spPr>
-            <p:txBody>
-              <a:bodyPr/>
-              <a:lstStyle/>
-              <a:p>
-                <a:r>
-                  <a:rPr lang="en-US">
-                    <a:noFill/>
-                  </a:rPr>
-                  <a:t> </a:t>
-                </a:r>
-              </a:p>
-            </p:txBody>
-          </p:sp>
-        </mc:Fallback>
-      </mc:AlternateContent>
-      <p:sp>
-        <p:nvSpPr>
-          <p:cNvPr id="5" name="Title 1">
-            <a:extLst>
-              <a:ext uri="{FF2B5EF4-FFF2-40B4-BE49-F238E27FC236}">
-                <a16:creationId xmlns:a16="http://schemas.microsoft.com/office/drawing/2014/main" id="{EF3111ED-61A2-2123-0D2A-EFDD981A07C2}"/>
-              </a:ext>
-            </a:extLst>
-          </p:cNvPr>
-          <p:cNvSpPr txBox="1">
-            <a:spLocks/>
-          </p:cNvSpPr>
-          <p:nvPr/>
-        </p:nvSpPr>
-        <p:spPr>
-          <a:xfrm>
-            <a:off x="609600" y="337392"/>
-            <a:ext cx="10439400" cy="624840"/>
-          </a:xfrm>
-          <a:prstGeom prst="rect">
-            <a:avLst/>
-          </a:prstGeom>
-        </p:spPr>
-        <p:txBody>
-          <a:bodyPr vert="horz" lIns="91440" tIns="45720" rIns="91440" bIns="45720" rtlCol="0" anchor="b">
-            <a:noAutofit/>
-          </a:bodyPr>
-          <a:lstStyle>
-            <a:lvl1pPr algn="l" defTabSz="914400" rtl="0" eaLnBrk="1" latinLnBrk="0" hangingPunct="1">
-              <a:lnSpc>
-                <a:spcPct val="90000"/>
-              </a:lnSpc>
-              <a:spcBef>
-                <a:spcPct val="0"/>
-              </a:spcBef>
-              <a:buNone/>
-              <a:defRPr sz="4400" kern="1200" spc="-50" baseline="0">
-                <a:solidFill>
-                  <a:schemeClr val="tx1"/>
-                </a:solidFill>
-                <a:latin typeface="Times New Roman" panose="02020603050405020304" pitchFamily="18" charset="0"/>
-                <a:ea typeface="+mj-ea"/>
-                <a:cs typeface="+mj-cs"/>
-              </a:defRPr>
-            </a:lvl1pPr>
-          </a:lstStyle>
-          <a:p>
-            <a:r>
-              <a:rPr lang="en-US" sz="3600" dirty="0">
-                <a:latin typeface="Times New Roman"/>
-                <a:cs typeface="Times New Roman"/>
-              </a:rPr>
-              <a:t>Last Time: Instrumental Variables</a:t>
-            </a:r>
-            <a:endParaRPr lang="en-US" dirty="0"/>
-          </a:p>
-        </p:txBody>
-      </p:sp>
-      <p:sp>
-        <p:nvSpPr>
-          <p:cNvPr id="4" name="Title 1">
-            <a:extLst>
-              <a:ext uri="{FF2B5EF4-FFF2-40B4-BE49-F238E27FC236}">
-                <a16:creationId xmlns:a16="http://schemas.microsoft.com/office/drawing/2014/main" id="{66D88018-A2D6-33DA-4F0F-340FD6CC732C}"/>
-              </a:ext>
-            </a:extLst>
-          </p:cNvPr>
-          <p:cNvSpPr txBox="1">
-            <a:spLocks/>
-          </p:cNvSpPr>
-          <p:nvPr/>
-        </p:nvSpPr>
-        <p:spPr>
-          <a:xfrm>
-            <a:off x="609600" y="3962400"/>
-            <a:ext cx="10439400" cy="624840"/>
-          </a:xfrm>
-          <a:prstGeom prst="rect">
-            <a:avLst/>
-          </a:prstGeom>
-        </p:spPr>
-        <p:txBody>
-          <a:bodyPr vert="horz" lIns="91440" tIns="45720" rIns="91440" bIns="45720" rtlCol="0" anchor="b">
-            <a:noAutofit/>
-          </a:bodyPr>
-          <a:lstStyle>
-            <a:lvl1pPr algn="l" defTabSz="914400" rtl="0" eaLnBrk="1" latinLnBrk="0" hangingPunct="1">
-              <a:lnSpc>
-                <a:spcPct val="90000"/>
-              </a:lnSpc>
-              <a:spcBef>
-                <a:spcPct val="0"/>
-              </a:spcBef>
-              <a:buNone/>
-              <a:defRPr sz="4400" kern="1200" spc="-50" baseline="0">
-                <a:solidFill>
-                  <a:schemeClr val="tx1"/>
-                </a:solidFill>
-                <a:latin typeface="Times New Roman" panose="02020603050405020304" pitchFamily="18" charset="0"/>
-                <a:ea typeface="+mj-ea"/>
-                <a:cs typeface="+mj-cs"/>
-              </a:defRPr>
-            </a:lvl1pPr>
-          </a:lstStyle>
-          <a:p>
-            <a:r>
-              <a:rPr lang="en-US" sz="3600" dirty="0">
-                <a:latin typeface="Times New Roman"/>
-                <a:cs typeface="Times New Roman"/>
-              </a:rPr>
-              <a:t>This Time: Limited Dependent Variables</a:t>
-            </a:r>
-            <a:endParaRPr lang="en-US" dirty="0"/>
-          </a:p>
-        </p:txBody>
-      </p:sp>
-    </p:spTree>
-    <p:extLst>
-      <p:ext uri="{BB962C8B-B14F-4D97-AF65-F5344CB8AC3E}">
-        <p14:creationId xmlns:p14="http://schemas.microsoft.com/office/powerpoint/2010/main" val="1286152431"/>
-      </p:ext>
-    </p:extLst>
-  </p:cSld>
-  <p:clrMapOvr>
-    <a:masterClrMapping/>
-  </p:clrMapOvr>
-</p:sld>
-</file>
-
-<file path=ppt/slides/slide30.xml><?xml version="1.0" encoding="utf-8"?>
+<file path=ppt/slides/slide34.xml><?xml version="1.0" encoding="utf-8"?>
 <p:sld xmlns:a="http://schemas.openxmlformats.org/drawingml/2006/main" xmlns:r="http://schemas.openxmlformats.org/officeDocument/2006/relationships" xmlns:p="http://schemas.openxmlformats.org/presentationml/2006/main">
   <p:cSld>
     <p:spTree>
@@ -19312,7 +20060,7 @@
 </p:sld>
 </file>
 
-<file path=ppt/slides/slide31.xml><?xml version="1.0" encoding="utf-8"?>
+<file path=ppt/slides/slide35.xml><?xml version="1.0" encoding="utf-8"?>
 <p:sld xmlns:a="http://schemas.openxmlformats.org/drawingml/2006/main" xmlns:r="http://schemas.openxmlformats.org/officeDocument/2006/relationships" xmlns:p="http://schemas.openxmlformats.org/presentationml/2006/main">
   <p:cSld>
     <p:spTree>
@@ -19542,7 +20290,7 @@
 </p:sld>
 </file>
 
-<file path=ppt/slides/slide32.xml><?xml version="1.0" encoding="utf-8"?>
+<file path=ppt/slides/slide36.xml><?xml version="1.0" encoding="utf-8"?>
 <p:sld xmlns:a="http://schemas.openxmlformats.org/drawingml/2006/main" xmlns:r="http://schemas.openxmlformats.org/officeDocument/2006/relationships" xmlns:p="http://schemas.openxmlformats.org/presentationml/2006/main">
   <p:cSld>
     <p:spTree>
@@ -19838,7 +20586,7 @@
 </p:sld>
 </file>
 
-<file path=ppt/slides/slide33.xml><?xml version="1.0" encoding="utf-8"?>
+<file path=ppt/slides/slide37.xml><?xml version="1.0" encoding="utf-8"?>
 <p:sld xmlns:a="http://schemas.openxmlformats.org/drawingml/2006/main" xmlns:r="http://schemas.openxmlformats.org/officeDocument/2006/relationships" xmlns:p="http://schemas.openxmlformats.org/presentationml/2006/main">
   <p:cSld>
     <p:spTree>
@@ -19890,8 +20638,8 @@
           </a:p>
         </p:txBody>
       </p:sp>
-      <mc:AlternateContent xmlns:mc="http://schemas.openxmlformats.org/markup-compatibility/2006">
-        <mc:Choice xmlns:a14="http://schemas.microsoft.com/office/drawing/2010/main" Requires="a14">
+      <mc:AlternateContent xmlns:mc="http://schemas.openxmlformats.org/markup-compatibility/2006" xmlns:a14="http://schemas.microsoft.com/office/drawing/2010/main">
+        <mc:Choice Requires="a14">
           <p:sp>
             <p:nvSpPr>
               <p:cNvPr id="3" name="Content Placeholder 2"/>
@@ -20122,244 +20870,6 @@
             </p:txBody>
           </p:sp>
         </mc:Choice>
-        <mc:Fallback>
-          <p:sp>
-            <p:nvSpPr>
-              <p:cNvPr id="3" name="Content Placeholder 2"/>
-              <p:cNvSpPr>
-                <a:spLocks noGrp="1" noRot="1" noChangeAspect="1" noMove="1" noResize="1" noEditPoints="1" noAdjustHandles="1" noChangeArrowheads="1" noChangeShapeType="1" noTextEdit="1"/>
-              </p:cNvSpPr>
-              <p:nvPr>
-                <p:ph idx="1"/>
-              </p:nvPr>
-            </p:nvSpPr>
-            <p:spPr>
-              <a:xfrm>
-                <a:off x="914400" y="1066801"/>
-                <a:ext cx="9984829" cy="5141388"/>
-              </a:xfrm>
-              <a:blipFill>
-                <a:blip r:embed="rId3"/>
-                <a:stretch>
-                  <a:fillRect l="-427" t="-1305"/>
-                </a:stretch>
-              </a:blipFill>
-            </p:spPr>
-            <p:txBody>
-              <a:bodyPr/>
-              <a:lstStyle/>
-              <a:p>
-                <a:r>
-                  <a:rPr lang="en-US">
-                    <a:noFill/>
-                  </a:rPr>
-                  <a:t> </a:t>
-                </a:r>
-              </a:p>
-            </p:txBody>
-          </p:sp>
-        </mc:Fallback>
-      </mc:AlternateContent>
-    </p:spTree>
-    <p:extLst>
-      <p:ext uri="{BB962C8B-B14F-4D97-AF65-F5344CB8AC3E}">
-        <p14:creationId xmlns:p14="http://schemas.microsoft.com/office/powerpoint/2010/main" val="508793472"/>
-      </p:ext>
-    </p:extLst>
-  </p:cSld>
-  <p:clrMapOvr>
-    <a:masterClrMapping/>
-  </p:clrMapOvr>
-</p:sld>
-</file>
-
-<file path=ppt/slides/slide34.xml><?xml version="1.0" encoding="utf-8"?>
-<p:sld xmlns:a="http://schemas.openxmlformats.org/drawingml/2006/main" xmlns:r="http://schemas.openxmlformats.org/officeDocument/2006/relationships" xmlns:p="http://schemas.openxmlformats.org/presentationml/2006/main">
-  <p:cSld>
-    <p:spTree>
-      <p:nvGrpSpPr>
-        <p:cNvPr id="1" name=""/>
-        <p:cNvGrpSpPr/>
-        <p:nvPr/>
-      </p:nvGrpSpPr>
-      <p:grpSpPr>
-        <a:xfrm>
-          <a:off x="0" y="0"/>
-          <a:ext cx="0" cy="0"/>
-          <a:chOff x="0" y="0"/>
-          <a:chExt cx="0" cy="0"/>
-        </a:xfrm>
-      </p:grpSpPr>
-      <p:sp>
-        <p:nvSpPr>
-          <p:cNvPr id="2" name="Title 1"/>
-          <p:cNvSpPr>
-            <a:spLocks noGrp="1"/>
-          </p:cNvSpPr>
-          <p:nvPr>
-            <p:ph type="title"/>
-          </p:nvPr>
-        </p:nvSpPr>
-        <p:spPr>
-          <a:xfrm>
-            <a:off x="609600" y="337392"/>
-            <a:ext cx="10439400" cy="624840"/>
-          </a:xfrm>
-        </p:spPr>
-        <p:txBody>
-          <a:bodyPr>
-            <a:noAutofit/>
-          </a:bodyPr>
-          <a:lstStyle/>
-          <a:p>
-            <a:r>
-              <a:rPr lang="en-US" sz="3600" dirty="0">
-                <a:cs typeface="Times New Roman" panose="02020603050405020304" pitchFamily="18" charset="0"/>
-              </a:rPr>
-              <a:t>Complications in GLM: Nonlinear models and IV</a:t>
-            </a:r>
-            <a:endParaRPr lang="en-US" sz="3600" dirty="0">
-              <a:latin typeface="Times New Roman" panose="02020603050405020304" pitchFamily="18" charset="0"/>
-              <a:cs typeface="Times New Roman" panose="02020603050405020304" pitchFamily="18" charset="0"/>
-            </a:endParaRPr>
-          </a:p>
-        </p:txBody>
-      </p:sp>
-      <mc:AlternateContent xmlns:mc="http://schemas.openxmlformats.org/markup-compatibility/2006" xmlns:a14="http://schemas.microsoft.com/office/drawing/2010/main">
-        <mc:Choice Requires="a14">
-          <p:sp>
-            <p:nvSpPr>
-              <p:cNvPr id="3" name="Content Placeholder 2"/>
-              <p:cNvSpPr>
-                <a:spLocks noGrp="1"/>
-              </p:cNvSpPr>
-              <p:nvPr>
-                <p:ph idx="1"/>
-              </p:nvPr>
-            </p:nvSpPr>
-            <p:spPr>
-              <a:xfrm>
-                <a:off x="914400" y="1066801"/>
-                <a:ext cx="9984829" cy="5141388"/>
-              </a:xfrm>
-            </p:spPr>
-            <p:txBody>
-              <a:bodyPr>
-                <a:normAutofit/>
-              </a:bodyPr>
-              <a:lstStyle/>
-              <a:p>
-                <a:r>
-                  <a:rPr lang="en-US" sz="2400" dirty="0">
-                    <a:cs typeface="Times New Roman" panose="02020603050405020304" pitchFamily="18" charset="0"/>
-                  </a:rPr>
-                  <a:t>What to do instead? </a:t>
-                </a:r>
-              </a:p>
-              <a:p>
-                <a:pPr lvl="1"/>
-                <a:r>
-                  <a:rPr lang="en-US" sz="2400" dirty="0">
-                    <a:cs typeface="Times New Roman" panose="02020603050405020304" pitchFamily="18" charset="0"/>
-                  </a:rPr>
-                  <a:t>Can use an LPM if you can deal with its downsides in your context </a:t>
-                </a:r>
-              </a:p>
-              <a:p>
-                <a:pPr lvl="2"/>
-                <a:r>
-                  <a:rPr lang="en-US" sz="2400" dirty="0">
-                    <a:cs typeface="Times New Roman" panose="02020603050405020304" pitchFamily="18" charset="0"/>
-                  </a:rPr>
-                  <a:t>(recall that </a:t>
-                </a:r>
-                <a14:m>
-                  <m:oMath xmlns:m="http://schemas.openxmlformats.org/officeDocument/2006/math">
-                    <m:acc>
-                      <m:accPr>
-                        <m:chr m:val="̅"/>
-                        <m:ctrlPr>
-                          <a:rPr lang="en-US" sz="2400" b="0" i="1" smtClean="0">
-                            <a:latin typeface="Cambria Math" panose="02040503050406030204" pitchFamily="18" charset="0"/>
-                            <a:cs typeface="Times New Roman" panose="02020603050405020304" pitchFamily="18" charset="0"/>
-                          </a:rPr>
-                        </m:ctrlPr>
-                      </m:accPr>
-                      <m:e>
-                        <m:r>
-                          <a:rPr lang="en-US" sz="2400" b="0" i="1" smtClean="0">
-                            <a:latin typeface="Cambria Math" panose="02040503050406030204" pitchFamily="18" charset="0"/>
-                            <a:cs typeface="Times New Roman" panose="02020603050405020304" pitchFamily="18" charset="0"/>
-                          </a:rPr>
-                          <m:t>𝑦</m:t>
-                        </m:r>
-                      </m:e>
-                    </m:acc>
-                  </m:oMath>
-                </a14:m>
-                <a:r>
-                  <a:rPr lang="en-US" sz="2400" dirty="0">
-                    <a:cs typeface="Times New Roman" panose="02020603050405020304" pitchFamily="18" charset="0"/>
-                  </a:rPr>
-                  <a:t> needs to be far from 0 or 1)</a:t>
-                </a:r>
-              </a:p>
-              <a:p>
-                <a:pPr lvl="1"/>
-                <a:r>
-                  <a:rPr lang="en-US" sz="2400" dirty="0">
-                    <a:cs typeface="Times New Roman" panose="02020603050405020304" pitchFamily="18" charset="0"/>
-                  </a:rPr>
-                  <a:t>If endogenous regressor is binary: use a method from Wooldridge (2010) where you use predicted values </a:t>
-                </a:r>
-                <a:r>
-                  <a:rPr lang="en-US" sz="2400" i="1" dirty="0">
-                    <a:cs typeface="Times New Roman" panose="02020603050405020304" pitchFamily="18" charset="0"/>
-                  </a:rPr>
-                  <a:t>as the instrument </a:t>
-                </a:r>
-                <a:r>
-                  <a:rPr lang="en-US" sz="2400" dirty="0">
-                    <a:cs typeface="Times New Roman" panose="02020603050405020304" pitchFamily="18" charset="0"/>
-                  </a:rPr>
-                  <a:t>in the second stage</a:t>
-                </a:r>
-              </a:p>
-              <a:p>
-                <a:pPr lvl="1"/>
-                <a:r>
-                  <a:rPr lang="en-US" sz="2400" dirty="0">
-                    <a:cs typeface="Times New Roman" panose="02020603050405020304" pitchFamily="18" charset="0"/>
-                  </a:rPr>
-                  <a:t>If outcome is binary: </a:t>
-                </a:r>
-                <a:r>
-                  <a:rPr lang="en-US" sz="2400" b="1" dirty="0">
-                    <a:solidFill>
-                      <a:schemeClr val="accent2">
-                        <a:lumMod val="75000"/>
-                      </a:schemeClr>
-                    </a:solidFill>
-                    <a:cs typeface="Times New Roman" panose="02020603050405020304" pitchFamily="18" charset="0"/>
-                  </a:rPr>
-                  <a:t>control function approach </a:t>
-                </a:r>
-                <a:r>
-                  <a:rPr lang="en-US" sz="2400" dirty="0">
-                    <a:cs typeface="Times New Roman" panose="02020603050405020304" pitchFamily="18" charset="0"/>
-                  </a:rPr>
-                  <a:t>(deferred; see HK for more)</a:t>
-                </a:r>
-              </a:p>
-              <a:p>
-                <a:pPr lvl="1"/>
-                <a:endParaRPr lang="en-US" sz="2400" dirty="0">
-                  <a:cs typeface="Times New Roman" panose="02020603050405020304" pitchFamily="18" charset="0"/>
-                </a:endParaRPr>
-              </a:p>
-            </p:txBody>
-          </p:sp>
-        </mc:Choice>
         <mc:Fallback xmlns="">
           <p:sp>
             <p:nvSpPr>
@@ -20401,406 +20911,7 @@
     </p:spTree>
     <p:extLst>
       <p:ext uri="{BB962C8B-B14F-4D97-AF65-F5344CB8AC3E}">
-        <p14:creationId xmlns:p14="http://schemas.microsoft.com/office/powerpoint/2010/main" val="950129750"/>
-      </p:ext>
-    </p:extLst>
-  </p:cSld>
-  <p:clrMapOvr>
-    <a:masterClrMapping/>
-  </p:clrMapOvr>
-</p:sld>
-</file>
-
-<file path=ppt/slides/slide35.xml><?xml version="1.0" encoding="utf-8"?>
-<p:sld xmlns:a="http://schemas.openxmlformats.org/drawingml/2006/main" xmlns:r="http://schemas.openxmlformats.org/officeDocument/2006/relationships" xmlns:p="http://schemas.openxmlformats.org/presentationml/2006/main">
-  <p:cSld>
-    <p:spTree>
-      <p:nvGrpSpPr>
-        <p:cNvPr id="1" name=""/>
-        <p:cNvGrpSpPr/>
-        <p:nvPr/>
-      </p:nvGrpSpPr>
-      <p:grpSpPr>
-        <a:xfrm>
-          <a:off x="0" y="0"/>
-          <a:ext cx="0" cy="0"/>
-          <a:chOff x="0" y="0"/>
-          <a:chExt cx="0" cy="0"/>
-        </a:xfrm>
-      </p:grpSpPr>
-      <p:sp>
-        <p:nvSpPr>
-          <p:cNvPr id="2" name="Title 1">
-            <a:extLst>
-              <a:ext uri="{FF2B5EF4-FFF2-40B4-BE49-F238E27FC236}">
-                <a16:creationId xmlns:a16="http://schemas.microsoft.com/office/drawing/2014/main" id="{F6693EDF-660D-4391-A114-A6C54268E445}"/>
-              </a:ext>
-            </a:extLst>
-          </p:cNvPr>
-          <p:cNvSpPr>
-            <a:spLocks noGrp="1"/>
-          </p:cNvSpPr>
-          <p:nvPr>
-            <p:ph type="ctrTitle"/>
-          </p:nvPr>
-        </p:nvSpPr>
-        <p:spPr>
-          <a:xfrm>
-            <a:off x="1261872" y="758952"/>
-            <a:ext cx="10549128" cy="4041648"/>
-          </a:xfrm>
-        </p:spPr>
-        <p:txBody>
-          <a:bodyPr/>
-          <a:lstStyle/>
-          <a:p>
-            <a:r>
-              <a:rPr lang="en-US" dirty="0"/>
-              <a:t>Count Data: </a:t>
-            </a:r>
-            <a:br>
-              <a:rPr lang="en-US" dirty="0"/>
-            </a:br>
-            <a:r>
-              <a:rPr lang="en-US" dirty="0"/>
-              <a:t>Poisson Regression</a:t>
-            </a:r>
-          </a:p>
-        </p:txBody>
-      </p:sp>
-      <p:sp>
-        <p:nvSpPr>
-          <p:cNvPr id="3" name="Subtitle 2">
-            <a:extLst>
-              <a:ext uri="{FF2B5EF4-FFF2-40B4-BE49-F238E27FC236}">
-                <a16:creationId xmlns:a16="http://schemas.microsoft.com/office/drawing/2014/main" id="{9A7FADE3-4D7C-4B3A-B023-71CD85AECCCB}"/>
-              </a:ext>
-            </a:extLst>
-          </p:cNvPr>
-          <p:cNvSpPr>
-            <a:spLocks noGrp="1"/>
-          </p:cNvSpPr>
-          <p:nvPr>
-            <p:ph type="subTitle" idx="1"/>
-          </p:nvPr>
-        </p:nvSpPr>
-        <p:spPr/>
-        <p:txBody>
-          <a:bodyPr/>
-          <a:lstStyle/>
-          <a:p>
-            <a:endParaRPr lang="en-US"/>
-          </a:p>
-        </p:txBody>
-      </p:sp>
-    </p:spTree>
-    <p:extLst>
-      <p:ext uri="{BB962C8B-B14F-4D97-AF65-F5344CB8AC3E}">
-        <p14:creationId xmlns:p14="http://schemas.microsoft.com/office/powerpoint/2010/main" val="3942256509"/>
-      </p:ext>
-    </p:extLst>
-  </p:cSld>
-  <p:clrMapOvr>
-    <a:masterClrMapping/>
-  </p:clrMapOvr>
-</p:sld>
-</file>
-
-<file path=ppt/slides/slide36.xml><?xml version="1.0" encoding="utf-8"?>
-<p:sld xmlns:a="http://schemas.openxmlformats.org/drawingml/2006/main" xmlns:r="http://schemas.openxmlformats.org/officeDocument/2006/relationships" xmlns:p="http://schemas.openxmlformats.org/presentationml/2006/main">
-  <p:cSld>
-    <p:spTree>
-      <p:nvGrpSpPr>
-        <p:cNvPr id="1" name=""/>
-        <p:cNvGrpSpPr/>
-        <p:nvPr/>
-      </p:nvGrpSpPr>
-      <p:grpSpPr>
-        <a:xfrm>
-          <a:off x="0" y="0"/>
-          <a:ext cx="0" cy="0"/>
-          <a:chOff x="0" y="0"/>
-          <a:chExt cx="0" cy="0"/>
-        </a:xfrm>
-      </p:grpSpPr>
-      <p:sp>
-        <p:nvSpPr>
-          <p:cNvPr id="2" name="Title 1"/>
-          <p:cNvSpPr>
-            <a:spLocks noGrp="1"/>
-          </p:cNvSpPr>
-          <p:nvPr>
-            <p:ph type="title"/>
-          </p:nvPr>
-        </p:nvSpPr>
-        <p:spPr>
-          <a:xfrm>
-            <a:off x="609600" y="337392"/>
-            <a:ext cx="10439400" cy="624840"/>
-          </a:xfrm>
-        </p:spPr>
-        <p:txBody>
-          <a:bodyPr>
-            <a:noAutofit/>
-          </a:bodyPr>
-          <a:lstStyle/>
-          <a:p>
-            <a:r>
-              <a:rPr lang="en-US" sz="3600" dirty="0">
-                <a:cs typeface="Times New Roman" panose="02020603050405020304" pitchFamily="18" charset="0"/>
-              </a:rPr>
-              <a:t>Examples of Count Data in Health Policy</a:t>
-            </a:r>
-            <a:endParaRPr lang="en-US" sz="3600" dirty="0">
-              <a:latin typeface="Times New Roman" panose="02020603050405020304" pitchFamily="18" charset="0"/>
-              <a:cs typeface="Times New Roman" panose="02020603050405020304" pitchFamily="18" charset="0"/>
-            </a:endParaRPr>
-          </a:p>
-        </p:txBody>
-      </p:sp>
-      <p:sp>
-        <p:nvSpPr>
-          <p:cNvPr id="3" name="Content Placeholder 2"/>
-          <p:cNvSpPr>
-            <a:spLocks noGrp="1"/>
-          </p:cNvSpPr>
-          <p:nvPr>
-            <p:ph idx="1"/>
-          </p:nvPr>
-        </p:nvSpPr>
-        <p:spPr>
-          <a:xfrm>
-            <a:off x="914400" y="1066801"/>
-            <a:ext cx="9984829" cy="5141388"/>
-          </a:xfrm>
-        </p:spPr>
-        <p:txBody>
-          <a:bodyPr>
-            <a:normAutofit/>
-          </a:bodyPr>
-          <a:lstStyle/>
-          <a:p>
-            <a:r>
-              <a:rPr lang="en-US" sz="2400" dirty="0">
-                <a:cs typeface="Times New Roman" panose="02020603050405020304" pitchFamily="18" charset="0"/>
-              </a:rPr>
-              <a:t>Number of visits</a:t>
-            </a:r>
-          </a:p>
-          <a:p>
-            <a:r>
-              <a:rPr lang="en-US" sz="2400" dirty="0">
-                <a:cs typeface="Times New Roman" panose="02020603050405020304" pitchFamily="18" charset="0"/>
-              </a:rPr>
-              <a:t>Number of prescriptions filled</a:t>
-            </a:r>
-          </a:p>
-          <a:p>
-            <a:r>
-              <a:rPr lang="en-US" sz="2400" dirty="0">
-                <a:cs typeface="Times New Roman" panose="02020603050405020304" pitchFamily="18" charset="0"/>
-              </a:rPr>
-              <a:t>Number of hospital mergers, closures, etc. </a:t>
-            </a:r>
-          </a:p>
-          <a:p>
-            <a:pPr marL="0" indent="0">
-              <a:buNone/>
-            </a:pPr>
-            <a:r>
-              <a:rPr lang="en-US" sz="2800" b="1" dirty="0">
-                <a:solidFill>
-                  <a:schemeClr val="accent2">
-                    <a:lumMod val="75000"/>
-                  </a:schemeClr>
-                </a:solidFill>
-                <a:cs typeface="Times New Roman" panose="02020603050405020304" pitchFamily="18" charset="0"/>
-              </a:rPr>
-              <a:t>There’s a lot</a:t>
-            </a:r>
-            <a:endParaRPr lang="en-US" sz="2400" b="1" dirty="0">
-              <a:solidFill>
-                <a:schemeClr val="accent2">
-                  <a:lumMod val="75000"/>
-                </a:schemeClr>
-              </a:solidFill>
-              <a:cs typeface="Times New Roman" panose="02020603050405020304" pitchFamily="18" charset="0"/>
-            </a:endParaRPr>
-          </a:p>
-        </p:txBody>
-      </p:sp>
-    </p:spTree>
-    <p:extLst>
-      <p:ext uri="{BB962C8B-B14F-4D97-AF65-F5344CB8AC3E}">
-        <p14:creationId xmlns:p14="http://schemas.microsoft.com/office/powerpoint/2010/main" val="4116879454"/>
-      </p:ext>
-    </p:extLst>
-  </p:cSld>
-  <p:clrMapOvr>
-    <a:masterClrMapping/>
-  </p:clrMapOvr>
-</p:sld>
-</file>
-
-<file path=ppt/slides/slide37.xml><?xml version="1.0" encoding="utf-8"?>
-<p:sld xmlns:a="http://schemas.openxmlformats.org/drawingml/2006/main" xmlns:r="http://schemas.openxmlformats.org/officeDocument/2006/relationships" xmlns:p="http://schemas.openxmlformats.org/presentationml/2006/main">
-  <p:cSld>
-    <p:spTree>
-      <p:nvGrpSpPr>
-        <p:cNvPr id="1" name=""/>
-        <p:cNvGrpSpPr/>
-        <p:nvPr/>
-      </p:nvGrpSpPr>
-      <p:grpSpPr>
-        <a:xfrm>
-          <a:off x="0" y="0"/>
-          <a:ext cx="0" cy="0"/>
-          <a:chOff x="0" y="0"/>
-          <a:chExt cx="0" cy="0"/>
-        </a:xfrm>
-      </p:grpSpPr>
-      <p:sp>
-        <p:nvSpPr>
-          <p:cNvPr id="2" name="Title 1"/>
-          <p:cNvSpPr>
-            <a:spLocks noGrp="1"/>
-          </p:cNvSpPr>
-          <p:nvPr>
-            <p:ph type="title"/>
-          </p:nvPr>
-        </p:nvSpPr>
-        <p:spPr>
-          <a:xfrm>
-            <a:off x="609600" y="337392"/>
-            <a:ext cx="10439400" cy="624840"/>
-          </a:xfrm>
-        </p:spPr>
-        <p:txBody>
-          <a:bodyPr>
-            <a:noAutofit/>
-          </a:bodyPr>
-          <a:lstStyle/>
-          <a:p>
-            <a:r>
-              <a:rPr lang="en-US" sz="3600" dirty="0">
-                <a:cs typeface="Times New Roman" panose="02020603050405020304" pitchFamily="18" charset="0"/>
-              </a:rPr>
-              <a:t>Examples of Count Data in Health Policy</a:t>
-            </a:r>
-            <a:endParaRPr lang="en-US" sz="3600" dirty="0">
-              <a:latin typeface="Times New Roman" panose="02020603050405020304" pitchFamily="18" charset="0"/>
-              <a:cs typeface="Times New Roman" panose="02020603050405020304" pitchFamily="18" charset="0"/>
-            </a:endParaRPr>
-          </a:p>
-        </p:txBody>
-      </p:sp>
-      <p:sp>
-        <p:nvSpPr>
-          <p:cNvPr id="3" name="Content Placeholder 2"/>
-          <p:cNvSpPr>
-            <a:spLocks noGrp="1"/>
-          </p:cNvSpPr>
-          <p:nvPr>
-            <p:ph idx="1"/>
-          </p:nvPr>
-        </p:nvSpPr>
-        <p:spPr>
-          <a:xfrm>
-            <a:off x="914400" y="1066801"/>
-            <a:ext cx="9984829" cy="5141388"/>
-          </a:xfrm>
-        </p:spPr>
-        <p:txBody>
-          <a:bodyPr>
-            <a:normAutofit/>
-          </a:bodyPr>
-          <a:lstStyle/>
-          <a:p>
-            <a:r>
-              <a:rPr lang="en-US" sz="2400" dirty="0">
-                <a:cs typeface="Times New Roman" panose="02020603050405020304" pitchFamily="18" charset="0"/>
-              </a:rPr>
-              <a:t>Number of visits</a:t>
-            </a:r>
-          </a:p>
-          <a:p>
-            <a:r>
-              <a:rPr lang="en-US" sz="2400" dirty="0">
-                <a:cs typeface="Times New Roman" panose="02020603050405020304" pitchFamily="18" charset="0"/>
-              </a:rPr>
-              <a:t>Number of prescriptions filled</a:t>
-            </a:r>
-          </a:p>
-          <a:p>
-            <a:r>
-              <a:rPr lang="en-US" sz="2400" dirty="0">
-                <a:cs typeface="Times New Roman" panose="02020603050405020304" pitchFamily="18" charset="0"/>
-              </a:rPr>
-              <a:t>Number of hospital mergers, closures, etc. </a:t>
-            </a:r>
-          </a:p>
-          <a:p>
-            <a:pPr marL="0" indent="0">
-              <a:buNone/>
-            </a:pPr>
-            <a:r>
-              <a:rPr lang="en-US" sz="3200" b="1" dirty="0">
-                <a:solidFill>
-                  <a:schemeClr val="accent2">
-                    <a:lumMod val="75000"/>
-                  </a:schemeClr>
-                </a:solidFill>
-                <a:cs typeface="Times New Roman" panose="02020603050405020304" pitchFamily="18" charset="0"/>
-              </a:rPr>
-              <a:t>There’s a lot</a:t>
-            </a:r>
-          </a:p>
-          <a:p>
-            <a:r>
-              <a:rPr lang="en-US" sz="2400" dirty="0">
-                <a:cs typeface="Times New Roman" panose="02020603050405020304" pitchFamily="18" charset="0"/>
-              </a:rPr>
-              <a:t>When an event is relatively rare (counts are small), data tend to be far from </a:t>
-            </a:r>
-            <a:r>
-              <a:rPr lang="en-US" sz="2400" u="sng" dirty="0">
-                <a:cs typeface="Times New Roman" panose="02020603050405020304" pitchFamily="18" charset="0"/>
-              </a:rPr>
-              <a:t>normally distributed</a:t>
-            </a:r>
-          </a:p>
-          <a:p>
-            <a:pPr lvl="1"/>
-            <a:r>
-              <a:rPr lang="en-US" sz="2400" dirty="0">
-                <a:cs typeface="Times New Roman" panose="02020603050405020304" pitchFamily="18" charset="0"/>
-              </a:rPr>
-              <a:t>We use </a:t>
-            </a:r>
-            <a:r>
-              <a:rPr lang="en-US" sz="2400" b="1" dirty="0">
-                <a:solidFill>
-                  <a:schemeClr val="accent2">
-                    <a:lumMod val="75000"/>
-                  </a:schemeClr>
-                </a:solidFill>
-                <a:cs typeface="Times New Roman" panose="02020603050405020304" pitchFamily="18" charset="0"/>
-              </a:rPr>
-              <a:t>Poisson regression </a:t>
-            </a:r>
-            <a:r>
-              <a:rPr lang="en-US" sz="2400" dirty="0">
-                <a:cs typeface="Times New Roman" panose="02020603050405020304" pitchFamily="18" charset="0"/>
-              </a:rPr>
-              <a:t>to handle this</a:t>
-            </a:r>
-          </a:p>
-        </p:txBody>
-      </p:sp>
-    </p:spTree>
-    <p:extLst>
-      <p:ext uri="{BB962C8B-B14F-4D97-AF65-F5344CB8AC3E}">
-        <p14:creationId xmlns:p14="http://schemas.microsoft.com/office/powerpoint/2010/main" val="3533842170"/>
+        <p14:creationId xmlns:p14="http://schemas.microsoft.com/office/powerpoint/2010/main" val="508793472"/>
       </p:ext>
     </p:extLst>
   </p:cSld>
@@ -20853,7 +20964,7 @@
               <a:rPr lang="en-US" sz="3600" dirty="0">
                 <a:cs typeface="Times New Roman" panose="02020603050405020304" pitchFamily="18" charset="0"/>
               </a:rPr>
-              <a:t>Examples of Count Data: Job Changes</a:t>
+              <a:t>Complications in GLM: Nonlinear models and IV</a:t>
             </a:r>
             <a:endParaRPr lang="en-US" sz="3600" dirty="0">
               <a:latin typeface="Times New Roman" panose="02020603050405020304" pitchFamily="18" charset="0"/>
@@ -20862,39 +20973,183 @@
           </a:p>
         </p:txBody>
       </p:sp>
-      <p:pic>
-        <p:nvPicPr>
-          <p:cNvPr id="5" name="Content Placeholder 4">
-            <a:extLst>
-              <a:ext uri="{FF2B5EF4-FFF2-40B4-BE49-F238E27FC236}">
-                <a16:creationId xmlns:a16="http://schemas.microsoft.com/office/drawing/2014/main" id="{351B982D-3109-50AC-7B64-32C959187547}"/>
-              </a:ext>
-            </a:extLst>
-          </p:cNvPr>
-          <p:cNvPicPr>
-            <a:picLocks noGrp="1" noChangeAspect="1"/>
-          </p:cNvPicPr>
-          <p:nvPr>
-            <p:ph idx="1"/>
-          </p:nvPr>
-        </p:nvPicPr>
-        <p:blipFill>
-          <a:blip r:embed="rId3"/>
-          <a:stretch>
-            <a:fillRect/>
-          </a:stretch>
-        </p:blipFill>
-        <p:spPr>
-          <a:xfrm>
-            <a:off x="1447800" y="1447800"/>
-            <a:ext cx="8229600" cy="4849585"/>
-          </a:xfrm>
-        </p:spPr>
-      </p:pic>
+      <mc:AlternateContent xmlns:mc="http://schemas.openxmlformats.org/markup-compatibility/2006" xmlns:a14="http://schemas.microsoft.com/office/drawing/2010/main">
+        <mc:Choice Requires="a14">
+          <p:sp>
+            <p:nvSpPr>
+              <p:cNvPr id="3" name="Content Placeholder 2"/>
+              <p:cNvSpPr>
+                <a:spLocks noGrp="1"/>
+              </p:cNvSpPr>
+              <p:nvPr>
+                <p:ph idx="1"/>
+              </p:nvPr>
+            </p:nvSpPr>
+            <p:spPr>
+              <a:xfrm>
+                <a:off x="914400" y="1066801"/>
+                <a:ext cx="9984829" cy="5141388"/>
+              </a:xfrm>
+            </p:spPr>
+            <p:txBody>
+              <a:bodyPr>
+                <a:normAutofit/>
+              </a:bodyPr>
+              <a:lstStyle/>
+              <a:p>
+                <a:r>
+                  <a:rPr lang="en-US" sz="2400" dirty="0">
+                    <a:cs typeface="Times New Roman" panose="02020603050405020304" pitchFamily="18" charset="0"/>
+                  </a:rPr>
+                  <a:t>What to do instead? </a:t>
+                </a:r>
+              </a:p>
+              <a:p>
+                <a:pPr lvl="1"/>
+                <a:r>
+                  <a:rPr lang="en-US" sz="2400" dirty="0">
+                    <a:cs typeface="Times New Roman" panose="02020603050405020304" pitchFamily="18" charset="0"/>
+                  </a:rPr>
+                  <a:t>Can use an LPM if you can deal with its downsides in your context </a:t>
+                </a:r>
+              </a:p>
+              <a:p>
+                <a:pPr lvl="2"/>
+                <a:r>
+                  <a:rPr lang="en-US" sz="2400" dirty="0">
+                    <a:cs typeface="Times New Roman" panose="02020603050405020304" pitchFamily="18" charset="0"/>
+                  </a:rPr>
+                  <a:t>(recall that </a:t>
+                </a:r>
+                <a14:m>
+                  <m:oMath xmlns:m="http://schemas.openxmlformats.org/officeDocument/2006/math">
+                    <m:acc>
+                      <m:accPr>
+                        <m:chr m:val="̅"/>
+                        <m:ctrlPr>
+                          <a:rPr lang="en-US" sz="2400" b="0" i="1" smtClean="0">
+                            <a:latin typeface="Cambria Math" panose="02040503050406030204" pitchFamily="18" charset="0"/>
+                            <a:cs typeface="Times New Roman" panose="02020603050405020304" pitchFamily="18" charset="0"/>
+                          </a:rPr>
+                        </m:ctrlPr>
+                      </m:accPr>
+                      <m:e>
+                        <m:r>
+                          <a:rPr lang="en-US" sz="2400" b="0" i="1" smtClean="0">
+                            <a:latin typeface="Cambria Math" panose="02040503050406030204" pitchFamily="18" charset="0"/>
+                            <a:cs typeface="Times New Roman" panose="02020603050405020304" pitchFamily="18" charset="0"/>
+                          </a:rPr>
+                          <m:t>𝑦</m:t>
+                        </m:r>
+                      </m:e>
+                    </m:acc>
+                  </m:oMath>
+                </a14:m>
+                <a:r>
+                  <a:rPr lang="en-US" sz="2400" dirty="0">
+                    <a:cs typeface="Times New Roman" panose="02020603050405020304" pitchFamily="18" charset="0"/>
+                  </a:rPr>
+                  <a:t> needs to be far from 0 or 1)</a:t>
+                </a:r>
+              </a:p>
+              <a:p>
+                <a:pPr lvl="1"/>
+                <a:r>
+                  <a:rPr lang="en-US" sz="2400" dirty="0">
+                    <a:cs typeface="Times New Roman" panose="02020603050405020304" pitchFamily="18" charset="0"/>
+                  </a:rPr>
+                  <a:t>If endogenous regressor is binary: use a method from Wooldridge (2010) where you use predicted values </a:t>
+                </a:r>
+                <a:r>
+                  <a:rPr lang="en-US" sz="2400" i="1" dirty="0">
+                    <a:cs typeface="Times New Roman" panose="02020603050405020304" pitchFamily="18" charset="0"/>
+                  </a:rPr>
+                  <a:t>as the instrument </a:t>
+                </a:r>
+                <a:r>
+                  <a:rPr lang="en-US" sz="2400" dirty="0">
+                    <a:cs typeface="Times New Roman" panose="02020603050405020304" pitchFamily="18" charset="0"/>
+                  </a:rPr>
+                  <a:t>in the second stage</a:t>
+                </a:r>
+              </a:p>
+              <a:p>
+                <a:pPr lvl="1"/>
+                <a:r>
+                  <a:rPr lang="en-US" sz="2400" dirty="0">
+                    <a:cs typeface="Times New Roman" panose="02020603050405020304" pitchFamily="18" charset="0"/>
+                  </a:rPr>
+                  <a:t>If outcome is binary: </a:t>
+                </a:r>
+                <a:r>
+                  <a:rPr lang="en-US" sz="2400" b="1" dirty="0">
+                    <a:solidFill>
+                      <a:schemeClr val="accent2">
+                        <a:lumMod val="75000"/>
+                      </a:schemeClr>
+                    </a:solidFill>
+                    <a:cs typeface="Times New Roman" panose="02020603050405020304" pitchFamily="18" charset="0"/>
+                  </a:rPr>
+                  <a:t>control function approach </a:t>
+                </a:r>
+                <a:r>
+                  <a:rPr lang="en-US" sz="2400" dirty="0">
+                    <a:cs typeface="Times New Roman" panose="02020603050405020304" pitchFamily="18" charset="0"/>
+                  </a:rPr>
+                  <a:t>(deferred; see HK for more)</a:t>
+                </a:r>
+              </a:p>
+              <a:p>
+                <a:pPr lvl="1"/>
+                <a:endParaRPr lang="en-US" sz="2400" dirty="0">
+                  <a:cs typeface="Times New Roman" panose="02020603050405020304" pitchFamily="18" charset="0"/>
+                </a:endParaRPr>
+              </a:p>
+            </p:txBody>
+          </p:sp>
+        </mc:Choice>
+        <mc:Fallback xmlns="">
+          <p:sp>
+            <p:nvSpPr>
+              <p:cNvPr id="3" name="Content Placeholder 2"/>
+              <p:cNvSpPr>
+                <a:spLocks noGrp="1" noRot="1" noChangeAspect="1" noMove="1" noResize="1" noEditPoints="1" noAdjustHandles="1" noChangeArrowheads="1" noChangeShapeType="1" noTextEdit="1"/>
+              </p:cNvSpPr>
+              <p:nvPr>
+                <p:ph idx="1"/>
+              </p:nvPr>
+            </p:nvSpPr>
+            <p:spPr>
+              <a:xfrm>
+                <a:off x="914400" y="1066801"/>
+                <a:ext cx="9984829" cy="5141388"/>
+              </a:xfrm>
+              <a:blipFill>
+                <a:blip r:embed="rId3"/>
+                <a:stretch>
+                  <a:fillRect l="-427" t="-1305"/>
+                </a:stretch>
+              </a:blipFill>
+            </p:spPr>
+            <p:txBody>
+              <a:bodyPr/>
+              <a:lstStyle/>
+              <a:p>
+                <a:r>
+                  <a:rPr lang="en-US">
+                    <a:noFill/>
+                  </a:rPr>
+                  <a:t> </a:t>
+                </a:r>
+              </a:p>
+            </p:txBody>
+          </p:sp>
+        </mc:Fallback>
+      </mc:AlternateContent>
     </p:spTree>
     <p:extLst>
       <p:ext uri="{BB962C8B-B14F-4D97-AF65-F5344CB8AC3E}">
-        <p14:creationId xmlns:p14="http://schemas.microsoft.com/office/powerpoint/2010/main" val="2482236574"/>
+        <p14:creationId xmlns:p14="http://schemas.microsoft.com/office/powerpoint/2010/main" val="950129750"/>
       </p:ext>
     </p:extLst>
   </p:cSld>
@@ -20923,129 +21178,73 @@
       </p:grpSpPr>
       <p:sp>
         <p:nvSpPr>
-          <p:cNvPr id="2" name="Title 1"/>
+          <p:cNvPr id="2" name="Title 1">
+            <a:extLst>
+              <a:ext uri="{FF2B5EF4-FFF2-40B4-BE49-F238E27FC236}">
+                <a16:creationId xmlns:a16="http://schemas.microsoft.com/office/drawing/2014/main" id="{F6693EDF-660D-4391-A114-A6C54268E445}"/>
+              </a:ext>
+            </a:extLst>
+          </p:cNvPr>
           <p:cNvSpPr>
             <a:spLocks noGrp="1"/>
           </p:cNvSpPr>
           <p:nvPr>
-            <p:ph type="title"/>
+            <p:ph type="ctrTitle"/>
           </p:nvPr>
         </p:nvSpPr>
         <p:spPr>
           <a:xfrm>
-            <a:off x="609600" y="337392"/>
-            <a:ext cx="10439400" cy="624840"/>
+            <a:off x="1261872" y="758952"/>
+            <a:ext cx="10549128" cy="4041648"/>
           </a:xfrm>
         </p:spPr>
         <p:txBody>
-          <a:bodyPr>
-            <a:noAutofit/>
-          </a:bodyPr>
+          <a:bodyPr/>
           <a:lstStyle/>
           <a:p>
             <a:r>
-              <a:rPr lang="en-US" sz="3600" dirty="0">
-                <a:cs typeface="Times New Roman" panose="02020603050405020304" pitchFamily="18" charset="0"/>
-              </a:rPr>
-              <a:t>The Poisson Distribution</a:t>
-            </a:r>
-            <a:endParaRPr lang="en-US" sz="3600" dirty="0">
-              <a:latin typeface="Times New Roman" panose="02020603050405020304" pitchFamily="18" charset="0"/>
-              <a:cs typeface="Times New Roman" panose="02020603050405020304" pitchFamily="18" charset="0"/>
-            </a:endParaRPr>
+              <a:rPr lang="en-US" dirty="0"/>
+              <a:t>Count Data: </a:t>
+            </a:r>
+            <a:br>
+              <a:rPr lang="en-US" dirty="0"/>
+            </a:br>
+            <a:r>
+              <a:rPr lang="en-US" dirty="0"/>
+              <a:t>Poisson Regression</a:t>
+            </a:r>
           </a:p>
         </p:txBody>
       </p:sp>
       <p:sp>
         <p:nvSpPr>
-          <p:cNvPr id="3" name="Content Placeholder 2"/>
+          <p:cNvPr id="3" name="Subtitle 2">
+            <a:extLst>
+              <a:ext uri="{FF2B5EF4-FFF2-40B4-BE49-F238E27FC236}">
+                <a16:creationId xmlns:a16="http://schemas.microsoft.com/office/drawing/2014/main" id="{9A7FADE3-4D7C-4B3A-B023-71CD85AECCCB}"/>
+              </a:ext>
+            </a:extLst>
+          </p:cNvPr>
           <p:cNvSpPr>
             <a:spLocks noGrp="1"/>
           </p:cNvSpPr>
           <p:nvPr>
-            <p:ph idx="1"/>
+            <p:ph type="subTitle" idx="1"/>
           </p:nvPr>
         </p:nvSpPr>
-        <p:spPr>
-          <a:xfrm>
-            <a:off x="914400" y="1066801"/>
-            <a:ext cx="9984829" cy="5141388"/>
-          </a:xfrm>
-        </p:spPr>
+        <p:spPr/>
         <p:txBody>
-          <a:bodyPr>
-            <a:normAutofit/>
-          </a:bodyPr>
+          <a:bodyPr/>
           <a:lstStyle/>
           <a:p>
-            <a:r>
-              <a:rPr lang="en-US" sz="2400" dirty="0">
-                <a:cs typeface="Times New Roman" panose="02020603050405020304" pitchFamily="18" charset="0"/>
-              </a:rPr>
-              <a:t>We can use </a:t>
-            </a:r>
-            <a:r>
-              <a:rPr lang="en-US" sz="2400" b="1" dirty="0">
-                <a:cs typeface="Times New Roman" panose="02020603050405020304" pitchFamily="18" charset="0"/>
-              </a:rPr>
-              <a:t>GLM </a:t>
-            </a:r>
-            <a:r>
-              <a:rPr lang="en-US" sz="2400" dirty="0">
-                <a:cs typeface="Times New Roman" panose="02020603050405020304" pitchFamily="18" charset="0"/>
-              </a:rPr>
-              <a:t>again to handle this non-normality</a:t>
-            </a:r>
-          </a:p>
-          <a:p>
-            <a:r>
-              <a:rPr lang="en-US" sz="2400" dirty="0">
-                <a:cs typeface="Times New Roman" panose="02020603050405020304" pitchFamily="18" charset="0"/>
-              </a:rPr>
-              <a:t>We just need a link function that approximates shape of data</a:t>
-            </a:r>
-          </a:p>
-          <a:p>
-            <a:endParaRPr lang="en-US" sz="2400" dirty="0">
-              <a:cs typeface="Times New Roman" panose="02020603050405020304" pitchFamily="18" charset="0"/>
-            </a:endParaRPr>
+            <a:endParaRPr lang="en-US"/>
           </a:p>
         </p:txBody>
       </p:sp>
-      <p:pic>
-        <p:nvPicPr>
-          <p:cNvPr id="4" name="Content Placeholder 4">
-            <a:extLst>
-              <a:ext uri="{FF2B5EF4-FFF2-40B4-BE49-F238E27FC236}">
-                <a16:creationId xmlns:a16="http://schemas.microsoft.com/office/drawing/2014/main" id="{9FABAB00-0F1A-5442-84F7-35BD8A3EE1E4}"/>
-              </a:ext>
-            </a:extLst>
-          </p:cNvPr>
-          <p:cNvPicPr>
-            <a:picLocks noChangeAspect="1"/>
-          </p:cNvPicPr>
-          <p:nvPr/>
-        </p:nvPicPr>
-        <p:blipFill>
-          <a:blip r:embed="rId3"/>
-          <a:stretch>
-            <a:fillRect/>
-          </a:stretch>
-        </p:blipFill>
-        <p:spPr>
-          <a:xfrm>
-            <a:off x="1828800" y="2209800"/>
-            <a:ext cx="7772400" cy="4580165"/>
-          </a:xfrm>
-          <a:prstGeom prst="rect">
-            <a:avLst/>
-          </a:prstGeom>
-        </p:spPr>
-      </p:pic>
     </p:spTree>
     <p:extLst>
       <p:ext uri="{BB962C8B-B14F-4D97-AF65-F5344CB8AC3E}">
-        <p14:creationId xmlns:p14="http://schemas.microsoft.com/office/powerpoint/2010/main" val="835374743"/>
+        <p14:creationId xmlns:p14="http://schemas.microsoft.com/office/powerpoint/2010/main" val="3942256509"/>
       </p:ext>
     </p:extLst>
   </p:cSld>
@@ -21257,6 +21456,555 @@
 </file>
 
 <file path=ppt/slides/slide40.xml><?xml version="1.0" encoding="utf-8"?>
+<p:sld xmlns:a="http://schemas.openxmlformats.org/drawingml/2006/main" xmlns:r="http://schemas.openxmlformats.org/officeDocument/2006/relationships" xmlns:p="http://schemas.openxmlformats.org/presentationml/2006/main">
+  <p:cSld>
+    <p:spTree>
+      <p:nvGrpSpPr>
+        <p:cNvPr id="1" name=""/>
+        <p:cNvGrpSpPr/>
+        <p:nvPr/>
+      </p:nvGrpSpPr>
+      <p:grpSpPr>
+        <a:xfrm>
+          <a:off x="0" y="0"/>
+          <a:ext cx="0" cy="0"/>
+          <a:chOff x="0" y="0"/>
+          <a:chExt cx="0" cy="0"/>
+        </a:xfrm>
+      </p:grpSpPr>
+      <p:sp>
+        <p:nvSpPr>
+          <p:cNvPr id="2" name="Title 1"/>
+          <p:cNvSpPr>
+            <a:spLocks noGrp="1"/>
+          </p:cNvSpPr>
+          <p:nvPr>
+            <p:ph type="title"/>
+          </p:nvPr>
+        </p:nvSpPr>
+        <p:spPr>
+          <a:xfrm>
+            <a:off x="609600" y="337392"/>
+            <a:ext cx="10439400" cy="624840"/>
+          </a:xfrm>
+        </p:spPr>
+        <p:txBody>
+          <a:bodyPr>
+            <a:noAutofit/>
+          </a:bodyPr>
+          <a:lstStyle/>
+          <a:p>
+            <a:r>
+              <a:rPr lang="en-US" sz="3600" dirty="0">
+                <a:cs typeface="Times New Roman" panose="02020603050405020304" pitchFamily="18" charset="0"/>
+              </a:rPr>
+              <a:t>Examples of Count Data in Health Policy</a:t>
+            </a:r>
+            <a:endParaRPr lang="en-US" sz="3600" dirty="0">
+              <a:latin typeface="Times New Roman" panose="02020603050405020304" pitchFamily="18" charset="0"/>
+              <a:cs typeface="Times New Roman" panose="02020603050405020304" pitchFamily="18" charset="0"/>
+            </a:endParaRPr>
+          </a:p>
+        </p:txBody>
+      </p:sp>
+      <p:sp>
+        <p:nvSpPr>
+          <p:cNvPr id="3" name="Content Placeholder 2"/>
+          <p:cNvSpPr>
+            <a:spLocks noGrp="1"/>
+          </p:cNvSpPr>
+          <p:nvPr>
+            <p:ph idx="1"/>
+          </p:nvPr>
+        </p:nvSpPr>
+        <p:spPr>
+          <a:xfrm>
+            <a:off x="914400" y="1066801"/>
+            <a:ext cx="9984829" cy="5141388"/>
+          </a:xfrm>
+        </p:spPr>
+        <p:txBody>
+          <a:bodyPr>
+            <a:normAutofit/>
+          </a:bodyPr>
+          <a:lstStyle/>
+          <a:p>
+            <a:r>
+              <a:rPr lang="en-US" sz="2400" dirty="0">
+                <a:cs typeface="Times New Roman" panose="02020603050405020304" pitchFamily="18" charset="0"/>
+              </a:rPr>
+              <a:t>Number of visits</a:t>
+            </a:r>
+          </a:p>
+          <a:p>
+            <a:r>
+              <a:rPr lang="en-US" sz="2400" dirty="0">
+                <a:cs typeface="Times New Roman" panose="02020603050405020304" pitchFamily="18" charset="0"/>
+              </a:rPr>
+              <a:t>Number of prescriptions filled</a:t>
+            </a:r>
+          </a:p>
+          <a:p>
+            <a:r>
+              <a:rPr lang="en-US" sz="2400" dirty="0">
+                <a:cs typeface="Times New Roman" panose="02020603050405020304" pitchFamily="18" charset="0"/>
+              </a:rPr>
+              <a:t>Number of hospital mergers, closures, etc. </a:t>
+            </a:r>
+          </a:p>
+          <a:p>
+            <a:pPr marL="0" indent="0">
+              <a:buNone/>
+            </a:pPr>
+            <a:r>
+              <a:rPr lang="en-US" sz="2800" b="1" dirty="0">
+                <a:solidFill>
+                  <a:schemeClr val="accent2">
+                    <a:lumMod val="75000"/>
+                  </a:schemeClr>
+                </a:solidFill>
+                <a:cs typeface="Times New Roman" panose="02020603050405020304" pitchFamily="18" charset="0"/>
+              </a:rPr>
+              <a:t>There’s a lot</a:t>
+            </a:r>
+            <a:endParaRPr lang="en-US" sz="2400" b="1" dirty="0">
+              <a:solidFill>
+                <a:schemeClr val="accent2">
+                  <a:lumMod val="75000"/>
+                </a:schemeClr>
+              </a:solidFill>
+              <a:cs typeface="Times New Roman" panose="02020603050405020304" pitchFamily="18" charset="0"/>
+            </a:endParaRPr>
+          </a:p>
+        </p:txBody>
+      </p:sp>
+    </p:spTree>
+    <p:extLst>
+      <p:ext uri="{BB962C8B-B14F-4D97-AF65-F5344CB8AC3E}">
+        <p14:creationId xmlns:p14="http://schemas.microsoft.com/office/powerpoint/2010/main" val="4116879454"/>
+      </p:ext>
+    </p:extLst>
+  </p:cSld>
+  <p:clrMapOvr>
+    <a:masterClrMapping/>
+  </p:clrMapOvr>
+</p:sld>
+</file>
+
+<file path=ppt/slides/slide41.xml><?xml version="1.0" encoding="utf-8"?>
+<p:sld xmlns:a="http://schemas.openxmlformats.org/drawingml/2006/main" xmlns:r="http://schemas.openxmlformats.org/officeDocument/2006/relationships" xmlns:p="http://schemas.openxmlformats.org/presentationml/2006/main">
+  <p:cSld>
+    <p:spTree>
+      <p:nvGrpSpPr>
+        <p:cNvPr id="1" name=""/>
+        <p:cNvGrpSpPr/>
+        <p:nvPr/>
+      </p:nvGrpSpPr>
+      <p:grpSpPr>
+        <a:xfrm>
+          <a:off x="0" y="0"/>
+          <a:ext cx="0" cy="0"/>
+          <a:chOff x="0" y="0"/>
+          <a:chExt cx="0" cy="0"/>
+        </a:xfrm>
+      </p:grpSpPr>
+      <p:sp>
+        <p:nvSpPr>
+          <p:cNvPr id="2" name="Title 1"/>
+          <p:cNvSpPr>
+            <a:spLocks noGrp="1"/>
+          </p:cNvSpPr>
+          <p:nvPr>
+            <p:ph type="title"/>
+          </p:nvPr>
+        </p:nvSpPr>
+        <p:spPr>
+          <a:xfrm>
+            <a:off x="609600" y="337392"/>
+            <a:ext cx="10439400" cy="624840"/>
+          </a:xfrm>
+        </p:spPr>
+        <p:txBody>
+          <a:bodyPr>
+            <a:noAutofit/>
+          </a:bodyPr>
+          <a:lstStyle/>
+          <a:p>
+            <a:r>
+              <a:rPr lang="en-US" sz="3600" dirty="0">
+                <a:cs typeface="Times New Roman" panose="02020603050405020304" pitchFamily="18" charset="0"/>
+              </a:rPr>
+              <a:t>Examples of Count Data in Health Policy</a:t>
+            </a:r>
+            <a:endParaRPr lang="en-US" sz="3600" dirty="0">
+              <a:latin typeface="Times New Roman" panose="02020603050405020304" pitchFamily="18" charset="0"/>
+              <a:cs typeface="Times New Roman" panose="02020603050405020304" pitchFamily="18" charset="0"/>
+            </a:endParaRPr>
+          </a:p>
+        </p:txBody>
+      </p:sp>
+      <p:sp>
+        <p:nvSpPr>
+          <p:cNvPr id="3" name="Content Placeholder 2"/>
+          <p:cNvSpPr>
+            <a:spLocks noGrp="1"/>
+          </p:cNvSpPr>
+          <p:nvPr>
+            <p:ph idx="1"/>
+          </p:nvPr>
+        </p:nvSpPr>
+        <p:spPr>
+          <a:xfrm>
+            <a:off x="914400" y="1066801"/>
+            <a:ext cx="9984829" cy="5141388"/>
+          </a:xfrm>
+        </p:spPr>
+        <p:txBody>
+          <a:bodyPr>
+            <a:normAutofit/>
+          </a:bodyPr>
+          <a:lstStyle/>
+          <a:p>
+            <a:r>
+              <a:rPr lang="en-US" sz="2400" dirty="0">
+                <a:cs typeface="Times New Roman" panose="02020603050405020304" pitchFamily="18" charset="0"/>
+              </a:rPr>
+              <a:t>Number of visits</a:t>
+            </a:r>
+          </a:p>
+          <a:p>
+            <a:r>
+              <a:rPr lang="en-US" sz="2400" dirty="0">
+                <a:cs typeface="Times New Roman" panose="02020603050405020304" pitchFamily="18" charset="0"/>
+              </a:rPr>
+              <a:t>Number of prescriptions filled</a:t>
+            </a:r>
+          </a:p>
+          <a:p>
+            <a:r>
+              <a:rPr lang="en-US" sz="2400" dirty="0">
+                <a:cs typeface="Times New Roman" panose="02020603050405020304" pitchFamily="18" charset="0"/>
+              </a:rPr>
+              <a:t>Number of hospital mergers, closures, etc. </a:t>
+            </a:r>
+          </a:p>
+          <a:p>
+            <a:pPr marL="0" indent="0">
+              <a:buNone/>
+            </a:pPr>
+            <a:r>
+              <a:rPr lang="en-US" sz="3200" b="1" dirty="0">
+                <a:solidFill>
+                  <a:schemeClr val="accent2">
+                    <a:lumMod val="75000"/>
+                  </a:schemeClr>
+                </a:solidFill>
+                <a:cs typeface="Times New Roman" panose="02020603050405020304" pitchFamily="18" charset="0"/>
+              </a:rPr>
+              <a:t>There’s a lot</a:t>
+            </a:r>
+          </a:p>
+          <a:p>
+            <a:r>
+              <a:rPr lang="en-US" sz="2400" dirty="0">
+                <a:cs typeface="Times New Roman" panose="02020603050405020304" pitchFamily="18" charset="0"/>
+              </a:rPr>
+              <a:t>When an event is relatively rare (counts are small), data tend to be far from </a:t>
+            </a:r>
+            <a:r>
+              <a:rPr lang="en-US" sz="2400" u="sng" dirty="0">
+                <a:cs typeface="Times New Roman" panose="02020603050405020304" pitchFamily="18" charset="0"/>
+              </a:rPr>
+              <a:t>normally distributed</a:t>
+            </a:r>
+          </a:p>
+          <a:p>
+            <a:pPr lvl="1"/>
+            <a:r>
+              <a:rPr lang="en-US" sz="2400" dirty="0">
+                <a:cs typeface="Times New Roman" panose="02020603050405020304" pitchFamily="18" charset="0"/>
+              </a:rPr>
+              <a:t>We use </a:t>
+            </a:r>
+            <a:r>
+              <a:rPr lang="en-US" sz="2400" b="1" dirty="0">
+                <a:solidFill>
+                  <a:schemeClr val="accent2">
+                    <a:lumMod val="75000"/>
+                  </a:schemeClr>
+                </a:solidFill>
+                <a:cs typeface="Times New Roman" panose="02020603050405020304" pitchFamily="18" charset="0"/>
+              </a:rPr>
+              <a:t>Poisson regression </a:t>
+            </a:r>
+            <a:r>
+              <a:rPr lang="en-US" sz="2400" dirty="0">
+                <a:cs typeface="Times New Roman" panose="02020603050405020304" pitchFamily="18" charset="0"/>
+              </a:rPr>
+              <a:t>to handle this</a:t>
+            </a:r>
+          </a:p>
+        </p:txBody>
+      </p:sp>
+    </p:spTree>
+    <p:extLst>
+      <p:ext uri="{BB962C8B-B14F-4D97-AF65-F5344CB8AC3E}">
+        <p14:creationId xmlns:p14="http://schemas.microsoft.com/office/powerpoint/2010/main" val="3533842170"/>
+      </p:ext>
+    </p:extLst>
+  </p:cSld>
+  <p:clrMapOvr>
+    <a:masterClrMapping/>
+  </p:clrMapOvr>
+</p:sld>
+</file>
+
+<file path=ppt/slides/slide42.xml><?xml version="1.0" encoding="utf-8"?>
+<p:sld xmlns:a="http://schemas.openxmlformats.org/drawingml/2006/main" xmlns:r="http://schemas.openxmlformats.org/officeDocument/2006/relationships" xmlns:p="http://schemas.openxmlformats.org/presentationml/2006/main">
+  <p:cSld>
+    <p:spTree>
+      <p:nvGrpSpPr>
+        <p:cNvPr id="1" name=""/>
+        <p:cNvGrpSpPr/>
+        <p:nvPr/>
+      </p:nvGrpSpPr>
+      <p:grpSpPr>
+        <a:xfrm>
+          <a:off x="0" y="0"/>
+          <a:ext cx="0" cy="0"/>
+          <a:chOff x="0" y="0"/>
+          <a:chExt cx="0" cy="0"/>
+        </a:xfrm>
+      </p:grpSpPr>
+      <p:sp>
+        <p:nvSpPr>
+          <p:cNvPr id="2" name="Title 1"/>
+          <p:cNvSpPr>
+            <a:spLocks noGrp="1"/>
+          </p:cNvSpPr>
+          <p:nvPr>
+            <p:ph type="title"/>
+          </p:nvPr>
+        </p:nvSpPr>
+        <p:spPr>
+          <a:xfrm>
+            <a:off x="609600" y="337392"/>
+            <a:ext cx="10439400" cy="624840"/>
+          </a:xfrm>
+        </p:spPr>
+        <p:txBody>
+          <a:bodyPr>
+            <a:noAutofit/>
+          </a:bodyPr>
+          <a:lstStyle/>
+          <a:p>
+            <a:r>
+              <a:rPr lang="en-US" sz="3600" dirty="0">
+                <a:cs typeface="Times New Roman" panose="02020603050405020304" pitchFamily="18" charset="0"/>
+              </a:rPr>
+              <a:t>Examples of Count Data: Job Changes</a:t>
+            </a:r>
+            <a:endParaRPr lang="en-US" sz="3600" dirty="0">
+              <a:latin typeface="Times New Roman" panose="02020603050405020304" pitchFamily="18" charset="0"/>
+              <a:cs typeface="Times New Roman" panose="02020603050405020304" pitchFamily="18" charset="0"/>
+            </a:endParaRPr>
+          </a:p>
+        </p:txBody>
+      </p:sp>
+      <p:pic>
+        <p:nvPicPr>
+          <p:cNvPr id="5" name="Content Placeholder 4">
+            <a:extLst>
+              <a:ext uri="{FF2B5EF4-FFF2-40B4-BE49-F238E27FC236}">
+                <a16:creationId xmlns:a16="http://schemas.microsoft.com/office/drawing/2014/main" id="{351B982D-3109-50AC-7B64-32C959187547}"/>
+              </a:ext>
+            </a:extLst>
+          </p:cNvPr>
+          <p:cNvPicPr>
+            <a:picLocks noGrp="1" noChangeAspect="1"/>
+          </p:cNvPicPr>
+          <p:nvPr>
+            <p:ph idx="1"/>
+          </p:nvPr>
+        </p:nvPicPr>
+        <p:blipFill>
+          <a:blip r:embed="rId3"/>
+          <a:stretch>
+            <a:fillRect/>
+          </a:stretch>
+        </p:blipFill>
+        <p:spPr>
+          <a:xfrm>
+            <a:off x="1447800" y="1447800"/>
+            <a:ext cx="8229600" cy="4849585"/>
+          </a:xfrm>
+        </p:spPr>
+      </p:pic>
+    </p:spTree>
+    <p:extLst>
+      <p:ext uri="{BB962C8B-B14F-4D97-AF65-F5344CB8AC3E}">
+        <p14:creationId xmlns:p14="http://schemas.microsoft.com/office/powerpoint/2010/main" val="2482236574"/>
+      </p:ext>
+    </p:extLst>
+  </p:cSld>
+  <p:clrMapOvr>
+    <a:masterClrMapping/>
+  </p:clrMapOvr>
+</p:sld>
+</file>
+
+<file path=ppt/slides/slide43.xml><?xml version="1.0" encoding="utf-8"?>
+<p:sld xmlns:a="http://schemas.openxmlformats.org/drawingml/2006/main" xmlns:r="http://schemas.openxmlformats.org/officeDocument/2006/relationships" xmlns:p="http://schemas.openxmlformats.org/presentationml/2006/main">
+  <p:cSld>
+    <p:spTree>
+      <p:nvGrpSpPr>
+        <p:cNvPr id="1" name=""/>
+        <p:cNvGrpSpPr/>
+        <p:nvPr/>
+      </p:nvGrpSpPr>
+      <p:grpSpPr>
+        <a:xfrm>
+          <a:off x="0" y="0"/>
+          <a:ext cx="0" cy="0"/>
+          <a:chOff x="0" y="0"/>
+          <a:chExt cx="0" cy="0"/>
+        </a:xfrm>
+      </p:grpSpPr>
+      <p:sp>
+        <p:nvSpPr>
+          <p:cNvPr id="2" name="Title 1"/>
+          <p:cNvSpPr>
+            <a:spLocks noGrp="1"/>
+          </p:cNvSpPr>
+          <p:nvPr>
+            <p:ph type="title"/>
+          </p:nvPr>
+        </p:nvSpPr>
+        <p:spPr>
+          <a:xfrm>
+            <a:off x="609600" y="337392"/>
+            <a:ext cx="10439400" cy="624840"/>
+          </a:xfrm>
+        </p:spPr>
+        <p:txBody>
+          <a:bodyPr>
+            <a:noAutofit/>
+          </a:bodyPr>
+          <a:lstStyle/>
+          <a:p>
+            <a:r>
+              <a:rPr lang="en-US" sz="3600" dirty="0">
+                <a:cs typeface="Times New Roman" panose="02020603050405020304" pitchFamily="18" charset="0"/>
+              </a:rPr>
+              <a:t>The Poisson Distribution</a:t>
+            </a:r>
+            <a:endParaRPr lang="en-US" sz="3600" dirty="0">
+              <a:latin typeface="Times New Roman" panose="02020603050405020304" pitchFamily="18" charset="0"/>
+              <a:cs typeface="Times New Roman" panose="02020603050405020304" pitchFamily="18" charset="0"/>
+            </a:endParaRPr>
+          </a:p>
+        </p:txBody>
+      </p:sp>
+      <p:sp>
+        <p:nvSpPr>
+          <p:cNvPr id="3" name="Content Placeholder 2"/>
+          <p:cNvSpPr>
+            <a:spLocks noGrp="1"/>
+          </p:cNvSpPr>
+          <p:nvPr>
+            <p:ph idx="1"/>
+          </p:nvPr>
+        </p:nvSpPr>
+        <p:spPr>
+          <a:xfrm>
+            <a:off x="914400" y="1066801"/>
+            <a:ext cx="9984829" cy="5141388"/>
+          </a:xfrm>
+        </p:spPr>
+        <p:txBody>
+          <a:bodyPr>
+            <a:normAutofit/>
+          </a:bodyPr>
+          <a:lstStyle/>
+          <a:p>
+            <a:r>
+              <a:rPr lang="en-US" sz="2400" dirty="0">
+                <a:cs typeface="Times New Roman" panose="02020603050405020304" pitchFamily="18" charset="0"/>
+              </a:rPr>
+              <a:t>We can use </a:t>
+            </a:r>
+            <a:r>
+              <a:rPr lang="en-US" sz="2400" b="1" dirty="0">
+                <a:cs typeface="Times New Roman" panose="02020603050405020304" pitchFamily="18" charset="0"/>
+              </a:rPr>
+              <a:t>GLM </a:t>
+            </a:r>
+            <a:r>
+              <a:rPr lang="en-US" sz="2400" dirty="0">
+                <a:cs typeface="Times New Roman" panose="02020603050405020304" pitchFamily="18" charset="0"/>
+              </a:rPr>
+              <a:t>again to handle this non-normality</a:t>
+            </a:r>
+          </a:p>
+          <a:p>
+            <a:r>
+              <a:rPr lang="en-US" sz="2400" dirty="0">
+                <a:cs typeface="Times New Roman" panose="02020603050405020304" pitchFamily="18" charset="0"/>
+              </a:rPr>
+              <a:t>We just need a link function that approximates shape of data</a:t>
+            </a:r>
+          </a:p>
+          <a:p>
+            <a:endParaRPr lang="en-US" sz="2400" dirty="0">
+              <a:cs typeface="Times New Roman" panose="02020603050405020304" pitchFamily="18" charset="0"/>
+            </a:endParaRPr>
+          </a:p>
+        </p:txBody>
+      </p:sp>
+      <p:pic>
+        <p:nvPicPr>
+          <p:cNvPr id="4" name="Content Placeholder 4">
+            <a:extLst>
+              <a:ext uri="{FF2B5EF4-FFF2-40B4-BE49-F238E27FC236}">
+                <a16:creationId xmlns:a16="http://schemas.microsoft.com/office/drawing/2014/main" id="{9FABAB00-0F1A-5442-84F7-35BD8A3EE1E4}"/>
+              </a:ext>
+            </a:extLst>
+          </p:cNvPr>
+          <p:cNvPicPr>
+            <a:picLocks noChangeAspect="1"/>
+          </p:cNvPicPr>
+          <p:nvPr/>
+        </p:nvPicPr>
+        <p:blipFill>
+          <a:blip r:embed="rId3"/>
+          <a:stretch>
+            <a:fillRect/>
+          </a:stretch>
+        </p:blipFill>
+        <p:spPr>
+          <a:xfrm>
+            <a:off x="1828800" y="2209800"/>
+            <a:ext cx="7772400" cy="4580165"/>
+          </a:xfrm>
+          <a:prstGeom prst="rect">
+            <a:avLst/>
+          </a:prstGeom>
+        </p:spPr>
+      </p:pic>
+    </p:spTree>
+    <p:extLst>
+      <p:ext uri="{BB962C8B-B14F-4D97-AF65-F5344CB8AC3E}">
+        <p14:creationId xmlns:p14="http://schemas.microsoft.com/office/powerpoint/2010/main" val="835374743"/>
+      </p:ext>
+    </p:extLst>
+  </p:cSld>
+  <p:clrMapOvr>
+    <a:masterClrMapping/>
+  </p:clrMapOvr>
+</p:sld>
+</file>
+
+<file path=ppt/slides/slide44.xml><?xml version="1.0" encoding="utf-8"?>
 <p:sld xmlns:a="http://schemas.openxmlformats.org/drawingml/2006/main" xmlns:r="http://schemas.openxmlformats.org/officeDocument/2006/relationships" xmlns:p="http://schemas.openxmlformats.org/presentationml/2006/main">
   <p:cSld>
     <p:spTree>
@@ -21723,7 +22471,7 @@
 </p:sld>
 </file>
 
-<file path=ppt/slides/slide41.xml><?xml version="1.0" encoding="utf-8"?>
+<file path=ppt/slides/slide45.xml><?xml version="1.0" encoding="utf-8"?>
 <p:sld xmlns:a="http://schemas.openxmlformats.org/drawingml/2006/main" xmlns:r="http://schemas.openxmlformats.org/officeDocument/2006/relationships" xmlns:p="http://schemas.openxmlformats.org/presentationml/2006/main">
   <p:cSld>
     <p:spTree>
@@ -22237,7 +22985,7 @@
 </p:sld>
 </file>
 
-<file path=ppt/slides/slide42.xml><?xml version="1.0" encoding="utf-8"?>
+<file path=ppt/slides/slide46.xml><?xml version="1.0" encoding="utf-8"?>
 <p:sld xmlns:a="http://schemas.openxmlformats.org/drawingml/2006/main" xmlns:r="http://schemas.openxmlformats.org/officeDocument/2006/relationships" xmlns:p="http://schemas.openxmlformats.org/presentationml/2006/main">
   <p:cSld>
     <p:spTree>
@@ -22289,8 +23037,8 @@
           </a:p>
         </p:txBody>
       </p:sp>
-      <mc:AlternateContent xmlns:mc="http://schemas.openxmlformats.org/markup-compatibility/2006">
-        <mc:Choice xmlns:a14="http://schemas.microsoft.com/office/drawing/2010/main" Requires="a14">
+      <mc:AlternateContent xmlns:mc="http://schemas.openxmlformats.org/markup-compatibility/2006" xmlns:a14="http://schemas.microsoft.com/office/drawing/2010/main">
+        <mc:Choice Requires="a14">
           <p:sp>
             <p:nvSpPr>
               <p:cNvPr id="3" name="Content Placeholder 2"/>
@@ -22985,7 +23733,7 @@
             </p:txBody>
           </p:sp>
         </mc:Choice>
-        <mc:Fallback>
+        <mc:Fallback xmlns="">
           <p:sp>
             <p:nvSpPr>
               <p:cNvPr id="3" name="Content Placeholder 2"/>
@@ -23083,7 +23831,7 @@
 </p:sld>
 </file>
 
-<file path=ppt/slides/slide43.xml><?xml version="1.0" encoding="utf-8"?>
+<file path=ppt/slides/slide47.xml><?xml version="1.0" encoding="utf-8"?>
 <p:sld xmlns:a="http://schemas.openxmlformats.org/drawingml/2006/main" xmlns:r="http://schemas.openxmlformats.org/officeDocument/2006/relationships" xmlns:p="http://schemas.openxmlformats.org/presentationml/2006/main">
   <p:cSld>
     <p:spTree>
@@ -23135,8 +23883,8 @@
           </a:p>
         </p:txBody>
       </p:sp>
-      <mc:AlternateContent xmlns:mc="http://schemas.openxmlformats.org/markup-compatibility/2006">
-        <mc:Choice xmlns:a14="http://schemas.microsoft.com/office/drawing/2010/main" Requires="a14">
+      <mc:AlternateContent xmlns:mc="http://schemas.openxmlformats.org/markup-compatibility/2006" xmlns:a14="http://schemas.microsoft.com/office/drawing/2010/main">
+        <mc:Choice Requires="a14">
           <p:sp>
             <p:nvSpPr>
               <p:cNvPr id="3" name="Content Placeholder 2"/>
@@ -23380,7 +24128,7 @@
             </p:txBody>
           </p:sp>
         </mc:Choice>
-        <mc:Fallback>
+        <mc:Fallback xmlns="">
           <p:sp>
             <p:nvSpPr>
               <p:cNvPr id="3" name="Content Placeholder 2"/>
@@ -23431,7 +24179,7 @@
 </p:sld>
 </file>
 
-<file path=ppt/slides/slide44.xml><?xml version="1.0" encoding="utf-8"?>
+<file path=ppt/slides/slide48.xml><?xml version="1.0" encoding="utf-8"?>
 <p:sld xmlns:a="http://schemas.openxmlformats.org/drawingml/2006/main" xmlns:r="http://schemas.openxmlformats.org/officeDocument/2006/relationships" xmlns:p="http://schemas.openxmlformats.org/presentationml/2006/main">
   <p:cSld>
     <p:spTree>
@@ -23483,8 +24231,8 @@
           </a:p>
         </p:txBody>
       </p:sp>
-      <mc:AlternateContent xmlns:mc="http://schemas.openxmlformats.org/markup-compatibility/2006">
-        <mc:Choice xmlns:a14="http://schemas.microsoft.com/office/drawing/2010/main" Requires="a14">
+      <mc:AlternateContent xmlns:mc="http://schemas.openxmlformats.org/markup-compatibility/2006" xmlns:a14="http://schemas.microsoft.com/office/drawing/2010/main">
+        <mc:Choice Requires="a14">
           <p:sp>
             <p:nvSpPr>
               <p:cNvPr id="3" name="Content Placeholder 2"/>
@@ -23775,7 +24523,7 @@
             </p:txBody>
           </p:sp>
         </mc:Choice>
-        <mc:Fallback>
+        <mc:Fallback xmlns="">
           <p:sp>
             <p:nvSpPr>
               <p:cNvPr id="3" name="Content Placeholder 2"/>
@@ -23873,7 +24621,7 @@
 </p:sld>
 </file>
 
-<file path=ppt/slides/slide45.xml><?xml version="1.0" encoding="utf-8"?>
+<file path=ppt/slides/slide49.xml><?xml version="1.0" encoding="utf-8"?>
 <p:sld xmlns:a="http://schemas.openxmlformats.org/drawingml/2006/main" xmlns:r="http://schemas.openxmlformats.org/officeDocument/2006/relationships" xmlns:p="http://schemas.openxmlformats.org/presentationml/2006/main">
   <p:cSld>
     <p:spTree>
@@ -23961,7 +24709,237 @@
 </p:sld>
 </file>
 
-<file path=ppt/slides/slide46.xml><?xml version="1.0" encoding="utf-8"?>
+<file path=ppt/slides/slide5.xml><?xml version="1.0" encoding="utf-8"?>
+<p:sld xmlns:a="http://schemas.openxmlformats.org/drawingml/2006/main" xmlns:r="http://schemas.openxmlformats.org/officeDocument/2006/relationships" xmlns:p="http://schemas.openxmlformats.org/presentationml/2006/main">
+  <p:cSld>
+    <p:spTree>
+      <p:nvGrpSpPr>
+        <p:cNvPr id="1" name=""/>
+        <p:cNvGrpSpPr/>
+        <p:nvPr/>
+      </p:nvGrpSpPr>
+      <p:grpSpPr>
+        <a:xfrm>
+          <a:off x="0" y="0"/>
+          <a:ext cx="0" cy="0"/>
+          <a:chOff x="0" y="0"/>
+          <a:chExt cx="0" cy="0"/>
+        </a:xfrm>
+      </p:grpSpPr>
+      <p:sp>
+        <p:nvSpPr>
+          <p:cNvPr id="2" name="Title 1"/>
+          <p:cNvSpPr>
+            <a:spLocks noGrp="1"/>
+          </p:cNvSpPr>
+          <p:nvPr>
+            <p:ph type="title"/>
+          </p:nvPr>
+        </p:nvSpPr>
+        <p:spPr>
+          <a:xfrm>
+            <a:off x="609600" y="337392"/>
+            <a:ext cx="10439400" cy="624840"/>
+          </a:xfrm>
+        </p:spPr>
+        <p:txBody>
+          <a:bodyPr>
+            <a:noAutofit/>
+          </a:bodyPr>
+          <a:lstStyle/>
+          <a:p>
+            <a:r>
+              <a:rPr lang="en-US" sz="3600" dirty="0">
+                <a:cs typeface="Times New Roman" panose="02020603050405020304" pitchFamily="18" charset="0"/>
+              </a:rPr>
+              <a:t>Examples of Limited Dependent Variables</a:t>
+            </a:r>
+            <a:endParaRPr lang="en-US" sz="3600" dirty="0">
+              <a:latin typeface="Times New Roman" panose="02020603050405020304" pitchFamily="18" charset="0"/>
+              <a:cs typeface="Times New Roman" panose="02020603050405020304" pitchFamily="18" charset="0"/>
+            </a:endParaRPr>
+          </a:p>
+        </p:txBody>
+      </p:sp>
+      <mc:AlternateContent xmlns:mc="http://schemas.openxmlformats.org/markup-compatibility/2006" xmlns:a14="http://schemas.microsoft.com/office/drawing/2010/main">
+        <mc:Choice Requires="a14">
+          <p:sp>
+            <p:nvSpPr>
+              <p:cNvPr id="3" name="Content Placeholder 2"/>
+              <p:cNvSpPr>
+                <a:spLocks noGrp="1"/>
+              </p:cNvSpPr>
+              <p:nvPr>
+                <p:ph idx="1"/>
+              </p:nvPr>
+            </p:nvSpPr>
+            <p:spPr>
+              <a:xfrm>
+                <a:off x="1219199" y="1066801"/>
+                <a:ext cx="9405791" cy="5141388"/>
+              </a:xfrm>
+            </p:spPr>
+            <p:txBody>
+              <a:bodyPr>
+                <a:noAutofit/>
+              </a:bodyPr>
+              <a:lstStyle/>
+              <a:p>
+                <a:r>
+                  <a:rPr lang="en-US" sz="2600" b="1" dirty="0">
+                    <a:cs typeface="Times New Roman" panose="02020603050405020304" pitchFamily="18" charset="0"/>
+                  </a:rPr>
+                  <a:t>Binary</a:t>
+                </a:r>
+                <a:r>
+                  <a:rPr lang="en-US" sz="2600" dirty="0">
+                    <a:cs typeface="Times New Roman" panose="02020603050405020304" pitchFamily="18" charset="0"/>
+                  </a:rPr>
+                  <a:t>: Whether or not someone receives a treatment</a:t>
+                </a:r>
+                <a:endParaRPr lang="en-US" sz="2400" dirty="0">
+                  <a:cs typeface="Times New Roman" panose="02020603050405020304" pitchFamily="18" charset="0"/>
+                </a:endParaRPr>
+              </a:p>
+              <a:p>
+                <a:r>
+                  <a:rPr lang="en-US" sz="2400" b="1" dirty="0">
+                    <a:cs typeface="Times New Roman" panose="02020603050405020304" pitchFamily="18" charset="0"/>
+                  </a:rPr>
+                  <a:t>Ordered</a:t>
+                </a:r>
+                <a:r>
+                  <a:rPr lang="en-US" sz="2400" dirty="0">
+                    <a:cs typeface="Times New Roman" panose="02020603050405020304" pitchFamily="18" charset="0"/>
+                  </a:rPr>
+                  <a:t>: Number of prenatal visits during a pregnancy</a:t>
+                </a:r>
+              </a:p>
+              <a:p>
+                <a:pPr marL="0" indent="0">
+                  <a:buNone/>
+                </a:pPr>
+                <a14:m>
+                  <m:oMathPara xmlns:m="http://schemas.openxmlformats.org/officeDocument/2006/math">
+                    <m:oMathParaPr>
+                      <m:jc m:val="centerGroup"/>
+                    </m:oMathParaPr>
+                    <m:oMath xmlns:m="http://schemas.openxmlformats.org/officeDocument/2006/math">
+                      <m:r>
+                        <a:rPr lang="en-US" sz="2400" b="0" i="1" smtClean="0">
+                          <a:latin typeface="Cambria Math" panose="02040503050406030204" pitchFamily="18" charset="0"/>
+                          <a:cs typeface="Times New Roman" panose="02020603050405020304" pitchFamily="18" charset="0"/>
+                        </a:rPr>
+                        <m:t>𝑌</m:t>
+                      </m:r>
+                      <m:r>
+                        <a:rPr lang="en-US" sz="2400" b="0" i="1" smtClean="0">
+                          <a:latin typeface="Cambria Math" panose="02040503050406030204" pitchFamily="18" charset="0"/>
+                          <a:cs typeface="Times New Roman" panose="02020603050405020304" pitchFamily="18" charset="0"/>
+                        </a:rPr>
+                        <m:t>∈</m:t>
+                      </m:r>
+                      <m:r>
+                        <m:rPr>
+                          <m:lit/>
+                        </m:rPr>
+                        <a:rPr lang="en-US" sz="2400" b="0" i="1" smtClean="0">
+                          <a:latin typeface="Cambria Math" panose="02040503050406030204" pitchFamily="18" charset="0"/>
+                          <a:cs typeface="Times New Roman" panose="02020603050405020304" pitchFamily="18" charset="0"/>
+                        </a:rPr>
+                        <m:t>{</m:t>
+                      </m:r>
+                      <m:r>
+                        <a:rPr lang="en-US" sz="2400" b="0" i="1" smtClean="0">
+                          <a:latin typeface="Cambria Math" panose="02040503050406030204" pitchFamily="18" charset="0"/>
+                          <a:cs typeface="Times New Roman" panose="02020603050405020304" pitchFamily="18" charset="0"/>
+                        </a:rPr>
+                        <m:t>0, 1, 2, 3, …, </m:t>
+                      </m:r>
+                      <m:r>
+                        <a:rPr lang="en-US" sz="2400" b="0" i="1" smtClean="0">
+                          <a:latin typeface="Cambria Math" panose="02040503050406030204" pitchFamily="18" charset="0"/>
+                          <a:cs typeface="Times New Roman" panose="02020603050405020304" pitchFamily="18" charset="0"/>
+                        </a:rPr>
+                        <m:t>𝑁</m:t>
+                      </m:r>
+                      <m:r>
+                        <m:rPr>
+                          <m:lit/>
+                        </m:rPr>
+                        <a:rPr lang="en-US" sz="2400" b="0" i="1" smtClean="0">
+                          <a:latin typeface="Cambria Math" panose="02040503050406030204" pitchFamily="18" charset="0"/>
+                          <a:cs typeface="Times New Roman" panose="02020603050405020304" pitchFamily="18" charset="0"/>
+                        </a:rPr>
+                        <m:t>}</m:t>
+                      </m:r>
+                    </m:oMath>
+                  </m:oMathPara>
+                </a14:m>
+                <a:endParaRPr lang="en-US" sz="2400" dirty="0">
+                  <a:cs typeface="Times New Roman" panose="02020603050405020304" pitchFamily="18" charset="0"/>
+                </a:endParaRPr>
+              </a:p>
+              <a:p>
+                <a:endParaRPr lang="en-US" sz="2200" dirty="0">
+                  <a:cs typeface="Times New Roman" panose="02020603050405020304" pitchFamily="18" charset="0"/>
+                </a:endParaRPr>
+              </a:p>
+            </p:txBody>
+          </p:sp>
+        </mc:Choice>
+        <mc:Fallback xmlns="">
+          <p:sp>
+            <p:nvSpPr>
+              <p:cNvPr id="3" name="Content Placeholder 2"/>
+              <p:cNvSpPr>
+                <a:spLocks noGrp="1" noRot="1" noChangeAspect="1" noMove="1" noResize="1" noEditPoints="1" noAdjustHandles="1" noChangeArrowheads="1" noChangeShapeType="1" noTextEdit="1"/>
+              </p:cNvSpPr>
+              <p:nvPr>
+                <p:ph idx="1"/>
+              </p:nvPr>
+            </p:nvSpPr>
+            <p:spPr>
+              <a:xfrm>
+                <a:off x="1219199" y="1066801"/>
+                <a:ext cx="9405791" cy="5141388"/>
+              </a:xfrm>
+              <a:blipFill>
+                <a:blip r:embed="rId3"/>
+                <a:stretch>
+                  <a:fillRect l="-583" t="-1423"/>
+                </a:stretch>
+              </a:blipFill>
+            </p:spPr>
+            <p:txBody>
+              <a:bodyPr/>
+              <a:lstStyle/>
+              <a:p>
+                <a:r>
+                  <a:rPr lang="en-US">
+                    <a:noFill/>
+                  </a:rPr>
+                  <a:t> </a:t>
+                </a:r>
+              </a:p>
+            </p:txBody>
+          </p:sp>
+        </mc:Fallback>
+      </mc:AlternateContent>
+    </p:spTree>
+    <p:extLst>
+      <p:ext uri="{BB962C8B-B14F-4D97-AF65-F5344CB8AC3E}">
+        <p14:creationId xmlns:p14="http://schemas.microsoft.com/office/powerpoint/2010/main" val="2634887981"/>
+      </p:ext>
+    </p:extLst>
+  </p:cSld>
+  <p:clrMapOvr>
+    <a:masterClrMapping/>
+  </p:clrMapOvr>
+</p:sld>
+</file>
+
+<file path=ppt/slides/slide50.xml><?xml version="1.0" encoding="utf-8"?>
 <p:sld xmlns:a="http://schemas.openxmlformats.org/drawingml/2006/main" xmlns:r="http://schemas.openxmlformats.org/officeDocument/2006/relationships" xmlns:p="http://schemas.openxmlformats.org/presentationml/2006/main">
   <p:cSld>
     <p:spTree>
@@ -24092,7 +25070,7 @@
 </p:sld>
 </file>
 
-<file path=ppt/slides/slide47.xml><?xml version="1.0" encoding="utf-8"?>
+<file path=ppt/slides/slide51.xml><?xml version="1.0" encoding="utf-8"?>
 <p:sld xmlns:a="http://schemas.openxmlformats.org/drawingml/2006/main" xmlns:r="http://schemas.openxmlformats.org/officeDocument/2006/relationships" xmlns:p="http://schemas.openxmlformats.org/presentationml/2006/main">
   <p:cSld>
     <p:spTree>
@@ -24267,7 +25245,7 @@
 </p:sld>
 </file>
 
-<file path=ppt/slides/slide48.xml><?xml version="1.0" encoding="utf-8"?>
+<file path=ppt/slides/slide52.xml><?xml version="1.0" encoding="utf-8"?>
 <p:sld xmlns:a="http://schemas.openxmlformats.org/drawingml/2006/main" xmlns:r="http://schemas.openxmlformats.org/officeDocument/2006/relationships" xmlns:p="http://schemas.openxmlformats.org/presentationml/2006/main">
   <p:cSld>
     <p:spTree>
@@ -24319,8 +25297,8 @@
           </a:p>
         </p:txBody>
       </p:sp>
-      <mc:AlternateContent xmlns:mc="http://schemas.openxmlformats.org/markup-compatibility/2006">
-        <mc:Choice xmlns:a14="http://schemas.microsoft.com/office/drawing/2010/main" Requires="a14">
+      <mc:AlternateContent xmlns:mc="http://schemas.openxmlformats.org/markup-compatibility/2006" xmlns:a14="http://schemas.microsoft.com/office/drawing/2010/main">
+        <mc:Choice Requires="a14">
           <p:sp>
             <p:nvSpPr>
               <p:cNvPr id="3" name="Content Placeholder 2"/>
@@ -25442,7 +26420,7 @@
             </p:txBody>
           </p:sp>
         </mc:Choice>
-        <mc:Fallback>
+        <mc:Fallback xmlns="">
           <p:sp>
             <p:nvSpPr>
               <p:cNvPr id="3" name="Content Placeholder 2"/>
@@ -25540,7 +26518,7 @@
 </p:sld>
 </file>
 
-<file path=ppt/slides/slide49.xml><?xml version="1.0" encoding="utf-8"?>
+<file path=ppt/slides/slide53.xml><?xml version="1.0" encoding="utf-8"?>
 <p:sld xmlns:a="http://schemas.openxmlformats.org/drawingml/2006/main" xmlns:r="http://schemas.openxmlformats.org/officeDocument/2006/relationships" xmlns:p="http://schemas.openxmlformats.org/presentationml/2006/main">
   <p:cSld>
     <p:spTree>
@@ -25857,237 +26835,7 @@
 </p:sld>
 </file>
 
-<file path=ppt/slides/slide5.xml><?xml version="1.0" encoding="utf-8"?>
-<p:sld xmlns:a="http://schemas.openxmlformats.org/drawingml/2006/main" xmlns:r="http://schemas.openxmlformats.org/officeDocument/2006/relationships" xmlns:p="http://schemas.openxmlformats.org/presentationml/2006/main">
-  <p:cSld>
-    <p:spTree>
-      <p:nvGrpSpPr>
-        <p:cNvPr id="1" name=""/>
-        <p:cNvGrpSpPr/>
-        <p:nvPr/>
-      </p:nvGrpSpPr>
-      <p:grpSpPr>
-        <a:xfrm>
-          <a:off x="0" y="0"/>
-          <a:ext cx="0" cy="0"/>
-          <a:chOff x="0" y="0"/>
-          <a:chExt cx="0" cy="0"/>
-        </a:xfrm>
-      </p:grpSpPr>
-      <p:sp>
-        <p:nvSpPr>
-          <p:cNvPr id="2" name="Title 1"/>
-          <p:cNvSpPr>
-            <a:spLocks noGrp="1"/>
-          </p:cNvSpPr>
-          <p:nvPr>
-            <p:ph type="title"/>
-          </p:nvPr>
-        </p:nvSpPr>
-        <p:spPr>
-          <a:xfrm>
-            <a:off x="609600" y="337392"/>
-            <a:ext cx="10439400" cy="624840"/>
-          </a:xfrm>
-        </p:spPr>
-        <p:txBody>
-          <a:bodyPr>
-            <a:noAutofit/>
-          </a:bodyPr>
-          <a:lstStyle/>
-          <a:p>
-            <a:r>
-              <a:rPr lang="en-US" sz="3600" dirty="0">
-                <a:cs typeface="Times New Roman" panose="02020603050405020304" pitchFamily="18" charset="0"/>
-              </a:rPr>
-              <a:t>Examples of Limited Dependent Variables</a:t>
-            </a:r>
-            <a:endParaRPr lang="en-US" sz="3600" dirty="0">
-              <a:latin typeface="Times New Roman" panose="02020603050405020304" pitchFamily="18" charset="0"/>
-              <a:cs typeface="Times New Roman" panose="02020603050405020304" pitchFamily="18" charset="0"/>
-            </a:endParaRPr>
-          </a:p>
-        </p:txBody>
-      </p:sp>
-      <mc:AlternateContent xmlns:mc="http://schemas.openxmlformats.org/markup-compatibility/2006" xmlns:a14="http://schemas.microsoft.com/office/drawing/2010/main">
-        <mc:Choice Requires="a14">
-          <p:sp>
-            <p:nvSpPr>
-              <p:cNvPr id="3" name="Content Placeholder 2"/>
-              <p:cNvSpPr>
-                <a:spLocks noGrp="1"/>
-              </p:cNvSpPr>
-              <p:nvPr>
-                <p:ph idx="1"/>
-              </p:nvPr>
-            </p:nvSpPr>
-            <p:spPr>
-              <a:xfrm>
-                <a:off x="1219199" y="1066801"/>
-                <a:ext cx="9405791" cy="5141388"/>
-              </a:xfrm>
-            </p:spPr>
-            <p:txBody>
-              <a:bodyPr>
-                <a:noAutofit/>
-              </a:bodyPr>
-              <a:lstStyle/>
-              <a:p>
-                <a:r>
-                  <a:rPr lang="en-US" sz="2600" b="1" dirty="0">
-                    <a:cs typeface="Times New Roman" panose="02020603050405020304" pitchFamily="18" charset="0"/>
-                  </a:rPr>
-                  <a:t>Binary</a:t>
-                </a:r>
-                <a:r>
-                  <a:rPr lang="en-US" sz="2600" dirty="0">
-                    <a:cs typeface="Times New Roman" panose="02020603050405020304" pitchFamily="18" charset="0"/>
-                  </a:rPr>
-                  <a:t>: Whether or not someone receives a treatment</a:t>
-                </a:r>
-                <a:endParaRPr lang="en-US" sz="2400" dirty="0">
-                  <a:cs typeface="Times New Roman" panose="02020603050405020304" pitchFamily="18" charset="0"/>
-                </a:endParaRPr>
-              </a:p>
-              <a:p>
-                <a:r>
-                  <a:rPr lang="en-US" sz="2400" b="1" dirty="0">
-                    <a:cs typeface="Times New Roman" panose="02020603050405020304" pitchFamily="18" charset="0"/>
-                  </a:rPr>
-                  <a:t>Ordered</a:t>
-                </a:r>
-                <a:r>
-                  <a:rPr lang="en-US" sz="2400" dirty="0">
-                    <a:cs typeface="Times New Roman" panose="02020603050405020304" pitchFamily="18" charset="0"/>
-                  </a:rPr>
-                  <a:t>: Number of prenatal visits during a pregnancy</a:t>
-                </a:r>
-              </a:p>
-              <a:p>
-                <a:pPr marL="0" indent="0">
-                  <a:buNone/>
-                </a:pPr>
-                <a14:m>
-                  <m:oMathPara xmlns:m="http://schemas.openxmlformats.org/officeDocument/2006/math">
-                    <m:oMathParaPr>
-                      <m:jc m:val="centerGroup"/>
-                    </m:oMathParaPr>
-                    <m:oMath xmlns:m="http://schemas.openxmlformats.org/officeDocument/2006/math">
-                      <m:r>
-                        <a:rPr lang="en-US" sz="2400" b="0" i="1" smtClean="0">
-                          <a:latin typeface="Cambria Math" panose="02040503050406030204" pitchFamily="18" charset="0"/>
-                          <a:cs typeface="Times New Roman" panose="02020603050405020304" pitchFamily="18" charset="0"/>
-                        </a:rPr>
-                        <m:t>𝑌</m:t>
-                      </m:r>
-                      <m:r>
-                        <a:rPr lang="en-US" sz="2400" b="0" i="1" smtClean="0">
-                          <a:latin typeface="Cambria Math" panose="02040503050406030204" pitchFamily="18" charset="0"/>
-                          <a:cs typeface="Times New Roman" panose="02020603050405020304" pitchFamily="18" charset="0"/>
-                        </a:rPr>
-                        <m:t>∈</m:t>
-                      </m:r>
-                      <m:r>
-                        <m:rPr>
-                          <m:lit/>
-                        </m:rPr>
-                        <a:rPr lang="en-US" sz="2400" b="0" i="1" smtClean="0">
-                          <a:latin typeface="Cambria Math" panose="02040503050406030204" pitchFamily="18" charset="0"/>
-                          <a:cs typeface="Times New Roman" panose="02020603050405020304" pitchFamily="18" charset="0"/>
-                        </a:rPr>
-                        <m:t>{</m:t>
-                      </m:r>
-                      <m:r>
-                        <a:rPr lang="en-US" sz="2400" b="0" i="1" smtClean="0">
-                          <a:latin typeface="Cambria Math" panose="02040503050406030204" pitchFamily="18" charset="0"/>
-                          <a:cs typeface="Times New Roman" panose="02020603050405020304" pitchFamily="18" charset="0"/>
-                        </a:rPr>
-                        <m:t>0, 1, 2, 3, …, </m:t>
-                      </m:r>
-                      <m:r>
-                        <a:rPr lang="en-US" sz="2400" b="0" i="1" smtClean="0">
-                          <a:latin typeface="Cambria Math" panose="02040503050406030204" pitchFamily="18" charset="0"/>
-                          <a:cs typeface="Times New Roman" panose="02020603050405020304" pitchFamily="18" charset="0"/>
-                        </a:rPr>
-                        <m:t>𝑁</m:t>
-                      </m:r>
-                      <m:r>
-                        <m:rPr>
-                          <m:lit/>
-                        </m:rPr>
-                        <a:rPr lang="en-US" sz="2400" b="0" i="1" smtClean="0">
-                          <a:latin typeface="Cambria Math" panose="02040503050406030204" pitchFamily="18" charset="0"/>
-                          <a:cs typeface="Times New Roman" panose="02020603050405020304" pitchFamily="18" charset="0"/>
-                        </a:rPr>
-                        <m:t>}</m:t>
-                      </m:r>
-                    </m:oMath>
-                  </m:oMathPara>
-                </a14:m>
-                <a:endParaRPr lang="en-US" sz="2400" dirty="0">
-                  <a:cs typeface="Times New Roman" panose="02020603050405020304" pitchFamily="18" charset="0"/>
-                </a:endParaRPr>
-              </a:p>
-              <a:p>
-                <a:endParaRPr lang="en-US" sz="2200" dirty="0">
-                  <a:cs typeface="Times New Roman" panose="02020603050405020304" pitchFamily="18" charset="0"/>
-                </a:endParaRPr>
-              </a:p>
-            </p:txBody>
-          </p:sp>
-        </mc:Choice>
-        <mc:Fallback xmlns="">
-          <p:sp>
-            <p:nvSpPr>
-              <p:cNvPr id="3" name="Content Placeholder 2"/>
-              <p:cNvSpPr>
-                <a:spLocks noGrp="1" noRot="1" noChangeAspect="1" noMove="1" noResize="1" noEditPoints="1" noAdjustHandles="1" noChangeArrowheads="1" noChangeShapeType="1" noTextEdit="1"/>
-              </p:cNvSpPr>
-              <p:nvPr>
-                <p:ph idx="1"/>
-              </p:nvPr>
-            </p:nvSpPr>
-            <p:spPr>
-              <a:xfrm>
-                <a:off x="1219199" y="1066801"/>
-                <a:ext cx="9405791" cy="5141388"/>
-              </a:xfrm>
-              <a:blipFill>
-                <a:blip r:embed="rId3"/>
-                <a:stretch>
-                  <a:fillRect l="-583" t="-1423"/>
-                </a:stretch>
-              </a:blipFill>
-            </p:spPr>
-            <p:txBody>
-              <a:bodyPr/>
-              <a:lstStyle/>
-              <a:p>
-                <a:r>
-                  <a:rPr lang="en-US">
-                    <a:noFill/>
-                  </a:rPr>
-                  <a:t> </a:t>
-                </a:r>
-              </a:p>
-            </p:txBody>
-          </p:sp>
-        </mc:Fallback>
-      </mc:AlternateContent>
-    </p:spTree>
-    <p:extLst>
-      <p:ext uri="{BB962C8B-B14F-4D97-AF65-F5344CB8AC3E}">
-        <p14:creationId xmlns:p14="http://schemas.microsoft.com/office/powerpoint/2010/main" val="2634887981"/>
-      </p:ext>
-    </p:extLst>
-  </p:cSld>
-  <p:clrMapOvr>
-    <a:masterClrMapping/>
-  </p:clrMapOvr>
-</p:sld>
-</file>
-
-<file path=ppt/slides/slide50.xml><?xml version="1.0" encoding="utf-8"?>
+<file path=ppt/slides/slide54.xml><?xml version="1.0" encoding="utf-8"?>
 <p:sld xmlns:a="http://schemas.openxmlformats.org/drawingml/2006/main" xmlns:r="http://schemas.openxmlformats.org/officeDocument/2006/relationships" xmlns:p="http://schemas.openxmlformats.org/presentationml/2006/main">
   <p:cSld>
     <p:spTree>
@@ -26145,8 +26893,8 @@
           </a:p>
         </p:txBody>
       </p:sp>
-      <mc:AlternateContent xmlns:mc="http://schemas.openxmlformats.org/markup-compatibility/2006">
-        <mc:Choice xmlns:a14="http://schemas.microsoft.com/office/drawing/2010/main" Requires="a14">
+      <mc:AlternateContent xmlns:mc="http://schemas.openxmlformats.org/markup-compatibility/2006" xmlns:a14="http://schemas.microsoft.com/office/drawing/2010/main">
+        <mc:Choice Requires="a14">
           <p:sp>
             <p:nvSpPr>
               <p:cNvPr id="3" name="Content Placeholder 2"/>
@@ -26474,7 +27222,7 @@
             </p:txBody>
           </p:sp>
         </mc:Choice>
-        <mc:Fallback>
+        <mc:Fallback xmlns="">
           <p:sp>
             <p:nvSpPr>
               <p:cNvPr id="3" name="Content Placeholder 2"/>
@@ -26525,7 +27273,7 @@
 </p:sld>
 </file>
 
-<file path=ppt/slides/slide51.xml><?xml version="1.0" encoding="utf-8"?>
+<file path=ppt/slides/slide55.xml><?xml version="1.0" encoding="utf-8"?>
 <p:sld xmlns:a="http://schemas.openxmlformats.org/drawingml/2006/main" xmlns:r="http://schemas.openxmlformats.org/officeDocument/2006/relationships" xmlns:p="http://schemas.openxmlformats.org/presentationml/2006/main">
   <p:cSld>
     <p:spTree>
@@ -26613,7 +27361,7 @@
 </p:sld>
 </file>
 
-<file path=ppt/slides/slide52.xml><?xml version="1.0" encoding="utf-8"?>
+<file path=ppt/slides/slide56.xml><?xml version="1.0" encoding="utf-8"?>
 <p:sld xmlns:a="http://schemas.openxmlformats.org/drawingml/2006/main" xmlns:r="http://schemas.openxmlformats.org/officeDocument/2006/relationships" xmlns:p="http://schemas.openxmlformats.org/presentationml/2006/main">
   <p:cSld>
     <p:spTree>
@@ -26751,7 +27499,7 @@
 </p:sld>
 </file>
 
-<file path=ppt/slides/slide53.xml><?xml version="1.0" encoding="utf-8"?>
+<file path=ppt/slides/slide57.xml><?xml version="1.0" encoding="utf-8"?>
 <p:sld xmlns:a="http://schemas.openxmlformats.org/drawingml/2006/main" xmlns:r="http://schemas.openxmlformats.org/officeDocument/2006/relationships" xmlns:p="http://schemas.openxmlformats.org/presentationml/2006/main">
   <p:cSld>
     <p:spTree>
@@ -26803,8 +27551,8 @@
           </a:p>
         </p:txBody>
       </p:sp>
-      <mc:AlternateContent xmlns:mc="http://schemas.openxmlformats.org/markup-compatibility/2006">
-        <mc:Choice xmlns:a14="http://schemas.microsoft.com/office/drawing/2010/main" Requires="a14">
+      <mc:AlternateContent xmlns:mc="http://schemas.openxmlformats.org/markup-compatibility/2006" xmlns:a14="http://schemas.microsoft.com/office/drawing/2010/main">
+        <mc:Choice Requires="a14">
           <p:sp>
             <p:nvSpPr>
               <p:cNvPr id="3" name="Content Placeholder 2"/>
@@ -27044,7 +27792,7 @@
             </p:txBody>
           </p:sp>
         </mc:Choice>
-        <mc:Fallback>
+        <mc:Fallback xmlns="">
           <p:sp>
             <p:nvSpPr>
               <p:cNvPr id="3" name="Content Placeholder 2"/>
@@ -27095,7 +27843,7 @@
 </p:sld>
 </file>
 
-<file path=ppt/slides/slide54.xml><?xml version="1.0" encoding="utf-8"?>
+<file path=ppt/slides/slide58.xml><?xml version="1.0" encoding="utf-8"?>
 <p:sld xmlns:a="http://schemas.openxmlformats.org/drawingml/2006/main" xmlns:r="http://schemas.openxmlformats.org/officeDocument/2006/relationships" xmlns:p="http://schemas.openxmlformats.org/presentationml/2006/main">
   <p:cSld>
     <p:spTree>
@@ -27144,8 +27892,8 @@
           </a:p>
         </p:txBody>
       </p:sp>
-      <mc:AlternateContent xmlns:mc="http://schemas.openxmlformats.org/markup-compatibility/2006">
-        <mc:Choice xmlns:a14="http://schemas.microsoft.com/office/drawing/2010/main" Requires="a14">
+      <mc:AlternateContent xmlns:mc="http://schemas.openxmlformats.org/markup-compatibility/2006" xmlns:a14="http://schemas.microsoft.com/office/drawing/2010/main">
+        <mc:Choice Requires="a14">
           <p:sp>
             <p:nvSpPr>
               <p:cNvPr id="3" name="Content Placeholder 2"/>
@@ -27318,7 +28066,7 @@
             </p:txBody>
           </p:sp>
         </mc:Choice>
-        <mc:Fallback>
+        <mc:Fallback xmlns="">
           <p:sp>
             <p:nvSpPr>
               <p:cNvPr id="3" name="Content Placeholder 2"/>
@@ -27369,7 +28117,7 @@
 </p:sld>
 </file>
 
-<file path=ppt/slides/slide55.xml><?xml version="1.0" encoding="utf-8"?>
+<file path=ppt/slides/slide59.xml><?xml version="1.0" encoding="utf-8"?>
 <p:sld xmlns:a="http://schemas.openxmlformats.org/drawingml/2006/main" xmlns:r="http://schemas.openxmlformats.org/officeDocument/2006/relationships" xmlns:p="http://schemas.openxmlformats.org/presentationml/2006/main">
   <p:cSld>
     <p:spTree>
@@ -27418,8 +28166,8 @@
           </a:p>
         </p:txBody>
       </p:sp>
-      <mc:AlternateContent xmlns:mc="http://schemas.openxmlformats.org/markup-compatibility/2006">
-        <mc:Choice xmlns:a14="http://schemas.microsoft.com/office/drawing/2010/main" Requires="a14">
+      <mc:AlternateContent xmlns:mc="http://schemas.openxmlformats.org/markup-compatibility/2006" xmlns:a14="http://schemas.microsoft.com/office/drawing/2010/main">
+        <mc:Choice Requires="a14">
           <p:sp>
             <p:nvSpPr>
               <p:cNvPr id="3" name="Content Placeholder 2"/>
@@ -28080,7 +28828,7 @@
             </p:txBody>
           </p:sp>
         </mc:Choice>
-        <mc:Fallback>
+        <mc:Fallback xmlns="">
           <p:sp>
             <p:nvSpPr>
               <p:cNvPr id="3" name="Content Placeholder 2"/>
@@ -28131,7 +28879,251 @@
 </p:sld>
 </file>
 
-<file path=ppt/slides/slide56.xml><?xml version="1.0" encoding="utf-8"?>
+<file path=ppt/slides/slide6.xml><?xml version="1.0" encoding="utf-8"?>
+<p:sld xmlns:a="http://schemas.openxmlformats.org/drawingml/2006/main" xmlns:r="http://schemas.openxmlformats.org/officeDocument/2006/relationships" xmlns:p="http://schemas.openxmlformats.org/presentationml/2006/main">
+  <p:cSld>
+    <p:spTree>
+      <p:nvGrpSpPr>
+        <p:cNvPr id="1" name=""/>
+        <p:cNvGrpSpPr/>
+        <p:nvPr/>
+      </p:nvGrpSpPr>
+      <p:grpSpPr>
+        <a:xfrm>
+          <a:off x="0" y="0"/>
+          <a:ext cx="0" cy="0"/>
+          <a:chOff x="0" y="0"/>
+          <a:chExt cx="0" cy="0"/>
+        </a:xfrm>
+      </p:grpSpPr>
+      <p:sp>
+        <p:nvSpPr>
+          <p:cNvPr id="2" name="Title 1"/>
+          <p:cNvSpPr>
+            <a:spLocks noGrp="1"/>
+          </p:cNvSpPr>
+          <p:nvPr>
+            <p:ph type="title"/>
+          </p:nvPr>
+        </p:nvSpPr>
+        <p:spPr>
+          <a:xfrm>
+            <a:off x="609600" y="337392"/>
+            <a:ext cx="10439400" cy="624840"/>
+          </a:xfrm>
+        </p:spPr>
+        <p:txBody>
+          <a:bodyPr>
+            <a:noAutofit/>
+          </a:bodyPr>
+          <a:lstStyle/>
+          <a:p>
+            <a:r>
+              <a:rPr lang="en-US" sz="3600" dirty="0">
+                <a:cs typeface="Times New Roman" panose="02020603050405020304" pitchFamily="18" charset="0"/>
+              </a:rPr>
+              <a:t>Examples of Limited Dependent Variables</a:t>
+            </a:r>
+            <a:endParaRPr lang="en-US" sz="3600" dirty="0">
+              <a:latin typeface="Times New Roman" panose="02020603050405020304" pitchFamily="18" charset="0"/>
+              <a:cs typeface="Times New Roman" panose="02020603050405020304" pitchFamily="18" charset="0"/>
+            </a:endParaRPr>
+          </a:p>
+        </p:txBody>
+      </p:sp>
+      <mc:AlternateContent xmlns:mc="http://schemas.openxmlformats.org/markup-compatibility/2006" xmlns:a14="http://schemas.microsoft.com/office/drawing/2010/main">
+        <mc:Choice Requires="a14">
+          <p:sp>
+            <p:nvSpPr>
+              <p:cNvPr id="3" name="Content Placeholder 2"/>
+              <p:cNvSpPr>
+                <a:spLocks noGrp="1"/>
+              </p:cNvSpPr>
+              <p:nvPr>
+                <p:ph idx="1"/>
+              </p:nvPr>
+            </p:nvSpPr>
+            <p:spPr>
+              <a:xfrm>
+                <a:off x="1219199" y="1066801"/>
+                <a:ext cx="9405791" cy="5141388"/>
+              </a:xfrm>
+            </p:spPr>
+            <p:txBody>
+              <a:bodyPr>
+                <a:noAutofit/>
+              </a:bodyPr>
+              <a:lstStyle/>
+              <a:p>
+                <a:r>
+                  <a:rPr lang="en-US" sz="2600" b="1" dirty="0">
+                    <a:cs typeface="Times New Roman" panose="02020603050405020304" pitchFamily="18" charset="0"/>
+                  </a:rPr>
+                  <a:t>Binary</a:t>
+                </a:r>
+                <a:r>
+                  <a:rPr lang="en-US" sz="2600" dirty="0">
+                    <a:cs typeface="Times New Roman" panose="02020603050405020304" pitchFamily="18" charset="0"/>
+                  </a:rPr>
+                  <a:t>: Whether or not someone receives a treatment</a:t>
+                </a:r>
+              </a:p>
+              <a:p>
+                <a:r>
+                  <a:rPr lang="en-US" sz="2400" b="1" dirty="0">
+                    <a:cs typeface="Times New Roman" panose="02020603050405020304" pitchFamily="18" charset="0"/>
+                  </a:rPr>
+                  <a:t>Ordered</a:t>
+                </a:r>
+                <a:r>
+                  <a:rPr lang="en-US" sz="2400" dirty="0">
+                    <a:cs typeface="Times New Roman" panose="02020603050405020304" pitchFamily="18" charset="0"/>
+                  </a:rPr>
+                  <a:t>: Number of prenatal visits during a pregnancy</a:t>
+                </a:r>
+              </a:p>
+              <a:p>
+                <a:r>
+                  <a:rPr lang="en-US" sz="2400" b="1" dirty="0">
+                    <a:cs typeface="Times New Roman" panose="02020603050405020304" pitchFamily="18" charset="0"/>
+                  </a:rPr>
+                  <a:t>Censored</a:t>
+                </a:r>
+                <a:r>
+                  <a:rPr lang="en-US" sz="2400" dirty="0">
+                    <a:cs typeface="Times New Roman" panose="02020603050405020304" pitchFamily="18" charset="0"/>
+                  </a:rPr>
+                  <a:t>: Income data is observed only in a certain range</a:t>
+                </a:r>
+              </a:p>
+              <a:p>
+                <a:pPr marL="0" indent="0">
+                  <a:buNone/>
+                </a:pPr>
+                <a14:m>
+                  <m:oMathPara xmlns:m="http://schemas.openxmlformats.org/officeDocument/2006/math">
+                    <m:oMathParaPr>
+                      <m:jc m:val="centerGroup"/>
+                    </m:oMathParaPr>
+                    <m:oMath xmlns:m="http://schemas.openxmlformats.org/officeDocument/2006/math">
+                      <m:r>
+                        <a:rPr lang="en-US" sz="2400" b="0" i="1" smtClean="0">
+                          <a:latin typeface="Cambria Math" panose="02040503050406030204" pitchFamily="18" charset="0"/>
+                          <a:cs typeface="Times New Roman" panose="02020603050405020304" pitchFamily="18" charset="0"/>
+                        </a:rPr>
+                        <m:t>𝑌</m:t>
+                      </m:r>
+                      <m:r>
+                        <m:rPr>
+                          <m:lit/>
+                        </m:rPr>
+                        <a:rPr lang="en-US" sz="2400" b="0" i="1" smtClean="0">
+                          <a:latin typeface="Cambria Math" panose="02040503050406030204" pitchFamily="18" charset="0"/>
+                          <a:cs typeface="Times New Roman" panose="02020603050405020304" pitchFamily="18" charset="0"/>
+                        </a:rPr>
+                        <m:t> </m:t>
+                      </m:r>
+                      <m:r>
+                        <a:rPr lang="en-US" sz="2400" b="0" i="1" smtClean="0">
+                          <a:latin typeface="Cambria Math" panose="02040503050406030204" pitchFamily="18" charset="0"/>
+                          <a:cs typeface="Times New Roman" panose="02020603050405020304" pitchFamily="18" charset="0"/>
+                        </a:rPr>
+                        <m:t>∈</m:t>
+                      </m:r>
+                      <m:r>
+                        <m:rPr>
+                          <m:lit/>
+                        </m:rPr>
+                        <a:rPr lang="en-US" sz="2400" b="0" i="1" smtClean="0">
+                          <a:latin typeface="Cambria Math" panose="02040503050406030204" pitchFamily="18" charset="0"/>
+                          <a:cs typeface="Times New Roman" panose="02020603050405020304" pitchFamily="18" charset="0"/>
+                        </a:rPr>
+                        <m:t>{</m:t>
+                      </m:r>
+                      <m:r>
+                        <a:rPr lang="en-US" sz="2400" b="0" i="1" smtClean="0">
+                          <a:latin typeface="Cambria Math" panose="02040503050406030204" pitchFamily="18" charset="0"/>
+                          <a:cs typeface="Times New Roman" panose="02020603050405020304" pitchFamily="18" charset="0"/>
+                        </a:rPr>
+                        <m:t>$0−$1,000, $1,000−$5,000, $5,000−$8,000,…, $1,000,000+</m:t>
+                      </m:r>
+                      <m:r>
+                        <m:rPr>
+                          <m:lit/>
+                        </m:rPr>
+                        <a:rPr lang="en-US" sz="2400" b="0" i="1" smtClean="0">
+                          <a:latin typeface="Cambria Math" panose="02040503050406030204" pitchFamily="18" charset="0"/>
+                          <a:cs typeface="Times New Roman" panose="02020603050405020304" pitchFamily="18" charset="0"/>
+                        </a:rPr>
+                        <m:t>}</m:t>
+                      </m:r>
+                    </m:oMath>
+                  </m:oMathPara>
+                </a14:m>
+                <a:endParaRPr lang="en-US" sz="2400" dirty="0">
+                  <a:cs typeface="Times New Roman" panose="02020603050405020304" pitchFamily="18" charset="0"/>
+                </a:endParaRPr>
+              </a:p>
+              <a:p>
+                <a:endParaRPr lang="en-US" sz="2200" dirty="0">
+                  <a:cs typeface="Times New Roman" panose="02020603050405020304" pitchFamily="18" charset="0"/>
+                </a:endParaRPr>
+              </a:p>
+            </p:txBody>
+          </p:sp>
+        </mc:Choice>
+        <mc:Fallback xmlns="">
+          <p:sp>
+            <p:nvSpPr>
+              <p:cNvPr id="3" name="Content Placeholder 2"/>
+              <p:cNvSpPr>
+                <a:spLocks noGrp="1" noRot="1" noChangeAspect="1" noMove="1" noResize="1" noEditPoints="1" noAdjustHandles="1" noChangeArrowheads="1" noChangeShapeType="1" noTextEdit="1"/>
+              </p:cNvSpPr>
+              <p:nvPr>
+                <p:ph idx="1"/>
+              </p:nvPr>
+            </p:nvSpPr>
+            <p:spPr>
+              <a:xfrm>
+                <a:off x="1219199" y="1066801"/>
+                <a:ext cx="9405791" cy="5141388"/>
+              </a:xfrm>
+              <a:blipFill>
+                <a:blip r:embed="rId3"/>
+                <a:stretch>
+                  <a:fillRect l="-583" t="-1423" r="-324"/>
+                </a:stretch>
+              </a:blipFill>
+            </p:spPr>
+            <p:txBody>
+              <a:bodyPr/>
+              <a:lstStyle/>
+              <a:p>
+                <a:r>
+                  <a:rPr lang="en-US">
+                    <a:noFill/>
+                  </a:rPr>
+                  <a:t> </a:t>
+                </a:r>
+              </a:p>
+            </p:txBody>
+          </p:sp>
+        </mc:Fallback>
+      </mc:AlternateContent>
+    </p:spTree>
+    <p:extLst>
+      <p:ext uri="{BB962C8B-B14F-4D97-AF65-F5344CB8AC3E}">
+        <p14:creationId xmlns:p14="http://schemas.microsoft.com/office/powerpoint/2010/main" val="1919802246"/>
+      </p:ext>
+    </p:extLst>
+  </p:cSld>
+  <p:clrMapOvr>
+    <a:masterClrMapping/>
+  </p:clrMapOvr>
+</p:sld>
+</file>
+
+<file path=ppt/slides/slide60.xml><?xml version="1.0" encoding="utf-8"?>
 <p:sld xmlns:a="http://schemas.openxmlformats.org/drawingml/2006/main" xmlns:r="http://schemas.openxmlformats.org/officeDocument/2006/relationships" xmlns:p="http://schemas.openxmlformats.org/presentationml/2006/main">
   <p:cSld>
     <p:spTree>
@@ -28180,8 +29172,8 @@
           </a:p>
         </p:txBody>
       </p:sp>
-      <mc:AlternateContent xmlns:mc="http://schemas.openxmlformats.org/markup-compatibility/2006">
-        <mc:Choice xmlns:a14="http://schemas.microsoft.com/office/drawing/2010/main" Requires="a14">
+      <mc:AlternateContent xmlns:mc="http://schemas.openxmlformats.org/markup-compatibility/2006" xmlns:a14="http://schemas.microsoft.com/office/drawing/2010/main">
+        <mc:Choice Requires="a14">
           <p:sp>
             <p:nvSpPr>
               <p:cNvPr id="3" name="Content Placeholder 2"/>
@@ -28845,7 +29837,7 @@
             </p:txBody>
           </p:sp>
         </mc:Choice>
-        <mc:Fallback>
+        <mc:Fallback xmlns="">
           <p:sp>
             <p:nvSpPr>
               <p:cNvPr id="3" name="Content Placeholder 2"/>
@@ -28896,7 +29888,7 @@
 </p:sld>
 </file>
 
-<file path=ppt/slides/slide57.xml><?xml version="1.0" encoding="utf-8"?>
+<file path=ppt/slides/slide61.xml><?xml version="1.0" encoding="utf-8"?>
 <p:sld xmlns:a="http://schemas.openxmlformats.org/drawingml/2006/main" xmlns:r="http://schemas.openxmlformats.org/officeDocument/2006/relationships" xmlns:p="http://schemas.openxmlformats.org/presentationml/2006/main">
   <p:cSld>
     <p:spTree>
@@ -28945,8 +29937,8 @@
           </a:p>
         </p:txBody>
       </p:sp>
-      <mc:AlternateContent xmlns:mc="http://schemas.openxmlformats.org/markup-compatibility/2006">
-        <mc:Choice xmlns:a14="http://schemas.microsoft.com/office/drawing/2010/main" Requires="a14">
+      <mc:AlternateContent xmlns:mc="http://schemas.openxmlformats.org/markup-compatibility/2006" xmlns:a14="http://schemas.microsoft.com/office/drawing/2010/main">
+        <mc:Choice Requires="a14">
           <p:sp>
             <p:nvSpPr>
               <p:cNvPr id="3" name="Content Placeholder 2"/>
@@ -29690,7 +30682,7 @@
             </p:txBody>
           </p:sp>
         </mc:Choice>
-        <mc:Fallback>
+        <mc:Fallback xmlns="">
           <p:sp>
             <p:nvSpPr>
               <p:cNvPr id="3" name="Content Placeholder 2"/>
@@ -29741,7 +30733,7 @@
 </p:sld>
 </file>
 
-<file path=ppt/slides/slide58.xml><?xml version="1.0" encoding="utf-8"?>
+<file path=ppt/slides/slide62.xml><?xml version="1.0" encoding="utf-8"?>
 <p:sld xmlns:a="http://schemas.openxmlformats.org/drawingml/2006/main" xmlns:r="http://schemas.openxmlformats.org/officeDocument/2006/relationships" xmlns:p="http://schemas.openxmlformats.org/presentationml/2006/main">
   <p:cSld>
     <p:spTree>
@@ -29790,8 +30782,8 @@
           </a:p>
         </p:txBody>
       </p:sp>
-      <mc:AlternateContent xmlns:mc="http://schemas.openxmlformats.org/markup-compatibility/2006">
-        <mc:Choice xmlns:a14="http://schemas.microsoft.com/office/drawing/2010/main" Requires="a14">
+      <mc:AlternateContent xmlns:mc="http://schemas.openxmlformats.org/markup-compatibility/2006" xmlns:a14="http://schemas.microsoft.com/office/drawing/2010/main">
+        <mc:Choice Requires="a14">
           <p:sp>
             <p:nvSpPr>
               <p:cNvPr id="3" name="Content Placeholder 2"/>
@@ -30891,7 +31883,7 @@
             </p:txBody>
           </p:sp>
         </mc:Choice>
-        <mc:Fallback>
+        <mc:Fallback xmlns="">
           <p:sp>
             <p:nvSpPr>
               <p:cNvPr id="3" name="Content Placeholder 2"/>
@@ -30942,7 +31934,7 @@
 </p:sld>
 </file>
 
-<file path=ppt/slides/slide59.xml><?xml version="1.0" encoding="utf-8"?>
+<file path=ppt/slides/slide63.xml><?xml version="1.0" encoding="utf-8"?>
 <p:sld xmlns:a="http://schemas.openxmlformats.org/drawingml/2006/main" xmlns:r="http://schemas.openxmlformats.org/officeDocument/2006/relationships" xmlns:p="http://schemas.openxmlformats.org/presentationml/2006/main">
   <p:cSld>
     <p:spTree>
@@ -31005,8 +31997,8 @@
           </a:p>
         </p:txBody>
       </p:sp>
-      <mc:AlternateContent xmlns:mc="http://schemas.openxmlformats.org/markup-compatibility/2006">
-        <mc:Choice xmlns:a14="http://schemas.microsoft.com/office/drawing/2010/main" Requires="a14">
+      <mc:AlternateContent xmlns:mc="http://schemas.openxmlformats.org/markup-compatibility/2006" xmlns:a14="http://schemas.microsoft.com/office/drawing/2010/main">
+        <mc:Choice Requires="a14">
           <p:sp>
             <p:nvSpPr>
               <p:cNvPr id="3" name="Content Placeholder 2"/>
@@ -31338,7 +32330,7 @@
             </p:txBody>
           </p:sp>
         </mc:Choice>
-        <mc:Fallback>
+        <mc:Fallback xmlns="">
           <p:sp>
             <p:nvSpPr>
               <p:cNvPr id="3" name="Content Placeholder 2"/>
@@ -31389,251 +32381,7 @@
 </p:sld>
 </file>
 
-<file path=ppt/slides/slide6.xml><?xml version="1.0" encoding="utf-8"?>
-<p:sld xmlns:a="http://schemas.openxmlformats.org/drawingml/2006/main" xmlns:r="http://schemas.openxmlformats.org/officeDocument/2006/relationships" xmlns:p="http://schemas.openxmlformats.org/presentationml/2006/main">
-  <p:cSld>
-    <p:spTree>
-      <p:nvGrpSpPr>
-        <p:cNvPr id="1" name=""/>
-        <p:cNvGrpSpPr/>
-        <p:nvPr/>
-      </p:nvGrpSpPr>
-      <p:grpSpPr>
-        <a:xfrm>
-          <a:off x="0" y="0"/>
-          <a:ext cx="0" cy="0"/>
-          <a:chOff x="0" y="0"/>
-          <a:chExt cx="0" cy="0"/>
-        </a:xfrm>
-      </p:grpSpPr>
-      <p:sp>
-        <p:nvSpPr>
-          <p:cNvPr id="2" name="Title 1"/>
-          <p:cNvSpPr>
-            <a:spLocks noGrp="1"/>
-          </p:cNvSpPr>
-          <p:nvPr>
-            <p:ph type="title"/>
-          </p:nvPr>
-        </p:nvSpPr>
-        <p:spPr>
-          <a:xfrm>
-            <a:off x="609600" y="337392"/>
-            <a:ext cx="10439400" cy="624840"/>
-          </a:xfrm>
-        </p:spPr>
-        <p:txBody>
-          <a:bodyPr>
-            <a:noAutofit/>
-          </a:bodyPr>
-          <a:lstStyle/>
-          <a:p>
-            <a:r>
-              <a:rPr lang="en-US" sz="3600" dirty="0">
-                <a:cs typeface="Times New Roman" panose="02020603050405020304" pitchFamily="18" charset="0"/>
-              </a:rPr>
-              <a:t>Examples of Limited Dependent Variables</a:t>
-            </a:r>
-            <a:endParaRPr lang="en-US" sz="3600" dirty="0">
-              <a:latin typeface="Times New Roman" panose="02020603050405020304" pitchFamily="18" charset="0"/>
-              <a:cs typeface="Times New Roman" panose="02020603050405020304" pitchFamily="18" charset="0"/>
-            </a:endParaRPr>
-          </a:p>
-        </p:txBody>
-      </p:sp>
-      <mc:AlternateContent xmlns:mc="http://schemas.openxmlformats.org/markup-compatibility/2006" xmlns:a14="http://schemas.microsoft.com/office/drawing/2010/main">
-        <mc:Choice Requires="a14">
-          <p:sp>
-            <p:nvSpPr>
-              <p:cNvPr id="3" name="Content Placeholder 2"/>
-              <p:cNvSpPr>
-                <a:spLocks noGrp="1"/>
-              </p:cNvSpPr>
-              <p:nvPr>
-                <p:ph idx="1"/>
-              </p:nvPr>
-            </p:nvSpPr>
-            <p:spPr>
-              <a:xfrm>
-                <a:off x="1219199" y="1066801"/>
-                <a:ext cx="9405791" cy="5141388"/>
-              </a:xfrm>
-            </p:spPr>
-            <p:txBody>
-              <a:bodyPr>
-                <a:noAutofit/>
-              </a:bodyPr>
-              <a:lstStyle/>
-              <a:p>
-                <a:r>
-                  <a:rPr lang="en-US" sz="2600" b="1" dirty="0">
-                    <a:cs typeface="Times New Roman" panose="02020603050405020304" pitchFamily="18" charset="0"/>
-                  </a:rPr>
-                  <a:t>Binary</a:t>
-                </a:r>
-                <a:r>
-                  <a:rPr lang="en-US" sz="2600" dirty="0">
-                    <a:cs typeface="Times New Roman" panose="02020603050405020304" pitchFamily="18" charset="0"/>
-                  </a:rPr>
-                  <a:t>: Whether or not someone receives a treatment</a:t>
-                </a:r>
-              </a:p>
-              <a:p>
-                <a:r>
-                  <a:rPr lang="en-US" sz="2400" b="1" dirty="0">
-                    <a:cs typeface="Times New Roman" panose="02020603050405020304" pitchFamily="18" charset="0"/>
-                  </a:rPr>
-                  <a:t>Ordered</a:t>
-                </a:r>
-                <a:r>
-                  <a:rPr lang="en-US" sz="2400" dirty="0">
-                    <a:cs typeface="Times New Roman" panose="02020603050405020304" pitchFamily="18" charset="0"/>
-                  </a:rPr>
-                  <a:t>: Number of prenatal visits during a pregnancy</a:t>
-                </a:r>
-              </a:p>
-              <a:p>
-                <a:r>
-                  <a:rPr lang="en-US" sz="2400" b="1" dirty="0">
-                    <a:cs typeface="Times New Roman" panose="02020603050405020304" pitchFamily="18" charset="0"/>
-                  </a:rPr>
-                  <a:t>Censored</a:t>
-                </a:r>
-                <a:r>
-                  <a:rPr lang="en-US" sz="2400" dirty="0">
-                    <a:cs typeface="Times New Roman" panose="02020603050405020304" pitchFamily="18" charset="0"/>
-                  </a:rPr>
-                  <a:t>: Income data is observed only in a certain range</a:t>
-                </a:r>
-              </a:p>
-              <a:p>
-                <a:pPr marL="0" indent="0">
-                  <a:buNone/>
-                </a:pPr>
-                <a14:m>
-                  <m:oMathPara xmlns:m="http://schemas.openxmlformats.org/officeDocument/2006/math">
-                    <m:oMathParaPr>
-                      <m:jc m:val="centerGroup"/>
-                    </m:oMathParaPr>
-                    <m:oMath xmlns:m="http://schemas.openxmlformats.org/officeDocument/2006/math">
-                      <m:r>
-                        <a:rPr lang="en-US" sz="2400" b="0" i="1" smtClean="0">
-                          <a:latin typeface="Cambria Math" panose="02040503050406030204" pitchFamily="18" charset="0"/>
-                          <a:cs typeface="Times New Roman" panose="02020603050405020304" pitchFamily="18" charset="0"/>
-                        </a:rPr>
-                        <m:t>𝑌</m:t>
-                      </m:r>
-                      <m:r>
-                        <m:rPr>
-                          <m:lit/>
-                        </m:rPr>
-                        <a:rPr lang="en-US" sz="2400" b="0" i="1" smtClean="0">
-                          <a:latin typeface="Cambria Math" panose="02040503050406030204" pitchFamily="18" charset="0"/>
-                          <a:cs typeface="Times New Roman" panose="02020603050405020304" pitchFamily="18" charset="0"/>
-                        </a:rPr>
-                        <m:t> </m:t>
-                      </m:r>
-                      <m:r>
-                        <a:rPr lang="en-US" sz="2400" b="0" i="1" smtClean="0">
-                          <a:latin typeface="Cambria Math" panose="02040503050406030204" pitchFamily="18" charset="0"/>
-                          <a:cs typeface="Times New Roman" panose="02020603050405020304" pitchFamily="18" charset="0"/>
-                        </a:rPr>
-                        <m:t>∈</m:t>
-                      </m:r>
-                      <m:r>
-                        <m:rPr>
-                          <m:lit/>
-                        </m:rPr>
-                        <a:rPr lang="en-US" sz="2400" b="0" i="1" smtClean="0">
-                          <a:latin typeface="Cambria Math" panose="02040503050406030204" pitchFamily="18" charset="0"/>
-                          <a:cs typeface="Times New Roman" panose="02020603050405020304" pitchFamily="18" charset="0"/>
-                        </a:rPr>
-                        <m:t>{</m:t>
-                      </m:r>
-                      <m:r>
-                        <a:rPr lang="en-US" sz="2400" b="0" i="1" smtClean="0">
-                          <a:latin typeface="Cambria Math" panose="02040503050406030204" pitchFamily="18" charset="0"/>
-                          <a:cs typeface="Times New Roman" panose="02020603050405020304" pitchFamily="18" charset="0"/>
-                        </a:rPr>
-                        <m:t>$0−$1,000, $1,000−$5,000, $5,000−$8,000,…, $1,000,000+</m:t>
-                      </m:r>
-                      <m:r>
-                        <m:rPr>
-                          <m:lit/>
-                        </m:rPr>
-                        <a:rPr lang="en-US" sz="2400" b="0" i="1" smtClean="0">
-                          <a:latin typeface="Cambria Math" panose="02040503050406030204" pitchFamily="18" charset="0"/>
-                          <a:cs typeface="Times New Roman" panose="02020603050405020304" pitchFamily="18" charset="0"/>
-                        </a:rPr>
-                        <m:t>}</m:t>
-                      </m:r>
-                    </m:oMath>
-                  </m:oMathPara>
-                </a14:m>
-                <a:endParaRPr lang="en-US" sz="2400" dirty="0">
-                  <a:cs typeface="Times New Roman" panose="02020603050405020304" pitchFamily="18" charset="0"/>
-                </a:endParaRPr>
-              </a:p>
-              <a:p>
-                <a:endParaRPr lang="en-US" sz="2200" dirty="0">
-                  <a:cs typeface="Times New Roman" panose="02020603050405020304" pitchFamily="18" charset="0"/>
-                </a:endParaRPr>
-              </a:p>
-            </p:txBody>
-          </p:sp>
-        </mc:Choice>
-        <mc:Fallback xmlns="">
-          <p:sp>
-            <p:nvSpPr>
-              <p:cNvPr id="3" name="Content Placeholder 2"/>
-              <p:cNvSpPr>
-                <a:spLocks noGrp="1" noRot="1" noChangeAspect="1" noMove="1" noResize="1" noEditPoints="1" noAdjustHandles="1" noChangeArrowheads="1" noChangeShapeType="1" noTextEdit="1"/>
-              </p:cNvSpPr>
-              <p:nvPr>
-                <p:ph idx="1"/>
-              </p:nvPr>
-            </p:nvSpPr>
-            <p:spPr>
-              <a:xfrm>
-                <a:off x="1219199" y="1066801"/>
-                <a:ext cx="9405791" cy="5141388"/>
-              </a:xfrm>
-              <a:blipFill>
-                <a:blip r:embed="rId3"/>
-                <a:stretch>
-                  <a:fillRect l="-583" t="-1423" r="-324"/>
-                </a:stretch>
-              </a:blipFill>
-            </p:spPr>
-            <p:txBody>
-              <a:bodyPr/>
-              <a:lstStyle/>
-              <a:p>
-                <a:r>
-                  <a:rPr lang="en-US">
-                    <a:noFill/>
-                  </a:rPr>
-                  <a:t> </a:t>
-                </a:r>
-              </a:p>
-            </p:txBody>
-          </p:sp>
-        </mc:Fallback>
-      </mc:AlternateContent>
-    </p:spTree>
-    <p:extLst>
-      <p:ext uri="{BB962C8B-B14F-4D97-AF65-F5344CB8AC3E}">
-        <p14:creationId xmlns:p14="http://schemas.microsoft.com/office/powerpoint/2010/main" val="1919802246"/>
-      </p:ext>
-    </p:extLst>
-  </p:cSld>
-  <p:clrMapOvr>
-    <a:masterClrMapping/>
-  </p:clrMapOvr>
-</p:sld>
-</file>
-
-<file path=ppt/slides/slide60.xml><?xml version="1.0" encoding="utf-8"?>
+<file path=ppt/slides/slide64.xml><?xml version="1.0" encoding="utf-8"?>
 <p:sld xmlns:a="http://schemas.openxmlformats.org/drawingml/2006/main" xmlns:r="http://schemas.openxmlformats.org/officeDocument/2006/relationships" xmlns:p="http://schemas.openxmlformats.org/presentationml/2006/main">
   <p:cSld>
     <p:spTree>
@@ -31682,8 +32430,8 @@
           </a:p>
         </p:txBody>
       </p:sp>
-      <mc:AlternateContent xmlns:mc="http://schemas.openxmlformats.org/markup-compatibility/2006">
-        <mc:Choice xmlns:a14="http://schemas.microsoft.com/office/drawing/2010/main" Requires="a14">
+      <mc:AlternateContent xmlns:mc="http://schemas.openxmlformats.org/markup-compatibility/2006" xmlns:a14="http://schemas.microsoft.com/office/drawing/2010/main">
+        <mc:Choice Requires="a14">
           <p:sp>
             <p:nvSpPr>
               <p:cNvPr id="3" name="Content Placeholder 2"/>
@@ -32026,7 +32774,7 @@
             </p:txBody>
           </p:sp>
         </mc:Choice>
-        <mc:Fallback>
+        <mc:Fallback xmlns="">
           <p:sp>
             <p:nvSpPr>
               <p:cNvPr id="3" name="Content Placeholder 2"/>
@@ -32124,7 +32872,7 @@
 </p:sld>
 </file>
 
-<file path=ppt/slides/slide61.xml><?xml version="1.0" encoding="utf-8"?>
+<file path=ppt/slides/slide65.xml><?xml version="1.0" encoding="utf-8"?>
 <p:sld xmlns:a="http://schemas.openxmlformats.org/drawingml/2006/main" xmlns:r="http://schemas.openxmlformats.org/officeDocument/2006/relationships" xmlns:p="http://schemas.openxmlformats.org/presentationml/2006/main">
   <p:cSld>
     <p:spTree>
@@ -32173,8 +32921,8 @@
           </a:p>
         </p:txBody>
       </p:sp>
-      <mc:AlternateContent xmlns:mc="http://schemas.openxmlformats.org/markup-compatibility/2006">
-        <mc:Choice xmlns:a14="http://schemas.microsoft.com/office/drawing/2010/main" Requires="a14">
+      <mc:AlternateContent xmlns:mc="http://schemas.openxmlformats.org/markup-compatibility/2006" xmlns:a14="http://schemas.microsoft.com/office/drawing/2010/main">
+        <mc:Choice Requires="a14">
           <p:sp>
             <p:nvSpPr>
               <p:cNvPr id="3" name="Content Placeholder 2"/>
@@ -32323,7 +33071,7 @@
             </p:txBody>
           </p:sp>
         </mc:Choice>
-        <mc:Fallback>
+        <mc:Fallback xmlns="">
           <p:sp>
             <p:nvSpPr>
               <p:cNvPr id="3" name="Content Placeholder 2"/>
@@ -32374,7 +33122,7 @@
 </p:sld>
 </file>
 
-<file path=ppt/slides/slide62.xml><?xml version="1.0" encoding="utf-8"?>
+<file path=ppt/slides/slide66.xml><?xml version="1.0" encoding="utf-8"?>
 <p:sld xmlns:a="http://schemas.openxmlformats.org/drawingml/2006/main" xmlns:r="http://schemas.openxmlformats.org/officeDocument/2006/relationships" xmlns:p="http://schemas.openxmlformats.org/presentationml/2006/main">
   <p:cSld>
     <p:spTree>
@@ -32423,8 +33171,8 @@
           </a:p>
         </p:txBody>
       </p:sp>
-      <mc:AlternateContent xmlns:mc="http://schemas.openxmlformats.org/markup-compatibility/2006">
-        <mc:Choice xmlns:a14="http://schemas.microsoft.com/office/drawing/2010/main" Requires="a14">
+      <mc:AlternateContent xmlns:mc="http://schemas.openxmlformats.org/markup-compatibility/2006" xmlns:a14="http://schemas.microsoft.com/office/drawing/2010/main">
+        <mc:Choice Requires="a14">
           <p:sp>
             <p:nvSpPr>
               <p:cNvPr id="3" name="Content Placeholder 2"/>
@@ -32628,7 +33376,7 @@
             </p:txBody>
           </p:sp>
         </mc:Choice>
-        <mc:Fallback>
+        <mc:Fallback xmlns="">
           <p:sp>
             <p:nvSpPr>
               <p:cNvPr id="3" name="Content Placeholder 2"/>
@@ -32726,7 +33474,7 @@
 </p:sld>
 </file>
 
-<file path=ppt/slides/slide63.xml><?xml version="1.0" encoding="utf-8"?>
+<file path=ppt/slides/slide67.xml><?xml version="1.0" encoding="utf-8"?>
 <p:sld xmlns:a="http://schemas.openxmlformats.org/drawingml/2006/main" xmlns:r="http://schemas.openxmlformats.org/officeDocument/2006/relationships" xmlns:p="http://schemas.openxmlformats.org/presentationml/2006/main">
   <p:cSld>
     <p:spTree>
@@ -32960,8 +33708,8 @@
           </a:p>
         </p:txBody>
       </p:sp>
-      <mc:AlternateContent xmlns:mc="http://schemas.openxmlformats.org/markup-compatibility/2006">
-        <mc:Choice xmlns:a14="http://schemas.microsoft.com/office/drawing/2010/main" Requires="a14">
+      <mc:AlternateContent xmlns:mc="http://schemas.openxmlformats.org/markup-compatibility/2006" xmlns:a14="http://schemas.microsoft.com/office/drawing/2010/main">
+        <mc:Choice Requires="a14">
           <p:sp>
             <p:nvSpPr>
               <p:cNvPr id="3" name="Content Placeholder 2"/>
@@ -33255,7 +34003,7 @@
             </p:txBody>
           </p:sp>
         </mc:Choice>
-        <mc:Fallback>
+        <mc:Fallback xmlns="">
           <p:sp>
             <p:nvSpPr>
               <p:cNvPr id="3" name="Content Placeholder 2"/>
